--- a/MSDO/Assignment5/Mars 2040 Optimization Presentation.pptx
+++ b/MSDO/Assignment5/Mars 2040 Optimization Presentation.pptx
@@ -5,17 +5,22 @@
     <p:sldMasterId id="2147483673" r:id="rId1"/>
   </p:sldMasterIdLst>
   <p:notesMasterIdLst>
-    <p:notesMasterId r:id="rId10"/>
+    <p:notesMasterId r:id="rId15"/>
   </p:notesMasterIdLst>
   <p:sldIdLst>
     <p:sldId id="448" r:id="rId2"/>
     <p:sldId id="565" r:id="rId3"/>
     <p:sldId id="566" r:id="rId4"/>
-    <p:sldId id="567" r:id="rId5"/>
-    <p:sldId id="568" r:id="rId6"/>
-    <p:sldId id="569" r:id="rId7"/>
-    <p:sldId id="570" r:id="rId8"/>
-    <p:sldId id="571" r:id="rId9"/>
+    <p:sldId id="573" r:id="rId5"/>
+    <p:sldId id="574" r:id="rId6"/>
+    <p:sldId id="572" r:id="rId7"/>
+    <p:sldId id="576" r:id="rId8"/>
+    <p:sldId id="567" r:id="rId9"/>
+    <p:sldId id="575" r:id="rId10"/>
+    <p:sldId id="568" r:id="rId11"/>
+    <p:sldId id="569" r:id="rId12"/>
+    <p:sldId id="570" r:id="rId13"/>
+    <p:sldId id="571" r:id="rId14"/>
   </p:sldIdLst>
   <p:sldSz cx="9144000" cy="6858000" type="screen4x3"/>
   <p:notesSz cx="6858000" cy="9144000"/>
@@ -215,7 +220,7 @@
           <a:p>
             <a:fld id="{D292ED30-0A90-45AA-9637-D363BB894E5D}" type="datetimeFigureOut">
               <a:rPr lang="en-US" smtClean="0"/>
-              <a:t>5/3/2016</a:t>
+              <a:t>5/8/2016</a:t>
             </a:fld>
             <a:endParaRPr lang="en-US"/>
           </a:p>
@@ -787,7 +792,65 @@
           <a:bodyPr/>
           <a:lstStyle/>
           <a:p>
-            <a:endParaRPr lang="en-US"/>
+            <a:r>
+              <a:rPr lang="en-US" sz="1200" b="0" i="0" kern="1200" dirty="0" smtClean="0">
+                <a:solidFill>
+                  <a:schemeClr val="tx1"/>
+                </a:solidFill>
+                <a:effectLst/>
+                <a:latin typeface="+mn-lt"/>
+                <a:ea typeface="+mn-ea"/>
+                <a:cs typeface="+mn-cs"/>
+              </a:rPr>
+              <a:t>Open Source:</a:t>
+            </a:r>
+            <a:r>
+              <a:rPr lang="en-US" sz="1200" b="0" i="0" kern="1200" baseline="0" dirty="0" smtClean="0">
+                <a:solidFill>
+                  <a:schemeClr val="tx1"/>
+                </a:solidFill>
+                <a:effectLst/>
+                <a:latin typeface="+mn-lt"/>
+                <a:ea typeface="+mn-ea"/>
+                <a:cs typeface="+mn-cs"/>
+              </a:rPr>
+              <a:t> opensource.org</a:t>
+            </a:r>
+            <a:endParaRPr lang="en-US" sz="1200" b="0" i="0" kern="1200" dirty="0" smtClean="0">
+              <a:solidFill>
+                <a:schemeClr val="tx1"/>
+              </a:solidFill>
+              <a:effectLst/>
+              <a:latin typeface="+mn-lt"/>
+              <a:ea typeface="+mn-ea"/>
+              <a:cs typeface="+mn-cs"/>
+            </a:endParaRPr>
+          </a:p>
+          <a:p>
+            <a:endParaRPr lang="en-US" sz="1200" b="0" i="0" kern="1200" dirty="0" smtClean="0">
+              <a:solidFill>
+                <a:schemeClr val="tx1"/>
+              </a:solidFill>
+              <a:effectLst/>
+              <a:latin typeface="+mn-lt"/>
+              <a:ea typeface="+mn-ea"/>
+              <a:cs typeface="+mn-cs"/>
+            </a:endParaRPr>
+          </a:p>
+          <a:p>
+            <a:r>
+              <a:rPr lang="en-US" sz="1200" b="0" i="0" kern="1200" dirty="0" smtClean="0">
+                <a:solidFill>
+                  <a:schemeClr val="tx1"/>
+                </a:solidFill>
+                <a:effectLst/>
+                <a:latin typeface="+mn-lt"/>
+                <a:ea typeface="+mn-ea"/>
+                <a:cs typeface="+mn-cs"/>
+              </a:rPr>
+              <a:t>Fidelity:</a:t>
+            </a:r>
+            <a:endParaRPr lang="en-US" dirty="0"/>
           </a:p>
         </p:txBody>
       </p:sp>
@@ -808,7 +871,375 @@
           <a:p>
             <a:fld id="{380EEE09-4C39-4D5E-9E9F-B9379C5BD052}" type="slidenum">
               <a:rPr lang="en-US" smtClean="0"/>
-              <a:t>7</a:t>
+              <a:t>4</a:t>
+            </a:fld>
+            <a:endParaRPr lang="en-US"/>
+          </a:p>
+        </p:txBody>
+      </p:sp>
+    </p:spTree>
+    <p:extLst>
+      <p:ext uri="{BB962C8B-B14F-4D97-AF65-F5344CB8AC3E}">
+        <p14:creationId xmlns:p14="http://schemas.microsoft.com/office/powerpoint/2010/main" val="2596866815"/>
+      </p:ext>
+    </p:extLst>
+  </p:cSld>
+  <p:clrMapOvr>
+    <a:masterClrMapping/>
+  </p:clrMapOvr>
+</p:notes>
+</file>
+
+<file path=ppt/notesSlides/notesSlide4.xml><?xml version="1.0" encoding="utf-8"?>
+<p:notes xmlns:a="http://schemas.openxmlformats.org/drawingml/2006/main" xmlns:r="http://schemas.openxmlformats.org/officeDocument/2006/relationships" xmlns:p="http://schemas.openxmlformats.org/presentationml/2006/main">
+  <p:cSld>
+    <p:spTree>
+      <p:nvGrpSpPr>
+        <p:cNvPr id="1" name=""/>
+        <p:cNvGrpSpPr/>
+        <p:nvPr/>
+      </p:nvGrpSpPr>
+      <p:grpSpPr>
+        <a:xfrm>
+          <a:off x="0" y="0"/>
+          <a:ext cx="0" cy="0"/>
+          <a:chOff x="0" y="0"/>
+          <a:chExt cx="0" cy="0"/>
+        </a:xfrm>
+      </p:grpSpPr>
+      <p:sp>
+        <p:nvSpPr>
+          <p:cNvPr id="2" name="Slide Image Placeholder 1"/>
+          <p:cNvSpPr>
+            <a:spLocks noGrp="1" noRot="1" noChangeAspect="1"/>
+          </p:cNvSpPr>
+          <p:nvPr>
+            <p:ph type="sldImg"/>
+          </p:nvPr>
+        </p:nvSpPr>
+        <p:spPr/>
+      </p:sp>
+      <p:sp>
+        <p:nvSpPr>
+          <p:cNvPr id="3" name="Notes Placeholder 2"/>
+          <p:cNvSpPr>
+            <a:spLocks noGrp="1"/>
+          </p:cNvSpPr>
+          <p:nvPr>
+            <p:ph type="body" idx="1"/>
+          </p:nvPr>
+        </p:nvSpPr>
+        <p:spPr/>
+        <p:txBody>
+          <a:bodyPr/>
+          <a:lstStyle/>
+          <a:p>
+            <a:r>
+              <a:rPr lang="en-US" sz="1200" b="0" i="0" kern="1200" dirty="0" smtClean="0">
+                <a:solidFill>
+                  <a:schemeClr val="tx1"/>
+                </a:solidFill>
+                <a:effectLst/>
+                <a:latin typeface="+mn-lt"/>
+                <a:ea typeface="+mn-ea"/>
+                <a:cs typeface="+mn-cs"/>
+              </a:rPr>
+              <a:t>Open Source:</a:t>
+            </a:r>
+            <a:r>
+              <a:rPr lang="en-US" sz="1200" b="0" i="0" kern="1200" baseline="0" dirty="0" smtClean="0">
+                <a:solidFill>
+                  <a:schemeClr val="tx1"/>
+                </a:solidFill>
+                <a:effectLst/>
+                <a:latin typeface="+mn-lt"/>
+                <a:ea typeface="+mn-ea"/>
+                <a:cs typeface="+mn-cs"/>
+              </a:rPr>
+              <a:t> opensource.org</a:t>
+            </a:r>
+            <a:endParaRPr lang="en-US" sz="1200" b="0" i="0" kern="1200" dirty="0" smtClean="0">
+              <a:solidFill>
+                <a:schemeClr val="tx1"/>
+              </a:solidFill>
+              <a:effectLst/>
+              <a:latin typeface="+mn-lt"/>
+              <a:ea typeface="+mn-ea"/>
+              <a:cs typeface="+mn-cs"/>
+            </a:endParaRPr>
+          </a:p>
+          <a:p>
+            <a:endParaRPr lang="en-US" sz="1200" b="0" i="0" kern="1200" dirty="0" smtClean="0">
+              <a:solidFill>
+                <a:schemeClr val="tx1"/>
+              </a:solidFill>
+              <a:effectLst/>
+              <a:latin typeface="+mn-lt"/>
+              <a:ea typeface="+mn-ea"/>
+              <a:cs typeface="+mn-cs"/>
+            </a:endParaRPr>
+          </a:p>
+          <a:p>
+            <a:r>
+              <a:rPr lang="en-US" sz="1200" b="0" i="0" kern="1200" dirty="0" smtClean="0">
+                <a:solidFill>
+                  <a:schemeClr val="tx1"/>
+                </a:solidFill>
+                <a:effectLst/>
+                <a:latin typeface="+mn-lt"/>
+                <a:ea typeface="+mn-ea"/>
+                <a:cs typeface="+mn-cs"/>
+              </a:rPr>
+              <a:t>Fidelity:</a:t>
+            </a:r>
+            <a:endParaRPr lang="en-US" dirty="0"/>
+          </a:p>
+        </p:txBody>
+      </p:sp>
+      <p:sp>
+        <p:nvSpPr>
+          <p:cNvPr id="4" name="Slide Number Placeholder 3"/>
+          <p:cNvSpPr>
+            <a:spLocks noGrp="1"/>
+          </p:cNvSpPr>
+          <p:nvPr>
+            <p:ph type="sldNum" sz="quarter" idx="10"/>
+          </p:nvPr>
+        </p:nvSpPr>
+        <p:spPr/>
+        <p:txBody>
+          <a:bodyPr/>
+          <a:lstStyle/>
+          <a:p>
+            <a:fld id="{380EEE09-4C39-4D5E-9E9F-B9379C5BD052}" type="slidenum">
+              <a:rPr lang="en-US" smtClean="0"/>
+              <a:t>5</a:t>
+            </a:fld>
+            <a:endParaRPr lang="en-US"/>
+          </a:p>
+        </p:txBody>
+      </p:sp>
+    </p:spTree>
+    <p:extLst>
+      <p:ext uri="{BB962C8B-B14F-4D97-AF65-F5344CB8AC3E}">
+        <p14:creationId xmlns:p14="http://schemas.microsoft.com/office/powerpoint/2010/main" val="3866929040"/>
+      </p:ext>
+    </p:extLst>
+  </p:cSld>
+  <p:clrMapOvr>
+    <a:masterClrMapping/>
+  </p:clrMapOvr>
+</p:notes>
+</file>
+
+<file path=ppt/notesSlides/notesSlide5.xml><?xml version="1.0" encoding="utf-8"?>
+<p:notes xmlns:a="http://schemas.openxmlformats.org/drawingml/2006/main" xmlns:r="http://schemas.openxmlformats.org/officeDocument/2006/relationships" xmlns:p="http://schemas.openxmlformats.org/presentationml/2006/main">
+  <p:cSld>
+    <p:spTree>
+      <p:nvGrpSpPr>
+        <p:cNvPr id="1" name=""/>
+        <p:cNvGrpSpPr/>
+        <p:nvPr/>
+      </p:nvGrpSpPr>
+      <p:grpSpPr>
+        <a:xfrm>
+          <a:off x="0" y="0"/>
+          <a:ext cx="0" cy="0"/>
+          <a:chOff x="0" y="0"/>
+          <a:chExt cx="0" cy="0"/>
+        </a:xfrm>
+      </p:grpSpPr>
+      <p:sp>
+        <p:nvSpPr>
+          <p:cNvPr id="2" name="Slide Image Placeholder 1"/>
+          <p:cNvSpPr>
+            <a:spLocks noGrp="1" noRot="1" noChangeAspect="1"/>
+          </p:cNvSpPr>
+          <p:nvPr>
+            <p:ph type="sldImg"/>
+          </p:nvPr>
+        </p:nvSpPr>
+        <p:spPr/>
+      </p:sp>
+      <p:sp>
+        <p:nvSpPr>
+          <p:cNvPr id="3" name="Notes Placeholder 2"/>
+          <p:cNvSpPr>
+            <a:spLocks noGrp="1"/>
+          </p:cNvSpPr>
+          <p:nvPr>
+            <p:ph type="body" idx="1"/>
+          </p:nvPr>
+        </p:nvSpPr>
+        <p:spPr/>
+        <p:txBody>
+          <a:bodyPr/>
+          <a:lstStyle/>
+          <a:p>
+            <a:r>
+              <a:rPr lang="en-US" sz="1200" b="0" i="0" kern="1200" dirty="0" smtClean="0">
+                <a:solidFill>
+                  <a:schemeClr val="tx1"/>
+                </a:solidFill>
+                <a:effectLst/>
+                <a:latin typeface="+mn-lt"/>
+                <a:ea typeface="+mn-ea"/>
+                <a:cs typeface="+mn-cs"/>
+              </a:rPr>
+              <a:t>Open Source:</a:t>
+            </a:r>
+            <a:r>
+              <a:rPr lang="en-US" sz="1200" b="0" i="0" kern="1200" baseline="0" dirty="0" smtClean="0">
+                <a:solidFill>
+                  <a:schemeClr val="tx1"/>
+                </a:solidFill>
+                <a:effectLst/>
+                <a:latin typeface="+mn-lt"/>
+                <a:ea typeface="+mn-ea"/>
+                <a:cs typeface="+mn-cs"/>
+              </a:rPr>
+              <a:t> opensource.org</a:t>
+            </a:r>
+            <a:endParaRPr lang="en-US" sz="1200" b="0" i="0" kern="1200" dirty="0" smtClean="0">
+              <a:solidFill>
+                <a:schemeClr val="tx1"/>
+              </a:solidFill>
+              <a:effectLst/>
+              <a:latin typeface="+mn-lt"/>
+              <a:ea typeface="+mn-ea"/>
+              <a:cs typeface="+mn-cs"/>
+            </a:endParaRPr>
+          </a:p>
+          <a:p>
+            <a:endParaRPr lang="en-US" sz="1200" b="0" i="0" kern="1200" dirty="0" smtClean="0">
+              <a:solidFill>
+                <a:schemeClr val="tx1"/>
+              </a:solidFill>
+              <a:effectLst/>
+              <a:latin typeface="+mn-lt"/>
+              <a:ea typeface="+mn-ea"/>
+              <a:cs typeface="+mn-cs"/>
+            </a:endParaRPr>
+          </a:p>
+          <a:p>
+            <a:r>
+              <a:rPr lang="en-US" sz="1200" b="0" i="0" kern="1200" dirty="0" smtClean="0">
+                <a:solidFill>
+                  <a:schemeClr val="tx1"/>
+                </a:solidFill>
+                <a:effectLst/>
+                <a:latin typeface="+mn-lt"/>
+                <a:ea typeface="+mn-ea"/>
+                <a:cs typeface="+mn-cs"/>
+              </a:rPr>
+              <a:t>Fidelity:</a:t>
+            </a:r>
+            <a:endParaRPr lang="en-US" dirty="0"/>
+          </a:p>
+        </p:txBody>
+      </p:sp>
+      <p:sp>
+        <p:nvSpPr>
+          <p:cNvPr id="4" name="Slide Number Placeholder 3"/>
+          <p:cNvSpPr>
+            <a:spLocks noGrp="1"/>
+          </p:cNvSpPr>
+          <p:nvPr>
+            <p:ph type="sldNum" sz="quarter" idx="10"/>
+          </p:nvPr>
+        </p:nvSpPr>
+        <p:spPr/>
+        <p:txBody>
+          <a:bodyPr/>
+          <a:lstStyle/>
+          <a:p>
+            <a:fld id="{380EEE09-4C39-4D5E-9E9F-B9379C5BD052}" type="slidenum">
+              <a:rPr lang="en-US" smtClean="0"/>
+              <a:t>6</a:t>
+            </a:fld>
+            <a:endParaRPr lang="en-US"/>
+          </a:p>
+        </p:txBody>
+      </p:sp>
+    </p:spTree>
+    <p:extLst>
+      <p:ext uri="{BB962C8B-B14F-4D97-AF65-F5344CB8AC3E}">
+        <p14:creationId xmlns:p14="http://schemas.microsoft.com/office/powerpoint/2010/main" val="3289367928"/>
+      </p:ext>
+    </p:extLst>
+  </p:cSld>
+  <p:clrMapOvr>
+    <a:masterClrMapping/>
+  </p:clrMapOvr>
+</p:notes>
+</file>
+
+<file path=ppt/notesSlides/notesSlide6.xml><?xml version="1.0" encoding="utf-8"?>
+<p:notes xmlns:a="http://schemas.openxmlformats.org/drawingml/2006/main" xmlns:r="http://schemas.openxmlformats.org/officeDocument/2006/relationships" xmlns:p="http://schemas.openxmlformats.org/presentationml/2006/main">
+  <p:cSld>
+    <p:spTree>
+      <p:nvGrpSpPr>
+        <p:cNvPr id="1" name=""/>
+        <p:cNvGrpSpPr/>
+        <p:nvPr/>
+      </p:nvGrpSpPr>
+      <p:grpSpPr>
+        <a:xfrm>
+          <a:off x="0" y="0"/>
+          <a:ext cx="0" cy="0"/>
+          <a:chOff x="0" y="0"/>
+          <a:chExt cx="0" cy="0"/>
+        </a:xfrm>
+      </p:grpSpPr>
+      <p:sp>
+        <p:nvSpPr>
+          <p:cNvPr id="2" name="Slide Image Placeholder 1"/>
+          <p:cNvSpPr>
+            <a:spLocks noGrp="1" noRot="1" noChangeAspect="1"/>
+          </p:cNvSpPr>
+          <p:nvPr>
+            <p:ph type="sldImg"/>
+          </p:nvPr>
+        </p:nvSpPr>
+        <p:spPr/>
+      </p:sp>
+      <p:sp>
+        <p:nvSpPr>
+          <p:cNvPr id="3" name="Notes Placeholder 2"/>
+          <p:cNvSpPr>
+            <a:spLocks noGrp="1"/>
+          </p:cNvSpPr>
+          <p:nvPr>
+            <p:ph type="body" idx="1"/>
+          </p:nvPr>
+        </p:nvSpPr>
+        <p:spPr/>
+        <p:txBody>
+          <a:bodyPr/>
+          <a:lstStyle/>
+          <a:p>
+            <a:endParaRPr lang="en-US"/>
+          </a:p>
+        </p:txBody>
+      </p:sp>
+      <p:sp>
+        <p:nvSpPr>
+          <p:cNvPr id="4" name="Slide Number Placeholder 3"/>
+          <p:cNvSpPr>
+            <a:spLocks noGrp="1"/>
+          </p:cNvSpPr>
+          <p:nvPr>
+            <p:ph type="sldNum" sz="quarter" idx="10"/>
+          </p:nvPr>
+        </p:nvSpPr>
+        <p:spPr/>
+        <p:txBody>
+          <a:bodyPr/>
+          <a:lstStyle/>
+          <a:p>
+            <a:fld id="{380EEE09-4C39-4D5E-9E9F-B9379C5BD052}" type="slidenum">
+              <a:rPr lang="en-US" smtClean="0"/>
+              <a:t>12</a:t>
             </a:fld>
             <a:endParaRPr lang="en-US"/>
           </a:p>
@@ -935,7 +1366,7 @@
                   </a:prstClr>
                 </a:solidFill>
               </a:rPr>
-              <a:t>5/3/2016</a:t>
+              <a:t>5/8/2016</a:t>
             </a:fld>
             <a:endParaRPr lang="en-US">
               <a:solidFill>
@@ -1159,7 +1590,7 @@
                   </a:prstClr>
                 </a:solidFill>
               </a:rPr>
-              <a:t>5/3/2016</a:t>
+              <a:t>5/8/2016</a:t>
             </a:fld>
             <a:endParaRPr lang="en-US">
               <a:solidFill>
@@ -1400,7 +1831,7 @@
                   </a:prstClr>
                 </a:solidFill>
               </a:rPr>
-              <a:t>5/3/2016</a:t>
+              <a:t>5/8/2016</a:t>
             </a:fld>
             <a:endParaRPr lang="en-US">
               <a:solidFill>
@@ -1624,7 +2055,7 @@
                   </a:prstClr>
                 </a:solidFill>
               </a:rPr>
-              <a:t>5/3/2016</a:t>
+              <a:t>5/8/2016</a:t>
             </a:fld>
             <a:endParaRPr lang="en-US">
               <a:solidFill>
@@ -1932,7 +2363,7 @@
                   </a:prstClr>
                 </a:solidFill>
               </a:rPr>
-              <a:t>5/3/2016</a:t>
+              <a:t>5/8/2016</a:t>
             </a:fld>
             <a:endParaRPr lang="en-US">
               <a:solidFill>
@@ -2232,7 +2663,7 @@
                   </a:prstClr>
                 </a:solidFill>
               </a:rPr>
-              <a:t>5/3/2016</a:t>
+              <a:t>5/8/2016</a:t>
             </a:fld>
             <a:endParaRPr lang="en-US">
               <a:solidFill>
@@ -2574,7 +3005,7 @@
                   </a:prstClr>
                 </a:solidFill>
               </a:rPr>
-              <a:t>5/3/2016</a:t>
+              <a:t>5/8/2016</a:t>
             </a:fld>
             <a:endParaRPr lang="en-US">
               <a:solidFill>
@@ -3050,7 +3481,7 @@
                   </a:prstClr>
                 </a:solidFill>
               </a:rPr>
-              <a:t>5/3/2016</a:t>
+              <a:t>5/8/2016</a:t>
             </a:fld>
             <a:endParaRPr lang="en-US">
               <a:solidFill>
@@ -3222,7 +3653,7 @@
                   </a:prstClr>
                 </a:solidFill>
               </a:rPr>
-              <a:t>5/3/2016</a:t>
+              <a:t>5/8/2016</a:t>
             </a:fld>
             <a:endParaRPr lang="en-US">
               <a:solidFill>
@@ -3378,7 +3809,7 @@
                   </a:prstClr>
                 </a:solidFill>
               </a:rPr>
-              <a:t>5/3/2016</a:t>
+              <a:t>5/8/2016</a:t>
             </a:fld>
             <a:endParaRPr lang="en-US">
               <a:solidFill>
@@ -3709,7 +4140,7 @@
                   </a:prstClr>
                 </a:solidFill>
               </a:rPr>
-              <a:t>5/3/2016</a:t>
+              <a:t>5/8/2016</a:t>
             </a:fld>
             <a:endParaRPr lang="en-US">
               <a:solidFill>
@@ -4019,7 +4450,7 @@
                   </a:prstClr>
                 </a:solidFill>
               </a:rPr>
-              <a:t>5/3/2016</a:t>
+              <a:t>5/8/2016</a:t>
             </a:fld>
             <a:endParaRPr lang="en-US">
               <a:solidFill>
@@ -4286,7 +4717,7 @@
                   </a:prstClr>
                 </a:solidFill>
               </a:rPr>
-              <a:t>5/3/2016</a:t>
+              <a:t>5/8/2016</a:t>
             </a:fld>
             <a:endParaRPr lang="en-US">
               <a:solidFill>
@@ -4961,7 +5392,6 @@
               <a:rPr lang="en-US" sz="2800" dirty="0" smtClean="0"/>
               <a:t>16.888 Final Presentation</a:t>
             </a:r>
-            <a:endParaRPr lang="en-US" sz="2800" dirty="0" smtClean="0"/>
           </a:p>
         </p:txBody>
       </p:sp>
@@ -5000,19 +5430,7 @@
                 <a:latin typeface="Arial" pitchFamily="34" charset="0"/>
                 <a:cs typeface="Arial" pitchFamily="34" charset="0"/>
               </a:rPr>
-              <a:t>5</a:t>
-            </a:r>
-            <a:r>
-              <a:rPr lang="en-US" sz="2000" b="1" dirty="0" smtClean="0">
-                <a:solidFill>
-                  <a:prstClr val="white">
-                    <a:lumMod val="50000"/>
-                  </a:prstClr>
-                </a:solidFill>
-                <a:latin typeface="Arial" pitchFamily="34" charset="0"/>
-                <a:cs typeface="Arial" pitchFamily="34" charset="0"/>
-              </a:rPr>
-              <a:t>/10/2016</a:t>
+              <a:t>5/10/2016</a:t>
             </a:r>
             <a:endParaRPr lang="en-US" sz="2000" b="1" dirty="0">
               <a:solidFill>
@@ -5155,15 +5573,6 @@
               </a:rPr>
               <a:t>Sam Wald</a:t>
             </a:r>
-            <a:endParaRPr lang="en-US" sz="2000" b="1" dirty="0" smtClean="0">
-              <a:solidFill>
-                <a:prstClr val="white">
-                  <a:lumMod val="50000"/>
-                </a:prstClr>
-              </a:solidFill>
-              <a:latin typeface="Arial" pitchFamily="34" charset="0"/>
-              <a:cs typeface="Arial" pitchFamily="34" charset="0"/>
-            </a:endParaRPr>
           </a:p>
         </p:txBody>
       </p:sp>
@@ -5228,6 +5637,377 @@
 </p:sld>
 </file>
 
+<file path=ppt/slides/slide10.xml><?xml version="1.0" encoding="utf-8"?>
+<p:sld xmlns:a="http://schemas.openxmlformats.org/drawingml/2006/main" xmlns:r="http://schemas.openxmlformats.org/officeDocument/2006/relationships" xmlns:p="http://schemas.openxmlformats.org/presentationml/2006/main">
+  <p:cSld>
+    <p:spTree>
+      <p:nvGrpSpPr>
+        <p:cNvPr id="1" name=""/>
+        <p:cNvGrpSpPr/>
+        <p:nvPr/>
+      </p:nvGrpSpPr>
+      <p:grpSpPr>
+        <a:xfrm>
+          <a:off x="0" y="0"/>
+          <a:ext cx="0" cy="0"/>
+          <a:chOff x="0" y="0"/>
+          <a:chExt cx="0" cy="0"/>
+        </a:xfrm>
+      </p:grpSpPr>
+      <p:sp>
+        <p:nvSpPr>
+          <p:cNvPr id="2" name="Title 1"/>
+          <p:cNvSpPr>
+            <a:spLocks noGrp="1"/>
+          </p:cNvSpPr>
+          <p:nvPr>
+            <p:ph type="title"/>
+          </p:nvPr>
+        </p:nvSpPr>
+        <p:spPr/>
+        <p:txBody>
+          <a:bodyPr/>
+          <a:lstStyle/>
+          <a:p>
+            <a:r>
+              <a:rPr lang="en-US" dirty="0" smtClean="0"/>
+              <a:t>Single Objective Optimization</a:t>
+            </a:r>
+            <a:endParaRPr lang="en-US" dirty="0"/>
+          </a:p>
+        </p:txBody>
+      </p:sp>
+      <p:sp>
+        <p:nvSpPr>
+          <p:cNvPr id="4" name="Slide Number Placeholder 3"/>
+          <p:cNvSpPr>
+            <a:spLocks noGrp="1"/>
+          </p:cNvSpPr>
+          <p:nvPr>
+            <p:ph type="sldNum" sz="quarter" idx="12"/>
+          </p:nvPr>
+        </p:nvSpPr>
+        <p:spPr/>
+        <p:txBody>
+          <a:bodyPr/>
+          <a:lstStyle/>
+          <a:p>
+            <a:pPr>
+              <a:defRPr/>
+            </a:pPr>
+            <a:fld id="{6E3317FF-6423-48BB-8CF6-A5183FB2D75B}" type="slidenum">
+              <a:rPr lang="en-US" smtClean="0">
+                <a:solidFill>
+                  <a:prstClr val="black">
+                    <a:tint val="75000"/>
+                  </a:prstClr>
+                </a:solidFill>
+              </a:rPr>
+              <a:pPr>
+                <a:defRPr/>
+              </a:pPr>
+              <a:t>10</a:t>
+            </a:fld>
+            <a:endParaRPr lang="en-US">
+              <a:solidFill>
+                <a:prstClr val="black">
+                  <a:tint val="75000"/>
+                </a:prstClr>
+              </a:solidFill>
+            </a:endParaRPr>
+          </a:p>
+        </p:txBody>
+      </p:sp>
+    </p:spTree>
+    <p:extLst>
+      <p:ext uri="{BB962C8B-B14F-4D97-AF65-F5344CB8AC3E}">
+        <p14:creationId xmlns:p14="http://schemas.microsoft.com/office/powerpoint/2010/main" val="1404889025"/>
+      </p:ext>
+    </p:extLst>
+  </p:cSld>
+  <p:clrMapOvr>
+    <a:masterClrMapping/>
+  </p:clrMapOvr>
+</p:sld>
+</file>
+
+<file path=ppt/slides/slide11.xml><?xml version="1.0" encoding="utf-8"?>
+<p:sld xmlns:a="http://schemas.openxmlformats.org/drawingml/2006/main" xmlns:r="http://schemas.openxmlformats.org/officeDocument/2006/relationships" xmlns:p="http://schemas.openxmlformats.org/presentationml/2006/main">
+  <p:cSld>
+    <p:spTree>
+      <p:nvGrpSpPr>
+        <p:cNvPr id="1" name=""/>
+        <p:cNvGrpSpPr/>
+        <p:nvPr/>
+      </p:nvGrpSpPr>
+      <p:grpSpPr>
+        <a:xfrm>
+          <a:off x="0" y="0"/>
+          <a:ext cx="0" cy="0"/>
+          <a:chOff x="0" y="0"/>
+          <a:chExt cx="0" cy="0"/>
+        </a:xfrm>
+      </p:grpSpPr>
+      <p:sp>
+        <p:nvSpPr>
+          <p:cNvPr id="2" name="Title 1"/>
+          <p:cNvSpPr>
+            <a:spLocks noGrp="1"/>
+          </p:cNvSpPr>
+          <p:nvPr>
+            <p:ph type="title"/>
+          </p:nvPr>
+        </p:nvSpPr>
+        <p:spPr/>
+        <p:txBody>
+          <a:bodyPr/>
+          <a:lstStyle/>
+          <a:p>
+            <a:r>
+              <a:rPr lang="en-US" dirty="0" smtClean="0"/>
+              <a:t>Multi-Objective Optimization</a:t>
+            </a:r>
+            <a:endParaRPr lang="en-US" dirty="0"/>
+          </a:p>
+        </p:txBody>
+      </p:sp>
+      <p:sp>
+        <p:nvSpPr>
+          <p:cNvPr id="5" name="Slide Number Placeholder 4"/>
+          <p:cNvSpPr>
+            <a:spLocks noGrp="1"/>
+          </p:cNvSpPr>
+          <p:nvPr>
+            <p:ph type="sldNum" sz="quarter" idx="12"/>
+          </p:nvPr>
+        </p:nvSpPr>
+        <p:spPr/>
+        <p:txBody>
+          <a:bodyPr/>
+          <a:lstStyle/>
+          <a:p>
+            <a:pPr>
+              <a:defRPr/>
+            </a:pPr>
+            <a:fld id="{6E3317FF-6423-48BB-8CF6-A5183FB2D75B}" type="slidenum">
+              <a:rPr lang="en-US" smtClean="0">
+                <a:solidFill>
+                  <a:prstClr val="black">
+                    <a:tint val="75000"/>
+                  </a:prstClr>
+                </a:solidFill>
+              </a:rPr>
+              <a:pPr>
+                <a:defRPr/>
+              </a:pPr>
+              <a:t>11</a:t>
+            </a:fld>
+            <a:endParaRPr lang="en-US">
+              <a:solidFill>
+                <a:prstClr val="black">
+                  <a:tint val="75000"/>
+                </a:prstClr>
+              </a:solidFill>
+            </a:endParaRPr>
+          </a:p>
+        </p:txBody>
+      </p:sp>
+    </p:spTree>
+    <p:extLst>
+      <p:ext uri="{BB962C8B-B14F-4D97-AF65-F5344CB8AC3E}">
+        <p14:creationId xmlns:p14="http://schemas.microsoft.com/office/powerpoint/2010/main" val="4109803144"/>
+      </p:ext>
+    </p:extLst>
+  </p:cSld>
+  <p:clrMapOvr>
+    <a:masterClrMapping/>
+  </p:clrMapOvr>
+</p:sld>
+</file>
+
+<file path=ppt/slides/slide12.xml><?xml version="1.0" encoding="utf-8"?>
+<p:sld xmlns:a="http://schemas.openxmlformats.org/drawingml/2006/main" xmlns:r="http://schemas.openxmlformats.org/officeDocument/2006/relationships" xmlns:p="http://schemas.openxmlformats.org/presentationml/2006/main">
+  <p:cSld>
+    <p:spTree>
+      <p:nvGrpSpPr>
+        <p:cNvPr id="1" name=""/>
+        <p:cNvGrpSpPr/>
+        <p:nvPr/>
+      </p:nvGrpSpPr>
+      <p:grpSpPr>
+        <a:xfrm>
+          <a:off x="0" y="0"/>
+          <a:ext cx="0" cy="0"/>
+          <a:chOff x="0" y="0"/>
+          <a:chExt cx="0" cy="0"/>
+        </a:xfrm>
+      </p:grpSpPr>
+      <p:sp>
+        <p:nvSpPr>
+          <p:cNvPr id="2" name="Title 1"/>
+          <p:cNvSpPr>
+            <a:spLocks noGrp="1"/>
+          </p:cNvSpPr>
+          <p:nvPr>
+            <p:ph type="title"/>
+          </p:nvPr>
+        </p:nvSpPr>
+        <p:spPr/>
+        <p:txBody>
+          <a:bodyPr/>
+          <a:lstStyle/>
+          <a:p>
+            <a:r>
+              <a:rPr lang="en-US" dirty="0" smtClean="0"/>
+              <a:t>Final Recommendation</a:t>
+            </a:r>
+            <a:endParaRPr lang="en-US" dirty="0"/>
+          </a:p>
+        </p:txBody>
+      </p:sp>
+      <p:sp>
+        <p:nvSpPr>
+          <p:cNvPr id="4" name="Slide Number Placeholder 3"/>
+          <p:cNvSpPr>
+            <a:spLocks noGrp="1"/>
+          </p:cNvSpPr>
+          <p:nvPr>
+            <p:ph type="sldNum" sz="quarter" idx="12"/>
+          </p:nvPr>
+        </p:nvSpPr>
+        <p:spPr/>
+        <p:txBody>
+          <a:bodyPr/>
+          <a:lstStyle/>
+          <a:p>
+            <a:pPr>
+              <a:defRPr/>
+            </a:pPr>
+            <a:fld id="{6E3317FF-6423-48BB-8CF6-A5183FB2D75B}" type="slidenum">
+              <a:rPr lang="en-US" smtClean="0">
+                <a:solidFill>
+                  <a:prstClr val="black">
+                    <a:tint val="75000"/>
+                  </a:prstClr>
+                </a:solidFill>
+              </a:rPr>
+              <a:pPr>
+                <a:defRPr/>
+              </a:pPr>
+              <a:t>12</a:t>
+            </a:fld>
+            <a:endParaRPr lang="en-US">
+              <a:solidFill>
+                <a:prstClr val="black">
+                  <a:tint val="75000"/>
+                </a:prstClr>
+              </a:solidFill>
+            </a:endParaRPr>
+          </a:p>
+        </p:txBody>
+      </p:sp>
+    </p:spTree>
+    <p:extLst>
+      <p:ext uri="{BB962C8B-B14F-4D97-AF65-F5344CB8AC3E}">
+        <p14:creationId xmlns:p14="http://schemas.microsoft.com/office/powerpoint/2010/main" val="875133285"/>
+      </p:ext>
+    </p:extLst>
+  </p:cSld>
+  <p:clrMapOvr>
+    <a:masterClrMapping/>
+  </p:clrMapOvr>
+</p:sld>
+</file>
+
+<file path=ppt/slides/slide13.xml><?xml version="1.0" encoding="utf-8"?>
+<p:sld xmlns:a="http://schemas.openxmlformats.org/drawingml/2006/main" xmlns:r="http://schemas.openxmlformats.org/officeDocument/2006/relationships" xmlns:p="http://schemas.openxmlformats.org/presentationml/2006/main">
+  <p:cSld>
+    <p:spTree>
+      <p:nvGrpSpPr>
+        <p:cNvPr id="1" name=""/>
+        <p:cNvGrpSpPr/>
+        <p:nvPr/>
+      </p:nvGrpSpPr>
+      <p:grpSpPr>
+        <a:xfrm>
+          <a:off x="0" y="0"/>
+          <a:ext cx="0" cy="0"/>
+          <a:chOff x="0" y="0"/>
+          <a:chExt cx="0" cy="0"/>
+        </a:xfrm>
+      </p:grpSpPr>
+      <p:sp>
+        <p:nvSpPr>
+          <p:cNvPr id="2" name="Title 1"/>
+          <p:cNvSpPr>
+            <a:spLocks noGrp="1"/>
+          </p:cNvSpPr>
+          <p:nvPr>
+            <p:ph type="title"/>
+          </p:nvPr>
+        </p:nvSpPr>
+        <p:spPr/>
+        <p:txBody>
+          <a:bodyPr/>
+          <a:lstStyle/>
+          <a:p>
+            <a:r>
+              <a:rPr lang="en-US" dirty="0" smtClean="0"/>
+              <a:t>Learnings and Future Work</a:t>
+            </a:r>
+            <a:endParaRPr lang="en-US" dirty="0"/>
+          </a:p>
+        </p:txBody>
+      </p:sp>
+      <p:sp>
+        <p:nvSpPr>
+          <p:cNvPr id="12" name="Slide Number Placeholder 3"/>
+          <p:cNvSpPr>
+            <a:spLocks noGrp="1"/>
+          </p:cNvSpPr>
+          <p:nvPr>
+            <p:ph type="sldNum" sz="quarter" idx="12"/>
+          </p:nvPr>
+        </p:nvSpPr>
+        <p:spPr>
+          <a:xfrm>
+            <a:off x="6553200" y="6172200"/>
+            <a:ext cx="2133600" cy="365125"/>
+          </a:xfrm>
+        </p:spPr>
+        <p:txBody>
+          <a:bodyPr/>
+          <a:lstStyle/>
+          <a:p>
+            <a:pPr>
+              <a:defRPr/>
+            </a:pPr>
+            <a:r>
+              <a:rPr lang="en-US" dirty="0">
+                <a:solidFill>
+                  <a:prstClr val="black">
+                    <a:tint val="75000"/>
+                  </a:prstClr>
+                </a:solidFill>
+              </a:rPr>
+              <a:t>8</a:t>
+            </a:r>
+          </a:p>
+        </p:txBody>
+      </p:sp>
+    </p:spTree>
+    <p:extLst>
+      <p:ext uri="{BB962C8B-B14F-4D97-AF65-F5344CB8AC3E}">
+        <p14:creationId xmlns:p14="http://schemas.microsoft.com/office/powerpoint/2010/main" val="300718594"/>
+      </p:ext>
+    </p:extLst>
+  </p:cSld>
+  <p:clrMapOvr>
+    <a:masterClrMapping/>
+  </p:clrMapOvr>
+</p:sld>
+</file>
+
 <file path=ppt/slides/slide2.xml><?xml version="1.0" encoding="utf-8"?>
 <p:sld xmlns:a="http://schemas.openxmlformats.org/drawingml/2006/main" xmlns:r="http://schemas.openxmlformats.org/officeDocument/2006/relationships" xmlns:p="http://schemas.openxmlformats.org/presentationml/2006/main">
   <p:cSld>
@@ -5332,6 +6112,40 @@
           <a:lstStyle/>
           <a:p>
             <a:endParaRPr lang="en-US" dirty="0"/>
+          </a:p>
+        </p:txBody>
+      </p:sp>
+      <p:sp>
+        <p:nvSpPr>
+          <p:cNvPr id="6" name="TextBox 5"/>
+          <p:cNvSpPr txBox="1"/>
+          <p:nvPr/>
+        </p:nvSpPr>
+        <p:spPr>
+          <a:xfrm>
+            <a:off x="457200" y="1066800"/>
+            <a:ext cx="8382000" cy="461665"/>
+          </a:xfrm>
+          <a:prstGeom prst="rect">
+            <a:avLst/>
+          </a:prstGeom>
+          <a:noFill/>
+        </p:spPr>
+        <p:txBody>
+          <a:bodyPr wrap="square" rtlCol="0">
+            <a:spAutoFit/>
+          </a:bodyPr>
+          <a:lstStyle/>
+          <a:p>
+            <a:pPr marL="285750" indent="-285750">
+              <a:buFont typeface="Arial" panose="020B0604020202020204" pitchFamily="34" charset="0"/>
+              <a:buChar char="•"/>
+            </a:pPr>
+            <a:r>
+              <a:rPr lang="en-US" sz="2400" smtClean="0"/>
+              <a:t>Objectives</a:t>
+            </a:r>
+            <a:endParaRPr lang="en-US" sz="2400" dirty="0" smtClean="0"/>
           </a:p>
         </p:txBody>
       </p:sp>
@@ -5367,29 +6181,6 @@
       </p:grpSpPr>
       <p:sp>
         <p:nvSpPr>
-          <p:cNvPr id="2" name="Title 1"/>
-          <p:cNvSpPr>
-            <a:spLocks noGrp="1"/>
-          </p:cNvSpPr>
-          <p:nvPr>
-            <p:ph type="title"/>
-          </p:nvPr>
-        </p:nvSpPr>
-        <p:spPr/>
-        <p:txBody>
-          <a:bodyPr/>
-          <a:lstStyle/>
-          <a:p>
-            <a:r>
-              <a:rPr lang="en-US" dirty="0" smtClean="0"/>
-              <a:t>Problem Formulation</a:t>
-            </a:r>
-            <a:endParaRPr lang="en-US" dirty="0"/>
-          </a:p>
-        </p:txBody>
-      </p:sp>
-      <p:sp>
-        <p:nvSpPr>
           <p:cNvPr id="4" name="Slide Number Placeholder 3"/>
           <p:cNvSpPr>
             <a:spLocks noGrp="1"/>
@@ -5429,6 +6220,176 @@
           </a:p>
         </p:txBody>
       </p:sp>
+      <p:sp>
+        <p:nvSpPr>
+          <p:cNvPr id="2" name="Title 1"/>
+          <p:cNvSpPr>
+            <a:spLocks noGrp="1"/>
+          </p:cNvSpPr>
+          <p:nvPr>
+            <p:ph type="title" idx="4294967295"/>
+          </p:nvPr>
+        </p:nvSpPr>
+        <p:spPr>
+          <a:xfrm>
+            <a:off x="3124200" y="0"/>
+            <a:ext cx="6019800" cy="838200"/>
+          </a:xfrm>
+        </p:spPr>
+        <p:txBody>
+          <a:bodyPr/>
+          <a:lstStyle/>
+          <a:p>
+            <a:r>
+              <a:rPr lang="en-US" dirty="0" smtClean="0"/>
+              <a:t>Problem </a:t>
+            </a:r>
+            <a:r>
+              <a:rPr lang="en-US" dirty="0" smtClean="0"/>
+              <a:t>Formulation: Objectives</a:t>
+            </a:r>
+            <a:endParaRPr lang="en-US" dirty="0"/>
+          </a:p>
+        </p:txBody>
+      </p:sp>
+      <p:sp>
+        <p:nvSpPr>
+          <p:cNvPr id="7" name="TextBox 6"/>
+          <p:cNvSpPr txBox="1"/>
+          <p:nvPr/>
+        </p:nvSpPr>
+        <p:spPr>
+          <a:xfrm>
+            <a:off x="457200" y="1066800"/>
+            <a:ext cx="8382000" cy="2739211"/>
+          </a:xfrm>
+          <a:prstGeom prst="rect">
+            <a:avLst/>
+          </a:prstGeom>
+          <a:noFill/>
+        </p:spPr>
+        <p:txBody>
+          <a:bodyPr wrap="square" rtlCol="0">
+            <a:spAutoFit/>
+          </a:bodyPr>
+          <a:lstStyle/>
+          <a:p>
+            <a:pPr marL="285750" indent="-285750">
+              <a:buFont typeface="Arial" panose="020B0604020202020204" pitchFamily="34" charset="0"/>
+              <a:buChar char="•"/>
+            </a:pPr>
+            <a:r>
+              <a:rPr lang="en-US" sz="2400" dirty="0" smtClean="0"/>
+              <a:t>Objectives</a:t>
+            </a:r>
+          </a:p>
+          <a:p>
+            <a:pPr marL="742950" lvl="1" indent="-285750">
+              <a:buFont typeface="Arial" panose="020B0604020202020204" pitchFamily="34" charset="0"/>
+              <a:buChar char="•"/>
+            </a:pPr>
+            <a:r>
+              <a:rPr lang="en-US" sz="2000" dirty="0" smtClean="0"/>
+              <a:t>Science Utility</a:t>
+            </a:r>
+          </a:p>
+          <a:p>
+            <a:pPr marL="1200150" lvl="2" indent="-285750">
+              <a:buFont typeface="Arial" panose="020B0604020202020204" pitchFamily="34" charset="0"/>
+              <a:buChar char="•"/>
+            </a:pPr>
+            <a:r>
+              <a:rPr lang="en-US" dirty="0" smtClean="0"/>
+              <a:t>Number of Crew Hours</a:t>
+            </a:r>
+          </a:p>
+          <a:p>
+            <a:pPr marL="1200150" lvl="2" indent="-285750">
+              <a:buFont typeface="Arial" panose="020B0604020202020204" pitchFamily="34" charset="0"/>
+              <a:buChar char="•"/>
+            </a:pPr>
+            <a:r>
+              <a:rPr lang="en-US" dirty="0" smtClean="0"/>
+              <a:t>Location Scientific Quality</a:t>
+            </a:r>
+          </a:p>
+          <a:p>
+            <a:pPr marL="742950" lvl="1" indent="-285750">
+              <a:buFont typeface="Arial" panose="020B0604020202020204" pitchFamily="34" charset="0"/>
+              <a:buChar char="•"/>
+            </a:pPr>
+            <a:r>
+              <a:rPr lang="en-US" sz="2000" dirty="0" smtClean="0"/>
+              <a:t>Cost</a:t>
+            </a:r>
+          </a:p>
+          <a:p>
+            <a:pPr marL="1200150" lvl="2" indent="-285750">
+              <a:buFont typeface="Arial" panose="020B0604020202020204" pitchFamily="34" charset="0"/>
+              <a:buChar char="•"/>
+            </a:pPr>
+            <a:r>
+              <a:rPr lang="en-US" dirty="0" smtClean="0"/>
+              <a:t>Resupply Cost </a:t>
+            </a:r>
+          </a:p>
+          <a:p>
+            <a:pPr marL="1657350" lvl="3" indent="-285750">
+              <a:buFont typeface="Arial" panose="020B0604020202020204" pitchFamily="34" charset="0"/>
+              <a:buChar char="•"/>
+            </a:pPr>
+            <a:r>
+              <a:rPr lang="en-US" dirty="0" smtClean="0"/>
+              <a:t>Total IMLEO</a:t>
+            </a:r>
+          </a:p>
+          <a:p>
+            <a:pPr marL="1200150" lvl="2" indent="-285750">
+              <a:buFont typeface="Arial" panose="020B0604020202020204" pitchFamily="34" charset="0"/>
+              <a:buChar char="•"/>
+            </a:pPr>
+            <a:r>
+              <a:rPr lang="en-US" dirty="0" smtClean="0"/>
+              <a:t>Development Cost</a:t>
+            </a:r>
+          </a:p>
+          <a:p>
+            <a:pPr marL="1657350" lvl="3" indent="-285750">
+              <a:buFont typeface="Arial" panose="020B0604020202020204" pitchFamily="34" charset="0"/>
+              <a:buChar char="•"/>
+            </a:pPr>
+            <a:r>
+              <a:rPr lang="en-US" dirty="0" smtClean="0"/>
+              <a:t>Transit Propulsion</a:t>
+            </a:r>
+            <a:endParaRPr lang="en-US" dirty="0"/>
+          </a:p>
+        </p:txBody>
+      </p:sp>
+      <p:pic>
+        <p:nvPicPr>
+          <p:cNvPr id="9" name="Picture 8"/>
+          <p:cNvPicPr>
+            <a:picLocks noChangeAspect="1"/>
+          </p:cNvPicPr>
+          <p:nvPr/>
+        </p:nvPicPr>
+        <p:blipFill>
+          <a:blip r:embed="rId3"/>
+          <a:stretch>
+            <a:fillRect/>
+          </a:stretch>
+        </p:blipFill>
+        <p:spPr>
+          <a:xfrm>
+            <a:off x="1447800" y="4353734"/>
+            <a:ext cx="6719777" cy="820882"/>
+          </a:xfrm>
+          <a:prstGeom prst="rect">
+            <a:avLst/>
+          </a:prstGeom>
+        </p:spPr>
+      </p:pic>
     </p:spTree>
     <p:extLst>
       <p:ext uri="{BB962C8B-B14F-4D97-AF65-F5344CB8AC3E}">
@@ -5461,30 +6422,7 @@
       </p:grpSpPr>
       <p:sp>
         <p:nvSpPr>
-          <p:cNvPr id="2" name="Title 1"/>
-          <p:cNvSpPr>
-            <a:spLocks noGrp="1"/>
-          </p:cNvSpPr>
-          <p:nvPr>
-            <p:ph type="title"/>
-          </p:nvPr>
-        </p:nvSpPr>
-        <p:spPr/>
-        <p:txBody>
-          <a:bodyPr/>
-          <a:lstStyle/>
-          <a:p>
-            <a:r>
-              <a:rPr lang="en-US" dirty="0" smtClean="0"/>
-              <a:t>Modeling and Simulation</a:t>
-            </a:r>
-            <a:endParaRPr lang="en-US" dirty="0"/>
-          </a:p>
-        </p:txBody>
-      </p:sp>
-      <p:sp>
-        <p:nvSpPr>
-          <p:cNvPr id="3" name="Slide Number Placeholder 2"/>
+          <p:cNvPr id="4" name="Slide Number Placeholder 3"/>
           <p:cNvSpPr>
             <a:spLocks noGrp="1"/>
           </p:cNvSpPr>
@@ -5523,10 +6461,133 @@
           </a:p>
         </p:txBody>
       </p:sp>
+      <p:sp>
+        <p:nvSpPr>
+          <p:cNvPr id="2" name="Title 1"/>
+          <p:cNvSpPr>
+            <a:spLocks noGrp="1"/>
+          </p:cNvSpPr>
+          <p:nvPr>
+            <p:ph type="title" idx="4294967295"/>
+          </p:nvPr>
+        </p:nvSpPr>
+        <p:spPr>
+          <a:xfrm>
+            <a:off x="3124200" y="0"/>
+            <a:ext cx="6019800" cy="838200"/>
+          </a:xfrm>
+        </p:spPr>
+        <p:txBody>
+          <a:bodyPr/>
+          <a:lstStyle/>
+          <a:p>
+            <a:r>
+              <a:rPr lang="en-US" dirty="0" smtClean="0"/>
+              <a:t>Problem </a:t>
+            </a:r>
+            <a:r>
+              <a:rPr lang="en-US" dirty="0" smtClean="0"/>
+              <a:t>Formulation: Variables</a:t>
+            </a:r>
+            <a:endParaRPr lang="en-US" dirty="0"/>
+          </a:p>
+        </p:txBody>
+      </p:sp>
+      <p:sp>
+        <p:nvSpPr>
+          <p:cNvPr id="7" name="TextBox 6"/>
+          <p:cNvSpPr txBox="1"/>
+          <p:nvPr/>
+        </p:nvSpPr>
+        <p:spPr>
+          <a:xfrm>
+            <a:off x="457200" y="1066800"/>
+            <a:ext cx="8382000" cy="1384995"/>
+          </a:xfrm>
+          <a:prstGeom prst="rect">
+            <a:avLst/>
+          </a:prstGeom>
+          <a:noFill/>
+        </p:spPr>
+        <p:txBody>
+          <a:bodyPr wrap="square" rtlCol="0">
+            <a:spAutoFit/>
+          </a:bodyPr>
+          <a:lstStyle/>
+          <a:p>
+            <a:pPr marL="342900" indent="-342900">
+              <a:buFont typeface="Arial" panose="020B0604020202020204" pitchFamily="34" charset="0"/>
+              <a:buChar char="•"/>
+            </a:pPr>
+            <a:r>
+              <a:rPr lang="en-US" sz="2400" dirty="0" smtClean="0"/>
+              <a:t>Design </a:t>
+            </a:r>
+            <a:r>
+              <a:rPr lang="en-US" sz="2400" dirty="0"/>
+              <a:t>Variables</a:t>
+            </a:r>
+          </a:p>
+          <a:p>
+            <a:pPr marL="742950" lvl="1" indent="-285750">
+              <a:buFont typeface="Arial" panose="020B0604020202020204" pitchFamily="34" charset="0"/>
+              <a:buChar char="•"/>
+            </a:pPr>
+            <a:r>
+              <a:rPr lang="en-US" sz="2000" dirty="0" smtClean="0"/>
+              <a:t>10 Total Variables</a:t>
+            </a:r>
+          </a:p>
+          <a:p>
+            <a:pPr marL="742950" lvl="1" indent="-285750">
+              <a:buFont typeface="Arial" panose="020B0604020202020204" pitchFamily="34" charset="0"/>
+              <a:buChar char="•"/>
+            </a:pPr>
+            <a:r>
+              <a:rPr lang="en-US" sz="2000" dirty="0" smtClean="0"/>
+              <a:t>8 Discrete Variables</a:t>
+            </a:r>
+          </a:p>
+          <a:p>
+            <a:pPr marL="742950" lvl="1" indent="-285750">
+              <a:buFont typeface="Arial" panose="020B0604020202020204" pitchFamily="34" charset="0"/>
+              <a:buChar char="•"/>
+            </a:pPr>
+            <a:r>
+              <a:rPr lang="en-US" sz="2000" dirty="0" smtClean="0"/>
+              <a:t>2 Continuous Variables</a:t>
+            </a:r>
+          </a:p>
+        </p:txBody>
+      </p:sp>
+      <p:pic>
+        <p:nvPicPr>
+          <p:cNvPr id="6" name="Picture 5"/>
+          <p:cNvPicPr>
+            <a:picLocks noChangeAspect="1"/>
+          </p:cNvPicPr>
+          <p:nvPr/>
+        </p:nvPicPr>
+        <p:blipFill>
+          <a:blip r:embed="rId3"/>
+          <a:stretch>
+            <a:fillRect/>
+          </a:stretch>
+        </p:blipFill>
+        <p:spPr>
+          <a:xfrm>
+            <a:off x="1981200" y="3372579"/>
+            <a:ext cx="5013614" cy="2951941"/>
+          </a:xfrm>
+          <a:prstGeom prst="rect">
+            <a:avLst/>
+          </a:prstGeom>
+        </p:spPr>
+      </p:pic>
     </p:spTree>
     <p:extLst>
       <p:ext uri="{BB962C8B-B14F-4D97-AF65-F5344CB8AC3E}">
-        <p14:creationId xmlns:p14="http://schemas.microsoft.com/office/powerpoint/2010/main" val="1103405663"/>
+        <p14:creationId xmlns:p14="http://schemas.microsoft.com/office/powerpoint/2010/main" val="2203523392"/>
       </p:ext>
     </p:extLst>
   </p:cSld>
@@ -5555,29 +6616,6 @@
       </p:grpSpPr>
       <p:sp>
         <p:nvSpPr>
-          <p:cNvPr id="2" name="Title 1"/>
-          <p:cNvSpPr>
-            <a:spLocks noGrp="1"/>
-          </p:cNvSpPr>
-          <p:nvPr>
-            <p:ph type="title"/>
-          </p:nvPr>
-        </p:nvSpPr>
-        <p:spPr/>
-        <p:txBody>
-          <a:bodyPr/>
-          <a:lstStyle/>
-          <a:p>
-            <a:r>
-              <a:rPr lang="en-US" dirty="0" smtClean="0"/>
-              <a:t>Single Objective Optimization</a:t>
-            </a:r>
-            <a:endParaRPr lang="en-US" dirty="0"/>
-          </a:p>
-        </p:txBody>
-      </p:sp>
-      <p:sp>
-        <p:nvSpPr>
           <p:cNvPr id="4" name="Slide Number Placeholder 3"/>
           <p:cNvSpPr>
             <a:spLocks noGrp="1"/>
@@ -5617,10 +6655,293 @@
           </a:p>
         </p:txBody>
       </p:sp>
+      <p:sp>
+        <p:nvSpPr>
+          <p:cNvPr id="2" name="Title 1"/>
+          <p:cNvSpPr>
+            <a:spLocks noGrp="1"/>
+          </p:cNvSpPr>
+          <p:nvPr>
+            <p:ph type="title" idx="4294967295"/>
+          </p:nvPr>
+        </p:nvSpPr>
+        <p:spPr>
+          <a:xfrm>
+            <a:off x="3124200" y="0"/>
+            <a:ext cx="6019800" cy="838200"/>
+          </a:xfrm>
+        </p:spPr>
+        <p:txBody>
+          <a:bodyPr/>
+          <a:lstStyle/>
+          <a:p>
+            <a:r>
+              <a:rPr lang="en-US" dirty="0" smtClean="0"/>
+              <a:t>Problem </a:t>
+            </a:r>
+            <a:r>
+              <a:rPr lang="en-US" dirty="0" smtClean="0"/>
+              <a:t>Formulation: </a:t>
+            </a:r>
+            <a:br>
+              <a:rPr lang="en-US" dirty="0" smtClean="0"/>
+            </a:br>
+            <a:r>
+              <a:rPr lang="en-US" dirty="0" smtClean="0"/>
+              <a:t>Bounds and Constraints</a:t>
+            </a:r>
+            <a:endParaRPr lang="en-US" dirty="0"/>
+          </a:p>
+        </p:txBody>
+      </p:sp>
+      <p:sp>
+        <p:nvSpPr>
+          <p:cNvPr id="7" name="TextBox 6"/>
+          <p:cNvSpPr txBox="1"/>
+          <p:nvPr/>
+        </p:nvSpPr>
+        <p:spPr>
+          <a:xfrm>
+            <a:off x="457200" y="1066799"/>
+            <a:ext cx="8382000" cy="3047667"/>
+          </a:xfrm>
+          <a:prstGeom prst="rect">
+            <a:avLst/>
+          </a:prstGeom>
+          <a:noFill/>
+        </p:spPr>
+        <p:txBody>
+          <a:bodyPr wrap="square" numCol="2" rtlCol="0">
+            <a:noAutofit/>
+          </a:bodyPr>
+          <a:lstStyle/>
+          <a:p>
+            <a:pPr marL="342900" indent="-342900">
+              <a:buFont typeface="Arial" panose="020B0604020202020204" pitchFamily="34" charset="0"/>
+              <a:buChar char="•"/>
+            </a:pPr>
+            <a:r>
+              <a:rPr lang="en-US" sz="2400" dirty="0" smtClean="0"/>
+              <a:t>Bounds</a:t>
+            </a:r>
+          </a:p>
+          <a:p>
+            <a:pPr marL="800100" lvl="1" indent="-342900">
+              <a:buFont typeface="Arial" panose="020B0604020202020204" pitchFamily="34" charset="0"/>
+              <a:buChar char="•"/>
+            </a:pPr>
+            <a:r>
+              <a:rPr lang="en-US" sz="2000" dirty="0" smtClean="0"/>
+              <a:t>Current Mars information</a:t>
+            </a:r>
+          </a:p>
+          <a:p>
+            <a:pPr marL="800100" lvl="1" indent="-342900">
+              <a:buFont typeface="Arial" panose="020B0604020202020204" pitchFamily="34" charset="0"/>
+              <a:buChar char="•"/>
+            </a:pPr>
+            <a:r>
+              <a:rPr lang="en-US" sz="2000" dirty="0" smtClean="0"/>
+              <a:t>Theoretical limits</a:t>
+            </a:r>
+          </a:p>
+          <a:p>
+            <a:pPr marL="800100" lvl="1" indent="-342900">
+              <a:buFont typeface="Arial" panose="020B0604020202020204" pitchFamily="34" charset="0"/>
+              <a:buChar char="•"/>
+            </a:pPr>
+            <a:r>
+              <a:rPr lang="en-US" sz="2000" dirty="0"/>
+              <a:t>Current </a:t>
+            </a:r>
+            <a:r>
+              <a:rPr lang="en-US" sz="2000" dirty="0" smtClean="0"/>
+              <a:t>capabilities</a:t>
+            </a:r>
+          </a:p>
+          <a:p>
+            <a:pPr marL="800100" lvl="1" indent="-342900">
+              <a:buFont typeface="Arial" panose="020B0604020202020204" pitchFamily="34" charset="0"/>
+              <a:buChar char="•"/>
+            </a:pPr>
+            <a:r>
+              <a:rPr lang="en-US" sz="2000" dirty="0" smtClean="0"/>
+              <a:t>Expected developments</a:t>
+            </a:r>
+          </a:p>
+          <a:p>
+            <a:pPr marL="800100" lvl="1" indent="-342900">
+              <a:buFont typeface="Arial" panose="020B0604020202020204" pitchFamily="34" charset="0"/>
+              <a:buChar char="•"/>
+            </a:pPr>
+            <a:endParaRPr lang="en-US" sz="2000" dirty="0"/>
+          </a:p>
+          <a:p>
+            <a:pPr marL="800100" lvl="1" indent="-342900">
+              <a:buFont typeface="Arial" panose="020B0604020202020204" pitchFamily="34" charset="0"/>
+              <a:buChar char="•"/>
+            </a:pPr>
+            <a:endParaRPr lang="en-US" sz="2000" dirty="0" smtClean="0"/>
+          </a:p>
+          <a:p>
+            <a:pPr marL="800100" lvl="1" indent="-342900">
+              <a:buFont typeface="Arial" panose="020B0604020202020204" pitchFamily="34" charset="0"/>
+              <a:buChar char="•"/>
+            </a:pPr>
+            <a:endParaRPr lang="en-US" sz="2000" dirty="0"/>
+          </a:p>
+          <a:p>
+            <a:pPr marL="800100" lvl="1" indent="-342900">
+              <a:buFont typeface="Arial" panose="020B0604020202020204" pitchFamily="34" charset="0"/>
+              <a:buChar char="•"/>
+            </a:pPr>
+            <a:endParaRPr lang="en-US" sz="2000" dirty="0" smtClean="0"/>
+          </a:p>
+          <a:p>
+            <a:pPr marL="800100" lvl="1" indent="-342900">
+              <a:buFont typeface="Arial" panose="020B0604020202020204" pitchFamily="34" charset="0"/>
+              <a:buChar char="•"/>
+            </a:pPr>
+            <a:endParaRPr lang="en-US" sz="2000" dirty="0" smtClean="0"/>
+          </a:p>
+          <a:p>
+            <a:pPr lvl="1"/>
+            <a:endParaRPr lang="en-US" sz="2000" dirty="0" smtClean="0"/>
+          </a:p>
+          <a:p>
+            <a:pPr marL="342900" indent="-342900">
+              <a:buFont typeface="Arial" panose="020B0604020202020204" pitchFamily="34" charset="0"/>
+              <a:buChar char="•"/>
+            </a:pPr>
+            <a:r>
+              <a:rPr lang="en-US" sz="2400" dirty="0" smtClean="0"/>
+              <a:t>Constraints</a:t>
+            </a:r>
+          </a:p>
+          <a:p>
+            <a:pPr marL="800100" lvl="1" indent="-342900">
+              <a:buFont typeface="Arial" panose="020B0604020202020204" pitchFamily="34" charset="0"/>
+              <a:buChar char="•"/>
+            </a:pPr>
+            <a:r>
+              <a:rPr lang="en-US" sz="2000" dirty="0" smtClean="0"/>
+              <a:t>Physics-based</a:t>
+            </a:r>
+          </a:p>
+          <a:p>
+            <a:pPr marL="800100" lvl="1" indent="-342900">
+              <a:buFont typeface="Arial" panose="020B0604020202020204" pitchFamily="34" charset="0"/>
+              <a:buChar char="•"/>
+            </a:pPr>
+            <a:r>
+              <a:rPr lang="en-US" sz="2000" dirty="0" smtClean="0"/>
+              <a:t>Drivers of system sizing</a:t>
+            </a:r>
+          </a:p>
+          <a:p>
+            <a:pPr marL="1257300" lvl="2" indent="-342900">
+              <a:buFont typeface="Arial" panose="020B0604020202020204" pitchFamily="34" charset="0"/>
+              <a:buChar char="•"/>
+            </a:pPr>
+            <a:r>
+              <a:rPr lang="en-US" dirty="0" smtClean="0"/>
+              <a:t>Habitation</a:t>
+            </a:r>
+          </a:p>
+          <a:p>
+            <a:pPr marL="1257300" lvl="2" indent="-342900">
+              <a:buFont typeface="Arial" panose="020B0604020202020204" pitchFamily="34" charset="0"/>
+              <a:buChar char="•"/>
+            </a:pPr>
+            <a:r>
+              <a:rPr lang="en-US" dirty="0" smtClean="0"/>
+              <a:t>Transportation</a:t>
+            </a:r>
+          </a:p>
+          <a:p>
+            <a:pPr marL="1257300" lvl="2" indent="-342900">
+              <a:buFont typeface="Arial" panose="020B0604020202020204" pitchFamily="34" charset="0"/>
+              <a:buChar char="•"/>
+            </a:pPr>
+            <a:r>
+              <a:rPr lang="en-US" dirty="0" smtClean="0"/>
+              <a:t>Power</a:t>
+            </a:r>
+          </a:p>
+          <a:p>
+            <a:pPr marL="1257300" lvl="2" indent="-342900">
+              <a:buFont typeface="Arial" panose="020B0604020202020204" pitchFamily="34" charset="0"/>
+              <a:buChar char="•"/>
+            </a:pPr>
+            <a:r>
+              <a:rPr lang="en-US" dirty="0" smtClean="0"/>
+              <a:t>ISRU</a:t>
+            </a:r>
+          </a:p>
+          <a:p>
+            <a:pPr marL="1257300" lvl="2" indent="-342900">
+              <a:buFont typeface="Arial" panose="020B0604020202020204" pitchFamily="34" charset="0"/>
+              <a:buChar char="•"/>
+            </a:pPr>
+            <a:r>
+              <a:rPr lang="en-US" dirty="0" smtClean="0"/>
+              <a:t>ISFR</a:t>
+            </a:r>
+          </a:p>
+          <a:p>
+            <a:pPr marL="1257300" lvl="2" indent="-342900">
+              <a:buFont typeface="Arial" panose="020B0604020202020204" pitchFamily="34" charset="0"/>
+              <a:buChar char="•"/>
+            </a:pPr>
+            <a:r>
+              <a:rPr lang="en-US" dirty="0" smtClean="0"/>
+              <a:t>Staging</a:t>
+            </a:r>
+          </a:p>
+          <a:p>
+            <a:pPr marL="1257300" lvl="2" indent="-342900">
+              <a:buFont typeface="Arial" panose="020B0604020202020204" pitchFamily="34" charset="0"/>
+              <a:buChar char="•"/>
+            </a:pPr>
+            <a:endParaRPr lang="en-US" sz="1600" dirty="0" smtClean="0"/>
+          </a:p>
+          <a:p>
+            <a:pPr marL="800100" lvl="1" indent="-342900">
+              <a:buFont typeface="Arial" panose="020B0604020202020204" pitchFamily="34" charset="0"/>
+              <a:buChar char="•"/>
+            </a:pPr>
+            <a:endParaRPr lang="en-US" sz="2400" dirty="0" smtClean="0"/>
+          </a:p>
+        </p:txBody>
+      </p:sp>
+      <p:pic>
+        <p:nvPicPr>
+          <p:cNvPr id="8" name="Picture 7"/>
+          <p:cNvPicPr>
+            <a:picLocks noChangeAspect="1"/>
+          </p:cNvPicPr>
+          <p:nvPr/>
+        </p:nvPicPr>
+        <p:blipFill>
+          <a:blip r:embed="rId3"/>
+          <a:stretch>
+            <a:fillRect/>
+          </a:stretch>
+        </p:blipFill>
+        <p:spPr>
+          <a:xfrm>
+            <a:off x="76200" y="3886200"/>
+            <a:ext cx="8931708" cy="2362533"/>
+          </a:xfrm>
+          <a:prstGeom prst="rect">
+            <a:avLst/>
+          </a:prstGeom>
+        </p:spPr>
+      </p:pic>
     </p:spTree>
     <p:extLst>
       <p:ext uri="{BB962C8B-B14F-4D97-AF65-F5344CB8AC3E}">
-        <p14:creationId xmlns:p14="http://schemas.microsoft.com/office/powerpoint/2010/main" val="1404889025"/>
+        <p14:creationId xmlns:p14="http://schemas.microsoft.com/office/powerpoint/2010/main" val="1313908389"/>
       </p:ext>
     </p:extLst>
   </p:cSld>
@@ -5664,7 +6985,11 @@
           <a:p>
             <a:r>
               <a:rPr lang="en-US" dirty="0" smtClean="0"/>
-              <a:t>Multi-Objective Optimization</a:t>
+              <a:t>Problem </a:t>
+            </a:r>
+            <a:r>
+              <a:rPr lang="en-US" dirty="0" smtClean="0"/>
+              <a:t>Statement</a:t>
             </a:r>
             <a:endParaRPr lang="en-US" dirty="0"/>
           </a:p>
@@ -5672,7 +6997,7 @@
       </p:sp>
       <p:sp>
         <p:nvSpPr>
-          <p:cNvPr id="5" name="Slide Number Placeholder 4"/>
+          <p:cNvPr id="4" name="Slide Number Placeholder 3"/>
           <p:cNvSpPr>
             <a:spLocks noGrp="1"/>
           </p:cNvSpPr>
@@ -5711,10 +7036,82 @@
           </a:p>
         </p:txBody>
       </p:sp>
+      <p:pic>
+        <p:nvPicPr>
+          <p:cNvPr id="3" name="Picture 2"/>
+          <p:cNvPicPr>
+            <a:picLocks noChangeAspect="1"/>
+          </p:cNvPicPr>
+          <p:nvPr/>
+        </p:nvPicPr>
+        <p:blipFill>
+          <a:blip r:embed="rId3"/>
+          <a:stretch>
+            <a:fillRect/>
+          </a:stretch>
+        </p:blipFill>
+        <p:spPr>
+          <a:xfrm>
+            <a:off x="1600198" y="964190"/>
+            <a:ext cx="6096000" cy="744682"/>
+          </a:xfrm>
+          <a:prstGeom prst="rect">
+            <a:avLst/>
+          </a:prstGeom>
+        </p:spPr>
+      </p:pic>
+      <p:pic>
+        <p:nvPicPr>
+          <p:cNvPr id="5" name="Picture 4"/>
+          <p:cNvPicPr>
+            <a:picLocks noChangeAspect="1"/>
+          </p:cNvPicPr>
+          <p:nvPr/>
+        </p:nvPicPr>
+        <p:blipFill>
+          <a:blip r:embed="rId4"/>
+          <a:stretch>
+            <a:fillRect/>
+          </a:stretch>
+        </p:blipFill>
+        <p:spPr>
+          <a:xfrm>
+            <a:off x="2331892" y="1703242"/>
+            <a:ext cx="4632614" cy="2727614"/>
+          </a:xfrm>
+          <a:prstGeom prst="rect">
+            <a:avLst/>
+          </a:prstGeom>
+        </p:spPr>
+      </p:pic>
+      <p:pic>
+        <p:nvPicPr>
+          <p:cNvPr id="6" name="Picture 5"/>
+          <p:cNvPicPr>
+            <a:picLocks noChangeAspect="1"/>
+          </p:cNvPicPr>
+          <p:nvPr/>
+        </p:nvPicPr>
+        <p:blipFill>
+          <a:blip r:embed="rId5"/>
+          <a:stretch>
+            <a:fillRect/>
+          </a:stretch>
+        </p:blipFill>
+        <p:spPr>
+          <a:xfrm>
+            <a:off x="347660" y="4430856"/>
+            <a:ext cx="8601075" cy="2275077"/>
+          </a:xfrm>
+          <a:prstGeom prst="rect">
+            <a:avLst/>
+          </a:prstGeom>
+        </p:spPr>
+      </p:pic>
     </p:spTree>
     <p:extLst>
       <p:ext uri="{BB962C8B-B14F-4D97-AF65-F5344CB8AC3E}">
-        <p14:creationId xmlns:p14="http://schemas.microsoft.com/office/powerpoint/2010/main" val="4109803144"/>
+        <p14:creationId xmlns:p14="http://schemas.microsoft.com/office/powerpoint/2010/main" val="3617579299"/>
       </p:ext>
     </p:extLst>
   </p:cSld>
@@ -5758,7 +7155,11 @@
           <a:p>
             <a:r>
               <a:rPr lang="en-US" dirty="0" smtClean="0"/>
-              <a:t>Final Recommendation</a:t>
+              <a:t>Modeling and </a:t>
+            </a:r>
+            <a:r>
+              <a:rPr lang="en-US" dirty="0" smtClean="0"/>
+              <a:t>Simulation</a:t>
             </a:r>
             <a:endParaRPr lang="en-US" dirty="0"/>
           </a:p>
@@ -5766,7 +7167,7 @@
       </p:sp>
       <p:sp>
         <p:nvSpPr>
-          <p:cNvPr id="4" name="Slide Number Placeholder 3"/>
+          <p:cNvPr id="3" name="Slide Number Placeholder 2"/>
           <p:cNvSpPr>
             <a:spLocks noGrp="1"/>
           </p:cNvSpPr>
@@ -5808,7 +7209,7 @@
     </p:spTree>
     <p:extLst>
       <p:ext uri="{BB962C8B-B14F-4D97-AF65-F5344CB8AC3E}">
-        <p14:creationId xmlns:p14="http://schemas.microsoft.com/office/powerpoint/2010/main" val="875133285"/>
+        <p14:creationId xmlns:p14="http://schemas.microsoft.com/office/powerpoint/2010/main" val="1569832416"/>
       </p:ext>
     </p:extLst>
   </p:cSld>
@@ -5852,7 +7253,18 @@
           <a:p>
             <a:r>
               <a:rPr lang="en-US" dirty="0" smtClean="0"/>
-              <a:t>Learnings and Future Work</a:t>
+              <a:t>Modeling and </a:t>
+            </a:r>
+            <a:r>
+              <a:rPr lang="en-US" dirty="0" smtClean="0"/>
+              <a:t>Simulation:</a:t>
+            </a:r>
+            <a:br>
+              <a:rPr lang="en-US" dirty="0" smtClean="0"/>
+            </a:br>
+            <a:r>
+              <a:rPr lang="en-US" dirty="0" smtClean="0"/>
+              <a:t>DSM</a:t>
             </a:r>
             <a:endParaRPr lang="en-US" dirty="0"/>
           </a:p>
@@ -5860,7 +7272,7 @@
       </p:sp>
       <p:sp>
         <p:nvSpPr>
-          <p:cNvPr id="12" name="Slide Number Placeholder 3"/>
+          <p:cNvPr id="3" name="Slide Number Placeholder 2"/>
           <p:cNvSpPr>
             <a:spLocks noGrp="1"/>
           </p:cNvSpPr>
@@ -5868,12 +7280,7 @@
             <p:ph type="sldNum" sz="quarter" idx="12"/>
           </p:nvPr>
         </p:nvSpPr>
-        <p:spPr>
-          <a:xfrm>
-            <a:off x="6553200" y="6172200"/>
-            <a:ext cx="2133600" cy="365125"/>
-          </a:xfrm>
-        </p:spPr>
+        <p:spPr/>
         <p:txBody>
           <a:bodyPr/>
           <a:lstStyle/>
@@ -5881,17 +7288,20 @@
             <a:pPr>
               <a:defRPr/>
             </a:pPr>
-            <a:r>
-              <a:rPr lang="en-US" dirty="0">
+            <a:fld id="{6E3317FF-6423-48BB-8CF6-A5183FB2D75B}" type="slidenum">
+              <a:rPr lang="en-US" smtClean="0">
                 <a:solidFill>
                   <a:prstClr val="black">
                     <a:tint val="75000"/>
                   </a:prstClr>
                 </a:solidFill>
               </a:rPr>
+              <a:pPr>
+                <a:defRPr/>
+              </a:pPr>
               <a:t>8</a:t>
-            </a:r>
-            <a:endParaRPr lang="en-US" dirty="0">
+            </a:fld>
+            <a:endParaRPr lang="en-US">
               <a:solidFill>
                 <a:prstClr val="black">
                   <a:tint val="75000"/>
@@ -5901,10 +7311,134 @@
           </a:p>
         </p:txBody>
       </p:sp>
+      <p:pic>
+        <p:nvPicPr>
+          <p:cNvPr id="4" name="Picture 3"/>
+          <p:cNvPicPr>
+            <a:picLocks noChangeAspect="1"/>
+          </p:cNvPicPr>
+          <p:nvPr/>
+        </p:nvPicPr>
+        <p:blipFill>
+          <a:blip r:embed="rId2">
+            <a:extLst>
+              <a:ext uri="{28A0092B-C50C-407E-A947-70E740481C1C}">
+                <a14:useLocalDpi xmlns:a14="http://schemas.microsoft.com/office/drawing/2010/main" val="0"/>
+              </a:ext>
+            </a:extLst>
+          </a:blip>
+          <a:stretch>
+            <a:fillRect/>
+          </a:stretch>
+        </p:blipFill>
+        <p:spPr>
+          <a:xfrm>
+            <a:off x="609600" y="1636126"/>
+            <a:ext cx="7924800" cy="4718636"/>
+          </a:xfrm>
+          <a:prstGeom prst="rect">
+            <a:avLst/>
+          </a:prstGeom>
+        </p:spPr>
+      </p:pic>
     </p:spTree>
     <p:extLst>
       <p:ext uri="{BB962C8B-B14F-4D97-AF65-F5344CB8AC3E}">
-        <p14:creationId xmlns:p14="http://schemas.microsoft.com/office/powerpoint/2010/main" val="300718594"/>
+        <p14:creationId xmlns:p14="http://schemas.microsoft.com/office/powerpoint/2010/main" val="1103405663"/>
+      </p:ext>
+    </p:extLst>
+  </p:cSld>
+  <p:clrMapOvr>
+    <a:masterClrMapping/>
+  </p:clrMapOvr>
+</p:sld>
+</file>
+
+<file path=ppt/slides/slide9.xml><?xml version="1.0" encoding="utf-8"?>
+<p:sld xmlns:a="http://schemas.openxmlformats.org/drawingml/2006/main" xmlns:r="http://schemas.openxmlformats.org/officeDocument/2006/relationships" xmlns:p="http://schemas.openxmlformats.org/presentationml/2006/main">
+  <p:cSld>
+    <p:spTree>
+      <p:nvGrpSpPr>
+        <p:cNvPr id="1" name=""/>
+        <p:cNvGrpSpPr/>
+        <p:nvPr/>
+      </p:nvGrpSpPr>
+      <p:grpSpPr>
+        <a:xfrm>
+          <a:off x="0" y="0"/>
+          <a:ext cx="0" cy="0"/>
+          <a:chOff x="0" y="0"/>
+          <a:chExt cx="0" cy="0"/>
+        </a:xfrm>
+      </p:grpSpPr>
+      <p:sp>
+        <p:nvSpPr>
+          <p:cNvPr id="2" name="Title 1"/>
+          <p:cNvSpPr>
+            <a:spLocks noGrp="1"/>
+          </p:cNvSpPr>
+          <p:nvPr>
+            <p:ph type="title"/>
+          </p:nvPr>
+        </p:nvSpPr>
+        <p:spPr/>
+        <p:txBody>
+          <a:bodyPr/>
+          <a:lstStyle/>
+          <a:p>
+            <a:r>
+              <a:rPr lang="en-US" dirty="0" smtClean="0"/>
+              <a:t>Modeling and Simulation</a:t>
+            </a:r>
+            <a:endParaRPr lang="en-US" dirty="0"/>
+          </a:p>
+        </p:txBody>
+      </p:sp>
+      <p:sp>
+        <p:nvSpPr>
+          <p:cNvPr id="3" name="Slide Number Placeholder 2"/>
+          <p:cNvSpPr>
+            <a:spLocks noGrp="1"/>
+          </p:cNvSpPr>
+          <p:nvPr>
+            <p:ph type="sldNum" sz="quarter" idx="12"/>
+          </p:nvPr>
+        </p:nvSpPr>
+        <p:spPr/>
+        <p:txBody>
+          <a:bodyPr/>
+          <a:lstStyle/>
+          <a:p>
+            <a:pPr>
+              <a:defRPr/>
+            </a:pPr>
+            <a:fld id="{6E3317FF-6423-48BB-8CF6-A5183FB2D75B}" type="slidenum">
+              <a:rPr lang="en-US" smtClean="0">
+                <a:solidFill>
+                  <a:prstClr val="black">
+                    <a:tint val="75000"/>
+                  </a:prstClr>
+                </a:solidFill>
+              </a:rPr>
+              <a:pPr>
+                <a:defRPr/>
+              </a:pPr>
+              <a:t>9</a:t>
+            </a:fld>
+            <a:endParaRPr lang="en-US">
+              <a:solidFill>
+                <a:prstClr val="black">
+                  <a:tint val="75000"/>
+                </a:prstClr>
+              </a:solidFill>
+            </a:endParaRPr>
+          </a:p>
+        </p:txBody>
+      </p:sp>
+    </p:spTree>
+    <p:extLst>
+      <p:ext uri="{BB962C8B-B14F-4D97-AF65-F5344CB8AC3E}">
+        <p14:creationId xmlns:p14="http://schemas.microsoft.com/office/powerpoint/2010/main" val="991219898"/>
       </p:ext>
     </p:extLst>
   </p:cSld>

--- a/MSDO/Assignment5/Mars 2040 Optimization Presentation.pptx
+++ b/MSDO/Assignment5/Mars 2040 Optimization Presentation.pptx
@@ -6050,47 +6050,6 @@
       </p:sp>
       <p:sp>
         <p:nvSpPr>
-          <p:cNvPr id="4" name="Slide Number Placeholder 3"/>
-          <p:cNvSpPr>
-            <a:spLocks noGrp="1"/>
-          </p:cNvSpPr>
-          <p:nvPr>
-            <p:ph type="sldNum" sz="quarter" idx="12"/>
-          </p:nvPr>
-        </p:nvSpPr>
-        <p:spPr/>
-        <p:txBody>
-          <a:bodyPr/>
-          <a:lstStyle/>
-          <a:p>
-            <a:pPr>
-              <a:defRPr/>
-            </a:pPr>
-            <a:fld id="{6E3317FF-6423-48BB-8CF6-A5183FB2D75B}" type="slidenum">
-              <a:rPr lang="en-US" smtClean="0">
-                <a:solidFill>
-                  <a:prstClr val="black">
-                    <a:tint val="75000"/>
-                  </a:prstClr>
-                </a:solidFill>
-              </a:rPr>
-              <a:pPr>
-                <a:defRPr/>
-              </a:pPr>
-              <a:t>2</a:t>
-            </a:fld>
-            <a:endParaRPr lang="en-US">
-              <a:solidFill>
-                <a:prstClr val="black">
-                  <a:tint val="75000"/>
-                </a:prstClr>
-              </a:solidFill>
-            </a:endParaRPr>
-          </a:p>
-        </p:txBody>
-      </p:sp>
-      <p:sp>
-        <p:nvSpPr>
           <p:cNvPr id="5" name="TextBox 4"/>
           <p:cNvSpPr txBox="1"/>
           <p:nvPr/>
@@ -6123,8 +6082,8 @@
         </p:nvSpPr>
         <p:spPr>
           <a:xfrm>
-            <a:off x="457200" y="1066800"/>
-            <a:ext cx="8382000" cy="461665"/>
+            <a:off x="304800" y="1066800"/>
+            <a:ext cx="8382000" cy="5816977"/>
           </a:xfrm>
           <a:prstGeom prst="rect">
             <a:avLst/>
@@ -6142,10 +6101,176 @@
               <a:buChar char="•"/>
             </a:pPr>
             <a:r>
-              <a:rPr lang="en-US" sz="2400" smtClean="0"/>
-              <a:t>Objectives</a:t>
+              <a:rPr lang="en-US" sz="2400" dirty="0" smtClean="0"/>
+              <a:t>US Space Policy, NASA’s “Journey to Mars”</a:t>
             </a:r>
             <a:endParaRPr lang="en-US" sz="2400" dirty="0" smtClean="0"/>
+          </a:p>
+          <a:p>
+            <a:pPr marL="742950" lvl="1" indent="-285750">
+              <a:buFont typeface="Arial" panose="020B0604020202020204" pitchFamily="34" charset="0"/>
+              <a:buChar char="•"/>
+            </a:pPr>
+            <a:r>
+              <a:rPr lang="en-US" sz="2000" dirty="0" smtClean="0"/>
+              <a:t>Sustainable, indefinite human presence on Mars</a:t>
+            </a:r>
+          </a:p>
+          <a:p>
+            <a:pPr marL="742950" lvl="1" indent="-285750">
+              <a:buFont typeface="Arial" panose="020B0604020202020204" pitchFamily="34" charset="0"/>
+              <a:buChar char="•"/>
+            </a:pPr>
+            <a:r>
+              <a:rPr lang="en-US" sz="2000" dirty="0" smtClean="0"/>
+              <a:t>Sustainability</a:t>
+            </a:r>
+          </a:p>
+          <a:p>
+            <a:pPr marL="1200150" lvl="2" indent="-285750">
+              <a:buFont typeface="Arial" panose="020B0604020202020204" pitchFamily="34" charset="0"/>
+              <a:buChar char="•"/>
+            </a:pPr>
+            <a:r>
+              <a:rPr lang="en-US" sz="2000" dirty="0" smtClean="0"/>
+              <a:t>Logistics</a:t>
+            </a:r>
+          </a:p>
+          <a:p>
+            <a:pPr marL="1200150" lvl="2" indent="-285750">
+              <a:buFont typeface="Arial" panose="020B0604020202020204" pitchFamily="34" charset="0"/>
+              <a:buChar char="•"/>
+            </a:pPr>
+            <a:r>
+              <a:rPr lang="en-US" sz="2000" dirty="0" smtClean="0"/>
+              <a:t>Economics</a:t>
+            </a:r>
+          </a:p>
+          <a:p>
+            <a:pPr marL="1200150" lvl="2" indent="-285750">
+              <a:buFont typeface="Arial" panose="020B0604020202020204" pitchFamily="34" charset="0"/>
+              <a:buChar char="•"/>
+            </a:pPr>
+            <a:r>
+              <a:rPr lang="en-US" sz="2000" dirty="0" smtClean="0"/>
+              <a:t>Politics</a:t>
+            </a:r>
+          </a:p>
+          <a:p>
+            <a:pPr marL="285750" indent="-285750">
+              <a:buFont typeface="Arial" panose="020B0604020202020204" pitchFamily="34" charset="0"/>
+              <a:buChar char="•"/>
+            </a:pPr>
+            <a:r>
+              <a:rPr lang="en-US" sz="2400" dirty="0" smtClean="0"/>
+              <a:t>Mars 2040 Project, 2015</a:t>
+            </a:r>
+          </a:p>
+          <a:p>
+            <a:pPr marL="742950" lvl="1" indent="-285750">
+              <a:buFont typeface="Arial" panose="020B0604020202020204" pitchFamily="34" charset="0"/>
+              <a:buChar char="•"/>
+            </a:pPr>
+            <a:r>
+              <a:rPr lang="en-US" sz="2000" dirty="0" smtClean="0"/>
+              <a:t>Graduate System Design and Management Team</a:t>
+            </a:r>
+          </a:p>
+          <a:p>
+            <a:pPr marL="742950" lvl="1" indent="-285750">
+              <a:buFont typeface="Arial" panose="020B0604020202020204" pitchFamily="34" charset="0"/>
+              <a:buChar char="•"/>
+            </a:pPr>
+            <a:r>
+              <a:rPr lang="en-US" sz="2000" dirty="0" smtClean="0"/>
+              <a:t>Designed a permanent outpost and support architecture</a:t>
+            </a:r>
+          </a:p>
+          <a:p>
+            <a:pPr marL="742950" lvl="1" indent="-285750">
+              <a:buFont typeface="Arial" panose="020B0604020202020204" pitchFamily="34" charset="0"/>
+              <a:buChar char="•"/>
+            </a:pPr>
+            <a:r>
+              <a:rPr lang="en-US" sz="2000" dirty="0" smtClean="0"/>
+              <a:t>Determined optimal architecture</a:t>
+            </a:r>
+          </a:p>
+          <a:p>
+            <a:pPr marL="1200150" lvl="2" indent="-285750">
+              <a:buFont typeface="Arial" panose="020B0604020202020204" pitchFamily="34" charset="0"/>
+              <a:buChar char="•"/>
+            </a:pPr>
+            <a:r>
+              <a:rPr lang="en-US" sz="2000" dirty="0" smtClean="0"/>
+              <a:t>Full factorial enumeration</a:t>
+            </a:r>
+          </a:p>
+          <a:p>
+            <a:pPr marL="1200150" lvl="2" indent="-285750">
+              <a:buFont typeface="Arial" panose="020B0604020202020204" pitchFamily="34" charset="0"/>
+              <a:buChar char="•"/>
+            </a:pPr>
+            <a:r>
+              <a:rPr lang="en-US" sz="2000" dirty="0" smtClean="0"/>
+              <a:t>IMLEO metric</a:t>
+            </a:r>
+          </a:p>
+          <a:p>
+            <a:pPr marL="285750" indent="-285750">
+              <a:buFont typeface="Arial" panose="020B0604020202020204" pitchFamily="34" charset="0"/>
+              <a:buChar char="•"/>
+            </a:pPr>
+            <a:r>
+              <a:rPr lang="en-US" sz="2400" dirty="0" smtClean="0"/>
+              <a:t>16.888 Resupply Optimization</a:t>
+            </a:r>
+          </a:p>
+          <a:p>
+            <a:pPr marL="742950" lvl="1" indent="-285750">
+              <a:buFont typeface="Arial" panose="020B0604020202020204" pitchFamily="34" charset="0"/>
+              <a:buChar char="•"/>
+            </a:pPr>
+            <a:r>
+              <a:rPr lang="en-US" sz="2000" dirty="0" smtClean="0"/>
+              <a:t>Multi-disciplinary, multi-objective minimization using same models</a:t>
+            </a:r>
+          </a:p>
+          <a:p>
+            <a:pPr marL="742950" lvl="1" indent="-285750">
+              <a:buFont typeface="Arial" panose="020B0604020202020204" pitchFamily="34" charset="0"/>
+              <a:buChar char="•"/>
+            </a:pPr>
+            <a:r>
+              <a:rPr lang="en-US" sz="2000" dirty="0" smtClean="0"/>
+              <a:t>New objectives account for investment and </a:t>
+            </a:r>
+            <a:r>
+              <a:rPr lang="en-US" sz="2000" smtClean="0"/>
+              <a:t>scientific return</a:t>
+            </a:r>
+            <a:endParaRPr lang="en-US" sz="2000" dirty="0" smtClean="0"/>
+          </a:p>
+          <a:p>
+            <a:pPr marL="742950" lvl="1" indent="-285750">
+              <a:buFont typeface="Arial" panose="020B0604020202020204" pitchFamily="34" charset="0"/>
+              <a:buChar char="•"/>
+            </a:pPr>
+            <a:endParaRPr lang="en-US" sz="2000" dirty="0" smtClean="0"/>
+          </a:p>
+          <a:p>
+            <a:pPr marL="285750" indent="-285750">
+              <a:buFont typeface="Arial" panose="020B0604020202020204" pitchFamily="34" charset="0"/>
+              <a:buChar char="•"/>
+            </a:pPr>
+            <a:endParaRPr lang="en-US" sz="2000" dirty="0" smtClean="0"/>
+          </a:p>
+          <a:p>
+            <a:pPr marL="742950" lvl="1" indent="-285750">
+              <a:buFont typeface="Arial" panose="020B0604020202020204" pitchFamily="34" charset="0"/>
+              <a:buChar char="•"/>
+            </a:pPr>
+            <a:endParaRPr lang="en-US" sz="2000" dirty="0" smtClean="0"/>
           </a:p>
         </p:txBody>
       </p:sp>
@@ -6242,11 +6367,7 @@
           <a:p>
             <a:r>
               <a:rPr lang="en-US" dirty="0" smtClean="0"/>
-              <a:t>Problem </a:t>
-            </a:r>
-            <a:r>
-              <a:rPr lang="en-US" dirty="0" smtClean="0"/>
-              <a:t>Formulation: Objectives</a:t>
+              <a:t>Problem Formulation: Objectives</a:t>
             </a:r>
             <a:endParaRPr lang="en-US" dirty="0"/>
           </a:p>
@@ -6483,11 +6604,7 @@
           <a:p>
             <a:r>
               <a:rPr lang="en-US" dirty="0" smtClean="0"/>
-              <a:t>Problem </a:t>
-            </a:r>
-            <a:r>
-              <a:rPr lang="en-US" dirty="0" smtClean="0"/>
-              <a:t>Formulation: Variables</a:t>
+              <a:t>Problem Formulation: Variables</a:t>
             </a:r>
             <a:endParaRPr lang="en-US" dirty="0"/>
           </a:p>
@@ -6502,7 +6619,7 @@
         <p:spPr>
           <a:xfrm>
             <a:off x="457200" y="1066800"/>
-            <a:ext cx="8382000" cy="1384995"/>
+            <a:ext cx="8382000" cy="2000548"/>
           </a:xfrm>
           <a:prstGeom prst="rect">
             <a:avLst/>
@@ -6555,8 +6672,41 @@
             </a:pPr>
             <a:r>
               <a:rPr lang="en-US" sz="2000" dirty="0" smtClean="0"/>
-              <a:t>2 Continuous Variables</a:t>
-            </a:r>
+              <a:t>2 Continuous </a:t>
+            </a:r>
+            <a:r>
+              <a:rPr lang="en-US" sz="2000" dirty="0" smtClean="0"/>
+              <a:t>Variables</a:t>
+            </a:r>
+          </a:p>
+          <a:p>
+            <a:pPr marL="742950" lvl="1" indent="-285750">
+              <a:buFont typeface="Arial" panose="020B0604020202020204" pitchFamily="34" charset="0"/>
+              <a:buChar char="•"/>
+            </a:pPr>
+            <a:r>
+              <a:rPr lang="en-US" sz="2000" dirty="0" smtClean="0"/>
+              <a:t>Propulsion Type, </a:t>
+            </a:r>
+            <a:r>
+              <a:rPr lang="en-US" sz="2000" dirty="0" err="1" smtClean="0"/>
+              <a:t>Isp</a:t>
+            </a:r>
+            <a:r>
+              <a:rPr lang="en-US" sz="2000" dirty="0" smtClean="0"/>
+              <a:t> directly effect development cost</a:t>
+            </a:r>
+          </a:p>
+          <a:p>
+            <a:pPr marL="742950" lvl="1" indent="-285750">
+              <a:buFont typeface="Arial" panose="020B0604020202020204" pitchFamily="34" charset="0"/>
+              <a:buChar char="•"/>
+            </a:pPr>
+            <a:r>
+              <a:rPr lang="en-US" sz="2000" dirty="0" smtClean="0"/>
+              <a:t>Location, Population, and Food directly affect Science Utility</a:t>
+            </a:r>
+            <a:endParaRPr lang="en-US" sz="2000" dirty="0" smtClean="0"/>
           </a:p>
         </p:txBody>
       </p:sp>
@@ -6576,7 +6726,7 @@
         </p:blipFill>
         <p:spPr>
           <a:xfrm>
-            <a:off x="1981200" y="3372579"/>
+            <a:off x="1752600" y="3266784"/>
             <a:ext cx="5013614" cy="2951941"/>
           </a:xfrm>
           <a:prstGeom prst="rect">
@@ -6677,11 +6827,7 @@
           <a:p>
             <a:r>
               <a:rPr lang="en-US" dirty="0" smtClean="0"/>
-              <a:t>Problem </a:t>
-            </a:r>
-            <a:r>
-              <a:rPr lang="en-US" dirty="0" smtClean="0"/>
-              <a:t>Formulation: </a:t>
+              <a:t>Problem Formulation: </a:t>
             </a:r>
             <a:br>
               <a:rPr lang="en-US" dirty="0" smtClean="0"/>
@@ -6985,11 +7131,7 @@
           <a:p>
             <a:r>
               <a:rPr lang="en-US" dirty="0" smtClean="0"/>
-              <a:t>Problem </a:t>
-            </a:r>
-            <a:r>
-              <a:rPr lang="en-US" dirty="0" smtClean="0"/>
-              <a:t>Statement</a:t>
+              <a:t>Problem Statement</a:t>
             </a:r>
             <a:endParaRPr lang="en-US" dirty="0"/>
           </a:p>
@@ -7155,11 +7297,7 @@
           <a:p>
             <a:r>
               <a:rPr lang="en-US" dirty="0" smtClean="0"/>
-              <a:t>Modeling and </a:t>
-            </a:r>
-            <a:r>
-              <a:rPr lang="en-US" dirty="0" smtClean="0"/>
-              <a:t>Simulation</a:t>
+              <a:t>Modeling and Simulation</a:t>
             </a:r>
             <a:endParaRPr lang="en-US" dirty="0"/>
           </a:p>
@@ -7253,11 +7391,7 @@
           <a:p>
             <a:r>
               <a:rPr lang="en-US" dirty="0" smtClean="0"/>
-              <a:t>Modeling and </a:t>
-            </a:r>
-            <a:r>
-              <a:rPr lang="en-US" dirty="0" smtClean="0"/>
-              <a:t>Simulation:</a:t>
+              <a:t>Modeling and Simulation:</a:t>
             </a:r>
             <a:br>
               <a:rPr lang="en-US" dirty="0" smtClean="0"/>
@@ -7333,7 +7467,7 @@
         </p:blipFill>
         <p:spPr>
           <a:xfrm>
-            <a:off x="609600" y="1636126"/>
+            <a:off x="533400" y="1636126"/>
             <a:ext cx="7924800" cy="4718636"/>
           </a:xfrm>
           <a:prstGeom prst="rect">
@@ -7341,6 +7475,40 @@
           </a:prstGeom>
         </p:spPr>
       </p:pic>
+      <p:sp>
+        <p:nvSpPr>
+          <p:cNvPr id="5" name="TextBox 4"/>
+          <p:cNvSpPr txBox="1"/>
+          <p:nvPr/>
+        </p:nvSpPr>
+        <p:spPr>
+          <a:xfrm>
+            <a:off x="457200" y="1066799"/>
+            <a:ext cx="8382000" cy="569327"/>
+          </a:xfrm>
+          <a:prstGeom prst="rect">
+            <a:avLst/>
+          </a:prstGeom>
+          <a:noFill/>
+        </p:spPr>
+        <p:txBody>
+          <a:bodyPr wrap="square" numCol="1" rtlCol="0">
+            <a:noAutofit/>
+          </a:bodyPr>
+          <a:lstStyle/>
+          <a:p>
+            <a:pPr marL="285750" indent="-285750">
+              <a:buFont typeface="Arial" panose="020B0604020202020204" pitchFamily="34" charset="0"/>
+              <a:buChar char="•"/>
+            </a:pPr>
+            <a:r>
+              <a:rPr lang="en-US" sz="2400" dirty="0" smtClean="0"/>
+              <a:t>Reordered to minimize feedback relationships </a:t>
+            </a:r>
+            <a:endParaRPr lang="en-US" sz="2400" dirty="0" smtClean="0"/>
+          </a:p>
+        </p:txBody>
+      </p:sp>
     </p:spTree>
     <p:extLst>
       <p:ext uri="{BB962C8B-B14F-4D97-AF65-F5344CB8AC3E}">

--- a/MSDO/Assignment5/Mars 2040 Optimization Presentation.pptx
+++ b/MSDO/Assignment5/Mars 2040 Optimization Presentation.pptx
@@ -5,7 +5,7 @@
     <p:sldMasterId id="2147483673" r:id="rId1"/>
   </p:sldMasterIdLst>
   <p:notesMasterIdLst>
-    <p:notesMasterId r:id="rId15"/>
+    <p:notesMasterId r:id="rId16"/>
   </p:notesMasterIdLst>
   <p:sldIdLst>
     <p:sldId id="448" r:id="rId2"/>
@@ -18,9 +18,10 @@
     <p:sldId id="567" r:id="rId9"/>
     <p:sldId id="575" r:id="rId10"/>
     <p:sldId id="568" r:id="rId11"/>
-    <p:sldId id="569" r:id="rId12"/>
-    <p:sldId id="570" r:id="rId13"/>
-    <p:sldId id="571" r:id="rId14"/>
+    <p:sldId id="577" r:id="rId12"/>
+    <p:sldId id="578" r:id="rId13"/>
+    <p:sldId id="570" r:id="rId14"/>
+    <p:sldId id="571" r:id="rId15"/>
   </p:sldIdLst>
   <p:sldSz cx="9144000" cy="6858000" type="screen4x3"/>
   <p:notesSz cx="6858000" cy="9144000"/>
@@ -220,7 +221,7 @@
           <a:p>
             <a:fld id="{D292ED30-0A90-45AA-9637-D363BB894E5D}" type="datetimeFigureOut">
               <a:rPr lang="en-US" smtClean="0"/>
-              <a:t>5/8/2016</a:t>
+              <a:t>5/9/2016</a:t>
             </a:fld>
             <a:endParaRPr lang="en-US"/>
           </a:p>
@@ -1239,7 +1240,7 @@
           <a:p>
             <a:fld id="{380EEE09-4C39-4D5E-9E9F-B9379C5BD052}" type="slidenum">
               <a:rPr lang="en-US" smtClean="0"/>
-              <a:t>12</a:t>
+              <a:t>13</a:t>
             </a:fld>
             <a:endParaRPr lang="en-US"/>
           </a:p>
@@ -1366,7 +1367,7 @@
                   </a:prstClr>
                 </a:solidFill>
               </a:rPr>
-              <a:t>5/8/2016</a:t>
+              <a:t>5/9/2016</a:t>
             </a:fld>
             <a:endParaRPr lang="en-US">
               <a:solidFill>
@@ -1590,7 +1591,7 @@
                   </a:prstClr>
                 </a:solidFill>
               </a:rPr>
-              <a:t>5/8/2016</a:t>
+              <a:t>5/9/2016</a:t>
             </a:fld>
             <a:endParaRPr lang="en-US">
               <a:solidFill>
@@ -1831,7 +1832,7 @@
                   </a:prstClr>
                 </a:solidFill>
               </a:rPr>
-              <a:t>5/8/2016</a:t>
+              <a:t>5/9/2016</a:t>
             </a:fld>
             <a:endParaRPr lang="en-US">
               <a:solidFill>
@@ -2055,7 +2056,7 @@
                   </a:prstClr>
                 </a:solidFill>
               </a:rPr>
-              <a:t>5/8/2016</a:t>
+              <a:t>5/9/2016</a:t>
             </a:fld>
             <a:endParaRPr lang="en-US">
               <a:solidFill>
@@ -2363,7 +2364,7 @@
                   </a:prstClr>
                 </a:solidFill>
               </a:rPr>
-              <a:t>5/8/2016</a:t>
+              <a:t>5/9/2016</a:t>
             </a:fld>
             <a:endParaRPr lang="en-US">
               <a:solidFill>
@@ -2663,7 +2664,7 @@
                   </a:prstClr>
                 </a:solidFill>
               </a:rPr>
-              <a:t>5/8/2016</a:t>
+              <a:t>5/9/2016</a:t>
             </a:fld>
             <a:endParaRPr lang="en-US">
               <a:solidFill>
@@ -3005,7 +3006,7 @@
                   </a:prstClr>
                 </a:solidFill>
               </a:rPr>
-              <a:t>5/8/2016</a:t>
+              <a:t>5/9/2016</a:t>
             </a:fld>
             <a:endParaRPr lang="en-US">
               <a:solidFill>
@@ -3481,7 +3482,7 @@
                   </a:prstClr>
                 </a:solidFill>
               </a:rPr>
-              <a:t>5/8/2016</a:t>
+              <a:t>5/9/2016</a:t>
             </a:fld>
             <a:endParaRPr lang="en-US">
               <a:solidFill>
@@ -3653,7 +3654,7 @@
                   </a:prstClr>
                 </a:solidFill>
               </a:rPr>
-              <a:t>5/8/2016</a:t>
+              <a:t>5/9/2016</a:t>
             </a:fld>
             <a:endParaRPr lang="en-US">
               <a:solidFill>
@@ -3809,7 +3810,7 @@
                   </a:prstClr>
                 </a:solidFill>
               </a:rPr>
-              <a:t>5/8/2016</a:t>
+              <a:t>5/9/2016</a:t>
             </a:fld>
             <a:endParaRPr lang="en-US">
               <a:solidFill>
@@ -4140,7 +4141,7 @@
                   </a:prstClr>
                 </a:solidFill>
               </a:rPr>
-              <a:t>5/8/2016</a:t>
+              <a:t>5/9/2016</a:t>
             </a:fld>
             <a:endParaRPr lang="en-US">
               <a:solidFill>
@@ -4450,7 +4451,7 @@
                   </a:prstClr>
                 </a:solidFill>
               </a:rPr>
-              <a:t>5/8/2016</a:t>
+              <a:t>5/9/2016</a:t>
             </a:fld>
             <a:endParaRPr lang="en-US">
               <a:solidFill>
@@ -4717,7 +4718,7 @@
                   </a:prstClr>
                 </a:solidFill>
               </a:rPr>
-              <a:t>5/8/2016</a:t>
+              <a:t>5/9/2016</a:t>
             </a:fld>
             <a:endParaRPr lang="en-US">
               <a:solidFill>
@@ -5812,10 +5813,40 @@
           </a:p>
         </p:txBody>
       </p:sp>
+      <p:pic>
+        <p:nvPicPr>
+          <p:cNvPr id="3" name="Picture 2"/>
+          <p:cNvPicPr>
+            <a:picLocks noChangeAspect="1"/>
+          </p:cNvPicPr>
+          <p:nvPr/>
+        </p:nvPicPr>
+        <p:blipFill>
+          <a:blip r:embed="rId2">
+            <a:extLst>
+              <a:ext uri="{28A0092B-C50C-407E-A947-70E740481C1C}">
+                <a14:useLocalDpi xmlns:a14="http://schemas.microsoft.com/office/drawing/2010/main" val="0"/>
+              </a:ext>
+            </a:extLst>
+          </a:blip>
+          <a:stretch>
+            <a:fillRect/>
+          </a:stretch>
+        </p:blipFill>
+        <p:spPr>
+          <a:xfrm>
+            <a:off x="990600" y="1066800"/>
+            <a:ext cx="7048885" cy="5714792"/>
+          </a:xfrm>
+          <a:prstGeom prst="rect">
+            <a:avLst/>
+          </a:prstGeom>
+        </p:spPr>
+      </p:pic>
     </p:spTree>
     <p:extLst>
       <p:ext uri="{BB962C8B-B14F-4D97-AF65-F5344CB8AC3E}">
-        <p14:creationId xmlns:p14="http://schemas.microsoft.com/office/powerpoint/2010/main" val="4109803144"/>
+        <p14:creationId xmlns:p14="http://schemas.microsoft.com/office/powerpoint/2010/main" val="4266063036"/>
       </p:ext>
     </p:extLst>
   </p:cSld>
@@ -5859,7 +5890,7 @@
           <a:p>
             <a:r>
               <a:rPr lang="en-US" dirty="0" smtClean="0"/>
-              <a:t>Final Recommendation</a:t>
+              <a:t>Multi-Objective Optimization</a:t>
             </a:r>
             <a:endParaRPr lang="en-US" dirty="0"/>
           </a:p>
@@ -5867,7 +5898,7 @@
       </p:sp>
       <p:sp>
         <p:nvSpPr>
-          <p:cNvPr id="4" name="Slide Number Placeholder 3"/>
+          <p:cNvPr id="5" name="Slide Number Placeholder 4"/>
           <p:cNvSpPr>
             <a:spLocks noGrp="1"/>
           </p:cNvSpPr>
@@ -5906,6 +5937,130 @@
           </a:p>
         </p:txBody>
       </p:sp>
+      <p:pic>
+        <p:nvPicPr>
+          <p:cNvPr id="6" name="Picture 5"/>
+          <p:cNvPicPr>
+            <a:picLocks noChangeAspect="1"/>
+          </p:cNvPicPr>
+          <p:nvPr/>
+        </p:nvPicPr>
+        <p:blipFill>
+          <a:blip r:embed="rId2">
+            <a:extLst>
+              <a:ext uri="{28A0092B-C50C-407E-A947-70E740481C1C}">
+                <a14:useLocalDpi xmlns:a14="http://schemas.microsoft.com/office/drawing/2010/main" val="0"/>
+              </a:ext>
+            </a:extLst>
+          </a:blip>
+          <a:stretch>
+            <a:fillRect/>
+          </a:stretch>
+        </p:blipFill>
+        <p:spPr>
+          <a:xfrm>
+            <a:off x="1143000" y="1172127"/>
+            <a:ext cx="6761905" cy="5171429"/>
+          </a:xfrm>
+          <a:prstGeom prst="rect">
+            <a:avLst/>
+          </a:prstGeom>
+        </p:spPr>
+      </p:pic>
+    </p:spTree>
+    <p:extLst>
+      <p:ext uri="{BB962C8B-B14F-4D97-AF65-F5344CB8AC3E}">
+        <p14:creationId xmlns:p14="http://schemas.microsoft.com/office/powerpoint/2010/main" val="723378307"/>
+      </p:ext>
+    </p:extLst>
+  </p:cSld>
+  <p:clrMapOvr>
+    <a:masterClrMapping/>
+  </p:clrMapOvr>
+</p:sld>
+</file>
+
+<file path=ppt/slides/slide13.xml><?xml version="1.0" encoding="utf-8"?>
+<p:sld xmlns:a="http://schemas.openxmlformats.org/drawingml/2006/main" xmlns:r="http://schemas.openxmlformats.org/officeDocument/2006/relationships" xmlns:p="http://schemas.openxmlformats.org/presentationml/2006/main">
+  <p:cSld>
+    <p:spTree>
+      <p:nvGrpSpPr>
+        <p:cNvPr id="1" name=""/>
+        <p:cNvGrpSpPr/>
+        <p:nvPr/>
+      </p:nvGrpSpPr>
+      <p:grpSpPr>
+        <a:xfrm>
+          <a:off x="0" y="0"/>
+          <a:ext cx="0" cy="0"/>
+          <a:chOff x="0" y="0"/>
+          <a:chExt cx="0" cy="0"/>
+        </a:xfrm>
+      </p:grpSpPr>
+      <p:sp>
+        <p:nvSpPr>
+          <p:cNvPr id="2" name="Title 1"/>
+          <p:cNvSpPr>
+            <a:spLocks noGrp="1"/>
+          </p:cNvSpPr>
+          <p:nvPr>
+            <p:ph type="title"/>
+          </p:nvPr>
+        </p:nvSpPr>
+        <p:spPr/>
+        <p:txBody>
+          <a:bodyPr/>
+          <a:lstStyle/>
+          <a:p>
+            <a:r>
+              <a:rPr lang="en-US" dirty="0" smtClean="0"/>
+              <a:t>Final Recommendation</a:t>
+            </a:r>
+            <a:endParaRPr lang="en-US" dirty="0"/>
+          </a:p>
+        </p:txBody>
+      </p:sp>
+      <p:sp>
+        <p:nvSpPr>
+          <p:cNvPr id="4" name="Slide Number Placeholder 3"/>
+          <p:cNvSpPr>
+            <a:spLocks noGrp="1"/>
+          </p:cNvSpPr>
+          <p:nvPr>
+            <p:ph type="sldNum" sz="quarter" idx="12"/>
+          </p:nvPr>
+        </p:nvSpPr>
+        <p:spPr/>
+        <p:txBody>
+          <a:bodyPr/>
+          <a:lstStyle/>
+          <a:p>
+            <a:pPr>
+              <a:defRPr/>
+            </a:pPr>
+            <a:fld id="{6E3317FF-6423-48BB-8CF6-A5183FB2D75B}" type="slidenum">
+              <a:rPr lang="en-US" smtClean="0">
+                <a:solidFill>
+                  <a:prstClr val="black">
+                    <a:tint val="75000"/>
+                  </a:prstClr>
+                </a:solidFill>
+              </a:rPr>
+              <a:pPr>
+                <a:defRPr/>
+              </a:pPr>
+              <a:t>13</a:t>
+            </a:fld>
+            <a:endParaRPr lang="en-US">
+              <a:solidFill>
+                <a:prstClr val="black">
+                  <a:tint val="75000"/>
+                </a:prstClr>
+              </a:solidFill>
+            </a:endParaRPr>
+          </a:p>
+        </p:txBody>
+      </p:sp>
     </p:spTree>
     <p:extLst>
       <p:ext uri="{BB962C8B-B14F-4D97-AF65-F5344CB8AC3E}">
@@ -5919,7 +6074,7 @@
 </p:sld>
 </file>
 
-<file path=ppt/slides/slide13.xml><?xml version="1.0" encoding="utf-8"?>
+<file path=ppt/slides/slide14.xml><?xml version="1.0" encoding="utf-8"?>
 <p:sld xmlns:a="http://schemas.openxmlformats.org/drawingml/2006/main" xmlns:r="http://schemas.openxmlformats.org/officeDocument/2006/relationships" xmlns:p="http://schemas.openxmlformats.org/presentationml/2006/main">
   <p:cSld>
     <p:spTree>
@@ -6104,7 +6259,6 @@
               <a:rPr lang="en-US" sz="2400" dirty="0" smtClean="0"/>
               <a:t>US Space Policy, NASA’s “Journey to Mars”</a:t>
             </a:r>
-            <a:endParaRPr lang="en-US" sz="2400" dirty="0" smtClean="0"/>
           </a:p>
           <a:p>
             <a:pPr marL="742950" lvl="1" indent="-285750">
@@ -6672,11 +6826,7 @@
             </a:pPr>
             <a:r>
               <a:rPr lang="en-US" sz="2000" dirty="0" smtClean="0"/>
-              <a:t>2 Continuous </a:t>
-            </a:r>
-            <a:r>
-              <a:rPr lang="en-US" sz="2000" dirty="0" smtClean="0"/>
-              <a:t>Variables</a:t>
+              <a:t>2 Continuous Variables</a:t>
             </a:r>
           </a:p>
           <a:p>
@@ -6706,7 +6856,6 @@
               <a:rPr lang="en-US" sz="2000" dirty="0" smtClean="0"/>
               <a:t>Location, Population, and Food directly affect Science Utility</a:t>
             </a:r>
-            <a:endParaRPr lang="en-US" sz="2000" dirty="0" smtClean="0"/>
           </a:p>
         </p:txBody>
       </p:sp>
@@ -7297,7 +7446,18 @@
           <a:p>
             <a:r>
               <a:rPr lang="en-US" dirty="0" smtClean="0"/>
-              <a:t>Modeling and Simulation</a:t>
+              <a:t>Modeling and </a:t>
+            </a:r>
+            <a:r>
+              <a:rPr lang="en-US" dirty="0" smtClean="0"/>
+              <a:t>Simulation:</a:t>
+            </a:r>
+            <a:br>
+              <a:rPr lang="en-US" dirty="0" smtClean="0"/>
+            </a:br>
+            <a:r>
+              <a:rPr lang="en-US" dirty="0" smtClean="0"/>
+              <a:t>Modules</a:t>
             </a:r>
             <a:endParaRPr lang="en-US" dirty="0"/>
           </a:p>
@@ -7344,6 +7504,47 @@
           </a:p>
         </p:txBody>
       </p:sp>
+      <p:pic>
+        <p:nvPicPr>
+          <p:cNvPr id="4" name="Picture 2" descr="https://lh5.googleusercontent.com/vmoWZSPo023tdwkjIegTWlae3rZUg6xADkfSoLjAPFhqGu3n3tZ-vuoCniTJ6y14tUWa43U55P8Br9htsihiVfOrPYK2BHnrxLsUknOi0WHBdceciNuO-AA3YGTMTPAK0Lgco_11kw"/>
+          <p:cNvPicPr>
+            <a:picLocks noChangeAspect="1" noChangeArrowheads="1"/>
+          </p:cNvPicPr>
+          <p:nvPr/>
+        </p:nvPicPr>
+        <p:blipFill>
+          <a:blip r:embed="rId2">
+            <a:extLst>
+              <a:ext uri="{28A0092B-C50C-407E-A947-70E740481C1C}">
+                <a14:useLocalDpi xmlns:a14="http://schemas.microsoft.com/office/drawing/2010/main" val="0"/>
+              </a:ext>
+            </a:extLst>
+          </a:blip>
+          <a:srcRect/>
+          <a:stretch>
+            <a:fillRect/>
+          </a:stretch>
+        </p:blipFill>
+        <p:spPr bwMode="auto">
+          <a:xfrm>
+            <a:off x="558946" y="1371600"/>
+            <a:ext cx="8127854" cy="4800600"/>
+          </a:xfrm>
+          <a:prstGeom prst="rect">
+            <a:avLst/>
+          </a:prstGeom>
+          <a:noFill/>
+          <a:extLst>
+            <a:ext uri="{909E8E84-426E-40DD-AFC4-6F175D3DCCD1}">
+              <a14:hiddenFill xmlns:a14="http://schemas.microsoft.com/office/drawing/2010/main">
+                <a:solidFill>
+                  <a:srgbClr val="FFFFFF"/>
+                </a:solidFill>
+              </a14:hiddenFill>
+            </a:ext>
+          </a:extLst>
+        </p:spPr>
+      </p:pic>
     </p:spTree>
     <p:extLst>
       <p:ext uri="{BB962C8B-B14F-4D97-AF65-F5344CB8AC3E}">
@@ -7354,6 +7555,92 @@
   <p:clrMapOvr>
     <a:masterClrMapping/>
   </p:clrMapOvr>
+  <p:timing>
+    <p:tnLst>
+      <p:par>
+        <p:cTn id="1" dur="indefinite" restart="never" nodeType="tmRoot">
+          <p:childTnLst>
+            <p:seq concurrent="1" nextAc="seek">
+              <p:cTn id="2" dur="indefinite" nodeType="mainSeq">
+                <p:childTnLst>
+                  <p:par>
+                    <p:cTn id="3" fill="hold">
+                      <p:stCondLst>
+                        <p:cond delay="indefinite"/>
+                        <p:cond evt="onBegin" delay="0">
+                          <p:tn val="2"/>
+                        </p:cond>
+                      </p:stCondLst>
+                      <p:childTnLst>
+                        <p:par>
+                          <p:cTn id="4" fill="hold">
+                            <p:stCondLst>
+                              <p:cond delay="0"/>
+                            </p:stCondLst>
+                            <p:childTnLst>
+                              <p:par>
+                                <p:cTn id="5" presetID="10" presetClass="entr" presetSubtype="0" fill="hold" nodeType="withEffect">
+                                  <p:stCondLst>
+                                    <p:cond delay="0"/>
+                                  </p:stCondLst>
+                                  <p:childTnLst>
+                                    <p:set>
+                                      <p:cBhvr>
+                                        <p:cTn id="6" dur="1" fill="hold">
+                                          <p:stCondLst>
+                                            <p:cond delay="0"/>
+                                          </p:stCondLst>
+                                        </p:cTn>
+                                        <p:tgtEl>
+                                          <p:spTgt spid="4"/>
+                                        </p:tgtEl>
+                                        <p:attrNameLst>
+                                          <p:attrName>style.visibility</p:attrName>
+                                        </p:attrNameLst>
+                                      </p:cBhvr>
+                                      <p:to>
+                                        <p:strVal val="visible"/>
+                                      </p:to>
+                                    </p:set>
+                                    <p:animEffect transition="in" filter="fade">
+                                      <p:cBhvr>
+                                        <p:cTn id="7" dur="500"/>
+                                        <p:tgtEl>
+                                          <p:spTgt spid="4"/>
+                                        </p:tgtEl>
+                                      </p:cBhvr>
+                                    </p:animEffect>
+                                  </p:childTnLst>
+                                </p:cTn>
+                              </p:par>
+                            </p:childTnLst>
+                          </p:cTn>
+                        </p:par>
+                      </p:childTnLst>
+                    </p:cTn>
+                  </p:par>
+                </p:childTnLst>
+              </p:cTn>
+              <p:prevCondLst>
+                <p:cond evt="onPrev" delay="0">
+                  <p:tgtEl>
+                    <p:sldTgt/>
+                  </p:tgtEl>
+                </p:cond>
+              </p:prevCondLst>
+              <p:nextCondLst>
+                <p:cond evt="onNext" delay="0">
+                  <p:tgtEl>
+                    <p:sldTgt/>
+                  </p:tgtEl>
+                </p:cond>
+              </p:nextCondLst>
+            </p:seq>
+          </p:childTnLst>
+        </p:cTn>
+      </p:par>
+    </p:tnLst>
+  </p:timing>
 </p:sld>
 </file>
 
@@ -7505,7 +7792,6 @@
               <a:rPr lang="en-US" sz="2400" dirty="0" smtClean="0"/>
               <a:t>Reordered to minimize feedback relationships </a:t>
             </a:r>
-            <a:endParaRPr lang="en-US" sz="2400" dirty="0" smtClean="0"/>
           </a:p>
         </p:txBody>
       </p:sp>
@@ -7556,7 +7842,18 @@
           <a:p>
             <a:r>
               <a:rPr lang="en-US" dirty="0" smtClean="0"/>
-              <a:t>Modeling and Simulation</a:t>
+              <a:t>Modeling and </a:t>
+            </a:r>
+            <a:r>
+              <a:rPr lang="en-US" dirty="0" smtClean="0"/>
+              <a:t>Simulation:</a:t>
+            </a:r>
+            <a:br>
+              <a:rPr lang="en-US" dirty="0" smtClean="0"/>
+            </a:br>
+            <a:r>
+              <a:rPr lang="en-US" dirty="0" smtClean="0"/>
+              <a:t>Development Cost</a:t>
             </a:r>
             <a:endParaRPr lang="en-US" dirty="0"/>
           </a:p>

--- a/MSDO/Assignment5/Mars 2040 Optimization Presentation.pptx
+++ b/MSDO/Assignment5/Mars 2040 Optimization Presentation.pptx
@@ -5,7 +5,7 @@
     <p:sldMasterId id="2147483673" r:id="rId1"/>
   </p:sldMasterIdLst>
   <p:notesMasterIdLst>
-    <p:notesMasterId r:id="rId16"/>
+    <p:notesMasterId r:id="rId24"/>
   </p:notesMasterIdLst>
   <p:sldIdLst>
     <p:sldId id="448" r:id="rId2"/>
@@ -17,11 +17,19 @@
     <p:sldId id="576" r:id="rId8"/>
     <p:sldId id="567" r:id="rId9"/>
     <p:sldId id="575" r:id="rId10"/>
-    <p:sldId id="568" r:id="rId11"/>
-    <p:sldId id="577" r:id="rId12"/>
-    <p:sldId id="578" r:id="rId13"/>
-    <p:sldId id="570" r:id="rId14"/>
-    <p:sldId id="571" r:id="rId15"/>
+    <p:sldId id="585" r:id="rId11"/>
+    <p:sldId id="579" r:id="rId12"/>
+    <p:sldId id="586" r:id="rId13"/>
+    <p:sldId id="580" r:id="rId14"/>
+    <p:sldId id="568" r:id="rId15"/>
+    <p:sldId id="581" r:id="rId16"/>
+    <p:sldId id="582" r:id="rId17"/>
+    <p:sldId id="583" r:id="rId18"/>
+    <p:sldId id="584" r:id="rId19"/>
+    <p:sldId id="577" r:id="rId20"/>
+    <p:sldId id="578" r:id="rId21"/>
+    <p:sldId id="570" r:id="rId22"/>
+    <p:sldId id="571" r:id="rId23"/>
   </p:sldIdLst>
   <p:sldSz cx="9144000" cy="6858000" type="screen4x3"/>
   <p:notesSz cx="6858000" cy="9144000"/>
@@ -122,7 +130,7 @@
   </p:defaultTextStyle>
   <p:extLst>
     <p:ext uri="{EFAFB233-063F-42B5-8137-9DF3F51BA10A}">
-      <p15:sldGuideLst xmlns:p15="http://schemas.microsoft.com/office/powerpoint/2012/main">
+      <p15:sldGuideLst xmlns="" xmlns:p15="http://schemas.microsoft.com/office/powerpoint/2012/main">
         <p15:guide id="1" orient="horz" pos="2160">
           <p15:clr>
             <a:srgbClr val="A4A3A4"/>
@@ -137,6 +145,21 @@
     </p:ext>
   </p:extLst>
 </p:presentation>
+</file>
+
+<file path=ppt/commentAuthors.xml><?xml version="1.0" encoding="utf-8"?>
+<p:cmAuthorLst xmlns:a="http://schemas.openxmlformats.org/drawingml/2006/main" xmlns:r="http://schemas.openxmlformats.org/officeDocument/2006/relationships" xmlns:p="http://schemas.openxmlformats.org/presentationml/2006/main">
+  <p:cmAuthor id="0" name="ParkerVascik" initials="PDV" lastIdx="1" clrIdx="0"/>
+</p:cmAuthorLst>
+</file>
+
+<file path=ppt/comments/comment1.xml><?xml version="1.0" encoding="utf-8"?>
+<p:cmLst xmlns:a="http://schemas.openxmlformats.org/drawingml/2006/main" xmlns:r="http://schemas.openxmlformats.org/officeDocument/2006/relationships" xmlns:p="http://schemas.openxmlformats.org/presentationml/2006/main">
+  <p:cm authorId="0" dt="2016-05-10T00:02:30.445" idx="1">
+    <p:pos x="3711" y="1631"/>
+    <p:text>This is the population size times the number of generations. But this is only for one run of the GA, how many runs did you do to assure convergance?</p:text>
+  </p:cm>
+</p:cmLst>
 </file>
 
 <file path=ppt/notesMasters/notesMaster1.xml><?xml version="1.0" encoding="utf-8"?>
@@ -221,7 +244,7 @@
           <a:p>
             <a:fld id="{D292ED30-0A90-45AA-9637-D363BB894E5D}" type="datetimeFigureOut">
               <a:rPr lang="en-US" smtClean="0"/>
-              <a:t>5/9/2016</a:t>
+              <a:t>5/10/2016</a:t>
             </a:fld>
             <a:endParaRPr lang="en-US"/>
           </a:p>
@@ -607,6 +630,358 @@
 </p:notes>
 </file>
 
+<file path=ppt/notesSlides/notesSlide10.xml><?xml version="1.0" encoding="utf-8"?>
+<p:notes xmlns:a="http://schemas.openxmlformats.org/drawingml/2006/main" xmlns:r="http://schemas.openxmlformats.org/officeDocument/2006/relationships" xmlns:p="http://schemas.openxmlformats.org/presentationml/2006/main">
+  <p:cSld>
+    <p:spTree>
+      <p:nvGrpSpPr>
+        <p:cNvPr id="1" name=""/>
+        <p:cNvGrpSpPr/>
+        <p:nvPr/>
+      </p:nvGrpSpPr>
+      <p:grpSpPr>
+        <a:xfrm>
+          <a:off x="0" y="0"/>
+          <a:ext cx="0" cy="0"/>
+          <a:chOff x="0" y="0"/>
+          <a:chExt cx="0" cy="0"/>
+        </a:xfrm>
+      </p:grpSpPr>
+      <p:sp>
+        <p:nvSpPr>
+          <p:cNvPr id="2" name="Slide Image Placeholder 1"/>
+          <p:cNvSpPr>
+            <a:spLocks noGrp="1" noRot="1" noChangeAspect="1"/>
+          </p:cNvSpPr>
+          <p:nvPr>
+            <p:ph type="sldImg"/>
+          </p:nvPr>
+        </p:nvSpPr>
+        <p:spPr/>
+      </p:sp>
+      <p:sp>
+        <p:nvSpPr>
+          <p:cNvPr id="3" name="Notes Placeholder 2"/>
+          <p:cNvSpPr>
+            <a:spLocks noGrp="1"/>
+          </p:cNvSpPr>
+          <p:nvPr>
+            <p:ph type="body" idx="1"/>
+          </p:nvPr>
+        </p:nvSpPr>
+        <p:spPr/>
+        <p:txBody>
+          <a:bodyPr/>
+          <a:lstStyle/>
+          <a:p>
+            <a:r>
+              <a:rPr lang="en-US" dirty="0" smtClean="0"/>
+              <a:t>We will compare</a:t>
+            </a:r>
+            <a:r>
+              <a:rPr lang="en-US" baseline="0" dirty="0" smtClean="0"/>
+              <a:t> the optimal result of the coordinate search with that of the GA in a few slides</a:t>
+            </a:r>
+            <a:endParaRPr lang="en-US" dirty="0"/>
+          </a:p>
+        </p:txBody>
+      </p:sp>
+      <p:sp>
+        <p:nvSpPr>
+          <p:cNvPr id="4" name="Slide Number Placeholder 3"/>
+          <p:cNvSpPr>
+            <a:spLocks noGrp="1"/>
+          </p:cNvSpPr>
+          <p:nvPr>
+            <p:ph type="sldNum" sz="quarter" idx="10"/>
+          </p:nvPr>
+        </p:nvSpPr>
+        <p:spPr/>
+        <p:txBody>
+          <a:bodyPr/>
+          <a:lstStyle/>
+          <a:p>
+            <a:fld id="{380EEE09-4C39-4D5E-9E9F-B9379C5BD052}" type="slidenum">
+              <a:rPr lang="en-US" smtClean="0"/>
+              <a:t>16</a:t>
+            </a:fld>
+            <a:endParaRPr lang="en-US"/>
+          </a:p>
+        </p:txBody>
+      </p:sp>
+    </p:spTree>
+    <p:extLst>
+      <p:ext uri="{BB962C8B-B14F-4D97-AF65-F5344CB8AC3E}">
+        <p14:creationId xmlns:p14="http://schemas.microsoft.com/office/powerpoint/2010/main" val="3765281168"/>
+      </p:ext>
+    </p:extLst>
+  </p:cSld>
+  <p:clrMapOvr>
+    <a:masterClrMapping/>
+  </p:clrMapOvr>
+</p:notes>
+</file>
+
+<file path=ppt/notesSlides/notesSlide11.xml><?xml version="1.0" encoding="utf-8"?>
+<p:notes xmlns:a="http://schemas.openxmlformats.org/drawingml/2006/main" xmlns:r="http://schemas.openxmlformats.org/officeDocument/2006/relationships" xmlns:p="http://schemas.openxmlformats.org/presentationml/2006/main">
+  <p:cSld>
+    <p:spTree>
+      <p:nvGrpSpPr>
+        <p:cNvPr id="1" name=""/>
+        <p:cNvGrpSpPr/>
+        <p:nvPr/>
+      </p:nvGrpSpPr>
+      <p:grpSpPr>
+        <a:xfrm>
+          <a:off x="0" y="0"/>
+          <a:ext cx="0" cy="0"/>
+          <a:chOff x="0" y="0"/>
+          <a:chExt cx="0" cy="0"/>
+        </a:xfrm>
+      </p:grpSpPr>
+      <p:sp>
+        <p:nvSpPr>
+          <p:cNvPr id="2" name="Slide Image Placeholder 1"/>
+          <p:cNvSpPr>
+            <a:spLocks noGrp="1" noRot="1" noChangeAspect="1"/>
+          </p:cNvSpPr>
+          <p:nvPr>
+            <p:ph type="sldImg"/>
+          </p:nvPr>
+        </p:nvSpPr>
+        <p:spPr/>
+      </p:sp>
+      <p:sp>
+        <p:nvSpPr>
+          <p:cNvPr id="3" name="Notes Placeholder 2"/>
+          <p:cNvSpPr>
+            <a:spLocks noGrp="1"/>
+          </p:cNvSpPr>
+          <p:nvPr>
+            <p:ph type="body" idx="1"/>
+          </p:nvPr>
+        </p:nvSpPr>
+        <p:spPr/>
+        <p:txBody>
+          <a:bodyPr/>
+          <a:lstStyle/>
+          <a:p>
+            <a:endParaRPr lang="en-US" dirty="0"/>
+          </a:p>
+        </p:txBody>
+      </p:sp>
+      <p:sp>
+        <p:nvSpPr>
+          <p:cNvPr id="4" name="Slide Number Placeholder 3"/>
+          <p:cNvSpPr>
+            <a:spLocks noGrp="1"/>
+          </p:cNvSpPr>
+          <p:nvPr>
+            <p:ph type="sldNum" sz="quarter" idx="10"/>
+          </p:nvPr>
+        </p:nvSpPr>
+        <p:spPr/>
+        <p:txBody>
+          <a:bodyPr/>
+          <a:lstStyle/>
+          <a:p>
+            <a:fld id="{380EEE09-4C39-4D5E-9E9F-B9379C5BD052}" type="slidenum">
+              <a:rPr lang="en-US" smtClean="0"/>
+              <a:t>17</a:t>
+            </a:fld>
+            <a:endParaRPr lang="en-US"/>
+          </a:p>
+        </p:txBody>
+      </p:sp>
+    </p:spTree>
+    <p:extLst>
+      <p:ext uri="{BB962C8B-B14F-4D97-AF65-F5344CB8AC3E}">
+        <p14:creationId xmlns:p14="http://schemas.microsoft.com/office/powerpoint/2010/main" val="3765281168"/>
+      </p:ext>
+    </p:extLst>
+  </p:cSld>
+  <p:clrMapOvr>
+    <a:masterClrMapping/>
+  </p:clrMapOvr>
+</p:notes>
+</file>
+
+<file path=ppt/notesSlides/notesSlide12.xml><?xml version="1.0" encoding="utf-8"?>
+<p:notes xmlns:a="http://schemas.openxmlformats.org/drawingml/2006/main" xmlns:r="http://schemas.openxmlformats.org/officeDocument/2006/relationships" xmlns:p="http://schemas.openxmlformats.org/presentationml/2006/main">
+  <p:cSld>
+    <p:spTree>
+      <p:nvGrpSpPr>
+        <p:cNvPr id="1" name=""/>
+        <p:cNvGrpSpPr/>
+        <p:nvPr/>
+      </p:nvGrpSpPr>
+      <p:grpSpPr>
+        <a:xfrm>
+          <a:off x="0" y="0"/>
+          <a:ext cx="0" cy="0"/>
+          <a:chOff x="0" y="0"/>
+          <a:chExt cx="0" cy="0"/>
+        </a:xfrm>
+      </p:grpSpPr>
+      <p:sp>
+        <p:nvSpPr>
+          <p:cNvPr id="2" name="Slide Image Placeholder 1"/>
+          <p:cNvSpPr>
+            <a:spLocks noGrp="1" noRot="1" noChangeAspect="1"/>
+          </p:cNvSpPr>
+          <p:nvPr>
+            <p:ph type="sldImg"/>
+          </p:nvPr>
+        </p:nvSpPr>
+        <p:spPr/>
+      </p:sp>
+      <p:sp>
+        <p:nvSpPr>
+          <p:cNvPr id="3" name="Notes Placeholder 2"/>
+          <p:cNvSpPr>
+            <a:spLocks noGrp="1"/>
+          </p:cNvSpPr>
+          <p:nvPr>
+            <p:ph type="body" idx="1"/>
+          </p:nvPr>
+        </p:nvSpPr>
+        <p:spPr/>
+        <p:txBody>
+          <a:bodyPr/>
+          <a:lstStyle/>
+          <a:p>
+            <a:r>
+              <a:rPr lang="en-US" dirty="0" smtClean="0"/>
+              <a:t>Discuss</a:t>
+            </a:r>
+            <a:r>
+              <a:rPr lang="en-US" baseline="0" dirty="0" smtClean="0"/>
+              <a:t> how the two algorithms were validated against one another, as well as internally through multiple rounds of convergence testing (with different initial points and parameters and such)</a:t>
+            </a:r>
+            <a:endParaRPr lang="en-US" dirty="0"/>
+          </a:p>
+        </p:txBody>
+      </p:sp>
+      <p:sp>
+        <p:nvSpPr>
+          <p:cNvPr id="4" name="Slide Number Placeholder 3"/>
+          <p:cNvSpPr>
+            <a:spLocks noGrp="1"/>
+          </p:cNvSpPr>
+          <p:nvPr>
+            <p:ph type="sldNum" sz="quarter" idx="10"/>
+          </p:nvPr>
+        </p:nvSpPr>
+        <p:spPr/>
+        <p:txBody>
+          <a:bodyPr/>
+          <a:lstStyle/>
+          <a:p>
+            <a:fld id="{380EEE09-4C39-4D5E-9E9F-B9379C5BD052}" type="slidenum">
+              <a:rPr lang="en-US" smtClean="0"/>
+              <a:t>18</a:t>
+            </a:fld>
+            <a:endParaRPr lang="en-US"/>
+          </a:p>
+        </p:txBody>
+      </p:sp>
+    </p:spTree>
+    <p:extLst>
+      <p:ext uri="{BB962C8B-B14F-4D97-AF65-F5344CB8AC3E}">
+        <p14:creationId xmlns:p14="http://schemas.microsoft.com/office/powerpoint/2010/main" val="3765281168"/>
+      </p:ext>
+    </p:extLst>
+  </p:cSld>
+  <p:clrMapOvr>
+    <a:masterClrMapping/>
+  </p:clrMapOvr>
+</p:notes>
+</file>
+
+<file path=ppt/notesSlides/notesSlide13.xml><?xml version="1.0" encoding="utf-8"?>
+<p:notes xmlns:a="http://schemas.openxmlformats.org/drawingml/2006/main" xmlns:r="http://schemas.openxmlformats.org/officeDocument/2006/relationships" xmlns:p="http://schemas.openxmlformats.org/presentationml/2006/main">
+  <p:cSld>
+    <p:spTree>
+      <p:nvGrpSpPr>
+        <p:cNvPr id="1" name=""/>
+        <p:cNvGrpSpPr/>
+        <p:nvPr/>
+      </p:nvGrpSpPr>
+      <p:grpSpPr>
+        <a:xfrm>
+          <a:off x="0" y="0"/>
+          <a:ext cx="0" cy="0"/>
+          <a:chOff x="0" y="0"/>
+          <a:chExt cx="0" cy="0"/>
+        </a:xfrm>
+      </p:grpSpPr>
+      <p:sp>
+        <p:nvSpPr>
+          <p:cNvPr id="2" name="Slide Image Placeholder 1"/>
+          <p:cNvSpPr>
+            <a:spLocks noGrp="1" noRot="1" noChangeAspect="1"/>
+          </p:cNvSpPr>
+          <p:nvPr>
+            <p:ph type="sldImg"/>
+          </p:nvPr>
+        </p:nvSpPr>
+        <p:spPr/>
+      </p:sp>
+      <p:sp>
+        <p:nvSpPr>
+          <p:cNvPr id="3" name="Notes Placeholder 2"/>
+          <p:cNvSpPr>
+            <a:spLocks noGrp="1"/>
+          </p:cNvSpPr>
+          <p:nvPr>
+            <p:ph type="body" idx="1"/>
+          </p:nvPr>
+        </p:nvSpPr>
+        <p:spPr/>
+        <p:txBody>
+          <a:bodyPr/>
+          <a:lstStyle/>
+          <a:p>
+            <a:endParaRPr lang="en-US"/>
+          </a:p>
+        </p:txBody>
+      </p:sp>
+      <p:sp>
+        <p:nvSpPr>
+          <p:cNvPr id="4" name="Slide Number Placeholder 3"/>
+          <p:cNvSpPr>
+            <a:spLocks noGrp="1"/>
+          </p:cNvSpPr>
+          <p:nvPr>
+            <p:ph type="sldNum" sz="quarter" idx="10"/>
+          </p:nvPr>
+        </p:nvSpPr>
+        <p:spPr/>
+        <p:txBody>
+          <a:bodyPr/>
+          <a:lstStyle/>
+          <a:p>
+            <a:fld id="{380EEE09-4C39-4D5E-9E9F-B9379C5BD052}" type="slidenum">
+              <a:rPr lang="en-US" smtClean="0"/>
+              <a:t>21</a:t>
+            </a:fld>
+            <a:endParaRPr lang="en-US"/>
+          </a:p>
+        </p:txBody>
+      </p:sp>
+    </p:spTree>
+    <p:extLst>
+      <p:ext uri="{BB962C8B-B14F-4D97-AF65-F5344CB8AC3E}">
+        <p14:creationId xmlns:p14="http://schemas.microsoft.com/office/powerpoint/2010/main" val="646170027"/>
+      </p:ext>
+    </p:extLst>
+  </p:cSld>
+  <p:clrMapOvr>
+    <a:masterClrMapping/>
+  </p:clrMapOvr>
+</p:notes>
+</file>
+
 <file path=ppt/notesSlides/notesSlide2.xml><?xml version="1.0" encoding="utf-8"?>
 <p:notes xmlns:a="http://schemas.openxmlformats.org/drawingml/2006/main" xmlns:r="http://schemas.openxmlformats.org/officeDocument/2006/relationships" xmlns:p="http://schemas.openxmlformats.org/presentationml/2006/main">
   <p:cSld>
@@ -935,64 +1310,6 @@
           <a:bodyPr/>
           <a:lstStyle/>
           <a:p>
-            <a:r>
-              <a:rPr lang="en-US" sz="1200" b="0" i="0" kern="1200" dirty="0" smtClean="0">
-                <a:solidFill>
-                  <a:schemeClr val="tx1"/>
-                </a:solidFill>
-                <a:effectLst/>
-                <a:latin typeface="+mn-lt"/>
-                <a:ea typeface="+mn-ea"/>
-                <a:cs typeface="+mn-cs"/>
-              </a:rPr>
-              <a:t>Open Source:</a:t>
-            </a:r>
-            <a:r>
-              <a:rPr lang="en-US" sz="1200" b="0" i="0" kern="1200" baseline="0" dirty="0" smtClean="0">
-                <a:solidFill>
-                  <a:schemeClr val="tx1"/>
-                </a:solidFill>
-                <a:effectLst/>
-                <a:latin typeface="+mn-lt"/>
-                <a:ea typeface="+mn-ea"/>
-                <a:cs typeface="+mn-cs"/>
-              </a:rPr>
-              <a:t> opensource.org</a:t>
-            </a:r>
-            <a:endParaRPr lang="en-US" sz="1200" b="0" i="0" kern="1200" dirty="0" smtClean="0">
-              <a:solidFill>
-                <a:schemeClr val="tx1"/>
-              </a:solidFill>
-              <a:effectLst/>
-              <a:latin typeface="+mn-lt"/>
-              <a:ea typeface="+mn-ea"/>
-              <a:cs typeface="+mn-cs"/>
-            </a:endParaRPr>
-          </a:p>
-          <a:p>
-            <a:endParaRPr lang="en-US" sz="1200" b="0" i="0" kern="1200" dirty="0" smtClean="0">
-              <a:solidFill>
-                <a:schemeClr val="tx1"/>
-              </a:solidFill>
-              <a:effectLst/>
-              <a:latin typeface="+mn-lt"/>
-              <a:ea typeface="+mn-ea"/>
-              <a:cs typeface="+mn-cs"/>
-            </a:endParaRPr>
-          </a:p>
-          <a:p>
-            <a:r>
-              <a:rPr lang="en-US" sz="1200" b="0" i="0" kern="1200" dirty="0" smtClean="0">
-                <a:solidFill>
-                  <a:schemeClr val="tx1"/>
-                </a:solidFill>
-                <a:effectLst/>
-                <a:latin typeface="+mn-lt"/>
-                <a:ea typeface="+mn-ea"/>
-                <a:cs typeface="+mn-cs"/>
-              </a:rPr>
-              <a:t>Fidelity:</a:t>
-            </a:r>
             <a:endParaRPr lang="en-US" dirty="0"/>
           </a:p>
         </p:txBody>
@@ -1077,64 +1394,6 @@
           <a:bodyPr/>
           <a:lstStyle/>
           <a:p>
-            <a:r>
-              <a:rPr lang="en-US" sz="1200" b="0" i="0" kern="1200" dirty="0" smtClean="0">
-                <a:solidFill>
-                  <a:schemeClr val="tx1"/>
-                </a:solidFill>
-                <a:effectLst/>
-                <a:latin typeface="+mn-lt"/>
-                <a:ea typeface="+mn-ea"/>
-                <a:cs typeface="+mn-cs"/>
-              </a:rPr>
-              <a:t>Open Source:</a:t>
-            </a:r>
-            <a:r>
-              <a:rPr lang="en-US" sz="1200" b="0" i="0" kern="1200" baseline="0" dirty="0" smtClean="0">
-                <a:solidFill>
-                  <a:schemeClr val="tx1"/>
-                </a:solidFill>
-                <a:effectLst/>
-                <a:latin typeface="+mn-lt"/>
-                <a:ea typeface="+mn-ea"/>
-                <a:cs typeface="+mn-cs"/>
-              </a:rPr>
-              <a:t> opensource.org</a:t>
-            </a:r>
-            <a:endParaRPr lang="en-US" sz="1200" b="0" i="0" kern="1200" dirty="0" smtClean="0">
-              <a:solidFill>
-                <a:schemeClr val="tx1"/>
-              </a:solidFill>
-              <a:effectLst/>
-              <a:latin typeface="+mn-lt"/>
-              <a:ea typeface="+mn-ea"/>
-              <a:cs typeface="+mn-cs"/>
-            </a:endParaRPr>
-          </a:p>
-          <a:p>
-            <a:endParaRPr lang="en-US" sz="1200" b="0" i="0" kern="1200" dirty="0" smtClean="0">
-              <a:solidFill>
-                <a:schemeClr val="tx1"/>
-              </a:solidFill>
-              <a:effectLst/>
-              <a:latin typeface="+mn-lt"/>
-              <a:ea typeface="+mn-ea"/>
-              <a:cs typeface="+mn-cs"/>
-            </a:endParaRPr>
-          </a:p>
-          <a:p>
-            <a:r>
-              <a:rPr lang="en-US" sz="1200" b="0" i="0" kern="1200" dirty="0" smtClean="0">
-                <a:solidFill>
-                  <a:schemeClr val="tx1"/>
-                </a:solidFill>
-                <a:effectLst/>
-                <a:latin typeface="+mn-lt"/>
-                <a:ea typeface="+mn-ea"/>
-                <a:cs typeface="+mn-cs"/>
-              </a:rPr>
-              <a:t>Fidelity:</a:t>
-            </a:r>
             <a:endParaRPr lang="en-US" dirty="0"/>
           </a:p>
         </p:txBody>
@@ -1219,7 +1478,24 @@
           <a:bodyPr/>
           <a:lstStyle/>
           <a:p>
-            <a:endParaRPr lang="en-US"/>
+            <a:r>
+              <a:rPr lang="en-US" dirty="0" smtClean="0"/>
+              <a:t>Review</a:t>
+            </a:r>
+            <a:r>
+              <a:rPr lang="en-US" baseline="0" dirty="0" smtClean="0"/>
+              <a:t> why these two objectives are especially important in the pre-conceptual design phase planning of a Mars campaign</a:t>
+            </a:r>
+          </a:p>
+          <a:p>
+            <a:endParaRPr lang="en-US" baseline="0" dirty="0" smtClean="0"/>
+          </a:p>
+          <a:p>
+            <a:r>
+              <a:rPr lang="en-US" baseline="0" dirty="0" smtClean="0"/>
+              <a:t>Introduce the two technologies we are considering, advanced propulsion and ISRU. Cite Sydney’s thesis as a reason that we are focusing on ISRU instead of recycling techs</a:t>
+            </a:r>
+            <a:endParaRPr lang="en-US" dirty="0"/>
           </a:p>
         </p:txBody>
       </p:sp>
@@ -1240,7 +1516,7 @@
           <a:p>
             <a:fld id="{380EEE09-4C39-4D5E-9E9F-B9379C5BD052}" type="slidenum">
               <a:rPr lang="en-US" smtClean="0"/>
-              <a:t>13</a:t>
+              <a:t>9</a:t>
             </a:fld>
             <a:endParaRPr lang="en-US"/>
           </a:p>
@@ -1249,7 +1525,293 @@
     </p:spTree>
     <p:extLst>
       <p:ext uri="{BB962C8B-B14F-4D97-AF65-F5344CB8AC3E}">
-        <p14:creationId xmlns:p14="http://schemas.microsoft.com/office/powerpoint/2010/main" val="646170027"/>
+        <p14:creationId xmlns:p14="http://schemas.microsoft.com/office/powerpoint/2010/main" val="1644101862"/>
+      </p:ext>
+    </p:extLst>
+  </p:cSld>
+  <p:clrMapOvr>
+    <a:masterClrMapping/>
+  </p:clrMapOvr>
+</p:notes>
+</file>
+
+<file path=ppt/notesSlides/notesSlide7.xml><?xml version="1.0" encoding="utf-8"?>
+<p:notes xmlns:a="http://schemas.openxmlformats.org/drawingml/2006/main" xmlns:r="http://schemas.openxmlformats.org/officeDocument/2006/relationships" xmlns:p="http://schemas.openxmlformats.org/presentationml/2006/main">
+  <p:cSld>
+    <p:spTree>
+      <p:nvGrpSpPr>
+        <p:cNvPr id="1" name=""/>
+        <p:cNvGrpSpPr/>
+        <p:nvPr/>
+      </p:nvGrpSpPr>
+      <p:grpSpPr>
+        <a:xfrm>
+          <a:off x="0" y="0"/>
+          <a:ext cx="0" cy="0"/>
+          <a:chOff x="0" y="0"/>
+          <a:chExt cx="0" cy="0"/>
+        </a:xfrm>
+      </p:grpSpPr>
+      <p:sp>
+        <p:nvSpPr>
+          <p:cNvPr id="2" name="Slide Image Placeholder 1"/>
+          <p:cNvSpPr>
+            <a:spLocks noGrp="1" noRot="1" noChangeAspect="1"/>
+          </p:cNvSpPr>
+          <p:nvPr>
+            <p:ph type="sldImg"/>
+          </p:nvPr>
+        </p:nvSpPr>
+        <p:spPr/>
+      </p:sp>
+      <p:sp>
+        <p:nvSpPr>
+          <p:cNvPr id="3" name="Notes Placeholder 2"/>
+          <p:cNvSpPr>
+            <a:spLocks noGrp="1"/>
+          </p:cNvSpPr>
+          <p:nvPr>
+            <p:ph type="body" idx="1"/>
+          </p:nvPr>
+        </p:nvSpPr>
+        <p:spPr/>
+        <p:txBody>
+          <a:bodyPr/>
+          <a:lstStyle/>
+          <a:p>
+            <a:r>
+              <a:rPr lang="en-US" dirty="0" smtClean="0"/>
+              <a:t>Talk about how advanced ISRU was found to be a non-started in our analysis since</a:t>
+            </a:r>
+            <a:r>
+              <a:rPr lang="en-US" baseline="0" dirty="0" smtClean="0"/>
+              <a:t> the time savings of more efficiency ISRU are not accounted for in our model. But, we do find that full lunar and full mars ISRU make the most efficient missions, so we need to develop that baseline technology</a:t>
+            </a:r>
+            <a:endParaRPr lang="en-US" dirty="0"/>
+          </a:p>
+        </p:txBody>
+      </p:sp>
+      <p:sp>
+        <p:nvSpPr>
+          <p:cNvPr id="4" name="Slide Number Placeholder 3"/>
+          <p:cNvSpPr>
+            <a:spLocks noGrp="1"/>
+          </p:cNvSpPr>
+          <p:nvPr>
+            <p:ph type="sldNum" sz="quarter" idx="10"/>
+          </p:nvPr>
+        </p:nvSpPr>
+        <p:spPr/>
+        <p:txBody>
+          <a:bodyPr/>
+          <a:lstStyle/>
+          <a:p>
+            <a:fld id="{380EEE09-4C39-4D5E-9E9F-B9379C5BD052}" type="slidenum">
+              <a:rPr lang="en-US" smtClean="0"/>
+              <a:t>11</a:t>
+            </a:fld>
+            <a:endParaRPr lang="en-US"/>
+          </a:p>
+        </p:txBody>
+      </p:sp>
+    </p:spTree>
+    <p:extLst>
+      <p:ext uri="{BB962C8B-B14F-4D97-AF65-F5344CB8AC3E}">
+        <p14:creationId xmlns:p14="http://schemas.microsoft.com/office/powerpoint/2010/main" val="3025686848"/>
+      </p:ext>
+    </p:extLst>
+  </p:cSld>
+  <p:clrMapOvr>
+    <a:masterClrMapping/>
+  </p:clrMapOvr>
+</p:notes>
+</file>
+
+<file path=ppt/notesSlides/notesSlide8.xml><?xml version="1.0" encoding="utf-8"?>
+<p:notes xmlns:a="http://schemas.openxmlformats.org/drawingml/2006/main" xmlns:r="http://schemas.openxmlformats.org/officeDocument/2006/relationships" xmlns:p="http://schemas.openxmlformats.org/presentationml/2006/main">
+  <p:cSld>
+    <p:spTree>
+      <p:nvGrpSpPr>
+        <p:cNvPr id="1" name=""/>
+        <p:cNvGrpSpPr/>
+        <p:nvPr/>
+      </p:nvGrpSpPr>
+      <p:grpSpPr>
+        <a:xfrm>
+          <a:off x="0" y="0"/>
+          <a:ext cx="0" cy="0"/>
+          <a:chOff x="0" y="0"/>
+          <a:chExt cx="0" cy="0"/>
+        </a:xfrm>
+      </p:grpSpPr>
+      <p:sp>
+        <p:nvSpPr>
+          <p:cNvPr id="2" name="Slide Image Placeholder 1"/>
+          <p:cNvSpPr>
+            <a:spLocks noGrp="1" noRot="1" noChangeAspect="1"/>
+          </p:cNvSpPr>
+          <p:nvPr>
+            <p:ph type="sldImg"/>
+          </p:nvPr>
+        </p:nvSpPr>
+        <p:spPr/>
+      </p:sp>
+      <p:sp>
+        <p:nvSpPr>
+          <p:cNvPr id="3" name="Notes Placeholder 2"/>
+          <p:cNvSpPr>
+            <a:spLocks noGrp="1"/>
+          </p:cNvSpPr>
+          <p:nvPr>
+            <p:ph type="body" idx="1"/>
+          </p:nvPr>
+        </p:nvSpPr>
+        <p:spPr/>
+        <p:txBody>
+          <a:bodyPr/>
+          <a:lstStyle/>
+          <a:p>
+            <a:r>
+              <a:rPr lang="en-US" dirty="0" smtClean="0"/>
+              <a:t>Explain</a:t>
+            </a:r>
+            <a:r>
+              <a:rPr lang="en-US" baseline="0" dirty="0" smtClean="0"/>
+              <a:t> that we didn’t want to go right to multi-objective optimization </a:t>
+            </a:r>
+          </a:p>
+          <a:p>
+            <a:endParaRPr lang="en-US" baseline="0" dirty="0" smtClean="0"/>
+          </a:p>
+          <a:p>
+            <a:r>
+              <a:rPr lang="en-US" baseline="0" dirty="0" smtClean="0"/>
+              <a:t>The coordinate search is very good for local minimization as it is guaranteed to fined a local min, but with very complex design spaces it may not find the global min (requires multiple starting points)</a:t>
+            </a:r>
+          </a:p>
+          <a:p>
+            <a:endParaRPr lang="en-US" baseline="0" dirty="0" smtClean="0"/>
+          </a:p>
+          <a:p>
+            <a:r>
+              <a:rPr lang="en-US" baseline="0" dirty="0" smtClean="0"/>
+              <a:t>GA is good for global search to identify the region of the global min. More computational expensive and not guaranteed to converge on global min</a:t>
+            </a:r>
+            <a:endParaRPr lang="en-US" dirty="0"/>
+          </a:p>
+        </p:txBody>
+      </p:sp>
+      <p:sp>
+        <p:nvSpPr>
+          <p:cNvPr id="4" name="Slide Number Placeholder 3"/>
+          <p:cNvSpPr>
+            <a:spLocks noGrp="1"/>
+          </p:cNvSpPr>
+          <p:nvPr>
+            <p:ph type="sldNum" sz="quarter" idx="10"/>
+          </p:nvPr>
+        </p:nvSpPr>
+        <p:spPr/>
+        <p:txBody>
+          <a:bodyPr/>
+          <a:lstStyle/>
+          <a:p>
+            <a:fld id="{380EEE09-4C39-4D5E-9E9F-B9379C5BD052}" type="slidenum">
+              <a:rPr lang="en-US" smtClean="0"/>
+              <a:t>14</a:t>
+            </a:fld>
+            <a:endParaRPr lang="en-US"/>
+          </a:p>
+        </p:txBody>
+      </p:sp>
+    </p:spTree>
+    <p:extLst>
+      <p:ext uri="{BB962C8B-B14F-4D97-AF65-F5344CB8AC3E}">
+        <p14:creationId xmlns:p14="http://schemas.microsoft.com/office/powerpoint/2010/main" val="3765281168"/>
+      </p:ext>
+    </p:extLst>
+  </p:cSld>
+  <p:clrMapOvr>
+    <a:masterClrMapping/>
+  </p:clrMapOvr>
+</p:notes>
+</file>
+
+<file path=ppt/notesSlides/notesSlide9.xml><?xml version="1.0" encoding="utf-8"?>
+<p:notes xmlns:a="http://schemas.openxmlformats.org/drawingml/2006/main" xmlns:r="http://schemas.openxmlformats.org/officeDocument/2006/relationships" xmlns:p="http://schemas.openxmlformats.org/presentationml/2006/main">
+  <p:cSld>
+    <p:spTree>
+      <p:nvGrpSpPr>
+        <p:cNvPr id="1" name=""/>
+        <p:cNvGrpSpPr/>
+        <p:nvPr/>
+      </p:nvGrpSpPr>
+      <p:grpSpPr>
+        <a:xfrm>
+          <a:off x="0" y="0"/>
+          <a:ext cx="0" cy="0"/>
+          <a:chOff x="0" y="0"/>
+          <a:chExt cx="0" cy="0"/>
+        </a:xfrm>
+      </p:grpSpPr>
+      <p:sp>
+        <p:nvSpPr>
+          <p:cNvPr id="2" name="Slide Image Placeholder 1"/>
+          <p:cNvSpPr>
+            <a:spLocks noGrp="1" noRot="1" noChangeAspect="1"/>
+          </p:cNvSpPr>
+          <p:nvPr>
+            <p:ph type="sldImg"/>
+          </p:nvPr>
+        </p:nvSpPr>
+        <p:spPr/>
+      </p:sp>
+      <p:sp>
+        <p:nvSpPr>
+          <p:cNvPr id="3" name="Notes Placeholder 2"/>
+          <p:cNvSpPr>
+            <a:spLocks noGrp="1"/>
+          </p:cNvSpPr>
+          <p:nvPr>
+            <p:ph type="body" idx="1"/>
+          </p:nvPr>
+        </p:nvSpPr>
+        <p:spPr/>
+        <p:txBody>
+          <a:bodyPr/>
+          <a:lstStyle/>
+          <a:p>
+            <a:endParaRPr lang="en-US" dirty="0"/>
+          </a:p>
+        </p:txBody>
+      </p:sp>
+      <p:sp>
+        <p:nvSpPr>
+          <p:cNvPr id="4" name="Slide Number Placeholder 3"/>
+          <p:cNvSpPr>
+            <a:spLocks noGrp="1"/>
+          </p:cNvSpPr>
+          <p:nvPr>
+            <p:ph type="sldNum" sz="quarter" idx="10"/>
+          </p:nvPr>
+        </p:nvSpPr>
+        <p:spPr/>
+        <p:txBody>
+          <a:bodyPr/>
+          <a:lstStyle/>
+          <a:p>
+            <a:fld id="{380EEE09-4C39-4D5E-9E9F-B9379C5BD052}" type="slidenum">
+              <a:rPr lang="en-US" smtClean="0"/>
+              <a:t>15</a:t>
+            </a:fld>
+            <a:endParaRPr lang="en-US"/>
+          </a:p>
+        </p:txBody>
+      </p:sp>
+    </p:spTree>
+    <p:extLst>
+      <p:ext uri="{BB962C8B-B14F-4D97-AF65-F5344CB8AC3E}">
+        <p14:creationId xmlns:p14="http://schemas.microsoft.com/office/powerpoint/2010/main" val="3765281168"/>
       </p:ext>
     </p:extLst>
   </p:cSld>
@@ -1339,48 +1901,6 @@
       </p:sp>
       <p:sp>
         <p:nvSpPr>
-          <p:cNvPr id="4" name="Date Placeholder 3"/>
-          <p:cNvSpPr>
-            <a:spLocks noGrp="1"/>
-          </p:cNvSpPr>
-          <p:nvPr>
-            <p:ph type="dt" sz="half" idx="10"/>
-          </p:nvPr>
-        </p:nvSpPr>
-        <p:spPr/>
-        <p:txBody>
-          <a:bodyPr/>
-          <a:lstStyle>
-            <a:lvl1pPr>
-              <a:defRPr/>
-            </a:lvl1pPr>
-          </a:lstStyle>
-          <a:p>
-            <a:pPr>
-              <a:defRPr/>
-            </a:pPr>
-            <a:fld id="{5F68A8C3-53C8-4A12-AEDB-3ADA8B572C54}" type="datetime1">
-              <a:rPr lang="en-US" smtClean="0">
-                <a:solidFill>
-                  <a:prstClr val="black">
-                    <a:tint val="75000"/>
-                  </a:prstClr>
-                </a:solidFill>
-              </a:rPr>
-              <a:t>5/9/2016</a:t>
-            </a:fld>
-            <a:endParaRPr lang="en-US">
-              <a:solidFill>
-                <a:prstClr val="black">
-                  <a:tint val="75000"/>
-                </a:prstClr>
-              </a:solidFill>
-            </a:endParaRPr>
-          </a:p>
-        </p:txBody>
-      </p:sp>
-      <p:sp>
-        <p:nvSpPr>
           <p:cNvPr id="5" name="Footer Placeholder 4"/>
           <p:cNvSpPr>
             <a:spLocks noGrp="1"/>
@@ -1456,6 +1976,70 @@
           </a:p>
         </p:txBody>
       </p:sp>
+      <p:sp>
+        <p:nvSpPr>
+          <p:cNvPr id="7" name="Date Placeholder 3"/>
+          <p:cNvSpPr>
+            <a:spLocks noGrp="1"/>
+          </p:cNvSpPr>
+          <p:nvPr>
+            <p:ph type="dt" sz="half" idx="2"/>
+          </p:nvPr>
+        </p:nvSpPr>
+        <p:spPr>
+          <a:xfrm>
+            <a:off x="457200" y="6356350"/>
+            <a:ext cx="2133600" cy="365125"/>
+          </a:xfrm>
+          <a:prstGeom prst="rect">
+            <a:avLst/>
+          </a:prstGeom>
+        </p:spPr>
+        <p:txBody>
+          <a:bodyPr vert="horz" lIns="91440" tIns="45720" rIns="91440" bIns="45720" rtlCol="0" anchor="ctr"/>
+          <a:lstStyle>
+            <a:lvl1pPr algn="l" fontAlgn="auto">
+              <a:spcBef>
+                <a:spcPts val="0"/>
+              </a:spcBef>
+              <a:spcAft>
+                <a:spcPts val="0"/>
+              </a:spcAft>
+              <a:defRPr sz="1200">
+                <a:solidFill>
+                  <a:schemeClr val="tx1">
+                    <a:tint val="75000"/>
+                  </a:schemeClr>
+                </a:solidFill>
+                <a:latin typeface="+mn-lt"/>
+                <a:cs typeface="+mn-cs"/>
+              </a:defRPr>
+            </a:lvl1pPr>
+          </a:lstStyle>
+          <a:p>
+            <a:pPr>
+              <a:defRPr/>
+            </a:pPr>
+            <a:r>
+              <a:rPr lang="en-US" dirty="0" smtClean="0">
+                <a:solidFill>
+                  <a:prstClr val="black">
+                    <a:tint val="75000"/>
+                  </a:prstClr>
+                </a:solidFill>
+              </a:rPr>
+              <a:t>5/10/2016</a:t>
+            </a:r>
+            <a:endParaRPr lang="en-US" dirty="0">
+              <a:solidFill>
+                <a:prstClr val="black">
+                  <a:tint val="75000"/>
+                </a:prstClr>
+              </a:solidFill>
+            </a:endParaRPr>
+          </a:p>
+        </p:txBody>
+      </p:sp>
     </p:spTree>
     <p:extLst>
       <p:ext uri="{BB962C8B-B14F-4D97-AF65-F5344CB8AC3E}">
@@ -1466,6 +2050,13 @@
   <p:clrMapOvr>
     <a:masterClrMapping/>
   </p:clrMapOvr>
+  <p:timing>
+    <p:tnLst>
+      <p:par>
+        <p:cTn id="1" dur="indefinite" restart="never" nodeType="tmRoot"/>
+      </p:par>
+    </p:tnLst>
+  </p:timing>
 </p:sldLayout>
 </file>
 
@@ -1563,48 +2154,6 @@
       </p:sp>
       <p:sp>
         <p:nvSpPr>
-          <p:cNvPr id="4" name="Date Placeholder 3"/>
-          <p:cNvSpPr>
-            <a:spLocks noGrp="1"/>
-          </p:cNvSpPr>
-          <p:nvPr>
-            <p:ph type="dt" sz="half" idx="10"/>
-          </p:nvPr>
-        </p:nvSpPr>
-        <p:spPr/>
-        <p:txBody>
-          <a:bodyPr/>
-          <a:lstStyle>
-            <a:lvl1pPr>
-              <a:defRPr/>
-            </a:lvl1pPr>
-          </a:lstStyle>
-          <a:p>
-            <a:pPr>
-              <a:defRPr/>
-            </a:pPr>
-            <a:fld id="{68B8209B-0AB8-45BA-A2B0-E84371EB5DA2}" type="datetime1">
-              <a:rPr lang="en-US" smtClean="0">
-                <a:solidFill>
-                  <a:prstClr val="black">
-                    <a:tint val="75000"/>
-                  </a:prstClr>
-                </a:solidFill>
-              </a:rPr>
-              <a:t>5/9/2016</a:t>
-            </a:fld>
-            <a:endParaRPr lang="en-US">
-              <a:solidFill>
-                <a:prstClr val="black">
-                  <a:tint val="75000"/>
-                </a:prstClr>
-              </a:solidFill>
-            </a:endParaRPr>
-          </a:p>
-        </p:txBody>
-      </p:sp>
-      <p:sp>
-        <p:nvSpPr>
           <p:cNvPr id="5" name="Footer Placeholder 4"/>
           <p:cNvSpPr>
             <a:spLocks noGrp="1"/>
@@ -1671,6 +2220,70 @@
               <a:t>‹#›</a:t>
             </a:fld>
             <a:endParaRPr lang="en-US">
+              <a:solidFill>
+                <a:prstClr val="black">
+                  <a:tint val="75000"/>
+                </a:prstClr>
+              </a:solidFill>
+            </a:endParaRPr>
+          </a:p>
+        </p:txBody>
+      </p:sp>
+      <p:sp>
+        <p:nvSpPr>
+          <p:cNvPr id="8" name="Date Placeholder 3"/>
+          <p:cNvSpPr>
+            <a:spLocks noGrp="1"/>
+          </p:cNvSpPr>
+          <p:nvPr>
+            <p:ph type="dt" sz="half" idx="2"/>
+          </p:nvPr>
+        </p:nvSpPr>
+        <p:spPr>
+          <a:xfrm>
+            <a:off x="457200" y="6356350"/>
+            <a:ext cx="2133600" cy="365125"/>
+          </a:xfrm>
+          <a:prstGeom prst="rect">
+            <a:avLst/>
+          </a:prstGeom>
+        </p:spPr>
+        <p:txBody>
+          <a:bodyPr vert="horz" lIns="91440" tIns="45720" rIns="91440" bIns="45720" rtlCol="0" anchor="ctr"/>
+          <a:lstStyle>
+            <a:lvl1pPr algn="l" fontAlgn="auto">
+              <a:spcBef>
+                <a:spcPts val="0"/>
+              </a:spcBef>
+              <a:spcAft>
+                <a:spcPts val="0"/>
+              </a:spcAft>
+              <a:defRPr sz="1200">
+                <a:solidFill>
+                  <a:schemeClr val="tx1">
+                    <a:tint val="75000"/>
+                  </a:schemeClr>
+                </a:solidFill>
+                <a:latin typeface="+mn-lt"/>
+                <a:cs typeface="+mn-cs"/>
+              </a:defRPr>
+            </a:lvl1pPr>
+          </a:lstStyle>
+          <a:p>
+            <a:pPr>
+              <a:defRPr/>
+            </a:pPr>
+            <a:r>
+              <a:rPr lang="en-US" dirty="0" smtClean="0">
+                <a:solidFill>
+                  <a:prstClr val="black">
+                    <a:tint val="75000"/>
+                  </a:prstClr>
+                </a:solidFill>
+              </a:rPr>
+              <a:t>5/10/2016</a:t>
+            </a:r>
+            <a:endParaRPr lang="en-US" dirty="0">
               <a:solidFill>
                 <a:prstClr val="black">
                   <a:tint val="75000"/>
@@ -1804,48 +2417,6 @@
       </p:sp>
       <p:sp>
         <p:nvSpPr>
-          <p:cNvPr id="4" name="Date Placeholder 3"/>
-          <p:cNvSpPr>
-            <a:spLocks noGrp="1"/>
-          </p:cNvSpPr>
-          <p:nvPr>
-            <p:ph type="dt" sz="half" idx="10"/>
-          </p:nvPr>
-        </p:nvSpPr>
-        <p:spPr/>
-        <p:txBody>
-          <a:bodyPr/>
-          <a:lstStyle>
-            <a:lvl1pPr>
-              <a:defRPr/>
-            </a:lvl1pPr>
-          </a:lstStyle>
-          <a:p>
-            <a:pPr>
-              <a:defRPr/>
-            </a:pPr>
-            <a:fld id="{3A99DA5B-D98A-457A-AD4F-596BCCD25A8D}" type="datetime1">
-              <a:rPr lang="en-US" smtClean="0">
-                <a:solidFill>
-                  <a:prstClr val="black">
-                    <a:tint val="75000"/>
-                  </a:prstClr>
-                </a:solidFill>
-              </a:rPr>
-              <a:t>5/9/2016</a:t>
-            </a:fld>
-            <a:endParaRPr lang="en-US">
-              <a:solidFill>
-                <a:prstClr val="black">
-                  <a:tint val="75000"/>
-                </a:prstClr>
-              </a:solidFill>
-            </a:endParaRPr>
-          </a:p>
-        </p:txBody>
-      </p:sp>
-      <p:sp>
-        <p:nvSpPr>
           <p:cNvPr id="5" name="Footer Placeholder 4"/>
           <p:cNvSpPr>
             <a:spLocks noGrp="1"/>
@@ -1921,6 +2492,70 @@
           </a:p>
         </p:txBody>
       </p:sp>
+      <p:sp>
+        <p:nvSpPr>
+          <p:cNvPr id="7" name="Date Placeholder 3"/>
+          <p:cNvSpPr>
+            <a:spLocks noGrp="1"/>
+          </p:cNvSpPr>
+          <p:nvPr>
+            <p:ph type="dt" sz="half" idx="2"/>
+          </p:nvPr>
+        </p:nvSpPr>
+        <p:spPr>
+          <a:xfrm>
+            <a:off x="457200" y="6356350"/>
+            <a:ext cx="2133600" cy="365125"/>
+          </a:xfrm>
+          <a:prstGeom prst="rect">
+            <a:avLst/>
+          </a:prstGeom>
+        </p:spPr>
+        <p:txBody>
+          <a:bodyPr vert="horz" lIns="91440" tIns="45720" rIns="91440" bIns="45720" rtlCol="0" anchor="ctr"/>
+          <a:lstStyle>
+            <a:lvl1pPr algn="l" fontAlgn="auto">
+              <a:spcBef>
+                <a:spcPts val="0"/>
+              </a:spcBef>
+              <a:spcAft>
+                <a:spcPts val="0"/>
+              </a:spcAft>
+              <a:defRPr sz="1200">
+                <a:solidFill>
+                  <a:schemeClr val="tx1">
+                    <a:tint val="75000"/>
+                  </a:schemeClr>
+                </a:solidFill>
+                <a:latin typeface="+mn-lt"/>
+                <a:cs typeface="+mn-cs"/>
+              </a:defRPr>
+            </a:lvl1pPr>
+          </a:lstStyle>
+          <a:p>
+            <a:pPr>
+              <a:defRPr/>
+            </a:pPr>
+            <a:r>
+              <a:rPr lang="en-US" dirty="0" smtClean="0">
+                <a:solidFill>
+                  <a:prstClr val="black">
+                    <a:tint val="75000"/>
+                  </a:prstClr>
+                </a:solidFill>
+              </a:rPr>
+              <a:t>5/10/2016</a:t>
+            </a:r>
+            <a:endParaRPr lang="en-US" dirty="0">
+              <a:solidFill>
+                <a:prstClr val="black">
+                  <a:tint val="75000"/>
+                </a:prstClr>
+              </a:solidFill>
+            </a:endParaRPr>
+          </a:p>
+        </p:txBody>
+      </p:sp>
     </p:spTree>
     <p:extLst>
       <p:ext uri="{BB962C8B-B14F-4D97-AF65-F5344CB8AC3E}">
@@ -1931,6 +2566,13 @@
   <p:clrMapOvr>
     <a:masterClrMapping/>
   </p:clrMapOvr>
+  <p:timing>
+    <p:tnLst>
+      <p:par>
+        <p:cTn id="1" dur="indefinite" restart="never" nodeType="tmRoot"/>
+      </p:par>
+    </p:tnLst>
+  </p:timing>
 </p:sldLayout>
 </file>
 
@@ -2048,16 +2690,48 @@
             <a:pPr>
               <a:defRPr/>
             </a:pPr>
-            <a:fld id="{5BF955D9-9617-4D3E-90D1-E9F27F084F81}" type="datetime1">
-              <a:rPr lang="en-US" smtClean="0">
+            <a:r>
+              <a:rPr lang="en-US" dirty="0" smtClean="0">
                 <a:solidFill>
                   <a:prstClr val="black">
                     <a:tint val="75000"/>
                   </a:prstClr>
                 </a:solidFill>
               </a:rPr>
-              <a:t>5/9/2016</a:t>
-            </a:fld>
+              <a:t>5/10/2016</a:t>
+            </a:r>
+            <a:endParaRPr lang="en-US" dirty="0">
+              <a:solidFill>
+                <a:prstClr val="black">
+                  <a:tint val="75000"/>
+                </a:prstClr>
+              </a:solidFill>
+            </a:endParaRPr>
+          </a:p>
+        </p:txBody>
+      </p:sp>
+      <p:sp>
+        <p:nvSpPr>
+          <p:cNvPr id="5" name="Footer Placeholder 4"/>
+          <p:cNvSpPr>
+            <a:spLocks noGrp="1"/>
+          </p:cNvSpPr>
+          <p:nvPr>
+            <p:ph type="ftr" sz="quarter" idx="11"/>
+          </p:nvPr>
+        </p:nvSpPr>
+        <p:spPr/>
+        <p:txBody>
+          <a:bodyPr/>
+          <a:lstStyle>
+            <a:lvl1pPr>
+              <a:defRPr/>
+            </a:lvl1pPr>
+          </a:lstStyle>
+          <a:p>
+            <a:pPr>
+              <a:defRPr/>
+            </a:pPr>
             <a:endParaRPr lang="en-US">
               <a:solidFill>
                 <a:prstClr val="black">
@@ -2070,38 +2744,6 @@
       </p:sp>
       <p:sp>
         <p:nvSpPr>
-          <p:cNvPr id="5" name="Footer Placeholder 4"/>
-          <p:cNvSpPr>
-            <a:spLocks noGrp="1"/>
-          </p:cNvSpPr>
-          <p:nvPr>
-            <p:ph type="ftr" sz="quarter" idx="11"/>
-          </p:nvPr>
-        </p:nvSpPr>
-        <p:spPr/>
-        <p:txBody>
-          <a:bodyPr/>
-          <a:lstStyle>
-            <a:lvl1pPr>
-              <a:defRPr/>
-            </a:lvl1pPr>
-          </a:lstStyle>
-          <a:p>
-            <a:pPr>
-              <a:defRPr/>
-            </a:pPr>
-            <a:endParaRPr lang="en-US">
-              <a:solidFill>
-                <a:prstClr val="black">
-                  <a:tint val="75000"/>
-                </a:prstClr>
-              </a:solidFill>
-            </a:endParaRPr>
-          </a:p>
-        </p:txBody>
-      </p:sp>
-      <p:sp>
-        <p:nvSpPr>
           <p:cNvPr id="6" name="Slide Number Placeholder 5"/>
           <p:cNvSpPr>
             <a:spLocks noGrp="1"/>
@@ -2112,7 +2754,7 @@
         </p:nvSpPr>
         <p:spPr>
           <a:xfrm>
-            <a:off x="6553200" y="6172200"/>
+            <a:off x="6858000" y="6400800"/>
             <a:ext cx="2133600" cy="365125"/>
           </a:xfrm>
         </p:spPr>
@@ -2336,48 +2978,6 @@
       </p:sp>
       <p:sp>
         <p:nvSpPr>
-          <p:cNvPr id="4" name="Date Placeholder 3"/>
-          <p:cNvSpPr>
-            <a:spLocks noGrp="1"/>
-          </p:cNvSpPr>
-          <p:nvPr>
-            <p:ph type="dt" sz="half" idx="10"/>
-          </p:nvPr>
-        </p:nvSpPr>
-        <p:spPr/>
-        <p:txBody>
-          <a:bodyPr/>
-          <a:lstStyle>
-            <a:lvl1pPr>
-              <a:defRPr/>
-            </a:lvl1pPr>
-          </a:lstStyle>
-          <a:p>
-            <a:pPr>
-              <a:defRPr/>
-            </a:pPr>
-            <a:fld id="{14DB8471-B4D0-4855-B886-956491EB0AA6}" type="datetime1">
-              <a:rPr lang="en-US" smtClean="0">
-                <a:solidFill>
-                  <a:prstClr val="black">
-                    <a:tint val="75000"/>
-                  </a:prstClr>
-                </a:solidFill>
-              </a:rPr>
-              <a:t>5/9/2016</a:t>
-            </a:fld>
-            <a:endParaRPr lang="en-US">
-              <a:solidFill>
-                <a:prstClr val="black">
-                  <a:tint val="75000"/>
-                </a:prstClr>
-              </a:solidFill>
-            </a:endParaRPr>
-          </a:p>
-        </p:txBody>
-      </p:sp>
-      <p:sp>
-        <p:nvSpPr>
           <p:cNvPr id="5" name="Footer Placeholder 4"/>
           <p:cNvSpPr>
             <a:spLocks noGrp="1"/>
@@ -2453,6 +3053,70 @@
           </a:p>
         </p:txBody>
       </p:sp>
+      <p:sp>
+        <p:nvSpPr>
+          <p:cNvPr id="7" name="Date Placeholder 3"/>
+          <p:cNvSpPr>
+            <a:spLocks noGrp="1"/>
+          </p:cNvSpPr>
+          <p:nvPr>
+            <p:ph type="dt" sz="half" idx="2"/>
+          </p:nvPr>
+        </p:nvSpPr>
+        <p:spPr>
+          <a:xfrm>
+            <a:off x="457200" y="6356350"/>
+            <a:ext cx="2133600" cy="365125"/>
+          </a:xfrm>
+          <a:prstGeom prst="rect">
+            <a:avLst/>
+          </a:prstGeom>
+        </p:spPr>
+        <p:txBody>
+          <a:bodyPr vert="horz" lIns="91440" tIns="45720" rIns="91440" bIns="45720" rtlCol="0" anchor="ctr"/>
+          <a:lstStyle>
+            <a:lvl1pPr algn="l" fontAlgn="auto">
+              <a:spcBef>
+                <a:spcPts val="0"/>
+              </a:spcBef>
+              <a:spcAft>
+                <a:spcPts val="0"/>
+              </a:spcAft>
+              <a:defRPr sz="1200">
+                <a:solidFill>
+                  <a:schemeClr val="tx1">
+                    <a:tint val="75000"/>
+                  </a:schemeClr>
+                </a:solidFill>
+                <a:latin typeface="+mn-lt"/>
+                <a:cs typeface="+mn-cs"/>
+              </a:defRPr>
+            </a:lvl1pPr>
+          </a:lstStyle>
+          <a:p>
+            <a:pPr>
+              <a:defRPr/>
+            </a:pPr>
+            <a:r>
+              <a:rPr lang="en-US" dirty="0" smtClean="0">
+                <a:solidFill>
+                  <a:prstClr val="black">
+                    <a:tint val="75000"/>
+                  </a:prstClr>
+                </a:solidFill>
+              </a:rPr>
+              <a:t>5/10/2016</a:t>
+            </a:r>
+            <a:endParaRPr lang="en-US" dirty="0">
+              <a:solidFill>
+                <a:prstClr val="black">
+                  <a:tint val="75000"/>
+                </a:prstClr>
+              </a:solidFill>
+            </a:endParaRPr>
+          </a:p>
+        </p:txBody>
+      </p:sp>
     </p:spTree>
     <p:extLst>
       <p:ext uri="{BB962C8B-B14F-4D97-AF65-F5344CB8AC3E}">
@@ -2463,6 +3127,13 @@
   <p:clrMapOvr>
     <a:masterClrMapping/>
   </p:clrMapOvr>
+  <p:timing>
+    <p:tnLst>
+      <p:par>
+        <p:cTn id="1" dur="indefinite" restart="never" nodeType="tmRoot"/>
+      </p:par>
+    </p:tnLst>
+  </p:timing>
 </p:sldLayout>
 </file>
 
@@ -2636,48 +3307,6 @@
       </p:sp>
       <p:sp>
         <p:nvSpPr>
-          <p:cNvPr id="4" name="Date Placeholder 3"/>
-          <p:cNvSpPr>
-            <a:spLocks noGrp="1"/>
-          </p:cNvSpPr>
-          <p:nvPr>
-            <p:ph type="dt" sz="half" idx="10"/>
-          </p:nvPr>
-        </p:nvSpPr>
-        <p:spPr/>
-        <p:txBody>
-          <a:bodyPr/>
-          <a:lstStyle>
-            <a:lvl1pPr>
-              <a:defRPr/>
-            </a:lvl1pPr>
-          </a:lstStyle>
-          <a:p>
-            <a:pPr>
-              <a:defRPr/>
-            </a:pPr>
-            <a:fld id="{A94F7338-CD95-454B-BF93-A978280A50D1}" type="datetime1">
-              <a:rPr lang="en-US" smtClean="0">
-                <a:solidFill>
-                  <a:prstClr val="black">
-                    <a:tint val="75000"/>
-                  </a:prstClr>
-                </a:solidFill>
-              </a:rPr>
-              <a:t>5/9/2016</a:t>
-            </a:fld>
-            <a:endParaRPr lang="en-US">
-              <a:solidFill>
-                <a:prstClr val="black">
-                  <a:tint val="75000"/>
-                </a:prstClr>
-              </a:solidFill>
-            </a:endParaRPr>
-          </a:p>
-        </p:txBody>
-      </p:sp>
-      <p:sp>
-        <p:nvSpPr>
           <p:cNvPr id="5" name="Footer Placeholder 4"/>
           <p:cNvSpPr>
             <a:spLocks noGrp="1"/>
@@ -2753,6 +3382,70 @@
           </a:p>
         </p:txBody>
       </p:sp>
+      <p:sp>
+        <p:nvSpPr>
+          <p:cNvPr id="7" name="Date Placeholder 3"/>
+          <p:cNvSpPr>
+            <a:spLocks noGrp="1"/>
+          </p:cNvSpPr>
+          <p:nvPr>
+            <p:ph type="dt" sz="half" idx="2"/>
+          </p:nvPr>
+        </p:nvSpPr>
+        <p:spPr>
+          <a:xfrm>
+            <a:off x="457200" y="6356350"/>
+            <a:ext cx="2133600" cy="365125"/>
+          </a:xfrm>
+          <a:prstGeom prst="rect">
+            <a:avLst/>
+          </a:prstGeom>
+        </p:spPr>
+        <p:txBody>
+          <a:bodyPr vert="horz" lIns="91440" tIns="45720" rIns="91440" bIns="45720" rtlCol="0" anchor="ctr"/>
+          <a:lstStyle>
+            <a:lvl1pPr algn="l" fontAlgn="auto">
+              <a:spcBef>
+                <a:spcPts val="0"/>
+              </a:spcBef>
+              <a:spcAft>
+                <a:spcPts val="0"/>
+              </a:spcAft>
+              <a:defRPr sz="1200">
+                <a:solidFill>
+                  <a:schemeClr val="tx1">
+                    <a:tint val="75000"/>
+                  </a:schemeClr>
+                </a:solidFill>
+                <a:latin typeface="+mn-lt"/>
+                <a:cs typeface="+mn-cs"/>
+              </a:defRPr>
+            </a:lvl1pPr>
+          </a:lstStyle>
+          <a:p>
+            <a:pPr>
+              <a:defRPr/>
+            </a:pPr>
+            <a:r>
+              <a:rPr lang="en-US" dirty="0" smtClean="0">
+                <a:solidFill>
+                  <a:prstClr val="black">
+                    <a:tint val="75000"/>
+                  </a:prstClr>
+                </a:solidFill>
+              </a:rPr>
+              <a:t>5/10/2016</a:t>
+            </a:r>
+            <a:endParaRPr lang="en-US" dirty="0">
+              <a:solidFill>
+                <a:prstClr val="black">
+                  <a:tint val="75000"/>
+                </a:prstClr>
+              </a:solidFill>
+            </a:endParaRPr>
+          </a:p>
+        </p:txBody>
+      </p:sp>
     </p:spTree>
     <p:extLst>
       <p:ext uri="{BB962C8B-B14F-4D97-AF65-F5344CB8AC3E}">
@@ -2763,6 +3456,13 @@
   <p:clrMapOvr>
     <a:masterClrMapping/>
   </p:clrMapOvr>
+  <p:timing>
+    <p:tnLst>
+      <p:par>
+        <p:cTn id="1" dur="indefinite" restart="never" nodeType="tmRoot"/>
+      </p:par>
+    </p:tnLst>
+  </p:timing>
 </p:sldLayout>
 </file>
 
@@ -2978,48 +3678,6 @@
       </p:sp>
       <p:sp>
         <p:nvSpPr>
-          <p:cNvPr id="5" name="Date Placeholder 3"/>
-          <p:cNvSpPr>
-            <a:spLocks noGrp="1"/>
-          </p:cNvSpPr>
-          <p:nvPr>
-            <p:ph type="dt" sz="half" idx="10"/>
-          </p:nvPr>
-        </p:nvSpPr>
-        <p:spPr/>
-        <p:txBody>
-          <a:bodyPr/>
-          <a:lstStyle>
-            <a:lvl1pPr>
-              <a:defRPr/>
-            </a:lvl1pPr>
-          </a:lstStyle>
-          <a:p>
-            <a:pPr>
-              <a:defRPr/>
-            </a:pPr>
-            <a:fld id="{140C3888-4F28-4E79-B2FE-ADF3CC3F6E88}" type="datetime1">
-              <a:rPr lang="en-US" smtClean="0">
-                <a:solidFill>
-                  <a:prstClr val="black">
-                    <a:tint val="75000"/>
-                  </a:prstClr>
-                </a:solidFill>
-              </a:rPr>
-              <a:t>5/9/2016</a:t>
-            </a:fld>
-            <a:endParaRPr lang="en-US">
-              <a:solidFill>
-                <a:prstClr val="black">
-                  <a:tint val="75000"/>
-                </a:prstClr>
-              </a:solidFill>
-            </a:endParaRPr>
-          </a:p>
-        </p:txBody>
-      </p:sp>
-      <p:sp>
-        <p:nvSpPr>
           <p:cNvPr id="6" name="Footer Placeholder 4"/>
           <p:cNvSpPr>
             <a:spLocks noGrp="1"/>
@@ -3095,6 +3753,70 @@
           </a:p>
         </p:txBody>
       </p:sp>
+      <p:sp>
+        <p:nvSpPr>
+          <p:cNvPr id="8" name="Date Placeholder 3"/>
+          <p:cNvSpPr>
+            <a:spLocks noGrp="1"/>
+          </p:cNvSpPr>
+          <p:nvPr>
+            <p:ph type="dt" sz="half" idx="13"/>
+          </p:nvPr>
+        </p:nvSpPr>
+        <p:spPr>
+          <a:xfrm>
+            <a:off x="457200" y="6356350"/>
+            <a:ext cx="2133600" cy="365125"/>
+          </a:xfrm>
+          <a:prstGeom prst="rect">
+            <a:avLst/>
+          </a:prstGeom>
+        </p:spPr>
+        <p:txBody>
+          <a:bodyPr vert="horz" lIns="91440" tIns="45720" rIns="91440" bIns="45720" rtlCol="0" anchor="ctr"/>
+          <a:lstStyle>
+            <a:lvl1pPr algn="l" fontAlgn="auto">
+              <a:spcBef>
+                <a:spcPts val="0"/>
+              </a:spcBef>
+              <a:spcAft>
+                <a:spcPts val="0"/>
+              </a:spcAft>
+              <a:defRPr sz="1200">
+                <a:solidFill>
+                  <a:schemeClr val="tx1">
+                    <a:tint val="75000"/>
+                  </a:schemeClr>
+                </a:solidFill>
+                <a:latin typeface="+mn-lt"/>
+                <a:cs typeface="+mn-cs"/>
+              </a:defRPr>
+            </a:lvl1pPr>
+          </a:lstStyle>
+          <a:p>
+            <a:pPr>
+              <a:defRPr/>
+            </a:pPr>
+            <a:r>
+              <a:rPr lang="en-US" dirty="0" smtClean="0">
+                <a:solidFill>
+                  <a:prstClr val="black">
+                    <a:tint val="75000"/>
+                  </a:prstClr>
+                </a:solidFill>
+              </a:rPr>
+              <a:t>5/10/2016</a:t>
+            </a:r>
+            <a:endParaRPr lang="en-US" dirty="0">
+              <a:solidFill>
+                <a:prstClr val="black">
+                  <a:tint val="75000"/>
+                </a:prstClr>
+              </a:solidFill>
+            </a:endParaRPr>
+          </a:p>
+        </p:txBody>
+      </p:sp>
     </p:spTree>
     <p:extLst>
       <p:ext uri="{BB962C8B-B14F-4D97-AF65-F5344CB8AC3E}">
@@ -3105,6 +3827,13 @@
   <p:clrMapOvr>
     <a:masterClrMapping/>
   </p:clrMapOvr>
+  <p:timing>
+    <p:tnLst>
+      <p:par>
+        <p:cTn id="1" dur="indefinite" restart="never" nodeType="tmRoot"/>
+      </p:par>
+    </p:tnLst>
+  </p:timing>
 </p:sldLayout>
 </file>
 
@@ -3454,48 +4183,6 @@
       </p:sp>
       <p:sp>
         <p:nvSpPr>
-          <p:cNvPr id="7" name="Date Placeholder 3"/>
-          <p:cNvSpPr>
-            <a:spLocks noGrp="1"/>
-          </p:cNvSpPr>
-          <p:nvPr>
-            <p:ph type="dt" sz="half" idx="10"/>
-          </p:nvPr>
-        </p:nvSpPr>
-        <p:spPr/>
-        <p:txBody>
-          <a:bodyPr/>
-          <a:lstStyle>
-            <a:lvl1pPr>
-              <a:defRPr/>
-            </a:lvl1pPr>
-          </a:lstStyle>
-          <a:p>
-            <a:pPr>
-              <a:defRPr/>
-            </a:pPr>
-            <a:fld id="{A6DB64B8-68FF-47FB-A41A-7FC0D4FE8A0C}" type="datetime1">
-              <a:rPr lang="en-US" smtClean="0">
-                <a:solidFill>
-                  <a:prstClr val="black">
-                    <a:tint val="75000"/>
-                  </a:prstClr>
-                </a:solidFill>
-              </a:rPr>
-              <a:t>5/9/2016</a:t>
-            </a:fld>
-            <a:endParaRPr lang="en-US">
-              <a:solidFill>
-                <a:prstClr val="black">
-                  <a:tint val="75000"/>
-                </a:prstClr>
-              </a:solidFill>
-            </a:endParaRPr>
-          </a:p>
-        </p:txBody>
-      </p:sp>
-      <p:sp>
-        <p:nvSpPr>
           <p:cNvPr id="8" name="Footer Placeholder 4"/>
           <p:cNvSpPr>
             <a:spLocks noGrp="1"/>
@@ -3571,6 +4258,70 @@
           </a:p>
         </p:txBody>
       </p:sp>
+      <p:sp>
+        <p:nvSpPr>
+          <p:cNvPr id="10" name="Date Placeholder 3"/>
+          <p:cNvSpPr>
+            <a:spLocks noGrp="1"/>
+          </p:cNvSpPr>
+          <p:nvPr>
+            <p:ph type="dt" sz="half" idx="13"/>
+          </p:nvPr>
+        </p:nvSpPr>
+        <p:spPr>
+          <a:xfrm>
+            <a:off x="457200" y="6356350"/>
+            <a:ext cx="2133600" cy="365125"/>
+          </a:xfrm>
+          <a:prstGeom prst="rect">
+            <a:avLst/>
+          </a:prstGeom>
+        </p:spPr>
+        <p:txBody>
+          <a:bodyPr vert="horz" lIns="91440" tIns="45720" rIns="91440" bIns="45720" rtlCol="0" anchor="ctr"/>
+          <a:lstStyle>
+            <a:lvl1pPr algn="l" fontAlgn="auto">
+              <a:spcBef>
+                <a:spcPts val="0"/>
+              </a:spcBef>
+              <a:spcAft>
+                <a:spcPts val="0"/>
+              </a:spcAft>
+              <a:defRPr sz="1200">
+                <a:solidFill>
+                  <a:schemeClr val="tx1">
+                    <a:tint val="75000"/>
+                  </a:schemeClr>
+                </a:solidFill>
+                <a:latin typeface="+mn-lt"/>
+                <a:cs typeface="+mn-cs"/>
+              </a:defRPr>
+            </a:lvl1pPr>
+          </a:lstStyle>
+          <a:p>
+            <a:pPr>
+              <a:defRPr/>
+            </a:pPr>
+            <a:r>
+              <a:rPr lang="en-US" dirty="0" smtClean="0">
+                <a:solidFill>
+                  <a:prstClr val="black">
+                    <a:tint val="75000"/>
+                  </a:prstClr>
+                </a:solidFill>
+              </a:rPr>
+              <a:t>5/10/2016</a:t>
+            </a:r>
+            <a:endParaRPr lang="en-US" dirty="0">
+              <a:solidFill>
+                <a:prstClr val="black">
+                  <a:tint val="75000"/>
+                </a:prstClr>
+              </a:solidFill>
+            </a:endParaRPr>
+          </a:p>
+        </p:txBody>
+      </p:sp>
     </p:spTree>
     <p:extLst>
       <p:ext uri="{BB962C8B-B14F-4D97-AF65-F5344CB8AC3E}">
@@ -3581,6 +4332,13 @@
   <p:clrMapOvr>
     <a:masterClrMapping/>
   </p:clrMapOvr>
+  <p:timing>
+    <p:tnLst>
+      <p:par>
+        <p:cTn id="1" dur="indefinite" restart="never" nodeType="tmRoot"/>
+      </p:par>
+    </p:tnLst>
+  </p:timing>
 </p:sldLayout>
 </file>
 
@@ -3626,48 +4384,6 @@
       </p:sp>
       <p:sp>
         <p:nvSpPr>
-          <p:cNvPr id="3" name="Date Placeholder 3"/>
-          <p:cNvSpPr>
-            <a:spLocks noGrp="1"/>
-          </p:cNvSpPr>
-          <p:nvPr>
-            <p:ph type="dt" sz="half" idx="10"/>
-          </p:nvPr>
-        </p:nvSpPr>
-        <p:spPr/>
-        <p:txBody>
-          <a:bodyPr/>
-          <a:lstStyle>
-            <a:lvl1pPr>
-              <a:defRPr/>
-            </a:lvl1pPr>
-          </a:lstStyle>
-          <a:p>
-            <a:pPr>
-              <a:defRPr/>
-            </a:pPr>
-            <a:fld id="{FDC2E563-6324-477F-8F0E-3B41F8C6CCD0}" type="datetime1">
-              <a:rPr lang="en-US" smtClean="0">
-                <a:solidFill>
-                  <a:prstClr val="black">
-                    <a:tint val="75000"/>
-                  </a:prstClr>
-                </a:solidFill>
-              </a:rPr>
-              <a:t>5/9/2016</a:t>
-            </a:fld>
-            <a:endParaRPr lang="en-US">
-              <a:solidFill>
-                <a:prstClr val="black">
-                  <a:tint val="75000"/>
-                </a:prstClr>
-              </a:solidFill>
-            </a:endParaRPr>
-          </a:p>
-        </p:txBody>
-      </p:sp>
-      <p:sp>
-        <p:nvSpPr>
           <p:cNvPr id="4" name="Footer Placeholder 4"/>
           <p:cNvSpPr>
             <a:spLocks noGrp="1"/>
@@ -3734,6 +4450,70 @@
               <a:t>‹#›</a:t>
             </a:fld>
             <a:endParaRPr lang="en-US">
+              <a:solidFill>
+                <a:prstClr val="black">
+                  <a:tint val="75000"/>
+                </a:prstClr>
+              </a:solidFill>
+            </a:endParaRPr>
+          </a:p>
+        </p:txBody>
+      </p:sp>
+      <p:sp>
+        <p:nvSpPr>
+          <p:cNvPr id="6" name="Date Placeholder 3"/>
+          <p:cNvSpPr>
+            <a:spLocks noGrp="1"/>
+          </p:cNvSpPr>
+          <p:nvPr>
+            <p:ph type="dt" sz="half" idx="2"/>
+          </p:nvPr>
+        </p:nvSpPr>
+        <p:spPr>
+          <a:xfrm>
+            <a:off x="457200" y="6356350"/>
+            <a:ext cx="2133600" cy="365125"/>
+          </a:xfrm>
+          <a:prstGeom prst="rect">
+            <a:avLst/>
+          </a:prstGeom>
+        </p:spPr>
+        <p:txBody>
+          <a:bodyPr vert="horz" lIns="91440" tIns="45720" rIns="91440" bIns="45720" rtlCol="0" anchor="ctr"/>
+          <a:lstStyle>
+            <a:lvl1pPr algn="l" fontAlgn="auto">
+              <a:spcBef>
+                <a:spcPts val="0"/>
+              </a:spcBef>
+              <a:spcAft>
+                <a:spcPts val="0"/>
+              </a:spcAft>
+              <a:defRPr sz="1200">
+                <a:solidFill>
+                  <a:schemeClr val="tx1">
+                    <a:tint val="75000"/>
+                  </a:schemeClr>
+                </a:solidFill>
+                <a:latin typeface="+mn-lt"/>
+                <a:cs typeface="+mn-cs"/>
+              </a:defRPr>
+            </a:lvl1pPr>
+          </a:lstStyle>
+          <a:p>
+            <a:pPr>
+              <a:defRPr/>
+            </a:pPr>
+            <a:r>
+              <a:rPr lang="en-US" dirty="0" smtClean="0">
+                <a:solidFill>
+                  <a:prstClr val="black">
+                    <a:tint val="75000"/>
+                  </a:prstClr>
+                </a:solidFill>
+              </a:rPr>
+              <a:t>5/10/2016</a:t>
+            </a:r>
+            <a:endParaRPr lang="en-US" dirty="0">
               <a:solidFill>
                 <a:prstClr val="black">
                   <a:tint val="75000"/>
@@ -3782,48 +4562,6 @@
       </p:grpSpPr>
       <p:sp>
         <p:nvSpPr>
-          <p:cNvPr id="2" name="Date Placeholder 3"/>
-          <p:cNvSpPr>
-            <a:spLocks noGrp="1"/>
-          </p:cNvSpPr>
-          <p:nvPr>
-            <p:ph type="dt" sz="half" idx="10"/>
-          </p:nvPr>
-        </p:nvSpPr>
-        <p:spPr/>
-        <p:txBody>
-          <a:bodyPr/>
-          <a:lstStyle>
-            <a:lvl1pPr>
-              <a:defRPr/>
-            </a:lvl1pPr>
-          </a:lstStyle>
-          <a:p>
-            <a:pPr>
-              <a:defRPr/>
-            </a:pPr>
-            <a:fld id="{2A67708F-0AE9-4CD2-B9F4-7C000B6A1B6F}" type="datetime1">
-              <a:rPr lang="en-US" smtClean="0">
-                <a:solidFill>
-                  <a:prstClr val="black">
-                    <a:tint val="75000"/>
-                  </a:prstClr>
-                </a:solidFill>
-              </a:rPr>
-              <a:t>5/9/2016</a:t>
-            </a:fld>
-            <a:endParaRPr lang="en-US">
-              <a:solidFill>
-                <a:prstClr val="black">
-                  <a:tint val="75000"/>
-                </a:prstClr>
-              </a:solidFill>
-            </a:endParaRPr>
-          </a:p>
-        </p:txBody>
-      </p:sp>
-      <p:sp>
-        <p:nvSpPr>
           <p:cNvPr id="3" name="Footer Placeholder 4"/>
           <p:cNvSpPr>
             <a:spLocks noGrp="1"/>
@@ -3899,6 +4637,70 @@
           </a:p>
         </p:txBody>
       </p:sp>
+      <p:sp>
+        <p:nvSpPr>
+          <p:cNvPr id="5" name="Date Placeholder 3"/>
+          <p:cNvSpPr>
+            <a:spLocks noGrp="1"/>
+          </p:cNvSpPr>
+          <p:nvPr>
+            <p:ph type="dt" sz="half" idx="2"/>
+          </p:nvPr>
+        </p:nvSpPr>
+        <p:spPr>
+          <a:xfrm>
+            <a:off x="457200" y="6356350"/>
+            <a:ext cx="2133600" cy="365125"/>
+          </a:xfrm>
+          <a:prstGeom prst="rect">
+            <a:avLst/>
+          </a:prstGeom>
+        </p:spPr>
+        <p:txBody>
+          <a:bodyPr vert="horz" lIns="91440" tIns="45720" rIns="91440" bIns="45720" rtlCol="0" anchor="ctr"/>
+          <a:lstStyle>
+            <a:lvl1pPr algn="l" fontAlgn="auto">
+              <a:spcBef>
+                <a:spcPts val="0"/>
+              </a:spcBef>
+              <a:spcAft>
+                <a:spcPts val="0"/>
+              </a:spcAft>
+              <a:defRPr sz="1200">
+                <a:solidFill>
+                  <a:schemeClr val="tx1">
+                    <a:tint val="75000"/>
+                  </a:schemeClr>
+                </a:solidFill>
+                <a:latin typeface="+mn-lt"/>
+                <a:cs typeface="+mn-cs"/>
+              </a:defRPr>
+            </a:lvl1pPr>
+          </a:lstStyle>
+          <a:p>
+            <a:pPr>
+              <a:defRPr/>
+            </a:pPr>
+            <a:r>
+              <a:rPr lang="en-US" dirty="0" smtClean="0">
+                <a:solidFill>
+                  <a:prstClr val="black">
+                    <a:tint val="75000"/>
+                  </a:prstClr>
+                </a:solidFill>
+              </a:rPr>
+              <a:t>5/10/2016</a:t>
+            </a:r>
+            <a:endParaRPr lang="en-US" dirty="0">
+              <a:solidFill>
+                <a:prstClr val="black">
+                  <a:tint val="75000"/>
+                </a:prstClr>
+              </a:solidFill>
+            </a:endParaRPr>
+          </a:p>
+        </p:txBody>
+      </p:sp>
     </p:spTree>
     <p:extLst>
       <p:ext uri="{BB962C8B-B14F-4D97-AF65-F5344CB8AC3E}">
@@ -3909,6 +4711,13 @@
   <p:clrMapOvr>
     <a:masterClrMapping/>
   </p:clrMapOvr>
+  <p:timing>
+    <p:tnLst>
+      <p:par>
+        <p:cTn id="1" dur="indefinite" restart="never" nodeType="tmRoot"/>
+      </p:par>
+    </p:tnLst>
+  </p:timing>
 </p:sldLayout>
 </file>
 
@@ -4113,48 +4922,6 @@
       </p:sp>
       <p:sp>
         <p:nvSpPr>
-          <p:cNvPr id="5" name="Date Placeholder 3"/>
-          <p:cNvSpPr>
-            <a:spLocks noGrp="1"/>
-          </p:cNvSpPr>
-          <p:nvPr>
-            <p:ph type="dt" sz="half" idx="10"/>
-          </p:nvPr>
-        </p:nvSpPr>
-        <p:spPr/>
-        <p:txBody>
-          <a:bodyPr/>
-          <a:lstStyle>
-            <a:lvl1pPr>
-              <a:defRPr/>
-            </a:lvl1pPr>
-          </a:lstStyle>
-          <a:p>
-            <a:pPr>
-              <a:defRPr/>
-            </a:pPr>
-            <a:fld id="{283A8EC6-31E0-4142-872B-26203C0D39DA}" type="datetime1">
-              <a:rPr lang="en-US" smtClean="0">
-                <a:solidFill>
-                  <a:prstClr val="black">
-                    <a:tint val="75000"/>
-                  </a:prstClr>
-                </a:solidFill>
-              </a:rPr>
-              <a:t>5/9/2016</a:t>
-            </a:fld>
-            <a:endParaRPr lang="en-US">
-              <a:solidFill>
-                <a:prstClr val="black">
-                  <a:tint val="75000"/>
-                </a:prstClr>
-              </a:solidFill>
-            </a:endParaRPr>
-          </a:p>
-        </p:txBody>
-      </p:sp>
-      <p:sp>
-        <p:nvSpPr>
           <p:cNvPr id="6" name="Footer Placeholder 4"/>
           <p:cNvSpPr>
             <a:spLocks noGrp="1"/>
@@ -4230,6 +4997,70 @@
           </a:p>
         </p:txBody>
       </p:sp>
+      <p:sp>
+        <p:nvSpPr>
+          <p:cNvPr id="8" name="Date Placeholder 3"/>
+          <p:cNvSpPr>
+            <a:spLocks noGrp="1"/>
+          </p:cNvSpPr>
+          <p:nvPr>
+            <p:ph type="dt" sz="half" idx="13"/>
+          </p:nvPr>
+        </p:nvSpPr>
+        <p:spPr>
+          <a:xfrm>
+            <a:off x="457200" y="6356350"/>
+            <a:ext cx="2133600" cy="365125"/>
+          </a:xfrm>
+          <a:prstGeom prst="rect">
+            <a:avLst/>
+          </a:prstGeom>
+        </p:spPr>
+        <p:txBody>
+          <a:bodyPr vert="horz" lIns="91440" tIns="45720" rIns="91440" bIns="45720" rtlCol="0" anchor="ctr"/>
+          <a:lstStyle>
+            <a:lvl1pPr algn="l" fontAlgn="auto">
+              <a:spcBef>
+                <a:spcPts val="0"/>
+              </a:spcBef>
+              <a:spcAft>
+                <a:spcPts val="0"/>
+              </a:spcAft>
+              <a:defRPr sz="1200">
+                <a:solidFill>
+                  <a:schemeClr val="tx1">
+                    <a:tint val="75000"/>
+                  </a:schemeClr>
+                </a:solidFill>
+                <a:latin typeface="+mn-lt"/>
+                <a:cs typeface="+mn-cs"/>
+              </a:defRPr>
+            </a:lvl1pPr>
+          </a:lstStyle>
+          <a:p>
+            <a:pPr>
+              <a:defRPr/>
+            </a:pPr>
+            <a:r>
+              <a:rPr lang="en-US" dirty="0" smtClean="0">
+                <a:solidFill>
+                  <a:prstClr val="black">
+                    <a:tint val="75000"/>
+                  </a:prstClr>
+                </a:solidFill>
+              </a:rPr>
+              <a:t>5/10/2016</a:t>
+            </a:r>
+            <a:endParaRPr lang="en-US" dirty="0">
+              <a:solidFill>
+                <a:prstClr val="black">
+                  <a:tint val="75000"/>
+                </a:prstClr>
+              </a:solidFill>
+            </a:endParaRPr>
+          </a:p>
+        </p:txBody>
+      </p:sp>
     </p:spTree>
     <p:extLst>
       <p:ext uri="{BB962C8B-B14F-4D97-AF65-F5344CB8AC3E}">
@@ -4240,6 +5071,13 @@
   <p:clrMapOvr>
     <a:masterClrMapping/>
   </p:clrMapOvr>
+  <p:timing>
+    <p:tnLst>
+      <p:par>
+        <p:cTn id="1" dur="indefinite" restart="never" nodeType="tmRoot"/>
+      </p:par>
+    </p:tnLst>
+  </p:timing>
 </p:sldLayout>
 </file>
 
@@ -4423,48 +5261,6 @@
       </p:sp>
       <p:sp>
         <p:nvSpPr>
-          <p:cNvPr id="5" name="Date Placeholder 3"/>
-          <p:cNvSpPr>
-            <a:spLocks noGrp="1"/>
-          </p:cNvSpPr>
-          <p:nvPr>
-            <p:ph type="dt" sz="half" idx="10"/>
-          </p:nvPr>
-        </p:nvSpPr>
-        <p:spPr/>
-        <p:txBody>
-          <a:bodyPr/>
-          <a:lstStyle>
-            <a:lvl1pPr>
-              <a:defRPr/>
-            </a:lvl1pPr>
-          </a:lstStyle>
-          <a:p>
-            <a:pPr>
-              <a:defRPr/>
-            </a:pPr>
-            <a:fld id="{6FD4A947-96C3-468E-BE23-D11890742A54}" type="datetime1">
-              <a:rPr lang="en-US" smtClean="0">
-                <a:solidFill>
-                  <a:prstClr val="black">
-                    <a:tint val="75000"/>
-                  </a:prstClr>
-                </a:solidFill>
-              </a:rPr>
-              <a:t>5/9/2016</a:t>
-            </a:fld>
-            <a:endParaRPr lang="en-US">
-              <a:solidFill>
-                <a:prstClr val="black">
-                  <a:tint val="75000"/>
-                </a:prstClr>
-              </a:solidFill>
-            </a:endParaRPr>
-          </a:p>
-        </p:txBody>
-      </p:sp>
-      <p:sp>
-        <p:nvSpPr>
           <p:cNvPr id="6" name="Footer Placeholder 4"/>
           <p:cNvSpPr>
             <a:spLocks noGrp="1"/>
@@ -4531,6 +5327,70 @@
               <a:t>‹#›</a:t>
             </a:fld>
             <a:endParaRPr lang="en-US">
+              <a:solidFill>
+                <a:prstClr val="black">
+                  <a:tint val="75000"/>
+                </a:prstClr>
+              </a:solidFill>
+            </a:endParaRPr>
+          </a:p>
+        </p:txBody>
+      </p:sp>
+      <p:sp>
+        <p:nvSpPr>
+          <p:cNvPr id="8" name="Date Placeholder 3"/>
+          <p:cNvSpPr>
+            <a:spLocks noGrp="1"/>
+          </p:cNvSpPr>
+          <p:nvPr>
+            <p:ph type="dt" sz="half" idx="13"/>
+          </p:nvPr>
+        </p:nvSpPr>
+        <p:spPr>
+          <a:xfrm>
+            <a:off x="457200" y="6356350"/>
+            <a:ext cx="2133600" cy="365125"/>
+          </a:xfrm>
+          <a:prstGeom prst="rect">
+            <a:avLst/>
+          </a:prstGeom>
+        </p:spPr>
+        <p:txBody>
+          <a:bodyPr vert="horz" lIns="91440" tIns="45720" rIns="91440" bIns="45720" rtlCol="0" anchor="ctr"/>
+          <a:lstStyle>
+            <a:lvl1pPr algn="l" fontAlgn="auto">
+              <a:spcBef>
+                <a:spcPts val="0"/>
+              </a:spcBef>
+              <a:spcAft>
+                <a:spcPts val="0"/>
+              </a:spcAft>
+              <a:defRPr sz="1200">
+                <a:solidFill>
+                  <a:schemeClr val="tx1">
+                    <a:tint val="75000"/>
+                  </a:schemeClr>
+                </a:solidFill>
+                <a:latin typeface="+mn-lt"/>
+                <a:cs typeface="+mn-cs"/>
+              </a:defRPr>
+            </a:lvl1pPr>
+          </a:lstStyle>
+          <a:p>
+            <a:pPr>
+              <a:defRPr/>
+            </a:pPr>
+            <a:r>
+              <a:rPr lang="en-US" dirty="0" smtClean="0">
+                <a:solidFill>
+                  <a:prstClr val="black">
+                    <a:tint val="75000"/>
+                  </a:prstClr>
+                </a:solidFill>
+              </a:rPr>
+              <a:t>5/10/2016</a:t>
+            </a:r>
+            <a:endParaRPr lang="en-US" dirty="0">
               <a:solidFill>
                 <a:prstClr val="black">
                   <a:tint val="75000"/>
@@ -4710,17 +5570,17 @@
             <a:pPr>
               <a:defRPr/>
             </a:pPr>
-            <a:fld id="{CBFD0D1F-4202-495A-A5E8-D44708475998}" type="datetime1">
-              <a:rPr lang="en-US" smtClean="0">
+            <a:r>
+              <a:rPr lang="en-US" dirty="0" smtClean="0">
                 <a:solidFill>
                   <a:prstClr val="black">
                     <a:tint val="75000"/>
                   </a:prstClr>
                 </a:solidFill>
               </a:rPr>
-              <a:t>5/9/2016</a:t>
-            </a:fld>
-            <a:endParaRPr lang="en-US">
+              <a:t>5/10/2016</a:t>
+            </a:r>
+            <a:endParaRPr lang="en-US" dirty="0">
               <a:solidFill>
                 <a:prstClr val="black">
                   <a:tint val="75000"/>
@@ -4796,7 +5656,7 @@
         </p:nvSpPr>
         <p:spPr>
           <a:xfrm>
-            <a:off x="6553200" y="6356350"/>
+            <a:off x="6781800" y="6356350"/>
             <a:ext cx="2133600" cy="365125"/>
           </a:xfrm>
           <a:prstGeom prst="rect">
@@ -4956,6 +5816,13 @@
     <p:sldLayoutId id="2147483684" r:id="rId11"/>
     <p:sldLayoutId id="2147483685" r:id="rId12"/>
   </p:sldLayoutIdLst>
+  <p:timing>
+    <p:tnLst>
+      <p:par>
+        <p:cTn id="1" dur="indefinite" restart="never" nodeType="tmRoot"/>
+      </p:par>
+    </p:tnLst>
+  </p:timing>
   <p:hf hdr="0" ftr="0" dt="0"/>
   <p:txStyles>
     <p:titleStyle>
@@ -5671,16 +6538,22 @@
           <a:lstStyle/>
           <a:p>
             <a:r>
-              <a:rPr lang="en-US" dirty="0" smtClean="0"/>
-              <a:t>Single Objective Optimization</a:t>
-            </a:r>
-            <a:endParaRPr lang="en-US" dirty="0"/>
-          </a:p>
-        </p:txBody>
-      </p:sp>
-      <p:sp>
-        <p:nvSpPr>
-          <p:cNvPr id="4" name="Slide Number Placeholder 3"/>
+              <a:rPr lang="en-US" dirty="0"/>
+              <a:t>Modeling and Simulation:</a:t>
+            </a:r>
+            <a:br>
+              <a:rPr lang="en-US" dirty="0"/>
+            </a:br>
+            <a:r>
+              <a:rPr lang="en-US" dirty="0"/>
+              <a:t>Multidisciplinary Expansions</a:t>
+            </a:r>
+          </a:p>
+        </p:txBody>
+      </p:sp>
+      <p:sp>
+        <p:nvSpPr>
+          <p:cNvPr id="3" name="Slide Number Placeholder 2"/>
           <p:cNvSpPr>
             <a:spLocks noGrp="1"/>
           </p:cNvSpPr>
@@ -5719,16 +6592,549 @@
           </a:p>
         </p:txBody>
       </p:sp>
+      <p:pic>
+        <p:nvPicPr>
+          <p:cNvPr id="4" name="Picture 2" descr="https://lh5.googleusercontent.com/vmoWZSPo023tdwkjIegTWlae3rZUg6xADkfSoLjAPFhqGu3n3tZ-vuoCniTJ6y14tUWa43U55P8Br9htsihiVfOrPYK2BHnrxLsUknOi0WHBdceciNuO-AA3YGTMTPAK0Lgco_11kw"/>
+          <p:cNvPicPr>
+            <a:picLocks noChangeAspect="1" noChangeArrowheads="1"/>
+          </p:cNvPicPr>
+          <p:nvPr/>
+        </p:nvPicPr>
+        <p:blipFill>
+          <a:blip r:embed="rId2">
+            <a:extLst>
+              <a:ext uri="{28A0092B-C50C-407E-A947-70E740481C1C}">
+                <a14:useLocalDpi xmlns:a14="http://schemas.microsoft.com/office/drawing/2010/main"/>
+              </a:ext>
+            </a:extLst>
+          </a:blip>
+          <a:srcRect/>
+          <a:stretch>
+            <a:fillRect/>
+          </a:stretch>
+        </p:blipFill>
+        <p:spPr bwMode="auto">
+          <a:xfrm>
+            <a:off x="558946" y="1371600"/>
+            <a:ext cx="8127854" cy="4800600"/>
+          </a:xfrm>
+          <a:prstGeom prst="rect">
+            <a:avLst/>
+          </a:prstGeom>
+          <a:noFill/>
+          <a:extLst>
+            <a:ext uri="{909E8E84-426E-40DD-AFC4-6F175D3DCCD1}">
+              <a14:hiddenFill xmlns:a14="http://schemas.microsoft.com/office/drawing/2010/main">
+                <a:solidFill>
+                  <a:srgbClr val="FFFFFF"/>
+                </a:solidFill>
+              </a14:hiddenFill>
+            </a:ext>
+          </a:extLst>
+        </p:spPr>
+      </p:pic>
+      <p:sp>
+        <p:nvSpPr>
+          <p:cNvPr id="5" name="Rounded Rectangle 4"/>
+          <p:cNvSpPr/>
+          <p:nvPr/>
+        </p:nvSpPr>
+        <p:spPr>
+          <a:xfrm>
+            <a:off x="3064383" y="5920740"/>
+            <a:ext cx="978408" cy="502920"/>
+          </a:xfrm>
+          <a:prstGeom prst="roundRect">
+            <a:avLst/>
+          </a:prstGeom>
+          <a:noFill/>
+          <a:ln>
+            <a:solidFill>
+              <a:srgbClr val="00B0F0"/>
+            </a:solidFill>
+          </a:ln>
+        </p:spPr>
+        <p:style>
+          <a:lnRef idx="2">
+            <a:schemeClr val="accent1">
+              <a:shade val="50000"/>
+            </a:schemeClr>
+          </a:lnRef>
+          <a:fillRef idx="1">
+            <a:schemeClr val="accent1"/>
+          </a:fillRef>
+          <a:effectRef idx="0">
+            <a:schemeClr val="accent1"/>
+          </a:effectRef>
+          <a:fontRef idx="minor">
+            <a:schemeClr val="lt1"/>
+          </a:fontRef>
+        </p:style>
+        <p:txBody>
+          <a:bodyPr rtlCol="0" anchor="ctr"/>
+          <a:lstStyle/>
+          <a:p>
+            <a:pPr algn="ctr"/>
+            <a:r>
+              <a:rPr lang="en-US" sz="1200" dirty="0" smtClean="0">
+                <a:solidFill>
+                  <a:schemeClr val="tx1"/>
+                </a:solidFill>
+              </a:rPr>
+              <a:t>IMLEO Costs</a:t>
+            </a:r>
+            <a:endParaRPr lang="en-US" sz="1200" dirty="0">
+              <a:solidFill>
+                <a:schemeClr val="tx1"/>
+              </a:solidFill>
+            </a:endParaRPr>
+          </a:p>
+        </p:txBody>
+      </p:sp>
+      <p:sp>
+        <p:nvSpPr>
+          <p:cNvPr id="6" name="Rounded Rectangle 5"/>
+          <p:cNvSpPr/>
+          <p:nvPr/>
+        </p:nvSpPr>
+        <p:spPr>
+          <a:xfrm>
+            <a:off x="4343400" y="5920740"/>
+            <a:ext cx="1143000" cy="502920"/>
+          </a:xfrm>
+          <a:prstGeom prst="roundRect">
+            <a:avLst/>
+          </a:prstGeom>
+          <a:noFill/>
+          <a:ln>
+            <a:solidFill>
+              <a:srgbClr val="00B0F0"/>
+            </a:solidFill>
+          </a:ln>
+        </p:spPr>
+        <p:style>
+          <a:lnRef idx="2">
+            <a:schemeClr val="accent1">
+              <a:shade val="50000"/>
+            </a:schemeClr>
+          </a:lnRef>
+          <a:fillRef idx="1">
+            <a:schemeClr val="accent1"/>
+          </a:fillRef>
+          <a:effectRef idx="0">
+            <a:schemeClr val="accent1"/>
+          </a:effectRef>
+          <a:fontRef idx="minor">
+            <a:schemeClr val="lt1"/>
+          </a:fontRef>
+        </p:style>
+        <p:txBody>
+          <a:bodyPr rtlCol="0" anchor="ctr"/>
+          <a:lstStyle/>
+          <a:p>
+            <a:pPr algn="ctr"/>
+            <a:r>
+              <a:rPr lang="en-US" sz="1200" dirty="0" smtClean="0">
+                <a:solidFill>
+                  <a:schemeClr val="tx1"/>
+                </a:solidFill>
+              </a:rPr>
+              <a:t>Technology Development</a:t>
+            </a:r>
+            <a:endParaRPr lang="en-US" sz="1200" dirty="0">
+              <a:solidFill>
+                <a:schemeClr val="tx1"/>
+              </a:solidFill>
+            </a:endParaRPr>
+          </a:p>
+        </p:txBody>
+      </p:sp>
+      <p:cxnSp>
+        <p:nvCxnSpPr>
+          <p:cNvPr id="8" name="Straight Arrow Connector 7"/>
+          <p:cNvCxnSpPr>
+            <a:stCxn id="6" idx="0"/>
+          </p:cNvCxnSpPr>
+          <p:nvPr/>
+        </p:nvCxnSpPr>
+        <p:spPr>
+          <a:xfrm flipV="1">
+            <a:off x="4914900" y="5486400"/>
+            <a:ext cx="1333500" cy="434340"/>
+          </a:xfrm>
+          <a:prstGeom prst="straightConnector1">
+            <a:avLst/>
+          </a:prstGeom>
+          <a:ln>
+            <a:tailEnd type="arrow"/>
+          </a:ln>
+        </p:spPr>
+        <p:style>
+          <a:lnRef idx="1">
+            <a:schemeClr val="accent1"/>
+          </a:lnRef>
+          <a:fillRef idx="0">
+            <a:schemeClr val="accent1"/>
+          </a:fillRef>
+          <a:effectRef idx="0">
+            <a:schemeClr val="accent1"/>
+          </a:effectRef>
+          <a:fontRef idx="minor">
+            <a:schemeClr val="tx1"/>
+          </a:fontRef>
+        </p:style>
+      </p:cxnSp>
+      <p:cxnSp>
+        <p:nvCxnSpPr>
+          <p:cNvPr id="9" name="Straight Arrow Connector 8"/>
+          <p:cNvCxnSpPr/>
+          <p:nvPr/>
+        </p:nvCxnSpPr>
+        <p:spPr>
+          <a:xfrm flipH="1" flipV="1">
+            <a:off x="3657600" y="3657600"/>
+            <a:ext cx="1266826" cy="2263140"/>
+          </a:xfrm>
+          <a:prstGeom prst="straightConnector1">
+            <a:avLst/>
+          </a:prstGeom>
+          <a:ln>
+            <a:tailEnd type="arrow"/>
+          </a:ln>
+        </p:spPr>
+        <p:style>
+          <a:lnRef idx="1">
+            <a:schemeClr val="accent1"/>
+          </a:lnRef>
+          <a:fillRef idx="0">
+            <a:schemeClr val="accent1"/>
+          </a:fillRef>
+          <a:effectRef idx="0">
+            <a:schemeClr val="accent1"/>
+          </a:effectRef>
+          <a:fontRef idx="minor">
+            <a:schemeClr val="tx1"/>
+          </a:fontRef>
+        </p:style>
+      </p:cxnSp>
+      <p:cxnSp>
+        <p:nvCxnSpPr>
+          <p:cNvPr id="19" name="Straight Arrow Connector 18"/>
+          <p:cNvCxnSpPr/>
+          <p:nvPr/>
+        </p:nvCxnSpPr>
+        <p:spPr>
+          <a:xfrm flipV="1">
+            <a:off x="5486400" y="5334000"/>
+            <a:ext cx="2362200" cy="838200"/>
+          </a:xfrm>
+          <a:prstGeom prst="straightConnector1">
+            <a:avLst/>
+          </a:prstGeom>
+          <a:ln>
+            <a:tailEnd type="arrow"/>
+          </a:ln>
+        </p:spPr>
+        <p:style>
+          <a:lnRef idx="1">
+            <a:schemeClr val="accent1"/>
+          </a:lnRef>
+          <a:fillRef idx="0">
+            <a:schemeClr val="accent1"/>
+          </a:fillRef>
+          <a:effectRef idx="0">
+            <a:schemeClr val="accent1"/>
+          </a:effectRef>
+          <a:fontRef idx="minor">
+            <a:schemeClr val="tx1"/>
+          </a:fontRef>
+        </p:style>
+      </p:cxnSp>
+      <p:cxnSp>
+        <p:nvCxnSpPr>
+          <p:cNvPr id="22" name="Straight Arrow Connector 21"/>
+          <p:cNvCxnSpPr>
+            <a:stCxn id="6" idx="3"/>
+          </p:cNvCxnSpPr>
+          <p:nvPr/>
+        </p:nvCxnSpPr>
+        <p:spPr>
+          <a:xfrm flipV="1">
+            <a:off x="5486400" y="3962400"/>
+            <a:ext cx="685800" cy="2209800"/>
+          </a:xfrm>
+          <a:prstGeom prst="straightConnector1">
+            <a:avLst/>
+          </a:prstGeom>
+          <a:ln>
+            <a:tailEnd type="arrow"/>
+          </a:ln>
+        </p:spPr>
+        <p:style>
+          <a:lnRef idx="1">
+            <a:schemeClr val="accent1"/>
+          </a:lnRef>
+          <a:fillRef idx="0">
+            <a:schemeClr val="accent1"/>
+          </a:fillRef>
+          <a:effectRef idx="0">
+            <a:schemeClr val="accent1"/>
+          </a:effectRef>
+          <a:fontRef idx="minor">
+            <a:schemeClr val="tx1"/>
+          </a:fontRef>
+        </p:style>
+      </p:cxnSp>
+      <p:cxnSp>
+        <p:nvCxnSpPr>
+          <p:cNvPr id="25" name="Straight Arrow Connector 24"/>
+          <p:cNvCxnSpPr>
+            <a:stCxn id="6" idx="1"/>
+          </p:cNvCxnSpPr>
+          <p:nvPr/>
+        </p:nvCxnSpPr>
+        <p:spPr>
+          <a:xfrm flipH="1">
+            <a:off x="4042791" y="6172200"/>
+            <a:ext cx="300609" cy="0"/>
+          </a:xfrm>
+          <a:prstGeom prst="straightConnector1">
+            <a:avLst/>
+          </a:prstGeom>
+          <a:ln>
+            <a:tailEnd type="arrow"/>
+          </a:ln>
+        </p:spPr>
+        <p:style>
+          <a:lnRef idx="1">
+            <a:schemeClr val="accent1"/>
+          </a:lnRef>
+          <a:fillRef idx="0">
+            <a:schemeClr val="accent1"/>
+          </a:fillRef>
+          <a:effectRef idx="0">
+            <a:schemeClr val="accent1"/>
+          </a:effectRef>
+          <a:fontRef idx="minor">
+            <a:schemeClr val="tx1"/>
+          </a:fontRef>
+        </p:style>
+      </p:cxnSp>
+      <p:cxnSp>
+        <p:nvCxnSpPr>
+          <p:cNvPr id="32" name="Straight Arrow Connector 31"/>
+          <p:cNvCxnSpPr/>
+          <p:nvPr/>
+        </p:nvCxnSpPr>
+        <p:spPr>
+          <a:xfrm flipH="1">
+            <a:off x="3657600" y="5486400"/>
+            <a:ext cx="2590800" cy="434340"/>
+          </a:xfrm>
+          <a:prstGeom prst="straightConnector1">
+            <a:avLst/>
+          </a:prstGeom>
+          <a:ln>
+            <a:tailEnd type="arrow"/>
+          </a:ln>
+        </p:spPr>
+        <p:style>
+          <a:lnRef idx="1">
+            <a:schemeClr val="accent1"/>
+          </a:lnRef>
+          <a:fillRef idx="0">
+            <a:schemeClr val="accent1"/>
+          </a:fillRef>
+          <a:effectRef idx="0">
+            <a:schemeClr val="accent1"/>
+          </a:effectRef>
+          <a:fontRef idx="minor">
+            <a:schemeClr val="tx1"/>
+          </a:fontRef>
+        </p:style>
+      </p:cxnSp>
+      <p:sp>
+        <p:nvSpPr>
+          <p:cNvPr id="36" name="Rectangle 35"/>
+          <p:cNvSpPr/>
+          <p:nvPr/>
+        </p:nvSpPr>
+        <p:spPr>
+          <a:xfrm>
+            <a:off x="2819400" y="5638800"/>
+            <a:ext cx="2895600" cy="1143000"/>
+          </a:xfrm>
+          <a:prstGeom prst="rect">
+            <a:avLst/>
+          </a:prstGeom>
+          <a:noFill/>
+          <a:ln>
+            <a:solidFill>
+              <a:srgbClr val="C00000"/>
+            </a:solidFill>
+            <a:prstDash val="dash"/>
+          </a:ln>
+        </p:spPr>
+        <p:style>
+          <a:lnRef idx="2">
+            <a:schemeClr val="accent1">
+              <a:shade val="50000"/>
+            </a:schemeClr>
+          </a:lnRef>
+          <a:fillRef idx="1">
+            <a:schemeClr val="accent1"/>
+          </a:fillRef>
+          <a:effectRef idx="0">
+            <a:schemeClr val="accent1"/>
+          </a:effectRef>
+          <a:fontRef idx="minor">
+            <a:schemeClr val="lt1"/>
+          </a:fontRef>
+        </p:style>
+        <p:txBody>
+          <a:bodyPr rtlCol="0" anchor="ctr"/>
+          <a:lstStyle/>
+          <a:p>
+            <a:pPr algn="ctr"/>
+            <a:endParaRPr lang="en-US"/>
+          </a:p>
+        </p:txBody>
+      </p:sp>
+      <p:sp>
+        <p:nvSpPr>
+          <p:cNvPr id="37" name="TextBox 36"/>
+          <p:cNvSpPr txBox="1"/>
+          <p:nvPr/>
+        </p:nvSpPr>
+        <p:spPr>
+          <a:xfrm>
+            <a:off x="3080004" y="6443246"/>
+            <a:ext cx="2422017" cy="338554"/>
+          </a:xfrm>
+          <a:prstGeom prst="rect">
+            <a:avLst/>
+          </a:prstGeom>
+          <a:noFill/>
+        </p:spPr>
+        <p:txBody>
+          <a:bodyPr wrap="square" rtlCol="0">
+            <a:spAutoFit/>
+          </a:bodyPr>
+          <a:lstStyle/>
+          <a:p>
+            <a:pPr algn="ctr"/>
+            <a:r>
+              <a:rPr lang="en-US" sz="1600" dirty="0" smtClean="0">
+                <a:solidFill>
+                  <a:srgbClr val="C00000"/>
+                </a:solidFill>
+              </a:rPr>
+              <a:t>New Modules</a:t>
+            </a:r>
+            <a:endParaRPr lang="en-US" sz="1600" dirty="0">
+              <a:solidFill>
+                <a:srgbClr val="C00000"/>
+              </a:solidFill>
+            </a:endParaRPr>
+          </a:p>
+        </p:txBody>
+      </p:sp>
     </p:spTree>
     <p:extLst>
       <p:ext uri="{BB962C8B-B14F-4D97-AF65-F5344CB8AC3E}">
-        <p14:creationId xmlns:p14="http://schemas.microsoft.com/office/powerpoint/2010/main" val="1404889025"/>
+        <p14:creationId xmlns:p14="http://schemas.microsoft.com/office/powerpoint/2010/main" val="2979194395"/>
       </p:ext>
     </p:extLst>
   </p:cSld>
   <p:clrMapOvr>
     <a:masterClrMapping/>
   </p:clrMapOvr>
+  <p:timing>
+    <p:tnLst>
+      <p:par>
+        <p:cTn id="1" dur="indefinite" restart="never" nodeType="tmRoot">
+          <p:childTnLst>
+            <p:seq concurrent="1" nextAc="seek">
+              <p:cTn id="2" dur="indefinite" nodeType="mainSeq">
+                <p:childTnLst>
+                  <p:par>
+                    <p:cTn id="3" fill="hold">
+                      <p:stCondLst>
+                        <p:cond delay="indefinite"/>
+                        <p:cond evt="onBegin" delay="0">
+                          <p:tn val="2"/>
+                        </p:cond>
+                      </p:stCondLst>
+                      <p:childTnLst>
+                        <p:par>
+                          <p:cTn id="4" fill="hold">
+                            <p:stCondLst>
+                              <p:cond delay="0"/>
+                            </p:stCondLst>
+                            <p:childTnLst>
+                              <p:par>
+                                <p:cTn id="5" presetID="10" presetClass="entr" presetSubtype="0" fill="hold" nodeType="withEffect">
+                                  <p:stCondLst>
+                                    <p:cond delay="0"/>
+                                  </p:stCondLst>
+                                  <p:childTnLst>
+                                    <p:set>
+                                      <p:cBhvr>
+                                        <p:cTn id="6" dur="1" fill="hold">
+                                          <p:stCondLst>
+                                            <p:cond delay="0"/>
+                                          </p:stCondLst>
+                                        </p:cTn>
+                                        <p:tgtEl>
+                                          <p:spTgt spid="4"/>
+                                        </p:tgtEl>
+                                        <p:attrNameLst>
+                                          <p:attrName>style.visibility</p:attrName>
+                                        </p:attrNameLst>
+                                      </p:cBhvr>
+                                      <p:to>
+                                        <p:strVal val="visible"/>
+                                      </p:to>
+                                    </p:set>
+                                    <p:animEffect transition="in" filter="fade">
+                                      <p:cBhvr>
+                                        <p:cTn id="7" dur="500"/>
+                                        <p:tgtEl>
+                                          <p:spTgt spid="4"/>
+                                        </p:tgtEl>
+                                      </p:cBhvr>
+                                    </p:animEffect>
+                                  </p:childTnLst>
+                                </p:cTn>
+                              </p:par>
+                            </p:childTnLst>
+                          </p:cTn>
+                        </p:par>
+                      </p:childTnLst>
+                    </p:cTn>
+                  </p:par>
+                </p:childTnLst>
+              </p:cTn>
+              <p:prevCondLst>
+                <p:cond evt="onPrev" delay="0">
+                  <p:tgtEl>
+                    <p:sldTgt/>
+                  </p:tgtEl>
+                </p:cond>
+              </p:prevCondLst>
+              <p:nextCondLst>
+                <p:cond evt="onNext" delay="0">
+                  <p:tgtEl>
+                    <p:sldTgt/>
+                  </p:tgtEl>
+                </p:cond>
+              </p:nextCondLst>
+            </p:seq>
+          </p:childTnLst>
+        </p:cTn>
+      </p:par>
+    </p:tnLst>
+  </p:timing>
 </p:sld>
 </file>
 
@@ -5766,7 +7172,14 @@
           <a:p>
             <a:r>
               <a:rPr lang="en-US" dirty="0" smtClean="0"/>
-              <a:t>Multi-Objective Optimization</a:t>
+              <a:t>Modeling and Simulation:</a:t>
+            </a:r>
+            <a:br>
+              <a:rPr lang="en-US" dirty="0" smtClean="0"/>
+            </a:br>
+            <a:r>
+              <a:rPr lang="en-US" dirty="0" smtClean="0"/>
+              <a:t>Development Cost Module</a:t>
             </a:r>
             <a:endParaRPr lang="en-US" dirty="0"/>
           </a:p>
@@ -5774,7 +7187,7 @@
       </p:sp>
       <p:sp>
         <p:nvSpPr>
-          <p:cNvPr id="5" name="Slide Number Placeholder 4"/>
+          <p:cNvPr id="3" name="Slide Number Placeholder 2"/>
           <p:cNvSpPr>
             <a:spLocks noGrp="1"/>
           </p:cNvSpPr>
@@ -5813,6 +7226,4043 @@
           </a:p>
         </p:txBody>
       </p:sp>
+      <p:sp>
+        <p:nvSpPr>
+          <p:cNvPr id="6" name="Rectangle 4"/>
+          <p:cNvSpPr>
+            <a:spLocks noChangeArrowheads="1"/>
+          </p:cNvSpPr>
+          <p:nvPr/>
+        </p:nvSpPr>
+        <p:spPr bwMode="auto">
+          <a:xfrm>
+            <a:off x="0" y="0"/>
+            <a:ext cx="9144000" cy="0"/>
+          </a:xfrm>
+          <a:prstGeom prst="rect">
+            <a:avLst/>
+          </a:prstGeom>
+          <a:noFill/>
+          <a:ln>
+            <a:noFill/>
+          </a:ln>
+          <a:effectLst/>
+          <a:extLst>
+            <a:ext uri="{909E8E84-426E-40DD-AFC4-6F175D3DCCD1}">
+              <a14:hiddenFill xmlns:a14="http://schemas.microsoft.com/office/drawing/2010/main">
+                <a:solidFill>
+                  <a:schemeClr val="accent1"/>
+                </a:solidFill>
+              </a14:hiddenFill>
+            </a:ext>
+            <a:ext uri="{91240B29-F687-4F45-9708-019B960494DF}">
+              <a14:hiddenLine xmlns:a14="http://schemas.microsoft.com/office/drawing/2010/main" w="9525">
+                <a:solidFill>
+                  <a:schemeClr val="tx1"/>
+                </a:solidFill>
+                <a:miter lim="800000"/>
+                <a:headEnd/>
+                <a:tailEnd/>
+              </a14:hiddenLine>
+            </a:ext>
+            <a:ext uri="{AF507438-7753-43E0-B8FC-AC1667EBCBE1}">
+              <a14:hiddenEffects xmlns:a14="http://schemas.microsoft.com/office/drawing/2010/main">
+                <a:effectLst>
+                  <a:outerShdw dist="35921" dir="2700000" algn="ctr" rotWithShape="0">
+                    <a:schemeClr val="bg2"/>
+                  </a:outerShdw>
+                </a:effectLst>
+              </a14:hiddenEffects>
+            </a:ext>
+          </a:extLst>
+        </p:spPr>
+        <p:txBody>
+          <a:bodyPr vert="horz" wrap="none" lIns="91440" tIns="45720" rIns="91440" bIns="45720" numCol="1" anchor="ctr" anchorCtr="0" compatLnSpc="1">
+            <a:prstTxWarp prst="textNoShape">
+              <a:avLst/>
+            </a:prstTxWarp>
+            <a:spAutoFit/>
+          </a:bodyPr>
+          <a:lstStyle/>
+          <a:p>
+            <a:endParaRPr lang="en-US"/>
+          </a:p>
+        </p:txBody>
+      </p:sp>
+      <p:sp>
+        <p:nvSpPr>
+          <p:cNvPr id="8" name="TextBox 7"/>
+          <p:cNvSpPr txBox="1"/>
+          <p:nvPr/>
+        </p:nvSpPr>
+        <p:spPr>
+          <a:xfrm>
+            <a:off x="457200" y="1066800"/>
+            <a:ext cx="8382000" cy="5262979"/>
+          </a:xfrm>
+          <a:prstGeom prst="rect">
+            <a:avLst/>
+          </a:prstGeom>
+          <a:noFill/>
+        </p:spPr>
+        <p:txBody>
+          <a:bodyPr wrap="square" rtlCol="0">
+            <a:spAutoFit/>
+          </a:bodyPr>
+          <a:lstStyle/>
+          <a:p>
+            <a:pPr marL="342900" indent="-342900">
+              <a:buFont typeface="Arial" panose="020B0604020202020204" pitchFamily="34" charset="0"/>
+              <a:buChar char="•"/>
+            </a:pPr>
+            <a:r>
+              <a:rPr lang="en-US" sz="2400" dirty="0" smtClean="0"/>
+              <a:t>Investment in advanced technologies may be traded with:</a:t>
+            </a:r>
+          </a:p>
+          <a:p>
+            <a:pPr marL="800100" lvl="1" indent="-342900">
+              <a:buFont typeface="Arial" panose="020B0604020202020204" pitchFamily="34" charset="0"/>
+              <a:buChar char="•"/>
+            </a:pPr>
+            <a:r>
+              <a:rPr lang="en-US" sz="2400" dirty="0" smtClean="0"/>
+              <a:t>Reductions with campaign operational costs </a:t>
+            </a:r>
+          </a:p>
+          <a:p>
+            <a:pPr marL="800100" lvl="1" indent="-342900">
+              <a:buFont typeface="Arial" panose="020B0604020202020204" pitchFamily="34" charset="0"/>
+              <a:buChar char="•"/>
+            </a:pPr>
+            <a:r>
+              <a:rPr lang="en-US" sz="2400" dirty="0" smtClean="0"/>
+              <a:t>Enhancement in mission value (or perhaps safety)</a:t>
+            </a:r>
+          </a:p>
+          <a:p>
+            <a:pPr marL="800100" lvl="1" indent="-342900">
+              <a:buFont typeface="Arial" panose="020B0604020202020204" pitchFamily="34" charset="0"/>
+              <a:buChar char="•"/>
+            </a:pPr>
+            <a:endParaRPr lang="en-US" sz="2400" dirty="0" smtClean="0"/>
+          </a:p>
+          <a:p>
+            <a:pPr marL="342900" indent="-342900">
+              <a:buFont typeface="Arial" panose="020B0604020202020204" pitchFamily="34" charset="0"/>
+              <a:buChar char="•"/>
+            </a:pPr>
+            <a:r>
+              <a:rPr lang="en-US" sz="2400" u="sng" dirty="0" smtClean="0"/>
+              <a:t>Advanced propulsion</a:t>
+            </a:r>
+            <a:r>
+              <a:rPr lang="en-US" sz="2400" dirty="0" smtClean="0"/>
+              <a:t> will: </a:t>
+            </a:r>
+          </a:p>
+          <a:p>
+            <a:pPr marL="800100" lvl="1" indent="-342900">
+              <a:buFont typeface="Arial" panose="020B0604020202020204" pitchFamily="34" charset="0"/>
+              <a:buChar char="•"/>
+            </a:pPr>
+            <a:r>
+              <a:rPr lang="en-US" sz="2400" dirty="0"/>
+              <a:t>R</a:t>
+            </a:r>
+            <a:r>
+              <a:rPr lang="en-US" sz="2400" dirty="0" smtClean="0"/>
+              <a:t>educe fuel requirements for IMLEO or ISRU</a:t>
+            </a:r>
+          </a:p>
+          <a:p>
+            <a:pPr marL="800100" lvl="1" indent="-342900">
+              <a:buFont typeface="Arial" panose="020B0604020202020204" pitchFamily="34" charset="0"/>
+              <a:buChar char="•"/>
+            </a:pPr>
+            <a:r>
+              <a:rPr lang="en-US" sz="2400" dirty="0" smtClean="0"/>
+              <a:t>Potentially reduce transit time increasing astronaut time on Mars</a:t>
+            </a:r>
+          </a:p>
+          <a:p>
+            <a:pPr marL="800100" lvl="1" indent="-342900">
+              <a:buFont typeface="Arial" panose="020B0604020202020204" pitchFamily="34" charset="0"/>
+              <a:buChar char="•"/>
+            </a:pPr>
+            <a:r>
+              <a:rPr lang="en-US" sz="2400" dirty="0" smtClean="0"/>
+              <a:t>Chemical engine </a:t>
+            </a:r>
+            <a:r>
+              <a:rPr lang="en-US" sz="2400" dirty="0" err="1" smtClean="0"/>
+              <a:t>Isp</a:t>
+            </a:r>
+            <a:r>
+              <a:rPr lang="en-US" sz="2400" dirty="0" smtClean="0"/>
+              <a:t> improvements and nuclear thermal rockets are considered in this analysis</a:t>
+            </a:r>
+          </a:p>
+          <a:p>
+            <a:pPr marL="800100" lvl="1" indent="-342900">
+              <a:buFont typeface="Arial" panose="020B0604020202020204" pitchFamily="34" charset="0"/>
+              <a:buChar char="•"/>
+            </a:pPr>
+            <a:endParaRPr lang="en-US" sz="2400" dirty="0" smtClean="0"/>
+          </a:p>
+          <a:p>
+            <a:pPr marL="342900" indent="-342900">
+              <a:buFont typeface="Arial" panose="020B0604020202020204" pitchFamily="34" charset="0"/>
+              <a:buChar char="•"/>
+            </a:pPr>
+            <a:r>
+              <a:rPr lang="en-US" sz="2400" u="sng" dirty="0" smtClean="0"/>
+              <a:t>Advanced ISRU</a:t>
+            </a:r>
+            <a:r>
+              <a:rPr lang="en-US" sz="2400" dirty="0" smtClean="0"/>
+              <a:t> will:</a:t>
+            </a:r>
+          </a:p>
+          <a:p>
+            <a:pPr marL="800100" lvl="1" indent="-342900">
+              <a:buFont typeface="Arial" panose="020B0604020202020204" pitchFamily="34" charset="0"/>
+              <a:buChar char="•"/>
+            </a:pPr>
+            <a:r>
+              <a:rPr lang="en-US" sz="2400" dirty="0" smtClean="0"/>
+              <a:t>Reduce emplaced mission mass</a:t>
+            </a:r>
+          </a:p>
+          <a:p>
+            <a:pPr marL="800100" lvl="1" indent="-342900">
+              <a:buFont typeface="Arial" panose="020B0604020202020204" pitchFamily="34" charset="0"/>
+              <a:buChar char="•"/>
+            </a:pPr>
+            <a:r>
+              <a:rPr lang="en-US" sz="2400" dirty="0" smtClean="0"/>
+              <a:t>Reduce resupply mission sparing mass</a:t>
+            </a:r>
+            <a:endParaRPr lang="en-US" sz="2400" dirty="0"/>
+          </a:p>
+        </p:txBody>
+      </p:sp>
+    </p:spTree>
+    <p:extLst>
+      <p:ext uri="{BB962C8B-B14F-4D97-AF65-F5344CB8AC3E}">
+        <p14:creationId xmlns:p14="http://schemas.microsoft.com/office/powerpoint/2010/main" val="1150944238"/>
+      </p:ext>
+    </p:extLst>
+  </p:cSld>
+  <p:clrMapOvr>
+    <a:masterClrMapping/>
+  </p:clrMapOvr>
+  <p:timing>
+    <p:tnLst>
+      <p:par>
+        <p:cTn id="1" dur="indefinite" restart="never" nodeType="tmRoot"/>
+      </p:par>
+    </p:tnLst>
+  </p:timing>
+</p:sld>
+</file>
+
+<file path=ppt/slides/slide12.xml><?xml version="1.0" encoding="utf-8"?>
+<p:sld xmlns:a="http://schemas.openxmlformats.org/drawingml/2006/main" xmlns:r="http://schemas.openxmlformats.org/officeDocument/2006/relationships" xmlns:p="http://schemas.openxmlformats.org/presentationml/2006/main">
+  <p:cSld>
+    <p:spTree>
+      <p:nvGrpSpPr>
+        <p:cNvPr id="1" name=""/>
+        <p:cNvGrpSpPr/>
+        <p:nvPr/>
+      </p:nvGrpSpPr>
+      <p:grpSpPr>
+        <a:xfrm>
+          <a:off x="0" y="0"/>
+          <a:ext cx="0" cy="0"/>
+          <a:chOff x="0" y="0"/>
+          <a:chExt cx="0" cy="0"/>
+        </a:xfrm>
+      </p:grpSpPr>
+      <p:sp>
+        <p:nvSpPr>
+          <p:cNvPr id="8" name="TextBox 7"/>
+          <p:cNvSpPr txBox="1"/>
+          <p:nvPr/>
+        </p:nvSpPr>
+        <p:spPr>
+          <a:xfrm>
+            <a:off x="457200" y="1066800"/>
+            <a:ext cx="8382000" cy="3262432"/>
+          </a:xfrm>
+          <a:prstGeom prst="rect">
+            <a:avLst/>
+          </a:prstGeom>
+          <a:noFill/>
+        </p:spPr>
+        <p:txBody>
+          <a:bodyPr wrap="square" rtlCol="0">
+            <a:spAutoFit/>
+          </a:bodyPr>
+          <a:lstStyle/>
+          <a:p>
+            <a:r>
+              <a:rPr lang="en-US" sz="2400" dirty="0" smtClean="0"/>
+              <a:t>Cost estimation for low Technology Readiness Level (TRL), far-term developments is a significant field of active </a:t>
+            </a:r>
+            <a:r>
+              <a:rPr lang="en-US" sz="2400" dirty="0" smtClean="0"/>
+              <a:t>research</a:t>
+            </a:r>
+          </a:p>
+          <a:p>
+            <a:endParaRPr lang="en-US" sz="1050" dirty="0" smtClean="0"/>
+          </a:p>
+          <a:p>
+            <a:pPr marL="571500" indent="-342900">
+              <a:buFont typeface="Arial" panose="020B0604020202020204" pitchFamily="34" charset="0"/>
+              <a:buChar char="•"/>
+            </a:pPr>
+            <a:r>
+              <a:rPr lang="en-US" sz="2400" dirty="0" smtClean="0"/>
+              <a:t>The NASA Advanced Missions Cost Model (AMCM) was utilized in this research</a:t>
+            </a:r>
+          </a:p>
+          <a:p>
+            <a:pPr marL="571500" indent="-342900">
+              <a:buFont typeface="Arial" panose="020B0604020202020204" pitchFamily="34" charset="0"/>
+              <a:buChar char="•"/>
+            </a:pPr>
+            <a:r>
+              <a:rPr lang="en-US" sz="2400" dirty="0" smtClean="0"/>
+              <a:t>The model is an analytic expression created from historical data of over 300 NASA advanced missions and technology development programs</a:t>
+            </a:r>
+          </a:p>
+          <a:p>
+            <a:pPr marL="571500" indent="-342900">
+              <a:buFont typeface="Arial" panose="020B0604020202020204" pitchFamily="34" charset="0"/>
+              <a:buChar char="•"/>
+            </a:pPr>
+            <a:endParaRPr lang="en-US" sz="2400" dirty="0"/>
+          </a:p>
+        </p:txBody>
+      </p:sp>
+      <p:sp>
+        <p:nvSpPr>
+          <p:cNvPr id="2" name="Title 1"/>
+          <p:cNvSpPr>
+            <a:spLocks noGrp="1"/>
+          </p:cNvSpPr>
+          <p:nvPr>
+            <p:ph type="title"/>
+          </p:nvPr>
+        </p:nvSpPr>
+        <p:spPr/>
+        <p:txBody>
+          <a:bodyPr/>
+          <a:lstStyle/>
+          <a:p>
+            <a:r>
+              <a:rPr lang="en-US" dirty="0" smtClean="0"/>
+              <a:t>Modeling and Simulation:</a:t>
+            </a:r>
+            <a:br>
+              <a:rPr lang="en-US" dirty="0" smtClean="0"/>
+            </a:br>
+            <a:r>
+              <a:rPr lang="en-US" dirty="0" smtClean="0"/>
+              <a:t>Development Cost Module</a:t>
+            </a:r>
+            <a:endParaRPr lang="en-US" dirty="0"/>
+          </a:p>
+        </p:txBody>
+      </p:sp>
+      <p:sp>
+        <p:nvSpPr>
+          <p:cNvPr id="3" name="Slide Number Placeholder 2"/>
+          <p:cNvSpPr>
+            <a:spLocks noGrp="1"/>
+          </p:cNvSpPr>
+          <p:nvPr>
+            <p:ph type="sldNum" sz="quarter" idx="12"/>
+          </p:nvPr>
+        </p:nvSpPr>
+        <p:spPr/>
+        <p:txBody>
+          <a:bodyPr/>
+          <a:lstStyle/>
+          <a:p>
+            <a:pPr>
+              <a:defRPr/>
+            </a:pPr>
+            <a:fld id="{6E3317FF-6423-48BB-8CF6-A5183FB2D75B}" type="slidenum">
+              <a:rPr lang="en-US" smtClean="0">
+                <a:solidFill>
+                  <a:prstClr val="black">
+                    <a:tint val="75000"/>
+                  </a:prstClr>
+                </a:solidFill>
+              </a:rPr>
+              <a:pPr>
+                <a:defRPr/>
+              </a:pPr>
+              <a:t>12</a:t>
+            </a:fld>
+            <a:endParaRPr lang="en-US">
+              <a:solidFill>
+                <a:prstClr val="black">
+                  <a:tint val="75000"/>
+                </a:prstClr>
+              </a:solidFill>
+            </a:endParaRPr>
+          </a:p>
+        </p:txBody>
+      </p:sp>
+      <p:sp>
+        <p:nvSpPr>
+          <p:cNvPr id="6" name="Rectangle 4"/>
+          <p:cNvSpPr>
+            <a:spLocks noChangeArrowheads="1"/>
+          </p:cNvSpPr>
+          <p:nvPr/>
+        </p:nvSpPr>
+        <p:spPr bwMode="auto">
+          <a:xfrm>
+            <a:off x="0" y="0"/>
+            <a:ext cx="9144000" cy="0"/>
+          </a:xfrm>
+          <a:prstGeom prst="rect">
+            <a:avLst/>
+          </a:prstGeom>
+          <a:noFill/>
+          <a:ln>
+            <a:noFill/>
+          </a:ln>
+          <a:effectLst/>
+          <a:extLst>
+            <a:ext uri="{909E8E84-426E-40DD-AFC4-6F175D3DCCD1}">
+              <a14:hiddenFill xmlns:a14="http://schemas.microsoft.com/office/drawing/2010/main">
+                <a:solidFill>
+                  <a:schemeClr val="accent1"/>
+                </a:solidFill>
+              </a14:hiddenFill>
+            </a:ext>
+            <a:ext uri="{91240B29-F687-4F45-9708-019B960494DF}">
+              <a14:hiddenLine xmlns:a14="http://schemas.microsoft.com/office/drawing/2010/main" w="9525">
+                <a:solidFill>
+                  <a:schemeClr val="tx1"/>
+                </a:solidFill>
+                <a:miter lim="800000"/>
+                <a:headEnd/>
+                <a:tailEnd/>
+              </a14:hiddenLine>
+            </a:ext>
+            <a:ext uri="{AF507438-7753-43E0-B8FC-AC1667EBCBE1}">
+              <a14:hiddenEffects xmlns:a14="http://schemas.microsoft.com/office/drawing/2010/main">
+                <a:effectLst>
+                  <a:outerShdw dist="35921" dir="2700000" algn="ctr" rotWithShape="0">
+                    <a:schemeClr val="bg2"/>
+                  </a:outerShdw>
+                </a:effectLst>
+              </a14:hiddenEffects>
+            </a:ext>
+          </a:extLst>
+        </p:spPr>
+        <p:txBody>
+          <a:bodyPr vert="horz" wrap="none" lIns="91440" tIns="45720" rIns="91440" bIns="45720" numCol="1" anchor="ctr" anchorCtr="0" compatLnSpc="1">
+            <a:prstTxWarp prst="textNoShape">
+              <a:avLst/>
+            </a:prstTxWarp>
+            <a:spAutoFit/>
+          </a:bodyPr>
+          <a:lstStyle/>
+          <a:p>
+            <a:endParaRPr lang="en-US"/>
+          </a:p>
+        </p:txBody>
+      </p:sp>
+      <p:graphicFrame>
+        <p:nvGraphicFramePr>
+          <p:cNvPr id="7" name="Object 6"/>
+          <p:cNvGraphicFramePr>
+            <a:graphicFrameLocks noChangeAspect="1"/>
+          </p:cNvGraphicFramePr>
+          <p:nvPr>
+            <p:extLst>
+              <p:ext uri="{D42A27DB-BD31-4B8C-83A1-F6EECF244321}">
+                <p14:modId xmlns:p14="http://schemas.microsoft.com/office/powerpoint/2010/main" val="4199474292"/>
+              </p:ext>
+            </p:extLst>
+          </p:nvPr>
+        </p:nvGraphicFramePr>
+        <p:xfrm>
+          <a:off x="1905000" y="3999488"/>
+          <a:ext cx="5156200" cy="533400"/>
+        </p:xfrm>
+        <a:graphic>
+          <a:graphicData uri="http://schemas.openxmlformats.org/presentationml/2006/ole">
+            <mc:AlternateContent xmlns:mc="http://schemas.openxmlformats.org/markup-compatibility/2006">
+              <mc:Choice xmlns:v="urn:schemas-microsoft-com:vml" Requires="v">
+                <p:oleObj spid="_x0000_s8200" name="Equation" r:id="rId3" imgW="2209800" imgH="228600" progId="Equation.3">
+                  <p:embed/>
+                </p:oleObj>
+              </mc:Choice>
+              <mc:Fallback>
+                <p:oleObj name="Equation" r:id="rId3" imgW="2209800" imgH="228600" progId="Equation.3">
+                  <p:embed/>
+                  <p:pic>
+                    <p:nvPicPr>
+                      <p:cNvPr id="0" name=""/>
+                      <p:cNvPicPr>
+                        <a:picLocks noChangeAspect="1" noChangeArrowheads="1"/>
+                      </p:cNvPicPr>
+                      <p:nvPr/>
+                    </p:nvPicPr>
+                    <p:blipFill>
+                      <a:blip r:embed="rId4">
+                        <a:extLst>
+                          <a:ext uri="{28A0092B-C50C-407E-A947-70E740481C1C}">
+                            <a14:useLocalDpi xmlns:a14="http://schemas.microsoft.com/office/drawing/2010/main" val="0"/>
+                          </a:ext>
+                        </a:extLst>
+                      </a:blip>
+                      <a:srcRect/>
+                      <a:stretch>
+                        <a:fillRect/>
+                      </a:stretch>
+                    </p:blipFill>
+                    <p:spPr bwMode="auto">
+                      <a:xfrm>
+                        <a:off x="1905000" y="3999488"/>
+                        <a:ext cx="5156200" cy="533400"/>
+                      </a:xfrm>
+                      <a:prstGeom prst="rect">
+                        <a:avLst/>
+                      </a:prstGeom>
+                      <a:noFill/>
+                    </p:spPr>
+                  </p:pic>
+                </p:oleObj>
+              </mc:Fallback>
+            </mc:AlternateContent>
+          </a:graphicData>
+        </a:graphic>
+      </p:graphicFrame>
+      <p:sp>
+        <p:nvSpPr>
+          <p:cNvPr id="4" name="TextBox 3"/>
+          <p:cNvSpPr txBox="1"/>
+          <p:nvPr/>
+        </p:nvSpPr>
+        <p:spPr>
+          <a:xfrm>
+            <a:off x="1905000" y="4722674"/>
+            <a:ext cx="5715000" cy="1754326"/>
+          </a:xfrm>
+          <a:prstGeom prst="rect">
+            <a:avLst/>
+          </a:prstGeom>
+          <a:noFill/>
+        </p:spPr>
+        <p:txBody>
+          <a:bodyPr wrap="square" rtlCol="0">
+            <a:spAutoFit/>
+          </a:bodyPr>
+          <a:lstStyle/>
+          <a:p>
+            <a:r>
+              <a:rPr lang="en-US" dirty="0" smtClean="0"/>
+              <a:t>Q = quantity of units produced</a:t>
+            </a:r>
+          </a:p>
+          <a:p>
+            <a:r>
+              <a:rPr lang="en-US" dirty="0" smtClean="0"/>
+              <a:t>M = dry mass of technology in </a:t>
+            </a:r>
+            <a:r>
+              <a:rPr lang="en-US" dirty="0" err="1" smtClean="0"/>
+              <a:t>lbs</a:t>
+            </a:r>
+            <a:endParaRPr lang="en-US" dirty="0" smtClean="0"/>
+          </a:p>
+          <a:p>
+            <a:r>
+              <a:rPr lang="en-US" dirty="0" smtClean="0"/>
+              <a:t>S = specification of technology</a:t>
+            </a:r>
+          </a:p>
+          <a:p>
+            <a:r>
+              <a:rPr lang="en-US" dirty="0" smtClean="0"/>
+              <a:t>IOC = initial operating capability </a:t>
+            </a:r>
+          </a:p>
+          <a:p>
+            <a:r>
+              <a:rPr lang="en-US" dirty="0" smtClean="0"/>
+              <a:t>B = block number of technology</a:t>
+            </a:r>
+          </a:p>
+          <a:p>
+            <a:r>
+              <a:rPr lang="en-US" dirty="0" smtClean="0"/>
+              <a:t>D = difficulty to develop technology</a:t>
+            </a:r>
+            <a:endParaRPr lang="en-US" dirty="0"/>
+          </a:p>
+        </p:txBody>
+      </p:sp>
+    </p:spTree>
+    <p:extLst>
+      <p:ext uri="{BB962C8B-B14F-4D97-AF65-F5344CB8AC3E}">
+        <p14:creationId xmlns:p14="http://schemas.microsoft.com/office/powerpoint/2010/main" val="1488178328"/>
+      </p:ext>
+    </p:extLst>
+  </p:cSld>
+  <p:clrMapOvr>
+    <a:masterClrMapping/>
+  </p:clrMapOvr>
+  <p:timing>
+    <p:tnLst>
+      <p:par>
+        <p:cTn id="1" dur="indefinite" restart="never" nodeType="tmRoot"/>
+      </p:par>
+    </p:tnLst>
+  </p:timing>
+</p:sld>
+</file>
+
+<file path=ppt/slides/slide13.xml><?xml version="1.0" encoding="utf-8"?>
+<p:sld xmlns:a="http://schemas.openxmlformats.org/drawingml/2006/main" xmlns:r="http://schemas.openxmlformats.org/officeDocument/2006/relationships" xmlns:p="http://schemas.openxmlformats.org/presentationml/2006/main">
+  <p:cSld>
+    <p:spTree>
+      <p:nvGrpSpPr>
+        <p:cNvPr id="1" name=""/>
+        <p:cNvGrpSpPr/>
+        <p:nvPr/>
+      </p:nvGrpSpPr>
+      <p:grpSpPr>
+        <a:xfrm>
+          <a:off x="0" y="0"/>
+          <a:ext cx="0" cy="0"/>
+          <a:chOff x="0" y="0"/>
+          <a:chExt cx="0" cy="0"/>
+        </a:xfrm>
+      </p:grpSpPr>
+      <p:sp>
+        <p:nvSpPr>
+          <p:cNvPr id="2" name="Title 1"/>
+          <p:cNvSpPr>
+            <a:spLocks noGrp="1"/>
+          </p:cNvSpPr>
+          <p:nvPr>
+            <p:ph type="title"/>
+          </p:nvPr>
+        </p:nvSpPr>
+        <p:spPr/>
+        <p:txBody>
+          <a:bodyPr/>
+          <a:lstStyle/>
+          <a:p>
+            <a:r>
+              <a:rPr lang="en-US" dirty="0" smtClean="0"/>
+              <a:t>Modeling and Simulation:</a:t>
+            </a:r>
+            <a:br>
+              <a:rPr lang="en-US" dirty="0" smtClean="0"/>
+            </a:br>
+            <a:r>
+              <a:rPr lang="en-US" dirty="0" smtClean="0"/>
+              <a:t>IMLEO Cost Module</a:t>
+            </a:r>
+            <a:endParaRPr lang="en-US" dirty="0"/>
+          </a:p>
+        </p:txBody>
+      </p:sp>
+      <p:sp>
+        <p:nvSpPr>
+          <p:cNvPr id="3" name="Slide Number Placeholder 2"/>
+          <p:cNvSpPr>
+            <a:spLocks noGrp="1"/>
+          </p:cNvSpPr>
+          <p:nvPr>
+            <p:ph type="sldNum" sz="quarter" idx="12"/>
+          </p:nvPr>
+        </p:nvSpPr>
+        <p:spPr/>
+        <p:txBody>
+          <a:bodyPr/>
+          <a:lstStyle/>
+          <a:p>
+            <a:pPr>
+              <a:defRPr/>
+            </a:pPr>
+            <a:fld id="{6E3317FF-6423-48BB-8CF6-A5183FB2D75B}" type="slidenum">
+              <a:rPr lang="en-US" smtClean="0">
+                <a:solidFill>
+                  <a:prstClr val="black">
+                    <a:tint val="75000"/>
+                  </a:prstClr>
+                </a:solidFill>
+              </a:rPr>
+              <a:pPr>
+                <a:defRPr/>
+              </a:pPr>
+              <a:t>13</a:t>
+            </a:fld>
+            <a:endParaRPr lang="en-US">
+              <a:solidFill>
+                <a:prstClr val="black">
+                  <a:tint val="75000"/>
+                </a:prstClr>
+              </a:solidFill>
+            </a:endParaRPr>
+          </a:p>
+        </p:txBody>
+      </p:sp>
+      <p:sp>
+        <p:nvSpPr>
+          <p:cNvPr id="4" name="TextBox 3"/>
+          <p:cNvSpPr txBox="1"/>
+          <p:nvPr/>
+        </p:nvSpPr>
+        <p:spPr>
+          <a:xfrm>
+            <a:off x="457200" y="1066800"/>
+            <a:ext cx="8382000" cy="2654573"/>
+          </a:xfrm>
+          <a:prstGeom prst="rect">
+            <a:avLst/>
+          </a:prstGeom>
+          <a:noFill/>
+        </p:spPr>
+        <p:txBody>
+          <a:bodyPr wrap="square" rtlCol="0">
+            <a:spAutoFit/>
+          </a:bodyPr>
+          <a:lstStyle/>
+          <a:p>
+            <a:pPr marL="342900" indent="-342900">
+              <a:buFont typeface="Arial" panose="020B0604020202020204" pitchFamily="34" charset="0"/>
+              <a:buChar char="•"/>
+            </a:pPr>
+            <a:r>
+              <a:rPr lang="en-US" sz="2400" dirty="0" smtClean="0"/>
+              <a:t>A significant proportion of space mission costs results from initial launch cost into low earth orbit</a:t>
+            </a:r>
+          </a:p>
+          <a:p>
+            <a:pPr marL="342900" indent="-342900">
+              <a:buFont typeface="Arial" panose="020B0604020202020204" pitchFamily="34" charset="0"/>
+              <a:buChar char="•"/>
+            </a:pPr>
+            <a:endParaRPr lang="en-US" sz="1050" dirty="0" smtClean="0"/>
+          </a:p>
+          <a:p>
+            <a:pPr marL="342900" indent="-342900">
+              <a:buFont typeface="Arial" panose="020B0604020202020204" pitchFamily="34" charset="0"/>
+              <a:buChar char="•"/>
+            </a:pPr>
+            <a:r>
+              <a:rPr lang="en-US" sz="2400" dirty="0" smtClean="0"/>
+              <a:t>New provider entrants into the market have provided opportunity (and uncertainty) for future IMLEO costs</a:t>
+            </a:r>
+          </a:p>
+          <a:p>
+            <a:pPr marL="342900" indent="-342900">
+              <a:buFont typeface="Arial" panose="020B0604020202020204" pitchFamily="34" charset="0"/>
+              <a:buChar char="•"/>
+            </a:pPr>
+            <a:endParaRPr lang="en-US" sz="1000" dirty="0" smtClean="0"/>
+          </a:p>
+          <a:p>
+            <a:pPr marL="342900" indent="-342900">
+              <a:buFont typeface="Arial" panose="020B0604020202020204" pitchFamily="34" charset="0"/>
+              <a:buChar char="•"/>
+            </a:pPr>
+            <a:r>
+              <a:rPr lang="en-US" sz="2400" dirty="0" smtClean="0"/>
+              <a:t>The following three values were used as high, medium, and low IMLEO cost estimates in this analysis</a:t>
+            </a:r>
+          </a:p>
+        </p:txBody>
+      </p:sp>
+      <p:graphicFrame>
+        <p:nvGraphicFramePr>
+          <p:cNvPr id="5" name="Table 4"/>
+          <p:cNvGraphicFramePr>
+            <a:graphicFrameLocks noGrp="1"/>
+          </p:cNvGraphicFramePr>
+          <p:nvPr>
+            <p:extLst>
+              <p:ext uri="{D42A27DB-BD31-4B8C-83A1-F6EECF244321}">
+                <p14:modId xmlns:p14="http://schemas.microsoft.com/office/powerpoint/2010/main" val="1124148133"/>
+              </p:ext>
+            </p:extLst>
+          </p:nvPr>
+        </p:nvGraphicFramePr>
+        <p:xfrm>
+          <a:off x="1962150" y="4114800"/>
+          <a:ext cx="5372100" cy="1584960"/>
+        </p:xfrm>
+        <a:graphic>
+          <a:graphicData uri="http://schemas.openxmlformats.org/drawingml/2006/table">
+            <a:tbl>
+              <a:tblPr firstRow="1" bandRow="1">
+                <a:tableStyleId>{21E4AEA4-8DFA-4A89-87EB-49C32662AFE0}</a:tableStyleId>
+              </a:tblPr>
+              <a:tblGrid>
+                <a:gridCol w="2727374"/>
+                <a:gridCol w="2644726"/>
+              </a:tblGrid>
+              <a:tr h="370840">
+                <a:tc>
+                  <a:txBody>
+                    <a:bodyPr/>
+                    <a:lstStyle/>
+                    <a:p>
+                      <a:r>
+                        <a:rPr lang="en-US" sz="2000" dirty="0" smtClean="0"/>
+                        <a:t>Launch</a:t>
+                      </a:r>
+                      <a:r>
+                        <a:rPr lang="en-US" sz="2000" baseline="0" dirty="0" smtClean="0"/>
+                        <a:t> System</a:t>
+                      </a:r>
+                      <a:endParaRPr lang="en-US" sz="2000" dirty="0"/>
+                    </a:p>
+                  </a:txBody>
+                  <a:tcPr/>
+                </a:tc>
+                <a:tc>
+                  <a:txBody>
+                    <a:bodyPr/>
+                    <a:lstStyle/>
+                    <a:p>
+                      <a:r>
+                        <a:rPr lang="en-US" sz="2000" dirty="0" smtClean="0"/>
+                        <a:t>IMLEO Cost Estimate</a:t>
+                      </a:r>
+                      <a:endParaRPr lang="en-US" sz="2000" dirty="0"/>
+                    </a:p>
+                  </a:txBody>
+                  <a:tcPr/>
+                </a:tc>
+              </a:tr>
+              <a:tr h="370840">
+                <a:tc>
+                  <a:txBody>
+                    <a:bodyPr/>
+                    <a:lstStyle/>
+                    <a:p>
+                      <a:r>
+                        <a:rPr lang="en-US" sz="2000" dirty="0" smtClean="0"/>
+                        <a:t>Historical Baseline</a:t>
+                      </a:r>
+                      <a:endParaRPr lang="en-US" sz="2000" dirty="0"/>
+                    </a:p>
+                  </a:txBody>
+                  <a:tcPr/>
+                </a:tc>
+                <a:tc>
+                  <a:txBody>
+                    <a:bodyPr/>
+                    <a:lstStyle/>
+                    <a:p>
+                      <a:pPr marL="0" marR="0" lvl="1" indent="0" algn="l" defTabSz="914400" rtl="0" eaLnBrk="1" fontAlgn="auto" latinLnBrk="0" hangingPunct="1">
+                        <a:lnSpc>
+                          <a:spcPct val="100000"/>
+                        </a:lnSpc>
+                        <a:spcBef>
+                          <a:spcPts val="0"/>
+                        </a:spcBef>
+                        <a:spcAft>
+                          <a:spcPts val="0"/>
+                        </a:spcAft>
+                        <a:buClrTx/>
+                        <a:buSzTx/>
+                        <a:buFontTx/>
+                        <a:buNone/>
+                        <a:tabLst/>
+                        <a:defRPr/>
+                      </a:pPr>
+                      <a:r>
+                        <a:rPr lang="en-US" sz="2000" dirty="0" smtClean="0"/>
+                        <a:t>$10,000/kg</a:t>
+                      </a:r>
+                    </a:p>
+                  </a:txBody>
+                  <a:tcPr/>
+                </a:tc>
+              </a:tr>
+              <a:tr h="370840">
+                <a:tc>
+                  <a:txBody>
+                    <a:bodyPr/>
+                    <a:lstStyle/>
+                    <a:p>
+                      <a:r>
+                        <a:rPr lang="en-US" sz="2000" dirty="0" smtClean="0"/>
+                        <a:t>Space Launch System</a:t>
+                      </a:r>
+                      <a:endParaRPr lang="en-US" sz="2000" dirty="0"/>
+                    </a:p>
+                  </a:txBody>
+                  <a:tcPr/>
+                </a:tc>
+                <a:tc>
+                  <a:txBody>
+                    <a:bodyPr/>
+                    <a:lstStyle/>
+                    <a:p>
+                      <a:pPr marL="0" marR="0" lvl="1" indent="0" algn="l" defTabSz="914400" rtl="0" eaLnBrk="1" fontAlgn="auto" latinLnBrk="0" hangingPunct="1">
+                        <a:lnSpc>
+                          <a:spcPct val="100000"/>
+                        </a:lnSpc>
+                        <a:spcBef>
+                          <a:spcPts val="0"/>
+                        </a:spcBef>
+                        <a:spcAft>
+                          <a:spcPts val="0"/>
+                        </a:spcAft>
+                        <a:buClrTx/>
+                        <a:buSzTx/>
+                        <a:buFontTx/>
+                        <a:buNone/>
+                        <a:tabLst/>
+                        <a:defRPr/>
+                      </a:pPr>
+                      <a:r>
+                        <a:rPr lang="en-US" sz="2000" dirty="0" smtClean="0"/>
+                        <a:t>$7,000/kg</a:t>
+                      </a:r>
+                    </a:p>
+                  </a:txBody>
+                  <a:tcPr/>
+                </a:tc>
+              </a:tr>
+              <a:tr h="370840">
+                <a:tc>
+                  <a:txBody>
+                    <a:bodyPr/>
+                    <a:lstStyle/>
+                    <a:p>
+                      <a:r>
+                        <a:rPr lang="en-US" sz="2000" dirty="0" smtClean="0"/>
+                        <a:t>SpaceX Falcon Heavy</a:t>
+                      </a:r>
+                      <a:endParaRPr lang="en-US" sz="2000" dirty="0"/>
+                    </a:p>
+                  </a:txBody>
+                  <a:tcPr/>
+                </a:tc>
+                <a:tc>
+                  <a:txBody>
+                    <a:bodyPr/>
+                    <a:lstStyle/>
+                    <a:p>
+                      <a:pPr marL="0" marR="0" lvl="1" indent="0" algn="l" defTabSz="914400" rtl="0" eaLnBrk="1" fontAlgn="auto" latinLnBrk="0" hangingPunct="1">
+                        <a:lnSpc>
+                          <a:spcPct val="100000"/>
+                        </a:lnSpc>
+                        <a:spcBef>
+                          <a:spcPts val="0"/>
+                        </a:spcBef>
+                        <a:spcAft>
+                          <a:spcPts val="0"/>
+                        </a:spcAft>
+                        <a:buClrTx/>
+                        <a:buSzTx/>
+                        <a:buFontTx/>
+                        <a:buNone/>
+                        <a:tabLst/>
+                        <a:defRPr/>
+                      </a:pPr>
+                      <a:r>
+                        <a:rPr lang="en-US" sz="2000" dirty="0" smtClean="0"/>
+                        <a:t>$1,600/kg</a:t>
+                      </a:r>
+                    </a:p>
+                  </a:txBody>
+                  <a:tcPr/>
+                </a:tc>
+              </a:tr>
+            </a:tbl>
+          </a:graphicData>
+        </a:graphic>
+      </p:graphicFrame>
+    </p:spTree>
+    <p:extLst>
+      <p:ext uri="{BB962C8B-B14F-4D97-AF65-F5344CB8AC3E}">
+        <p14:creationId xmlns:p14="http://schemas.microsoft.com/office/powerpoint/2010/main" val="3510814514"/>
+      </p:ext>
+    </p:extLst>
+  </p:cSld>
+  <p:clrMapOvr>
+    <a:masterClrMapping/>
+  </p:clrMapOvr>
+  <p:timing>
+    <p:tnLst>
+      <p:par>
+        <p:cTn id="1" dur="indefinite" restart="never" nodeType="tmRoot"/>
+      </p:par>
+    </p:tnLst>
+  </p:timing>
+</p:sld>
+</file>
+
+<file path=ppt/slides/slide14.xml><?xml version="1.0" encoding="utf-8"?>
+<p:sld xmlns:a="http://schemas.openxmlformats.org/drawingml/2006/main" xmlns:r="http://schemas.openxmlformats.org/officeDocument/2006/relationships" xmlns:p="http://schemas.openxmlformats.org/presentationml/2006/main">
+  <p:cSld>
+    <p:spTree>
+      <p:nvGrpSpPr>
+        <p:cNvPr id="1" name=""/>
+        <p:cNvGrpSpPr/>
+        <p:nvPr/>
+      </p:nvGrpSpPr>
+      <p:grpSpPr>
+        <a:xfrm>
+          <a:off x="0" y="0"/>
+          <a:ext cx="0" cy="0"/>
+          <a:chOff x="0" y="0"/>
+          <a:chExt cx="0" cy="0"/>
+        </a:xfrm>
+      </p:grpSpPr>
+      <p:pic>
+        <p:nvPicPr>
+          <p:cNvPr id="3074" name="Picture 2" descr="C:\Users\Parker\Documents\GitHub\Mars2040\MSDO\Assignment5\PPT pictures\3D steepest descent.png"/>
+          <p:cNvPicPr>
+            <a:picLocks noChangeAspect="1" noChangeArrowheads="1"/>
+          </p:cNvPicPr>
+          <p:nvPr/>
+        </p:nvPicPr>
+        <p:blipFill>
+          <a:blip r:embed="rId3">
+            <a:extLst>
+              <a:ext uri="{28A0092B-C50C-407E-A947-70E740481C1C}">
+                <a14:useLocalDpi xmlns:a14="http://schemas.microsoft.com/office/drawing/2010/main" val="0"/>
+              </a:ext>
+            </a:extLst>
+          </a:blip>
+          <a:srcRect/>
+          <a:stretch>
+            <a:fillRect/>
+          </a:stretch>
+        </p:blipFill>
+        <p:spPr bwMode="auto">
+          <a:xfrm>
+            <a:off x="527604" y="4038600"/>
+            <a:ext cx="3859689" cy="2228850"/>
+          </a:xfrm>
+          <a:prstGeom prst="rect">
+            <a:avLst/>
+          </a:prstGeom>
+          <a:noFill/>
+          <a:extLst>
+            <a:ext uri="{909E8E84-426E-40DD-AFC4-6F175D3DCCD1}">
+              <a14:hiddenFill xmlns:a14="http://schemas.microsoft.com/office/drawing/2010/main">
+                <a:solidFill>
+                  <a:srgbClr val="FFFFFF"/>
+                </a:solidFill>
+              </a14:hiddenFill>
+            </a:ext>
+          </a:extLst>
+        </p:spPr>
+      </p:pic>
+      <p:sp>
+        <p:nvSpPr>
+          <p:cNvPr id="2" name="Title 1"/>
+          <p:cNvSpPr>
+            <a:spLocks noGrp="1"/>
+          </p:cNvSpPr>
+          <p:nvPr>
+            <p:ph type="title"/>
+          </p:nvPr>
+        </p:nvSpPr>
+        <p:spPr/>
+        <p:txBody>
+          <a:bodyPr/>
+          <a:lstStyle/>
+          <a:p>
+            <a:r>
+              <a:rPr lang="en-US" dirty="0" smtClean="0"/>
+              <a:t>Single Objective Optimization</a:t>
+            </a:r>
+            <a:endParaRPr lang="en-US" dirty="0"/>
+          </a:p>
+        </p:txBody>
+      </p:sp>
+      <p:sp>
+        <p:nvSpPr>
+          <p:cNvPr id="4" name="Slide Number Placeholder 3"/>
+          <p:cNvSpPr>
+            <a:spLocks noGrp="1"/>
+          </p:cNvSpPr>
+          <p:nvPr>
+            <p:ph type="sldNum" sz="quarter" idx="12"/>
+          </p:nvPr>
+        </p:nvSpPr>
+        <p:spPr/>
+        <p:txBody>
+          <a:bodyPr/>
+          <a:lstStyle/>
+          <a:p>
+            <a:pPr>
+              <a:defRPr/>
+            </a:pPr>
+            <a:fld id="{6E3317FF-6423-48BB-8CF6-A5183FB2D75B}" type="slidenum">
+              <a:rPr lang="en-US" smtClean="0">
+                <a:solidFill>
+                  <a:prstClr val="black">
+                    <a:tint val="75000"/>
+                  </a:prstClr>
+                </a:solidFill>
+              </a:rPr>
+              <a:pPr>
+                <a:defRPr/>
+              </a:pPr>
+              <a:t>14</a:t>
+            </a:fld>
+            <a:endParaRPr lang="en-US" dirty="0">
+              <a:solidFill>
+                <a:prstClr val="black">
+                  <a:tint val="75000"/>
+                </a:prstClr>
+              </a:solidFill>
+            </a:endParaRPr>
+          </a:p>
+        </p:txBody>
+      </p:sp>
+      <p:sp>
+        <p:nvSpPr>
+          <p:cNvPr id="5" name="TextBox 4"/>
+          <p:cNvSpPr txBox="1"/>
+          <p:nvPr/>
+        </p:nvSpPr>
+        <p:spPr>
+          <a:xfrm>
+            <a:off x="457200" y="1066800"/>
+            <a:ext cx="8382000" cy="1138773"/>
+          </a:xfrm>
+          <a:prstGeom prst="rect">
+            <a:avLst/>
+          </a:prstGeom>
+          <a:noFill/>
+        </p:spPr>
+        <p:txBody>
+          <a:bodyPr wrap="square" rtlCol="0">
+            <a:spAutoFit/>
+          </a:bodyPr>
+          <a:lstStyle/>
+          <a:p>
+            <a:r>
+              <a:rPr lang="en-US" sz="2400" dirty="0" smtClean="0"/>
+              <a:t>The first attempt of wrapping the Mars 2040 campaign model in an optimizer explored two different single objective algorithms</a:t>
+            </a:r>
+          </a:p>
+          <a:p>
+            <a:pPr lvl="1"/>
+            <a:endParaRPr lang="en-US" sz="2000" dirty="0" smtClean="0"/>
+          </a:p>
+        </p:txBody>
+      </p:sp>
+      <p:sp>
+        <p:nvSpPr>
+          <p:cNvPr id="6" name="TextBox 5"/>
+          <p:cNvSpPr txBox="1"/>
+          <p:nvPr/>
+        </p:nvSpPr>
+        <p:spPr>
+          <a:xfrm>
+            <a:off x="533400" y="2205573"/>
+            <a:ext cx="3848099" cy="2985433"/>
+          </a:xfrm>
+          <a:prstGeom prst="rect">
+            <a:avLst/>
+          </a:prstGeom>
+          <a:noFill/>
+        </p:spPr>
+        <p:txBody>
+          <a:bodyPr wrap="square" rtlCol="0">
+            <a:spAutoFit/>
+          </a:bodyPr>
+          <a:lstStyle/>
+          <a:p>
+            <a:pPr algn="ctr"/>
+            <a:r>
+              <a:rPr lang="en-US" sz="2400" b="1" dirty="0" smtClean="0"/>
+              <a:t>Coordinate Search</a:t>
+            </a:r>
+          </a:p>
+          <a:p>
+            <a:pPr marL="342900" indent="-342900">
+              <a:buFont typeface="Arial" panose="020B0604020202020204" pitchFamily="34" charset="0"/>
+              <a:buChar char="•"/>
+            </a:pPr>
+            <a:r>
+              <a:rPr lang="en-US" sz="2400" dirty="0" smtClean="0"/>
+              <a:t>non gradient-based</a:t>
+            </a:r>
+          </a:p>
+          <a:p>
+            <a:pPr marL="342900" indent="-342900">
+              <a:buFont typeface="Arial" panose="020B0604020202020204" pitchFamily="34" charset="0"/>
+              <a:buChar char="•"/>
+            </a:pPr>
+            <a:r>
+              <a:rPr lang="en-US" sz="2400" dirty="0"/>
+              <a:t>m</a:t>
+            </a:r>
+            <a:r>
+              <a:rPr lang="en-US" sz="2400" dirty="0" smtClean="0"/>
+              <a:t>ulti-dimensional steepest descent</a:t>
+            </a:r>
+          </a:p>
+          <a:p>
+            <a:pPr marL="342900" indent="-342900">
+              <a:buFont typeface="Arial" panose="020B0604020202020204" pitchFamily="34" charset="0"/>
+              <a:buChar char="•"/>
+            </a:pPr>
+            <a:r>
+              <a:rPr lang="en-US" sz="2400" dirty="0" smtClean="0"/>
+              <a:t>local minimum susceptible</a:t>
+            </a:r>
+          </a:p>
+          <a:p>
+            <a:endParaRPr lang="en-US" sz="2400" dirty="0" smtClean="0"/>
+          </a:p>
+          <a:p>
+            <a:pPr marL="342900" indent="-342900">
+              <a:buFont typeface="Arial" panose="020B0604020202020204" pitchFamily="34" charset="0"/>
+              <a:buChar char="•"/>
+            </a:pPr>
+            <a:endParaRPr lang="en-US" sz="2400" dirty="0" smtClean="0"/>
+          </a:p>
+          <a:p>
+            <a:pPr lvl="1"/>
+            <a:endParaRPr lang="en-US" sz="2000" dirty="0" smtClean="0"/>
+          </a:p>
+        </p:txBody>
+      </p:sp>
+      <p:sp>
+        <p:nvSpPr>
+          <p:cNvPr id="7" name="Rectangle 6"/>
+          <p:cNvSpPr/>
+          <p:nvPr/>
+        </p:nvSpPr>
+        <p:spPr>
+          <a:xfrm>
+            <a:off x="483269" y="2133600"/>
+            <a:ext cx="3974430" cy="4191000"/>
+          </a:xfrm>
+          <a:prstGeom prst="rect">
+            <a:avLst/>
+          </a:prstGeom>
+          <a:noFill/>
+          <a:ln>
+            <a:solidFill>
+              <a:srgbClr val="C00000"/>
+            </a:solidFill>
+          </a:ln>
+        </p:spPr>
+        <p:style>
+          <a:lnRef idx="2">
+            <a:schemeClr val="accent1">
+              <a:shade val="50000"/>
+            </a:schemeClr>
+          </a:lnRef>
+          <a:fillRef idx="1">
+            <a:schemeClr val="accent1"/>
+          </a:fillRef>
+          <a:effectRef idx="0">
+            <a:schemeClr val="accent1"/>
+          </a:effectRef>
+          <a:fontRef idx="minor">
+            <a:schemeClr val="lt1"/>
+          </a:fontRef>
+        </p:style>
+        <p:txBody>
+          <a:bodyPr rtlCol="0" anchor="ctr"/>
+          <a:lstStyle/>
+          <a:p>
+            <a:pPr algn="ctr"/>
+            <a:endParaRPr lang="en-US"/>
+          </a:p>
+        </p:txBody>
+      </p:sp>
+      <p:sp>
+        <p:nvSpPr>
+          <p:cNvPr id="8" name="Rectangle 7"/>
+          <p:cNvSpPr/>
+          <p:nvPr/>
+        </p:nvSpPr>
+        <p:spPr>
+          <a:xfrm>
+            <a:off x="4712370" y="2133600"/>
+            <a:ext cx="3974430" cy="4191000"/>
+          </a:xfrm>
+          <a:prstGeom prst="rect">
+            <a:avLst/>
+          </a:prstGeom>
+          <a:noFill/>
+          <a:ln>
+            <a:solidFill>
+              <a:srgbClr val="C00000"/>
+            </a:solidFill>
+          </a:ln>
+        </p:spPr>
+        <p:style>
+          <a:lnRef idx="2">
+            <a:schemeClr val="accent1">
+              <a:shade val="50000"/>
+            </a:schemeClr>
+          </a:lnRef>
+          <a:fillRef idx="1">
+            <a:schemeClr val="accent1"/>
+          </a:fillRef>
+          <a:effectRef idx="0">
+            <a:schemeClr val="accent1"/>
+          </a:effectRef>
+          <a:fontRef idx="minor">
+            <a:schemeClr val="lt1"/>
+          </a:fontRef>
+        </p:style>
+        <p:txBody>
+          <a:bodyPr rtlCol="0" anchor="ctr"/>
+          <a:lstStyle/>
+          <a:p>
+            <a:pPr algn="ctr"/>
+            <a:endParaRPr lang="en-US"/>
+          </a:p>
+        </p:txBody>
+      </p:sp>
+      <p:sp>
+        <p:nvSpPr>
+          <p:cNvPr id="9" name="TextBox 8"/>
+          <p:cNvSpPr txBox="1"/>
+          <p:nvPr/>
+        </p:nvSpPr>
+        <p:spPr>
+          <a:xfrm>
+            <a:off x="4775535" y="2189095"/>
+            <a:ext cx="3848099" cy="2985433"/>
+          </a:xfrm>
+          <a:prstGeom prst="rect">
+            <a:avLst/>
+          </a:prstGeom>
+          <a:noFill/>
+        </p:spPr>
+        <p:txBody>
+          <a:bodyPr wrap="square" rtlCol="0">
+            <a:spAutoFit/>
+          </a:bodyPr>
+          <a:lstStyle/>
+          <a:p>
+            <a:pPr algn="ctr"/>
+            <a:r>
+              <a:rPr lang="en-US" sz="2400" b="1" dirty="0" smtClean="0"/>
+              <a:t>Genetic Algorithm</a:t>
+            </a:r>
+          </a:p>
+          <a:p>
+            <a:pPr marL="342900" indent="-342900">
+              <a:buFont typeface="Arial" panose="020B0604020202020204" pitchFamily="34" charset="0"/>
+              <a:buChar char="•"/>
+            </a:pPr>
+            <a:r>
+              <a:rPr lang="en-US" sz="2400" dirty="0" smtClean="0"/>
+              <a:t>full design space coverage</a:t>
+            </a:r>
+          </a:p>
+          <a:p>
+            <a:pPr marL="342900" indent="-342900">
+              <a:buFont typeface="Arial" panose="020B0604020202020204" pitchFamily="34" charset="0"/>
+              <a:buChar char="•"/>
+            </a:pPr>
+            <a:r>
+              <a:rPr lang="en-US" sz="2400" dirty="0"/>
+              <a:t>u</a:t>
+            </a:r>
+            <a:r>
+              <a:rPr lang="en-US" sz="2400" dirty="0" smtClean="0"/>
+              <a:t>nlikely to converge on local minimum</a:t>
+            </a:r>
+          </a:p>
+          <a:p>
+            <a:pPr marL="342900" indent="-342900">
+              <a:buFont typeface="Arial" panose="020B0604020202020204" pitchFamily="34" charset="0"/>
+              <a:buChar char="•"/>
+            </a:pPr>
+            <a:r>
+              <a:rPr lang="en-US" sz="2400" dirty="0" smtClean="0"/>
+              <a:t>computationally intensive</a:t>
+            </a:r>
+          </a:p>
+          <a:p>
+            <a:endParaRPr lang="en-US" sz="2400" dirty="0" smtClean="0"/>
+          </a:p>
+          <a:p>
+            <a:pPr marL="342900" indent="-342900">
+              <a:buFont typeface="Arial" panose="020B0604020202020204" pitchFamily="34" charset="0"/>
+              <a:buChar char="•"/>
+            </a:pPr>
+            <a:endParaRPr lang="en-US" sz="2400" dirty="0" smtClean="0"/>
+          </a:p>
+          <a:p>
+            <a:pPr lvl="1"/>
+            <a:endParaRPr lang="en-US" sz="2000" dirty="0" smtClean="0"/>
+          </a:p>
+        </p:txBody>
+      </p:sp>
+      <p:sp>
+        <p:nvSpPr>
+          <p:cNvPr id="10" name="TextBox 9"/>
+          <p:cNvSpPr txBox="1"/>
+          <p:nvPr/>
+        </p:nvSpPr>
+        <p:spPr>
+          <a:xfrm>
+            <a:off x="2999873" y="6036618"/>
+            <a:ext cx="1630681" cy="230832"/>
+          </a:xfrm>
+          <a:prstGeom prst="rect">
+            <a:avLst/>
+          </a:prstGeom>
+          <a:noFill/>
+        </p:spPr>
+        <p:txBody>
+          <a:bodyPr wrap="square" rtlCol="0">
+            <a:spAutoFit/>
+          </a:bodyPr>
+          <a:lstStyle/>
+          <a:p>
+            <a:pPr algn="ctr"/>
+            <a:r>
+              <a:rPr lang="en-US" sz="900" dirty="0" smtClean="0">
+                <a:solidFill>
+                  <a:schemeClr val="bg1">
+                    <a:lumMod val="50000"/>
+                  </a:schemeClr>
+                </a:solidFill>
+              </a:rPr>
+              <a:t>www.holehouse.org</a:t>
+            </a:r>
+          </a:p>
+        </p:txBody>
+      </p:sp>
+      <p:pic>
+        <p:nvPicPr>
+          <p:cNvPr id="3075" name="Picture 3"/>
+          <p:cNvPicPr>
+            <a:picLocks noChangeAspect="1" noChangeArrowheads="1"/>
+          </p:cNvPicPr>
+          <p:nvPr/>
+        </p:nvPicPr>
+        <p:blipFill rotWithShape="1">
+          <a:blip r:embed="rId4" cstate="print">
+            <a:extLst>
+              <a:ext uri="{28A0092B-C50C-407E-A947-70E740481C1C}">
+                <a14:useLocalDpi xmlns:a14="http://schemas.microsoft.com/office/drawing/2010/main" val="0"/>
+              </a:ext>
+            </a:extLst>
+          </a:blip>
+          <a:srcRect l="3582" t="2878" r="4295" b="15164"/>
+          <a:stretch/>
+        </p:blipFill>
+        <p:spPr bwMode="auto">
+          <a:xfrm>
+            <a:off x="5341849" y="4095750"/>
+            <a:ext cx="2910195" cy="2152650"/>
+          </a:xfrm>
+          <a:prstGeom prst="rect">
+            <a:avLst/>
+          </a:prstGeom>
+          <a:noFill/>
+          <a:ln>
+            <a:noFill/>
+          </a:ln>
+          <a:extLst>
+            <a:ext uri="{909E8E84-426E-40DD-AFC4-6F175D3DCCD1}">
+              <a14:hiddenFill xmlns:a14="http://schemas.microsoft.com/office/drawing/2010/main">
+                <a:solidFill>
+                  <a:schemeClr val="accent1"/>
+                </a:solidFill>
+              </a14:hiddenFill>
+            </a:ext>
+            <a:ext uri="{91240B29-F687-4F45-9708-019B960494DF}">
+              <a14:hiddenLine xmlns:a14="http://schemas.microsoft.com/office/drawing/2010/main" w="9525">
+                <a:solidFill>
+                  <a:schemeClr val="tx1"/>
+                </a:solidFill>
+                <a:miter lim="800000"/>
+                <a:headEnd/>
+                <a:tailEnd/>
+              </a14:hiddenLine>
+            </a:ext>
+          </a:extLst>
+        </p:spPr>
+      </p:pic>
+      <p:sp>
+        <p:nvSpPr>
+          <p:cNvPr id="12" name="TextBox 11"/>
+          <p:cNvSpPr txBox="1"/>
+          <p:nvPr/>
+        </p:nvSpPr>
+        <p:spPr>
+          <a:xfrm>
+            <a:off x="7284719" y="6093768"/>
+            <a:ext cx="1630681" cy="230832"/>
+          </a:xfrm>
+          <a:prstGeom prst="rect">
+            <a:avLst/>
+          </a:prstGeom>
+          <a:noFill/>
+        </p:spPr>
+        <p:txBody>
+          <a:bodyPr wrap="square" rtlCol="0">
+            <a:spAutoFit/>
+          </a:bodyPr>
+          <a:lstStyle/>
+          <a:p>
+            <a:pPr algn="ctr"/>
+            <a:r>
+              <a:rPr lang="en-US" sz="900" dirty="0" smtClean="0">
+                <a:solidFill>
+                  <a:schemeClr val="bg1">
+                    <a:lumMod val="50000"/>
+                  </a:schemeClr>
+                </a:solidFill>
+              </a:rPr>
+              <a:t>www.ewh.ieee.org</a:t>
+            </a:r>
+          </a:p>
+        </p:txBody>
+      </p:sp>
+    </p:spTree>
+    <p:extLst>
+      <p:ext uri="{BB962C8B-B14F-4D97-AF65-F5344CB8AC3E}">
+        <p14:creationId xmlns:p14="http://schemas.microsoft.com/office/powerpoint/2010/main" val="1404889025"/>
+      </p:ext>
+    </p:extLst>
+  </p:cSld>
+  <p:clrMapOvr>
+    <a:masterClrMapping/>
+  </p:clrMapOvr>
+  <p:timing>
+    <p:tnLst>
+      <p:par>
+        <p:cTn id="1" dur="indefinite" restart="never" nodeType="tmRoot"/>
+      </p:par>
+    </p:tnLst>
+  </p:timing>
+</p:sld>
+</file>
+
+<file path=ppt/slides/slide15.xml><?xml version="1.0" encoding="utf-8"?>
+<p:sld xmlns:a="http://schemas.openxmlformats.org/drawingml/2006/main" xmlns:r="http://schemas.openxmlformats.org/officeDocument/2006/relationships" xmlns:p="http://schemas.openxmlformats.org/presentationml/2006/main">
+  <p:cSld>
+    <p:spTree>
+      <p:nvGrpSpPr>
+        <p:cNvPr id="1" name=""/>
+        <p:cNvGrpSpPr/>
+        <p:nvPr/>
+      </p:nvGrpSpPr>
+      <p:grpSpPr>
+        <a:xfrm>
+          <a:off x="0" y="0"/>
+          <a:ext cx="0" cy="0"/>
+          <a:chOff x="0" y="0"/>
+          <a:chExt cx="0" cy="0"/>
+        </a:xfrm>
+      </p:grpSpPr>
+      <p:sp>
+        <p:nvSpPr>
+          <p:cNvPr id="2" name="Title 1"/>
+          <p:cNvSpPr>
+            <a:spLocks noGrp="1"/>
+          </p:cNvSpPr>
+          <p:nvPr>
+            <p:ph type="title"/>
+          </p:nvPr>
+        </p:nvSpPr>
+        <p:spPr>
+          <a:xfrm>
+            <a:off x="3124200" y="0"/>
+            <a:ext cx="6019800" cy="838200"/>
+          </a:xfrm>
+        </p:spPr>
+        <p:txBody>
+          <a:bodyPr/>
+          <a:lstStyle/>
+          <a:p>
+            <a:r>
+              <a:rPr lang="en-US" dirty="0" smtClean="0"/>
+              <a:t>Single Objective Optimization</a:t>
+            </a:r>
+            <a:br>
+              <a:rPr lang="en-US" dirty="0" smtClean="0"/>
+            </a:br>
+            <a:r>
+              <a:rPr lang="en-US" dirty="0" smtClean="0"/>
+              <a:t>Coordinate Search</a:t>
+            </a:r>
+            <a:endParaRPr lang="en-US" dirty="0"/>
+          </a:p>
+        </p:txBody>
+      </p:sp>
+      <p:sp>
+        <p:nvSpPr>
+          <p:cNvPr id="4" name="Slide Number Placeholder 3"/>
+          <p:cNvSpPr>
+            <a:spLocks noGrp="1"/>
+          </p:cNvSpPr>
+          <p:nvPr>
+            <p:ph type="sldNum" sz="quarter" idx="12"/>
+          </p:nvPr>
+        </p:nvSpPr>
+        <p:spPr/>
+        <p:txBody>
+          <a:bodyPr/>
+          <a:lstStyle/>
+          <a:p>
+            <a:pPr>
+              <a:defRPr/>
+            </a:pPr>
+            <a:fld id="{6E3317FF-6423-48BB-8CF6-A5183FB2D75B}" type="slidenum">
+              <a:rPr lang="en-US" smtClean="0">
+                <a:solidFill>
+                  <a:prstClr val="black">
+                    <a:tint val="75000"/>
+                  </a:prstClr>
+                </a:solidFill>
+              </a:rPr>
+              <a:pPr>
+                <a:defRPr/>
+              </a:pPr>
+              <a:t>15</a:t>
+            </a:fld>
+            <a:endParaRPr lang="en-US" dirty="0">
+              <a:solidFill>
+                <a:prstClr val="black">
+                  <a:tint val="75000"/>
+                </a:prstClr>
+              </a:solidFill>
+            </a:endParaRPr>
+          </a:p>
+        </p:txBody>
+      </p:sp>
+      <p:sp>
+        <p:nvSpPr>
+          <p:cNvPr id="5" name="TextBox 4"/>
+          <p:cNvSpPr txBox="1"/>
+          <p:nvPr/>
+        </p:nvSpPr>
+        <p:spPr>
+          <a:xfrm>
+            <a:off x="457200" y="1066800"/>
+            <a:ext cx="8382000" cy="1508105"/>
+          </a:xfrm>
+          <a:prstGeom prst="rect">
+            <a:avLst/>
+          </a:prstGeom>
+          <a:noFill/>
+        </p:spPr>
+        <p:txBody>
+          <a:bodyPr wrap="square" rtlCol="0">
+            <a:spAutoFit/>
+          </a:bodyPr>
+          <a:lstStyle/>
+          <a:p>
+            <a:r>
+              <a:rPr lang="en-US" sz="2400" dirty="0" smtClean="0"/>
+              <a:t>The efficiency of the coordinate search was maximized by “smoothing” the design space, or removing local minima</a:t>
+            </a:r>
+          </a:p>
+          <a:p>
+            <a:pPr marL="342900" indent="-342900">
+              <a:buFont typeface="Arial" panose="020B0604020202020204" pitchFamily="34" charset="0"/>
+              <a:buChar char="•"/>
+            </a:pPr>
+            <a:endParaRPr lang="en-US" sz="2400" dirty="0" smtClean="0"/>
+          </a:p>
+          <a:p>
+            <a:pPr lvl="1"/>
+            <a:endParaRPr lang="en-US" sz="2000" dirty="0" smtClean="0"/>
+          </a:p>
+        </p:txBody>
+      </p:sp>
+      <p:pic>
+        <p:nvPicPr>
+          <p:cNvPr id="4101" name="Picture 5"/>
+          <p:cNvPicPr>
+            <a:picLocks noChangeAspect="1" noChangeArrowheads="1"/>
+          </p:cNvPicPr>
+          <p:nvPr/>
+        </p:nvPicPr>
+        <p:blipFill rotWithShape="1">
+          <a:blip r:embed="rId3" cstate="print">
+            <a:extLst>
+              <a:ext uri="{28A0092B-C50C-407E-A947-70E740481C1C}">
+                <a14:useLocalDpi xmlns:a14="http://schemas.microsoft.com/office/drawing/2010/main" val="0"/>
+              </a:ext>
+            </a:extLst>
+          </a:blip>
+          <a:srcRect/>
+          <a:stretch/>
+        </p:blipFill>
+        <p:spPr bwMode="auto">
+          <a:xfrm>
+            <a:off x="457200" y="1981200"/>
+            <a:ext cx="8248515" cy="4294472"/>
+          </a:xfrm>
+          <a:prstGeom prst="rect">
+            <a:avLst/>
+          </a:prstGeom>
+          <a:noFill/>
+          <a:ln>
+            <a:noFill/>
+          </a:ln>
+          <a:extLst>
+            <a:ext uri="{909E8E84-426E-40DD-AFC4-6F175D3DCCD1}">
+              <a14:hiddenFill xmlns:a14="http://schemas.microsoft.com/office/drawing/2010/main">
+                <a:solidFill>
+                  <a:schemeClr val="accent1"/>
+                </a:solidFill>
+              </a14:hiddenFill>
+            </a:ext>
+            <a:ext uri="{91240B29-F687-4F45-9708-019B960494DF}">
+              <a14:hiddenLine xmlns:a14="http://schemas.microsoft.com/office/drawing/2010/main" w="9525">
+                <a:solidFill>
+                  <a:schemeClr val="tx1"/>
+                </a:solidFill>
+                <a:miter lim="800000"/>
+                <a:headEnd/>
+                <a:tailEnd/>
+              </a14:hiddenLine>
+            </a:ext>
+          </a:extLst>
+        </p:spPr>
+      </p:pic>
+      <p:sp>
+        <p:nvSpPr>
+          <p:cNvPr id="14" name="Flowchart: Connector 13"/>
+          <p:cNvSpPr/>
+          <p:nvPr/>
+        </p:nvSpPr>
+        <p:spPr>
+          <a:xfrm>
+            <a:off x="838200" y="3962400"/>
+            <a:ext cx="228600" cy="228600"/>
+          </a:xfrm>
+          <a:prstGeom prst="flowChartConnector">
+            <a:avLst/>
+          </a:prstGeom>
+          <a:solidFill>
+            <a:srgbClr val="C00000"/>
+          </a:solidFill>
+          <a:ln>
+            <a:noFill/>
+          </a:ln>
+        </p:spPr>
+        <p:style>
+          <a:lnRef idx="2">
+            <a:schemeClr val="accent1">
+              <a:shade val="50000"/>
+            </a:schemeClr>
+          </a:lnRef>
+          <a:fillRef idx="1">
+            <a:schemeClr val="accent1"/>
+          </a:fillRef>
+          <a:effectRef idx="0">
+            <a:schemeClr val="accent1"/>
+          </a:effectRef>
+          <a:fontRef idx="minor">
+            <a:schemeClr val="lt1"/>
+          </a:fontRef>
+        </p:style>
+        <p:txBody>
+          <a:bodyPr rtlCol="0" anchor="ctr"/>
+          <a:lstStyle/>
+          <a:p>
+            <a:pPr algn="ctr"/>
+            <a:endParaRPr lang="en-US"/>
+          </a:p>
+        </p:txBody>
+      </p:sp>
+      <p:cxnSp>
+        <p:nvCxnSpPr>
+          <p:cNvPr id="16" name="Straight Arrow Connector 15"/>
+          <p:cNvCxnSpPr>
+            <a:stCxn id="14" idx="0"/>
+          </p:cNvCxnSpPr>
+          <p:nvPr/>
+        </p:nvCxnSpPr>
+        <p:spPr>
+          <a:xfrm flipV="1">
+            <a:off x="952500" y="2971800"/>
+            <a:ext cx="0" cy="990600"/>
+          </a:xfrm>
+          <a:prstGeom prst="straightConnector1">
+            <a:avLst/>
+          </a:prstGeom>
+          <a:ln w="34925">
+            <a:solidFill>
+              <a:srgbClr val="C00000"/>
+            </a:solidFill>
+            <a:tailEnd type="arrow"/>
+          </a:ln>
+        </p:spPr>
+        <p:style>
+          <a:lnRef idx="1">
+            <a:schemeClr val="accent1"/>
+          </a:lnRef>
+          <a:fillRef idx="0">
+            <a:schemeClr val="accent1"/>
+          </a:fillRef>
+          <a:effectRef idx="0">
+            <a:schemeClr val="accent1"/>
+          </a:effectRef>
+          <a:fontRef idx="minor">
+            <a:schemeClr val="tx1"/>
+          </a:fontRef>
+        </p:style>
+      </p:cxnSp>
+      <p:sp>
+        <p:nvSpPr>
+          <p:cNvPr id="24" name="Flowchart: Connector 23"/>
+          <p:cNvSpPr/>
+          <p:nvPr/>
+        </p:nvSpPr>
+        <p:spPr>
+          <a:xfrm>
+            <a:off x="1905000" y="2891426"/>
+            <a:ext cx="228600" cy="228600"/>
+          </a:xfrm>
+          <a:prstGeom prst="flowChartConnector">
+            <a:avLst/>
+          </a:prstGeom>
+          <a:solidFill>
+            <a:srgbClr val="C00000"/>
+          </a:solidFill>
+          <a:ln>
+            <a:noFill/>
+          </a:ln>
+        </p:spPr>
+        <p:style>
+          <a:lnRef idx="2">
+            <a:schemeClr val="accent1">
+              <a:shade val="50000"/>
+            </a:schemeClr>
+          </a:lnRef>
+          <a:fillRef idx="1">
+            <a:schemeClr val="accent1"/>
+          </a:fillRef>
+          <a:effectRef idx="0">
+            <a:schemeClr val="accent1"/>
+          </a:effectRef>
+          <a:fontRef idx="minor">
+            <a:schemeClr val="lt1"/>
+          </a:fontRef>
+        </p:style>
+        <p:txBody>
+          <a:bodyPr rtlCol="0" anchor="ctr"/>
+          <a:lstStyle/>
+          <a:p>
+            <a:pPr algn="ctr"/>
+            <a:endParaRPr lang="en-US"/>
+          </a:p>
+        </p:txBody>
+      </p:sp>
+      <p:sp>
+        <p:nvSpPr>
+          <p:cNvPr id="26" name="Flowchart: Connector 25"/>
+          <p:cNvSpPr/>
+          <p:nvPr/>
+        </p:nvSpPr>
+        <p:spPr>
+          <a:xfrm>
+            <a:off x="3048000" y="5991326"/>
+            <a:ext cx="228600" cy="228600"/>
+          </a:xfrm>
+          <a:prstGeom prst="flowChartConnector">
+            <a:avLst/>
+          </a:prstGeom>
+          <a:solidFill>
+            <a:srgbClr val="C00000"/>
+          </a:solidFill>
+          <a:ln>
+            <a:noFill/>
+          </a:ln>
+        </p:spPr>
+        <p:style>
+          <a:lnRef idx="2">
+            <a:schemeClr val="accent1">
+              <a:shade val="50000"/>
+            </a:schemeClr>
+          </a:lnRef>
+          <a:fillRef idx="1">
+            <a:schemeClr val="accent1"/>
+          </a:fillRef>
+          <a:effectRef idx="0">
+            <a:schemeClr val="accent1"/>
+          </a:effectRef>
+          <a:fontRef idx="minor">
+            <a:schemeClr val="lt1"/>
+          </a:fontRef>
+        </p:style>
+        <p:txBody>
+          <a:bodyPr rtlCol="0" anchor="ctr"/>
+          <a:lstStyle/>
+          <a:p>
+            <a:pPr algn="ctr"/>
+            <a:endParaRPr lang="en-US"/>
+          </a:p>
+        </p:txBody>
+      </p:sp>
+      <p:cxnSp>
+        <p:nvCxnSpPr>
+          <p:cNvPr id="27" name="Straight Arrow Connector 26"/>
+          <p:cNvCxnSpPr>
+            <a:stCxn id="26" idx="0"/>
+          </p:cNvCxnSpPr>
+          <p:nvPr/>
+        </p:nvCxnSpPr>
+        <p:spPr>
+          <a:xfrm flipV="1">
+            <a:off x="3162300" y="2652710"/>
+            <a:ext cx="0" cy="3338616"/>
+          </a:xfrm>
+          <a:prstGeom prst="straightConnector1">
+            <a:avLst/>
+          </a:prstGeom>
+          <a:ln w="34925">
+            <a:solidFill>
+              <a:srgbClr val="C00000"/>
+            </a:solidFill>
+            <a:tailEnd type="arrow"/>
+          </a:ln>
+        </p:spPr>
+        <p:style>
+          <a:lnRef idx="1">
+            <a:schemeClr val="accent1"/>
+          </a:lnRef>
+          <a:fillRef idx="0">
+            <a:schemeClr val="accent1"/>
+          </a:fillRef>
+          <a:effectRef idx="0">
+            <a:schemeClr val="accent1"/>
+          </a:effectRef>
+          <a:fontRef idx="minor">
+            <a:schemeClr val="tx1"/>
+          </a:fontRef>
+        </p:style>
+      </p:cxnSp>
+      <p:sp>
+        <p:nvSpPr>
+          <p:cNvPr id="28" name="Flowchart: Connector 27"/>
+          <p:cNvSpPr/>
+          <p:nvPr/>
+        </p:nvSpPr>
+        <p:spPr>
+          <a:xfrm>
+            <a:off x="3810000" y="3981651"/>
+            <a:ext cx="228600" cy="228600"/>
+          </a:xfrm>
+          <a:prstGeom prst="flowChartConnector">
+            <a:avLst/>
+          </a:prstGeom>
+          <a:solidFill>
+            <a:srgbClr val="C00000"/>
+          </a:solidFill>
+          <a:ln>
+            <a:noFill/>
+          </a:ln>
+        </p:spPr>
+        <p:style>
+          <a:lnRef idx="2">
+            <a:schemeClr val="accent1">
+              <a:shade val="50000"/>
+            </a:schemeClr>
+          </a:lnRef>
+          <a:fillRef idx="1">
+            <a:schemeClr val="accent1"/>
+          </a:fillRef>
+          <a:effectRef idx="0">
+            <a:schemeClr val="accent1"/>
+          </a:effectRef>
+          <a:fontRef idx="minor">
+            <a:schemeClr val="lt1"/>
+          </a:fontRef>
+        </p:style>
+        <p:txBody>
+          <a:bodyPr rtlCol="0" anchor="ctr"/>
+          <a:lstStyle/>
+          <a:p>
+            <a:pPr algn="ctr"/>
+            <a:endParaRPr lang="en-US"/>
+          </a:p>
+        </p:txBody>
+      </p:sp>
+      <p:cxnSp>
+        <p:nvCxnSpPr>
+          <p:cNvPr id="29" name="Straight Arrow Connector 28"/>
+          <p:cNvCxnSpPr>
+            <a:stCxn id="28" idx="0"/>
+          </p:cNvCxnSpPr>
+          <p:nvPr/>
+        </p:nvCxnSpPr>
+        <p:spPr>
+          <a:xfrm flipV="1">
+            <a:off x="3924300" y="2606115"/>
+            <a:ext cx="0" cy="1375536"/>
+          </a:xfrm>
+          <a:prstGeom prst="straightConnector1">
+            <a:avLst/>
+          </a:prstGeom>
+          <a:ln w="34925">
+            <a:solidFill>
+              <a:srgbClr val="C00000"/>
+            </a:solidFill>
+            <a:tailEnd type="arrow"/>
+          </a:ln>
+        </p:spPr>
+        <p:style>
+          <a:lnRef idx="1">
+            <a:schemeClr val="accent1"/>
+          </a:lnRef>
+          <a:fillRef idx="0">
+            <a:schemeClr val="accent1"/>
+          </a:fillRef>
+          <a:effectRef idx="0">
+            <a:schemeClr val="accent1"/>
+          </a:effectRef>
+          <a:fontRef idx="minor">
+            <a:schemeClr val="tx1"/>
+          </a:fontRef>
+        </p:style>
+      </p:cxnSp>
+      <p:sp>
+        <p:nvSpPr>
+          <p:cNvPr id="30" name="Flowchart: Connector 29"/>
+          <p:cNvSpPr/>
+          <p:nvPr/>
+        </p:nvSpPr>
+        <p:spPr>
+          <a:xfrm>
+            <a:off x="4533900" y="3246521"/>
+            <a:ext cx="228600" cy="228600"/>
+          </a:xfrm>
+          <a:prstGeom prst="flowChartConnector">
+            <a:avLst/>
+          </a:prstGeom>
+          <a:solidFill>
+            <a:srgbClr val="C00000"/>
+          </a:solidFill>
+          <a:ln>
+            <a:noFill/>
+          </a:ln>
+        </p:spPr>
+        <p:style>
+          <a:lnRef idx="2">
+            <a:schemeClr val="accent1">
+              <a:shade val="50000"/>
+            </a:schemeClr>
+          </a:lnRef>
+          <a:fillRef idx="1">
+            <a:schemeClr val="accent1"/>
+          </a:fillRef>
+          <a:effectRef idx="0">
+            <a:schemeClr val="accent1"/>
+          </a:effectRef>
+          <a:fontRef idx="minor">
+            <a:schemeClr val="lt1"/>
+          </a:fontRef>
+        </p:style>
+        <p:txBody>
+          <a:bodyPr rtlCol="0" anchor="ctr"/>
+          <a:lstStyle/>
+          <a:p>
+            <a:pPr algn="ctr"/>
+            <a:endParaRPr lang="en-US"/>
+          </a:p>
+        </p:txBody>
+      </p:sp>
+      <p:cxnSp>
+        <p:nvCxnSpPr>
+          <p:cNvPr id="31" name="Straight Arrow Connector 30"/>
+          <p:cNvCxnSpPr>
+            <a:stCxn id="30" idx="0"/>
+          </p:cNvCxnSpPr>
+          <p:nvPr/>
+        </p:nvCxnSpPr>
+        <p:spPr>
+          <a:xfrm flipV="1">
+            <a:off x="4648200" y="2606115"/>
+            <a:ext cx="0" cy="640406"/>
+          </a:xfrm>
+          <a:prstGeom prst="straightConnector1">
+            <a:avLst/>
+          </a:prstGeom>
+          <a:ln w="34925">
+            <a:solidFill>
+              <a:srgbClr val="C00000"/>
+            </a:solidFill>
+            <a:tailEnd type="arrow"/>
+          </a:ln>
+        </p:spPr>
+        <p:style>
+          <a:lnRef idx="1">
+            <a:schemeClr val="accent1"/>
+          </a:lnRef>
+          <a:fillRef idx="0">
+            <a:schemeClr val="accent1"/>
+          </a:fillRef>
+          <a:effectRef idx="0">
+            <a:schemeClr val="accent1"/>
+          </a:effectRef>
+          <a:fontRef idx="minor">
+            <a:schemeClr val="tx1"/>
+          </a:fontRef>
+        </p:style>
+      </p:cxnSp>
+      <p:sp>
+        <p:nvSpPr>
+          <p:cNvPr id="32" name="Flowchart: Connector 31"/>
+          <p:cNvSpPr/>
+          <p:nvPr/>
+        </p:nvSpPr>
+        <p:spPr>
+          <a:xfrm>
+            <a:off x="5334000" y="2491814"/>
+            <a:ext cx="228600" cy="228600"/>
+          </a:xfrm>
+          <a:prstGeom prst="flowChartConnector">
+            <a:avLst/>
+          </a:prstGeom>
+          <a:solidFill>
+            <a:srgbClr val="C00000"/>
+          </a:solidFill>
+          <a:ln>
+            <a:noFill/>
+          </a:ln>
+        </p:spPr>
+        <p:style>
+          <a:lnRef idx="2">
+            <a:schemeClr val="accent1">
+              <a:shade val="50000"/>
+            </a:schemeClr>
+          </a:lnRef>
+          <a:fillRef idx="1">
+            <a:schemeClr val="accent1"/>
+          </a:fillRef>
+          <a:effectRef idx="0">
+            <a:schemeClr val="accent1"/>
+          </a:effectRef>
+          <a:fontRef idx="minor">
+            <a:schemeClr val="lt1"/>
+          </a:fontRef>
+        </p:style>
+        <p:txBody>
+          <a:bodyPr rtlCol="0" anchor="ctr"/>
+          <a:lstStyle/>
+          <a:p>
+            <a:pPr algn="ctr"/>
+            <a:endParaRPr lang="en-US"/>
+          </a:p>
+        </p:txBody>
+      </p:sp>
+      <p:cxnSp>
+        <p:nvCxnSpPr>
+          <p:cNvPr id="33" name="Straight Arrow Connector 32"/>
+          <p:cNvCxnSpPr>
+            <a:stCxn id="32" idx="0"/>
+          </p:cNvCxnSpPr>
+          <p:nvPr/>
+        </p:nvCxnSpPr>
+        <p:spPr>
+          <a:xfrm>
+            <a:off x="5448300" y="2491814"/>
+            <a:ext cx="0" cy="860986"/>
+          </a:xfrm>
+          <a:prstGeom prst="straightConnector1">
+            <a:avLst/>
+          </a:prstGeom>
+          <a:ln w="34925">
+            <a:solidFill>
+              <a:srgbClr val="C00000"/>
+            </a:solidFill>
+            <a:tailEnd type="arrow"/>
+          </a:ln>
+        </p:spPr>
+        <p:style>
+          <a:lnRef idx="1">
+            <a:schemeClr val="accent1"/>
+          </a:lnRef>
+          <a:fillRef idx="0">
+            <a:schemeClr val="accent1"/>
+          </a:fillRef>
+          <a:effectRef idx="0">
+            <a:schemeClr val="accent1"/>
+          </a:effectRef>
+          <a:fontRef idx="minor">
+            <a:schemeClr val="tx1"/>
+          </a:fontRef>
+        </p:style>
+      </p:cxnSp>
+      <p:sp>
+        <p:nvSpPr>
+          <p:cNvPr id="34" name="Flowchart: Connector 33"/>
+          <p:cNvSpPr/>
+          <p:nvPr/>
+        </p:nvSpPr>
+        <p:spPr>
+          <a:xfrm>
+            <a:off x="6172200" y="2522367"/>
+            <a:ext cx="228600" cy="228600"/>
+          </a:xfrm>
+          <a:prstGeom prst="flowChartConnector">
+            <a:avLst/>
+          </a:prstGeom>
+          <a:solidFill>
+            <a:srgbClr val="C00000"/>
+          </a:solidFill>
+          <a:ln>
+            <a:noFill/>
+          </a:ln>
+        </p:spPr>
+        <p:style>
+          <a:lnRef idx="2">
+            <a:schemeClr val="accent1">
+              <a:shade val="50000"/>
+            </a:schemeClr>
+          </a:lnRef>
+          <a:fillRef idx="1">
+            <a:schemeClr val="accent1"/>
+          </a:fillRef>
+          <a:effectRef idx="0">
+            <a:schemeClr val="accent1"/>
+          </a:effectRef>
+          <a:fontRef idx="minor">
+            <a:schemeClr val="lt1"/>
+          </a:fontRef>
+        </p:style>
+        <p:txBody>
+          <a:bodyPr rtlCol="0" anchor="ctr"/>
+          <a:lstStyle/>
+          <a:p>
+            <a:pPr algn="ctr"/>
+            <a:endParaRPr lang="en-US"/>
+          </a:p>
+        </p:txBody>
+      </p:sp>
+      <p:cxnSp>
+        <p:nvCxnSpPr>
+          <p:cNvPr id="35" name="Straight Arrow Connector 34"/>
+          <p:cNvCxnSpPr>
+            <a:stCxn id="34" idx="0"/>
+          </p:cNvCxnSpPr>
+          <p:nvPr/>
+        </p:nvCxnSpPr>
+        <p:spPr>
+          <a:xfrm>
+            <a:off x="6286500" y="2522367"/>
+            <a:ext cx="0" cy="830433"/>
+          </a:xfrm>
+          <a:prstGeom prst="straightConnector1">
+            <a:avLst/>
+          </a:prstGeom>
+          <a:ln w="34925">
+            <a:solidFill>
+              <a:srgbClr val="C00000"/>
+            </a:solidFill>
+            <a:tailEnd type="arrow"/>
+          </a:ln>
+        </p:spPr>
+        <p:style>
+          <a:lnRef idx="1">
+            <a:schemeClr val="accent1"/>
+          </a:lnRef>
+          <a:fillRef idx="0">
+            <a:schemeClr val="accent1"/>
+          </a:fillRef>
+          <a:effectRef idx="0">
+            <a:schemeClr val="accent1"/>
+          </a:effectRef>
+          <a:fontRef idx="minor">
+            <a:schemeClr val="tx1"/>
+          </a:fontRef>
+        </p:style>
+      </p:cxnSp>
+      <p:sp>
+        <p:nvSpPr>
+          <p:cNvPr id="36" name="Flowchart: Connector 35"/>
+          <p:cNvSpPr/>
+          <p:nvPr/>
+        </p:nvSpPr>
+        <p:spPr>
+          <a:xfrm>
+            <a:off x="7200900" y="2902418"/>
+            <a:ext cx="228600" cy="228600"/>
+          </a:xfrm>
+          <a:prstGeom prst="flowChartConnector">
+            <a:avLst/>
+          </a:prstGeom>
+          <a:solidFill>
+            <a:srgbClr val="C00000"/>
+          </a:solidFill>
+          <a:ln>
+            <a:noFill/>
+          </a:ln>
+        </p:spPr>
+        <p:style>
+          <a:lnRef idx="2">
+            <a:schemeClr val="accent1">
+              <a:shade val="50000"/>
+            </a:schemeClr>
+          </a:lnRef>
+          <a:fillRef idx="1">
+            <a:schemeClr val="accent1"/>
+          </a:fillRef>
+          <a:effectRef idx="0">
+            <a:schemeClr val="accent1"/>
+          </a:effectRef>
+          <a:fontRef idx="minor">
+            <a:schemeClr val="lt1"/>
+          </a:fontRef>
+        </p:style>
+        <p:txBody>
+          <a:bodyPr rtlCol="0" anchor="ctr"/>
+          <a:lstStyle/>
+          <a:p>
+            <a:pPr algn="ctr"/>
+            <a:endParaRPr lang="en-US"/>
+          </a:p>
+        </p:txBody>
+      </p:sp>
+      <p:cxnSp>
+        <p:nvCxnSpPr>
+          <p:cNvPr id="37" name="Straight Arrow Connector 36"/>
+          <p:cNvCxnSpPr>
+            <a:stCxn id="36" idx="0"/>
+          </p:cNvCxnSpPr>
+          <p:nvPr/>
+        </p:nvCxnSpPr>
+        <p:spPr>
+          <a:xfrm flipV="1">
+            <a:off x="7315200" y="2606114"/>
+            <a:ext cx="0" cy="296304"/>
+          </a:xfrm>
+          <a:prstGeom prst="straightConnector1">
+            <a:avLst/>
+          </a:prstGeom>
+          <a:ln w="34925">
+            <a:solidFill>
+              <a:srgbClr val="C00000"/>
+            </a:solidFill>
+            <a:tailEnd type="arrow"/>
+          </a:ln>
+        </p:spPr>
+        <p:style>
+          <a:lnRef idx="1">
+            <a:schemeClr val="accent1"/>
+          </a:lnRef>
+          <a:fillRef idx="0">
+            <a:schemeClr val="accent1"/>
+          </a:fillRef>
+          <a:effectRef idx="0">
+            <a:schemeClr val="accent1"/>
+          </a:effectRef>
+          <a:fontRef idx="minor">
+            <a:schemeClr val="tx1"/>
+          </a:fontRef>
+        </p:style>
+      </p:cxnSp>
+      <p:sp>
+        <p:nvSpPr>
+          <p:cNvPr id="38" name="Flowchart: Connector 37"/>
+          <p:cNvSpPr/>
+          <p:nvPr/>
+        </p:nvSpPr>
+        <p:spPr>
+          <a:xfrm>
+            <a:off x="8077200" y="2538409"/>
+            <a:ext cx="228600" cy="228600"/>
+          </a:xfrm>
+          <a:prstGeom prst="flowChartConnector">
+            <a:avLst/>
+          </a:prstGeom>
+          <a:solidFill>
+            <a:srgbClr val="C00000"/>
+          </a:solidFill>
+          <a:ln>
+            <a:noFill/>
+          </a:ln>
+        </p:spPr>
+        <p:style>
+          <a:lnRef idx="2">
+            <a:schemeClr val="accent1">
+              <a:shade val="50000"/>
+            </a:schemeClr>
+          </a:lnRef>
+          <a:fillRef idx="1">
+            <a:schemeClr val="accent1"/>
+          </a:fillRef>
+          <a:effectRef idx="0">
+            <a:schemeClr val="accent1"/>
+          </a:effectRef>
+          <a:fontRef idx="minor">
+            <a:schemeClr val="lt1"/>
+          </a:fontRef>
+        </p:style>
+        <p:txBody>
+          <a:bodyPr rtlCol="0" anchor="ctr"/>
+          <a:lstStyle/>
+          <a:p>
+            <a:pPr algn="ctr"/>
+            <a:endParaRPr lang="en-US"/>
+          </a:p>
+        </p:txBody>
+      </p:sp>
+      <p:cxnSp>
+        <p:nvCxnSpPr>
+          <p:cNvPr id="39" name="Straight Arrow Connector 38"/>
+          <p:cNvCxnSpPr>
+            <a:stCxn id="38" idx="0"/>
+          </p:cNvCxnSpPr>
+          <p:nvPr/>
+        </p:nvCxnSpPr>
+        <p:spPr>
+          <a:xfrm>
+            <a:off x="8191500" y="2538409"/>
+            <a:ext cx="0" cy="814391"/>
+          </a:xfrm>
+          <a:prstGeom prst="straightConnector1">
+            <a:avLst/>
+          </a:prstGeom>
+          <a:ln w="34925">
+            <a:solidFill>
+              <a:srgbClr val="C00000"/>
+            </a:solidFill>
+            <a:tailEnd type="arrow"/>
+          </a:ln>
+        </p:spPr>
+        <p:style>
+          <a:lnRef idx="1">
+            <a:schemeClr val="accent1"/>
+          </a:lnRef>
+          <a:fillRef idx="0">
+            <a:schemeClr val="accent1"/>
+          </a:fillRef>
+          <a:effectRef idx="0">
+            <a:schemeClr val="accent1"/>
+          </a:effectRef>
+          <a:fontRef idx="minor">
+            <a:schemeClr val="tx1"/>
+          </a:fontRef>
+        </p:style>
+      </p:cxnSp>
+      <p:sp>
+        <p:nvSpPr>
+          <p:cNvPr id="51" name="TextBox 50"/>
+          <p:cNvSpPr txBox="1"/>
+          <p:nvPr/>
+        </p:nvSpPr>
+        <p:spPr>
+          <a:xfrm>
+            <a:off x="4781415" y="4597521"/>
+            <a:ext cx="3924300" cy="1200329"/>
+          </a:xfrm>
+          <a:prstGeom prst="rect">
+            <a:avLst/>
+          </a:prstGeom>
+          <a:noFill/>
+        </p:spPr>
+        <p:txBody>
+          <a:bodyPr wrap="square" rtlCol="0">
+            <a:spAutoFit/>
+          </a:bodyPr>
+          <a:lstStyle/>
+          <a:p>
+            <a:r>
+              <a:rPr lang="en-US" sz="2400" i="1" dirty="0" smtClean="0"/>
+              <a:t>The design space smoothing has limited accuracy around an initial design point</a:t>
+            </a:r>
+            <a:endParaRPr lang="en-US" sz="2000" i="1" dirty="0" smtClean="0"/>
+          </a:p>
+        </p:txBody>
+      </p:sp>
+    </p:spTree>
+    <p:extLst>
+      <p:ext uri="{BB962C8B-B14F-4D97-AF65-F5344CB8AC3E}">
+        <p14:creationId xmlns:p14="http://schemas.microsoft.com/office/powerpoint/2010/main" val="151861455"/>
+      </p:ext>
+    </p:extLst>
+  </p:cSld>
+  <p:clrMapOvr>
+    <a:masterClrMapping/>
+  </p:clrMapOvr>
+  <p:timing>
+    <p:tnLst>
+      <p:par>
+        <p:cTn id="1" dur="indefinite" restart="never" nodeType="tmRoot">
+          <p:childTnLst>
+            <p:seq concurrent="1" nextAc="seek">
+              <p:cTn id="2" dur="indefinite" nodeType="mainSeq">
+                <p:childTnLst>
+                  <p:par>
+                    <p:cTn id="3" fill="hold">
+                      <p:stCondLst>
+                        <p:cond delay="indefinite"/>
+                      </p:stCondLst>
+                      <p:childTnLst>
+                        <p:par>
+                          <p:cTn id="4" fill="hold">
+                            <p:stCondLst>
+                              <p:cond delay="0"/>
+                            </p:stCondLst>
+                            <p:childTnLst>
+                              <p:par>
+                                <p:cTn id="5" presetID="1" presetClass="entr" presetSubtype="0" fill="hold" grpId="0" nodeType="clickEffect">
+                                  <p:stCondLst>
+                                    <p:cond delay="0"/>
+                                  </p:stCondLst>
+                                  <p:childTnLst>
+                                    <p:set>
+                                      <p:cBhvr>
+                                        <p:cTn id="6" dur="1" fill="hold">
+                                          <p:stCondLst>
+                                            <p:cond delay="0"/>
+                                          </p:stCondLst>
+                                        </p:cTn>
+                                        <p:tgtEl>
+                                          <p:spTgt spid="14"/>
+                                        </p:tgtEl>
+                                        <p:attrNameLst>
+                                          <p:attrName>style.visibility</p:attrName>
+                                        </p:attrNameLst>
+                                      </p:cBhvr>
+                                      <p:to>
+                                        <p:strVal val="visible"/>
+                                      </p:to>
+                                    </p:set>
+                                  </p:childTnLst>
+                                </p:cTn>
+                              </p:par>
+                              <p:par>
+                                <p:cTn id="7" presetID="1" presetClass="entr" presetSubtype="0" fill="hold" nodeType="withEffect">
+                                  <p:stCondLst>
+                                    <p:cond delay="0"/>
+                                  </p:stCondLst>
+                                  <p:childTnLst>
+                                    <p:set>
+                                      <p:cBhvr>
+                                        <p:cTn id="8" dur="1" fill="hold">
+                                          <p:stCondLst>
+                                            <p:cond delay="0"/>
+                                          </p:stCondLst>
+                                        </p:cTn>
+                                        <p:tgtEl>
+                                          <p:spTgt spid="16"/>
+                                        </p:tgtEl>
+                                        <p:attrNameLst>
+                                          <p:attrName>style.visibility</p:attrName>
+                                        </p:attrNameLst>
+                                      </p:cBhvr>
+                                      <p:to>
+                                        <p:strVal val="visible"/>
+                                      </p:to>
+                                    </p:set>
+                                  </p:childTnLst>
+                                </p:cTn>
+                              </p:par>
+                              <p:par>
+                                <p:cTn id="9" presetID="1" presetClass="entr" presetSubtype="0" fill="hold" grpId="0" nodeType="withEffect">
+                                  <p:stCondLst>
+                                    <p:cond delay="0"/>
+                                  </p:stCondLst>
+                                  <p:childTnLst>
+                                    <p:set>
+                                      <p:cBhvr>
+                                        <p:cTn id="10" dur="1" fill="hold">
+                                          <p:stCondLst>
+                                            <p:cond delay="0"/>
+                                          </p:stCondLst>
+                                        </p:cTn>
+                                        <p:tgtEl>
+                                          <p:spTgt spid="24"/>
+                                        </p:tgtEl>
+                                        <p:attrNameLst>
+                                          <p:attrName>style.visibility</p:attrName>
+                                        </p:attrNameLst>
+                                      </p:cBhvr>
+                                      <p:to>
+                                        <p:strVal val="visible"/>
+                                      </p:to>
+                                    </p:set>
+                                  </p:childTnLst>
+                                </p:cTn>
+                              </p:par>
+                              <p:par>
+                                <p:cTn id="11" presetID="1" presetClass="entr" presetSubtype="0" fill="hold" nodeType="withEffect">
+                                  <p:stCondLst>
+                                    <p:cond delay="0"/>
+                                  </p:stCondLst>
+                                  <p:childTnLst>
+                                    <p:set>
+                                      <p:cBhvr>
+                                        <p:cTn id="12" dur="1" fill="hold">
+                                          <p:stCondLst>
+                                            <p:cond delay="0"/>
+                                          </p:stCondLst>
+                                        </p:cTn>
+                                        <p:tgtEl>
+                                          <p:spTgt spid="27"/>
+                                        </p:tgtEl>
+                                        <p:attrNameLst>
+                                          <p:attrName>style.visibility</p:attrName>
+                                        </p:attrNameLst>
+                                      </p:cBhvr>
+                                      <p:to>
+                                        <p:strVal val="visible"/>
+                                      </p:to>
+                                    </p:set>
+                                  </p:childTnLst>
+                                </p:cTn>
+                              </p:par>
+                              <p:par>
+                                <p:cTn id="13" presetID="1" presetClass="entr" presetSubtype="0" fill="hold" grpId="0" nodeType="withEffect">
+                                  <p:stCondLst>
+                                    <p:cond delay="0"/>
+                                  </p:stCondLst>
+                                  <p:childTnLst>
+                                    <p:set>
+                                      <p:cBhvr>
+                                        <p:cTn id="14" dur="1" fill="hold">
+                                          <p:stCondLst>
+                                            <p:cond delay="0"/>
+                                          </p:stCondLst>
+                                        </p:cTn>
+                                        <p:tgtEl>
+                                          <p:spTgt spid="26"/>
+                                        </p:tgtEl>
+                                        <p:attrNameLst>
+                                          <p:attrName>style.visibility</p:attrName>
+                                        </p:attrNameLst>
+                                      </p:cBhvr>
+                                      <p:to>
+                                        <p:strVal val="visible"/>
+                                      </p:to>
+                                    </p:set>
+                                  </p:childTnLst>
+                                </p:cTn>
+                              </p:par>
+                              <p:par>
+                                <p:cTn id="15" presetID="1" presetClass="entr" presetSubtype="0" fill="hold" grpId="0" nodeType="withEffect">
+                                  <p:stCondLst>
+                                    <p:cond delay="0"/>
+                                  </p:stCondLst>
+                                  <p:childTnLst>
+                                    <p:set>
+                                      <p:cBhvr>
+                                        <p:cTn id="16" dur="1" fill="hold">
+                                          <p:stCondLst>
+                                            <p:cond delay="0"/>
+                                          </p:stCondLst>
+                                        </p:cTn>
+                                        <p:tgtEl>
+                                          <p:spTgt spid="28"/>
+                                        </p:tgtEl>
+                                        <p:attrNameLst>
+                                          <p:attrName>style.visibility</p:attrName>
+                                        </p:attrNameLst>
+                                      </p:cBhvr>
+                                      <p:to>
+                                        <p:strVal val="visible"/>
+                                      </p:to>
+                                    </p:set>
+                                  </p:childTnLst>
+                                </p:cTn>
+                              </p:par>
+                              <p:par>
+                                <p:cTn id="17" presetID="1" presetClass="entr" presetSubtype="0" fill="hold" nodeType="withEffect">
+                                  <p:stCondLst>
+                                    <p:cond delay="0"/>
+                                  </p:stCondLst>
+                                  <p:childTnLst>
+                                    <p:set>
+                                      <p:cBhvr>
+                                        <p:cTn id="18" dur="1" fill="hold">
+                                          <p:stCondLst>
+                                            <p:cond delay="0"/>
+                                          </p:stCondLst>
+                                        </p:cTn>
+                                        <p:tgtEl>
+                                          <p:spTgt spid="29"/>
+                                        </p:tgtEl>
+                                        <p:attrNameLst>
+                                          <p:attrName>style.visibility</p:attrName>
+                                        </p:attrNameLst>
+                                      </p:cBhvr>
+                                      <p:to>
+                                        <p:strVal val="visible"/>
+                                      </p:to>
+                                    </p:set>
+                                  </p:childTnLst>
+                                </p:cTn>
+                              </p:par>
+                              <p:par>
+                                <p:cTn id="19" presetID="1" presetClass="entr" presetSubtype="0" fill="hold" grpId="0" nodeType="withEffect">
+                                  <p:stCondLst>
+                                    <p:cond delay="0"/>
+                                  </p:stCondLst>
+                                  <p:childTnLst>
+                                    <p:set>
+                                      <p:cBhvr>
+                                        <p:cTn id="20" dur="1" fill="hold">
+                                          <p:stCondLst>
+                                            <p:cond delay="0"/>
+                                          </p:stCondLst>
+                                        </p:cTn>
+                                        <p:tgtEl>
+                                          <p:spTgt spid="30"/>
+                                        </p:tgtEl>
+                                        <p:attrNameLst>
+                                          <p:attrName>style.visibility</p:attrName>
+                                        </p:attrNameLst>
+                                      </p:cBhvr>
+                                      <p:to>
+                                        <p:strVal val="visible"/>
+                                      </p:to>
+                                    </p:set>
+                                  </p:childTnLst>
+                                </p:cTn>
+                              </p:par>
+                              <p:par>
+                                <p:cTn id="21" presetID="1" presetClass="entr" presetSubtype="0" fill="hold" nodeType="withEffect">
+                                  <p:stCondLst>
+                                    <p:cond delay="0"/>
+                                  </p:stCondLst>
+                                  <p:childTnLst>
+                                    <p:set>
+                                      <p:cBhvr>
+                                        <p:cTn id="22" dur="1" fill="hold">
+                                          <p:stCondLst>
+                                            <p:cond delay="0"/>
+                                          </p:stCondLst>
+                                        </p:cTn>
+                                        <p:tgtEl>
+                                          <p:spTgt spid="31"/>
+                                        </p:tgtEl>
+                                        <p:attrNameLst>
+                                          <p:attrName>style.visibility</p:attrName>
+                                        </p:attrNameLst>
+                                      </p:cBhvr>
+                                      <p:to>
+                                        <p:strVal val="visible"/>
+                                      </p:to>
+                                    </p:set>
+                                  </p:childTnLst>
+                                </p:cTn>
+                              </p:par>
+                              <p:par>
+                                <p:cTn id="23" presetID="1" presetClass="entr" presetSubtype="0" fill="hold" grpId="0" nodeType="withEffect">
+                                  <p:stCondLst>
+                                    <p:cond delay="0"/>
+                                  </p:stCondLst>
+                                  <p:childTnLst>
+                                    <p:set>
+                                      <p:cBhvr>
+                                        <p:cTn id="24" dur="1" fill="hold">
+                                          <p:stCondLst>
+                                            <p:cond delay="0"/>
+                                          </p:stCondLst>
+                                        </p:cTn>
+                                        <p:tgtEl>
+                                          <p:spTgt spid="32"/>
+                                        </p:tgtEl>
+                                        <p:attrNameLst>
+                                          <p:attrName>style.visibility</p:attrName>
+                                        </p:attrNameLst>
+                                      </p:cBhvr>
+                                      <p:to>
+                                        <p:strVal val="visible"/>
+                                      </p:to>
+                                    </p:set>
+                                  </p:childTnLst>
+                                </p:cTn>
+                              </p:par>
+                              <p:par>
+                                <p:cTn id="25" presetID="1" presetClass="entr" presetSubtype="0" fill="hold" nodeType="withEffect">
+                                  <p:stCondLst>
+                                    <p:cond delay="0"/>
+                                  </p:stCondLst>
+                                  <p:childTnLst>
+                                    <p:set>
+                                      <p:cBhvr>
+                                        <p:cTn id="26" dur="1" fill="hold">
+                                          <p:stCondLst>
+                                            <p:cond delay="0"/>
+                                          </p:stCondLst>
+                                        </p:cTn>
+                                        <p:tgtEl>
+                                          <p:spTgt spid="33"/>
+                                        </p:tgtEl>
+                                        <p:attrNameLst>
+                                          <p:attrName>style.visibility</p:attrName>
+                                        </p:attrNameLst>
+                                      </p:cBhvr>
+                                      <p:to>
+                                        <p:strVal val="visible"/>
+                                      </p:to>
+                                    </p:set>
+                                  </p:childTnLst>
+                                </p:cTn>
+                              </p:par>
+                              <p:par>
+                                <p:cTn id="27" presetID="1" presetClass="entr" presetSubtype="0" fill="hold" nodeType="withEffect">
+                                  <p:stCondLst>
+                                    <p:cond delay="0"/>
+                                  </p:stCondLst>
+                                  <p:childTnLst>
+                                    <p:set>
+                                      <p:cBhvr>
+                                        <p:cTn id="28" dur="1" fill="hold">
+                                          <p:stCondLst>
+                                            <p:cond delay="0"/>
+                                          </p:stCondLst>
+                                        </p:cTn>
+                                        <p:tgtEl>
+                                          <p:spTgt spid="35"/>
+                                        </p:tgtEl>
+                                        <p:attrNameLst>
+                                          <p:attrName>style.visibility</p:attrName>
+                                        </p:attrNameLst>
+                                      </p:cBhvr>
+                                      <p:to>
+                                        <p:strVal val="visible"/>
+                                      </p:to>
+                                    </p:set>
+                                  </p:childTnLst>
+                                </p:cTn>
+                              </p:par>
+                              <p:par>
+                                <p:cTn id="29" presetID="1" presetClass="entr" presetSubtype="0" fill="hold" grpId="0" nodeType="withEffect">
+                                  <p:stCondLst>
+                                    <p:cond delay="0"/>
+                                  </p:stCondLst>
+                                  <p:childTnLst>
+                                    <p:set>
+                                      <p:cBhvr>
+                                        <p:cTn id="30" dur="1" fill="hold">
+                                          <p:stCondLst>
+                                            <p:cond delay="0"/>
+                                          </p:stCondLst>
+                                        </p:cTn>
+                                        <p:tgtEl>
+                                          <p:spTgt spid="36"/>
+                                        </p:tgtEl>
+                                        <p:attrNameLst>
+                                          <p:attrName>style.visibility</p:attrName>
+                                        </p:attrNameLst>
+                                      </p:cBhvr>
+                                      <p:to>
+                                        <p:strVal val="visible"/>
+                                      </p:to>
+                                    </p:set>
+                                  </p:childTnLst>
+                                </p:cTn>
+                              </p:par>
+                              <p:par>
+                                <p:cTn id="31" presetID="1" presetClass="entr" presetSubtype="0" fill="hold" nodeType="withEffect">
+                                  <p:stCondLst>
+                                    <p:cond delay="0"/>
+                                  </p:stCondLst>
+                                  <p:childTnLst>
+                                    <p:set>
+                                      <p:cBhvr>
+                                        <p:cTn id="32" dur="1" fill="hold">
+                                          <p:stCondLst>
+                                            <p:cond delay="0"/>
+                                          </p:stCondLst>
+                                        </p:cTn>
+                                        <p:tgtEl>
+                                          <p:spTgt spid="37"/>
+                                        </p:tgtEl>
+                                        <p:attrNameLst>
+                                          <p:attrName>style.visibility</p:attrName>
+                                        </p:attrNameLst>
+                                      </p:cBhvr>
+                                      <p:to>
+                                        <p:strVal val="visible"/>
+                                      </p:to>
+                                    </p:set>
+                                  </p:childTnLst>
+                                </p:cTn>
+                              </p:par>
+                              <p:par>
+                                <p:cTn id="33" presetID="1" presetClass="entr" presetSubtype="0" fill="hold" grpId="0" nodeType="withEffect">
+                                  <p:stCondLst>
+                                    <p:cond delay="0"/>
+                                  </p:stCondLst>
+                                  <p:childTnLst>
+                                    <p:set>
+                                      <p:cBhvr>
+                                        <p:cTn id="34" dur="1" fill="hold">
+                                          <p:stCondLst>
+                                            <p:cond delay="0"/>
+                                          </p:stCondLst>
+                                        </p:cTn>
+                                        <p:tgtEl>
+                                          <p:spTgt spid="34"/>
+                                        </p:tgtEl>
+                                        <p:attrNameLst>
+                                          <p:attrName>style.visibility</p:attrName>
+                                        </p:attrNameLst>
+                                      </p:cBhvr>
+                                      <p:to>
+                                        <p:strVal val="visible"/>
+                                      </p:to>
+                                    </p:set>
+                                  </p:childTnLst>
+                                </p:cTn>
+                              </p:par>
+                              <p:par>
+                                <p:cTn id="35" presetID="1" presetClass="entr" presetSubtype="0" fill="hold" grpId="0" nodeType="withEffect">
+                                  <p:stCondLst>
+                                    <p:cond delay="0"/>
+                                  </p:stCondLst>
+                                  <p:childTnLst>
+                                    <p:set>
+                                      <p:cBhvr>
+                                        <p:cTn id="36" dur="1" fill="hold">
+                                          <p:stCondLst>
+                                            <p:cond delay="0"/>
+                                          </p:stCondLst>
+                                        </p:cTn>
+                                        <p:tgtEl>
+                                          <p:spTgt spid="38"/>
+                                        </p:tgtEl>
+                                        <p:attrNameLst>
+                                          <p:attrName>style.visibility</p:attrName>
+                                        </p:attrNameLst>
+                                      </p:cBhvr>
+                                      <p:to>
+                                        <p:strVal val="visible"/>
+                                      </p:to>
+                                    </p:set>
+                                  </p:childTnLst>
+                                </p:cTn>
+                              </p:par>
+                              <p:par>
+                                <p:cTn id="37" presetID="1" presetClass="entr" presetSubtype="0" fill="hold" nodeType="withEffect">
+                                  <p:stCondLst>
+                                    <p:cond delay="0"/>
+                                  </p:stCondLst>
+                                  <p:childTnLst>
+                                    <p:set>
+                                      <p:cBhvr>
+                                        <p:cTn id="38" dur="1" fill="hold">
+                                          <p:stCondLst>
+                                            <p:cond delay="0"/>
+                                          </p:stCondLst>
+                                        </p:cTn>
+                                        <p:tgtEl>
+                                          <p:spTgt spid="39"/>
+                                        </p:tgtEl>
+                                        <p:attrNameLst>
+                                          <p:attrName>style.visibility</p:attrName>
+                                        </p:attrNameLst>
+                                      </p:cBhvr>
+                                      <p:to>
+                                        <p:strVal val="visible"/>
+                                      </p:to>
+                                    </p:set>
+                                  </p:childTnLst>
+                                </p:cTn>
+                              </p:par>
+                              <p:par>
+                                <p:cTn id="39" presetID="1" presetClass="entr" presetSubtype="0" fill="hold" grpId="0" nodeType="withEffect">
+                                  <p:stCondLst>
+                                    <p:cond delay="0"/>
+                                  </p:stCondLst>
+                                  <p:childTnLst>
+                                    <p:set>
+                                      <p:cBhvr>
+                                        <p:cTn id="40" dur="1" fill="hold">
+                                          <p:stCondLst>
+                                            <p:cond delay="0"/>
+                                          </p:stCondLst>
+                                        </p:cTn>
+                                        <p:tgtEl>
+                                          <p:spTgt spid="51"/>
+                                        </p:tgtEl>
+                                        <p:attrNameLst>
+                                          <p:attrName>style.visibility</p:attrName>
+                                        </p:attrNameLst>
+                                      </p:cBhvr>
+                                      <p:to>
+                                        <p:strVal val="visible"/>
+                                      </p:to>
+                                    </p:set>
+                                  </p:childTnLst>
+                                </p:cTn>
+                              </p:par>
+                            </p:childTnLst>
+                          </p:cTn>
+                        </p:par>
+                      </p:childTnLst>
+                    </p:cTn>
+                  </p:par>
+                </p:childTnLst>
+              </p:cTn>
+              <p:prevCondLst>
+                <p:cond evt="onPrev" delay="0">
+                  <p:tgtEl>
+                    <p:sldTgt/>
+                  </p:tgtEl>
+                </p:cond>
+              </p:prevCondLst>
+              <p:nextCondLst>
+                <p:cond evt="onNext" delay="0">
+                  <p:tgtEl>
+                    <p:sldTgt/>
+                  </p:tgtEl>
+                </p:cond>
+              </p:nextCondLst>
+            </p:seq>
+          </p:childTnLst>
+        </p:cTn>
+      </p:par>
+    </p:tnLst>
+    <p:bldLst>
+      <p:bldP spid="14" grpId="0" animBg="1"/>
+      <p:bldP spid="24" grpId="0" animBg="1"/>
+      <p:bldP spid="26" grpId="0" animBg="1"/>
+      <p:bldP spid="28" grpId="0" animBg="1"/>
+      <p:bldP spid="30" grpId="0" animBg="1"/>
+      <p:bldP spid="32" grpId="0" animBg="1"/>
+      <p:bldP spid="34" grpId="0" animBg="1"/>
+      <p:bldP spid="36" grpId="0" animBg="1"/>
+      <p:bldP spid="38" grpId="0" animBg="1"/>
+      <p:bldP spid="51" grpId="0"/>
+    </p:bldLst>
+  </p:timing>
+</p:sld>
+</file>
+
+<file path=ppt/slides/slide16.xml><?xml version="1.0" encoding="utf-8"?>
+<p:sld xmlns:a="http://schemas.openxmlformats.org/drawingml/2006/main" xmlns:r="http://schemas.openxmlformats.org/officeDocument/2006/relationships" xmlns:p="http://schemas.openxmlformats.org/presentationml/2006/main">
+  <p:cSld>
+    <p:spTree>
+      <p:nvGrpSpPr>
+        <p:cNvPr id="1" name=""/>
+        <p:cNvGrpSpPr/>
+        <p:nvPr/>
+      </p:nvGrpSpPr>
+      <p:grpSpPr>
+        <a:xfrm>
+          <a:off x="0" y="0"/>
+          <a:ext cx="0" cy="0"/>
+          <a:chOff x="0" y="0"/>
+          <a:chExt cx="0" cy="0"/>
+        </a:xfrm>
+      </p:grpSpPr>
+      <p:sp>
+        <p:nvSpPr>
+          <p:cNvPr id="2" name="Title 1"/>
+          <p:cNvSpPr>
+            <a:spLocks noGrp="1"/>
+          </p:cNvSpPr>
+          <p:nvPr>
+            <p:ph type="title"/>
+          </p:nvPr>
+        </p:nvSpPr>
+        <p:spPr>
+          <a:xfrm>
+            <a:off x="3124200" y="0"/>
+            <a:ext cx="6019800" cy="838200"/>
+          </a:xfrm>
+        </p:spPr>
+        <p:txBody>
+          <a:bodyPr/>
+          <a:lstStyle/>
+          <a:p>
+            <a:r>
+              <a:rPr lang="en-US" dirty="0" smtClean="0"/>
+              <a:t>Single Objective Optimization</a:t>
+            </a:r>
+            <a:br>
+              <a:rPr lang="en-US" dirty="0" smtClean="0"/>
+            </a:br>
+            <a:r>
+              <a:rPr lang="en-US" dirty="0" smtClean="0"/>
+              <a:t>Coordinate Search</a:t>
+            </a:r>
+            <a:endParaRPr lang="en-US" dirty="0"/>
+          </a:p>
+        </p:txBody>
+      </p:sp>
+      <p:sp>
+        <p:nvSpPr>
+          <p:cNvPr id="4" name="Slide Number Placeholder 3"/>
+          <p:cNvSpPr>
+            <a:spLocks noGrp="1"/>
+          </p:cNvSpPr>
+          <p:nvPr>
+            <p:ph type="sldNum" sz="quarter" idx="12"/>
+          </p:nvPr>
+        </p:nvSpPr>
+        <p:spPr/>
+        <p:txBody>
+          <a:bodyPr/>
+          <a:lstStyle/>
+          <a:p>
+            <a:pPr>
+              <a:defRPr/>
+            </a:pPr>
+            <a:fld id="{6E3317FF-6423-48BB-8CF6-A5183FB2D75B}" type="slidenum">
+              <a:rPr lang="en-US" smtClean="0">
+                <a:solidFill>
+                  <a:prstClr val="black">
+                    <a:tint val="75000"/>
+                  </a:prstClr>
+                </a:solidFill>
+              </a:rPr>
+              <a:pPr>
+                <a:defRPr/>
+              </a:pPr>
+              <a:t>16</a:t>
+            </a:fld>
+            <a:endParaRPr lang="en-US" dirty="0">
+              <a:solidFill>
+                <a:prstClr val="black">
+                  <a:tint val="75000"/>
+                </a:prstClr>
+              </a:solidFill>
+            </a:endParaRPr>
+          </a:p>
+        </p:txBody>
+      </p:sp>
+      <p:sp>
+        <p:nvSpPr>
+          <p:cNvPr id="5" name="TextBox 4"/>
+          <p:cNvSpPr txBox="1"/>
+          <p:nvPr/>
+        </p:nvSpPr>
+        <p:spPr>
+          <a:xfrm>
+            <a:off x="457200" y="1066800"/>
+            <a:ext cx="8382000" cy="1508105"/>
+          </a:xfrm>
+          <a:prstGeom prst="rect">
+            <a:avLst/>
+          </a:prstGeom>
+          <a:noFill/>
+        </p:spPr>
+        <p:txBody>
+          <a:bodyPr wrap="square" rtlCol="0">
+            <a:spAutoFit/>
+          </a:bodyPr>
+          <a:lstStyle/>
+          <a:p>
+            <a:r>
+              <a:rPr lang="en-US" sz="2400" dirty="0" smtClean="0"/>
+              <a:t>The coordinate search was executed for ten initial starting points</a:t>
+            </a:r>
+          </a:p>
+          <a:p>
+            <a:pPr marL="569913" lvl="1" indent="-342900">
+              <a:buFont typeface="Arial" panose="020B0604020202020204" pitchFamily="34" charset="0"/>
+              <a:buChar char="•"/>
+            </a:pPr>
+            <a:r>
+              <a:rPr lang="en-US" sz="2400" dirty="0" smtClean="0"/>
+              <a:t>Numerous local maxima exist despite smoothing efforts</a:t>
+            </a:r>
+          </a:p>
+          <a:p>
+            <a:pPr marL="569913" lvl="1" indent="-342900">
+              <a:buFont typeface="Arial" panose="020B0604020202020204" pitchFamily="34" charset="0"/>
+              <a:buChar char="•"/>
+            </a:pPr>
+            <a:r>
+              <a:rPr lang="en-US" sz="2400" dirty="0" smtClean="0"/>
+              <a:t>1604 total function evaluations</a:t>
+            </a:r>
+          </a:p>
+          <a:p>
+            <a:pPr lvl="1"/>
+            <a:endParaRPr lang="en-US" sz="2000" dirty="0" smtClean="0"/>
+          </a:p>
+        </p:txBody>
+      </p:sp>
+      <p:pic>
+        <p:nvPicPr>
+          <p:cNvPr id="5121" name="Picture 1"/>
+          <p:cNvPicPr>
+            <a:picLocks noChangeAspect="1" noChangeArrowheads="1"/>
+          </p:cNvPicPr>
+          <p:nvPr/>
+        </p:nvPicPr>
+        <p:blipFill rotWithShape="1">
+          <a:blip r:embed="rId3" cstate="print">
+            <a:extLst>
+              <a:ext uri="{28A0092B-C50C-407E-A947-70E740481C1C}">
+                <a14:useLocalDpi xmlns:a14="http://schemas.microsoft.com/office/drawing/2010/main" val="0"/>
+              </a:ext>
+            </a:extLst>
+          </a:blip>
+          <a:srcRect/>
+          <a:stretch/>
+        </p:blipFill>
+        <p:spPr bwMode="auto">
+          <a:xfrm>
+            <a:off x="762000" y="2464066"/>
+            <a:ext cx="7511529" cy="3555734"/>
+          </a:xfrm>
+          <a:prstGeom prst="rect">
+            <a:avLst/>
+          </a:prstGeom>
+          <a:noFill/>
+          <a:ln>
+            <a:noFill/>
+          </a:ln>
+          <a:extLst>
+            <a:ext uri="{909E8E84-426E-40DD-AFC4-6F175D3DCCD1}">
+              <a14:hiddenFill xmlns:a14="http://schemas.microsoft.com/office/drawing/2010/main">
+                <a:solidFill>
+                  <a:schemeClr val="accent1"/>
+                </a:solidFill>
+              </a14:hiddenFill>
+            </a:ext>
+            <a:ext uri="{91240B29-F687-4F45-9708-019B960494DF}">
+              <a14:hiddenLine xmlns:a14="http://schemas.microsoft.com/office/drawing/2010/main" w="9525">
+                <a:solidFill>
+                  <a:schemeClr val="tx1"/>
+                </a:solidFill>
+                <a:miter lim="800000"/>
+                <a:headEnd/>
+                <a:tailEnd/>
+              </a14:hiddenLine>
+            </a:ext>
+          </a:extLst>
+        </p:spPr>
+      </p:pic>
+    </p:spTree>
+    <p:extLst>
+      <p:ext uri="{BB962C8B-B14F-4D97-AF65-F5344CB8AC3E}">
+        <p14:creationId xmlns:p14="http://schemas.microsoft.com/office/powerpoint/2010/main" val="3529249482"/>
+      </p:ext>
+    </p:extLst>
+  </p:cSld>
+  <p:clrMapOvr>
+    <a:masterClrMapping/>
+  </p:clrMapOvr>
+  <p:timing>
+    <p:tnLst>
+      <p:par>
+        <p:cTn id="1" dur="indefinite" restart="never" nodeType="tmRoot"/>
+      </p:par>
+    </p:tnLst>
+  </p:timing>
+</p:sld>
+</file>
+
+<file path=ppt/slides/slide17.xml><?xml version="1.0" encoding="utf-8"?>
+<p:sld xmlns:a="http://schemas.openxmlformats.org/drawingml/2006/main" xmlns:r="http://schemas.openxmlformats.org/officeDocument/2006/relationships" xmlns:p="http://schemas.openxmlformats.org/presentationml/2006/main">
+  <p:cSld>
+    <p:spTree>
+      <p:nvGrpSpPr>
+        <p:cNvPr id="1" name=""/>
+        <p:cNvGrpSpPr/>
+        <p:nvPr/>
+      </p:nvGrpSpPr>
+      <p:grpSpPr>
+        <a:xfrm>
+          <a:off x="0" y="0"/>
+          <a:ext cx="0" cy="0"/>
+          <a:chOff x="0" y="0"/>
+          <a:chExt cx="0" cy="0"/>
+        </a:xfrm>
+      </p:grpSpPr>
+      <p:sp>
+        <p:nvSpPr>
+          <p:cNvPr id="2" name="Title 1"/>
+          <p:cNvSpPr>
+            <a:spLocks noGrp="1"/>
+          </p:cNvSpPr>
+          <p:nvPr>
+            <p:ph type="title"/>
+          </p:nvPr>
+        </p:nvSpPr>
+        <p:spPr>
+          <a:xfrm>
+            <a:off x="3124200" y="0"/>
+            <a:ext cx="6019800" cy="838200"/>
+          </a:xfrm>
+        </p:spPr>
+        <p:txBody>
+          <a:bodyPr/>
+          <a:lstStyle/>
+          <a:p>
+            <a:r>
+              <a:rPr lang="en-US" dirty="0" smtClean="0"/>
+              <a:t>Single Objective Optimization</a:t>
+            </a:r>
+            <a:br>
+              <a:rPr lang="en-US" dirty="0" smtClean="0"/>
+            </a:br>
+            <a:r>
+              <a:rPr lang="en-US" dirty="0" smtClean="0"/>
+              <a:t>Genetic Algorithm</a:t>
+            </a:r>
+            <a:endParaRPr lang="en-US" dirty="0"/>
+          </a:p>
+        </p:txBody>
+      </p:sp>
+      <p:sp>
+        <p:nvSpPr>
+          <p:cNvPr id="4" name="Slide Number Placeholder 3"/>
+          <p:cNvSpPr>
+            <a:spLocks noGrp="1"/>
+          </p:cNvSpPr>
+          <p:nvPr>
+            <p:ph type="sldNum" sz="quarter" idx="12"/>
+          </p:nvPr>
+        </p:nvSpPr>
+        <p:spPr/>
+        <p:txBody>
+          <a:bodyPr/>
+          <a:lstStyle/>
+          <a:p>
+            <a:pPr>
+              <a:defRPr/>
+            </a:pPr>
+            <a:fld id="{6E3317FF-6423-48BB-8CF6-A5183FB2D75B}" type="slidenum">
+              <a:rPr lang="en-US" smtClean="0">
+                <a:solidFill>
+                  <a:prstClr val="black">
+                    <a:tint val="75000"/>
+                  </a:prstClr>
+                </a:solidFill>
+              </a:rPr>
+              <a:pPr>
+                <a:defRPr/>
+              </a:pPr>
+              <a:t>17</a:t>
+            </a:fld>
+            <a:endParaRPr lang="en-US" dirty="0">
+              <a:solidFill>
+                <a:prstClr val="black">
+                  <a:tint val="75000"/>
+                </a:prstClr>
+              </a:solidFill>
+            </a:endParaRPr>
+          </a:p>
+        </p:txBody>
+      </p:sp>
+      <p:sp>
+        <p:nvSpPr>
+          <p:cNvPr id="5" name="TextBox 4"/>
+          <p:cNvSpPr txBox="1"/>
+          <p:nvPr/>
+        </p:nvSpPr>
+        <p:spPr>
+          <a:xfrm>
+            <a:off x="457200" y="1066800"/>
+            <a:ext cx="8382000" cy="2616101"/>
+          </a:xfrm>
+          <a:prstGeom prst="rect">
+            <a:avLst/>
+          </a:prstGeom>
+          <a:noFill/>
+        </p:spPr>
+        <p:txBody>
+          <a:bodyPr wrap="square" rtlCol="0">
+            <a:spAutoFit/>
+          </a:bodyPr>
+          <a:lstStyle/>
+          <a:p>
+            <a:r>
+              <a:rPr lang="en-US" sz="2400" dirty="0" smtClean="0"/>
+              <a:t>The MATLAB genetic algorithm toolbox was utilized </a:t>
+            </a:r>
+          </a:p>
+          <a:p>
+            <a:pPr marL="565150" indent="-342900">
+              <a:buFont typeface="Arial" panose="020B0604020202020204" pitchFamily="34" charset="0"/>
+              <a:buChar char="•"/>
+            </a:pPr>
+            <a:r>
+              <a:rPr lang="en-US" sz="2400" dirty="0" smtClean="0"/>
+              <a:t>Smoothing of the design space was not necessary</a:t>
+            </a:r>
+          </a:p>
+          <a:p>
+            <a:pPr marL="565150" indent="-342900">
+              <a:buFont typeface="Arial" panose="020B0604020202020204" pitchFamily="34" charset="0"/>
+              <a:buChar char="•"/>
+            </a:pPr>
+            <a:r>
+              <a:rPr lang="en-US" sz="2400" dirty="0" smtClean="0"/>
+              <a:t>The parameters of the genetic algorithm were tuned to provide consistent convergence  </a:t>
+            </a:r>
+          </a:p>
+          <a:p>
+            <a:pPr marL="565150" indent="-342900">
+              <a:buFont typeface="Arial" panose="020B0604020202020204" pitchFamily="34" charset="0"/>
+              <a:buChar char="•"/>
+            </a:pPr>
+            <a:r>
+              <a:rPr lang="en-US" sz="2400" dirty="0" smtClean="0"/>
+              <a:t>The final optimizer converged in an average of 53 generations</a:t>
+            </a:r>
+          </a:p>
+          <a:p>
+            <a:pPr marL="565150" indent="-342900">
+              <a:buFont typeface="Arial" panose="020B0604020202020204" pitchFamily="34" charset="0"/>
+              <a:buChar char="•"/>
+            </a:pPr>
+            <a:r>
+              <a:rPr lang="en-US" sz="2400" dirty="0" smtClean="0"/>
+              <a:t>Multiple trials were executed to ensure solution agreement</a:t>
+            </a:r>
+          </a:p>
+          <a:p>
+            <a:pPr lvl="1"/>
+            <a:endParaRPr lang="en-US" sz="2000" dirty="0" smtClean="0"/>
+          </a:p>
+        </p:txBody>
+      </p:sp>
+      <p:pic>
+        <p:nvPicPr>
+          <p:cNvPr id="7170" name="Picture 2"/>
+          <p:cNvPicPr>
+            <a:picLocks noChangeAspect="1" noChangeArrowheads="1"/>
+          </p:cNvPicPr>
+          <p:nvPr/>
+        </p:nvPicPr>
+        <p:blipFill>
+          <a:blip r:embed="rId3">
+            <a:extLst>
+              <a:ext uri="{28A0092B-C50C-407E-A947-70E740481C1C}">
+                <a14:useLocalDpi xmlns:a14="http://schemas.microsoft.com/office/drawing/2010/main" val="0"/>
+              </a:ext>
+            </a:extLst>
+          </a:blip>
+          <a:srcRect/>
+          <a:stretch>
+            <a:fillRect/>
+          </a:stretch>
+        </p:blipFill>
+        <p:spPr bwMode="auto">
+          <a:xfrm>
+            <a:off x="3005626" y="4114800"/>
+            <a:ext cx="3285148" cy="1498699"/>
+          </a:xfrm>
+          <a:prstGeom prst="rect">
+            <a:avLst/>
+          </a:prstGeom>
+          <a:noFill/>
+          <a:ln>
+            <a:noFill/>
+          </a:ln>
+          <a:extLst>
+            <a:ext uri="{909E8E84-426E-40DD-AFC4-6F175D3DCCD1}">
+              <a14:hiddenFill xmlns:a14="http://schemas.microsoft.com/office/drawing/2010/main">
+                <a:solidFill>
+                  <a:schemeClr val="accent1"/>
+                </a:solidFill>
+              </a14:hiddenFill>
+            </a:ext>
+            <a:ext uri="{91240B29-F687-4F45-9708-019B960494DF}">
+              <a14:hiddenLine xmlns:a14="http://schemas.microsoft.com/office/drawing/2010/main" w="9525">
+                <a:solidFill>
+                  <a:schemeClr val="tx1"/>
+                </a:solidFill>
+                <a:miter lim="800000"/>
+                <a:headEnd/>
+                <a:tailEnd/>
+              </a14:hiddenLine>
+            </a:ext>
+          </a:extLst>
+        </p:spPr>
+      </p:pic>
+    </p:spTree>
+    <p:extLst>
+      <p:ext uri="{BB962C8B-B14F-4D97-AF65-F5344CB8AC3E}">
+        <p14:creationId xmlns:p14="http://schemas.microsoft.com/office/powerpoint/2010/main" val="3338300868"/>
+      </p:ext>
+    </p:extLst>
+  </p:cSld>
+  <p:clrMapOvr>
+    <a:masterClrMapping/>
+  </p:clrMapOvr>
+  <p:timing>
+    <p:tnLst>
+      <p:par>
+        <p:cTn id="1" dur="indefinite" restart="never" nodeType="tmRoot"/>
+      </p:par>
+    </p:tnLst>
+  </p:timing>
+</p:sld>
+</file>
+
+<file path=ppt/slides/slide18.xml><?xml version="1.0" encoding="utf-8"?>
+<p:sld xmlns:a="http://schemas.openxmlformats.org/drawingml/2006/main" xmlns:r="http://schemas.openxmlformats.org/officeDocument/2006/relationships" xmlns:p="http://schemas.openxmlformats.org/presentationml/2006/main">
+  <p:cSld>
+    <p:spTree>
+      <p:nvGrpSpPr>
+        <p:cNvPr id="1" name=""/>
+        <p:cNvGrpSpPr/>
+        <p:nvPr/>
+      </p:nvGrpSpPr>
+      <p:grpSpPr>
+        <a:xfrm>
+          <a:off x="0" y="0"/>
+          <a:ext cx="0" cy="0"/>
+          <a:chOff x="0" y="0"/>
+          <a:chExt cx="0" cy="0"/>
+        </a:xfrm>
+      </p:grpSpPr>
+      <p:sp>
+        <p:nvSpPr>
+          <p:cNvPr id="2" name="Title 1"/>
+          <p:cNvSpPr>
+            <a:spLocks noGrp="1"/>
+          </p:cNvSpPr>
+          <p:nvPr>
+            <p:ph type="title"/>
+          </p:nvPr>
+        </p:nvSpPr>
+        <p:spPr>
+          <a:xfrm>
+            <a:off x="3124200" y="0"/>
+            <a:ext cx="6019800" cy="838200"/>
+          </a:xfrm>
+        </p:spPr>
+        <p:txBody>
+          <a:bodyPr/>
+          <a:lstStyle/>
+          <a:p>
+            <a:r>
+              <a:rPr lang="en-US" dirty="0" smtClean="0"/>
+              <a:t>Single Objective Optimization</a:t>
+            </a:r>
+            <a:endParaRPr lang="en-US" dirty="0"/>
+          </a:p>
+        </p:txBody>
+      </p:sp>
+      <p:sp>
+        <p:nvSpPr>
+          <p:cNvPr id="4" name="Slide Number Placeholder 3"/>
+          <p:cNvSpPr>
+            <a:spLocks noGrp="1"/>
+          </p:cNvSpPr>
+          <p:nvPr>
+            <p:ph type="sldNum" sz="quarter" idx="12"/>
+          </p:nvPr>
+        </p:nvSpPr>
+        <p:spPr/>
+        <p:txBody>
+          <a:bodyPr/>
+          <a:lstStyle/>
+          <a:p>
+            <a:pPr>
+              <a:defRPr/>
+            </a:pPr>
+            <a:fld id="{6E3317FF-6423-48BB-8CF6-A5183FB2D75B}" type="slidenum">
+              <a:rPr lang="en-US" smtClean="0">
+                <a:solidFill>
+                  <a:prstClr val="black">
+                    <a:tint val="75000"/>
+                  </a:prstClr>
+                </a:solidFill>
+              </a:rPr>
+              <a:pPr>
+                <a:defRPr/>
+              </a:pPr>
+              <a:t>18</a:t>
+            </a:fld>
+            <a:endParaRPr lang="en-US" dirty="0">
+              <a:solidFill>
+                <a:prstClr val="black">
+                  <a:tint val="75000"/>
+                </a:prstClr>
+              </a:solidFill>
+            </a:endParaRPr>
+          </a:p>
+        </p:txBody>
+      </p:sp>
+      <p:sp>
+        <p:nvSpPr>
+          <p:cNvPr id="5" name="TextBox 4"/>
+          <p:cNvSpPr txBox="1"/>
+          <p:nvPr/>
+        </p:nvSpPr>
+        <p:spPr>
+          <a:xfrm>
+            <a:off x="457200" y="1066800"/>
+            <a:ext cx="8382000" cy="830997"/>
+          </a:xfrm>
+          <a:prstGeom prst="rect">
+            <a:avLst/>
+          </a:prstGeom>
+          <a:noFill/>
+        </p:spPr>
+        <p:txBody>
+          <a:bodyPr wrap="square" rtlCol="0">
+            <a:spAutoFit/>
+          </a:bodyPr>
+          <a:lstStyle/>
+          <a:p>
+            <a:r>
+              <a:rPr lang="en-US" sz="2400" dirty="0" smtClean="0"/>
+              <a:t>The single objective results of the coordinate search and genetic algorithm </a:t>
+            </a:r>
+            <a:r>
+              <a:rPr lang="en-US" sz="2400" b="1" u="sng" dirty="0" smtClean="0"/>
+              <a:t>DON’T MATCH MUCH??? </a:t>
+            </a:r>
+            <a:endParaRPr lang="en-US" sz="2000" b="1" u="sng" dirty="0" smtClean="0"/>
+          </a:p>
+        </p:txBody>
+      </p:sp>
+      <p:pic>
+        <p:nvPicPr>
+          <p:cNvPr id="6146" name="Picture 2"/>
+          <p:cNvPicPr>
+            <a:picLocks noChangeAspect="1" noChangeArrowheads="1"/>
+          </p:cNvPicPr>
+          <p:nvPr/>
+        </p:nvPicPr>
+        <p:blipFill>
+          <a:blip r:embed="rId3">
+            <a:extLst>
+              <a:ext uri="{28A0092B-C50C-407E-A947-70E740481C1C}">
+                <a14:useLocalDpi xmlns:a14="http://schemas.microsoft.com/office/drawing/2010/main" val="0"/>
+              </a:ext>
+            </a:extLst>
+          </a:blip>
+          <a:srcRect/>
+          <a:stretch>
+            <a:fillRect/>
+          </a:stretch>
+        </p:blipFill>
+        <p:spPr bwMode="auto">
+          <a:xfrm>
+            <a:off x="504825" y="3581400"/>
+            <a:ext cx="3914775" cy="2438400"/>
+          </a:xfrm>
+          <a:prstGeom prst="rect">
+            <a:avLst/>
+          </a:prstGeom>
+          <a:noFill/>
+          <a:ln>
+            <a:noFill/>
+          </a:ln>
+          <a:extLst>
+            <a:ext uri="{909E8E84-426E-40DD-AFC4-6F175D3DCCD1}">
+              <a14:hiddenFill xmlns:a14="http://schemas.microsoft.com/office/drawing/2010/main">
+                <a:solidFill>
+                  <a:schemeClr val="accent1"/>
+                </a:solidFill>
+              </a14:hiddenFill>
+            </a:ext>
+            <a:ext uri="{91240B29-F687-4F45-9708-019B960494DF}">
+              <a14:hiddenLine xmlns:a14="http://schemas.microsoft.com/office/drawing/2010/main" w="9525">
+                <a:solidFill>
+                  <a:schemeClr val="tx1"/>
+                </a:solidFill>
+                <a:miter lim="800000"/>
+                <a:headEnd/>
+                <a:tailEnd/>
+              </a14:hiddenLine>
+            </a:ext>
+          </a:extLst>
+        </p:spPr>
+      </p:pic>
+      <p:pic>
+        <p:nvPicPr>
+          <p:cNvPr id="6147" name="Picture 3"/>
+          <p:cNvPicPr>
+            <a:picLocks noChangeAspect="1" noChangeArrowheads="1"/>
+          </p:cNvPicPr>
+          <p:nvPr/>
+        </p:nvPicPr>
+        <p:blipFill>
+          <a:blip r:embed="rId4">
+            <a:extLst>
+              <a:ext uri="{28A0092B-C50C-407E-A947-70E740481C1C}">
+                <a14:useLocalDpi xmlns:a14="http://schemas.microsoft.com/office/drawing/2010/main" val="0"/>
+              </a:ext>
+            </a:extLst>
+          </a:blip>
+          <a:srcRect/>
+          <a:stretch>
+            <a:fillRect/>
+          </a:stretch>
+        </p:blipFill>
+        <p:spPr bwMode="auto">
+          <a:xfrm>
+            <a:off x="4762500" y="3581400"/>
+            <a:ext cx="3924300" cy="2457450"/>
+          </a:xfrm>
+          <a:prstGeom prst="rect">
+            <a:avLst/>
+          </a:prstGeom>
+          <a:noFill/>
+          <a:ln>
+            <a:noFill/>
+          </a:ln>
+          <a:extLst>
+            <a:ext uri="{909E8E84-426E-40DD-AFC4-6F175D3DCCD1}">
+              <a14:hiddenFill xmlns:a14="http://schemas.microsoft.com/office/drawing/2010/main">
+                <a:solidFill>
+                  <a:schemeClr val="accent1"/>
+                </a:solidFill>
+              </a14:hiddenFill>
+            </a:ext>
+            <a:ext uri="{91240B29-F687-4F45-9708-019B960494DF}">
+              <a14:hiddenLine xmlns:a14="http://schemas.microsoft.com/office/drawing/2010/main" w="9525">
+                <a:solidFill>
+                  <a:schemeClr val="tx1"/>
+                </a:solidFill>
+                <a:miter lim="800000"/>
+                <a:headEnd/>
+                <a:tailEnd/>
+              </a14:hiddenLine>
+            </a:ext>
+          </a:extLst>
+        </p:spPr>
+      </p:pic>
+      <p:sp>
+        <p:nvSpPr>
+          <p:cNvPr id="8" name="TextBox 7"/>
+          <p:cNvSpPr txBox="1"/>
+          <p:nvPr/>
+        </p:nvSpPr>
+        <p:spPr>
+          <a:xfrm>
+            <a:off x="533400" y="2205573"/>
+            <a:ext cx="3848099" cy="2246769"/>
+          </a:xfrm>
+          <a:prstGeom prst="rect">
+            <a:avLst/>
+          </a:prstGeom>
+          <a:noFill/>
+        </p:spPr>
+        <p:txBody>
+          <a:bodyPr wrap="square" rtlCol="0">
+            <a:spAutoFit/>
+          </a:bodyPr>
+          <a:lstStyle/>
+          <a:p>
+            <a:pPr algn="ctr"/>
+            <a:r>
+              <a:rPr lang="en-US" sz="2400" b="1" dirty="0" smtClean="0"/>
+              <a:t>Coordinate Search</a:t>
+            </a:r>
+          </a:p>
+          <a:p>
+            <a:pPr marL="342900" indent="-342900">
+              <a:buFont typeface="Arial" panose="020B0604020202020204" pitchFamily="34" charset="0"/>
+              <a:buChar char="•"/>
+            </a:pPr>
+            <a:r>
+              <a:rPr lang="en-US" sz="2400" dirty="0" smtClean="0"/>
+              <a:t>1604 function evaluations</a:t>
+            </a:r>
+          </a:p>
+          <a:p>
+            <a:pPr marL="342900" indent="-342900">
+              <a:buFont typeface="Arial" panose="020B0604020202020204" pitchFamily="34" charset="0"/>
+              <a:buChar char="•"/>
+            </a:pPr>
+            <a:r>
+              <a:rPr lang="en-US" sz="2400" dirty="0" smtClean="0"/>
+              <a:t>Optima value: 1.72e-4</a:t>
+            </a:r>
+          </a:p>
+          <a:p>
+            <a:endParaRPr lang="en-US" sz="2400" dirty="0" smtClean="0"/>
+          </a:p>
+          <a:p>
+            <a:pPr marL="342900" indent="-342900">
+              <a:buFont typeface="Arial" panose="020B0604020202020204" pitchFamily="34" charset="0"/>
+              <a:buChar char="•"/>
+            </a:pPr>
+            <a:endParaRPr lang="en-US" sz="2400" dirty="0" smtClean="0"/>
+          </a:p>
+          <a:p>
+            <a:pPr lvl="1"/>
+            <a:endParaRPr lang="en-US" sz="2000" dirty="0" smtClean="0"/>
+          </a:p>
+        </p:txBody>
+      </p:sp>
+      <p:sp>
+        <p:nvSpPr>
+          <p:cNvPr id="9" name="Rectangle 8"/>
+          <p:cNvSpPr/>
+          <p:nvPr/>
+        </p:nvSpPr>
+        <p:spPr>
+          <a:xfrm>
+            <a:off x="483269" y="2133600"/>
+            <a:ext cx="3974430" cy="4191000"/>
+          </a:xfrm>
+          <a:prstGeom prst="rect">
+            <a:avLst/>
+          </a:prstGeom>
+          <a:noFill/>
+          <a:ln>
+            <a:solidFill>
+              <a:srgbClr val="C00000"/>
+            </a:solidFill>
+          </a:ln>
+        </p:spPr>
+        <p:style>
+          <a:lnRef idx="2">
+            <a:schemeClr val="accent1">
+              <a:shade val="50000"/>
+            </a:schemeClr>
+          </a:lnRef>
+          <a:fillRef idx="1">
+            <a:schemeClr val="accent1"/>
+          </a:fillRef>
+          <a:effectRef idx="0">
+            <a:schemeClr val="accent1"/>
+          </a:effectRef>
+          <a:fontRef idx="minor">
+            <a:schemeClr val="lt1"/>
+          </a:fontRef>
+        </p:style>
+        <p:txBody>
+          <a:bodyPr rtlCol="0" anchor="ctr"/>
+          <a:lstStyle/>
+          <a:p>
+            <a:pPr algn="ctr"/>
+            <a:endParaRPr lang="en-US"/>
+          </a:p>
+        </p:txBody>
+      </p:sp>
+      <p:sp>
+        <p:nvSpPr>
+          <p:cNvPr id="10" name="Rectangle 9"/>
+          <p:cNvSpPr/>
+          <p:nvPr/>
+        </p:nvSpPr>
+        <p:spPr>
+          <a:xfrm>
+            <a:off x="4712370" y="2133600"/>
+            <a:ext cx="3974430" cy="4191000"/>
+          </a:xfrm>
+          <a:prstGeom prst="rect">
+            <a:avLst/>
+          </a:prstGeom>
+          <a:noFill/>
+          <a:ln>
+            <a:solidFill>
+              <a:srgbClr val="C00000"/>
+            </a:solidFill>
+          </a:ln>
+        </p:spPr>
+        <p:style>
+          <a:lnRef idx="2">
+            <a:schemeClr val="accent1">
+              <a:shade val="50000"/>
+            </a:schemeClr>
+          </a:lnRef>
+          <a:fillRef idx="1">
+            <a:schemeClr val="accent1"/>
+          </a:fillRef>
+          <a:effectRef idx="0">
+            <a:schemeClr val="accent1"/>
+          </a:effectRef>
+          <a:fontRef idx="minor">
+            <a:schemeClr val="lt1"/>
+          </a:fontRef>
+        </p:style>
+        <p:txBody>
+          <a:bodyPr rtlCol="0" anchor="ctr"/>
+          <a:lstStyle/>
+          <a:p>
+            <a:pPr algn="ctr"/>
+            <a:endParaRPr lang="en-US"/>
+          </a:p>
+        </p:txBody>
+      </p:sp>
+      <p:sp>
+        <p:nvSpPr>
+          <p:cNvPr id="11" name="TextBox 10"/>
+          <p:cNvSpPr txBox="1"/>
+          <p:nvPr/>
+        </p:nvSpPr>
+        <p:spPr>
+          <a:xfrm>
+            <a:off x="4775535" y="2189095"/>
+            <a:ext cx="3848099" cy="2246769"/>
+          </a:xfrm>
+          <a:prstGeom prst="rect">
+            <a:avLst/>
+          </a:prstGeom>
+          <a:noFill/>
+        </p:spPr>
+        <p:txBody>
+          <a:bodyPr wrap="square" rtlCol="0">
+            <a:spAutoFit/>
+          </a:bodyPr>
+          <a:lstStyle/>
+          <a:p>
+            <a:pPr algn="ctr"/>
+            <a:r>
+              <a:rPr lang="en-US" sz="2400" b="1" dirty="0" smtClean="0"/>
+              <a:t>Genetic Algorithm</a:t>
+            </a:r>
+          </a:p>
+          <a:p>
+            <a:pPr marL="342900" indent="-342900">
+              <a:buFont typeface="Arial" panose="020B0604020202020204" pitchFamily="34" charset="0"/>
+              <a:buChar char="•"/>
+            </a:pPr>
+            <a:r>
+              <a:rPr lang="en-US" sz="2400" dirty="0" smtClean="0"/>
+              <a:t>1060 function evaluations</a:t>
+            </a:r>
+          </a:p>
+          <a:p>
+            <a:pPr marL="342900" indent="-342900">
+              <a:buFont typeface="Arial" panose="020B0604020202020204" pitchFamily="34" charset="0"/>
+              <a:buChar char="•"/>
+            </a:pPr>
+            <a:r>
+              <a:rPr lang="en-US" sz="2400" dirty="0" smtClean="0"/>
+              <a:t>Optima value: </a:t>
+            </a:r>
+            <a:r>
+              <a:rPr lang="en-US" sz="2400" dirty="0" err="1" smtClean="0"/>
+              <a:t>xxxx</a:t>
+            </a:r>
+            <a:endParaRPr lang="en-US" sz="2400" dirty="0" smtClean="0"/>
+          </a:p>
+          <a:p>
+            <a:endParaRPr lang="en-US" sz="2400" dirty="0" smtClean="0"/>
+          </a:p>
+          <a:p>
+            <a:pPr marL="342900" indent="-342900">
+              <a:buFont typeface="Arial" panose="020B0604020202020204" pitchFamily="34" charset="0"/>
+              <a:buChar char="•"/>
+            </a:pPr>
+            <a:endParaRPr lang="en-US" sz="2400" dirty="0" smtClean="0"/>
+          </a:p>
+          <a:p>
+            <a:pPr lvl="1"/>
+            <a:endParaRPr lang="en-US" sz="2000" dirty="0" smtClean="0"/>
+          </a:p>
+        </p:txBody>
+      </p:sp>
+    </p:spTree>
+    <p:extLst>
+      <p:ext uri="{BB962C8B-B14F-4D97-AF65-F5344CB8AC3E}">
+        <p14:creationId xmlns:p14="http://schemas.microsoft.com/office/powerpoint/2010/main" val="1873813450"/>
+      </p:ext>
+    </p:extLst>
+  </p:cSld>
+  <p:clrMapOvr>
+    <a:masterClrMapping/>
+  </p:clrMapOvr>
+  <p:timing>
+    <p:tnLst>
+      <p:par>
+        <p:cTn id="1" dur="indefinite" restart="never" nodeType="tmRoot"/>
+      </p:par>
+    </p:tnLst>
+  </p:timing>
+</p:sld>
+</file>
+
+<file path=ppt/slides/slide19.xml><?xml version="1.0" encoding="utf-8"?>
+<p:sld xmlns:a="http://schemas.openxmlformats.org/drawingml/2006/main" xmlns:r="http://schemas.openxmlformats.org/officeDocument/2006/relationships" xmlns:p="http://schemas.openxmlformats.org/presentationml/2006/main">
+  <p:cSld>
+    <p:spTree>
+      <p:nvGrpSpPr>
+        <p:cNvPr id="1" name=""/>
+        <p:cNvGrpSpPr/>
+        <p:nvPr/>
+      </p:nvGrpSpPr>
+      <p:grpSpPr>
+        <a:xfrm>
+          <a:off x="0" y="0"/>
+          <a:ext cx="0" cy="0"/>
+          <a:chOff x="0" y="0"/>
+          <a:chExt cx="0" cy="0"/>
+        </a:xfrm>
+      </p:grpSpPr>
+      <p:sp>
+        <p:nvSpPr>
+          <p:cNvPr id="2" name="Title 1"/>
+          <p:cNvSpPr>
+            <a:spLocks noGrp="1"/>
+          </p:cNvSpPr>
+          <p:nvPr>
+            <p:ph type="title"/>
+          </p:nvPr>
+        </p:nvSpPr>
+        <p:spPr/>
+        <p:txBody>
+          <a:bodyPr/>
+          <a:lstStyle/>
+          <a:p>
+            <a:r>
+              <a:rPr lang="en-US" dirty="0" smtClean="0"/>
+              <a:t>Multi-Objective Optimization</a:t>
+            </a:r>
+            <a:endParaRPr lang="en-US" dirty="0"/>
+          </a:p>
+        </p:txBody>
+      </p:sp>
+      <p:sp>
+        <p:nvSpPr>
+          <p:cNvPr id="5" name="Slide Number Placeholder 4"/>
+          <p:cNvSpPr>
+            <a:spLocks noGrp="1"/>
+          </p:cNvSpPr>
+          <p:nvPr>
+            <p:ph type="sldNum" sz="quarter" idx="12"/>
+          </p:nvPr>
+        </p:nvSpPr>
+        <p:spPr/>
+        <p:txBody>
+          <a:bodyPr/>
+          <a:lstStyle/>
+          <a:p>
+            <a:pPr>
+              <a:defRPr/>
+            </a:pPr>
+            <a:fld id="{6E3317FF-6423-48BB-8CF6-A5183FB2D75B}" type="slidenum">
+              <a:rPr lang="en-US" smtClean="0">
+                <a:solidFill>
+                  <a:prstClr val="black">
+                    <a:tint val="75000"/>
+                  </a:prstClr>
+                </a:solidFill>
+              </a:rPr>
+              <a:pPr>
+                <a:defRPr/>
+              </a:pPr>
+              <a:t>19</a:t>
+            </a:fld>
+            <a:endParaRPr lang="en-US">
+              <a:solidFill>
+                <a:prstClr val="black">
+                  <a:tint val="75000"/>
+                </a:prstClr>
+              </a:solidFill>
+            </a:endParaRPr>
+          </a:p>
+        </p:txBody>
+      </p:sp>
       <p:pic>
         <p:nvPicPr>
           <p:cNvPr id="3" name="Picture 2"/>
@@ -5825,7 +11275,7 @@
           <a:blip r:embed="rId2">
             <a:extLst>
               <a:ext uri="{28A0092B-C50C-407E-A947-70E740481C1C}">
-                <a14:useLocalDpi xmlns:a14="http://schemas.microsoft.com/office/drawing/2010/main" val="0"/>
+                <a14:useLocalDpi xmlns:a14="http://schemas.microsoft.com/office/drawing/2010/main"/>
               </a:ext>
             </a:extLst>
           </a:blip>
@@ -5853,10 +11303,17 @@
   <p:clrMapOvr>
     <a:masterClrMapping/>
   </p:clrMapOvr>
+  <p:timing>
+    <p:tnLst>
+      <p:par>
+        <p:cTn id="1" dur="indefinite" restart="never" nodeType="tmRoot"/>
+      </p:par>
+    </p:tnLst>
+  </p:timing>
 </p:sld>
 </file>
 
-<file path=ppt/slides/slide12.xml><?xml version="1.0" encoding="utf-8"?>
+<file path=ppt/slides/slide2.xml><?xml version="1.0" encoding="utf-8"?>
 <p:sld xmlns:a="http://schemas.openxmlformats.org/drawingml/2006/main" xmlns:r="http://schemas.openxmlformats.org/officeDocument/2006/relationships" xmlns:p="http://schemas.openxmlformats.org/presentationml/2006/main">
   <p:cSld>
     <p:spTree>
@@ -5890,6 +11347,274 @@
           <a:p>
             <a:r>
               <a:rPr lang="en-US" dirty="0" smtClean="0"/>
+              <a:t>Motivation</a:t>
+            </a:r>
+            <a:endParaRPr lang="en-US" dirty="0"/>
+          </a:p>
+        </p:txBody>
+      </p:sp>
+      <p:sp>
+        <p:nvSpPr>
+          <p:cNvPr id="5" name="TextBox 4"/>
+          <p:cNvSpPr txBox="1"/>
+          <p:nvPr/>
+        </p:nvSpPr>
+        <p:spPr>
+          <a:xfrm>
+            <a:off x="2590800" y="5943600"/>
+            <a:ext cx="184731" cy="369332"/>
+          </a:xfrm>
+          <a:prstGeom prst="rect">
+            <a:avLst/>
+          </a:prstGeom>
+          <a:noFill/>
+        </p:spPr>
+        <p:txBody>
+          <a:bodyPr wrap="none" rtlCol="0">
+            <a:spAutoFit/>
+          </a:bodyPr>
+          <a:lstStyle/>
+          <a:p>
+            <a:endParaRPr lang="en-US" dirty="0"/>
+          </a:p>
+        </p:txBody>
+      </p:sp>
+      <p:sp>
+        <p:nvSpPr>
+          <p:cNvPr id="6" name="TextBox 5"/>
+          <p:cNvSpPr txBox="1"/>
+          <p:nvPr/>
+        </p:nvSpPr>
+        <p:spPr>
+          <a:xfrm>
+            <a:off x="304800" y="1066800"/>
+            <a:ext cx="8382000" cy="6463308"/>
+          </a:xfrm>
+          <a:prstGeom prst="rect">
+            <a:avLst/>
+          </a:prstGeom>
+          <a:noFill/>
+        </p:spPr>
+        <p:txBody>
+          <a:bodyPr wrap="square" rtlCol="0">
+            <a:spAutoFit/>
+          </a:bodyPr>
+          <a:lstStyle/>
+          <a:p>
+            <a:pPr marL="285750" indent="-285750">
+              <a:buFont typeface="Arial" panose="020B0604020202020204" pitchFamily="34" charset="0"/>
+              <a:buChar char="•"/>
+            </a:pPr>
+            <a:r>
+              <a:rPr lang="en-US" sz="2400" dirty="0" smtClean="0"/>
+              <a:t>US Space Policy, NASA’s “Journey to Mars”</a:t>
+            </a:r>
+          </a:p>
+          <a:p>
+            <a:pPr marL="742950" lvl="1" indent="-285750">
+              <a:buFont typeface="Arial" panose="020B0604020202020204" pitchFamily="34" charset="0"/>
+              <a:buChar char="•"/>
+            </a:pPr>
+            <a:r>
+              <a:rPr lang="en-US" sz="2000" dirty="0" smtClean="0"/>
+              <a:t>Sustainable, indefinite human presence on Mars</a:t>
+            </a:r>
+          </a:p>
+          <a:p>
+            <a:pPr marL="742950" lvl="1" indent="-285750">
+              <a:buFont typeface="Arial" panose="020B0604020202020204" pitchFamily="34" charset="0"/>
+              <a:buChar char="•"/>
+            </a:pPr>
+            <a:r>
+              <a:rPr lang="en-US" sz="2000" dirty="0" smtClean="0"/>
+              <a:t>Sustainability requires consideration of diverse factors:</a:t>
+            </a:r>
+          </a:p>
+          <a:p>
+            <a:pPr marL="1200150" lvl="2" indent="-285750">
+              <a:buFont typeface="Arial" panose="020B0604020202020204" pitchFamily="34" charset="0"/>
+              <a:buChar char="•"/>
+            </a:pPr>
+            <a:r>
+              <a:rPr lang="en-US" sz="2000" dirty="0" smtClean="0"/>
+              <a:t>Logistics</a:t>
+            </a:r>
+          </a:p>
+          <a:p>
+            <a:pPr marL="1200150" lvl="2" indent="-285750">
+              <a:buFont typeface="Arial" panose="020B0604020202020204" pitchFamily="34" charset="0"/>
+              <a:buChar char="•"/>
+            </a:pPr>
+            <a:r>
+              <a:rPr lang="en-US" sz="2000" dirty="0" smtClean="0"/>
+              <a:t>Economics</a:t>
+            </a:r>
+          </a:p>
+          <a:p>
+            <a:pPr marL="1200150" lvl="2" indent="-285750">
+              <a:buFont typeface="Arial" panose="020B0604020202020204" pitchFamily="34" charset="0"/>
+              <a:buChar char="•"/>
+            </a:pPr>
+            <a:r>
+              <a:rPr lang="en-US" sz="2000" dirty="0" smtClean="0"/>
+              <a:t>Politics</a:t>
+            </a:r>
+          </a:p>
+          <a:p>
+            <a:pPr lvl="2"/>
+            <a:endParaRPr lang="en-US" sz="1000" dirty="0" smtClean="0"/>
+          </a:p>
+          <a:p>
+            <a:pPr marL="285750" indent="-285750">
+              <a:buFont typeface="Arial" panose="020B0604020202020204" pitchFamily="34" charset="0"/>
+              <a:buChar char="•"/>
+            </a:pPr>
+            <a:r>
+              <a:rPr lang="en-US" sz="2400" dirty="0" smtClean="0"/>
+              <a:t>Mars 2040 Project, 2015</a:t>
+            </a:r>
+          </a:p>
+          <a:p>
+            <a:pPr marL="742950" lvl="1" indent="-285750">
+              <a:buFont typeface="Arial" panose="020B0604020202020204" pitchFamily="34" charset="0"/>
+              <a:buChar char="•"/>
+            </a:pPr>
+            <a:r>
+              <a:rPr lang="en-US" sz="2000" dirty="0" smtClean="0"/>
+              <a:t>Graduate System Design and Management Team</a:t>
+            </a:r>
+          </a:p>
+          <a:p>
+            <a:pPr marL="742950" lvl="1" indent="-285750">
+              <a:buFont typeface="Arial" panose="020B0604020202020204" pitchFamily="34" charset="0"/>
+              <a:buChar char="•"/>
+            </a:pPr>
+            <a:r>
+              <a:rPr lang="en-US" sz="2000" dirty="0" smtClean="0"/>
+              <a:t>Developed a basic modelling environment for Martian outpost and support architecture</a:t>
+            </a:r>
+          </a:p>
+          <a:p>
+            <a:pPr marL="742950" lvl="1" indent="-285750">
+              <a:buFont typeface="Arial" panose="020B0604020202020204" pitchFamily="34" charset="0"/>
+              <a:buChar char="•"/>
+            </a:pPr>
+            <a:r>
+              <a:rPr lang="en-US" sz="2000" dirty="0" smtClean="0"/>
+              <a:t>Full factorial enumeration to find optimal architecture maximizing scientific return subject to IMLEO weight constraints</a:t>
+            </a:r>
+          </a:p>
+          <a:p>
+            <a:pPr lvl="2"/>
+            <a:endParaRPr lang="en-US" sz="1000" dirty="0" smtClean="0"/>
+          </a:p>
+          <a:p>
+            <a:pPr marL="285750" indent="-285750">
+              <a:buFont typeface="Arial" panose="020B0604020202020204" pitchFamily="34" charset="0"/>
+              <a:buChar char="•"/>
+            </a:pPr>
+            <a:r>
+              <a:rPr lang="en-US" sz="2400" dirty="0" smtClean="0"/>
+              <a:t>16.888 Resupply Optimization</a:t>
+            </a:r>
+          </a:p>
+          <a:p>
+            <a:pPr marL="742950" lvl="1" indent="-285750">
+              <a:buFont typeface="Arial" panose="020B0604020202020204" pitchFamily="34" charset="0"/>
+              <a:buChar char="•"/>
+            </a:pPr>
+            <a:r>
+              <a:rPr lang="en-US" sz="2000" dirty="0" smtClean="0"/>
+              <a:t>Multi-disciplinary, multi-objective minimization using enhanced model</a:t>
+            </a:r>
+          </a:p>
+          <a:p>
+            <a:pPr marL="742950" lvl="1" indent="-285750">
+              <a:buFont typeface="Arial" panose="020B0604020202020204" pitchFamily="34" charset="0"/>
+              <a:buChar char="•"/>
+            </a:pPr>
+            <a:r>
+              <a:rPr lang="en-US" sz="2000" dirty="0" smtClean="0"/>
+              <a:t>New objectives account for technology investment, IMLEO costs and scientific value</a:t>
+            </a:r>
+          </a:p>
+          <a:p>
+            <a:pPr marL="742950" lvl="1" indent="-285750">
+              <a:buFont typeface="Arial" panose="020B0604020202020204" pitchFamily="34" charset="0"/>
+              <a:buChar char="•"/>
+            </a:pPr>
+            <a:endParaRPr lang="en-US" sz="2000" dirty="0" smtClean="0"/>
+          </a:p>
+          <a:p>
+            <a:pPr marL="285750" indent="-285750">
+              <a:buFont typeface="Arial" panose="020B0604020202020204" pitchFamily="34" charset="0"/>
+              <a:buChar char="•"/>
+            </a:pPr>
+            <a:endParaRPr lang="en-US" sz="2000" dirty="0" smtClean="0"/>
+          </a:p>
+          <a:p>
+            <a:pPr marL="742950" lvl="1" indent="-285750">
+              <a:buFont typeface="Arial" panose="020B0604020202020204" pitchFamily="34" charset="0"/>
+              <a:buChar char="•"/>
+            </a:pPr>
+            <a:endParaRPr lang="en-US" sz="2000" dirty="0" smtClean="0"/>
+          </a:p>
+        </p:txBody>
+      </p:sp>
+    </p:spTree>
+    <p:extLst>
+      <p:ext uri="{BB962C8B-B14F-4D97-AF65-F5344CB8AC3E}">
+        <p14:creationId xmlns:p14="http://schemas.microsoft.com/office/powerpoint/2010/main" val="448310693"/>
+      </p:ext>
+    </p:extLst>
+  </p:cSld>
+  <p:clrMapOvr>
+    <a:masterClrMapping/>
+  </p:clrMapOvr>
+  <p:timing>
+    <p:tnLst>
+      <p:par>
+        <p:cTn id="1" dur="indefinite" restart="never" nodeType="tmRoot"/>
+      </p:par>
+    </p:tnLst>
+  </p:timing>
+</p:sld>
+</file>
+
+<file path=ppt/slides/slide20.xml><?xml version="1.0" encoding="utf-8"?>
+<p:sld xmlns:a="http://schemas.openxmlformats.org/drawingml/2006/main" xmlns:r="http://schemas.openxmlformats.org/officeDocument/2006/relationships" xmlns:p="http://schemas.openxmlformats.org/presentationml/2006/main">
+  <p:cSld>
+    <p:spTree>
+      <p:nvGrpSpPr>
+        <p:cNvPr id="1" name=""/>
+        <p:cNvGrpSpPr/>
+        <p:nvPr/>
+      </p:nvGrpSpPr>
+      <p:grpSpPr>
+        <a:xfrm>
+          <a:off x="0" y="0"/>
+          <a:ext cx="0" cy="0"/>
+          <a:chOff x="0" y="0"/>
+          <a:chExt cx="0" cy="0"/>
+        </a:xfrm>
+      </p:grpSpPr>
+      <p:sp>
+        <p:nvSpPr>
+          <p:cNvPr id="2" name="Title 1"/>
+          <p:cNvSpPr>
+            <a:spLocks noGrp="1"/>
+          </p:cNvSpPr>
+          <p:nvPr>
+            <p:ph type="title"/>
+          </p:nvPr>
+        </p:nvSpPr>
+        <p:spPr/>
+        <p:txBody>
+          <a:bodyPr/>
+          <a:lstStyle/>
+          <a:p>
+            <a:r>
+              <a:rPr lang="en-US" dirty="0" smtClean="0"/>
               <a:t>Multi-Objective Optimization</a:t>
             </a:r>
             <a:endParaRPr lang="en-US" dirty="0"/>
@@ -5925,7 +11650,7 @@
               <a:pPr>
                 <a:defRPr/>
               </a:pPr>
-              <a:t>12</a:t>
+              <a:t>20</a:t>
             </a:fld>
             <a:endParaRPr lang="en-US">
               <a:solidFill>
@@ -5949,7 +11674,7 @@
           <a:blip r:embed="rId2">
             <a:extLst>
               <a:ext uri="{28A0092B-C50C-407E-A947-70E740481C1C}">
-                <a14:useLocalDpi xmlns:a14="http://schemas.microsoft.com/office/drawing/2010/main" val="0"/>
+                <a14:useLocalDpi xmlns:a14="http://schemas.microsoft.com/office/drawing/2010/main"/>
               </a:ext>
             </a:extLst>
           </a:blip>
@@ -5977,10 +11702,17 @@
   <p:clrMapOvr>
     <a:masterClrMapping/>
   </p:clrMapOvr>
+  <p:timing>
+    <p:tnLst>
+      <p:par>
+        <p:cTn id="1" dur="indefinite" restart="never" nodeType="tmRoot"/>
+      </p:par>
+    </p:tnLst>
+  </p:timing>
 </p:sld>
 </file>
 
-<file path=ppt/slides/slide13.xml><?xml version="1.0" encoding="utf-8"?>
+<file path=ppt/slides/slide21.xml><?xml version="1.0" encoding="utf-8"?>
 <p:sld xmlns:a="http://schemas.openxmlformats.org/drawingml/2006/main" xmlns:r="http://schemas.openxmlformats.org/officeDocument/2006/relationships" xmlns:p="http://schemas.openxmlformats.org/presentationml/2006/main">
   <p:cSld>
     <p:spTree>
@@ -6049,7 +11781,7 @@
               <a:pPr>
                 <a:defRPr/>
               </a:pPr>
-              <a:t>13</a:t>
+              <a:t>21</a:t>
             </a:fld>
             <a:endParaRPr lang="en-US">
               <a:solidFill>
@@ -6071,10 +11803,17 @@
   <p:clrMapOvr>
     <a:masterClrMapping/>
   </p:clrMapOvr>
+  <p:timing>
+    <p:tnLst>
+      <p:par>
+        <p:cTn id="1" dur="indefinite" restart="never" nodeType="tmRoot"/>
+      </p:par>
+    </p:tnLst>
+  </p:timing>
 </p:sld>
 </file>
 
-<file path=ppt/slides/slide14.xml><?xml version="1.0" encoding="utf-8"?>
+<file path=ppt/slides/slide22.xml><?xml version="1.0" encoding="utf-8"?>
 <p:sld xmlns:a="http://schemas.openxmlformats.org/drawingml/2006/main" xmlns:r="http://schemas.openxmlformats.org/officeDocument/2006/relationships" xmlns:p="http://schemas.openxmlformats.org/presentationml/2006/main">
   <p:cSld>
     <p:spTree>
@@ -6160,284 +11899,13 @@
   <p:clrMapOvr>
     <a:masterClrMapping/>
   </p:clrMapOvr>
-</p:sld>
-</file>
-
-<file path=ppt/slides/slide2.xml><?xml version="1.0" encoding="utf-8"?>
-<p:sld xmlns:a="http://schemas.openxmlformats.org/drawingml/2006/main" xmlns:r="http://schemas.openxmlformats.org/officeDocument/2006/relationships" xmlns:p="http://schemas.openxmlformats.org/presentationml/2006/main">
-  <p:cSld>
-    <p:spTree>
-      <p:nvGrpSpPr>
-        <p:cNvPr id="1" name=""/>
-        <p:cNvGrpSpPr/>
-        <p:nvPr/>
-      </p:nvGrpSpPr>
-      <p:grpSpPr>
-        <a:xfrm>
-          <a:off x="0" y="0"/>
-          <a:ext cx="0" cy="0"/>
-          <a:chOff x="0" y="0"/>
-          <a:chExt cx="0" cy="0"/>
-        </a:xfrm>
-      </p:grpSpPr>
-      <p:sp>
-        <p:nvSpPr>
-          <p:cNvPr id="2" name="Title 1"/>
-          <p:cNvSpPr>
-            <a:spLocks noGrp="1"/>
-          </p:cNvSpPr>
-          <p:nvPr>
-            <p:ph type="title"/>
-          </p:nvPr>
-        </p:nvSpPr>
-        <p:spPr/>
-        <p:txBody>
-          <a:bodyPr/>
-          <a:lstStyle/>
-          <a:p>
-            <a:r>
-              <a:rPr lang="en-US" dirty="0" smtClean="0"/>
-              <a:t>Motivation</a:t>
-            </a:r>
-            <a:endParaRPr lang="en-US" dirty="0"/>
-          </a:p>
-        </p:txBody>
-      </p:sp>
-      <p:sp>
-        <p:nvSpPr>
-          <p:cNvPr id="5" name="TextBox 4"/>
-          <p:cNvSpPr txBox="1"/>
-          <p:nvPr/>
-        </p:nvSpPr>
-        <p:spPr>
-          <a:xfrm>
-            <a:off x="2590800" y="5943600"/>
-            <a:ext cx="184731" cy="369332"/>
-          </a:xfrm>
-          <a:prstGeom prst="rect">
-            <a:avLst/>
-          </a:prstGeom>
-          <a:noFill/>
-        </p:spPr>
-        <p:txBody>
-          <a:bodyPr wrap="none" rtlCol="0">
-            <a:spAutoFit/>
-          </a:bodyPr>
-          <a:lstStyle/>
-          <a:p>
-            <a:endParaRPr lang="en-US" dirty="0"/>
-          </a:p>
-        </p:txBody>
-      </p:sp>
-      <p:sp>
-        <p:nvSpPr>
-          <p:cNvPr id="6" name="TextBox 5"/>
-          <p:cNvSpPr txBox="1"/>
-          <p:nvPr/>
-        </p:nvSpPr>
-        <p:spPr>
-          <a:xfrm>
-            <a:off x="304800" y="1066800"/>
-            <a:ext cx="8382000" cy="5816977"/>
-          </a:xfrm>
-          <a:prstGeom prst="rect">
-            <a:avLst/>
-          </a:prstGeom>
-          <a:noFill/>
-        </p:spPr>
-        <p:txBody>
-          <a:bodyPr wrap="square" rtlCol="0">
-            <a:spAutoFit/>
-          </a:bodyPr>
-          <a:lstStyle/>
-          <a:p>
-            <a:pPr marL="285750" indent="-285750">
-              <a:buFont typeface="Arial" panose="020B0604020202020204" pitchFamily="34" charset="0"/>
-              <a:buChar char="•"/>
-            </a:pPr>
-            <a:r>
-              <a:rPr lang="en-US" sz="2400" dirty="0" smtClean="0"/>
-              <a:t>US Space Policy, NASA’s “Journey to Mars”</a:t>
-            </a:r>
-          </a:p>
-          <a:p>
-            <a:pPr marL="742950" lvl="1" indent="-285750">
-              <a:buFont typeface="Arial" panose="020B0604020202020204" pitchFamily="34" charset="0"/>
-              <a:buChar char="•"/>
-            </a:pPr>
-            <a:r>
-              <a:rPr lang="en-US" sz="2000" dirty="0" smtClean="0"/>
-              <a:t>Sustainable, indefinite human presence on Mars</a:t>
-            </a:r>
-          </a:p>
-          <a:p>
-            <a:pPr marL="742950" lvl="1" indent="-285750">
-              <a:buFont typeface="Arial" panose="020B0604020202020204" pitchFamily="34" charset="0"/>
-              <a:buChar char="•"/>
-            </a:pPr>
-            <a:r>
-              <a:rPr lang="en-US" sz="2000" dirty="0" smtClean="0"/>
-              <a:t>Sustainability</a:t>
-            </a:r>
-          </a:p>
-          <a:p>
-            <a:pPr marL="1200150" lvl="2" indent="-285750">
-              <a:buFont typeface="Arial" panose="020B0604020202020204" pitchFamily="34" charset="0"/>
-              <a:buChar char="•"/>
-            </a:pPr>
-            <a:r>
-              <a:rPr lang="en-US" sz="2000" dirty="0" smtClean="0"/>
-              <a:t>Logistics</a:t>
-            </a:r>
-          </a:p>
-          <a:p>
-            <a:pPr marL="1200150" lvl="2" indent="-285750">
-              <a:buFont typeface="Arial" panose="020B0604020202020204" pitchFamily="34" charset="0"/>
-              <a:buChar char="•"/>
-            </a:pPr>
-            <a:r>
-              <a:rPr lang="en-US" sz="2000" dirty="0" smtClean="0"/>
-              <a:t>Economics</a:t>
-            </a:r>
-          </a:p>
-          <a:p>
-            <a:pPr marL="1200150" lvl="2" indent="-285750">
-              <a:buFont typeface="Arial" panose="020B0604020202020204" pitchFamily="34" charset="0"/>
-              <a:buChar char="•"/>
-            </a:pPr>
-            <a:r>
-              <a:rPr lang="en-US" sz="2000" dirty="0" smtClean="0"/>
-              <a:t>Politics</a:t>
-            </a:r>
-          </a:p>
-          <a:p>
-            <a:pPr marL="285750" indent="-285750">
-              <a:buFont typeface="Arial" panose="020B0604020202020204" pitchFamily="34" charset="0"/>
-              <a:buChar char="•"/>
-            </a:pPr>
-            <a:r>
-              <a:rPr lang="en-US" sz="2400" dirty="0" smtClean="0"/>
-              <a:t>Mars 2040 Project, 2015</a:t>
-            </a:r>
-          </a:p>
-          <a:p>
-            <a:pPr marL="742950" lvl="1" indent="-285750">
-              <a:buFont typeface="Arial" panose="020B0604020202020204" pitchFamily="34" charset="0"/>
-              <a:buChar char="•"/>
-            </a:pPr>
-            <a:r>
-              <a:rPr lang="en-US" sz="2000" dirty="0" smtClean="0"/>
-              <a:t>Graduate System Design and Management Team</a:t>
-            </a:r>
-          </a:p>
-          <a:p>
-            <a:pPr marL="742950" lvl="1" indent="-285750">
-              <a:buFont typeface="Arial" panose="020B0604020202020204" pitchFamily="34" charset="0"/>
-              <a:buChar char="•"/>
-            </a:pPr>
-            <a:r>
-              <a:rPr lang="en-US" sz="2000" dirty="0" smtClean="0"/>
-              <a:t>Designed a permanent outpost and support architecture</a:t>
-            </a:r>
-          </a:p>
-          <a:p>
-            <a:pPr marL="742950" lvl="1" indent="-285750">
-              <a:buFont typeface="Arial" panose="020B0604020202020204" pitchFamily="34" charset="0"/>
-              <a:buChar char="•"/>
-            </a:pPr>
-            <a:r>
-              <a:rPr lang="en-US" sz="2000" dirty="0" smtClean="0"/>
-              <a:t>Determined optimal architecture</a:t>
-            </a:r>
-          </a:p>
-          <a:p>
-            <a:pPr marL="1200150" lvl="2" indent="-285750">
-              <a:buFont typeface="Arial" panose="020B0604020202020204" pitchFamily="34" charset="0"/>
-              <a:buChar char="•"/>
-            </a:pPr>
-            <a:r>
-              <a:rPr lang="en-US" sz="2000" dirty="0" smtClean="0"/>
-              <a:t>Full factorial enumeration</a:t>
-            </a:r>
-          </a:p>
-          <a:p>
-            <a:pPr marL="1200150" lvl="2" indent="-285750">
-              <a:buFont typeface="Arial" panose="020B0604020202020204" pitchFamily="34" charset="0"/>
-              <a:buChar char="•"/>
-            </a:pPr>
-            <a:r>
-              <a:rPr lang="en-US" sz="2000" dirty="0" smtClean="0"/>
-              <a:t>IMLEO metric</a:t>
-            </a:r>
-          </a:p>
-          <a:p>
-            <a:pPr marL="285750" indent="-285750">
-              <a:buFont typeface="Arial" panose="020B0604020202020204" pitchFamily="34" charset="0"/>
-              <a:buChar char="•"/>
-            </a:pPr>
-            <a:r>
-              <a:rPr lang="en-US" sz="2400" dirty="0" smtClean="0"/>
-              <a:t>16.888 Resupply Optimization</a:t>
-            </a:r>
-          </a:p>
-          <a:p>
-            <a:pPr marL="742950" lvl="1" indent="-285750">
-              <a:buFont typeface="Arial" panose="020B0604020202020204" pitchFamily="34" charset="0"/>
-              <a:buChar char="•"/>
-            </a:pPr>
-            <a:r>
-              <a:rPr lang="en-US" sz="2000" dirty="0" smtClean="0"/>
-              <a:t>Multi-disciplinary, multi-objective minimization using same models</a:t>
-            </a:r>
-          </a:p>
-          <a:p>
-            <a:pPr marL="742950" lvl="1" indent="-285750">
-              <a:buFont typeface="Arial" panose="020B0604020202020204" pitchFamily="34" charset="0"/>
-              <a:buChar char="•"/>
-            </a:pPr>
-            <a:r>
-              <a:rPr lang="en-US" sz="2000" dirty="0" smtClean="0"/>
-              <a:t>New objectives account for investment and </a:t>
-            </a:r>
-            <a:r>
-              <a:rPr lang="en-US" sz="2000" smtClean="0"/>
-              <a:t>scientific return</a:t>
-            </a:r>
-            <a:endParaRPr lang="en-US" sz="2000" dirty="0" smtClean="0"/>
-          </a:p>
-          <a:p>
-            <a:pPr marL="742950" lvl="1" indent="-285750">
-              <a:buFont typeface="Arial" panose="020B0604020202020204" pitchFamily="34" charset="0"/>
-              <a:buChar char="•"/>
-            </a:pPr>
-            <a:endParaRPr lang="en-US" sz="2000" dirty="0" smtClean="0"/>
-          </a:p>
-          <a:p>
-            <a:pPr marL="285750" indent="-285750">
-              <a:buFont typeface="Arial" panose="020B0604020202020204" pitchFamily="34" charset="0"/>
-              <a:buChar char="•"/>
-            </a:pPr>
-            <a:endParaRPr lang="en-US" sz="2000" dirty="0" smtClean="0"/>
-          </a:p>
-          <a:p>
-            <a:pPr marL="742950" lvl="1" indent="-285750">
-              <a:buFont typeface="Arial" panose="020B0604020202020204" pitchFamily="34" charset="0"/>
-              <a:buChar char="•"/>
-            </a:pPr>
-            <a:endParaRPr lang="en-US" sz="2000" dirty="0" smtClean="0"/>
-          </a:p>
-        </p:txBody>
-      </p:sp>
-    </p:spTree>
-    <p:extLst>
-      <p:ext uri="{BB962C8B-B14F-4D97-AF65-F5344CB8AC3E}">
-        <p14:creationId xmlns:p14="http://schemas.microsoft.com/office/powerpoint/2010/main" val="448310693"/>
-      </p:ext>
-    </p:extLst>
-  </p:cSld>
-  <p:clrMapOvr>
-    <a:masterClrMapping/>
-  </p:clrMapOvr>
+  <p:timing>
+    <p:tnLst>
+      <p:par>
+        <p:cTn id="1" dur="indefinite" restart="never" nodeType="tmRoot"/>
+      </p:par>
+    </p:tnLst>
+  </p:timing>
 </p:sld>
 </file>
 
@@ -6635,7 +12103,7 @@
             </a:pPr>
             <a:r>
               <a:rPr lang="en-US" dirty="0" smtClean="0"/>
-              <a:t>Transit Propulsion</a:t>
+              <a:t>Transit Propulsion Capabilities</a:t>
             </a:r>
             <a:endParaRPr lang="en-US" dirty="0"/>
           </a:p>
@@ -6675,6 +12143,13 @@
   <p:clrMapOvr>
     <a:masterClrMapping/>
   </p:clrMapOvr>
+  <p:timing>
+    <p:tnLst>
+      <p:par>
+        <p:cTn id="1" dur="indefinite" restart="never" nodeType="tmRoot"/>
+      </p:par>
+    </p:tnLst>
+  </p:timing>
 </p:sld>
 </file>
 
@@ -6806,7 +12281,7 @@
             </a:pPr>
             <a:r>
               <a:rPr lang="en-US" sz="2000" dirty="0" smtClean="0"/>
-              <a:t>10 Total Variables</a:t>
+              <a:t>10 Total Design Variables</a:t>
             </a:r>
           </a:p>
           <a:p>
@@ -6836,7 +12311,7 @@
             </a:pPr>
             <a:r>
               <a:rPr lang="en-US" sz="2000" dirty="0" smtClean="0"/>
-              <a:t>Propulsion Type, </a:t>
+              <a:t>Propulsion Type and </a:t>
             </a:r>
             <a:r>
               <a:rPr lang="en-US" sz="2000" dirty="0" err="1" smtClean="0"/>
@@ -6893,6 +12368,13 @@
   <p:clrMapOvr>
     <a:masterClrMapping/>
   </p:clrMapOvr>
+  <p:timing>
+    <p:tnLst>
+      <p:par>
+        <p:cTn id="1" dur="indefinite" restart="never" nodeType="tmRoot"/>
+      </p:par>
+    </p:tnLst>
+  </p:timing>
 </p:sld>
 </file>
 
@@ -7243,6 +12725,13 @@
   <p:clrMapOvr>
     <a:masterClrMapping/>
   </p:clrMapOvr>
+  <p:timing>
+    <p:tnLst>
+      <p:par>
+        <p:cTn id="1" dur="indefinite" restart="never" nodeType="tmRoot"/>
+      </p:par>
+    </p:tnLst>
+  </p:timing>
 </p:sld>
 </file>
 
@@ -7343,8 +12832,8 @@
         </p:blipFill>
         <p:spPr>
           <a:xfrm>
-            <a:off x="1600198" y="964190"/>
-            <a:ext cx="6096000" cy="744682"/>
+            <a:off x="990600" y="1066800"/>
+            <a:ext cx="5791200" cy="707448"/>
           </a:xfrm>
           <a:prstGeom prst="rect">
             <a:avLst/>
@@ -7367,8 +12856,8 @@
         </p:blipFill>
         <p:spPr>
           <a:xfrm>
-            <a:off x="2331892" y="1703242"/>
-            <a:ext cx="4632614" cy="2727614"/>
+            <a:off x="2286000" y="1905000"/>
+            <a:ext cx="4068906" cy="2395711"/>
           </a:xfrm>
           <a:prstGeom prst="rect">
             <a:avLst/>
@@ -7409,6 +12898,13 @@
   <p:clrMapOvr>
     <a:masterClrMapping/>
   </p:clrMapOvr>
+  <p:timing>
+    <p:tnLst>
+      <p:par>
+        <p:cTn id="1" dur="indefinite" restart="never" nodeType="tmRoot"/>
+      </p:par>
+    </p:tnLst>
+  </p:timing>
 </p:sld>
 </file>
 
@@ -7446,11 +12942,7 @@
           <a:p>
             <a:r>
               <a:rPr lang="en-US" dirty="0" smtClean="0"/>
-              <a:t>Modeling and </a:t>
-            </a:r>
-            <a:r>
-              <a:rPr lang="en-US" dirty="0" smtClean="0"/>
-              <a:t>Simulation:</a:t>
+              <a:t>Modeling and Simulation:</a:t>
             </a:r>
             <a:br>
               <a:rPr lang="en-US" dirty="0" smtClean="0"/>
@@ -7516,7 +13008,7 @@
           <a:blip r:embed="rId2">
             <a:extLst>
               <a:ext uri="{28A0092B-C50C-407E-A947-70E740481C1C}">
-                <a14:useLocalDpi xmlns:a14="http://schemas.microsoft.com/office/drawing/2010/main" val="0"/>
+                <a14:useLocalDpi xmlns:a14="http://schemas.microsoft.com/office/drawing/2010/main"/>
               </a:ext>
             </a:extLst>
           </a:blip>
@@ -7744,7 +13236,7 @@
           <a:blip r:embed="rId2">
             <a:extLst>
               <a:ext uri="{28A0092B-C50C-407E-A947-70E740481C1C}">
-                <a14:useLocalDpi xmlns:a14="http://schemas.microsoft.com/office/drawing/2010/main" val="0"/>
+                <a14:useLocalDpi xmlns:a14="http://schemas.microsoft.com/office/drawing/2010/main"/>
               </a:ext>
             </a:extLst>
           </a:blip>
@@ -7805,6 +13297,13 @@
   <p:clrMapOvr>
     <a:masterClrMapping/>
   </p:clrMapOvr>
+  <p:timing>
+    <p:tnLst>
+      <p:par>
+        <p:cTn id="1" dur="indefinite" restart="never" nodeType="tmRoot"/>
+      </p:par>
+    </p:tnLst>
+  </p:timing>
 </p:sld>
 </file>
 
@@ -7842,18 +13341,14 @@
           <a:p>
             <a:r>
               <a:rPr lang="en-US" dirty="0" smtClean="0"/>
-              <a:t>Modeling and </a:t>
-            </a:r>
-            <a:r>
-              <a:rPr lang="en-US" dirty="0" smtClean="0"/>
-              <a:t>Simulation:</a:t>
+              <a:t>Modeling and Simulation:</a:t>
             </a:r>
             <a:br>
               <a:rPr lang="en-US" dirty="0" smtClean="0"/>
             </a:br>
             <a:r>
               <a:rPr lang="en-US" dirty="0" smtClean="0"/>
-              <a:t>Development Cost</a:t>
+              <a:t>Multidisciplinary Expansions</a:t>
             </a:r>
             <a:endParaRPr lang="en-US" dirty="0"/>
           </a:p>
@@ -7890,13 +13385,429 @@
               </a:pPr>
               <a:t>9</a:t>
             </a:fld>
-            <a:endParaRPr lang="en-US">
+            <a:endParaRPr lang="en-US" dirty="0">
               <a:solidFill>
                 <a:prstClr val="black">
                   <a:tint val="75000"/>
                 </a:prstClr>
               </a:solidFill>
             </a:endParaRPr>
+          </a:p>
+        </p:txBody>
+      </p:sp>
+      <p:sp>
+        <p:nvSpPr>
+          <p:cNvPr id="4" name="TextBox 3"/>
+          <p:cNvSpPr txBox="1"/>
+          <p:nvPr/>
+        </p:nvSpPr>
+        <p:spPr>
+          <a:xfrm>
+            <a:off x="457200" y="1066800"/>
+            <a:ext cx="8382000" cy="830997"/>
+          </a:xfrm>
+          <a:prstGeom prst="rect">
+            <a:avLst/>
+          </a:prstGeom>
+          <a:noFill/>
+        </p:spPr>
+        <p:txBody>
+          <a:bodyPr wrap="square" rtlCol="0">
+            <a:spAutoFit/>
+          </a:bodyPr>
+          <a:lstStyle/>
+          <a:p>
+            <a:r>
+              <a:rPr lang="en-US" sz="2400" dirty="0" smtClean="0"/>
+              <a:t>Two additional modules were developed to capture relevant objectives for the Mars 2040 campaign model</a:t>
+            </a:r>
+          </a:p>
+        </p:txBody>
+      </p:sp>
+      <p:pic>
+        <p:nvPicPr>
+          <p:cNvPr id="1026" name="Picture 2"/>
+          <p:cNvPicPr>
+            <a:picLocks noChangeAspect="1" noChangeArrowheads="1"/>
+          </p:cNvPicPr>
+          <p:nvPr/>
+        </p:nvPicPr>
+        <p:blipFill rotWithShape="1">
+          <a:blip r:embed="rId3" cstate="print">
+            <a:extLst>
+              <a:ext uri="{28A0092B-C50C-407E-A947-70E740481C1C}">
+                <a14:useLocalDpi xmlns:a14="http://schemas.microsoft.com/office/drawing/2010/main"/>
+              </a:ext>
+            </a:extLst>
+          </a:blip>
+          <a:srcRect/>
+          <a:stretch/>
+        </p:blipFill>
+        <p:spPr bwMode="auto">
+          <a:xfrm>
+            <a:off x="581123" y="2667000"/>
+            <a:ext cx="1819176" cy="3190791"/>
+          </a:xfrm>
+          <a:prstGeom prst="rect">
+            <a:avLst/>
+          </a:prstGeom>
+          <a:noFill/>
+          <a:ln>
+            <a:noFill/>
+          </a:ln>
+          <a:extLst>
+            <a:ext uri="{909E8E84-426E-40DD-AFC4-6F175D3DCCD1}">
+              <a14:hiddenFill xmlns:a14="http://schemas.microsoft.com/office/drawing/2010/main">
+                <a:solidFill>
+                  <a:schemeClr val="accent1"/>
+                </a:solidFill>
+              </a14:hiddenFill>
+            </a:ext>
+            <a:ext uri="{91240B29-F687-4F45-9708-019B960494DF}">
+              <a14:hiddenLine xmlns:a14="http://schemas.microsoft.com/office/drawing/2010/main" w="9525">
+                <a:solidFill>
+                  <a:schemeClr val="tx1"/>
+                </a:solidFill>
+                <a:miter lim="800000"/>
+                <a:headEnd/>
+                <a:tailEnd/>
+              </a14:hiddenLine>
+            </a:ext>
+          </a:extLst>
+        </p:spPr>
+      </p:pic>
+      <p:sp>
+        <p:nvSpPr>
+          <p:cNvPr id="6" name="TextBox 5"/>
+          <p:cNvSpPr txBox="1"/>
+          <p:nvPr/>
+        </p:nvSpPr>
+        <p:spPr>
+          <a:xfrm>
+            <a:off x="152400" y="2162145"/>
+            <a:ext cx="5486400" cy="400110"/>
+          </a:xfrm>
+          <a:prstGeom prst="rect">
+            <a:avLst/>
+          </a:prstGeom>
+          <a:noFill/>
+        </p:spPr>
+        <p:txBody>
+          <a:bodyPr wrap="square" rtlCol="0">
+            <a:spAutoFit/>
+          </a:bodyPr>
+          <a:lstStyle/>
+          <a:p>
+            <a:pPr algn="ctr"/>
+            <a:r>
+              <a:rPr lang="en-US" sz="2000" b="1" dirty="0" smtClean="0"/>
+              <a:t>Advanced Technologies Development Cost</a:t>
+            </a:r>
+          </a:p>
+        </p:txBody>
+      </p:sp>
+      <p:pic>
+        <p:nvPicPr>
+          <p:cNvPr id="1027" name="Picture 3"/>
+          <p:cNvPicPr>
+            <a:picLocks noChangeAspect="1" noChangeArrowheads="1"/>
+          </p:cNvPicPr>
+          <p:nvPr/>
+        </p:nvPicPr>
+        <p:blipFill rotWithShape="1">
+          <a:blip r:embed="rId4" cstate="print">
+            <a:extLst>
+              <a:ext uri="{28A0092B-C50C-407E-A947-70E740481C1C}">
+                <a14:useLocalDpi xmlns:a14="http://schemas.microsoft.com/office/drawing/2010/main"/>
+              </a:ext>
+            </a:extLst>
+          </a:blip>
+          <a:srcRect/>
+          <a:stretch/>
+        </p:blipFill>
+        <p:spPr bwMode="auto">
+          <a:xfrm>
+            <a:off x="2628898" y="3200400"/>
+            <a:ext cx="2611655" cy="2308459"/>
+          </a:xfrm>
+          <a:prstGeom prst="rect">
+            <a:avLst/>
+          </a:prstGeom>
+          <a:noFill/>
+          <a:ln>
+            <a:noFill/>
+          </a:ln>
+          <a:extLst>
+            <a:ext uri="{909E8E84-426E-40DD-AFC4-6F175D3DCCD1}">
+              <a14:hiddenFill xmlns:a14="http://schemas.microsoft.com/office/drawing/2010/main">
+                <a:solidFill>
+                  <a:schemeClr val="accent1"/>
+                </a:solidFill>
+              </a14:hiddenFill>
+            </a:ext>
+            <a:ext uri="{91240B29-F687-4F45-9708-019B960494DF}">
+              <a14:hiddenLine xmlns:a14="http://schemas.microsoft.com/office/drawing/2010/main" w="9525">
+                <a:solidFill>
+                  <a:schemeClr val="tx1"/>
+                </a:solidFill>
+                <a:miter lim="800000"/>
+                <a:headEnd/>
+                <a:tailEnd/>
+              </a14:hiddenLine>
+            </a:ext>
+          </a:extLst>
+        </p:spPr>
+      </p:pic>
+      <p:sp>
+        <p:nvSpPr>
+          <p:cNvPr id="8" name="TextBox 7"/>
+          <p:cNvSpPr txBox="1"/>
+          <p:nvPr/>
+        </p:nvSpPr>
+        <p:spPr>
+          <a:xfrm>
+            <a:off x="3119384" y="5486400"/>
+            <a:ext cx="1630681" cy="230832"/>
+          </a:xfrm>
+          <a:prstGeom prst="rect">
+            <a:avLst/>
+          </a:prstGeom>
+          <a:noFill/>
+        </p:spPr>
+        <p:txBody>
+          <a:bodyPr wrap="square" rtlCol="0">
+            <a:spAutoFit/>
+          </a:bodyPr>
+          <a:lstStyle/>
+          <a:p>
+            <a:pPr algn="ctr"/>
+            <a:r>
+              <a:rPr lang="en-US" sz="900" dirty="0">
+                <a:solidFill>
+                  <a:schemeClr val="bg1">
+                    <a:lumMod val="50000"/>
+                  </a:schemeClr>
+                </a:solidFill>
+              </a:rPr>
+              <a:t>http://www.exploremars.org/</a:t>
+            </a:r>
+            <a:endParaRPr lang="en-US" sz="900" dirty="0" smtClean="0">
+              <a:solidFill>
+                <a:schemeClr val="bg1">
+                  <a:lumMod val="50000"/>
+                </a:schemeClr>
+              </a:solidFill>
+            </a:endParaRPr>
+          </a:p>
+        </p:txBody>
+      </p:sp>
+      <p:sp>
+        <p:nvSpPr>
+          <p:cNvPr id="5" name="Rectangle 4"/>
+          <p:cNvSpPr/>
+          <p:nvPr/>
+        </p:nvSpPr>
+        <p:spPr>
+          <a:xfrm>
+            <a:off x="419098" y="2133600"/>
+            <a:ext cx="5029201" cy="4046637"/>
+          </a:xfrm>
+          <a:prstGeom prst="rect">
+            <a:avLst/>
+          </a:prstGeom>
+          <a:noFill/>
+          <a:ln>
+            <a:solidFill>
+              <a:srgbClr val="C00000"/>
+            </a:solidFill>
+          </a:ln>
+        </p:spPr>
+        <p:style>
+          <a:lnRef idx="2">
+            <a:schemeClr val="accent1">
+              <a:shade val="50000"/>
+            </a:schemeClr>
+          </a:lnRef>
+          <a:fillRef idx="1">
+            <a:schemeClr val="accent1"/>
+          </a:fillRef>
+          <a:effectRef idx="0">
+            <a:schemeClr val="accent1"/>
+          </a:effectRef>
+          <a:fontRef idx="minor">
+            <a:schemeClr val="lt1"/>
+          </a:fontRef>
+        </p:style>
+        <p:txBody>
+          <a:bodyPr rtlCol="0" anchor="ctr"/>
+          <a:lstStyle/>
+          <a:p>
+            <a:pPr algn="ctr"/>
+            <a:endParaRPr lang="en-US"/>
+          </a:p>
+        </p:txBody>
+      </p:sp>
+      <p:sp>
+        <p:nvSpPr>
+          <p:cNvPr id="10" name="TextBox 9"/>
+          <p:cNvSpPr txBox="1"/>
+          <p:nvPr/>
+        </p:nvSpPr>
+        <p:spPr>
+          <a:xfrm>
+            <a:off x="4419600" y="2135204"/>
+            <a:ext cx="5486400" cy="400110"/>
+          </a:xfrm>
+          <a:prstGeom prst="rect">
+            <a:avLst/>
+          </a:prstGeom>
+          <a:noFill/>
+        </p:spPr>
+        <p:txBody>
+          <a:bodyPr wrap="square" rtlCol="0">
+            <a:spAutoFit/>
+          </a:bodyPr>
+          <a:lstStyle/>
+          <a:p>
+            <a:pPr algn="ctr"/>
+            <a:r>
+              <a:rPr lang="en-US" sz="2000" b="1" dirty="0" smtClean="0"/>
+              <a:t>IMLEO Operational Cost</a:t>
+            </a:r>
+          </a:p>
+        </p:txBody>
+      </p:sp>
+      <p:pic>
+        <p:nvPicPr>
+          <p:cNvPr id="1028" name="Picture 4"/>
+          <p:cNvPicPr>
+            <a:picLocks noChangeAspect="1" noChangeArrowheads="1"/>
+          </p:cNvPicPr>
+          <p:nvPr/>
+        </p:nvPicPr>
+        <p:blipFill rotWithShape="1">
+          <a:blip r:embed="rId5" cstate="print">
+            <a:extLst>
+              <a:ext uri="{28A0092B-C50C-407E-A947-70E740481C1C}">
+                <a14:useLocalDpi xmlns:a14="http://schemas.microsoft.com/office/drawing/2010/main"/>
+              </a:ext>
+            </a:extLst>
+          </a:blip>
+          <a:srcRect/>
+          <a:stretch/>
+        </p:blipFill>
+        <p:spPr bwMode="auto">
+          <a:xfrm>
+            <a:off x="5942797" y="2577495"/>
+            <a:ext cx="2406317" cy="3401328"/>
+          </a:xfrm>
+          <a:prstGeom prst="rect">
+            <a:avLst/>
+          </a:prstGeom>
+          <a:noFill/>
+          <a:ln>
+            <a:noFill/>
+          </a:ln>
+          <a:extLst>
+            <a:ext uri="{909E8E84-426E-40DD-AFC4-6F175D3DCCD1}">
+              <a14:hiddenFill xmlns:a14="http://schemas.microsoft.com/office/drawing/2010/main">
+                <a:solidFill>
+                  <a:schemeClr val="accent1"/>
+                </a:solidFill>
+              </a14:hiddenFill>
+            </a:ext>
+            <a:ext uri="{91240B29-F687-4F45-9708-019B960494DF}">
+              <a14:hiddenLine xmlns:a14="http://schemas.microsoft.com/office/drawing/2010/main" w="9525">
+                <a:solidFill>
+                  <a:schemeClr val="tx1"/>
+                </a:solidFill>
+                <a:miter lim="800000"/>
+                <a:headEnd/>
+                <a:tailEnd/>
+              </a14:hiddenLine>
+            </a:ext>
+          </a:extLst>
+        </p:spPr>
+      </p:pic>
+      <p:sp>
+        <p:nvSpPr>
+          <p:cNvPr id="12" name="Rectangle 11"/>
+          <p:cNvSpPr/>
+          <p:nvPr/>
+        </p:nvSpPr>
+        <p:spPr>
+          <a:xfrm>
+            <a:off x="5715000" y="2133600"/>
+            <a:ext cx="2819400" cy="4046637"/>
+          </a:xfrm>
+          <a:prstGeom prst="rect">
+            <a:avLst/>
+          </a:prstGeom>
+          <a:noFill/>
+          <a:ln>
+            <a:solidFill>
+              <a:srgbClr val="C00000"/>
+            </a:solidFill>
+          </a:ln>
+        </p:spPr>
+        <p:style>
+          <a:lnRef idx="2">
+            <a:schemeClr val="accent1">
+              <a:shade val="50000"/>
+            </a:schemeClr>
+          </a:lnRef>
+          <a:fillRef idx="1">
+            <a:schemeClr val="accent1"/>
+          </a:fillRef>
+          <a:effectRef idx="0">
+            <a:schemeClr val="accent1"/>
+          </a:effectRef>
+          <a:fontRef idx="minor">
+            <a:schemeClr val="lt1"/>
+          </a:fontRef>
+        </p:style>
+        <p:txBody>
+          <a:bodyPr rtlCol="0" anchor="ctr"/>
+          <a:lstStyle/>
+          <a:p>
+            <a:pPr algn="ctr"/>
+            <a:endParaRPr lang="en-US"/>
+          </a:p>
+        </p:txBody>
+      </p:sp>
+      <p:sp>
+        <p:nvSpPr>
+          <p:cNvPr id="13" name="TextBox 12"/>
+          <p:cNvSpPr txBox="1"/>
+          <p:nvPr/>
+        </p:nvSpPr>
+        <p:spPr>
+          <a:xfrm>
+            <a:off x="6347459" y="5938001"/>
+            <a:ext cx="1630681" cy="230832"/>
+          </a:xfrm>
+          <a:prstGeom prst="rect">
+            <a:avLst/>
+          </a:prstGeom>
+          <a:noFill/>
+        </p:spPr>
+        <p:txBody>
+          <a:bodyPr wrap="square" rtlCol="0">
+            <a:spAutoFit/>
+          </a:bodyPr>
+          <a:lstStyle/>
+          <a:p>
+            <a:pPr algn="ctr"/>
+            <a:r>
+              <a:rPr lang="en-US" sz="900" dirty="0" smtClean="0">
+                <a:solidFill>
+                  <a:schemeClr val="bg1">
+                    <a:lumMod val="50000"/>
+                  </a:schemeClr>
+                </a:solidFill>
+              </a:rPr>
+              <a:t>www.spacex.com</a:t>
+            </a:r>
           </a:p>
         </p:txBody>
       </p:sp>
@@ -7910,6 +13821,13 @@
   <p:clrMapOvr>
     <a:masterClrMapping/>
   </p:clrMapOvr>
+  <p:timing>
+    <p:tnLst>
+      <p:par>
+        <p:cTn id="1" dur="indefinite" restart="never" nodeType="tmRoot"/>
+      </p:par>
+    </p:tnLst>
+  </p:timing>
 </p:sld>
 </file>
 

--- a/MSDO/Assignment5/Mars 2040 Optimization Presentation.pptx
+++ b/MSDO/Assignment5/Mars 2040 Optimization Presentation.pptx
@@ -130,7 +130,7 @@
   </p:defaultTextStyle>
   <p:extLst>
     <p:ext uri="{EFAFB233-063F-42B5-8137-9DF3F51BA10A}">
-      <p15:sldGuideLst xmlns="" xmlns:p15="http://schemas.microsoft.com/office/powerpoint/2012/main">
+      <p15:sldGuideLst xmlns:p15="http://schemas.microsoft.com/office/powerpoint/2012/main">
         <p15:guide id="1" orient="horz" pos="2160">
           <p15:clr>
             <a:srgbClr val="A4A3A4"/>
@@ -674,14 +674,6 @@
           <a:bodyPr/>
           <a:lstStyle/>
           <a:p>
-            <a:r>
-              <a:rPr lang="en-US" dirty="0" smtClean="0"/>
-              <a:t>We will compare</a:t>
-            </a:r>
-            <a:r>
-              <a:rPr lang="en-US" baseline="0" dirty="0" smtClean="0"/>
-              <a:t> the optimal result of the coordinate search with that of the GA in a few slides</a:t>
-            </a:r>
             <a:endParaRPr lang="en-US" dirty="0"/>
           </a:p>
         </p:txBody>
@@ -703,7 +695,7 @@
           <a:p>
             <a:fld id="{380EEE09-4C39-4D5E-9E9F-B9379C5BD052}" type="slidenum">
               <a:rPr lang="en-US" smtClean="0"/>
-              <a:t>16</a:t>
+              <a:t>15</a:t>
             </a:fld>
             <a:endParaRPr lang="en-US"/>
           </a:p>
@@ -766,6 +758,14 @@
           <a:bodyPr/>
           <a:lstStyle/>
           <a:p>
+            <a:r>
+              <a:rPr lang="en-US" dirty="0" smtClean="0"/>
+              <a:t>We will compare</a:t>
+            </a:r>
+            <a:r>
+              <a:rPr lang="en-US" baseline="0" dirty="0" smtClean="0"/>
+              <a:t> the optimal result of the coordinate search with that of the GA in a few slides</a:t>
+            </a:r>
             <a:endParaRPr lang="en-US" dirty="0"/>
           </a:p>
         </p:txBody>
@@ -787,7 +787,7 @@
           <a:p>
             <a:fld id="{380EEE09-4C39-4D5E-9E9F-B9379C5BD052}" type="slidenum">
               <a:rPr lang="en-US" smtClean="0"/>
-              <a:t>17</a:t>
+              <a:t>16</a:t>
             </a:fld>
             <a:endParaRPr lang="en-US"/>
           </a:p>
@@ -850,14 +850,6 @@
           <a:bodyPr/>
           <a:lstStyle/>
           <a:p>
-            <a:r>
-              <a:rPr lang="en-US" dirty="0" smtClean="0"/>
-              <a:t>Discuss</a:t>
-            </a:r>
-            <a:r>
-              <a:rPr lang="en-US" baseline="0" dirty="0" smtClean="0"/>
-              <a:t> how the two algorithms were validated against one another, as well as internally through multiple rounds of convergence testing (with different initial points and parameters and such)</a:t>
-            </a:r>
             <a:endParaRPr lang="en-US" dirty="0"/>
           </a:p>
         </p:txBody>
@@ -879,7 +871,7 @@
           <a:p>
             <a:fld id="{380EEE09-4C39-4D5E-9E9F-B9379C5BD052}" type="slidenum">
               <a:rPr lang="en-US" smtClean="0"/>
-              <a:t>18</a:t>
+              <a:t>17</a:t>
             </a:fld>
             <a:endParaRPr lang="en-US"/>
           </a:p>
@@ -942,6 +934,98 @@
           <a:bodyPr/>
           <a:lstStyle/>
           <a:p>
+            <a:r>
+              <a:rPr lang="en-US" dirty="0" smtClean="0"/>
+              <a:t>Discuss</a:t>
+            </a:r>
+            <a:r>
+              <a:rPr lang="en-US" baseline="0" dirty="0" smtClean="0"/>
+              <a:t> how the two algorithms were validated against one another, as well as internally through multiple rounds of convergence testing (with different initial points and parameters and such)</a:t>
+            </a:r>
+            <a:endParaRPr lang="en-US" dirty="0"/>
+          </a:p>
+        </p:txBody>
+      </p:sp>
+      <p:sp>
+        <p:nvSpPr>
+          <p:cNvPr id="4" name="Slide Number Placeholder 3"/>
+          <p:cNvSpPr>
+            <a:spLocks noGrp="1"/>
+          </p:cNvSpPr>
+          <p:nvPr>
+            <p:ph type="sldNum" sz="quarter" idx="10"/>
+          </p:nvPr>
+        </p:nvSpPr>
+        <p:spPr/>
+        <p:txBody>
+          <a:bodyPr/>
+          <a:lstStyle/>
+          <a:p>
+            <a:fld id="{380EEE09-4C39-4D5E-9E9F-B9379C5BD052}" type="slidenum">
+              <a:rPr lang="en-US" smtClean="0"/>
+              <a:t>18</a:t>
+            </a:fld>
+            <a:endParaRPr lang="en-US"/>
+          </a:p>
+        </p:txBody>
+      </p:sp>
+    </p:spTree>
+    <p:extLst>
+      <p:ext uri="{BB962C8B-B14F-4D97-AF65-F5344CB8AC3E}">
+        <p14:creationId xmlns:p14="http://schemas.microsoft.com/office/powerpoint/2010/main" val="3765281168"/>
+      </p:ext>
+    </p:extLst>
+  </p:cSld>
+  <p:clrMapOvr>
+    <a:masterClrMapping/>
+  </p:clrMapOvr>
+</p:notes>
+</file>
+
+<file path=ppt/notesSlides/notesSlide14.xml><?xml version="1.0" encoding="utf-8"?>
+<p:notes xmlns:a="http://schemas.openxmlformats.org/drawingml/2006/main" xmlns:r="http://schemas.openxmlformats.org/officeDocument/2006/relationships" xmlns:p="http://schemas.openxmlformats.org/presentationml/2006/main">
+  <p:cSld>
+    <p:spTree>
+      <p:nvGrpSpPr>
+        <p:cNvPr id="1" name=""/>
+        <p:cNvGrpSpPr/>
+        <p:nvPr/>
+      </p:nvGrpSpPr>
+      <p:grpSpPr>
+        <a:xfrm>
+          <a:off x="0" y="0"/>
+          <a:ext cx="0" cy="0"/>
+          <a:chOff x="0" y="0"/>
+          <a:chExt cx="0" cy="0"/>
+        </a:xfrm>
+      </p:grpSpPr>
+      <p:sp>
+        <p:nvSpPr>
+          <p:cNvPr id="2" name="Slide Image Placeholder 1"/>
+          <p:cNvSpPr>
+            <a:spLocks noGrp="1" noRot="1" noChangeAspect="1"/>
+          </p:cNvSpPr>
+          <p:nvPr>
+            <p:ph type="sldImg"/>
+          </p:nvPr>
+        </p:nvSpPr>
+        <p:spPr/>
+      </p:sp>
+      <p:sp>
+        <p:nvSpPr>
+          <p:cNvPr id="3" name="Notes Placeholder 2"/>
+          <p:cNvSpPr>
+            <a:spLocks noGrp="1"/>
+          </p:cNvSpPr>
+          <p:nvPr>
+            <p:ph type="body" idx="1"/>
+          </p:nvPr>
+        </p:nvSpPr>
+        <p:spPr/>
+        <p:txBody>
+          <a:bodyPr/>
+          <a:lstStyle/>
+          <a:p>
             <a:endParaRPr lang="en-US"/>
           </a:p>
         </p:txBody>
@@ -1026,64 +1110,6 @@
           <a:bodyPr/>
           <a:lstStyle/>
           <a:p>
-            <a:r>
-              <a:rPr lang="en-US" sz="1200" b="0" i="0" kern="1200" dirty="0" smtClean="0">
-                <a:solidFill>
-                  <a:schemeClr val="tx1"/>
-                </a:solidFill>
-                <a:effectLst/>
-                <a:latin typeface="+mn-lt"/>
-                <a:ea typeface="+mn-ea"/>
-                <a:cs typeface="+mn-cs"/>
-              </a:rPr>
-              <a:t>Open Source:</a:t>
-            </a:r>
-            <a:r>
-              <a:rPr lang="en-US" sz="1200" b="0" i="0" kern="1200" baseline="0" dirty="0" smtClean="0">
-                <a:solidFill>
-                  <a:schemeClr val="tx1"/>
-                </a:solidFill>
-                <a:effectLst/>
-                <a:latin typeface="+mn-lt"/>
-                <a:ea typeface="+mn-ea"/>
-                <a:cs typeface="+mn-cs"/>
-              </a:rPr>
-              <a:t> opensource.org</a:t>
-            </a:r>
-            <a:endParaRPr lang="en-US" sz="1200" b="0" i="0" kern="1200" dirty="0" smtClean="0">
-              <a:solidFill>
-                <a:schemeClr val="tx1"/>
-              </a:solidFill>
-              <a:effectLst/>
-              <a:latin typeface="+mn-lt"/>
-              <a:ea typeface="+mn-ea"/>
-              <a:cs typeface="+mn-cs"/>
-            </a:endParaRPr>
-          </a:p>
-          <a:p>
-            <a:endParaRPr lang="en-US" sz="1200" b="0" i="0" kern="1200" dirty="0" smtClean="0">
-              <a:solidFill>
-                <a:schemeClr val="tx1"/>
-              </a:solidFill>
-              <a:effectLst/>
-              <a:latin typeface="+mn-lt"/>
-              <a:ea typeface="+mn-ea"/>
-              <a:cs typeface="+mn-cs"/>
-            </a:endParaRPr>
-          </a:p>
-          <a:p>
-            <a:r>
-              <a:rPr lang="en-US" sz="1200" b="0" i="0" kern="1200" dirty="0" smtClean="0">
-                <a:solidFill>
-                  <a:schemeClr val="tx1"/>
-                </a:solidFill>
-                <a:effectLst/>
-                <a:latin typeface="+mn-lt"/>
-                <a:ea typeface="+mn-ea"/>
-                <a:cs typeface="+mn-cs"/>
-              </a:rPr>
-              <a:t>Fidelity:</a:t>
-            </a:r>
             <a:endParaRPr lang="en-US" dirty="0"/>
           </a:p>
         </p:txBody>
@@ -1105,7 +1131,7 @@
           <a:p>
             <a:fld id="{380EEE09-4C39-4D5E-9E9F-B9379C5BD052}" type="slidenum">
               <a:rPr lang="en-US" smtClean="0"/>
-              <a:t>3</a:t>
+              <a:t>2</a:t>
             </a:fld>
             <a:endParaRPr lang="en-US"/>
           </a:p>
@@ -1114,7 +1140,7 @@
     </p:spTree>
     <p:extLst>
       <p:ext uri="{BB962C8B-B14F-4D97-AF65-F5344CB8AC3E}">
-        <p14:creationId xmlns:p14="http://schemas.microsoft.com/office/powerpoint/2010/main" val="3756150286"/>
+        <p14:creationId xmlns:p14="http://schemas.microsoft.com/office/powerpoint/2010/main" val="4163128147"/>
       </p:ext>
     </p:extLst>
   </p:cSld>
@@ -1247,7 +1273,7 @@
           <a:p>
             <a:fld id="{380EEE09-4C39-4D5E-9E9F-B9379C5BD052}" type="slidenum">
               <a:rPr lang="en-US" smtClean="0"/>
-              <a:t>4</a:t>
+              <a:t>3</a:t>
             </a:fld>
             <a:endParaRPr lang="en-US"/>
           </a:p>
@@ -1256,7 +1282,7 @@
     </p:spTree>
     <p:extLst>
       <p:ext uri="{BB962C8B-B14F-4D97-AF65-F5344CB8AC3E}">
-        <p14:creationId xmlns:p14="http://schemas.microsoft.com/office/powerpoint/2010/main" val="2596866815"/>
+        <p14:creationId xmlns:p14="http://schemas.microsoft.com/office/powerpoint/2010/main" val="3756150286"/>
       </p:ext>
     </p:extLst>
   </p:cSld>
@@ -1310,6 +1336,64 @@
           <a:bodyPr/>
           <a:lstStyle/>
           <a:p>
+            <a:r>
+              <a:rPr lang="en-US" sz="1200" b="0" i="0" kern="1200" dirty="0" smtClean="0">
+                <a:solidFill>
+                  <a:schemeClr val="tx1"/>
+                </a:solidFill>
+                <a:effectLst/>
+                <a:latin typeface="+mn-lt"/>
+                <a:ea typeface="+mn-ea"/>
+                <a:cs typeface="+mn-cs"/>
+              </a:rPr>
+              <a:t>Open Source:</a:t>
+            </a:r>
+            <a:r>
+              <a:rPr lang="en-US" sz="1200" b="0" i="0" kern="1200" baseline="0" dirty="0" smtClean="0">
+                <a:solidFill>
+                  <a:schemeClr val="tx1"/>
+                </a:solidFill>
+                <a:effectLst/>
+                <a:latin typeface="+mn-lt"/>
+                <a:ea typeface="+mn-ea"/>
+                <a:cs typeface="+mn-cs"/>
+              </a:rPr>
+              <a:t> opensource.org</a:t>
+            </a:r>
+            <a:endParaRPr lang="en-US" sz="1200" b="0" i="0" kern="1200" dirty="0" smtClean="0">
+              <a:solidFill>
+                <a:schemeClr val="tx1"/>
+              </a:solidFill>
+              <a:effectLst/>
+              <a:latin typeface="+mn-lt"/>
+              <a:ea typeface="+mn-ea"/>
+              <a:cs typeface="+mn-cs"/>
+            </a:endParaRPr>
+          </a:p>
+          <a:p>
+            <a:endParaRPr lang="en-US" sz="1200" b="0" i="0" kern="1200" dirty="0" smtClean="0">
+              <a:solidFill>
+                <a:schemeClr val="tx1"/>
+              </a:solidFill>
+              <a:effectLst/>
+              <a:latin typeface="+mn-lt"/>
+              <a:ea typeface="+mn-ea"/>
+              <a:cs typeface="+mn-cs"/>
+            </a:endParaRPr>
+          </a:p>
+          <a:p>
+            <a:r>
+              <a:rPr lang="en-US" sz="1200" b="0" i="0" kern="1200" dirty="0" smtClean="0">
+                <a:solidFill>
+                  <a:schemeClr val="tx1"/>
+                </a:solidFill>
+                <a:effectLst/>
+                <a:latin typeface="+mn-lt"/>
+                <a:ea typeface="+mn-ea"/>
+                <a:cs typeface="+mn-cs"/>
+              </a:rPr>
+              <a:t>Fidelity:</a:t>
+            </a:r>
             <a:endParaRPr lang="en-US" dirty="0"/>
           </a:p>
         </p:txBody>
@@ -1331,7 +1415,7 @@
           <a:p>
             <a:fld id="{380EEE09-4C39-4D5E-9E9F-B9379C5BD052}" type="slidenum">
               <a:rPr lang="en-US" smtClean="0"/>
-              <a:t>5</a:t>
+              <a:t>4</a:t>
             </a:fld>
             <a:endParaRPr lang="en-US"/>
           </a:p>
@@ -1340,7 +1424,7 @@
     </p:spTree>
     <p:extLst>
       <p:ext uri="{BB962C8B-B14F-4D97-AF65-F5344CB8AC3E}">
-        <p14:creationId xmlns:p14="http://schemas.microsoft.com/office/powerpoint/2010/main" val="3866929040"/>
+        <p14:creationId xmlns:p14="http://schemas.microsoft.com/office/powerpoint/2010/main" val="2596866815"/>
       </p:ext>
     </p:extLst>
   </p:cSld>
@@ -1415,7 +1499,7 @@
           <a:p>
             <a:fld id="{380EEE09-4C39-4D5E-9E9F-B9379C5BD052}" type="slidenum">
               <a:rPr lang="en-US" smtClean="0"/>
-              <a:t>6</a:t>
+              <a:t>5</a:t>
             </a:fld>
             <a:endParaRPr lang="en-US"/>
           </a:p>
@@ -1424,7 +1508,7 @@
     </p:spTree>
     <p:extLst>
       <p:ext uri="{BB962C8B-B14F-4D97-AF65-F5344CB8AC3E}">
-        <p14:creationId xmlns:p14="http://schemas.microsoft.com/office/powerpoint/2010/main" val="3289367928"/>
+        <p14:creationId xmlns:p14="http://schemas.microsoft.com/office/powerpoint/2010/main" val="3866929040"/>
       </p:ext>
     </p:extLst>
   </p:cSld>
@@ -1478,23 +1562,6 @@
           <a:bodyPr/>
           <a:lstStyle/>
           <a:p>
-            <a:r>
-              <a:rPr lang="en-US" dirty="0" smtClean="0"/>
-              <a:t>Review</a:t>
-            </a:r>
-            <a:r>
-              <a:rPr lang="en-US" baseline="0" dirty="0" smtClean="0"/>
-              <a:t> why these two objectives are especially important in the pre-conceptual design phase planning of a Mars campaign</a:t>
-            </a:r>
-          </a:p>
-          <a:p>
-            <a:endParaRPr lang="en-US" baseline="0" dirty="0" smtClean="0"/>
-          </a:p>
-          <a:p>
-            <a:r>
-              <a:rPr lang="en-US" baseline="0" dirty="0" smtClean="0"/>
-              <a:t>Introduce the two technologies we are considering, advanced propulsion and ISRU. Cite Sydney’s thesis as a reason that we are focusing on ISRU instead of recycling techs</a:t>
-            </a:r>
             <a:endParaRPr lang="en-US" dirty="0"/>
           </a:p>
         </p:txBody>
@@ -1516,7 +1583,7 @@
           <a:p>
             <a:fld id="{380EEE09-4C39-4D5E-9E9F-B9379C5BD052}" type="slidenum">
               <a:rPr lang="en-US" smtClean="0"/>
-              <a:t>9</a:t>
+              <a:t>6</a:t>
             </a:fld>
             <a:endParaRPr lang="en-US"/>
           </a:p>
@@ -1525,7 +1592,7 @@
     </p:spTree>
     <p:extLst>
       <p:ext uri="{BB962C8B-B14F-4D97-AF65-F5344CB8AC3E}">
-        <p14:creationId xmlns:p14="http://schemas.microsoft.com/office/powerpoint/2010/main" val="1644101862"/>
+        <p14:creationId xmlns:p14="http://schemas.microsoft.com/office/powerpoint/2010/main" val="3289367928"/>
       </p:ext>
     </p:extLst>
   </p:cSld>
@@ -1581,11 +1648,20 @@
           <a:p>
             <a:r>
               <a:rPr lang="en-US" dirty="0" smtClean="0"/>
-              <a:t>Talk about how advanced ISRU was found to be a non-started in our analysis since</a:t>
+              <a:t>Review</a:t>
             </a:r>
             <a:r>
               <a:rPr lang="en-US" baseline="0" dirty="0" smtClean="0"/>
-              <a:t> the time savings of more efficiency ISRU are not accounted for in our model. But, we do find that full lunar and full mars ISRU make the most efficient missions, so we need to develop that baseline technology</a:t>
+              <a:t> why these two objectives are especially important in the pre-conceptual design phase planning of a Mars campaign</a:t>
+            </a:r>
+          </a:p>
+          <a:p>
+            <a:endParaRPr lang="en-US" baseline="0" dirty="0" smtClean="0"/>
+          </a:p>
+          <a:p>
+            <a:r>
+              <a:rPr lang="en-US" baseline="0" dirty="0" smtClean="0"/>
+              <a:t>Introduce the two technologies we are considering, advanced propulsion and ISRU. Cite Sydney’s thesis as a reason that we are focusing on ISRU instead of recycling techs</a:t>
             </a:r>
             <a:endParaRPr lang="en-US" dirty="0"/>
           </a:p>
@@ -1608,7 +1684,7 @@
           <a:p>
             <a:fld id="{380EEE09-4C39-4D5E-9E9F-B9379C5BD052}" type="slidenum">
               <a:rPr lang="en-US" smtClean="0"/>
-              <a:t>11</a:t>
+              <a:t>9</a:t>
             </a:fld>
             <a:endParaRPr lang="en-US"/>
           </a:p>
@@ -1617,7 +1693,7 @@
     </p:spTree>
     <p:extLst>
       <p:ext uri="{BB962C8B-B14F-4D97-AF65-F5344CB8AC3E}">
-        <p14:creationId xmlns:p14="http://schemas.microsoft.com/office/powerpoint/2010/main" val="3025686848"/>
+        <p14:creationId xmlns:p14="http://schemas.microsoft.com/office/powerpoint/2010/main" val="1644101862"/>
       </p:ext>
     </p:extLst>
   </p:cSld>
@@ -1673,29 +1749,11 @@
           <a:p>
             <a:r>
               <a:rPr lang="en-US" dirty="0" smtClean="0"/>
-              <a:t>Explain</a:t>
+              <a:t>Talk about how advanced ISRU was found to be a non-started in our analysis since</a:t>
             </a:r>
             <a:r>
               <a:rPr lang="en-US" baseline="0" dirty="0" smtClean="0"/>
-              <a:t> that we didn’t want to go right to multi-objective optimization </a:t>
-            </a:r>
-          </a:p>
-          <a:p>
-            <a:endParaRPr lang="en-US" baseline="0" dirty="0" smtClean="0"/>
-          </a:p>
-          <a:p>
-            <a:r>
-              <a:rPr lang="en-US" baseline="0" dirty="0" smtClean="0"/>
-              <a:t>The coordinate search is very good for local minimization as it is guaranteed to fined a local min, but with very complex design spaces it may not find the global min (requires multiple starting points)</a:t>
-            </a:r>
-          </a:p>
-          <a:p>
-            <a:endParaRPr lang="en-US" baseline="0" dirty="0" smtClean="0"/>
-          </a:p>
-          <a:p>
-            <a:r>
-              <a:rPr lang="en-US" baseline="0" dirty="0" smtClean="0"/>
-              <a:t>GA is good for global search to identify the region of the global min. More computational expensive and not guaranteed to converge on global min</a:t>
+              <a:t> the time savings of more efficiency ISRU are not accounted for in our model. But, we do find that full lunar and full mars ISRU make the most efficient missions, so we need to develop that baseline technology</a:t>
             </a:r>
             <a:endParaRPr lang="en-US" dirty="0"/>
           </a:p>
@@ -1718,7 +1776,7 @@
           <a:p>
             <a:fld id="{380EEE09-4C39-4D5E-9E9F-B9379C5BD052}" type="slidenum">
               <a:rPr lang="en-US" smtClean="0"/>
-              <a:t>14</a:t>
+              <a:t>11</a:t>
             </a:fld>
             <a:endParaRPr lang="en-US"/>
           </a:p>
@@ -1727,7 +1785,7 @@
     </p:spTree>
     <p:extLst>
       <p:ext uri="{BB962C8B-B14F-4D97-AF65-F5344CB8AC3E}">
-        <p14:creationId xmlns:p14="http://schemas.microsoft.com/office/powerpoint/2010/main" val="3765281168"/>
+        <p14:creationId xmlns:p14="http://schemas.microsoft.com/office/powerpoint/2010/main" val="3025686848"/>
       </p:ext>
     </p:extLst>
   </p:cSld>
@@ -1781,6 +1839,32 @@
           <a:bodyPr/>
           <a:lstStyle/>
           <a:p>
+            <a:r>
+              <a:rPr lang="en-US" dirty="0" smtClean="0"/>
+              <a:t>Explain</a:t>
+            </a:r>
+            <a:r>
+              <a:rPr lang="en-US" baseline="0" dirty="0" smtClean="0"/>
+              <a:t> that we didn’t want to go right to multi-objective optimization </a:t>
+            </a:r>
+          </a:p>
+          <a:p>
+            <a:endParaRPr lang="en-US" baseline="0" dirty="0" smtClean="0"/>
+          </a:p>
+          <a:p>
+            <a:r>
+              <a:rPr lang="en-US" baseline="0" dirty="0" smtClean="0"/>
+              <a:t>The coordinate search is very good for local minimization as it is guaranteed to fined a local min, but with very complex design spaces it may not find the global min (requires multiple starting points)</a:t>
+            </a:r>
+          </a:p>
+          <a:p>
+            <a:endParaRPr lang="en-US" baseline="0" dirty="0" smtClean="0"/>
+          </a:p>
+          <a:p>
+            <a:r>
+              <a:rPr lang="en-US" baseline="0" dirty="0" smtClean="0"/>
+              <a:t>GA is good for global search to identify the region of the global min. More computational expensive and not guaranteed to converge on global min</a:t>
+            </a:r>
             <a:endParaRPr lang="en-US" dirty="0"/>
           </a:p>
         </p:txBody>
@@ -1802,7 +1886,7 @@
           <a:p>
             <a:fld id="{380EEE09-4C39-4D5E-9E9F-B9379C5BD052}" type="slidenum">
               <a:rPr lang="en-US" smtClean="0"/>
-              <a:t>15</a:t>
+              <a:t>14</a:t>
             </a:fld>
             <a:endParaRPr lang="en-US"/>
           </a:p>
@@ -7508,11 +7592,7 @@
           <a:p>
             <a:r>
               <a:rPr lang="en-US" sz="2400" dirty="0" smtClean="0"/>
-              <a:t>Cost estimation for low Technology Readiness Level (TRL), far-term developments is a significant field of active </a:t>
-            </a:r>
-            <a:r>
-              <a:rPr lang="en-US" sz="2400" dirty="0" smtClean="0"/>
-              <a:t>research</a:t>
+              <a:t>Cost estimation for low Technology Readiness Level (TRL), far-term developments is a significant field of active research</a:t>
             </a:r>
           </a:p>
           <a:p>
@@ -7703,7 +7783,7 @@
           <a:graphicData uri="http://schemas.openxmlformats.org/presentationml/2006/ole">
             <mc:AlternateContent xmlns:mc="http://schemas.openxmlformats.org/markup-compatibility/2006">
               <mc:Choice xmlns:v="urn:schemas-microsoft-com:vml" Requires="v">
-                <p:oleObj spid="_x0000_s8200" name="Equation" r:id="rId3" imgW="2209800" imgH="228600" progId="Equation.3">
+                <p:oleObj spid="_x0000_s8219" name="Equation" r:id="rId3" imgW="2209800" imgH="228600" progId="Equation.3">
                   <p:embed/>
                 </p:oleObj>
               </mc:Choice>
@@ -11347,7 +11427,14 @@
           <a:p>
             <a:r>
               <a:rPr lang="en-US" dirty="0" smtClean="0"/>
-              <a:t>Motivation</a:t>
+              <a:t>Motivation: </a:t>
+            </a:r>
+            <a:br>
+              <a:rPr lang="en-US" dirty="0" smtClean="0"/>
+            </a:br>
+            <a:r>
+              <a:rPr lang="en-US" dirty="0" smtClean="0"/>
+              <a:t>Martian Settlement</a:t>
             </a:r>
             <a:endParaRPr lang="en-US" dirty="0"/>
           </a:p>
@@ -11387,8 +11474,8 @@
         </p:nvSpPr>
         <p:spPr>
           <a:xfrm>
-            <a:off x="304800" y="1066800"/>
-            <a:ext cx="8382000" cy="6463308"/>
+            <a:off x="304800" y="968038"/>
+            <a:ext cx="8382000" cy="3908762"/>
           </a:xfrm>
           <a:prstGeom prst="rect">
             <a:avLst/>
@@ -11406,9 +11493,22 @@
               <a:buChar char="•"/>
             </a:pPr>
             <a:r>
-              <a:rPr lang="en-US" sz="2400" dirty="0" smtClean="0"/>
-              <a:t>US Space Policy, NASA’s “Journey to Mars”</a:t>
-            </a:r>
+              <a:rPr lang="en-US" sz="2800" dirty="0" smtClean="0"/>
+              <a:t>US Space </a:t>
+            </a:r>
+            <a:r>
+              <a:rPr lang="en-US" sz="2800" dirty="0" smtClean="0"/>
+              <a:t>Policy</a:t>
+            </a:r>
+            <a:r>
+              <a:rPr lang="en-US" sz="2800" dirty="0"/>
+              <a:t> </a:t>
+            </a:r>
+            <a:r>
+              <a:rPr lang="en-US" sz="2800" dirty="0" smtClean="0"/>
+              <a:t>and NASA’s Current Goals</a:t>
+            </a:r>
+            <a:endParaRPr lang="en-US" sz="2800" dirty="0"/>
           </a:p>
           <a:p>
             <a:pPr marL="742950" lvl="1" indent="-285750">
@@ -11416,9 +11516,18 @@
               <a:buChar char="•"/>
             </a:pPr>
             <a:r>
-              <a:rPr lang="en-US" sz="2000" dirty="0" smtClean="0"/>
-              <a:t>Sustainable, indefinite human presence on Mars</a:t>
-            </a:r>
+              <a:rPr lang="en-US" sz="2400" dirty="0" smtClean="0"/>
+              <a:t>Sustainable</a:t>
+            </a:r>
+            <a:r>
+              <a:rPr lang="en-US" sz="2400" dirty="0" smtClean="0"/>
+              <a:t>, indefinite human presence </a:t>
+            </a:r>
+            <a:r>
+              <a:rPr lang="en-US" sz="2400" dirty="0" smtClean="0"/>
+              <a:t>in deep space</a:t>
+            </a:r>
+            <a:endParaRPr lang="en-US" sz="2400" dirty="0" smtClean="0"/>
           </a:p>
           <a:p>
             <a:pPr marL="742950" lvl="1" indent="-285750">
@@ -11426,8 +11535,8 @@
               <a:buChar char="•"/>
             </a:pPr>
             <a:r>
-              <a:rPr lang="en-US" sz="2000" dirty="0" smtClean="0"/>
-              <a:t>Sustainability requires consideration of diverse factors:</a:t>
+              <a:rPr lang="en-US" sz="2400" dirty="0" smtClean="0"/>
+              <a:t>Objectives of human space endeavors:</a:t>
             </a:r>
           </a:p>
           <a:p>
@@ -11437,7 +11546,7 @@
             </a:pPr>
             <a:r>
               <a:rPr lang="en-US" sz="2000" dirty="0" smtClean="0"/>
-              <a:t>Logistics</a:t>
+              <a:t>Scientific</a:t>
             </a:r>
           </a:p>
           <a:p>
@@ -11447,7 +11556,7 @@
             </a:pPr>
             <a:r>
               <a:rPr lang="en-US" sz="2000" dirty="0" smtClean="0"/>
-              <a:t>Economics</a:t>
+              <a:t>Aspirational/Political</a:t>
             </a:r>
           </a:p>
           <a:p>
@@ -11457,86 +11566,46 @@
             </a:pPr>
             <a:r>
               <a:rPr lang="en-US" sz="2000" dirty="0" smtClean="0"/>
-              <a:t>Politics</a:t>
-            </a:r>
-          </a:p>
-          <a:p>
-            <a:pPr lvl="2"/>
-            <a:endParaRPr lang="en-US" sz="1000" dirty="0" smtClean="0"/>
+              <a:t>Safe-haven for humanity</a:t>
+            </a:r>
+          </a:p>
+          <a:p>
+            <a:pPr marL="742950" lvl="1" indent="-285750">
+              <a:buFont typeface="Arial" panose="020B0604020202020204" pitchFamily="34" charset="0"/>
+              <a:buChar char="•"/>
+            </a:pPr>
+            <a:r>
+              <a:rPr lang="en-US" sz="2400" dirty="0" smtClean="0"/>
+              <a:t>Constraints:</a:t>
+            </a:r>
+          </a:p>
+          <a:p>
+            <a:pPr marL="1200150" lvl="2" indent="-285750">
+              <a:buFont typeface="Arial" panose="020B0604020202020204" pitchFamily="34" charset="0"/>
+              <a:buChar char="•"/>
+            </a:pPr>
+            <a:r>
+              <a:rPr lang="en-US" sz="2000" dirty="0" smtClean="0"/>
+              <a:t>Budgetary</a:t>
+            </a:r>
+          </a:p>
+          <a:p>
+            <a:pPr marL="1200150" lvl="2" indent="-285750">
+              <a:buFont typeface="Arial" panose="020B0604020202020204" pitchFamily="34" charset="0"/>
+              <a:buChar char="•"/>
+            </a:pPr>
+            <a:r>
+              <a:rPr lang="en-US" sz="2000" dirty="0" smtClean="0"/>
+              <a:t>Technological</a:t>
+            </a:r>
+            <a:endParaRPr lang="en-US" sz="2000" dirty="0" smtClean="0"/>
           </a:p>
           <a:p>
             <a:pPr marL="285750" indent="-285750">
               <a:buFont typeface="Arial" panose="020B0604020202020204" pitchFamily="34" charset="0"/>
               <a:buChar char="•"/>
             </a:pPr>
-            <a:r>
-              <a:rPr lang="en-US" sz="2400" dirty="0" smtClean="0"/>
-              <a:t>Mars 2040 Project, 2015</a:t>
-            </a:r>
-          </a:p>
-          <a:p>
-            <a:pPr marL="742950" lvl="1" indent="-285750">
-              <a:buFont typeface="Arial" panose="020B0604020202020204" pitchFamily="34" charset="0"/>
-              <a:buChar char="•"/>
-            </a:pPr>
-            <a:r>
-              <a:rPr lang="en-US" sz="2000" dirty="0" smtClean="0"/>
-              <a:t>Graduate System Design and Management Team</a:t>
-            </a:r>
-          </a:p>
-          <a:p>
-            <a:pPr marL="742950" lvl="1" indent="-285750">
-              <a:buFont typeface="Arial" panose="020B0604020202020204" pitchFamily="34" charset="0"/>
-              <a:buChar char="•"/>
-            </a:pPr>
-            <a:r>
-              <a:rPr lang="en-US" sz="2000" dirty="0" smtClean="0"/>
-              <a:t>Developed a basic modelling environment for Martian outpost and support architecture</a:t>
-            </a:r>
-          </a:p>
-          <a:p>
-            <a:pPr marL="742950" lvl="1" indent="-285750">
-              <a:buFont typeface="Arial" panose="020B0604020202020204" pitchFamily="34" charset="0"/>
-              <a:buChar char="•"/>
-            </a:pPr>
-            <a:r>
-              <a:rPr lang="en-US" sz="2000" dirty="0" smtClean="0"/>
-              <a:t>Full factorial enumeration to find optimal architecture maximizing scientific return subject to IMLEO weight constraints</a:t>
-            </a:r>
-          </a:p>
-          <a:p>
-            <a:pPr lvl="2"/>
-            <a:endParaRPr lang="en-US" sz="1000" dirty="0" smtClean="0"/>
-          </a:p>
-          <a:p>
-            <a:pPr marL="285750" indent="-285750">
-              <a:buFont typeface="Arial" panose="020B0604020202020204" pitchFamily="34" charset="0"/>
-              <a:buChar char="•"/>
-            </a:pPr>
-            <a:r>
-              <a:rPr lang="en-US" sz="2400" dirty="0" smtClean="0"/>
-              <a:t>16.888 Resupply Optimization</a:t>
-            </a:r>
-          </a:p>
-          <a:p>
-            <a:pPr marL="742950" lvl="1" indent="-285750">
-              <a:buFont typeface="Arial" panose="020B0604020202020204" pitchFamily="34" charset="0"/>
-              <a:buChar char="•"/>
-            </a:pPr>
-            <a:r>
-              <a:rPr lang="en-US" sz="2000" dirty="0" smtClean="0"/>
-              <a:t>Multi-disciplinary, multi-objective minimization using enhanced model</a:t>
-            </a:r>
-          </a:p>
-          <a:p>
-            <a:pPr marL="742950" lvl="1" indent="-285750">
-              <a:buFont typeface="Arial" panose="020B0604020202020204" pitchFamily="34" charset="0"/>
-              <a:buChar char="•"/>
-            </a:pPr>
-            <a:r>
-              <a:rPr lang="en-US" sz="2000" dirty="0" smtClean="0"/>
-              <a:t>New objectives account for technology investment, IMLEO costs and scientific value</a:t>
-            </a:r>
+            <a:endParaRPr lang="en-US" sz="2000" dirty="0" smtClean="0"/>
           </a:p>
           <a:p>
             <a:pPr marL="742950" lvl="1" indent="-285750">
@@ -11545,19 +11614,243 @@
             </a:pPr>
             <a:endParaRPr lang="en-US" sz="2000" dirty="0" smtClean="0"/>
           </a:p>
-          <a:p>
-            <a:pPr marL="285750" indent="-285750">
-              <a:buFont typeface="Arial" panose="020B0604020202020204" pitchFamily="34" charset="0"/>
-              <a:buChar char="•"/>
-            </a:pPr>
-            <a:endParaRPr lang="en-US" sz="2000" dirty="0" smtClean="0"/>
-          </a:p>
-          <a:p>
-            <a:pPr marL="742950" lvl="1" indent="-285750">
-              <a:buFont typeface="Arial" panose="020B0604020202020204" pitchFamily="34" charset="0"/>
-              <a:buChar char="•"/>
-            </a:pPr>
-            <a:endParaRPr lang="en-US" sz="2000" dirty="0" smtClean="0"/>
+        </p:txBody>
+      </p:sp>
+      <p:pic>
+        <p:nvPicPr>
+          <p:cNvPr id="3" name="Picture 2"/>
+          <p:cNvPicPr>
+            <a:picLocks noChangeAspect="1"/>
+          </p:cNvPicPr>
+          <p:nvPr/>
+        </p:nvPicPr>
+        <p:blipFill>
+          <a:blip r:embed="rId3"/>
+          <a:stretch>
+            <a:fillRect/>
+          </a:stretch>
+        </p:blipFill>
+        <p:spPr>
+          <a:xfrm>
+            <a:off x="4419600" y="3856890"/>
+            <a:ext cx="4140265" cy="847797"/>
+          </a:xfrm>
+          <a:prstGeom prst="rect">
+            <a:avLst/>
+          </a:prstGeom>
+        </p:spPr>
+      </p:pic>
+      <p:pic>
+        <p:nvPicPr>
+          <p:cNvPr id="4" name="Picture 3"/>
+          <p:cNvPicPr>
+            <a:picLocks noChangeAspect="1"/>
+          </p:cNvPicPr>
+          <p:nvPr/>
+        </p:nvPicPr>
+        <p:blipFill>
+          <a:blip r:embed="rId4"/>
+          <a:stretch>
+            <a:fillRect/>
+          </a:stretch>
+        </p:blipFill>
+        <p:spPr>
+          <a:xfrm>
+            <a:off x="4412455" y="4830528"/>
+            <a:ext cx="4148956" cy="695444"/>
+          </a:xfrm>
+          <a:prstGeom prst="rect">
+            <a:avLst/>
+          </a:prstGeom>
+        </p:spPr>
+      </p:pic>
+      <p:pic>
+        <p:nvPicPr>
+          <p:cNvPr id="7" name="Picture 6"/>
+          <p:cNvPicPr>
+            <a:picLocks noChangeAspect="1"/>
+          </p:cNvPicPr>
+          <p:nvPr/>
+        </p:nvPicPr>
+        <p:blipFill>
+          <a:blip r:embed="rId5"/>
+          <a:stretch>
+            <a:fillRect/>
+          </a:stretch>
+        </p:blipFill>
+        <p:spPr>
+          <a:xfrm>
+            <a:off x="4419600" y="5675504"/>
+            <a:ext cx="4140264" cy="683184"/>
+          </a:xfrm>
+          <a:prstGeom prst="rect">
+            <a:avLst/>
+          </a:prstGeom>
+        </p:spPr>
+      </p:pic>
+      <p:sp>
+        <p:nvSpPr>
+          <p:cNvPr id="8" name="TextBox 7"/>
+          <p:cNvSpPr txBox="1"/>
+          <p:nvPr/>
+        </p:nvSpPr>
+        <p:spPr>
+          <a:xfrm>
+            <a:off x="5498810" y="2538597"/>
+            <a:ext cx="3407343" cy="369332"/>
+          </a:xfrm>
+          <a:prstGeom prst="rect">
+            <a:avLst/>
+          </a:prstGeom>
+          <a:noFill/>
+          <a:ln>
+            <a:solidFill>
+              <a:schemeClr val="tx1"/>
+            </a:solidFill>
+          </a:ln>
+        </p:spPr>
+        <p:txBody>
+          <a:bodyPr wrap="none" rtlCol="0">
+            <a:spAutoFit/>
+          </a:bodyPr>
+          <a:lstStyle/>
+          <a:p>
+            <a:r>
+              <a:rPr lang="en-US" b="1" dirty="0" smtClean="0"/>
+              <a:t>Mars 2040 Resupply Optimization</a:t>
+            </a:r>
+            <a:endParaRPr lang="en-US" b="1" dirty="0"/>
+          </a:p>
+        </p:txBody>
+      </p:sp>
+      <p:cxnSp>
+        <p:nvCxnSpPr>
+          <p:cNvPr id="10" name="Straight Arrow Connector 9"/>
+          <p:cNvCxnSpPr/>
+          <p:nvPr/>
+        </p:nvCxnSpPr>
+        <p:spPr>
+          <a:xfrm>
+            <a:off x="2590800" y="2348380"/>
+            <a:ext cx="2908010" cy="232084"/>
+          </a:xfrm>
+          <a:prstGeom prst="straightConnector1">
+            <a:avLst/>
+          </a:prstGeom>
+          <a:ln>
+            <a:tailEnd type="triangle"/>
+          </a:ln>
+        </p:spPr>
+        <p:style>
+          <a:lnRef idx="1">
+            <a:schemeClr val="dk1"/>
+          </a:lnRef>
+          <a:fillRef idx="0">
+            <a:schemeClr val="dk1"/>
+          </a:fillRef>
+          <a:effectRef idx="0">
+            <a:schemeClr val="dk1"/>
+          </a:effectRef>
+          <a:fontRef idx="minor">
+            <a:schemeClr val="tx1"/>
+          </a:fontRef>
+        </p:style>
+      </p:cxnSp>
+      <p:cxnSp>
+        <p:nvCxnSpPr>
+          <p:cNvPr id="11" name="Straight Arrow Connector 10"/>
+          <p:cNvCxnSpPr>
+            <a:endCxn id="8" idx="1"/>
+          </p:cNvCxnSpPr>
+          <p:nvPr/>
+        </p:nvCxnSpPr>
+        <p:spPr>
+          <a:xfrm flipV="1">
+            <a:off x="2775531" y="2723263"/>
+            <a:ext cx="2723279" cy="861203"/>
+          </a:xfrm>
+          <a:prstGeom prst="straightConnector1">
+            <a:avLst/>
+          </a:prstGeom>
+          <a:ln>
+            <a:tailEnd type="triangle"/>
+          </a:ln>
+        </p:spPr>
+        <p:style>
+          <a:lnRef idx="1">
+            <a:schemeClr val="dk1"/>
+          </a:lnRef>
+          <a:fillRef idx="0">
+            <a:schemeClr val="dk1"/>
+          </a:fillRef>
+          <a:effectRef idx="0">
+            <a:schemeClr val="dk1"/>
+          </a:effectRef>
+          <a:fontRef idx="minor">
+            <a:schemeClr val="tx1"/>
+          </a:fontRef>
+        </p:style>
+      </p:cxnSp>
+      <p:cxnSp>
+        <p:nvCxnSpPr>
+          <p:cNvPr id="13" name="Straight Arrow Connector 12"/>
+          <p:cNvCxnSpPr/>
+          <p:nvPr/>
+        </p:nvCxnSpPr>
+        <p:spPr>
+          <a:xfrm flipV="1">
+            <a:off x="3048000" y="2907929"/>
+            <a:ext cx="2450810" cy="948977"/>
+          </a:xfrm>
+          <a:prstGeom prst="straightConnector1">
+            <a:avLst/>
+          </a:prstGeom>
+          <a:ln>
+            <a:tailEnd type="triangle"/>
+          </a:ln>
+        </p:spPr>
+        <p:style>
+          <a:lnRef idx="1">
+            <a:schemeClr val="dk1"/>
+          </a:lnRef>
+          <a:fillRef idx="0">
+            <a:schemeClr val="dk1"/>
+          </a:fillRef>
+          <a:effectRef idx="0">
+            <a:schemeClr val="dk1"/>
+          </a:effectRef>
+          <a:fontRef idx="minor">
+            <a:schemeClr val="tx1"/>
+          </a:fontRef>
+        </p:style>
+      </p:cxnSp>
+      <p:sp>
+        <p:nvSpPr>
+          <p:cNvPr id="24" name="TextBox 23"/>
+          <p:cNvSpPr txBox="1"/>
+          <p:nvPr/>
+        </p:nvSpPr>
+        <p:spPr>
+          <a:xfrm>
+            <a:off x="3274573" y="6591643"/>
+            <a:ext cx="1997663" cy="261610"/>
+          </a:xfrm>
+          <a:prstGeom prst="rect">
+            <a:avLst/>
+          </a:prstGeom>
+          <a:noFill/>
+        </p:spPr>
+        <p:txBody>
+          <a:bodyPr wrap="none" rtlCol="0">
+            <a:spAutoFit/>
+          </a:bodyPr>
+          <a:lstStyle/>
+          <a:p>
+            <a:r>
+              <a:rPr lang="en-US" sz="1100" i="1" dirty="0" smtClean="0"/>
+              <a:t>NASA, “Journey to Mars.” 2015.</a:t>
+            </a:r>
+            <a:endParaRPr lang="en-US" sz="1100" i="1" dirty="0"/>
           </a:p>
         </p:txBody>
       </p:sp>
@@ -11574,9 +11867,305 @@
   <p:timing>
     <p:tnLst>
       <p:par>
-        <p:cTn id="1" dur="indefinite" restart="never" nodeType="tmRoot"/>
+        <p:cTn id="1" dur="indefinite" restart="never" nodeType="tmRoot">
+          <p:childTnLst>
+            <p:seq concurrent="1" nextAc="seek">
+              <p:cTn id="2" dur="indefinite" nodeType="mainSeq">
+                <p:childTnLst>
+                  <p:par>
+                    <p:cTn id="3" fill="hold">
+                      <p:stCondLst>
+                        <p:cond delay="indefinite"/>
+                      </p:stCondLst>
+                      <p:childTnLst>
+                        <p:par>
+                          <p:cTn id="4" fill="hold">
+                            <p:stCondLst>
+                              <p:cond delay="0"/>
+                            </p:stCondLst>
+                            <p:childTnLst>
+                              <p:par>
+                                <p:cTn id="5" presetID="1" presetClass="entr" presetSubtype="0" fill="hold" grpId="0" nodeType="clickEffect">
+                                  <p:stCondLst>
+                                    <p:cond delay="0"/>
+                                  </p:stCondLst>
+                                  <p:childTnLst>
+                                    <p:set>
+                                      <p:cBhvr>
+                                        <p:cTn id="6" dur="1" fill="hold">
+                                          <p:stCondLst>
+                                            <p:cond delay="0"/>
+                                          </p:stCondLst>
+                                        </p:cTn>
+                                        <p:tgtEl>
+                                          <p:spTgt spid="8"/>
+                                        </p:tgtEl>
+                                        <p:attrNameLst>
+                                          <p:attrName>style.visibility</p:attrName>
+                                        </p:attrNameLst>
+                                      </p:cBhvr>
+                                      <p:to>
+                                        <p:strVal val="visible"/>
+                                      </p:to>
+                                    </p:set>
+                                  </p:childTnLst>
+                                </p:cTn>
+                              </p:par>
+                            </p:childTnLst>
+                          </p:cTn>
+                        </p:par>
+                      </p:childTnLst>
+                    </p:cTn>
+                  </p:par>
+                  <p:par>
+                    <p:cTn id="7" fill="hold">
+                      <p:stCondLst>
+                        <p:cond delay="indefinite"/>
+                      </p:stCondLst>
+                      <p:childTnLst>
+                        <p:par>
+                          <p:cTn id="8" fill="hold">
+                            <p:stCondLst>
+                              <p:cond delay="0"/>
+                            </p:stCondLst>
+                            <p:childTnLst>
+                              <p:par>
+                                <p:cTn id="9" presetID="1" presetClass="entr" presetSubtype="0" fill="hold" nodeType="clickEffect">
+                                  <p:stCondLst>
+                                    <p:cond delay="0"/>
+                                  </p:stCondLst>
+                                  <p:childTnLst>
+                                    <p:set>
+                                      <p:cBhvr>
+                                        <p:cTn id="10" dur="1" fill="hold">
+                                          <p:stCondLst>
+                                            <p:cond delay="0"/>
+                                          </p:stCondLst>
+                                        </p:cTn>
+                                        <p:tgtEl>
+                                          <p:spTgt spid="10"/>
+                                        </p:tgtEl>
+                                        <p:attrNameLst>
+                                          <p:attrName>style.visibility</p:attrName>
+                                        </p:attrNameLst>
+                                      </p:cBhvr>
+                                      <p:to>
+                                        <p:strVal val="visible"/>
+                                      </p:to>
+                                    </p:set>
+                                  </p:childTnLst>
+                                </p:cTn>
+                              </p:par>
+                              <p:par>
+                                <p:cTn id="11" presetID="15" presetClass="emph" presetSubtype="0" nodeType="withEffect">
+                                  <p:stCondLst>
+                                    <p:cond delay="0"/>
+                                  </p:stCondLst>
+                                  <p:iterate type="lt">
+                                    <p:tmAbs val="25"/>
+                                  </p:iterate>
+                                  <p:childTnLst>
+                                    <p:set>
+                                      <p:cBhvr override="childStyle">
+                                        <p:cTn id="12" dur="indefinite"/>
+                                        <p:tgtEl>
+                                          <p:spTgt spid="6">
+                                            <p:txEl>
+                                              <p:pRg st="3" end="3"/>
+                                            </p:txEl>
+                                          </p:spTgt>
+                                        </p:tgtEl>
+                                        <p:attrNameLst>
+                                          <p:attrName>style.fontWeight</p:attrName>
+                                        </p:attrNameLst>
+                                      </p:cBhvr>
+                                      <p:to>
+                                        <p:strVal val="bold"/>
+                                      </p:to>
+                                    </p:set>
+                                  </p:childTnLst>
+                                </p:cTn>
+                              </p:par>
+                            </p:childTnLst>
+                          </p:cTn>
+                        </p:par>
+                      </p:childTnLst>
+                    </p:cTn>
+                  </p:par>
+                  <p:par>
+                    <p:cTn id="13" fill="hold">
+                      <p:stCondLst>
+                        <p:cond delay="indefinite"/>
+                      </p:stCondLst>
+                      <p:childTnLst>
+                        <p:par>
+                          <p:cTn id="14" fill="hold">
+                            <p:stCondLst>
+                              <p:cond delay="0"/>
+                            </p:stCondLst>
+                            <p:childTnLst>
+                              <p:par>
+                                <p:cTn id="15" presetID="1" presetClass="entr" presetSubtype="0" fill="hold" nodeType="clickEffect">
+                                  <p:stCondLst>
+                                    <p:cond delay="0"/>
+                                  </p:stCondLst>
+                                  <p:childTnLst>
+                                    <p:set>
+                                      <p:cBhvr>
+                                        <p:cTn id="16" dur="1" fill="hold">
+                                          <p:stCondLst>
+                                            <p:cond delay="0"/>
+                                          </p:stCondLst>
+                                        </p:cTn>
+                                        <p:tgtEl>
+                                          <p:spTgt spid="11"/>
+                                        </p:tgtEl>
+                                        <p:attrNameLst>
+                                          <p:attrName>style.visibility</p:attrName>
+                                        </p:attrNameLst>
+                                      </p:cBhvr>
+                                      <p:to>
+                                        <p:strVal val="visible"/>
+                                      </p:to>
+                                    </p:set>
+                                  </p:childTnLst>
+                                </p:cTn>
+                              </p:par>
+                              <p:par>
+                                <p:cTn id="17" presetID="15" presetClass="emph" presetSubtype="0" nodeType="withEffect">
+                                  <p:stCondLst>
+                                    <p:cond delay="0"/>
+                                  </p:stCondLst>
+                                  <p:iterate type="lt">
+                                    <p:tmAbs val="25"/>
+                                  </p:iterate>
+                                  <p:childTnLst>
+                                    <p:set>
+                                      <p:cBhvr override="childStyle">
+                                        <p:cTn id="18" dur="indefinite"/>
+                                        <p:tgtEl>
+                                          <p:spTgt spid="6">
+                                            <p:txEl>
+                                              <p:pRg st="7" end="7"/>
+                                            </p:txEl>
+                                          </p:spTgt>
+                                        </p:tgtEl>
+                                        <p:attrNameLst>
+                                          <p:attrName>style.fontWeight</p:attrName>
+                                        </p:attrNameLst>
+                                      </p:cBhvr>
+                                      <p:to>
+                                        <p:strVal val="bold"/>
+                                      </p:to>
+                                    </p:set>
+                                  </p:childTnLst>
+                                </p:cTn>
+                              </p:par>
+                            </p:childTnLst>
+                          </p:cTn>
+                        </p:par>
+                      </p:childTnLst>
+                    </p:cTn>
+                  </p:par>
+                  <p:par>
+                    <p:cTn id="19" fill="hold">
+                      <p:stCondLst>
+                        <p:cond delay="indefinite"/>
+                      </p:stCondLst>
+                      <p:childTnLst>
+                        <p:par>
+                          <p:cTn id="20" fill="hold">
+                            <p:stCondLst>
+                              <p:cond delay="0"/>
+                            </p:stCondLst>
+                            <p:childTnLst>
+                              <p:par>
+                                <p:cTn id="21" presetID="1" presetClass="entr" presetSubtype="0" fill="hold" nodeType="clickEffect">
+                                  <p:stCondLst>
+                                    <p:cond delay="0"/>
+                                  </p:stCondLst>
+                                  <p:childTnLst>
+                                    <p:set>
+                                      <p:cBhvr>
+                                        <p:cTn id="22" dur="1" fill="hold">
+                                          <p:stCondLst>
+                                            <p:cond delay="0"/>
+                                          </p:stCondLst>
+                                        </p:cTn>
+                                        <p:tgtEl>
+                                          <p:spTgt spid="13"/>
+                                        </p:tgtEl>
+                                        <p:attrNameLst>
+                                          <p:attrName>style.visibility</p:attrName>
+                                        </p:attrNameLst>
+                                      </p:cBhvr>
+                                      <p:to>
+                                        <p:strVal val="visible"/>
+                                      </p:to>
+                                    </p:set>
+                                  </p:childTnLst>
+                                </p:cTn>
+                              </p:par>
+                              <p:par>
+                                <p:cTn id="23" presetID="15" presetClass="emph" presetSubtype="0" nodeType="withEffect">
+                                  <p:stCondLst>
+                                    <p:cond delay="0"/>
+                                  </p:stCondLst>
+                                  <p:iterate type="lt">
+                                    <p:tmAbs val="25"/>
+                                  </p:iterate>
+                                  <p:childTnLst>
+                                    <p:set>
+                                      <p:cBhvr override="childStyle">
+                                        <p:cTn id="24" dur="indefinite"/>
+                                        <p:tgtEl>
+                                          <p:spTgt spid="6">
+                                            <p:txEl>
+                                              <p:pRg st="8" end="8"/>
+                                            </p:txEl>
+                                          </p:spTgt>
+                                        </p:tgtEl>
+                                        <p:attrNameLst>
+                                          <p:attrName>style.fontWeight</p:attrName>
+                                        </p:attrNameLst>
+                                      </p:cBhvr>
+                                      <p:to>
+                                        <p:strVal val="bold"/>
+                                      </p:to>
+                                    </p:set>
+                                  </p:childTnLst>
+                                </p:cTn>
+                              </p:par>
+                            </p:childTnLst>
+                          </p:cTn>
+                        </p:par>
+                      </p:childTnLst>
+                    </p:cTn>
+                  </p:par>
+                </p:childTnLst>
+              </p:cTn>
+              <p:prevCondLst>
+                <p:cond evt="onPrev" delay="0">
+                  <p:tgtEl>
+                    <p:sldTgt/>
+                  </p:tgtEl>
+                </p:cond>
+              </p:prevCondLst>
+              <p:nextCondLst>
+                <p:cond evt="onNext" delay="0">
+                  <p:tgtEl>
+                    <p:sldTgt/>
+                  </p:tgtEl>
+                </p:cond>
+              </p:nextCondLst>
+            </p:seq>
+          </p:childTnLst>
+        </p:cTn>
       </p:par>
     </p:tnLst>
+    <p:bldLst>
+      <p:bldP spid="8" grpId="0" animBg="1"/>
+    </p:bldLst>
   </p:timing>
 </p:sld>
 </file>
@@ -12003,7 +12592,7 @@
         </p:nvSpPr>
         <p:spPr>
           <a:xfrm>
-            <a:off x="457200" y="1066800"/>
+            <a:off x="0" y="934512"/>
             <a:ext cx="8382000" cy="2739211"/>
           </a:xfrm>
           <a:prstGeom prst="rect">
@@ -12125,7 +12714,7 @@
         </p:blipFill>
         <p:spPr>
           <a:xfrm>
-            <a:off x="1447800" y="4353734"/>
+            <a:off x="1231463" y="5315614"/>
             <a:ext cx="6719777" cy="820882"/>
           </a:xfrm>
           <a:prstGeom prst="rect">
@@ -12133,6 +12722,423 @@
           </a:prstGeom>
         </p:spPr>
       </p:pic>
+      <p:pic>
+        <p:nvPicPr>
+          <p:cNvPr id="8" name="Picture 7"/>
+          <p:cNvPicPr>
+            <a:picLocks noChangeAspect="1"/>
+          </p:cNvPicPr>
+          <p:nvPr/>
+        </p:nvPicPr>
+        <p:blipFill>
+          <a:blip r:embed="rId4"/>
+          <a:stretch>
+            <a:fillRect/>
+          </a:stretch>
+        </p:blipFill>
+        <p:spPr>
+          <a:xfrm flipH="1">
+            <a:off x="6741565" y="3178525"/>
+            <a:ext cx="471370" cy="2137089"/>
+          </a:xfrm>
+          <a:prstGeom prst="rect">
+            <a:avLst/>
+          </a:prstGeom>
+        </p:spPr>
+      </p:pic>
+      <p:pic>
+        <p:nvPicPr>
+          <p:cNvPr id="10" name="Picture 9"/>
+          <p:cNvPicPr>
+            <a:picLocks noChangeAspect="1"/>
+          </p:cNvPicPr>
+          <p:nvPr/>
+        </p:nvPicPr>
+        <p:blipFill>
+          <a:blip r:embed="rId5"/>
+          <a:stretch>
+            <a:fillRect/>
+          </a:stretch>
+        </p:blipFill>
+        <p:spPr>
+          <a:xfrm rot="19800000">
+            <a:off x="3623115" y="3358557"/>
+            <a:ext cx="2465221" cy="1437013"/>
+          </a:xfrm>
+          <a:prstGeom prst="rect">
+            <a:avLst/>
+          </a:prstGeom>
+        </p:spPr>
+      </p:pic>
+      <p:sp>
+        <p:nvSpPr>
+          <p:cNvPr id="11" name="TextBox 10"/>
+          <p:cNvSpPr txBox="1"/>
+          <p:nvPr/>
+        </p:nvSpPr>
+        <p:spPr>
+          <a:xfrm>
+            <a:off x="1371600" y="6520190"/>
+            <a:ext cx="1997663" cy="261610"/>
+          </a:xfrm>
+          <a:prstGeom prst="rect">
+            <a:avLst/>
+          </a:prstGeom>
+          <a:noFill/>
+        </p:spPr>
+        <p:txBody>
+          <a:bodyPr wrap="none" rtlCol="0">
+            <a:spAutoFit/>
+          </a:bodyPr>
+          <a:lstStyle/>
+          <a:p>
+            <a:r>
+              <a:rPr lang="en-US" sz="1100" i="1" dirty="0" smtClean="0"/>
+              <a:t>NASA, “Journey to Mars.” 2015.</a:t>
+            </a:r>
+            <a:endParaRPr lang="en-US" sz="1100" i="1" dirty="0"/>
+          </a:p>
+        </p:txBody>
+      </p:sp>
+      <p:sp>
+        <p:nvSpPr>
+          <p:cNvPr id="12" name="TextBox 11"/>
+          <p:cNvSpPr txBox="1"/>
+          <p:nvPr/>
+        </p:nvSpPr>
+        <p:spPr>
+          <a:xfrm>
+            <a:off x="4001794" y="6520190"/>
+            <a:ext cx="3733714" cy="261610"/>
+          </a:xfrm>
+          <a:prstGeom prst="rect">
+            <a:avLst/>
+          </a:prstGeom>
+          <a:noFill/>
+        </p:spPr>
+        <p:txBody>
+          <a:bodyPr wrap="none" rtlCol="0">
+            <a:spAutoFit/>
+          </a:bodyPr>
+          <a:lstStyle/>
+          <a:p>
+            <a:r>
+              <a:rPr lang="en-US" sz="1100" i="1" dirty="0" err="1" smtClean="0"/>
+              <a:t>Borowski</a:t>
+            </a:r>
+            <a:r>
+              <a:rPr lang="en-US" sz="1100" i="1" dirty="0" smtClean="0"/>
+              <a:t>, “</a:t>
+            </a:r>
+            <a:r>
+              <a:rPr lang="en-US" sz="1100" dirty="0" smtClean="0"/>
+              <a:t>7-Launch NTR </a:t>
+            </a:r>
+            <a:r>
+              <a:rPr lang="en-US" sz="1100" dirty="0"/>
+              <a:t>Space Transportation </a:t>
+            </a:r>
+            <a:r>
+              <a:rPr lang="en-US" sz="1100" dirty="0" smtClean="0"/>
+              <a:t>System.” 2009.</a:t>
+            </a:r>
+            <a:endParaRPr lang="en-US" sz="1100" i="1" dirty="0"/>
+          </a:p>
+        </p:txBody>
+      </p:sp>
+      <p:pic>
+        <p:nvPicPr>
+          <p:cNvPr id="9220" name="Picture 4" descr="http://internetlooks.com/marssurface.jpg"/>
+          <p:cNvPicPr>
+            <a:picLocks noChangeAspect="1" noChangeArrowheads="1"/>
+          </p:cNvPicPr>
+          <p:nvPr/>
+        </p:nvPicPr>
+        <p:blipFill>
+          <a:blip r:embed="rId6" cstate="print">
+            <a:extLst>
+              <a:ext uri="{28A0092B-C50C-407E-A947-70E740481C1C}">
+                <a14:useLocalDpi xmlns:a14="http://schemas.microsoft.com/office/drawing/2010/main" val="0"/>
+              </a:ext>
+            </a:extLst>
+          </a:blip>
+          <a:srcRect/>
+          <a:stretch>
+            <a:fillRect/>
+          </a:stretch>
+        </p:blipFill>
+        <p:spPr bwMode="auto">
+          <a:xfrm>
+            <a:off x="3773423" y="1221894"/>
+            <a:ext cx="3294313" cy="1647157"/>
+          </a:xfrm>
+          <a:prstGeom prst="rect">
+            <a:avLst/>
+          </a:prstGeom>
+          <a:noFill/>
+          <a:extLst>
+            <a:ext uri="{909E8E84-426E-40DD-AFC4-6F175D3DCCD1}">
+              <a14:hiddenFill xmlns:a14="http://schemas.microsoft.com/office/drawing/2010/main">
+                <a:solidFill>
+                  <a:srgbClr val="FFFFFF"/>
+                </a:solidFill>
+              </a14:hiddenFill>
+            </a:ext>
+          </a:extLst>
+        </p:spPr>
+      </p:pic>
+      <p:pic>
+        <p:nvPicPr>
+          <p:cNvPr id="6" name="Picture 5"/>
+          <p:cNvPicPr>
+            <a:picLocks noChangeAspect="1"/>
+          </p:cNvPicPr>
+          <p:nvPr/>
+        </p:nvPicPr>
+        <p:blipFill>
+          <a:blip r:embed="rId7"/>
+          <a:stretch>
+            <a:fillRect/>
+          </a:stretch>
+        </p:blipFill>
+        <p:spPr>
+          <a:xfrm>
+            <a:off x="6528655" y="1221894"/>
+            <a:ext cx="1767007" cy="1958192"/>
+          </a:xfrm>
+          <a:prstGeom prst="rect">
+            <a:avLst/>
+          </a:prstGeom>
+        </p:spPr>
+      </p:pic>
+      <p:sp>
+        <p:nvSpPr>
+          <p:cNvPr id="13" name="5-Point Star 12"/>
+          <p:cNvSpPr/>
+          <p:nvPr/>
+        </p:nvSpPr>
+        <p:spPr>
+          <a:xfrm>
+            <a:off x="4547424" y="2102509"/>
+            <a:ext cx="152400" cy="152400"/>
+          </a:xfrm>
+          <a:prstGeom prst="star5">
+            <a:avLst/>
+          </a:prstGeom>
+        </p:spPr>
+        <p:style>
+          <a:lnRef idx="1">
+            <a:schemeClr val="accent3"/>
+          </a:lnRef>
+          <a:fillRef idx="2">
+            <a:schemeClr val="accent3"/>
+          </a:fillRef>
+          <a:effectRef idx="1">
+            <a:schemeClr val="accent3"/>
+          </a:effectRef>
+          <a:fontRef idx="minor">
+            <a:schemeClr val="dk1"/>
+          </a:fontRef>
+        </p:style>
+        <p:txBody>
+          <a:bodyPr rtlCol="0" anchor="ctr"/>
+          <a:lstStyle/>
+          <a:p>
+            <a:pPr algn="ctr"/>
+            <a:endParaRPr lang="en-US"/>
+          </a:p>
+        </p:txBody>
+      </p:sp>
+      <p:sp>
+        <p:nvSpPr>
+          <p:cNvPr id="16" name="5-Point Star 15"/>
+          <p:cNvSpPr/>
+          <p:nvPr/>
+        </p:nvSpPr>
+        <p:spPr>
+          <a:xfrm>
+            <a:off x="4038600" y="1506745"/>
+            <a:ext cx="152400" cy="152400"/>
+          </a:xfrm>
+          <a:prstGeom prst="star5">
+            <a:avLst/>
+          </a:prstGeom>
+        </p:spPr>
+        <p:style>
+          <a:lnRef idx="1">
+            <a:schemeClr val="accent3"/>
+          </a:lnRef>
+          <a:fillRef idx="2">
+            <a:schemeClr val="accent3"/>
+          </a:fillRef>
+          <a:effectRef idx="1">
+            <a:schemeClr val="accent3"/>
+          </a:effectRef>
+          <a:fontRef idx="minor">
+            <a:schemeClr val="dk1"/>
+          </a:fontRef>
+        </p:style>
+        <p:txBody>
+          <a:bodyPr rtlCol="0" anchor="ctr"/>
+          <a:lstStyle/>
+          <a:p>
+            <a:pPr algn="ctr"/>
+            <a:endParaRPr lang="en-US"/>
+          </a:p>
+        </p:txBody>
+      </p:sp>
+      <p:sp>
+        <p:nvSpPr>
+          <p:cNvPr id="17" name="5-Point Star 16"/>
+          <p:cNvSpPr/>
+          <p:nvPr/>
+        </p:nvSpPr>
+        <p:spPr>
+          <a:xfrm>
+            <a:off x="6253153" y="1920735"/>
+            <a:ext cx="152400" cy="152400"/>
+          </a:xfrm>
+          <a:prstGeom prst="star5">
+            <a:avLst/>
+          </a:prstGeom>
+        </p:spPr>
+        <p:style>
+          <a:lnRef idx="1">
+            <a:schemeClr val="accent3"/>
+          </a:lnRef>
+          <a:fillRef idx="2">
+            <a:schemeClr val="accent3"/>
+          </a:fillRef>
+          <a:effectRef idx="1">
+            <a:schemeClr val="accent3"/>
+          </a:effectRef>
+          <a:fontRef idx="minor">
+            <a:schemeClr val="dk1"/>
+          </a:fontRef>
+        </p:style>
+        <p:txBody>
+          <a:bodyPr rtlCol="0" anchor="ctr"/>
+          <a:lstStyle/>
+          <a:p>
+            <a:pPr algn="ctr"/>
+            <a:endParaRPr lang="en-US"/>
+          </a:p>
+        </p:txBody>
+      </p:sp>
+      <p:sp>
+        <p:nvSpPr>
+          <p:cNvPr id="18" name="5-Point Star 17"/>
+          <p:cNvSpPr/>
+          <p:nvPr/>
+        </p:nvSpPr>
+        <p:spPr>
+          <a:xfrm>
+            <a:off x="5344379" y="1680161"/>
+            <a:ext cx="152400" cy="152400"/>
+          </a:xfrm>
+          <a:prstGeom prst="star5">
+            <a:avLst/>
+          </a:prstGeom>
+        </p:spPr>
+        <p:style>
+          <a:lnRef idx="1">
+            <a:schemeClr val="accent3"/>
+          </a:lnRef>
+          <a:fillRef idx="2">
+            <a:schemeClr val="accent3"/>
+          </a:fillRef>
+          <a:effectRef idx="1">
+            <a:schemeClr val="accent3"/>
+          </a:effectRef>
+          <a:fontRef idx="minor">
+            <a:schemeClr val="dk1"/>
+          </a:fontRef>
+        </p:style>
+        <p:txBody>
+          <a:bodyPr rtlCol="0" anchor="ctr"/>
+          <a:lstStyle/>
+          <a:p>
+            <a:pPr algn="ctr"/>
+            <a:endParaRPr lang="en-US"/>
+          </a:p>
+        </p:txBody>
+      </p:sp>
+      <p:sp>
+        <p:nvSpPr>
+          <p:cNvPr id="19" name="5-Point Star 18"/>
+          <p:cNvSpPr/>
+          <p:nvPr/>
+        </p:nvSpPr>
+        <p:spPr>
+          <a:xfrm>
+            <a:off x="5792451" y="2375078"/>
+            <a:ext cx="152400" cy="152400"/>
+          </a:xfrm>
+          <a:prstGeom prst="star5">
+            <a:avLst/>
+          </a:prstGeom>
+        </p:spPr>
+        <p:style>
+          <a:lnRef idx="1">
+            <a:schemeClr val="accent3"/>
+          </a:lnRef>
+          <a:fillRef idx="2">
+            <a:schemeClr val="accent3"/>
+          </a:fillRef>
+          <a:effectRef idx="1">
+            <a:schemeClr val="accent3"/>
+          </a:effectRef>
+          <a:fontRef idx="minor">
+            <a:schemeClr val="dk1"/>
+          </a:fontRef>
+        </p:style>
+        <p:txBody>
+          <a:bodyPr rtlCol="0" anchor="ctr"/>
+          <a:lstStyle/>
+          <a:p>
+            <a:pPr algn="ctr"/>
+            <a:endParaRPr lang="en-US"/>
+          </a:p>
+        </p:txBody>
+      </p:sp>
+      <p:sp>
+        <p:nvSpPr>
+          <p:cNvPr id="20" name="5-Point Star 19"/>
+          <p:cNvSpPr/>
+          <p:nvPr/>
+        </p:nvSpPr>
+        <p:spPr>
+          <a:xfrm>
+            <a:off x="4565744" y="1832561"/>
+            <a:ext cx="152400" cy="152400"/>
+          </a:xfrm>
+          <a:prstGeom prst="star5">
+            <a:avLst/>
+          </a:prstGeom>
+        </p:spPr>
+        <p:style>
+          <a:lnRef idx="1">
+            <a:schemeClr val="accent3"/>
+          </a:lnRef>
+          <a:fillRef idx="2">
+            <a:schemeClr val="accent3"/>
+          </a:fillRef>
+          <a:effectRef idx="1">
+            <a:schemeClr val="accent3"/>
+          </a:effectRef>
+          <a:fontRef idx="minor">
+            <a:schemeClr val="dk1"/>
+          </a:fontRef>
+        </p:style>
+        <p:txBody>
+          <a:bodyPr rtlCol="0" anchor="ctr"/>
+          <a:lstStyle/>
+          <a:p>
+            <a:pPr algn="ctr"/>
+            <a:endParaRPr lang="en-US"/>
+          </a:p>
+        </p:txBody>
+      </p:sp>
     </p:spTree>
     <p:extLst>
       <p:ext uri="{BB962C8B-B14F-4D97-AF65-F5344CB8AC3E}">
@@ -12180,7 +13186,12 @@
             <p:ph type="sldNum" sz="quarter" idx="12"/>
           </p:nvPr>
         </p:nvSpPr>
-        <p:spPr/>
+        <p:spPr>
+          <a:xfrm>
+            <a:off x="6781800" y="6310885"/>
+            <a:ext cx="2133600" cy="365125"/>
+          </a:xfrm>
+        </p:spPr>
         <p:txBody>
           <a:bodyPr/>
           <a:lstStyle/>
@@ -12350,8 +13361,377 @@
         </p:blipFill>
         <p:spPr>
           <a:xfrm>
-            <a:off x="1752600" y="3266784"/>
+            <a:off x="304800" y="3355677"/>
             <a:ext cx="5013614" cy="2951941"/>
+          </a:xfrm>
+          <a:prstGeom prst="rect">
+            <a:avLst/>
+          </a:prstGeom>
+        </p:spPr>
+      </p:pic>
+      <p:pic>
+        <p:nvPicPr>
+          <p:cNvPr id="3" name="Picture 2"/>
+          <p:cNvPicPr>
+            <a:picLocks noChangeAspect="1"/>
+          </p:cNvPicPr>
+          <p:nvPr/>
+        </p:nvPicPr>
+        <p:blipFill>
+          <a:blip r:embed="rId4"/>
+          <a:stretch>
+            <a:fillRect/>
+          </a:stretch>
+        </p:blipFill>
+        <p:spPr>
+          <a:xfrm>
+            <a:off x="5575267" y="3509963"/>
+            <a:ext cx="828675" cy="781050"/>
+          </a:xfrm>
+          <a:prstGeom prst="rect">
+            <a:avLst/>
+          </a:prstGeom>
+        </p:spPr>
+      </p:pic>
+      <p:pic>
+        <p:nvPicPr>
+          <p:cNvPr id="5" name="Picture 4"/>
+          <p:cNvPicPr>
+            <a:picLocks noChangeAspect="1"/>
+          </p:cNvPicPr>
+          <p:nvPr/>
+        </p:nvPicPr>
+        <p:blipFill>
+          <a:blip r:embed="rId5"/>
+          <a:stretch>
+            <a:fillRect/>
+          </a:stretch>
+        </p:blipFill>
+        <p:spPr>
+          <a:xfrm>
+            <a:off x="6489667" y="3429000"/>
+            <a:ext cx="800100" cy="942975"/>
+          </a:xfrm>
+          <a:prstGeom prst="rect">
+            <a:avLst/>
+          </a:prstGeom>
+        </p:spPr>
+      </p:pic>
+      <p:pic>
+        <p:nvPicPr>
+          <p:cNvPr id="8" name="Picture 7"/>
+          <p:cNvPicPr>
+            <a:picLocks noChangeAspect="1"/>
+          </p:cNvPicPr>
+          <p:nvPr/>
+        </p:nvPicPr>
+        <p:blipFill>
+          <a:blip r:embed="rId6"/>
+          <a:stretch>
+            <a:fillRect/>
+          </a:stretch>
+        </p:blipFill>
+        <p:spPr>
+          <a:xfrm>
+            <a:off x="7451692" y="3476624"/>
+            <a:ext cx="819150" cy="847725"/>
+          </a:xfrm>
+          <a:prstGeom prst="rect">
+            <a:avLst/>
+          </a:prstGeom>
+        </p:spPr>
+      </p:pic>
+      <p:pic>
+        <p:nvPicPr>
+          <p:cNvPr id="9" name="Picture 8"/>
+          <p:cNvPicPr>
+            <a:picLocks noChangeAspect="1"/>
+          </p:cNvPicPr>
+          <p:nvPr/>
+        </p:nvPicPr>
+        <p:blipFill>
+          <a:blip r:embed="rId7"/>
+          <a:stretch>
+            <a:fillRect/>
+          </a:stretch>
+        </p:blipFill>
+        <p:spPr>
+          <a:xfrm>
+            <a:off x="5770529" y="4490037"/>
+            <a:ext cx="438150" cy="609600"/>
+          </a:xfrm>
+          <a:prstGeom prst="rect">
+            <a:avLst/>
+          </a:prstGeom>
+        </p:spPr>
+      </p:pic>
+      <p:sp>
+        <p:nvSpPr>
+          <p:cNvPr id="10" name="Rectangle 9"/>
+          <p:cNvSpPr/>
+          <p:nvPr/>
+        </p:nvSpPr>
+        <p:spPr>
+          <a:xfrm>
+            <a:off x="3256221" y="6426741"/>
+            <a:ext cx="3775393" cy="261610"/>
+          </a:xfrm>
+          <a:prstGeom prst="rect">
+            <a:avLst/>
+          </a:prstGeom>
+        </p:spPr>
+        <p:txBody>
+          <a:bodyPr wrap="none">
+            <a:spAutoFit/>
+          </a:bodyPr>
+          <a:lstStyle/>
+          <a:p>
+            <a:r>
+              <a:rPr lang="en-US" sz="1100" i="1" dirty="0" smtClean="0"/>
+              <a:t>Toups, “Transportation-Driven </a:t>
+            </a:r>
+            <a:r>
+              <a:rPr lang="en-US" sz="1100" i="1" dirty="0"/>
+              <a:t>Mars Surface </a:t>
+            </a:r>
+            <a:r>
+              <a:rPr lang="en-US" sz="1100" i="1" dirty="0" smtClean="0"/>
+              <a:t>Operations.” 2014</a:t>
+            </a:r>
+            <a:endParaRPr lang="en-US" sz="1100" i="1" dirty="0"/>
+          </a:p>
+        </p:txBody>
+      </p:sp>
+      <p:pic>
+        <p:nvPicPr>
+          <p:cNvPr id="11" name="Picture 10"/>
+          <p:cNvPicPr>
+            <a:picLocks noChangeAspect="1"/>
+          </p:cNvPicPr>
+          <p:nvPr/>
+        </p:nvPicPr>
+        <p:blipFill>
+          <a:blip r:embed="rId8"/>
+          <a:stretch>
+            <a:fillRect/>
+          </a:stretch>
+        </p:blipFill>
+        <p:spPr>
+          <a:xfrm rot="19800000">
+            <a:off x="6408454" y="4542136"/>
+            <a:ext cx="756361" cy="440894"/>
+          </a:xfrm>
+          <a:prstGeom prst="rect">
+            <a:avLst/>
+          </a:prstGeom>
+        </p:spPr>
+      </p:pic>
+      <p:pic>
+        <p:nvPicPr>
+          <p:cNvPr id="10242" name="Picture 2" descr="https://upload.wikimedia.org/wikipedia/commons/thumb/2/22/Earth_Western_Hemisphere_transparent_background.png/480px-Earth_Western_Hemisphere_transparent_background.png"/>
+          <p:cNvPicPr>
+            <a:picLocks noChangeAspect="1" noChangeArrowheads="1"/>
+          </p:cNvPicPr>
+          <p:nvPr/>
+        </p:nvPicPr>
+        <p:blipFill>
+          <a:blip r:embed="rId9" cstate="print">
+            <a:extLst>
+              <a:ext uri="{28A0092B-C50C-407E-A947-70E740481C1C}">
+                <a14:useLocalDpi xmlns:a14="http://schemas.microsoft.com/office/drawing/2010/main" val="0"/>
+              </a:ext>
+            </a:extLst>
+          </a:blip>
+          <a:srcRect/>
+          <a:stretch>
+            <a:fillRect/>
+          </a:stretch>
+        </p:blipFill>
+        <p:spPr bwMode="auto">
+          <a:xfrm>
+            <a:off x="7556467" y="4494213"/>
+            <a:ext cx="489568" cy="489568"/>
+          </a:xfrm>
+          <a:prstGeom prst="rect">
+            <a:avLst/>
+          </a:prstGeom>
+          <a:noFill/>
+          <a:extLst>
+            <a:ext uri="{909E8E84-426E-40DD-AFC4-6F175D3DCCD1}">
+              <a14:hiddenFill xmlns:a14="http://schemas.microsoft.com/office/drawing/2010/main">
+                <a:solidFill>
+                  <a:srgbClr val="FFFFFF"/>
+                </a:solidFill>
+              </a14:hiddenFill>
+            </a:ext>
+          </a:extLst>
+        </p:spPr>
+      </p:pic>
+      <p:pic>
+        <p:nvPicPr>
+          <p:cNvPr id="10244" name="Picture 4" descr="http://www.pngall.com/wp-content/uploads/2016/03/Moon-Transparent-PNG.png"/>
+          <p:cNvPicPr>
+            <a:picLocks noChangeAspect="1" noChangeArrowheads="1"/>
+          </p:cNvPicPr>
+          <p:nvPr/>
+        </p:nvPicPr>
+        <p:blipFill>
+          <a:blip r:embed="rId10" cstate="print">
+            <a:extLst>
+              <a:ext uri="{28A0092B-C50C-407E-A947-70E740481C1C}">
+                <a14:useLocalDpi xmlns:a14="http://schemas.microsoft.com/office/drawing/2010/main" val="0"/>
+              </a:ext>
+            </a:extLst>
+          </a:blip>
+          <a:srcRect/>
+          <a:stretch>
+            <a:fillRect/>
+          </a:stretch>
+        </p:blipFill>
+        <p:spPr bwMode="auto">
+          <a:xfrm>
+            <a:off x="7633869" y="4494213"/>
+            <a:ext cx="824331" cy="618248"/>
+          </a:xfrm>
+          <a:prstGeom prst="rect">
+            <a:avLst/>
+          </a:prstGeom>
+          <a:noFill/>
+          <a:extLst>
+            <a:ext uri="{909E8E84-426E-40DD-AFC4-6F175D3DCCD1}">
+              <a14:hiddenFill xmlns:a14="http://schemas.microsoft.com/office/drawing/2010/main">
+                <a:solidFill>
+                  <a:srgbClr val="FFFFFF"/>
+                </a:solidFill>
+              </a14:hiddenFill>
+            </a:ext>
+          </a:extLst>
+        </p:spPr>
+      </p:pic>
+      <p:pic>
+        <p:nvPicPr>
+          <p:cNvPr id="10246" name="Picture 6" descr="http://science.nasa.gov/media/medialibrary/2004/02/12/25feb_greenhouses_resources/habitat_med.jpg"/>
+          <p:cNvPicPr>
+            <a:picLocks noChangeAspect="1" noChangeArrowheads="1"/>
+          </p:cNvPicPr>
+          <p:nvPr/>
+        </p:nvPicPr>
+        <p:blipFill>
+          <a:blip r:embed="rId11">
+            <a:extLst>
+              <a:ext uri="{28A0092B-C50C-407E-A947-70E740481C1C}">
+                <a14:useLocalDpi xmlns:a14="http://schemas.microsoft.com/office/drawing/2010/main" val="0"/>
+              </a:ext>
+            </a:extLst>
+          </a:blip>
+          <a:srcRect/>
+          <a:stretch>
+            <a:fillRect/>
+          </a:stretch>
+        </p:blipFill>
+        <p:spPr bwMode="auto">
+          <a:xfrm>
+            <a:off x="5488181" y="5143256"/>
+            <a:ext cx="1219200" cy="957298"/>
+          </a:xfrm>
+          <a:prstGeom prst="rect">
+            <a:avLst/>
+          </a:prstGeom>
+          <a:noFill/>
+          <a:extLst>
+            <a:ext uri="{909E8E84-426E-40DD-AFC4-6F175D3DCCD1}">
+              <a14:hiddenFill xmlns:a14="http://schemas.microsoft.com/office/drawing/2010/main">
+                <a:solidFill>
+                  <a:srgbClr val="FFFFFF"/>
+                </a:solidFill>
+              </a14:hiddenFill>
+            </a:ext>
+          </a:extLst>
+        </p:spPr>
+      </p:pic>
+      <p:pic>
+        <p:nvPicPr>
+          <p:cNvPr id="12" name="Picture 11"/>
+          <p:cNvPicPr>
+            <a:picLocks noChangeAspect="1"/>
+          </p:cNvPicPr>
+          <p:nvPr/>
+        </p:nvPicPr>
+        <p:blipFill>
+          <a:blip r:embed="rId12"/>
+          <a:stretch>
+            <a:fillRect/>
+          </a:stretch>
+        </p:blipFill>
+        <p:spPr>
+          <a:xfrm>
+            <a:off x="7650416" y="5293869"/>
+            <a:ext cx="487015" cy="832866"/>
+          </a:xfrm>
+          <a:prstGeom prst="rect">
+            <a:avLst/>
+          </a:prstGeom>
+        </p:spPr>
+      </p:pic>
+      <p:pic>
+        <p:nvPicPr>
+          <p:cNvPr id="10248" name="Picture 8" descr="http://quest.nasa.gov/mars/background/images/mars.gif"/>
+          <p:cNvPicPr>
+            <a:picLocks noChangeAspect="1" noChangeArrowheads="1"/>
+          </p:cNvPicPr>
+          <p:nvPr/>
+        </p:nvPicPr>
+        <p:blipFill>
+          <a:blip r:embed="rId13" cstate="print">
+            <a:extLst>
+              <a:ext uri="{28A0092B-C50C-407E-A947-70E740481C1C}">
+                <a14:useLocalDpi xmlns:a14="http://schemas.microsoft.com/office/drawing/2010/main" val="0"/>
+              </a:ext>
+            </a:extLst>
+          </a:blip>
+          <a:srcRect/>
+          <a:stretch>
+            <a:fillRect/>
+          </a:stretch>
+        </p:blipFill>
+        <p:spPr bwMode="auto">
+          <a:xfrm>
+            <a:off x="6674724" y="5348885"/>
+            <a:ext cx="713780" cy="713780"/>
+          </a:xfrm>
+          <a:prstGeom prst="rect">
+            <a:avLst/>
+          </a:prstGeom>
+          <a:noFill/>
+          <a:extLst>
+            <a:ext uri="{909E8E84-426E-40DD-AFC4-6F175D3DCCD1}">
+              <a14:hiddenFill xmlns:a14="http://schemas.microsoft.com/office/drawing/2010/main">
+                <a:solidFill>
+                  <a:srgbClr val="FFFFFF"/>
+                </a:solidFill>
+              </a14:hiddenFill>
+            </a:ext>
+          </a:extLst>
+        </p:spPr>
+      </p:pic>
+      <p:pic>
+        <p:nvPicPr>
+          <p:cNvPr id="17" name="Picture 16"/>
+          <p:cNvPicPr>
+            <a:picLocks noChangeAspect="1"/>
+          </p:cNvPicPr>
+          <p:nvPr/>
+        </p:nvPicPr>
+        <p:blipFill>
+          <a:blip r:embed="rId14"/>
+          <a:stretch>
+            <a:fillRect/>
+          </a:stretch>
+        </p:blipFill>
+        <p:spPr>
+          <a:xfrm>
+            <a:off x="7111221" y="4404863"/>
+            <a:ext cx="171322" cy="776737"/>
           </a:xfrm>
           <a:prstGeom prst="rect">
             <a:avLst/>
@@ -12499,8 +13879,13 @@
             </a:pPr>
             <a:r>
               <a:rPr lang="en-US" sz="2400" dirty="0" smtClean="0"/>
+              <a:t>Variable </a:t>
+            </a:r>
+            <a:r>
+              <a:rPr lang="en-US" sz="2400" dirty="0" smtClean="0"/>
               <a:t>Bounds</a:t>
             </a:r>
+            <a:endParaRPr lang="en-US" sz="2400" dirty="0" smtClean="0"/>
           </a:p>
           <a:p>
             <a:pPr marL="800100" lvl="1" indent="-342900">

--- a/MSDO/Assignment5/Mars 2040 Optimization Presentation.pptx
+++ b/MSDO/Assignment5/Mars 2040 Optimization Presentation.pptx
@@ -5,7 +5,7 @@
     <p:sldMasterId id="2147483673" r:id="rId1"/>
   </p:sldMasterIdLst>
   <p:notesMasterIdLst>
-    <p:notesMasterId r:id="rId24"/>
+    <p:notesMasterId r:id="rId25"/>
   </p:notesMasterIdLst>
   <p:sldIdLst>
     <p:sldId id="448" r:id="rId2"/>
@@ -18,18 +18,19 @@
     <p:sldId id="567" r:id="rId9"/>
     <p:sldId id="575" r:id="rId10"/>
     <p:sldId id="585" r:id="rId11"/>
-    <p:sldId id="579" r:id="rId12"/>
-    <p:sldId id="586" r:id="rId13"/>
-    <p:sldId id="580" r:id="rId14"/>
-    <p:sldId id="568" r:id="rId15"/>
-    <p:sldId id="581" r:id="rId16"/>
-    <p:sldId id="582" r:id="rId17"/>
-    <p:sldId id="583" r:id="rId18"/>
-    <p:sldId id="584" r:id="rId19"/>
-    <p:sldId id="577" r:id="rId20"/>
-    <p:sldId id="578" r:id="rId21"/>
-    <p:sldId id="570" r:id="rId22"/>
-    <p:sldId id="571" r:id="rId23"/>
+    <p:sldId id="587" r:id="rId12"/>
+    <p:sldId id="579" r:id="rId13"/>
+    <p:sldId id="586" r:id="rId14"/>
+    <p:sldId id="580" r:id="rId15"/>
+    <p:sldId id="568" r:id="rId16"/>
+    <p:sldId id="581" r:id="rId17"/>
+    <p:sldId id="582" r:id="rId18"/>
+    <p:sldId id="583" r:id="rId19"/>
+    <p:sldId id="584" r:id="rId20"/>
+    <p:sldId id="577" r:id="rId21"/>
+    <p:sldId id="578" r:id="rId22"/>
+    <p:sldId id="570" r:id="rId23"/>
+    <p:sldId id="571" r:id="rId24"/>
   </p:sldIdLst>
   <p:sldSz cx="9144000" cy="6858000" type="screen4x3"/>
   <p:notesSz cx="6858000" cy="9144000"/>
@@ -695,7 +696,7 @@
           <a:p>
             <a:fld id="{380EEE09-4C39-4D5E-9E9F-B9379C5BD052}" type="slidenum">
               <a:rPr lang="en-US" smtClean="0"/>
-              <a:t>15</a:t>
+              <a:t>16</a:t>
             </a:fld>
             <a:endParaRPr lang="en-US"/>
           </a:p>
@@ -787,7 +788,7 @@
           <a:p>
             <a:fld id="{380EEE09-4C39-4D5E-9E9F-B9379C5BD052}" type="slidenum">
               <a:rPr lang="en-US" smtClean="0"/>
-              <a:t>16</a:t>
+              <a:t>17</a:t>
             </a:fld>
             <a:endParaRPr lang="en-US"/>
           </a:p>
@@ -871,7 +872,7 @@
           <a:p>
             <a:fld id="{380EEE09-4C39-4D5E-9E9F-B9379C5BD052}" type="slidenum">
               <a:rPr lang="en-US" smtClean="0"/>
-              <a:t>17</a:t>
+              <a:t>18</a:t>
             </a:fld>
             <a:endParaRPr lang="en-US"/>
           </a:p>
@@ -963,7 +964,7 @@
           <a:p>
             <a:fld id="{380EEE09-4C39-4D5E-9E9F-B9379C5BD052}" type="slidenum">
               <a:rPr lang="en-US" smtClean="0"/>
-              <a:t>18</a:t>
+              <a:t>19</a:t>
             </a:fld>
             <a:endParaRPr lang="en-US"/>
           </a:p>
@@ -1047,7 +1048,7 @@
           <a:p>
             <a:fld id="{380EEE09-4C39-4D5E-9E9F-B9379C5BD052}" type="slidenum">
               <a:rPr lang="en-US" smtClean="0"/>
-              <a:t>21</a:t>
+              <a:t>22</a:t>
             </a:fld>
             <a:endParaRPr lang="en-US"/>
           </a:p>
@@ -1776,7 +1777,7 @@
           <a:p>
             <a:fld id="{380EEE09-4C39-4D5E-9E9F-B9379C5BD052}" type="slidenum">
               <a:rPr lang="en-US" smtClean="0"/>
-              <a:t>11</a:t>
+              <a:t>12</a:t>
             </a:fld>
             <a:endParaRPr lang="en-US"/>
           </a:p>
@@ -1886,7 +1887,7 @@
           <a:p>
             <a:fld id="{380EEE09-4C39-4D5E-9E9F-B9379C5BD052}" type="slidenum">
               <a:rPr lang="en-US" smtClean="0"/>
-              <a:t>14</a:t>
+              <a:t>15</a:t>
             </a:fld>
             <a:endParaRPr lang="en-US"/>
           </a:p>
@@ -7123,6 +7124,53 @@
           </a:p>
         </p:txBody>
       </p:sp>
+      <p:sp>
+        <p:nvSpPr>
+          <p:cNvPr id="15" name="Rectangle 14"/>
+          <p:cNvSpPr/>
+          <p:nvPr/>
+        </p:nvSpPr>
+        <p:spPr>
+          <a:xfrm>
+            <a:off x="7334250" y="4038600"/>
+            <a:ext cx="1447800" cy="876300"/>
+          </a:xfrm>
+          <a:prstGeom prst="rect">
+            <a:avLst/>
+          </a:prstGeom>
+          <a:noFill/>
+          <a:ln>
+            <a:solidFill>
+              <a:srgbClr val="C00000"/>
+            </a:solidFill>
+            <a:prstDash val="dash"/>
+          </a:ln>
+        </p:spPr>
+        <p:style>
+          <a:lnRef idx="2">
+            <a:schemeClr val="accent1">
+              <a:shade val="50000"/>
+            </a:schemeClr>
+          </a:lnRef>
+          <a:fillRef idx="1">
+            <a:schemeClr val="accent1"/>
+          </a:fillRef>
+          <a:effectRef idx="0">
+            <a:schemeClr val="accent1"/>
+          </a:effectRef>
+          <a:fontRef idx="minor">
+            <a:schemeClr val="lt1"/>
+          </a:fontRef>
+        </p:style>
+        <p:txBody>
+          <a:bodyPr rtlCol="0" anchor="ctr"/>
+          <a:lstStyle/>
+          <a:p>
+            <a:pPr algn="ctr"/>
+            <a:endParaRPr lang="en-US"/>
+          </a:p>
+        </p:txBody>
+      </p:sp>
     </p:spTree>
     <p:extLst>
       <p:ext uri="{BB962C8B-B14F-4D97-AF65-F5344CB8AC3E}">
@@ -7255,15 +7303,15 @@
           <a:lstStyle/>
           <a:p>
             <a:r>
+              <a:rPr lang="en-US" dirty="0"/>
+              <a:t>Modeling and Simulation:</a:t>
+            </a:r>
+            <a:br>
+              <a:rPr lang="en-US" dirty="0"/>
+            </a:br>
+            <a:r>
               <a:rPr lang="en-US" dirty="0" smtClean="0"/>
-              <a:t>Modeling and Simulation:</a:t>
-            </a:r>
-            <a:br>
-              <a:rPr lang="en-US" dirty="0" smtClean="0"/>
-            </a:br>
-            <a:r>
-              <a:rPr lang="en-US" dirty="0" smtClean="0"/>
-              <a:t>Development Cost Module</a:t>
+              <a:t>Science Utility</a:t>
             </a:r>
             <a:endParaRPr lang="en-US" dirty="0"/>
           </a:p>
@@ -7299,6 +7347,319 @@
                 <a:defRPr/>
               </a:pPr>
               <a:t>11</a:t>
+            </a:fld>
+            <a:endParaRPr lang="en-US">
+              <a:solidFill>
+                <a:prstClr val="black">
+                  <a:tint val="75000"/>
+                </a:prstClr>
+              </a:solidFill>
+            </a:endParaRPr>
+          </a:p>
+        </p:txBody>
+      </p:sp>
+      <mc:AlternateContent xmlns:mc="http://schemas.openxmlformats.org/markup-compatibility/2006">
+        <mc:Choice xmlns:a14="http://schemas.microsoft.com/office/drawing/2010/main" Requires="a14">
+          <p:sp>
+            <p:nvSpPr>
+              <p:cNvPr id="7" name="TextBox 6"/>
+              <p:cNvSpPr txBox="1"/>
+              <p:nvPr/>
+            </p:nvSpPr>
+            <p:spPr>
+              <a:xfrm>
+                <a:off x="3295650" y="3905071"/>
+                <a:ext cx="1694182" cy="430887"/>
+              </a:xfrm>
+              <a:prstGeom prst="rect">
+                <a:avLst/>
+              </a:prstGeom>
+              <a:noFill/>
+            </p:spPr>
+            <p:txBody>
+              <a:bodyPr wrap="none" lIns="0" tIns="0" rIns="0" bIns="0" rtlCol="0">
+                <a:spAutoFit/>
+              </a:bodyPr>
+              <a:lstStyle/>
+              <a:p>
+                <a14:m>
+                  <m:oMathPara xmlns:m="http://schemas.openxmlformats.org/officeDocument/2006/math">
+                    <m:oMathParaPr>
+                      <m:jc m:val="centerGroup"/>
+                    </m:oMathParaPr>
+                    <m:oMath xmlns:m="http://schemas.openxmlformats.org/officeDocument/2006/math">
+                      <m:r>
+                        <a:rPr lang="en-US" sz="2800" b="0" i="1" smtClean="0">
+                          <a:latin typeface="Cambria Math" panose="02040503050406030204" pitchFamily="18" charset="0"/>
+                        </a:rPr>
+                        <m:t>𝑆</m:t>
+                      </m:r>
+                      <m:r>
+                        <a:rPr lang="en-US" sz="2800" b="0" i="1" smtClean="0">
+                          <a:latin typeface="Cambria Math" panose="02040503050406030204" pitchFamily="18" charset="0"/>
+                        </a:rPr>
+                        <m:t>=</m:t>
+                      </m:r>
+                      <m:sSub>
+                        <m:sSubPr>
+                          <m:ctrlPr>
+                            <a:rPr lang="en-US" sz="2800" b="0" i="1" smtClean="0">
+                              <a:latin typeface="Cambria Math" panose="02040503050406030204" pitchFamily="18" charset="0"/>
+                            </a:rPr>
+                          </m:ctrlPr>
+                        </m:sSubPr>
+                        <m:e>
+                          <m:r>
+                            <a:rPr lang="en-US" sz="2800" b="0" i="1" smtClean="0">
+                              <a:latin typeface="Cambria Math" panose="02040503050406030204" pitchFamily="18" charset="0"/>
+                            </a:rPr>
+                            <m:t>𝑊</m:t>
+                          </m:r>
+                        </m:e>
+                        <m:sub>
+                          <m:r>
+                            <a:rPr lang="en-US" sz="2800" b="0" i="1" smtClean="0">
+                              <a:latin typeface="Cambria Math" panose="02040503050406030204" pitchFamily="18" charset="0"/>
+                            </a:rPr>
+                            <m:t>𝑖</m:t>
+                          </m:r>
+                        </m:sub>
+                      </m:sSub>
+                      <m:r>
+                        <a:rPr lang="en-US" sz="2800" b="0" i="1" smtClean="0">
+                          <a:latin typeface="Cambria Math" panose="02040503050406030204" pitchFamily="18" charset="0"/>
+                        </a:rPr>
+                        <m:t> </m:t>
+                      </m:r>
+                      <m:r>
+                        <a:rPr lang="en-US" sz="2800" b="0" i="1" smtClean="0">
+                          <a:latin typeface="Cambria Math" panose="02040503050406030204" pitchFamily="18" charset="0"/>
+                        </a:rPr>
+                        <m:t>𝑃</m:t>
+                      </m:r>
+                      <m:r>
+                        <a:rPr lang="en-US" sz="2800" b="0" i="1" smtClean="0">
+                          <a:latin typeface="Cambria Math" panose="02040503050406030204" pitchFamily="18" charset="0"/>
+                        </a:rPr>
+                        <m:t> </m:t>
+                      </m:r>
+                      <m:r>
+                        <a:rPr lang="en-US" sz="2800" b="0" i="1" smtClean="0">
+                          <a:latin typeface="Cambria Math" panose="02040503050406030204" pitchFamily="18" charset="0"/>
+                        </a:rPr>
+                        <m:t>𝑡</m:t>
+                      </m:r>
+                    </m:oMath>
+                  </m:oMathPara>
+                </a14:m>
+                <a:endParaRPr lang="en-US" sz="2800" dirty="0"/>
+              </a:p>
+            </p:txBody>
+          </p:sp>
+        </mc:Choice>
+        <mc:Fallback>
+          <p:sp>
+            <p:nvSpPr>
+              <p:cNvPr id="7" name="TextBox 6"/>
+              <p:cNvSpPr txBox="1">
+                <a:spLocks noRot="1" noChangeAspect="1" noMove="1" noResize="1" noEditPoints="1" noAdjustHandles="1" noChangeArrowheads="1" noChangeShapeType="1" noTextEdit="1"/>
+              </p:cNvSpPr>
+              <p:nvPr/>
+            </p:nvSpPr>
+            <p:spPr>
+              <a:xfrm>
+                <a:off x="3295650" y="3905071"/>
+                <a:ext cx="1694182" cy="430887"/>
+              </a:xfrm>
+              <a:prstGeom prst="rect">
+                <a:avLst/>
+              </a:prstGeom>
+              <a:blipFill rotWithShape="0">
+                <a:blip r:embed="rId2"/>
+                <a:stretch>
+                  <a:fillRect/>
+                </a:stretch>
+              </a:blipFill>
+            </p:spPr>
+            <p:txBody>
+              <a:bodyPr/>
+              <a:lstStyle/>
+              <a:p>
+                <a:r>
+                  <a:rPr lang="en-US">
+                    <a:noFill/>
+                  </a:rPr>
+                  <a:t> </a:t>
+                </a:r>
+              </a:p>
+            </p:txBody>
+          </p:sp>
+        </mc:Fallback>
+      </mc:AlternateContent>
+      <p:sp>
+        <p:nvSpPr>
+          <p:cNvPr id="18" name="TextBox 17"/>
+          <p:cNvSpPr txBox="1"/>
+          <p:nvPr/>
+        </p:nvSpPr>
+        <p:spPr>
+          <a:xfrm>
+            <a:off x="2819400" y="4895671"/>
+            <a:ext cx="4133850" cy="1200329"/>
+          </a:xfrm>
+          <a:prstGeom prst="rect">
+            <a:avLst/>
+          </a:prstGeom>
+          <a:noFill/>
+        </p:spPr>
+        <p:txBody>
+          <a:bodyPr wrap="square" rtlCol="0">
+            <a:spAutoFit/>
+          </a:bodyPr>
+          <a:lstStyle/>
+          <a:p>
+            <a:r>
+              <a:rPr lang="en-US" dirty="0"/>
+              <a:t>S</a:t>
+            </a:r>
+            <a:r>
+              <a:rPr lang="en-US" dirty="0" smtClean="0"/>
+              <a:t>    = </a:t>
+            </a:r>
+            <a:r>
+              <a:rPr lang="en-US" dirty="0" smtClean="0"/>
+              <a:t>science utility</a:t>
+            </a:r>
+            <a:endParaRPr lang="en-US" dirty="0" smtClean="0"/>
+          </a:p>
+          <a:p>
+            <a:r>
+              <a:rPr lang="en-US" dirty="0" smtClean="0"/>
+              <a:t>W</a:t>
+            </a:r>
+            <a:r>
+              <a:rPr lang="en-US" baseline="-25000" dirty="0" smtClean="0"/>
+              <a:t>i</a:t>
+            </a:r>
+            <a:r>
+              <a:rPr lang="en-US" dirty="0" smtClean="0"/>
+              <a:t>  = site science interest</a:t>
+            </a:r>
+            <a:endParaRPr lang="en-US" dirty="0" smtClean="0"/>
+          </a:p>
+          <a:p>
+            <a:r>
+              <a:rPr lang="en-US" dirty="0" smtClean="0"/>
+              <a:t>P    = surface population</a:t>
+            </a:r>
+            <a:endParaRPr lang="en-US" dirty="0" smtClean="0"/>
+          </a:p>
+          <a:p>
+            <a:r>
+              <a:rPr lang="en-US" dirty="0" smtClean="0"/>
+              <a:t>t     = time available for science activities</a:t>
+            </a:r>
+            <a:endParaRPr lang="en-US" dirty="0" smtClean="0"/>
+          </a:p>
+        </p:txBody>
+      </p:sp>
+    </p:spTree>
+    <p:extLst>
+      <p:ext uri="{BB962C8B-B14F-4D97-AF65-F5344CB8AC3E}">
+        <p14:creationId xmlns:p14="http://schemas.microsoft.com/office/powerpoint/2010/main" val="3647222360"/>
+      </p:ext>
+    </p:extLst>
+  </p:cSld>
+  <p:clrMapOvr>
+    <a:masterClrMapping/>
+  </p:clrMapOvr>
+  <p:timing>
+    <p:tnLst>
+      <p:par>
+        <p:cTn id="1" dur="indefinite" restart="never" nodeType="tmRoot"/>
+      </p:par>
+    </p:tnLst>
+  </p:timing>
+</p:sld>
+</file>
+
+<file path=ppt/slides/slide12.xml><?xml version="1.0" encoding="utf-8"?>
+<p:sld xmlns:a="http://schemas.openxmlformats.org/drawingml/2006/main" xmlns:r="http://schemas.openxmlformats.org/officeDocument/2006/relationships" xmlns:p="http://schemas.openxmlformats.org/presentationml/2006/main">
+  <p:cSld>
+    <p:spTree>
+      <p:nvGrpSpPr>
+        <p:cNvPr id="1" name=""/>
+        <p:cNvGrpSpPr/>
+        <p:nvPr/>
+      </p:nvGrpSpPr>
+      <p:grpSpPr>
+        <a:xfrm>
+          <a:off x="0" y="0"/>
+          <a:ext cx="0" cy="0"/>
+          <a:chOff x="0" y="0"/>
+          <a:chExt cx="0" cy="0"/>
+        </a:xfrm>
+      </p:grpSpPr>
+      <p:sp>
+        <p:nvSpPr>
+          <p:cNvPr id="2" name="Title 1"/>
+          <p:cNvSpPr>
+            <a:spLocks noGrp="1"/>
+          </p:cNvSpPr>
+          <p:nvPr>
+            <p:ph type="title"/>
+          </p:nvPr>
+        </p:nvSpPr>
+        <p:spPr/>
+        <p:txBody>
+          <a:bodyPr/>
+          <a:lstStyle/>
+          <a:p>
+            <a:r>
+              <a:rPr lang="en-US" dirty="0" smtClean="0"/>
+              <a:t>Modeling and Simulation:</a:t>
+            </a:r>
+            <a:br>
+              <a:rPr lang="en-US" dirty="0" smtClean="0"/>
+            </a:br>
+            <a:r>
+              <a:rPr lang="en-US" dirty="0" smtClean="0"/>
+              <a:t>Development Cost Module</a:t>
+            </a:r>
+            <a:endParaRPr lang="en-US" dirty="0"/>
+          </a:p>
+        </p:txBody>
+      </p:sp>
+      <p:sp>
+        <p:nvSpPr>
+          <p:cNvPr id="3" name="Slide Number Placeholder 2"/>
+          <p:cNvSpPr>
+            <a:spLocks noGrp="1"/>
+          </p:cNvSpPr>
+          <p:nvPr>
+            <p:ph type="sldNum" sz="quarter" idx="12"/>
+          </p:nvPr>
+        </p:nvSpPr>
+        <p:spPr/>
+        <p:txBody>
+          <a:bodyPr/>
+          <a:lstStyle/>
+          <a:p>
+            <a:pPr>
+              <a:defRPr/>
+            </a:pPr>
+            <a:fld id="{6E3317FF-6423-48BB-8CF6-A5183FB2D75B}" type="slidenum">
+              <a:rPr lang="en-US" smtClean="0">
+                <a:solidFill>
+                  <a:prstClr val="black">
+                    <a:tint val="75000"/>
+                  </a:prstClr>
+                </a:solidFill>
+              </a:rPr>
+              <a:pPr>
+                <a:defRPr/>
+              </a:pPr>
+              <a:t>12</a:t>
             </a:fld>
             <a:endParaRPr lang="en-US">
               <a:solidFill>
@@ -7500,11 +7861,11 @@
               <a:buChar char="•"/>
             </a:pPr>
             <a:r>
-              <a:rPr lang="en-US" sz="2400" u="sng" dirty="0" smtClean="0"/>
+              <a:rPr lang="en-US" sz="2400" u="sng" strike="sngStrike" dirty="0" smtClean="0"/>
               <a:t>Advanced ISRU</a:t>
             </a:r>
             <a:r>
-              <a:rPr lang="en-US" sz="2400" dirty="0" smtClean="0"/>
+              <a:rPr lang="en-US" sz="2400" strike="sngStrike" dirty="0" smtClean="0"/>
               <a:t> will:</a:t>
             </a:r>
           </a:p>
@@ -7514,7 +7875,7 @@
               <a:buChar char="•"/>
             </a:pPr>
             <a:r>
-              <a:rPr lang="en-US" sz="2400" dirty="0" smtClean="0"/>
+              <a:rPr lang="en-US" sz="2400" strike="sngStrike" dirty="0" smtClean="0"/>
               <a:t>Reduce emplaced mission mass</a:t>
             </a:r>
           </a:p>
@@ -7524,10 +7885,10 @@
               <a:buChar char="•"/>
             </a:pPr>
             <a:r>
-              <a:rPr lang="en-US" sz="2400" dirty="0" smtClean="0"/>
+              <a:rPr lang="en-US" sz="2400" strike="sngStrike" dirty="0" smtClean="0"/>
               <a:t>Reduce resupply mission sparing mass</a:t>
             </a:r>
-            <a:endParaRPr lang="en-US" sz="2400" dirty="0"/>
+            <a:endParaRPr lang="en-US" sz="2400" strike="sngStrike" dirty="0"/>
           </a:p>
         </p:txBody>
       </p:sp>
@@ -7551,7 +7912,7 @@
 </p:sld>
 </file>
 
-<file path=ppt/slides/slide12.xml><?xml version="1.0" encoding="utf-8"?>
+<file path=ppt/slides/slide13.xml><?xml version="1.0" encoding="utf-8"?>
 <p:sld xmlns:a="http://schemas.openxmlformats.org/drawingml/2006/main" xmlns:r="http://schemas.openxmlformats.org/officeDocument/2006/relationships" xmlns:p="http://schemas.openxmlformats.org/presentationml/2006/main">
   <p:cSld>
     <p:spTree>
@@ -7686,7 +8047,7 @@
               <a:pPr>
                 <a:defRPr/>
               </a:pPr>
-              <a:t>12</a:t>
+              <a:t>13</a:t>
             </a:fld>
             <a:endParaRPr lang="en-US">
               <a:solidFill>
@@ -7770,25 +8131,25 @@
           <p:nvPr>
             <p:extLst>
               <p:ext uri="{D42A27DB-BD31-4B8C-83A1-F6EECF244321}">
-                <p14:modId xmlns:p14="http://schemas.microsoft.com/office/powerpoint/2010/main" val="4199474292"/>
+                <p14:modId xmlns:p14="http://schemas.microsoft.com/office/powerpoint/2010/main" val="1740287125"/>
               </p:ext>
             </p:extLst>
           </p:nvPr>
         </p:nvGraphicFramePr>
         <p:xfrm>
-          <a:off x="1905000" y="3999488"/>
-          <a:ext cx="5156200" cy="533400"/>
+          <a:off x="1979613" y="3998913"/>
+          <a:ext cx="5006975" cy="533400"/>
         </p:xfrm>
         <a:graphic>
           <a:graphicData uri="http://schemas.openxmlformats.org/presentationml/2006/ole">
             <mc:AlternateContent xmlns:mc="http://schemas.openxmlformats.org/markup-compatibility/2006">
               <mc:Choice xmlns:v="urn:schemas-microsoft-com:vml" Requires="v">
-                <p:oleObj spid="_x0000_s8219" name="Equation" r:id="rId3" imgW="2209800" imgH="228600" progId="Equation.3">
+                <p:oleObj spid="_x0000_s8229" name="Equation" r:id="rId3" imgW="2145960" imgH="228600" progId="Equation.3">
                   <p:embed/>
                 </p:oleObj>
               </mc:Choice>
               <mc:Fallback>
-                <p:oleObj name="Equation" r:id="rId3" imgW="2209800" imgH="228600" progId="Equation.3">
+                <p:oleObj name="Equation" r:id="rId3" imgW="2145960" imgH="228600" progId="Equation.3">
                   <p:embed/>
                   <p:pic>
                     <p:nvPicPr>
@@ -7799,13 +8160,7 @@
                       <p:nvPr/>
                     </p:nvPicPr>
                     <p:blipFill>
-                      <a:blip r:embed="rId4">
-                        <a:extLst>
-                          <a:ext uri="{28A0092B-C50C-407E-A947-70E740481C1C}">
-                            <a14:useLocalDpi xmlns:a14="http://schemas.microsoft.com/office/drawing/2010/main" val="0"/>
-                          </a:ext>
-                        </a:extLst>
-                      </a:blip>
+                      <a:blip r:embed="rId4"/>
                       <a:srcRect/>
                       <a:stretch>
                         <a:fillRect/>
@@ -7813,8 +8168,8 @@
                     </p:blipFill>
                     <p:spPr bwMode="auto">
                       <a:xfrm>
-                        <a:off x="1905000" y="3999488"/>
-                        <a:ext cx="5156200" cy="533400"/>
+                        <a:off x="1979613" y="3998913"/>
+                        <a:ext cx="5006975" cy="533400"/>
                       </a:xfrm>
                       <a:prstGeom prst="rect">
                         <a:avLst/>
@@ -7913,7 +8268,7 @@
 </p:sld>
 </file>
 
-<file path=ppt/slides/slide13.xml><?xml version="1.0" encoding="utf-8"?>
+<file path=ppt/slides/slide14.xml><?xml version="1.0" encoding="utf-8"?>
 <p:sld xmlns:a="http://schemas.openxmlformats.org/drawingml/2006/main" xmlns:r="http://schemas.openxmlformats.org/officeDocument/2006/relationships" xmlns:p="http://schemas.openxmlformats.org/presentationml/2006/main">
   <p:cSld>
     <p:spTree>
@@ -7989,7 +8344,7 @@
               <a:pPr>
                 <a:defRPr/>
               </a:pPr>
-              <a:t>13</a:t>
+              <a:t>14</a:t>
             </a:fld>
             <a:endParaRPr lang="en-US">
               <a:solidFill>
@@ -8010,7 +8365,7 @@
         <p:spPr>
           <a:xfrm>
             <a:off x="457200" y="1066800"/>
-            <a:ext cx="8382000" cy="2654573"/>
+            <a:ext cx="8382000" cy="5209118"/>
           </a:xfrm>
           <a:prstGeom prst="rect">
             <a:avLst/>
@@ -8063,7 +8418,56 @@
             </a:pPr>
             <a:r>
               <a:rPr lang="en-US" sz="2400" dirty="0" smtClean="0"/>
-              <a:t>The following three values were used as high, medium, and low IMLEO cost estimates in this analysis</a:t>
+              <a:t>The following three values were used as high, medium, and low IMLEO cost estimates in this </a:t>
+            </a:r>
+            <a:r>
+              <a:rPr lang="en-US" sz="2400" dirty="0" smtClean="0"/>
+              <a:t>analysis</a:t>
+            </a:r>
+          </a:p>
+          <a:p>
+            <a:pPr marL="342900" indent="-342900">
+              <a:buFont typeface="Arial" panose="020B0604020202020204" pitchFamily="34" charset="0"/>
+              <a:buChar char="•"/>
+            </a:pPr>
+            <a:endParaRPr lang="en-US" sz="2400" dirty="0"/>
+          </a:p>
+          <a:p>
+            <a:pPr marL="342900" indent="-342900">
+              <a:buFont typeface="Arial" panose="020B0604020202020204" pitchFamily="34" charset="0"/>
+              <a:buChar char="•"/>
+            </a:pPr>
+            <a:endParaRPr lang="en-US" sz="2400" dirty="0" smtClean="0"/>
+          </a:p>
+          <a:p>
+            <a:pPr marL="342900" indent="-342900">
+              <a:buFont typeface="Arial" panose="020B0604020202020204" pitchFamily="34" charset="0"/>
+              <a:buChar char="•"/>
+            </a:pPr>
+            <a:endParaRPr lang="en-US" sz="2400" dirty="0"/>
+          </a:p>
+          <a:p>
+            <a:pPr marL="342900" indent="-342900">
+              <a:buFont typeface="Arial" panose="020B0604020202020204" pitchFamily="34" charset="0"/>
+              <a:buChar char="•"/>
+            </a:pPr>
+            <a:endParaRPr lang="en-US" sz="2400" dirty="0" smtClean="0"/>
+          </a:p>
+          <a:p>
+            <a:pPr marL="342900" indent="-342900">
+              <a:buFont typeface="Arial" panose="020B0604020202020204" pitchFamily="34" charset="0"/>
+              <a:buChar char="•"/>
+            </a:pPr>
+            <a:endParaRPr lang="en-US" sz="2400" dirty="0"/>
+          </a:p>
+          <a:p>
+            <a:pPr marL="342900" indent="-342900">
+              <a:buFont typeface="Arial" panose="020B0604020202020204" pitchFamily="34" charset="0"/>
+              <a:buChar char="•"/>
+            </a:pPr>
+            <a:r>
+              <a:rPr lang="en-US" sz="2400" dirty="0" smtClean="0"/>
+              <a:t>Specific launch manifesting and impacts on operations not considered at this time.</a:t>
             </a:r>
           </a:p>
         </p:txBody>
@@ -8077,13 +8481,13 @@
           <p:nvPr>
             <p:extLst>
               <p:ext uri="{D42A27DB-BD31-4B8C-83A1-F6EECF244321}">
-                <p14:modId xmlns:p14="http://schemas.microsoft.com/office/powerpoint/2010/main" val="1124148133"/>
+                <p14:modId xmlns:p14="http://schemas.microsoft.com/office/powerpoint/2010/main" val="3660864180"/>
               </p:ext>
             </p:extLst>
           </p:nvPr>
         </p:nvGraphicFramePr>
         <p:xfrm>
-          <a:off x="1962150" y="4114800"/>
+          <a:off x="1962150" y="3810000"/>
           <a:ext cx="5372100" cy="1584960"/>
         </p:xfrm>
         <a:graphic>
@@ -8292,7 +8696,7 @@
 </p:sld>
 </file>
 
-<file path=ppt/slides/slide14.xml><?xml version="1.0" encoding="utf-8"?>
+<file path=ppt/slides/slide15.xml><?xml version="1.0" encoding="utf-8"?>
 <p:sld xmlns:a="http://schemas.openxmlformats.org/drawingml/2006/main" xmlns:r="http://schemas.openxmlformats.org/officeDocument/2006/relationships" xmlns:p="http://schemas.openxmlformats.org/presentationml/2006/main">
   <p:cSld>
     <p:spTree>
@@ -8402,7 +8806,7 @@
               <a:pPr>
                 <a:defRPr/>
               </a:pPr>
-              <a:t>14</a:t>
+              <a:t>15</a:t>
             </a:fld>
             <a:endParaRPr lang="en-US" dirty="0">
               <a:solidFill>
@@ -8839,7 +9243,7 @@
 </p:sld>
 </file>
 
-<file path=ppt/slides/slide15.xml><?xml version="1.0" encoding="utf-8"?>
+<file path=ppt/slides/slide16.xml><?xml version="1.0" encoding="utf-8"?>
 <p:sld xmlns:a="http://schemas.openxmlformats.org/drawingml/2006/main" xmlns:r="http://schemas.openxmlformats.org/officeDocument/2006/relationships" xmlns:p="http://schemas.openxmlformats.org/presentationml/2006/main">
   <p:cSld>
     <p:spTree>
@@ -8920,7 +9324,7 @@
               <a:pPr>
                 <a:defRPr/>
               </a:pPr>
-              <a:t>15</a:t>
+              <a:t>16</a:t>
             </a:fld>
             <a:endParaRPr lang="en-US" dirty="0">
               <a:solidFill>
@@ -10331,7 +10735,7 @@
 </p:sld>
 </file>
 
-<file path=ppt/slides/slide16.xml><?xml version="1.0" encoding="utf-8"?>
+<file path=ppt/slides/slide17.xml><?xml version="1.0" encoding="utf-8"?>
 <p:sld xmlns:a="http://schemas.openxmlformats.org/drawingml/2006/main" xmlns:r="http://schemas.openxmlformats.org/officeDocument/2006/relationships" xmlns:p="http://schemas.openxmlformats.org/presentationml/2006/main">
   <p:cSld>
     <p:spTree>
@@ -10412,7 +10816,7 @@
               <a:pPr>
                 <a:defRPr/>
               </a:pPr>
-              <a:t>16</a:t>
+              <a:t>17</a:t>
             </a:fld>
             <a:endParaRPr lang="en-US" dirty="0">
               <a:solidFill>
@@ -10533,246 +10937,6 @@
     <p:extLst>
       <p:ext uri="{BB962C8B-B14F-4D97-AF65-F5344CB8AC3E}">
         <p14:creationId xmlns:p14="http://schemas.microsoft.com/office/powerpoint/2010/main" val="3529249482"/>
-      </p:ext>
-    </p:extLst>
-  </p:cSld>
-  <p:clrMapOvr>
-    <a:masterClrMapping/>
-  </p:clrMapOvr>
-  <p:timing>
-    <p:tnLst>
-      <p:par>
-        <p:cTn id="1" dur="indefinite" restart="never" nodeType="tmRoot"/>
-      </p:par>
-    </p:tnLst>
-  </p:timing>
-</p:sld>
-</file>
-
-<file path=ppt/slides/slide17.xml><?xml version="1.0" encoding="utf-8"?>
-<p:sld xmlns:a="http://schemas.openxmlformats.org/drawingml/2006/main" xmlns:r="http://schemas.openxmlformats.org/officeDocument/2006/relationships" xmlns:p="http://schemas.openxmlformats.org/presentationml/2006/main">
-  <p:cSld>
-    <p:spTree>
-      <p:nvGrpSpPr>
-        <p:cNvPr id="1" name=""/>
-        <p:cNvGrpSpPr/>
-        <p:nvPr/>
-      </p:nvGrpSpPr>
-      <p:grpSpPr>
-        <a:xfrm>
-          <a:off x="0" y="0"/>
-          <a:ext cx="0" cy="0"/>
-          <a:chOff x="0" y="0"/>
-          <a:chExt cx="0" cy="0"/>
-        </a:xfrm>
-      </p:grpSpPr>
-      <p:sp>
-        <p:nvSpPr>
-          <p:cNvPr id="2" name="Title 1"/>
-          <p:cNvSpPr>
-            <a:spLocks noGrp="1"/>
-          </p:cNvSpPr>
-          <p:nvPr>
-            <p:ph type="title"/>
-          </p:nvPr>
-        </p:nvSpPr>
-        <p:spPr>
-          <a:xfrm>
-            <a:off x="3124200" y="0"/>
-            <a:ext cx="6019800" cy="838200"/>
-          </a:xfrm>
-        </p:spPr>
-        <p:txBody>
-          <a:bodyPr/>
-          <a:lstStyle/>
-          <a:p>
-            <a:r>
-              <a:rPr lang="en-US" dirty="0" smtClean="0"/>
-              <a:t>Single Objective Optimization</a:t>
-            </a:r>
-            <a:br>
-              <a:rPr lang="en-US" dirty="0" smtClean="0"/>
-            </a:br>
-            <a:r>
-              <a:rPr lang="en-US" dirty="0" smtClean="0"/>
-              <a:t>Genetic Algorithm</a:t>
-            </a:r>
-            <a:endParaRPr lang="en-US" dirty="0"/>
-          </a:p>
-        </p:txBody>
-      </p:sp>
-      <p:sp>
-        <p:nvSpPr>
-          <p:cNvPr id="4" name="Slide Number Placeholder 3"/>
-          <p:cNvSpPr>
-            <a:spLocks noGrp="1"/>
-          </p:cNvSpPr>
-          <p:nvPr>
-            <p:ph type="sldNum" sz="quarter" idx="12"/>
-          </p:nvPr>
-        </p:nvSpPr>
-        <p:spPr/>
-        <p:txBody>
-          <a:bodyPr/>
-          <a:lstStyle/>
-          <a:p>
-            <a:pPr>
-              <a:defRPr/>
-            </a:pPr>
-            <a:fld id="{6E3317FF-6423-48BB-8CF6-A5183FB2D75B}" type="slidenum">
-              <a:rPr lang="en-US" smtClean="0">
-                <a:solidFill>
-                  <a:prstClr val="black">
-                    <a:tint val="75000"/>
-                  </a:prstClr>
-                </a:solidFill>
-              </a:rPr>
-              <a:pPr>
-                <a:defRPr/>
-              </a:pPr>
-              <a:t>17</a:t>
-            </a:fld>
-            <a:endParaRPr lang="en-US" dirty="0">
-              <a:solidFill>
-                <a:prstClr val="black">
-                  <a:tint val="75000"/>
-                </a:prstClr>
-              </a:solidFill>
-            </a:endParaRPr>
-          </a:p>
-        </p:txBody>
-      </p:sp>
-      <p:sp>
-        <p:nvSpPr>
-          <p:cNvPr id="5" name="TextBox 4"/>
-          <p:cNvSpPr txBox="1"/>
-          <p:nvPr/>
-        </p:nvSpPr>
-        <p:spPr>
-          <a:xfrm>
-            <a:off x="457200" y="1066800"/>
-            <a:ext cx="8382000" cy="2616101"/>
-          </a:xfrm>
-          <a:prstGeom prst="rect">
-            <a:avLst/>
-          </a:prstGeom>
-          <a:noFill/>
-        </p:spPr>
-        <p:txBody>
-          <a:bodyPr wrap="square" rtlCol="0">
-            <a:spAutoFit/>
-          </a:bodyPr>
-          <a:lstStyle/>
-          <a:p>
-            <a:r>
-              <a:rPr lang="en-US" sz="2400" dirty="0" smtClean="0"/>
-              <a:t>The MATLAB genetic algorithm toolbox was utilized </a:t>
-            </a:r>
-          </a:p>
-          <a:p>
-            <a:pPr marL="565150" indent="-342900">
-              <a:buFont typeface="Arial" panose="020B0604020202020204" pitchFamily="34" charset="0"/>
-              <a:buChar char="•"/>
-            </a:pPr>
-            <a:r>
-              <a:rPr lang="en-US" sz="2400" dirty="0" smtClean="0"/>
-              <a:t>Smoothing of the design space was not necessary</a:t>
-            </a:r>
-          </a:p>
-          <a:p>
-            <a:pPr marL="565150" indent="-342900">
-              <a:buFont typeface="Arial" panose="020B0604020202020204" pitchFamily="34" charset="0"/>
-              <a:buChar char="•"/>
-            </a:pPr>
-            <a:r>
-              <a:rPr lang="en-US" sz="2400" dirty="0" smtClean="0"/>
-              <a:t>The parameters of the genetic algorithm were tuned to provide consistent convergence  </a:t>
-            </a:r>
-          </a:p>
-          <a:p>
-            <a:pPr marL="565150" indent="-342900">
-              <a:buFont typeface="Arial" panose="020B0604020202020204" pitchFamily="34" charset="0"/>
-              <a:buChar char="•"/>
-            </a:pPr>
-            <a:r>
-              <a:rPr lang="en-US" sz="2400" dirty="0" smtClean="0"/>
-              <a:t>The final optimizer converged in an average of 53 generations</a:t>
-            </a:r>
-          </a:p>
-          <a:p>
-            <a:pPr marL="565150" indent="-342900">
-              <a:buFont typeface="Arial" panose="020B0604020202020204" pitchFamily="34" charset="0"/>
-              <a:buChar char="•"/>
-            </a:pPr>
-            <a:r>
-              <a:rPr lang="en-US" sz="2400" dirty="0" smtClean="0"/>
-              <a:t>Multiple trials were executed to ensure solution agreement</a:t>
-            </a:r>
-          </a:p>
-          <a:p>
-            <a:pPr lvl="1"/>
-            <a:endParaRPr lang="en-US" sz="2000" dirty="0" smtClean="0"/>
-          </a:p>
-        </p:txBody>
-      </p:sp>
-      <p:pic>
-        <p:nvPicPr>
-          <p:cNvPr id="7170" name="Picture 2"/>
-          <p:cNvPicPr>
-            <a:picLocks noChangeAspect="1" noChangeArrowheads="1"/>
-          </p:cNvPicPr>
-          <p:nvPr/>
-        </p:nvPicPr>
-        <p:blipFill>
-          <a:blip r:embed="rId3">
-            <a:extLst>
-              <a:ext uri="{28A0092B-C50C-407E-A947-70E740481C1C}">
-                <a14:useLocalDpi xmlns:a14="http://schemas.microsoft.com/office/drawing/2010/main" val="0"/>
-              </a:ext>
-            </a:extLst>
-          </a:blip>
-          <a:srcRect/>
-          <a:stretch>
-            <a:fillRect/>
-          </a:stretch>
-        </p:blipFill>
-        <p:spPr bwMode="auto">
-          <a:xfrm>
-            <a:off x="3005626" y="4114800"/>
-            <a:ext cx="3285148" cy="1498699"/>
-          </a:xfrm>
-          <a:prstGeom prst="rect">
-            <a:avLst/>
-          </a:prstGeom>
-          <a:noFill/>
-          <a:ln>
-            <a:noFill/>
-          </a:ln>
-          <a:extLst>
-            <a:ext uri="{909E8E84-426E-40DD-AFC4-6F175D3DCCD1}">
-              <a14:hiddenFill xmlns:a14="http://schemas.microsoft.com/office/drawing/2010/main">
-                <a:solidFill>
-                  <a:schemeClr val="accent1"/>
-                </a:solidFill>
-              </a14:hiddenFill>
-            </a:ext>
-            <a:ext uri="{91240B29-F687-4F45-9708-019B960494DF}">
-              <a14:hiddenLine xmlns:a14="http://schemas.microsoft.com/office/drawing/2010/main" w="9525">
-                <a:solidFill>
-                  <a:schemeClr val="tx1"/>
-                </a:solidFill>
-                <a:miter lim="800000"/>
-                <a:headEnd/>
-                <a:tailEnd/>
-              </a14:hiddenLine>
-            </a:ext>
-          </a:extLst>
-        </p:spPr>
-      </p:pic>
-    </p:spTree>
-    <p:extLst>
-      <p:ext uri="{BB962C8B-B14F-4D97-AF65-F5344CB8AC3E}">
-        <p14:creationId xmlns:p14="http://schemas.microsoft.com/office/powerpoint/2010/main" val="3338300868"/>
       </p:ext>
     </p:extLst>
   </p:cSld>
@@ -10830,6 +10994,13 @@
               <a:rPr lang="en-US" dirty="0" smtClean="0"/>
               <a:t>Single Objective Optimization</a:t>
             </a:r>
+            <a:br>
+              <a:rPr lang="en-US" dirty="0" smtClean="0"/>
+            </a:br>
+            <a:r>
+              <a:rPr lang="en-US" dirty="0" smtClean="0"/>
+              <a:t>Genetic Algorithm</a:t>
+            </a:r>
             <a:endParaRPr lang="en-US" dirty="0"/>
           </a:p>
         </p:txBody>
@@ -10884,7 +11055,7 @@
         <p:spPr>
           <a:xfrm>
             <a:off x="457200" y="1066800"/>
-            <a:ext cx="8382000" cy="830997"/>
+            <a:ext cx="8382000" cy="2616101"/>
           </a:xfrm>
           <a:prstGeom prst="rect">
             <a:avLst/>
@@ -10899,19 +11070,58 @@
           <a:p>
             <a:r>
               <a:rPr lang="en-US" sz="2400" dirty="0" smtClean="0"/>
-              <a:t>The single objective results of the coordinate search and genetic algorithm </a:t>
-            </a:r>
-            <a:r>
-              <a:rPr lang="en-US" sz="2400" b="1" u="sng" dirty="0" smtClean="0"/>
-              <a:t>DON’T MATCH MUCH??? </a:t>
-            </a:r>
-            <a:endParaRPr lang="en-US" sz="2000" b="1" u="sng" dirty="0" smtClean="0"/>
+              <a:t>The MATLAB genetic algorithm toolbox was utilized </a:t>
+            </a:r>
+          </a:p>
+          <a:p>
+            <a:pPr marL="565150" indent="-342900">
+              <a:buFont typeface="Arial" panose="020B0604020202020204" pitchFamily="34" charset="0"/>
+              <a:buChar char="•"/>
+            </a:pPr>
+            <a:r>
+              <a:rPr lang="en-US" sz="2400" dirty="0" smtClean="0"/>
+              <a:t>Smoothing of the design space was not necessary</a:t>
+            </a:r>
+          </a:p>
+          <a:p>
+            <a:pPr marL="565150" indent="-342900">
+              <a:buFont typeface="Arial" panose="020B0604020202020204" pitchFamily="34" charset="0"/>
+              <a:buChar char="•"/>
+            </a:pPr>
+            <a:r>
+              <a:rPr lang="en-US" sz="2400" dirty="0" smtClean="0"/>
+              <a:t>The parameters of the genetic algorithm were tuned to provide consistent convergence  </a:t>
+            </a:r>
+          </a:p>
+          <a:p>
+            <a:pPr marL="565150" indent="-342900">
+              <a:buFont typeface="Arial" panose="020B0604020202020204" pitchFamily="34" charset="0"/>
+              <a:buChar char="•"/>
+            </a:pPr>
+            <a:r>
+              <a:rPr lang="en-US" sz="2400" dirty="0" smtClean="0"/>
+              <a:t>The final optimizer converged in an average of 53 generations</a:t>
+            </a:r>
+          </a:p>
+          <a:p>
+            <a:pPr marL="565150" indent="-342900">
+              <a:buFont typeface="Arial" panose="020B0604020202020204" pitchFamily="34" charset="0"/>
+              <a:buChar char="•"/>
+            </a:pPr>
+            <a:r>
+              <a:rPr lang="en-US" sz="2400" dirty="0" smtClean="0"/>
+              <a:t>Multiple trials were executed to ensure solution agreement</a:t>
+            </a:r>
+          </a:p>
+          <a:p>
+            <a:pPr lvl="1"/>
+            <a:endParaRPr lang="en-US" sz="2000" dirty="0" smtClean="0"/>
           </a:p>
         </p:txBody>
       </p:sp>
       <p:pic>
         <p:nvPicPr>
-          <p:cNvPr id="6146" name="Picture 2"/>
+          <p:cNvPr id="7170" name="Picture 2"/>
           <p:cNvPicPr>
             <a:picLocks noChangeAspect="1" noChangeArrowheads="1"/>
           </p:cNvPicPr>
@@ -10932,8 +11142,8 @@
         </p:blipFill>
         <p:spPr bwMode="auto">
           <a:xfrm>
-            <a:off x="504825" y="3581400"/>
-            <a:ext cx="3914775" cy="2438400"/>
+            <a:off x="3005626" y="4114800"/>
+            <a:ext cx="3285148" cy="1498699"/>
           </a:xfrm>
           <a:prstGeom prst="rect">
             <a:avLst/>
@@ -10963,289 +11173,10 @@
           </a:extLst>
         </p:spPr>
       </p:pic>
-      <p:pic>
-        <p:nvPicPr>
-          <p:cNvPr id="6147" name="Picture 3"/>
-          <p:cNvPicPr>
-            <a:picLocks noChangeAspect="1" noChangeArrowheads="1"/>
-          </p:cNvPicPr>
-          <p:nvPr/>
-        </p:nvPicPr>
-        <p:blipFill>
-          <a:blip r:embed="rId4">
-            <a:extLst>
-              <a:ext uri="{28A0092B-C50C-407E-A947-70E740481C1C}">
-                <a14:useLocalDpi xmlns:a14="http://schemas.microsoft.com/office/drawing/2010/main" val="0"/>
-              </a:ext>
-            </a:extLst>
-          </a:blip>
-          <a:srcRect/>
-          <a:stretch>
-            <a:fillRect/>
-          </a:stretch>
-        </p:blipFill>
-        <p:spPr bwMode="auto">
-          <a:xfrm>
-            <a:off x="4762500" y="3581400"/>
-            <a:ext cx="3924300" cy="2457450"/>
-          </a:xfrm>
-          <a:prstGeom prst="rect">
-            <a:avLst/>
-          </a:prstGeom>
-          <a:noFill/>
-          <a:ln>
-            <a:noFill/>
-          </a:ln>
-          <a:extLst>
-            <a:ext uri="{909E8E84-426E-40DD-AFC4-6F175D3DCCD1}">
-              <a14:hiddenFill xmlns:a14="http://schemas.microsoft.com/office/drawing/2010/main">
-                <a:solidFill>
-                  <a:schemeClr val="accent1"/>
-                </a:solidFill>
-              </a14:hiddenFill>
-            </a:ext>
-            <a:ext uri="{91240B29-F687-4F45-9708-019B960494DF}">
-              <a14:hiddenLine xmlns:a14="http://schemas.microsoft.com/office/drawing/2010/main" w="9525">
-                <a:solidFill>
-                  <a:schemeClr val="tx1"/>
-                </a:solidFill>
-                <a:miter lim="800000"/>
-                <a:headEnd/>
-                <a:tailEnd/>
-              </a14:hiddenLine>
-            </a:ext>
-          </a:extLst>
-        </p:spPr>
-      </p:pic>
-      <p:sp>
-        <p:nvSpPr>
-          <p:cNvPr id="8" name="TextBox 7"/>
-          <p:cNvSpPr txBox="1"/>
-          <p:nvPr/>
-        </p:nvSpPr>
-        <p:spPr>
-          <a:xfrm>
-            <a:off x="533400" y="2205573"/>
-            <a:ext cx="3848099" cy="2246769"/>
-          </a:xfrm>
-          <a:prstGeom prst="rect">
-            <a:avLst/>
-          </a:prstGeom>
-          <a:noFill/>
-        </p:spPr>
-        <p:txBody>
-          <a:bodyPr wrap="square" rtlCol="0">
-            <a:spAutoFit/>
-          </a:bodyPr>
-          <a:lstStyle/>
-          <a:p>
-            <a:pPr algn="ctr"/>
-            <a:r>
-              <a:rPr lang="en-US" sz="2400" b="1" dirty="0" smtClean="0"/>
-              <a:t>Coordinate Search</a:t>
-            </a:r>
-          </a:p>
-          <a:p>
-            <a:pPr marL="342900" indent="-342900">
-              <a:buFont typeface="Arial" panose="020B0604020202020204" pitchFamily="34" charset="0"/>
-              <a:buChar char="•"/>
-            </a:pPr>
-            <a:r>
-              <a:rPr lang="en-US" sz="2400" dirty="0" smtClean="0"/>
-              <a:t>1604 function evaluations</a:t>
-            </a:r>
-          </a:p>
-          <a:p>
-            <a:pPr marL="342900" indent="-342900">
-              <a:buFont typeface="Arial" panose="020B0604020202020204" pitchFamily="34" charset="0"/>
-              <a:buChar char="•"/>
-            </a:pPr>
-            <a:r>
-              <a:rPr lang="en-US" sz="2400" dirty="0" smtClean="0"/>
-              <a:t>Optima value: 1.72e-4</a:t>
-            </a:r>
-          </a:p>
-          <a:p>
-            <a:endParaRPr lang="en-US" sz="2400" dirty="0" smtClean="0"/>
-          </a:p>
-          <a:p>
-            <a:pPr marL="342900" indent="-342900">
-              <a:buFont typeface="Arial" panose="020B0604020202020204" pitchFamily="34" charset="0"/>
-              <a:buChar char="•"/>
-            </a:pPr>
-            <a:endParaRPr lang="en-US" sz="2400" dirty="0" smtClean="0"/>
-          </a:p>
-          <a:p>
-            <a:pPr lvl="1"/>
-            <a:endParaRPr lang="en-US" sz="2000" dirty="0" smtClean="0"/>
-          </a:p>
-        </p:txBody>
-      </p:sp>
-      <p:sp>
-        <p:nvSpPr>
-          <p:cNvPr id="9" name="Rectangle 8"/>
-          <p:cNvSpPr/>
-          <p:nvPr/>
-        </p:nvSpPr>
-        <p:spPr>
-          <a:xfrm>
-            <a:off x="483269" y="2133600"/>
-            <a:ext cx="3974430" cy="4191000"/>
-          </a:xfrm>
-          <a:prstGeom prst="rect">
-            <a:avLst/>
-          </a:prstGeom>
-          <a:noFill/>
-          <a:ln>
-            <a:solidFill>
-              <a:srgbClr val="C00000"/>
-            </a:solidFill>
-          </a:ln>
-        </p:spPr>
-        <p:style>
-          <a:lnRef idx="2">
-            <a:schemeClr val="accent1">
-              <a:shade val="50000"/>
-            </a:schemeClr>
-          </a:lnRef>
-          <a:fillRef idx="1">
-            <a:schemeClr val="accent1"/>
-          </a:fillRef>
-          <a:effectRef idx="0">
-            <a:schemeClr val="accent1"/>
-          </a:effectRef>
-          <a:fontRef idx="minor">
-            <a:schemeClr val="lt1"/>
-          </a:fontRef>
-        </p:style>
-        <p:txBody>
-          <a:bodyPr rtlCol="0" anchor="ctr"/>
-          <a:lstStyle/>
-          <a:p>
-            <a:pPr algn="ctr"/>
-            <a:endParaRPr lang="en-US"/>
-          </a:p>
-        </p:txBody>
-      </p:sp>
-      <p:sp>
-        <p:nvSpPr>
-          <p:cNvPr id="10" name="Rectangle 9"/>
-          <p:cNvSpPr/>
-          <p:nvPr/>
-        </p:nvSpPr>
-        <p:spPr>
-          <a:xfrm>
-            <a:off x="4712370" y="2133600"/>
-            <a:ext cx="3974430" cy="4191000"/>
-          </a:xfrm>
-          <a:prstGeom prst="rect">
-            <a:avLst/>
-          </a:prstGeom>
-          <a:noFill/>
-          <a:ln>
-            <a:solidFill>
-              <a:srgbClr val="C00000"/>
-            </a:solidFill>
-          </a:ln>
-        </p:spPr>
-        <p:style>
-          <a:lnRef idx="2">
-            <a:schemeClr val="accent1">
-              <a:shade val="50000"/>
-            </a:schemeClr>
-          </a:lnRef>
-          <a:fillRef idx="1">
-            <a:schemeClr val="accent1"/>
-          </a:fillRef>
-          <a:effectRef idx="0">
-            <a:schemeClr val="accent1"/>
-          </a:effectRef>
-          <a:fontRef idx="minor">
-            <a:schemeClr val="lt1"/>
-          </a:fontRef>
-        </p:style>
-        <p:txBody>
-          <a:bodyPr rtlCol="0" anchor="ctr"/>
-          <a:lstStyle/>
-          <a:p>
-            <a:pPr algn="ctr"/>
-            <a:endParaRPr lang="en-US"/>
-          </a:p>
-        </p:txBody>
-      </p:sp>
-      <p:sp>
-        <p:nvSpPr>
-          <p:cNvPr id="11" name="TextBox 10"/>
-          <p:cNvSpPr txBox="1"/>
-          <p:nvPr/>
-        </p:nvSpPr>
-        <p:spPr>
-          <a:xfrm>
-            <a:off x="4775535" y="2189095"/>
-            <a:ext cx="3848099" cy="2246769"/>
-          </a:xfrm>
-          <a:prstGeom prst="rect">
-            <a:avLst/>
-          </a:prstGeom>
-          <a:noFill/>
-        </p:spPr>
-        <p:txBody>
-          <a:bodyPr wrap="square" rtlCol="0">
-            <a:spAutoFit/>
-          </a:bodyPr>
-          <a:lstStyle/>
-          <a:p>
-            <a:pPr algn="ctr"/>
-            <a:r>
-              <a:rPr lang="en-US" sz="2400" b="1" dirty="0" smtClean="0"/>
-              <a:t>Genetic Algorithm</a:t>
-            </a:r>
-          </a:p>
-          <a:p>
-            <a:pPr marL="342900" indent="-342900">
-              <a:buFont typeface="Arial" panose="020B0604020202020204" pitchFamily="34" charset="0"/>
-              <a:buChar char="•"/>
-            </a:pPr>
-            <a:r>
-              <a:rPr lang="en-US" sz="2400" dirty="0" smtClean="0"/>
-              <a:t>1060 function evaluations</a:t>
-            </a:r>
-          </a:p>
-          <a:p>
-            <a:pPr marL="342900" indent="-342900">
-              <a:buFont typeface="Arial" panose="020B0604020202020204" pitchFamily="34" charset="0"/>
-              <a:buChar char="•"/>
-            </a:pPr>
-            <a:r>
-              <a:rPr lang="en-US" sz="2400" dirty="0" smtClean="0"/>
-              <a:t>Optima value: </a:t>
-            </a:r>
-            <a:r>
-              <a:rPr lang="en-US" sz="2400" dirty="0" err="1" smtClean="0"/>
-              <a:t>xxxx</a:t>
-            </a:r>
-            <a:endParaRPr lang="en-US" sz="2400" dirty="0" smtClean="0"/>
-          </a:p>
-          <a:p>
-            <a:endParaRPr lang="en-US" sz="2400" dirty="0" smtClean="0"/>
-          </a:p>
-          <a:p>
-            <a:pPr marL="342900" indent="-342900">
-              <a:buFont typeface="Arial" panose="020B0604020202020204" pitchFamily="34" charset="0"/>
-              <a:buChar char="•"/>
-            </a:pPr>
-            <a:endParaRPr lang="en-US" sz="2400" dirty="0" smtClean="0"/>
-          </a:p>
-          <a:p>
-            <a:pPr lvl="1"/>
-            <a:endParaRPr lang="en-US" sz="2000" dirty="0" smtClean="0"/>
-          </a:p>
-        </p:txBody>
-      </p:sp>
     </p:spTree>
     <p:extLst>
       <p:ext uri="{BB962C8B-B14F-4D97-AF65-F5344CB8AC3E}">
-        <p14:creationId xmlns:p14="http://schemas.microsoft.com/office/powerpoint/2010/main" val="1873813450"/>
+        <p14:creationId xmlns:p14="http://schemas.microsoft.com/office/powerpoint/2010/main" val="3338300868"/>
       </p:ext>
     </p:extLst>
   </p:cSld>
@@ -11289,14 +11220,19 @@
             <p:ph type="title"/>
           </p:nvPr>
         </p:nvSpPr>
-        <p:spPr/>
+        <p:spPr>
+          <a:xfrm>
+            <a:off x="3124200" y="0"/>
+            <a:ext cx="6019800" cy="838200"/>
+          </a:xfrm>
+        </p:spPr>
         <p:txBody>
           <a:bodyPr/>
           <a:lstStyle/>
           <a:p>
             <a:r>
               <a:rPr lang="en-US" dirty="0" smtClean="0"/>
-              <a:t>Multi-Objective Optimization</a:t>
+              <a:t>Single Objective Optimization</a:t>
             </a:r>
             <a:endParaRPr lang="en-US" dirty="0"/>
           </a:p>
@@ -11304,7 +11240,7 @@
       </p:sp>
       <p:sp>
         <p:nvSpPr>
-          <p:cNvPr id="5" name="Slide Number Placeholder 4"/>
+          <p:cNvPr id="4" name="Slide Number Placeholder 3"/>
           <p:cNvSpPr>
             <a:spLocks noGrp="1"/>
           </p:cNvSpPr>
@@ -11333,7 +11269,7 @@
               </a:pPr>
               <a:t>19</a:t>
             </a:fld>
-            <a:endParaRPr lang="en-US">
+            <a:endParaRPr lang="en-US" dirty="0">
               <a:solidFill>
                 <a:prstClr val="black">
                   <a:tint val="75000"/>
@@ -11343,40 +11279,377 @@
           </a:p>
         </p:txBody>
       </p:sp>
+      <p:sp>
+        <p:nvSpPr>
+          <p:cNvPr id="5" name="TextBox 4"/>
+          <p:cNvSpPr txBox="1"/>
+          <p:nvPr/>
+        </p:nvSpPr>
+        <p:spPr>
+          <a:xfrm>
+            <a:off x="457200" y="1066800"/>
+            <a:ext cx="8382000" cy="830997"/>
+          </a:xfrm>
+          <a:prstGeom prst="rect">
+            <a:avLst/>
+          </a:prstGeom>
+          <a:noFill/>
+        </p:spPr>
+        <p:txBody>
+          <a:bodyPr wrap="square" rtlCol="0">
+            <a:spAutoFit/>
+          </a:bodyPr>
+          <a:lstStyle/>
+          <a:p>
+            <a:r>
+              <a:rPr lang="en-US" sz="2400" dirty="0" smtClean="0"/>
+              <a:t>The single objective results of the coordinate search and genetic algorithm </a:t>
+            </a:r>
+            <a:r>
+              <a:rPr lang="en-US" sz="2400" b="1" u="sng" dirty="0" smtClean="0"/>
+              <a:t>DON’T MATCH MUCH??? </a:t>
+            </a:r>
+            <a:endParaRPr lang="en-US" sz="2000" b="1" u="sng" dirty="0" smtClean="0"/>
+          </a:p>
+        </p:txBody>
+      </p:sp>
       <p:pic>
         <p:nvPicPr>
-          <p:cNvPr id="3" name="Picture 2"/>
+          <p:cNvPr id="6146" name="Picture 2"/>
           <p:cNvPicPr>
-            <a:picLocks noChangeAspect="1"/>
+            <a:picLocks noChangeAspect="1" noChangeArrowheads="1"/>
           </p:cNvPicPr>
           <p:nvPr/>
         </p:nvPicPr>
         <p:blipFill>
-          <a:blip r:embed="rId2">
+          <a:blip r:embed="rId3">
             <a:extLst>
               <a:ext uri="{28A0092B-C50C-407E-A947-70E740481C1C}">
-                <a14:useLocalDpi xmlns:a14="http://schemas.microsoft.com/office/drawing/2010/main"/>
+                <a14:useLocalDpi xmlns:a14="http://schemas.microsoft.com/office/drawing/2010/main" val="0"/>
               </a:ext>
             </a:extLst>
           </a:blip>
+          <a:srcRect/>
           <a:stretch>
             <a:fillRect/>
           </a:stretch>
         </p:blipFill>
-        <p:spPr>
+        <p:spPr bwMode="auto">
           <a:xfrm>
-            <a:off x="990600" y="1066800"/>
-            <a:ext cx="7048885" cy="5714792"/>
+            <a:off x="504825" y="3581400"/>
+            <a:ext cx="3914775" cy="2438400"/>
           </a:xfrm>
           <a:prstGeom prst="rect">
             <a:avLst/>
           </a:prstGeom>
+          <a:noFill/>
+          <a:ln>
+            <a:noFill/>
+          </a:ln>
+          <a:extLst>
+            <a:ext uri="{909E8E84-426E-40DD-AFC4-6F175D3DCCD1}">
+              <a14:hiddenFill xmlns:a14="http://schemas.microsoft.com/office/drawing/2010/main">
+                <a:solidFill>
+                  <a:schemeClr val="accent1"/>
+                </a:solidFill>
+              </a14:hiddenFill>
+            </a:ext>
+            <a:ext uri="{91240B29-F687-4F45-9708-019B960494DF}">
+              <a14:hiddenLine xmlns:a14="http://schemas.microsoft.com/office/drawing/2010/main" w="9525">
+                <a:solidFill>
+                  <a:schemeClr val="tx1"/>
+                </a:solidFill>
+                <a:miter lim="800000"/>
+                <a:headEnd/>
+                <a:tailEnd/>
+              </a14:hiddenLine>
+            </a:ext>
+          </a:extLst>
         </p:spPr>
       </p:pic>
+      <p:pic>
+        <p:nvPicPr>
+          <p:cNvPr id="6147" name="Picture 3"/>
+          <p:cNvPicPr>
+            <a:picLocks noChangeAspect="1" noChangeArrowheads="1"/>
+          </p:cNvPicPr>
+          <p:nvPr/>
+        </p:nvPicPr>
+        <p:blipFill>
+          <a:blip r:embed="rId4">
+            <a:extLst>
+              <a:ext uri="{28A0092B-C50C-407E-A947-70E740481C1C}">
+                <a14:useLocalDpi xmlns:a14="http://schemas.microsoft.com/office/drawing/2010/main" val="0"/>
+              </a:ext>
+            </a:extLst>
+          </a:blip>
+          <a:srcRect/>
+          <a:stretch>
+            <a:fillRect/>
+          </a:stretch>
+        </p:blipFill>
+        <p:spPr bwMode="auto">
+          <a:xfrm>
+            <a:off x="4762500" y="3581400"/>
+            <a:ext cx="3924300" cy="2457450"/>
+          </a:xfrm>
+          <a:prstGeom prst="rect">
+            <a:avLst/>
+          </a:prstGeom>
+          <a:noFill/>
+          <a:ln>
+            <a:noFill/>
+          </a:ln>
+          <a:extLst>
+            <a:ext uri="{909E8E84-426E-40DD-AFC4-6F175D3DCCD1}">
+              <a14:hiddenFill xmlns:a14="http://schemas.microsoft.com/office/drawing/2010/main">
+                <a:solidFill>
+                  <a:schemeClr val="accent1"/>
+                </a:solidFill>
+              </a14:hiddenFill>
+            </a:ext>
+            <a:ext uri="{91240B29-F687-4F45-9708-019B960494DF}">
+              <a14:hiddenLine xmlns:a14="http://schemas.microsoft.com/office/drawing/2010/main" w="9525">
+                <a:solidFill>
+                  <a:schemeClr val="tx1"/>
+                </a:solidFill>
+                <a:miter lim="800000"/>
+                <a:headEnd/>
+                <a:tailEnd/>
+              </a14:hiddenLine>
+            </a:ext>
+          </a:extLst>
+        </p:spPr>
+      </p:pic>
+      <p:sp>
+        <p:nvSpPr>
+          <p:cNvPr id="8" name="TextBox 7"/>
+          <p:cNvSpPr txBox="1"/>
+          <p:nvPr/>
+        </p:nvSpPr>
+        <p:spPr>
+          <a:xfrm>
+            <a:off x="533400" y="2205573"/>
+            <a:ext cx="3848099" cy="2246769"/>
+          </a:xfrm>
+          <a:prstGeom prst="rect">
+            <a:avLst/>
+          </a:prstGeom>
+          <a:noFill/>
+        </p:spPr>
+        <p:txBody>
+          <a:bodyPr wrap="square" rtlCol="0">
+            <a:spAutoFit/>
+          </a:bodyPr>
+          <a:lstStyle/>
+          <a:p>
+            <a:pPr algn="ctr"/>
+            <a:r>
+              <a:rPr lang="en-US" sz="2400" b="1" dirty="0" smtClean="0"/>
+              <a:t>Coordinate Search</a:t>
+            </a:r>
+          </a:p>
+          <a:p>
+            <a:pPr marL="342900" indent="-342900">
+              <a:buFont typeface="Arial" panose="020B0604020202020204" pitchFamily="34" charset="0"/>
+              <a:buChar char="•"/>
+            </a:pPr>
+            <a:r>
+              <a:rPr lang="en-US" sz="2400" dirty="0" smtClean="0"/>
+              <a:t>1604 function evaluations</a:t>
+            </a:r>
+          </a:p>
+          <a:p>
+            <a:pPr marL="342900" indent="-342900">
+              <a:buFont typeface="Arial" panose="020B0604020202020204" pitchFamily="34" charset="0"/>
+              <a:buChar char="•"/>
+            </a:pPr>
+            <a:r>
+              <a:rPr lang="en-US" sz="2400" dirty="0" smtClean="0"/>
+              <a:t>Optima value: 1.72e-4</a:t>
+            </a:r>
+          </a:p>
+          <a:p>
+            <a:endParaRPr lang="en-US" sz="2400" dirty="0" smtClean="0"/>
+          </a:p>
+          <a:p>
+            <a:pPr marL="342900" indent="-342900">
+              <a:buFont typeface="Arial" panose="020B0604020202020204" pitchFamily="34" charset="0"/>
+              <a:buChar char="•"/>
+            </a:pPr>
+            <a:endParaRPr lang="en-US" sz="2400" dirty="0" smtClean="0"/>
+          </a:p>
+          <a:p>
+            <a:pPr lvl="1"/>
+            <a:endParaRPr lang="en-US" sz="2000" dirty="0" smtClean="0"/>
+          </a:p>
+        </p:txBody>
+      </p:sp>
+      <p:sp>
+        <p:nvSpPr>
+          <p:cNvPr id="9" name="Rectangle 8"/>
+          <p:cNvSpPr/>
+          <p:nvPr/>
+        </p:nvSpPr>
+        <p:spPr>
+          <a:xfrm>
+            <a:off x="483269" y="2133600"/>
+            <a:ext cx="3974430" cy="4191000"/>
+          </a:xfrm>
+          <a:prstGeom prst="rect">
+            <a:avLst/>
+          </a:prstGeom>
+          <a:noFill/>
+          <a:ln>
+            <a:solidFill>
+              <a:srgbClr val="C00000"/>
+            </a:solidFill>
+          </a:ln>
+        </p:spPr>
+        <p:style>
+          <a:lnRef idx="2">
+            <a:schemeClr val="accent1">
+              <a:shade val="50000"/>
+            </a:schemeClr>
+          </a:lnRef>
+          <a:fillRef idx="1">
+            <a:schemeClr val="accent1"/>
+          </a:fillRef>
+          <a:effectRef idx="0">
+            <a:schemeClr val="accent1"/>
+          </a:effectRef>
+          <a:fontRef idx="minor">
+            <a:schemeClr val="lt1"/>
+          </a:fontRef>
+        </p:style>
+        <p:txBody>
+          <a:bodyPr rtlCol="0" anchor="ctr"/>
+          <a:lstStyle/>
+          <a:p>
+            <a:pPr algn="ctr"/>
+            <a:endParaRPr lang="en-US"/>
+          </a:p>
+        </p:txBody>
+      </p:sp>
+      <p:sp>
+        <p:nvSpPr>
+          <p:cNvPr id="10" name="Rectangle 9"/>
+          <p:cNvSpPr/>
+          <p:nvPr/>
+        </p:nvSpPr>
+        <p:spPr>
+          <a:xfrm>
+            <a:off x="4712370" y="2133600"/>
+            <a:ext cx="3974430" cy="4191000"/>
+          </a:xfrm>
+          <a:prstGeom prst="rect">
+            <a:avLst/>
+          </a:prstGeom>
+          <a:noFill/>
+          <a:ln>
+            <a:solidFill>
+              <a:srgbClr val="C00000"/>
+            </a:solidFill>
+          </a:ln>
+        </p:spPr>
+        <p:style>
+          <a:lnRef idx="2">
+            <a:schemeClr val="accent1">
+              <a:shade val="50000"/>
+            </a:schemeClr>
+          </a:lnRef>
+          <a:fillRef idx="1">
+            <a:schemeClr val="accent1"/>
+          </a:fillRef>
+          <a:effectRef idx="0">
+            <a:schemeClr val="accent1"/>
+          </a:effectRef>
+          <a:fontRef idx="minor">
+            <a:schemeClr val="lt1"/>
+          </a:fontRef>
+        </p:style>
+        <p:txBody>
+          <a:bodyPr rtlCol="0" anchor="ctr"/>
+          <a:lstStyle/>
+          <a:p>
+            <a:pPr algn="ctr"/>
+            <a:endParaRPr lang="en-US"/>
+          </a:p>
+        </p:txBody>
+      </p:sp>
+      <p:sp>
+        <p:nvSpPr>
+          <p:cNvPr id="11" name="TextBox 10"/>
+          <p:cNvSpPr txBox="1"/>
+          <p:nvPr/>
+        </p:nvSpPr>
+        <p:spPr>
+          <a:xfrm>
+            <a:off x="4775535" y="2189095"/>
+            <a:ext cx="3848099" cy="2246769"/>
+          </a:xfrm>
+          <a:prstGeom prst="rect">
+            <a:avLst/>
+          </a:prstGeom>
+          <a:noFill/>
+        </p:spPr>
+        <p:txBody>
+          <a:bodyPr wrap="square" rtlCol="0">
+            <a:spAutoFit/>
+          </a:bodyPr>
+          <a:lstStyle/>
+          <a:p>
+            <a:pPr algn="ctr"/>
+            <a:r>
+              <a:rPr lang="en-US" sz="2400" b="1" dirty="0" smtClean="0"/>
+              <a:t>Genetic Algorithm</a:t>
+            </a:r>
+          </a:p>
+          <a:p>
+            <a:pPr marL="342900" indent="-342900">
+              <a:buFont typeface="Arial" panose="020B0604020202020204" pitchFamily="34" charset="0"/>
+              <a:buChar char="•"/>
+            </a:pPr>
+            <a:r>
+              <a:rPr lang="en-US" sz="2400" dirty="0" smtClean="0"/>
+              <a:t>1060 function evaluations</a:t>
+            </a:r>
+          </a:p>
+          <a:p>
+            <a:pPr marL="342900" indent="-342900">
+              <a:buFont typeface="Arial" panose="020B0604020202020204" pitchFamily="34" charset="0"/>
+              <a:buChar char="•"/>
+            </a:pPr>
+            <a:r>
+              <a:rPr lang="en-US" sz="2400" dirty="0" smtClean="0"/>
+              <a:t>Optima value: </a:t>
+            </a:r>
+            <a:r>
+              <a:rPr lang="en-US" sz="2400" dirty="0" err="1" smtClean="0"/>
+              <a:t>xxxx</a:t>
+            </a:r>
+            <a:endParaRPr lang="en-US" sz="2400" dirty="0" smtClean="0"/>
+          </a:p>
+          <a:p>
+            <a:endParaRPr lang="en-US" sz="2400" dirty="0" smtClean="0"/>
+          </a:p>
+          <a:p>
+            <a:pPr marL="342900" indent="-342900">
+              <a:buFont typeface="Arial" panose="020B0604020202020204" pitchFamily="34" charset="0"/>
+              <a:buChar char="•"/>
+            </a:pPr>
+            <a:endParaRPr lang="en-US" sz="2400" dirty="0" smtClean="0"/>
+          </a:p>
+          <a:p>
+            <a:pPr lvl="1"/>
+            <a:endParaRPr lang="en-US" sz="2000" dirty="0" smtClean="0"/>
+          </a:p>
+        </p:txBody>
+      </p:sp>
     </p:spTree>
     <p:extLst>
       <p:ext uri="{BB962C8B-B14F-4D97-AF65-F5344CB8AC3E}">
-        <p14:creationId xmlns:p14="http://schemas.microsoft.com/office/powerpoint/2010/main" val="4266063036"/>
+        <p14:creationId xmlns:p14="http://schemas.microsoft.com/office/powerpoint/2010/main" val="1873813450"/>
       </p:ext>
     </p:extLst>
   </p:cSld>
@@ -11494,11 +11767,7 @@
             </a:pPr>
             <a:r>
               <a:rPr lang="en-US" sz="2800" dirty="0" smtClean="0"/>
-              <a:t>US Space </a:t>
-            </a:r>
-            <a:r>
-              <a:rPr lang="en-US" sz="2800" dirty="0" smtClean="0"/>
-              <a:t>Policy</a:t>
+              <a:t>US Space Policy</a:t>
             </a:r>
             <a:r>
               <a:rPr lang="en-US" sz="2800" dirty="0"/>
@@ -11517,17 +11786,8 @@
             </a:pPr>
             <a:r>
               <a:rPr lang="en-US" sz="2400" dirty="0" smtClean="0"/>
-              <a:t>Sustainable</a:t>
-            </a:r>
-            <a:r>
-              <a:rPr lang="en-US" sz="2400" dirty="0" smtClean="0"/>
-              <a:t>, indefinite human presence </a:t>
-            </a:r>
-            <a:r>
-              <a:rPr lang="en-US" sz="2400" dirty="0" smtClean="0"/>
-              <a:t>in deep space</a:t>
-            </a:r>
-            <a:endParaRPr lang="en-US" sz="2400" dirty="0" smtClean="0"/>
+              <a:t>Sustainable, indefinite human presence in deep space</a:t>
+            </a:r>
           </a:p>
           <a:p>
             <a:pPr marL="742950" lvl="1" indent="-285750">
@@ -11598,7 +11858,6 @@
               <a:rPr lang="en-US" sz="2000" dirty="0" smtClean="0"/>
               <a:t>Technological</a:t>
             </a:r>
-            <a:endParaRPr lang="en-US" sz="2000" dirty="0" smtClean="0"/>
           </a:p>
           <a:p>
             <a:pPr marL="285750" indent="-285750">
@@ -11697,7 +11956,7 @@
         <p:spPr>
           <a:xfrm>
             <a:off x="5498810" y="2538597"/>
-            <a:ext cx="3407343" cy="369332"/>
+            <a:ext cx="2347374" cy="646331"/>
           </a:xfrm>
           <a:prstGeom prst="rect">
             <a:avLst/>
@@ -11717,7 +11976,21 @@
           <a:p>
             <a:r>
               <a:rPr lang="en-US" b="1" dirty="0" smtClean="0"/>
-              <a:t>Mars 2040 Resupply Optimization</a:t>
+              <a:t>Mars 2040 </a:t>
+            </a:r>
+            <a:r>
+              <a:rPr lang="en-US" b="1" dirty="0" smtClean="0"/>
+              <a:t>Settlement</a:t>
+            </a:r>
+          </a:p>
+          <a:p>
+            <a:r>
+              <a:rPr lang="en-US" b="1" dirty="0" smtClean="0"/>
+              <a:t>Resupply </a:t>
+            </a:r>
+            <a:r>
+              <a:rPr lang="en-US" b="1" dirty="0" smtClean="0"/>
+              <a:t>Optimization</a:t>
             </a:r>
             <a:endParaRPr lang="en-US" b="1" dirty="0"/>
           </a:p>
@@ -11766,8 +12039,8 @@
         </p:nvCxnSpPr>
         <p:spPr>
           <a:xfrm flipV="1">
-            <a:off x="2775531" y="2723263"/>
-            <a:ext cx="2723279" cy="861203"/>
+            <a:off x="2775531" y="2861763"/>
+            <a:ext cx="2723279" cy="722704"/>
           </a:xfrm>
           <a:prstGeom prst="straightConnector1">
             <a:avLst/>
@@ -11799,8 +12072,8 @@
         </p:nvCxnSpPr>
         <p:spPr>
           <a:xfrm flipV="1">
-            <a:off x="3048000" y="2907929"/>
-            <a:ext cx="2450810" cy="948977"/>
+            <a:off x="3048000" y="3114675"/>
+            <a:ext cx="2447925" cy="742233"/>
           </a:xfrm>
           <a:prstGeom prst="straightConnector1">
             <a:avLst/>
@@ -12253,7 +12526,7 @@
       </p:sp>
       <p:pic>
         <p:nvPicPr>
-          <p:cNvPr id="6" name="Picture 5"/>
+          <p:cNvPr id="3" name="Picture 2"/>
           <p:cNvPicPr>
             <a:picLocks noChangeAspect="1"/>
           </p:cNvPicPr>
@@ -12273,8 +12546,8 @@
         </p:blipFill>
         <p:spPr>
           <a:xfrm>
-            <a:off x="1143000" y="1172127"/>
-            <a:ext cx="6761905" cy="5171429"/>
+            <a:off x="990600" y="1066800"/>
+            <a:ext cx="7048885" cy="5714792"/>
           </a:xfrm>
           <a:prstGeom prst="rect">
             <a:avLst/>
@@ -12284,7 +12557,7 @@
     </p:spTree>
     <p:extLst>
       <p:ext uri="{BB962C8B-B14F-4D97-AF65-F5344CB8AC3E}">
-        <p14:creationId xmlns:p14="http://schemas.microsoft.com/office/powerpoint/2010/main" val="723378307"/>
+        <p14:creationId xmlns:p14="http://schemas.microsoft.com/office/powerpoint/2010/main" val="4266063036"/>
       </p:ext>
     </p:extLst>
   </p:cSld>
@@ -12335,7 +12608,7 @@
           <a:p>
             <a:r>
               <a:rPr lang="en-US" dirty="0" smtClean="0"/>
-              <a:t>Final Recommendation</a:t>
+              <a:t>Multi-Objective Optimization</a:t>
             </a:r>
             <a:endParaRPr lang="en-US" dirty="0"/>
           </a:p>
@@ -12343,7 +12616,7 @@
       </p:sp>
       <p:sp>
         <p:nvSpPr>
-          <p:cNvPr id="4" name="Slide Number Placeholder 3"/>
+          <p:cNvPr id="5" name="Slide Number Placeholder 4"/>
           <p:cNvSpPr>
             <a:spLocks noGrp="1"/>
           </p:cNvSpPr>
@@ -12382,6 +12655,137 @@
           </a:p>
         </p:txBody>
       </p:sp>
+      <p:pic>
+        <p:nvPicPr>
+          <p:cNvPr id="6" name="Picture 5"/>
+          <p:cNvPicPr>
+            <a:picLocks noChangeAspect="1"/>
+          </p:cNvPicPr>
+          <p:nvPr/>
+        </p:nvPicPr>
+        <p:blipFill>
+          <a:blip r:embed="rId2">
+            <a:extLst>
+              <a:ext uri="{28A0092B-C50C-407E-A947-70E740481C1C}">
+                <a14:useLocalDpi xmlns:a14="http://schemas.microsoft.com/office/drawing/2010/main"/>
+              </a:ext>
+            </a:extLst>
+          </a:blip>
+          <a:stretch>
+            <a:fillRect/>
+          </a:stretch>
+        </p:blipFill>
+        <p:spPr>
+          <a:xfrm>
+            <a:off x="1143000" y="1172127"/>
+            <a:ext cx="6761905" cy="5171429"/>
+          </a:xfrm>
+          <a:prstGeom prst="rect">
+            <a:avLst/>
+          </a:prstGeom>
+        </p:spPr>
+      </p:pic>
+    </p:spTree>
+    <p:extLst>
+      <p:ext uri="{BB962C8B-B14F-4D97-AF65-F5344CB8AC3E}">
+        <p14:creationId xmlns:p14="http://schemas.microsoft.com/office/powerpoint/2010/main" val="723378307"/>
+      </p:ext>
+    </p:extLst>
+  </p:cSld>
+  <p:clrMapOvr>
+    <a:masterClrMapping/>
+  </p:clrMapOvr>
+  <p:timing>
+    <p:tnLst>
+      <p:par>
+        <p:cTn id="1" dur="indefinite" restart="never" nodeType="tmRoot"/>
+      </p:par>
+    </p:tnLst>
+  </p:timing>
+</p:sld>
+</file>
+
+<file path=ppt/slides/slide22.xml><?xml version="1.0" encoding="utf-8"?>
+<p:sld xmlns:a="http://schemas.openxmlformats.org/drawingml/2006/main" xmlns:r="http://schemas.openxmlformats.org/officeDocument/2006/relationships" xmlns:p="http://schemas.openxmlformats.org/presentationml/2006/main">
+  <p:cSld>
+    <p:spTree>
+      <p:nvGrpSpPr>
+        <p:cNvPr id="1" name=""/>
+        <p:cNvGrpSpPr/>
+        <p:nvPr/>
+      </p:nvGrpSpPr>
+      <p:grpSpPr>
+        <a:xfrm>
+          <a:off x="0" y="0"/>
+          <a:ext cx="0" cy="0"/>
+          <a:chOff x="0" y="0"/>
+          <a:chExt cx="0" cy="0"/>
+        </a:xfrm>
+      </p:grpSpPr>
+      <p:sp>
+        <p:nvSpPr>
+          <p:cNvPr id="2" name="Title 1"/>
+          <p:cNvSpPr>
+            <a:spLocks noGrp="1"/>
+          </p:cNvSpPr>
+          <p:nvPr>
+            <p:ph type="title"/>
+          </p:nvPr>
+        </p:nvSpPr>
+        <p:spPr/>
+        <p:txBody>
+          <a:bodyPr/>
+          <a:lstStyle/>
+          <a:p>
+            <a:r>
+              <a:rPr lang="en-US" dirty="0" smtClean="0"/>
+              <a:t>Final Recommendation</a:t>
+            </a:r>
+            <a:endParaRPr lang="en-US" dirty="0"/>
+          </a:p>
+        </p:txBody>
+      </p:sp>
+      <p:sp>
+        <p:nvSpPr>
+          <p:cNvPr id="4" name="Slide Number Placeholder 3"/>
+          <p:cNvSpPr>
+            <a:spLocks noGrp="1"/>
+          </p:cNvSpPr>
+          <p:nvPr>
+            <p:ph type="sldNum" sz="quarter" idx="12"/>
+          </p:nvPr>
+        </p:nvSpPr>
+        <p:spPr/>
+        <p:txBody>
+          <a:bodyPr/>
+          <a:lstStyle/>
+          <a:p>
+            <a:pPr>
+              <a:defRPr/>
+            </a:pPr>
+            <a:fld id="{6E3317FF-6423-48BB-8CF6-A5183FB2D75B}" type="slidenum">
+              <a:rPr lang="en-US" smtClean="0">
+                <a:solidFill>
+                  <a:prstClr val="black">
+                    <a:tint val="75000"/>
+                  </a:prstClr>
+                </a:solidFill>
+              </a:rPr>
+              <a:pPr>
+                <a:defRPr/>
+              </a:pPr>
+              <a:t>22</a:t>
+            </a:fld>
+            <a:endParaRPr lang="en-US">
+              <a:solidFill>
+                <a:prstClr val="black">
+                  <a:tint val="75000"/>
+                </a:prstClr>
+              </a:solidFill>
+            </a:endParaRPr>
+          </a:p>
+        </p:txBody>
+      </p:sp>
     </p:spTree>
     <p:extLst>
       <p:ext uri="{BB962C8B-B14F-4D97-AF65-F5344CB8AC3E}">
@@ -12402,7 +12806,7 @@
 </p:sld>
 </file>
 
-<file path=ppt/slides/slide22.xml><?xml version="1.0" encoding="utf-8"?>
+<file path=ppt/slides/slide23.xml><?xml version="1.0" encoding="utf-8"?>
 <p:sld xmlns:a="http://schemas.openxmlformats.org/drawingml/2006/main" xmlns:r="http://schemas.openxmlformats.org/officeDocument/2006/relationships" xmlns:p="http://schemas.openxmlformats.org/presentationml/2006/main">
   <p:cSld>
     <p:spTree>
@@ -12593,7 +12997,7 @@
         <p:spPr>
           <a:xfrm>
             <a:off x="0" y="934512"/>
-            <a:ext cx="8382000" cy="2739211"/>
+            <a:ext cx="8382000" cy="2923877"/>
           </a:xfrm>
           <a:prstGeom prst="rect">
             <a:avLst/>
@@ -12631,7 +13035,7 @@
               <a:buChar char="•"/>
             </a:pPr>
             <a:r>
-              <a:rPr lang="en-US" dirty="0" smtClean="0"/>
+              <a:rPr lang="en-US" sz="2000" dirty="0" smtClean="0"/>
               <a:t>Number of Crew Hours</a:t>
             </a:r>
           </a:p>
@@ -12641,7 +13045,7 @@
               <a:buChar char="•"/>
             </a:pPr>
             <a:r>
-              <a:rPr lang="en-US" dirty="0" smtClean="0"/>
+              <a:rPr lang="en-US" sz="2000" dirty="0" smtClean="0"/>
               <a:t>Location Scientific Quality</a:t>
             </a:r>
           </a:p>
@@ -12661,7 +13065,7 @@
               <a:buChar char="•"/>
             </a:pPr>
             <a:r>
-              <a:rPr lang="en-US" dirty="0" smtClean="0"/>
+              <a:rPr lang="en-US" sz="2000" dirty="0" smtClean="0"/>
               <a:t>Resupply Cost </a:t>
             </a:r>
           </a:p>
@@ -12671,7 +13075,7 @@
               <a:buChar char="•"/>
             </a:pPr>
             <a:r>
-              <a:rPr lang="en-US" dirty="0" smtClean="0"/>
+              <a:rPr lang="en-US" sz="2000" dirty="0" smtClean="0"/>
               <a:t>Total IMLEO</a:t>
             </a:r>
           </a:p>
@@ -12681,7 +13085,7 @@
               <a:buChar char="•"/>
             </a:pPr>
             <a:r>
-              <a:rPr lang="en-US" dirty="0" smtClean="0"/>
+              <a:rPr lang="en-US" sz="2000" dirty="0" smtClean="0"/>
               <a:t>Development Cost</a:t>
             </a:r>
           </a:p>
@@ -12691,10 +13095,10 @@
               <a:buChar char="•"/>
             </a:pPr>
             <a:r>
-              <a:rPr lang="en-US" dirty="0" smtClean="0"/>
+              <a:rPr lang="en-US" sz="2000" dirty="0" smtClean="0"/>
               <a:t>Transit Propulsion Capabilities</a:t>
             </a:r>
-            <a:endParaRPr lang="en-US" dirty="0"/>
+            <a:endParaRPr lang="en-US" sz="2000" dirty="0"/>
           </a:p>
         </p:txBody>
       </p:sp>
@@ -12738,7 +13142,7 @@
         </p:blipFill>
         <p:spPr>
           <a:xfrm flipH="1">
-            <a:off x="6741565" y="3178525"/>
+            <a:off x="7285103" y="3178525"/>
             <a:ext cx="471370" cy="2137089"/>
           </a:xfrm>
           <a:prstGeom prst="rect">
@@ -12762,7 +13166,7 @@
         </p:blipFill>
         <p:spPr>
           <a:xfrm rot="19800000">
-            <a:off x="3623115" y="3358557"/>
+            <a:off x="4166653" y="3358557"/>
             <a:ext cx="2465221" cy="1437013"/>
           </a:xfrm>
           <a:prstGeom prst="rect">
@@ -12869,7 +13273,7 @@
         </p:blipFill>
         <p:spPr bwMode="auto">
           <a:xfrm>
-            <a:off x="3773423" y="1221894"/>
+            <a:off x="4316961" y="1221894"/>
             <a:ext cx="3294313" cy="1647157"/>
           </a:xfrm>
           <a:prstGeom prst="rect">
@@ -12903,7 +13307,7 @@
         </p:blipFill>
         <p:spPr>
           <a:xfrm>
-            <a:off x="6528655" y="1221894"/>
+            <a:off x="7072193" y="1221894"/>
             <a:ext cx="1767007" cy="1958192"/>
           </a:xfrm>
           <a:prstGeom prst="rect">
@@ -12919,7 +13323,7 @@
         </p:nvSpPr>
         <p:spPr>
           <a:xfrm>
-            <a:off x="4547424" y="2102509"/>
+            <a:off x="5090962" y="2102509"/>
             <a:ext cx="152400" cy="152400"/>
           </a:xfrm>
           <a:prstGeom prst="star5">
@@ -12957,7 +13361,7 @@
         </p:nvSpPr>
         <p:spPr>
           <a:xfrm>
-            <a:off x="4038600" y="1506745"/>
+            <a:off x="4582138" y="1506745"/>
             <a:ext cx="152400" cy="152400"/>
           </a:xfrm>
           <a:prstGeom prst="star5">
@@ -12995,7 +13399,7 @@
         </p:nvSpPr>
         <p:spPr>
           <a:xfrm>
-            <a:off x="6253153" y="1920735"/>
+            <a:off x="6796691" y="1920735"/>
             <a:ext cx="152400" cy="152400"/>
           </a:xfrm>
           <a:prstGeom prst="star5">
@@ -13033,7 +13437,7 @@
         </p:nvSpPr>
         <p:spPr>
           <a:xfrm>
-            <a:off x="5344379" y="1680161"/>
+            <a:off x="5887917" y="1680161"/>
             <a:ext cx="152400" cy="152400"/>
           </a:xfrm>
           <a:prstGeom prst="star5">
@@ -13071,7 +13475,7 @@
         </p:nvSpPr>
         <p:spPr>
           <a:xfrm>
-            <a:off x="5792451" y="2375078"/>
+            <a:off x="6335989" y="2375078"/>
             <a:ext cx="152400" cy="152400"/>
           </a:xfrm>
           <a:prstGeom prst="star5">
@@ -13109,7 +13513,7 @@
         </p:nvSpPr>
         <p:spPr>
           <a:xfrm>
-            <a:off x="4565744" y="1832561"/>
+            <a:off x="5109282" y="1832561"/>
             <a:ext cx="152400" cy="152400"/>
           </a:xfrm>
           <a:prstGeom prst="star5">
@@ -13859,8 +14263,8 @@
         </p:nvSpPr>
         <p:spPr>
           <a:xfrm>
-            <a:off x="457200" y="1066799"/>
-            <a:ext cx="8382000" cy="3047667"/>
+            <a:off x="228600" y="936292"/>
+            <a:ext cx="8839200" cy="3047667"/>
           </a:xfrm>
           <a:prstGeom prst="rect">
             <a:avLst/>
@@ -13879,13 +14283,8 @@
             </a:pPr>
             <a:r>
               <a:rPr lang="en-US" sz="2400" dirty="0" smtClean="0"/>
-              <a:t>Variable </a:t>
-            </a:r>
-            <a:r>
-              <a:rPr lang="en-US" sz="2400" dirty="0" smtClean="0"/>
-              <a:t>Bounds</a:t>
-            </a:r>
-            <a:endParaRPr lang="en-US" sz="2400" dirty="0" smtClean="0"/>
+              <a:t>Variable Bounds</a:t>
+            </a:r>
           </a:p>
           <a:p>
             <a:pPr marL="800100" lvl="1" indent="-342900">
@@ -13920,6 +14319,7 @@
               <a:rPr lang="en-US" sz="2000" dirty="0" smtClean="0"/>
               <a:t>capabilities</a:t>
             </a:r>
+            <a:endParaRPr lang="en-US" sz="2000" dirty="0" smtClean="0"/>
           </a:p>
           <a:p>
             <a:pPr marL="800100" lvl="1" indent="-342900">
@@ -13987,8 +14387,9 @@
             </a:pPr>
             <a:r>
               <a:rPr lang="en-US" sz="2000" dirty="0" smtClean="0"/>
-              <a:t>Physics-based</a:t>
-            </a:r>
+              <a:t>Physics-based dependencies</a:t>
+            </a:r>
+            <a:endParaRPr lang="en-US" sz="2000" dirty="0" smtClean="0"/>
           </a:p>
           <a:p>
             <a:pPr marL="800100" lvl="1" indent="-342900">
@@ -13997,8 +14398,20 @@
             </a:pPr>
             <a:r>
               <a:rPr lang="en-US" sz="2000" dirty="0" smtClean="0"/>
-              <a:t>Drivers of system sizing</a:t>
-            </a:r>
+              <a:t>Mass and energy balance</a:t>
+            </a:r>
+            <a:endParaRPr lang="en-US" sz="2000" dirty="0" smtClean="0"/>
+          </a:p>
+          <a:p>
+            <a:pPr marL="800100" lvl="1" indent="-342900">
+              <a:buFont typeface="Arial" panose="020B0604020202020204" pitchFamily="34" charset="0"/>
+              <a:buChar char="•"/>
+            </a:pPr>
+            <a:r>
+              <a:rPr lang="en-US" sz="2000" dirty="0" smtClean="0"/>
+              <a:t>Drives system sizing</a:t>
+            </a:r>
+            <a:endParaRPr lang="en-US" sz="2000" dirty="0" smtClean="0"/>
           </a:p>
           <a:p>
             <a:pPr marL="1257300" lvl="2" indent="-342900">

--- a/MSDO/Assignment5/Mars 2040 Optimization Presentation.pptx
+++ b/MSDO/Assignment5/Mars 2040 Optimization Presentation.pptx
@@ -7311,7 +7311,11 @@
             </a:br>
             <a:r>
               <a:rPr lang="en-US" dirty="0" smtClean="0"/>
-              <a:t>Science Utility</a:t>
+              <a:t>Science </a:t>
+            </a:r>
+            <a:r>
+              <a:rPr lang="en-US" dirty="0" smtClean="0"/>
+              <a:t>Utility Module</a:t>
             </a:r>
             <a:endParaRPr lang="en-US" dirty="0"/>
           </a:p>
@@ -7358,8 +7362,8 @@
           </a:p>
         </p:txBody>
       </p:sp>
-      <mc:AlternateContent xmlns:mc="http://schemas.openxmlformats.org/markup-compatibility/2006">
-        <mc:Choice xmlns:a14="http://schemas.microsoft.com/office/drawing/2010/main" Requires="a14">
+      <mc:AlternateContent xmlns:mc="http://schemas.openxmlformats.org/markup-compatibility/2006" xmlns:a14="http://schemas.microsoft.com/office/drawing/2010/main">
+        <mc:Choice Requires="a14">
           <p:sp>
             <p:nvSpPr>
               <p:cNvPr id="7" name="TextBox 6"/>
@@ -7382,6 +7386,7 @@
               </a:bodyPr>
               <a:lstStyle/>
               <a:p>
+                <a:pPr/>
                 <a14:m>
                   <m:oMathPara xmlns:m="http://schemas.openxmlformats.org/officeDocument/2006/math">
                     <m:oMathParaPr>
@@ -7457,7 +7462,7 @@
             </p:txBody>
           </p:sp>
         </mc:Choice>
-        <mc:Fallback>
+        <mc:Fallback xmlns="">
           <p:sp>
             <p:nvSpPr>
               <p:cNvPr id="7" name="TextBox 6"/>
@@ -7505,7 +7510,7 @@
         <p:spPr>
           <a:xfrm>
             <a:off x="2819400" y="4895671"/>
-            <a:ext cx="4133850" cy="1200329"/>
+            <a:ext cx="4953000" cy="1200329"/>
           </a:xfrm>
           <a:prstGeom prst="rect">
             <a:avLst/>
@@ -7524,11 +7529,11 @@
             </a:r>
             <a:r>
               <a:rPr lang="en-US" dirty="0" smtClean="0"/>
-              <a:t>    = </a:t>
+              <a:t>    = science </a:t>
             </a:r>
             <a:r>
               <a:rPr lang="en-US" dirty="0" smtClean="0"/>
-              <a:t>science utility</a:t>
+              <a:t>utility (interest-crew-hours)</a:t>
             </a:r>
             <a:endParaRPr lang="en-US" dirty="0" smtClean="0"/>
           </a:p>
@@ -7543,23 +7548,87 @@
             </a:r>
             <a:r>
               <a:rPr lang="en-US" dirty="0" smtClean="0"/>
-              <a:t>  = site science interest</a:t>
+              <a:t>  = site science </a:t>
+            </a:r>
+            <a:r>
+              <a:rPr lang="en-US" dirty="0" smtClean="0"/>
+              <a:t>interest (interest)</a:t>
             </a:r>
             <a:endParaRPr lang="en-US" dirty="0" smtClean="0"/>
           </a:p>
           <a:p>
             <a:r>
               <a:rPr lang="en-US" dirty="0" smtClean="0"/>
-              <a:t>P    = surface population</a:t>
+              <a:t>P    = surface </a:t>
+            </a:r>
+            <a:r>
+              <a:rPr lang="en-US" dirty="0" smtClean="0"/>
+              <a:t>population (# crew)</a:t>
             </a:r>
             <a:endParaRPr lang="en-US" dirty="0" smtClean="0"/>
           </a:p>
           <a:p>
             <a:r>
               <a:rPr lang="en-US" dirty="0" smtClean="0"/>
-              <a:t>t     = time available for science activities</a:t>
+              <a:t>t     = time available for science </a:t>
+            </a:r>
+            <a:r>
+              <a:rPr lang="en-US" dirty="0" smtClean="0"/>
+              <a:t>activities (hours)</a:t>
             </a:r>
             <a:endParaRPr lang="en-US" dirty="0" smtClean="0"/>
+          </a:p>
+        </p:txBody>
+      </p:sp>
+      <p:sp>
+        <p:nvSpPr>
+          <p:cNvPr id="4" name="Rectangle 3"/>
+          <p:cNvSpPr/>
+          <p:nvPr/>
+        </p:nvSpPr>
+        <p:spPr>
+          <a:xfrm>
+            <a:off x="676275" y="1066442"/>
+            <a:ext cx="8458200" cy="1200329"/>
+          </a:xfrm>
+          <a:prstGeom prst="rect">
+            <a:avLst/>
+          </a:prstGeom>
+        </p:spPr>
+        <p:txBody>
+          <a:bodyPr wrap="square">
+            <a:spAutoFit/>
+          </a:bodyPr>
+          <a:lstStyle/>
+          <a:p>
+            <a:pPr marL="342900" indent="-342900">
+              <a:buFont typeface="Arial" panose="020B0604020202020204" pitchFamily="34" charset="0"/>
+              <a:buChar char="•"/>
+            </a:pPr>
+            <a:r>
+              <a:rPr lang="en-US" sz="2400" dirty="0"/>
+              <a:t>Investment in advanced technologies may be traded with:</a:t>
+            </a:r>
+          </a:p>
+          <a:p>
+            <a:pPr marL="800100" lvl="1" indent="-342900">
+              <a:buFont typeface="Arial" panose="020B0604020202020204" pitchFamily="34" charset="0"/>
+              <a:buChar char="•"/>
+            </a:pPr>
+            <a:r>
+              <a:rPr lang="en-US" sz="2400" dirty="0"/>
+              <a:t>Reductions with campaign operational costs </a:t>
+            </a:r>
+          </a:p>
+          <a:p>
+            <a:pPr marL="800100" lvl="1" indent="-342900">
+              <a:buFont typeface="Arial" panose="020B0604020202020204" pitchFamily="34" charset="0"/>
+              <a:buChar char="•"/>
+            </a:pPr>
+            <a:r>
+              <a:rPr lang="en-US" sz="2400" dirty="0"/>
+              <a:t>Enhancement in mission value (or perhaps safety)</a:t>
+            </a:r>
           </a:p>
         </p:txBody>
       </p:sp>
@@ -8144,7 +8213,7 @@
           <a:graphicData uri="http://schemas.openxmlformats.org/presentationml/2006/ole">
             <mc:AlternateContent xmlns:mc="http://schemas.openxmlformats.org/markup-compatibility/2006">
               <mc:Choice xmlns:v="urn:schemas-microsoft-com:vml" Requires="v">
-                <p:oleObj spid="_x0000_s8229" name="Equation" r:id="rId3" imgW="2145960" imgH="228600" progId="Equation.3">
+                <p:oleObj spid="_x0000_s8233" name="Equation" r:id="rId3" imgW="2145960" imgH="228600" progId="Equation.3">
                   <p:embed/>
                 </p:oleObj>
               </mc:Choice>
@@ -8248,6 +8317,54 @@
           </a:p>
         </p:txBody>
       </p:sp>
+      <p:sp>
+        <p:nvSpPr>
+          <p:cNvPr id="5" name="TextBox 4"/>
+          <p:cNvSpPr txBox="1"/>
+          <p:nvPr/>
+        </p:nvSpPr>
+        <p:spPr>
+          <a:xfrm>
+            <a:off x="457200" y="4108401"/>
+            <a:ext cx="2727221" cy="646331"/>
+          </a:xfrm>
+          <a:prstGeom prst="rect">
+            <a:avLst/>
+          </a:prstGeom>
+          <a:noFill/>
+        </p:spPr>
+        <p:txBody>
+          <a:bodyPr wrap="none" rtlCol="0">
+            <a:spAutoFit/>
+          </a:bodyPr>
+          <a:lstStyle/>
+          <a:p>
+            <a:r>
+              <a:rPr lang="en-US" b="1" dirty="0" smtClean="0">
+                <a:solidFill>
+                  <a:srgbClr val="FF0000"/>
+                </a:solidFill>
+              </a:rPr>
+              <a:t>Discounting?</a:t>
+            </a:r>
+          </a:p>
+          <a:p>
+            <a:r>
+              <a:rPr lang="en-US" b="1" dirty="0" smtClean="0">
+                <a:solidFill>
+                  <a:srgbClr val="FF0000"/>
+                </a:solidFill>
+              </a:rPr>
+              <a:t>How many missions? (10?)</a:t>
+            </a:r>
+            <a:endParaRPr lang="en-US" b="1" dirty="0">
+              <a:solidFill>
+                <a:srgbClr val="FF0000"/>
+              </a:solidFill>
+            </a:endParaRPr>
+          </a:p>
+        </p:txBody>
+      </p:sp>
     </p:spTree>
     <p:extLst>
       <p:ext uri="{BB962C8B-B14F-4D97-AF65-F5344CB8AC3E}">
@@ -8418,11 +8535,7 @@
             </a:pPr>
             <a:r>
               <a:rPr lang="en-US" sz="2400" dirty="0" smtClean="0"/>
-              <a:t>The following three values were used as high, medium, and low IMLEO cost estimates in this </a:t>
-            </a:r>
-            <a:r>
-              <a:rPr lang="en-US" sz="2400" dirty="0" smtClean="0"/>
-              <a:t>analysis</a:t>
+              <a:t>The following three values were used as high, medium, and low IMLEO cost estimates in this analysis</a:t>
             </a:r>
           </a:p>
           <a:p>
@@ -11976,21 +12089,13 @@
           <a:p>
             <a:r>
               <a:rPr lang="en-US" b="1" dirty="0" smtClean="0"/>
-              <a:t>Mars 2040 </a:t>
-            </a:r>
+              <a:t>Mars 2040 Settlement</a:t>
+            </a:r>
+          </a:p>
+          <a:p>
             <a:r>
               <a:rPr lang="en-US" b="1" dirty="0" smtClean="0"/>
-              <a:t>Settlement</a:t>
-            </a:r>
-          </a:p>
-          <a:p>
-            <a:r>
-              <a:rPr lang="en-US" b="1" dirty="0" smtClean="0"/>
-              <a:t>Resupply </a:t>
-            </a:r>
-            <a:r>
-              <a:rPr lang="en-US" b="1" dirty="0" smtClean="0"/>
-              <a:t>Optimization</a:t>
+              <a:t>Resupply Optimization</a:t>
             </a:r>
             <a:endParaRPr lang="en-US" b="1" dirty="0"/>
           </a:p>
@@ -12882,6 +12987,166 @@
           </a:p>
         </p:txBody>
       </p:sp>
+      <p:sp>
+        <p:nvSpPr>
+          <p:cNvPr id="3" name="Rectangle 2"/>
+          <p:cNvSpPr/>
+          <p:nvPr/>
+        </p:nvSpPr>
+        <p:spPr>
+          <a:xfrm>
+            <a:off x="533400" y="1219200"/>
+            <a:ext cx="8229600" cy="5262979"/>
+          </a:xfrm>
+          <a:prstGeom prst="rect">
+            <a:avLst/>
+          </a:prstGeom>
+        </p:spPr>
+        <p:txBody>
+          <a:bodyPr wrap="square">
+            <a:spAutoFit/>
+          </a:bodyPr>
+          <a:lstStyle/>
+          <a:p>
+            <a:pPr marL="342900" indent="-342900">
+              <a:buFont typeface="Arial" panose="020B0604020202020204" pitchFamily="34" charset="0"/>
+              <a:buChar char="•"/>
+            </a:pPr>
+            <a:r>
+              <a:rPr lang="en-US" sz="2400" dirty="0" smtClean="0"/>
+              <a:t>Additional Variables</a:t>
+            </a:r>
+          </a:p>
+          <a:p>
+            <a:pPr marL="800100" lvl="1" indent="-342900">
+              <a:buFont typeface="Arial" panose="020B0604020202020204" pitchFamily="34" charset="0"/>
+              <a:buChar char="•"/>
+            </a:pPr>
+            <a:r>
+              <a:rPr lang="en-US" sz="2400" dirty="0" smtClean="0"/>
+              <a:t>Martian ISRU efficiency (ECLSS consumables, ascent prop)</a:t>
+            </a:r>
+          </a:p>
+          <a:p>
+            <a:pPr marL="800100" lvl="1" indent="-342900">
+              <a:buFont typeface="Arial" panose="020B0604020202020204" pitchFamily="34" charset="0"/>
+              <a:buChar char="•"/>
+            </a:pPr>
+            <a:r>
+              <a:rPr lang="en-US" sz="2400" dirty="0" smtClean="0"/>
+              <a:t>Automated plant growth systems</a:t>
+            </a:r>
+          </a:p>
+          <a:p>
+            <a:pPr marL="800100" lvl="1" indent="-342900">
+              <a:buFont typeface="Arial" panose="020B0604020202020204" pitchFamily="34" charset="0"/>
+              <a:buChar char="•"/>
+            </a:pPr>
+            <a:r>
+              <a:rPr lang="en-US" sz="2400" dirty="0" smtClean="0"/>
+              <a:t>Alternate sites</a:t>
+            </a:r>
+          </a:p>
+          <a:p>
+            <a:pPr marL="800100" lvl="1" indent="-342900">
+              <a:buFont typeface="Arial" panose="020B0604020202020204" pitchFamily="34" charset="0"/>
+              <a:buChar char="•"/>
+            </a:pPr>
+            <a:r>
+              <a:rPr lang="en-US" sz="2400" dirty="0" smtClean="0"/>
+              <a:t>Additional development costs</a:t>
+            </a:r>
+          </a:p>
+          <a:p>
+            <a:pPr marL="342900" indent="-342900">
+              <a:buFont typeface="Arial" panose="020B0604020202020204" pitchFamily="34" charset="0"/>
+              <a:buChar char="•"/>
+            </a:pPr>
+            <a:r>
+              <a:rPr lang="en-US" sz="2400" dirty="0" smtClean="0"/>
+              <a:t>Additional Objectives</a:t>
+            </a:r>
+          </a:p>
+          <a:p>
+            <a:pPr marL="800100" lvl="1" indent="-342900">
+              <a:buFont typeface="Arial" panose="020B0604020202020204" pitchFamily="34" charset="0"/>
+              <a:buChar char="•"/>
+            </a:pPr>
+            <a:r>
+              <a:rPr lang="en-US" sz="2400" dirty="0" smtClean="0"/>
+              <a:t>Initial emplacement costs</a:t>
+            </a:r>
+          </a:p>
+          <a:p>
+            <a:pPr marL="800100" lvl="1" indent="-342900">
+              <a:buFont typeface="Arial" panose="020B0604020202020204" pitchFamily="34" charset="0"/>
+              <a:buChar char="•"/>
+            </a:pPr>
+            <a:r>
+              <a:rPr lang="en-US" sz="2400" dirty="0" smtClean="0"/>
+              <a:t>Risks (Technological, Operational)</a:t>
+            </a:r>
+          </a:p>
+          <a:p>
+            <a:pPr marL="342900" indent="-342900">
+              <a:buFont typeface="Arial" panose="020B0604020202020204" pitchFamily="34" charset="0"/>
+              <a:buChar char="•"/>
+            </a:pPr>
+            <a:r>
+              <a:rPr lang="en-US" sz="2400" dirty="0" smtClean="0"/>
+              <a:t>Additional Sensitivities</a:t>
+            </a:r>
+          </a:p>
+          <a:p>
+            <a:pPr marL="800100" lvl="1" indent="-342900">
+              <a:buFont typeface="Arial" panose="020B0604020202020204" pitchFamily="34" charset="0"/>
+              <a:buChar char="•"/>
+            </a:pPr>
+            <a:r>
+              <a:rPr lang="en-US" sz="2400" dirty="0" smtClean="0"/>
+              <a:t>Development costs</a:t>
+            </a:r>
+          </a:p>
+          <a:p>
+            <a:pPr marL="800100" lvl="2" indent="-342900">
+              <a:buFont typeface="Arial" panose="020B0604020202020204" pitchFamily="34" charset="0"/>
+              <a:buChar char="•"/>
+            </a:pPr>
+            <a:r>
+              <a:rPr lang="en-US" sz="2400" dirty="0"/>
+              <a:t>Site science </a:t>
+            </a:r>
+            <a:r>
+              <a:rPr lang="en-US" sz="2400" dirty="0" smtClean="0"/>
+              <a:t>interest</a:t>
+            </a:r>
+          </a:p>
+          <a:p>
+            <a:pPr marL="800100" lvl="1" indent="-342900">
+              <a:buFont typeface="Arial" panose="020B0604020202020204" pitchFamily="34" charset="0"/>
+              <a:buChar char="•"/>
+            </a:pPr>
+            <a:r>
+              <a:rPr lang="en-US" sz="2400" dirty="0" smtClean="0"/>
+              <a:t>Settlement time horizon</a:t>
+            </a:r>
+          </a:p>
+          <a:p>
+            <a:pPr marL="800100" lvl="1" indent="-342900">
+              <a:buFont typeface="Arial" panose="020B0604020202020204" pitchFamily="34" charset="0"/>
+              <a:buChar char="•"/>
+            </a:pPr>
+            <a:endParaRPr lang="en-US" sz="2400" dirty="0" smtClean="0"/>
+          </a:p>
+          <a:p>
+            <a:pPr marL="800100" lvl="1" indent="-342900">
+              <a:buFont typeface="Arial" panose="020B0604020202020204" pitchFamily="34" charset="0"/>
+              <a:buChar char="•"/>
+            </a:pPr>
+            <a:endParaRPr lang="en-US" sz="2400" dirty="0"/>
+          </a:p>
+        </p:txBody>
+      </p:sp>
     </p:spTree>
     <p:extLst>
       <p:ext uri="{BB962C8B-B14F-4D97-AF65-F5344CB8AC3E}">
@@ -13142,7 +13407,7 @@
         </p:blipFill>
         <p:spPr>
           <a:xfrm flipH="1">
-            <a:off x="7285103" y="3178525"/>
+            <a:off x="6713406" y="3098137"/>
             <a:ext cx="471370" cy="2137089"/>
           </a:xfrm>
           <a:prstGeom prst="rect">
@@ -14319,7 +14584,6 @@
               <a:rPr lang="en-US" sz="2000" dirty="0" smtClean="0"/>
               <a:t>capabilities</a:t>
             </a:r>
-            <a:endParaRPr lang="en-US" sz="2000" dirty="0" smtClean="0"/>
           </a:p>
           <a:p>
             <a:pPr marL="800100" lvl="1" indent="-342900">
@@ -14389,7 +14653,6 @@
               <a:rPr lang="en-US" sz="2000" dirty="0" smtClean="0"/>
               <a:t>Physics-based dependencies</a:t>
             </a:r>
-            <a:endParaRPr lang="en-US" sz="2000" dirty="0" smtClean="0"/>
           </a:p>
           <a:p>
             <a:pPr marL="800100" lvl="1" indent="-342900">
@@ -14400,7 +14663,6 @@
               <a:rPr lang="en-US" sz="2000" dirty="0" smtClean="0"/>
               <a:t>Mass and energy balance</a:t>
             </a:r>
-            <a:endParaRPr lang="en-US" sz="2000" dirty="0" smtClean="0"/>
           </a:p>
           <a:p>
             <a:pPr marL="800100" lvl="1" indent="-342900">
@@ -14411,7 +14673,6 @@
               <a:rPr lang="en-US" sz="2000" dirty="0" smtClean="0"/>
               <a:t>Drives system sizing</a:t>
             </a:r>
-            <a:endParaRPr lang="en-US" sz="2000" dirty="0" smtClean="0"/>
           </a:p>
           <a:p>
             <a:pPr marL="1257300" lvl="2" indent="-342900">

--- a/MSDO/Assignment5/Mars 2040 Optimization Presentation.pptx
+++ b/MSDO/Assignment5/Mars 2040 Optimization Presentation.pptx
@@ -5,32 +5,34 @@
     <p:sldMasterId id="2147483673" r:id="rId1"/>
   </p:sldMasterIdLst>
   <p:notesMasterIdLst>
-    <p:notesMasterId r:id="rId25"/>
+    <p:notesMasterId r:id="rId27"/>
   </p:notesMasterIdLst>
   <p:sldIdLst>
     <p:sldId id="448" r:id="rId2"/>
     <p:sldId id="565" r:id="rId3"/>
     <p:sldId id="566" r:id="rId4"/>
     <p:sldId id="573" r:id="rId5"/>
-    <p:sldId id="574" r:id="rId6"/>
-    <p:sldId id="572" r:id="rId7"/>
-    <p:sldId id="576" r:id="rId8"/>
-    <p:sldId id="567" r:id="rId9"/>
-    <p:sldId id="575" r:id="rId10"/>
-    <p:sldId id="585" r:id="rId11"/>
-    <p:sldId id="587" r:id="rId12"/>
-    <p:sldId id="579" r:id="rId13"/>
-    <p:sldId id="586" r:id="rId14"/>
-    <p:sldId id="580" r:id="rId15"/>
-    <p:sldId id="568" r:id="rId16"/>
-    <p:sldId id="581" r:id="rId17"/>
-    <p:sldId id="582" r:id="rId18"/>
-    <p:sldId id="583" r:id="rId19"/>
-    <p:sldId id="584" r:id="rId20"/>
-    <p:sldId id="577" r:id="rId21"/>
+    <p:sldId id="572" r:id="rId6"/>
+    <p:sldId id="576" r:id="rId7"/>
+    <p:sldId id="567" r:id="rId8"/>
+    <p:sldId id="575" r:id="rId9"/>
+    <p:sldId id="585" r:id="rId10"/>
+    <p:sldId id="587" r:id="rId11"/>
+    <p:sldId id="579" r:id="rId12"/>
+    <p:sldId id="586" r:id="rId13"/>
+    <p:sldId id="580" r:id="rId14"/>
+    <p:sldId id="568" r:id="rId15"/>
+    <p:sldId id="581" r:id="rId16"/>
+    <p:sldId id="582" r:id="rId17"/>
+    <p:sldId id="592" r:id="rId18"/>
+    <p:sldId id="591" r:id="rId19"/>
+    <p:sldId id="577" r:id="rId20"/>
+    <p:sldId id="589" r:id="rId21"/>
     <p:sldId id="578" r:id="rId22"/>
     <p:sldId id="570" r:id="rId23"/>
     <p:sldId id="571" r:id="rId24"/>
+    <p:sldId id="590" r:id="rId25"/>
+    <p:sldId id="588" r:id="rId26"/>
   </p:sldIdLst>
   <p:sldSz cx="9144000" cy="6858000" type="screen4x3"/>
   <p:notesSz cx="6858000" cy="9144000"/>
@@ -131,7 +133,7 @@
   </p:defaultTextStyle>
   <p:extLst>
     <p:ext uri="{EFAFB233-063F-42B5-8137-9DF3F51BA10A}">
-      <p15:sldGuideLst xmlns:p15="http://schemas.microsoft.com/office/powerpoint/2012/main">
+      <p15:sldGuideLst xmlns:p15="http://schemas.microsoft.com/office/powerpoint/2012/main" xmlns="">
         <p15:guide id="1" orient="horz" pos="2160">
           <p15:clr>
             <a:srgbClr val="A4A3A4"/>
@@ -152,15 +154,6 @@
 <p:cmAuthorLst xmlns:a="http://schemas.openxmlformats.org/drawingml/2006/main" xmlns:r="http://schemas.openxmlformats.org/officeDocument/2006/relationships" xmlns:p="http://schemas.openxmlformats.org/presentationml/2006/main">
   <p:cmAuthor id="0" name="ParkerVascik" initials="PDV" lastIdx="1" clrIdx="0"/>
 </p:cmAuthorLst>
-</file>
-
-<file path=ppt/comments/comment1.xml><?xml version="1.0" encoding="utf-8"?>
-<p:cmLst xmlns:a="http://schemas.openxmlformats.org/drawingml/2006/main" xmlns:r="http://schemas.openxmlformats.org/officeDocument/2006/relationships" xmlns:p="http://schemas.openxmlformats.org/presentationml/2006/main">
-  <p:cm authorId="0" dt="2016-05-10T00:02:30.445" idx="1">
-    <p:pos x="3711" y="1631"/>
-    <p:text>This is the population size times the number of generations. But this is only for one run of the GA, how many runs did you do to assure convergance?</p:text>
-  </p:cm>
-</p:cmLst>
 </file>
 
 <file path=ppt/notesMasters/notesMaster1.xml><?xml version="1.0" encoding="utf-8"?>
@@ -696,7 +689,7 @@
           <a:p>
             <a:fld id="{380EEE09-4C39-4D5E-9E9F-B9379C5BD052}" type="slidenum">
               <a:rPr lang="en-US" smtClean="0"/>
-              <a:t>16</a:t>
+              <a:t>15</a:t>
             </a:fld>
             <a:endParaRPr lang="en-US"/>
           </a:p>
@@ -788,7 +781,7 @@
           <a:p>
             <a:fld id="{380EEE09-4C39-4D5E-9E9F-B9379C5BD052}" type="slidenum">
               <a:rPr lang="en-US" smtClean="0"/>
-              <a:t>17</a:t>
+              <a:t>16</a:t>
             </a:fld>
             <a:endParaRPr lang="en-US"/>
           </a:p>
@@ -872,7 +865,7 @@
           <a:p>
             <a:fld id="{380EEE09-4C39-4D5E-9E9F-B9379C5BD052}" type="slidenum">
               <a:rPr lang="en-US" smtClean="0"/>
-              <a:t>18</a:t>
+              <a:t>17</a:t>
             </a:fld>
             <a:endParaRPr lang="en-US"/>
           </a:p>
@@ -964,7 +957,7 @@
           <a:p>
             <a:fld id="{380EEE09-4C39-4D5E-9E9F-B9379C5BD052}" type="slidenum">
               <a:rPr lang="en-US" smtClean="0"/>
-              <a:t>19</a:t>
+              <a:t>18</a:t>
             </a:fld>
             <a:endParaRPr lang="en-US"/>
           </a:p>
@@ -1027,7 +1020,7 @@
           <a:bodyPr/>
           <a:lstStyle/>
           <a:p>
-            <a:endParaRPr lang="en-US"/>
+            <a:endParaRPr lang="en-US" dirty="0"/>
           </a:p>
         </p:txBody>
       </p:sp>
@@ -1048,6 +1041,90 @@
           <a:p>
             <a:fld id="{380EEE09-4C39-4D5E-9E9F-B9379C5BD052}" type="slidenum">
               <a:rPr lang="en-US" smtClean="0"/>
+              <a:t>21</a:t>
+            </a:fld>
+            <a:endParaRPr lang="en-US"/>
+          </a:p>
+        </p:txBody>
+      </p:sp>
+    </p:spTree>
+    <p:extLst>
+      <p:ext uri="{BB962C8B-B14F-4D97-AF65-F5344CB8AC3E}">
+        <p14:creationId xmlns:p14="http://schemas.microsoft.com/office/powerpoint/2010/main" val="3748630531"/>
+      </p:ext>
+    </p:extLst>
+  </p:cSld>
+  <p:clrMapOvr>
+    <a:masterClrMapping/>
+  </p:clrMapOvr>
+</p:notes>
+</file>
+
+<file path=ppt/notesSlides/notesSlide15.xml><?xml version="1.0" encoding="utf-8"?>
+<p:notes xmlns:a="http://schemas.openxmlformats.org/drawingml/2006/main" xmlns:r="http://schemas.openxmlformats.org/officeDocument/2006/relationships" xmlns:p="http://schemas.openxmlformats.org/presentationml/2006/main">
+  <p:cSld>
+    <p:spTree>
+      <p:nvGrpSpPr>
+        <p:cNvPr id="1" name=""/>
+        <p:cNvGrpSpPr/>
+        <p:nvPr/>
+      </p:nvGrpSpPr>
+      <p:grpSpPr>
+        <a:xfrm>
+          <a:off x="0" y="0"/>
+          <a:ext cx="0" cy="0"/>
+          <a:chOff x="0" y="0"/>
+          <a:chExt cx="0" cy="0"/>
+        </a:xfrm>
+      </p:grpSpPr>
+      <p:sp>
+        <p:nvSpPr>
+          <p:cNvPr id="2" name="Slide Image Placeholder 1"/>
+          <p:cNvSpPr>
+            <a:spLocks noGrp="1" noRot="1" noChangeAspect="1"/>
+          </p:cNvSpPr>
+          <p:nvPr>
+            <p:ph type="sldImg"/>
+          </p:nvPr>
+        </p:nvSpPr>
+        <p:spPr/>
+      </p:sp>
+      <p:sp>
+        <p:nvSpPr>
+          <p:cNvPr id="3" name="Notes Placeholder 2"/>
+          <p:cNvSpPr>
+            <a:spLocks noGrp="1"/>
+          </p:cNvSpPr>
+          <p:nvPr>
+            <p:ph type="body" idx="1"/>
+          </p:nvPr>
+        </p:nvSpPr>
+        <p:spPr/>
+        <p:txBody>
+          <a:bodyPr/>
+          <a:lstStyle/>
+          <a:p>
+            <a:endParaRPr lang="en-US"/>
+          </a:p>
+        </p:txBody>
+      </p:sp>
+      <p:sp>
+        <p:nvSpPr>
+          <p:cNvPr id="4" name="Slide Number Placeholder 3"/>
+          <p:cNvSpPr>
+            <a:spLocks noGrp="1"/>
+          </p:cNvSpPr>
+          <p:nvPr>
+            <p:ph type="sldNum" sz="quarter" idx="10"/>
+          </p:nvPr>
+        </p:nvSpPr>
+        <p:spPr/>
+        <p:txBody>
+          <a:bodyPr/>
+          <a:lstStyle/>
+          <a:p>
+            <a:fld id="{380EEE09-4C39-4D5E-9E9F-B9379C5BD052}" type="slidenum">
+              <a:rPr lang="en-US" smtClean="0"/>
               <a:t>22</a:t>
             </a:fld>
             <a:endParaRPr lang="en-US"/>
@@ -1058,6 +1135,90 @@
     <p:extLst>
       <p:ext uri="{BB962C8B-B14F-4D97-AF65-F5344CB8AC3E}">
         <p14:creationId xmlns:p14="http://schemas.microsoft.com/office/powerpoint/2010/main" val="646170027"/>
+      </p:ext>
+    </p:extLst>
+  </p:cSld>
+  <p:clrMapOvr>
+    <a:masterClrMapping/>
+  </p:clrMapOvr>
+</p:notes>
+</file>
+
+<file path=ppt/notesSlides/notesSlide16.xml><?xml version="1.0" encoding="utf-8"?>
+<p:notes xmlns:a="http://schemas.openxmlformats.org/drawingml/2006/main" xmlns:r="http://schemas.openxmlformats.org/officeDocument/2006/relationships" xmlns:p="http://schemas.openxmlformats.org/presentationml/2006/main">
+  <p:cSld>
+    <p:spTree>
+      <p:nvGrpSpPr>
+        <p:cNvPr id="1" name=""/>
+        <p:cNvGrpSpPr/>
+        <p:nvPr/>
+      </p:nvGrpSpPr>
+      <p:grpSpPr>
+        <a:xfrm>
+          <a:off x="0" y="0"/>
+          <a:ext cx="0" cy="0"/>
+          <a:chOff x="0" y="0"/>
+          <a:chExt cx="0" cy="0"/>
+        </a:xfrm>
+      </p:grpSpPr>
+      <p:sp>
+        <p:nvSpPr>
+          <p:cNvPr id="2" name="Slide Image Placeholder 1"/>
+          <p:cNvSpPr>
+            <a:spLocks noGrp="1" noRot="1" noChangeAspect="1"/>
+          </p:cNvSpPr>
+          <p:nvPr>
+            <p:ph type="sldImg"/>
+          </p:nvPr>
+        </p:nvSpPr>
+        <p:spPr/>
+      </p:sp>
+      <p:sp>
+        <p:nvSpPr>
+          <p:cNvPr id="3" name="Notes Placeholder 2"/>
+          <p:cNvSpPr>
+            <a:spLocks noGrp="1"/>
+          </p:cNvSpPr>
+          <p:nvPr>
+            <p:ph type="body" idx="1"/>
+          </p:nvPr>
+        </p:nvSpPr>
+        <p:spPr/>
+        <p:txBody>
+          <a:bodyPr/>
+          <a:lstStyle/>
+          <a:p>
+            <a:endParaRPr lang="en-US" dirty="0"/>
+          </a:p>
+        </p:txBody>
+      </p:sp>
+      <p:sp>
+        <p:nvSpPr>
+          <p:cNvPr id="4" name="Slide Number Placeholder 3"/>
+          <p:cNvSpPr>
+            <a:spLocks noGrp="1"/>
+          </p:cNvSpPr>
+          <p:nvPr>
+            <p:ph type="sldNum" sz="quarter" idx="10"/>
+          </p:nvPr>
+        </p:nvSpPr>
+        <p:spPr/>
+        <p:txBody>
+          <a:bodyPr/>
+          <a:lstStyle/>
+          <a:p>
+            <a:fld id="{380EEE09-4C39-4D5E-9E9F-B9379C5BD052}" type="slidenum">
+              <a:rPr lang="en-US" smtClean="0"/>
+              <a:t>25</a:t>
+            </a:fld>
+            <a:endParaRPr lang="en-US"/>
+          </a:p>
+        </p:txBody>
+      </p:sp>
+    </p:spTree>
+    <p:extLst>
+      <p:ext uri="{BB962C8B-B14F-4D97-AF65-F5344CB8AC3E}">
+        <p14:creationId xmlns:p14="http://schemas.microsoft.com/office/powerpoint/2010/main" val="3866929040"/>
       </p:ext>
     </p:extLst>
   </p:cSld>
@@ -1509,7 +1670,7 @@
     </p:spTree>
     <p:extLst>
       <p:ext uri="{BB962C8B-B14F-4D97-AF65-F5344CB8AC3E}">
-        <p14:creationId xmlns:p14="http://schemas.microsoft.com/office/powerpoint/2010/main" val="3866929040"/>
+        <p14:creationId xmlns:p14="http://schemas.microsoft.com/office/powerpoint/2010/main" val="3289367928"/>
       </p:ext>
     </p:extLst>
   </p:cSld>
@@ -1563,6 +1724,23 @@
           <a:bodyPr/>
           <a:lstStyle/>
           <a:p>
+            <a:r>
+              <a:rPr lang="en-US" dirty="0" smtClean="0"/>
+              <a:t>Review</a:t>
+            </a:r>
+            <a:r>
+              <a:rPr lang="en-US" baseline="0" dirty="0" smtClean="0"/>
+              <a:t> why these two objectives are especially important in the pre-conceptual design phase planning of a Mars campaign</a:t>
+            </a:r>
+          </a:p>
+          <a:p>
+            <a:endParaRPr lang="en-US" baseline="0" dirty="0" smtClean="0"/>
+          </a:p>
+          <a:p>
+            <a:r>
+              <a:rPr lang="en-US" baseline="0" dirty="0" smtClean="0"/>
+              <a:t>Introduce the two technologies we are considering, advanced propulsion and ISRU. Cite Sydney’s thesis as a reason that we are focusing on ISRU instead of recycling techs</a:t>
+            </a:r>
             <a:endParaRPr lang="en-US" dirty="0"/>
           </a:p>
         </p:txBody>
@@ -1584,7 +1762,7 @@
           <a:p>
             <a:fld id="{380EEE09-4C39-4D5E-9E9F-B9379C5BD052}" type="slidenum">
               <a:rPr lang="en-US" smtClean="0"/>
-              <a:t>6</a:t>
+              <a:t>8</a:t>
             </a:fld>
             <a:endParaRPr lang="en-US"/>
           </a:p>
@@ -1593,7 +1771,7 @@
     </p:spTree>
     <p:extLst>
       <p:ext uri="{BB962C8B-B14F-4D97-AF65-F5344CB8AC3E}">
-        <p14:creationId xmlns:p14="http://schemas.microsoft.com/office/powerpoint/2010/main" val="3289367928"/>
+        <p14:creationId xmlns:p14="http://schemas.microsoft.com/office/powerpoint/2010/main" val="1644101862"/>
       </p:ext>
     </p:extLst>
   </p:cSld>
@@ -1649,20 +1827,11 @@
           <a:p>
             <a:r>
               <a:rPr lang="en-US" dirty="0" smtClean="0"/>
-              <a:t>Review</a:t>
+              <a:t>Talk about how advanced ISRU was found to be a non-started in our analysis since</a:t>
             </a:r>
             <a:r>
               <a:rPr lang="en-US" baseline="0" dirty="0" smtClean="0"/>
-              <a:t> why these two objectives are especially important in the pre-conceptual design phase planning of a Mars campaign</a:t>
-            </a:r>
-          </a:p>
-          <a:p>
-            <a:endParaRPr lang="en-US" baseline="0" dirty="0" smtClean="0"/>
-          </a:p>
-          <a:p>
-            <a:r>
-              <a:rPr lang="en-US" baseline="0" dirty="0" smtClean="0"/>
-              <a:t>Introduce the two technologies we are considering, advanced propulsion and ISRU. Cite Sydney’s thesis as a reason that we are focusing on ISRU instead of recycling techs</a:t>
+              <a:t> the time savings of more efficiency ISRU are not accounted for in our model. But, we do find that full lunar and full mars ISRU make the most efficient missions, so we need to develop that baseline technology</a:t>
             </a:r>
             <a:endParaRPr lang="en-US" dirty="0"/>
           </a:p>
@@ -1685,7 +1854,7 @@
           <a:p>
             <a:fld id="{380EEE09-4C39-4D5E-9E9F-B9379C5BD052}" type="slidenum">
               <a:rPr lang="en-US" smtClean="0"/>
-              <a:t>9</a:t>
+              <a:t>11</a:t>
             </a:fld>
             <a:endParaRPr lang="en-US"/>
           </a:p>
@@ -1694,7 +1863,7 @@
     </p:spTree>
     <p:extLst>
       <p:ext uri="{BB962C8B-B14F-4D97-AF65-F5344CB8AC3E}">
-        <p14:creationId xmlns:p14="http://schemas.microsoft.com/office/powerpoint/2010/main" val="1644101862"/>
+        <p14:creationId xmlns:p14="http://schemas.microsoft.com/office/powerpoint/2010/main" val="3025686848"/>
       </p:ext>
     </p:extLst>
   </p:cSld>
@@ -1750,11 +1919,15 @@
           <a:p>
             <a:r>
               <a:rPr lang="en-US" dirty="0" smtClean="0"/>
-              <a:t>Talk about how advanced ISRU was found to be a non-started in our analysis since</a:t>
-            </a:r>
-            <a:r>
-              <a:rPr lang="en-US" baseline="0" dirty="0" smtClean="0"/>
-              <a:t> the time savings of more efficiency ISRU are not accounted for in our model. But, we do find that full lunar and full mars ISRU make the most efficient missions, so we need to develop that baseline technology</a:t>
+              <a:t>Talk about limitation of </a:t>
+            </a:r>
+            <a:r>
+              <a:rPr lang="en-US" dirty="0" err="1" smtClean="0"/>
+              <a:t>amoritization</a:t>
+            </a:r>
+            <a:r>
+              <a:rPr lang="en-US" dirty="0" smtClean="0"/>
+              <a:t> of development cost over multiple mission campaign</a:t>
             </a:r>
             <a:endParaRPr lang="en-US" dirty="0"/>
           </a:p>
@@ -1786,7 +1959,7 @@
     </p:spTree>
     <p:extLst>
       <p:ext uri="{BB962C8B-B14F-4D97-AF65-F5344CB8AC3E}">
-        <p14:creationId xmlns:p14="http://schemas.microsoft.com/office/powerpoint/2010/main" val="3025686848"/>
+        <p14:creationId xmlns:p14="http://schemas.microsoft.com/office/powerpoint/2010/main" val="3145731058"/>
       </p:ext>
     </p:extLst>
   </p:cSld>
@@ -1887,7 +2060,7 @@
           <a:p>
             <a:fld id="{380EEE09-4C39-4D5E-9E9F-B9379C5BD052}" type="slidenum">
               <a:rPr lang="en-US" smtClean="0"/>
-              <a:t>15</a:t>
+              <a:t>14</a:t>
             </a:fld>
             <a:endParaRPr lang="en-US"/>
           </a:p>
@@ -6630,9 +6803,10 @@
               <a:rPr lang="en-US" dirty="0"/>
             </a:br>
             <a:r>
-              <a:rPr lang="en-US" dirty="0"/>
-              <a:t>Multidisciplinary Expansions</a:t>
-            </a:r>
+              <a:rPr lang="en-US" dirty="0" smtClean="0"/>
+              <a:t>Science Utility Module</a:t>
+            </a:r>
+            <a:endParaRPr lang="en-US" dirty="0"/>
           </a:p>
         </p:txBody>
       </p:sp>
@@ -6677,691 +6851,6 @@
           </a:p>
         </p:txBody>
       </p:sp>
-      <p:pic>
-        <p:nvPicPr>
-          <p:cNvPr id="4" name="Picture 2" descr="https://lh5.googleusercontent.com/vmoWZSPo023tdwkjIegTWlae3rZUg6xADkfSoLjAPFhqGu3n3tZ-vuoCniTJ6y14tUWa43U55P8Br9htsihiVfOrPYK2BHnrxLsUknOi0WHBdceciNuO-AA3YGTMTPAK0Lgco_11kw"/>
-          <p:cNvPicPr>
-            <a:picLocks noChangeAspect="1" noChangeArrowheads="1"/>
-          </p:cNvPicPr>
-          <p:nvPr/>
-        </p:nvPicPr>
-        <p:blipFill>
-          <a:blip r:embed="rId2">
-            <a:extLst>
-              <a:ext uri="{28A0092B-C50C-407E-A947-70E740481C1C}">
-                <a14:useLocalDpi xmlns:a14="http://schemas.microsoft.com/office/drawing/2010/main"/>
-              </a:ext>
-            </a:extLst>
-          </a:blip>
-          <a:srcRect/>
-          <a:stretch>
-            <a:fillRect/>
-          </a:stretch>
-        </p:blipFill>
-        <p:spPr bwMode="auto">
-          <a:xfrm>
-            <a:off x="558946" y="1371600"/>
-            <a:ext cx="8127854" cy="4800600"/>
-          </a:xfrm>
-          <a:prstGeom prst="rect">
-            <a:avLst/>
-          </a:prstGeom>
-          <a:noFill/>
-          <a:extLst>
-            <a:ext uri="{909E8E84-426E-40DD-AFC4-6F175D3DCCD1}">
-              <a14:hiddenFill xmlns:a14="http://schemas.microsoft.com/office/drawing/2010/main">
-                <a:solidFill>
-                  <a:srgbClr val="FFFFFF"/>
-                </a:solidFill>
-              </a14:hiddenFill>
-            </a:ext>
-          </a:extLst>
-        </p:spPr>
-      </p:pic>
-      <p:sp>
-        <p:nvSpPr>
-          <p:cNvPr id="5" name="Rounded Rectangle 4"/>
-          <p:cNvSpPr/>
-          <p:nvPr/>
-        </p:nvSpPr>
-        <p:spPr>
-          <a:xfrm>
-            <a:off x="3064383" y="5920740"/>
-            <a:ext cx="978408" cy="502920"/>
-          </a:xfrm>
-          <a:prstGeom prst="roundRect">
-            <a:avLst/>
-          </a:prstGeom>
-          <a:noFill/>
-          <a:ln>
-            <a:solidFill>
-              <a:srgbClr val="00B0F0"/>
-            </a:solidFill>
-          </a:ln>
-        </p:spPr>
-        <p:style>
-          <a:lnRef idx="2">
-            <a:schemeClr val="accent1">
-              <a:shade val="50000"/>
-            </a:schemeClr>
-          </a:lnRef>
-          <a:fillRef idx="1">
-            <a:schemeClr val="accent1"/>
-          </a:fillRef>
-          <a:effectRef idx="0">
-            <a:schemeClr val="accent1"/>
-          </a:effectRef>
-          <a:fontRef idx="minor">
-            <a:schemeClr val="lt1"/>
-          </a:fontRef>
-        </p:style>
-        <p:txBody>
-          <a:bodyPr rtlCol="0" anchor="ctr"/>
-          <a:lstStyle/>
-          <a:p>
-            <a:pPr algn="ctr"/>
-            <a:r>
-              <a:rPr lang="en-US" sz="1200" dirty="0" smtClean="0">
-                <a:solidFill>
-                  <a:schemeClr val="tx1"/>
-                </a:solidFill>
-              </a:rPr>
-              <a:t>IMLEO Costs</a:t>
-            </a:r>
-            <a:endParaRPr lang="en-US" sz="1200" dirty="0">
-              <a:solidFill>
-                <a:schemeClr val="tx1"/>
-              </a:solidFill>
-            </a:endParaRPr>
-          </a:p>
-        </p:txBody>
-      </p:sp>
-      <p:sp>
-        <p:nvSpPr>
-          <p:cNvPr id="6" name="Rounded Rectangle 5"/>
-          <p:cNvSpPr/>
-          <p:nvPr/>
-        </p:nvSpPr>
-        <p:spPr>
-          <a:xfrm>
-            <a:off x="4343400" y="5920740"/>
-            <a:ext cx="1143000" cy="502920"/>
-          </a:xfrm>
-          <a:prstGeom prst="roundRect">
-            <a:avLst/>
-          </a:prstGeom>
-          <a:noFill/>
-          <a:ln>
-            <a:solidFill>
-              <a:srgbClr val="00B0F0"/>
-            </a:solidFill>
-          </a:ln>
-        </p:spPr>
-        <p:style>
-          <a:lnRef idx="2">
-            <a:schemeClr val="accent1">
-              <a:shade val="50000"/>
-            </a:schemeClr>
-          </a:lnRef>
-          <a:fillRef idx="1">
-            <a:schemeClr val="accent1"/>
-          </a:fillRef>
-          <a:effectRef idx="0">
-            <a:schemeClr val="accent1"/>
-          </a:effectRef>
-          <a:fontRef idx="minor">
-            <a:schemeClr val="lt1"/>
-          </a:fontRef>
-        </p:style>
-        <p:txBody>
-          <a:bodyPr rtlCol="0" anchor="ctr"/>
-          <a:lstStyle/>
-          <a:p>
-            <a:pPr algn="ctr"/>
-            <a:r>
-              <a:rPr lang="en-US" sz="1200" dirty="0" smtClean="0">
-                <a:solidFill>
-                  <a:schemeClr val="tx1"/>
-                </a:solidFill>
-              </a:rPr>
-              <a:t>Technology Development</a:t>
-            </a:r>
-            <a:endParaRPr lang="en-US" sz="1200" dirty="0">
-              <a:solidFill>
-                <a:schemeClr val="tx1"/>
-              </a:solidFill>
-            </a:endParaRPr>
-          </a:p>
-        </p:txBody>
-      </p:sp>
-      <p:cxnSp>
-        <p:nvCxnSpPr>
-          <p:cNvPr id="8" name="Straight Arrow Connector 7"/>
-          <p:cNvCxnSpPr>
-            <a:stCxn id="6" idx="0"/>
-          </p:cNvCxnSpPr>
-          <p:nvPr/>
-        </p:nvCxnSpPr>
-        <p:spPr>
-          <a:xfrm flipV="1">
-            <a:off x="4914900" y="5486400"/>
-            <a:ext cx="1333500" cy="434340"/>
-          </a:xfrm>
-          <a:prstGeom prst="straightConnector1">
-            <a:avLst/>
-          </a:prstGeom>
-          <a:ln>
-            <a:tailEnd type="arrow"/>
-          </a:ln>
-        </p:spPr>
-        <p:style>
-          <a:lnRef idx="1">
-            <a:schemeClr val="accent1"/>
-          </a:lnRef>
-          <a:fillRef idx="0">
-            <a:schemeClr val="accent1"/>
-          </a:fillRef>
-          <a:effectRef idx="0">
-            <a:schemeClr val="accent1"/>
-          </a:effectRef>
-          <a:fontRef idx="minor">
-            <a:schemeClr val="tx1"/>
-          </a:fontRef>
-        </p:style>
-      </p:cxnSp>
-      <p:cxnSp>
-        <p:nvCxnSpPr>
-          <p:cNvPr id="9" name="Straight Arrow Connector 8"/>
-          <p:cNvCxnSpPr/>
-          <p:nvPr/>
-        </p:nvCxnSpPr>
-        <p:spPr>
-          <a:xfrm flipH="1" flipV="1">
-            <a:off x="3657600" y="3657600"/>
-            <a:ext cx="1266826" cy="2263140"/>
-          </a:xfrm>
-          <a:prstGeom prst="straightConnector1">
-            <a:avLst/>
-          </a:prstGeom>
-          <a:ln>
-            <a:tailEnd type="arrow"/>
-          </a:ln>
-        </p:spPr>
-        <p:style>
-          <a:lnRef idx="1">
-            <a:schemeClr val="accent1"/>
-          </a:lnRef>
-          <a:fillRef idx="0">
-            <a:schemeClr val="accent1"/>
-          </a:fillRef>
-          <a:effectRef idx="0">
-            <a:schemeClr val="accent1"/>
-          </a:effectRef>
-          <a:fontRef idx="minor">
-            <a:schemeClr val="tx1"/>
-          </a:fontRef>
-        </p:style>
-      </p:cxnSp>
-      <p:cxnSp>
-        <p:nvCxnSpPr>
-          <p:cNvPr id="19" name="Straight Arrow Connector 18"/>
-          <p:cNvCxnSpPr/>
-          <p:nvPr/>
-        </p:nvCxnSpPr>
-        <p:spPr>
-          <a:xfrm flipV="1">
-            <a:off x="5486400" y="5334000"/>
-            <a:ext cx="2362200" cy="838200"/>
-          </a:xfrm>
-          <a:prstGeom prst="straightConnector1">
-            <a:avLst/>
-          </a:prstGeom>
-          <a:ln>
-            <a:tailEnd type="arrow"/>
-          </a:ln>
-        </p:spPr>
-        <p:style>
-          <a:lnRef idx="1">
-            <a:schemeClr val="accent1"/>
-          </a:lnRef>
-          <a:fillRef idx="0">
-            <a:schemeClr val="accent1"/>
-          </a:fillRef>
-          <a:effectRef idx="0">
-            <a:schemeClr val="accent1"/>
-          </a:effectRef>
-          <a:fontRef idx="minor">
-            <a:schemeClr val="tx1"/>
-          </a:fontRef>
-        </p:style>
-      </p:cxnSp>
-      <p:cxnSp>
-        <p:nvCxnSpPr>
-          <p:cNvPr id="22" name="Straight Arrow Connector 21"/>
-          <p:cNvCxnSpPr>
-            <a:stCxn id="6" idx="3"/>
-          </p:cNvCxnSpPr>
-          <p:nvPr/>
-        </p:nvCxnSpPr>
-        <p:spPr>
-          <a:xfrm flipV="1">
-            <a:off x="5486400" y="3962400"/>
-            <a:ext cx="685800" cy="2209800"/>
-          </a:xfrm>
-          <a:prstGeom prst="straightConnector1">
-            <a:avLst/>
-          </a:prstGeom>
-          <a:ln>
-            <a:tailEnd type="arrow"/>
-          </a:ln>
-        </p:spPr>
-        <p:style>
-          <a:lnRef idx="1">
-            <a:schemeClr val="accent1"/>
-          </a:lnRef>
-          <a:fillRef idx="0">
-            <a:schemeClr val="accent1"/>
-          </a:fillRef>
-          <a:effectRef idx="0">
-            <a:schemeClr val="accent1"/>
-          </a:effectRef>
-          <a:fontRef idx="minor">
-            <a:schemeClr val="tx1"/>
-          </a:fontRef>
-        </p:style>
-      </p:cxnSp>
-      <p:cxnSp>
-        <p:nvCxnSpPr>
-          <p:cNvPr id="25" name="Straight Arrow Connector 24"/>
-          <p:cNvCxnSpPr>
-            <a:stCxn id="6" idx="1"/>
-          </p:cNvCxnSpPr>
-          <p:nvPr/>
-        </p:nvCxnSpPr>
-        <p:spPr>
-          <a:xfrm flipH="1">
-            <a:off x="4042791" y="6172200"/>
-            <a:ext cx="300609" cy="0"/>
-          </a:xfrm>
-          <a:prstGeom prst="straightConnector1">
-            <a:avLst/>
-          </a:prstGeom>
-          <a:ln>
-            <a:tailEnd type="arrow"/>
-          </a:ln>
-        </p:spPr>
-        <p:style>
-          <a:lnRef idx="1">
-            <a:schemeClr val="accent1"/>
-          </a:lnRef>
-          <a:fillRef idx="0">
-            <a:schemeClr val="accent1"/>
-          </a:fillRef>
-          <a:effectRef idx="0">
-            <a:schemeClr val="accent1"/>
-          </a:effectRef>
-          <a:fontRef idx="minor">
-            <a:schemeClr val="tx1"/>
-          </a:fontRef>
-        </p:style>
-      </p:cxnSp>
-      <p:cxnSp>
-        <p:nvCxnSpPr>
-          <p:cNvPr id="32" name="Straight Arrow Connector 31"/>
-          <p:cNvCxnSpPr/>
-          <p:nvPr/>
-        </p:nvCxnSpPr>
-        <p:spPr>
-          <a:xfrm flipH="1">
-            <a:off x="3657600" y="5486400"/>
-            <a:ext cx="2590800" cy="434340"/>
-          </a:xfrm>
-          <a:prstGeom prst="straightConnector1">
-            <a:avLst/>
-          </a:prstGeom>
-          <a:ln>
-            <a:tailEnd type="arrow"/>
-          </a:ln>
-        </p:spPr>
-        <p:style>
-          <a:lnRef idx="1">
-            <a:schemeClr val="accent1"/>
-          </a:lnRef>
-          <a:fillRef idx="0">
-            <a:schemeClr val="accent1"/>
-          </a:fillRef>
-          <a:effectRef idx="0">
-            <a:schemeClr val="accent1"/>
-          </a:effectRef>
-          <a:fontRef idx="minor">
-            <a:schemeClr val="tx1"/>
-          </a:fontRef>
-        </p:style>
-      </p:cxnSp>
-      <p:sp>
-        <p:nvSpPr>
-          <p:cNvPr id="36" name="Rectangle 35"/>
-          <p:cNvSpPr/>
-          <p:nvPr/>
-        </p:nvSpPr>
-        <p:spPr>
-          <a:xfrm>
-            <a:off x="2819400" y="5638800"/>
-            <a:ext cx="2895600" cy="1143000"/>
-          </a:xfrm>
-          <a:prstGeom prst="rect">
-            <a:avLst/>
-          </a:prstGeom>
-          <a:noFill/>
-          <a:ln>
-            <a:solidFill>
-              <a:srgbClr val="C00000"/>
-            </a:solidFill>
-            <a:prstDash val="dash"/>
-          </a:ln>
-        </p:spPr>
-        <p:style>
-          <a:lnRef idx="2">
-            <a:schemeClr val="accent1">
-              <a:shade val="50000"/>
-            </a:schemeClr>
-          </a:lnRef>
-          <a:fillRef idx="1">
-            <a:schemeClr val="accent1"/>
-          </a:fillRef>
-          <a:effectRef idx="0">
-            <a:schemeClr val="accent1"/>
-          </a:effectRef>
-          <a:fontRef idx="minor">
-            <a:schemeClr val="lt1"/>
-          </a:fontRef>
-        </p:style>
-        <p:txBody>
-          <a:bodyPr rtlCol="0" anchor="ctr"/>
-          <a:lstStyle/>
-          <a:p>
-            <a:pPr algn="ctr"/>
-            <a:endParaRPr lang="en-US"/>
-          </a:p>
-        </p:txBody>
-      </p:sp>
-      <p:sp>
-        <p:nvSpPr>
-          <p:cNvPr id="37" name="TextBox 36"/>
-          <p:cNvSpPr txBox="1"/>
-          <p:nvPr/>
-        </p:nvSpPr>
-        <p:spPr>
-          <a:xfrm>
-            <a:off x="3080004" y="6443246"/>
-            <a:ext cx="2422017" cy="338554"/>
-          </a:xfrm>
-          <a:prstGeom prst="rect">
-            <a:avLst/>
-          </a:prstGeom>
-          <a:noFill/>
-        </p:spPr>
-        <p:txBody>
-          <a:bodyPr wrap="square" rtlCol="0">
-            <a:spAutoFit/>
-          </a:bodyPr>
-          <a:lstStyle/>
-          <a:p>
-            <a:pPr algn="ctr"/>
-            <a:r>
-              <a:rPr lang="en-US" sz="1600" dirty="0" smtClean="0">
-                <a:solidFill>
-                  <a:srgbClr val="C00000"/>
-                </a:solidFill>
-              </a:rPr>
-              <a:t>New Modules</a:t>
-            </a:r>
-            <a:endParaRPr lang="en-US" sz="1600" dirty="0">
-              <a:solidFill>
-                <a:srgbClr val="C00000"/>
-              </a:solidFill>
-            </a:endParaRPr>
-          </a:p>
-        </p:txBody>
-      </p:sp>
-      <p:sp>
-        <p:nvSpPr>
-          <p:cNvPr id="15" name="Rectangle 14"/>
-          <p:cNvSpPr/>
-          <p:nvPr/>
-        </p:nvSpPr>
-        <p:spPr>
-          <a:xfrm>
-            <a:off x="7334250" y="4038600"/>
-            <a:ext cx="1447800" cy="876300"/>
-          </a:xfrm>
-          <a:prstGeom prst="rect">
-            <a:avLst/>
-          </a:prstGeom>
-          <a:noFill/>
-          <a:ln>
-            <a:solidFill>
-              <a:srgbClr val="C00000"/>
-            </a:solidFill>
-            <a:prstDash val="dash"/>
-          </a:ln>
-        </p:spPr>
-        <p:style>
-          <a:lnRef idx="2">
-            <a:schemeClr val="accent1">
-              <a:shade val="50000"/>
-            </a:schemeClr>
-          </a:lnRef>
-          <a:fillRef idx="1">
-            <a:schemeClr val="accent1"/>
-          </a:fillRef>
-          <a:effectRef idx="0">
-            <a:schemeClr val="accent1"/>
-          </a:effectRef>
-          <a:fontRef idx="minor">
-            <a:schemeClr val="lt1"/>
-          </a:fontRef>
-        </p:style>
-        <p:txBody>
-          <a:bodyPr rtlCol="0" anchor="ctr"/>
-          <a:lstStyle/>
-          <a:p>
-            <a:pPr algn="ctr"/>
-            <a:endParaRPr lang="en-US"/>
-          </a:p>
-        </p:txBody>
-      </p:sp>
-    </p:spTree>
-    <p:extLst>
-      <p:ext uri="{BB962C8B-B14F-4D97-AF65-F5344CB8AC3E}">
-        <p14:creationId xmlns:p14="http://schemas.microsoft.com/office/powerpoint/2010/main" val="2979194395"/>
-      </p:ext>
-    </p:extLst>
-  </p:cSld>
-  <p:clrMapOvr>
-    <a:masterClrMapping/>
-  </p:clrMapOvr>
-  <p:timing>
-    <p:tnLst>
-      <p:par>
-        <p:cTn id="1" dur="indefinite" restart="never" nodeType="tmRoot">
-          <p:childTnLst>
-            <p:seq concurrent="1" nextAc="seek">
-              <p:cTn id="2" dur="indefinite" nodeType="mainSeq">
-                <p:childTnLst>
-                  <p:par>
-                    <p:cTn id="3" fill="hold">
-                      <p:stCondLst>
-                        <p:cond delay="indefinite"/>
-                        <p:cond evt="onBegin" delay="0">
-                          <p:tn val="2"/>
-                        </p:cond>
-                      </p:stCondLst>
-                      <p:childTnLst>
-                        <p:par>
-                          <p:cTn id="4" fill="hold">
-                            <p:stCondLst>
-                              <p:cond delay="0"/>
-                            </p:stCondLst>
-                            <p:childTnLst>
-                              <p:par>
-                                <p:cTn id="5" presetID="10" presetClass="entr" presetSubtype="0" fill="hold" nodeType="withEffect">
-                                  <p:stCondLst>
-                                    <p:cond delay="0"/>
-                                  </p:stCondLst>
-                                  <p:childTnLst>
-                                    <p:set>
-                                      <p:cBhvr>
-                                        <p:cTn id="6" dur="1" fill="hold">
-                                          <p:stCondLst>
-                                            <p:cond delay="0"/>
-                                          </p:stCondLst>
-                                        </p:cTn>
-                                        <p:tgtEl>
-                                          <p:spTgt spid="4"/>
-                                        </p:tgtEl>
-                                        <p:attrNameLst>
-                                          <p:attrName>style.visibility</p:attrName>
-                                        </p:attrNameLst>
-                                      </p:cBhvr>
-                                      <p:to>
-                                        <p:strVal val="visible"/>
-                                      </p:to>
-                                    </p:set>
-                                    <p:animEffect transition="in" filter="fade">
-                                      <p:cBhvr>
-                                        <p:cTn id="7" dur="500"/>
-                                        <p:tgtEl>
-                                          <p:spTgt spid="4"/>
-                                        </p:tgtEl>
-                                      </p:cBhvr>
-                                    </p:animEffect>
-                                  </p:childTnLst>
-                                </p:cTn>
-                              </p:par>
-                            </p:childTnLst>
-                          </p:cTn>
-                        </p:par>
-                      </p:childTnLst>
-                    </p:cTn>
-                  </p:par>
-                </p:childTnLst>
-              </p:cTn>
-              <p:prevCondLst>
-                <p:cond evt="onPrev" delay="0">
-                  <p:tgtEl>
-                    <p:sldTgt/>
-                  </p:tgtEl>
-                </p:cond>
-              </p:prevCondLst>
-              <p:nextCondLst>
-                <p:cond evt="onNext" delay="0">
-                  <p:tgtEl>
-                    <p:sldTgt/>
-                  </p:tgtEl>
-                </p:cond>
-              </p:nextCondLst>
-            </p:seq>
-          </p:childTnLst>
-        </p:cTn>
-      </p:par>
-    </p:tnLst>
-  </p:timing>
-</p:sld>
-</file>
-
-<file path=ppt/slides/slide11.xml><?xml version="1.0" encoding="utf-8"?>
-<p:sld xmlns:a="http://schemas.openxmlformats.org/drawingml/2006/main" xmlns:r="http://schemas.openxmlformats.org/officeDocument/2006/relationships" xmlns:p="http://schemas.openxmlformats.org/presentationml/2006/main">
-  <p:cSld>
-    <p:spTree>
-      <p:nvGrpSpPr>
-        <p:cNvPr id="1" name=""/>
-        <p:cNvGrpSpPr/>
-        <p:nvPr/>
-      </p:nvGrpSpPr>
-      <p:grpSpPr>
-        <a:xfrm>
-          <a:off x="0" y="0"/>
-          <a:ext cx="0" cy="0"/>
-          <a:chOff x="0" y="0"/>
-          <a:chExt cx="0" cy="0"/>
-        </a:xfrm>
-      </p:grpSpPr>
-      <p:sp>
-        <p:nvSpPr>
-          <p:cNvPr id="2" name="Title 1"/>
-          <p:cNvSpPr>
-            <a:spLocks noGrp="1"/>
-          </p:cNvSpPr>
-          <p:nvPr>
-            <p:ph type="title"/>
-          </p:nvPr>
-        </p:nvSpPr>
-        <p:spPr/>
-        <p:txBody>
-          <a:bodyPr/>
-          <a:lstStyle/>
-          <a:p>
-            <a:r>
-              <a:rPr lang="en-US" dirty="0"/>
-              <a:t>Modeling and Simulation:</a:t>
-            </a:r>
-            <a:br>
-              <a:rPr lang="en-US" dirty="0"/>
-            </a:br>
-            <a:r>
-              <a:rPr lang="en-US" dirty="0" smtClean="0"/>
-              <a:t>Science </a:t>
-            </a:r>
-            <a:r>
-              <a:rPr lang="en-US" dirty="0" smtClean="0"/>
-              <a:t>Utility Module</a:t>
-            </a:r>
-            <a:endParaRPr lang="en-US" dirty="0"/>
-          </a:p>
-        </p:txBody>
-      </p:sp>
-      <p:sp>
-        <p:nvSpPr>
-          <p:cNvPr id="3" name="Slide Number Placeholder 2"/>
-          <p:cNvSpPr>
-            <a:spLocks noGrp="1"/>
-          </p:cNvSpPr>
-          <p:nvPr>
-            <p:ph type="sldNum" sz="quarter" idx="12"/>
-          </p:nvPr>
-        </p:nvSpPr>
-        <p:spPr/>
-        <p:txBody>
-          <a:bodyPr/>
-          <a:lstStyle/>
-          <a:p>
-            <a:pPr>
-              <a:defRPr/>
-            </a:pPr>
-            <a:fld id="{6E3317FF-6423-48BB-8CF6-A5183FB2D75B}" type="slidenum">
-              <a:rPr lang="en-US" smtClean="0">
-                <a:solidFill>
-                  <a:prstClr val="black">
-                    <a:tint val="75000"/>
-                  </a:prstClr>
-                </a:solidFill>
-              </a:rPr>
-              <a:pPr>
-                <a:defRPr/>
-              </a:pPr>
-              <a:t>11</a:t>
-            </a:fld>
-            <a:endParaRPr lang="en-US">
-              <a:solidFill>
-                <a:prstClr val="black">
-                  <a:tint val="75000"/>
-                </a:prstClr>
-              </a:solidFill>
-            </a:endParaRPr>
-          </a:p>
-        </p:txBody>
-      </p:sp>
       <mc:AlternateContent xmlns:mc="http://schemas.openxmlformats.org/markup-compatibility/2006" xmlns:a14="http://schemas.microsoft.com/office/drawing/2010/main">
         <mc:Choice Requires="a14">
           <p:sp>
@@ -7372,8 +6861,8 @@
             </p:nvSpPr>
             <p:spPr>
               <a:xfrm>
-                <a:off x="3295650" y="3905071"/>
-                <a:ext cx="1694182" cy="430887"/>
+                <a:off x="3429000" y="3886200"/>
+                <a:ext cx="2676245" cy="430887"/>
               </a:xfrm>
               <a:prstGeom prst="rect">
                 <a:avLst/>
@@ -7405,31 +6894,73 @@
                         </a:rPr>
                         <m:t>=</m:t>
                       </m:r>
-                      <m:sSub>
-                        <m:sSubPr>
+                      <m:d>
+                        <m:dPr>
                           <m:ctrlPr>
                             <a:rPr lang="en-US" sz="2800" b="0" i="1" smtClean="0">
-                              <a:latin typeface="Cambria Math" panose="02040503050406030204" pitchFamily="18" charset="0"/>
+                              <a:latin typeface="Cambria Math"/>
                             </a:rPr>
                           </m:ctrlPr>
-                        </m:sSubPr>
+                        </m:dPr>
                         <m:e>
+                          <m:sSub>
+                            <m:sSubPr>
+                              <m:ctrlPr>
+                                <a:rPr lang="en-US" sz="2800" b="0" i="1" smtClean="0">
+                                  <a:latin typeface="Cambria Math"/>
+                                </a:rPr>
+                              </m:ctrlPr>
+                            </m:sSubPr>
+                            <m:e>
+                              <m:r>
+                                <a:rPr lang="en-US" sz="2800" b="0" i="1" smtClean="0">
+                                  <a:latin typeface="Cambria Math" panose="02040503050406030204" pitchFamily="18" charset="0"/>
+                                </a:rPr>
+                                <m:t>𝐵</m:t>
+                              </m:r>
+                            </m:e>
+                            <m:sub>
+                              <m:r>
+                                <a:rPr lang="en-US" sz="2800" b="0" i="1" smtClean="0">
+                                  <a:latin typeface="Cambria Math" panose="02040503050406030204" pitchFamily="18" charset="0"/>
+                                </a:rPr>
+                                <m:t>𝑖</m:t>
+                              </m:r>
+                            </m:sub>
+                          </m:sSub>
                           <m:r>
                             <a:rPr lang="en-US" sz="2800" b="0" i="1" smtClean="0">
                               <a:latin typeface="Cambria Math" panose="02040503050406030204" pitchFamily="18" charset="0"/>
                             </a:rPr>
-                            <m:t>𝑊</m:t>
+                            <m:t>+</m:t>
                           </m:r>
+                          <m:sSub>
+                            <m:sSubPr>
+                              <m:ctrlPr>
+                                <a:rPr lang="en-US" sz="2800" i="1">
+                                  <a:latin typeface="Cambria Math"/>
+                                </a:rPr>
+                              </m:ctrlPr>
+                            </m:sSubPr>
+                            <m:e>
+                              <m:r>
+                                <a:rPr lang="en-US" sz="2800" b="0" i="1" smtClean="0">
+                                  <a:latin typeface="Cambria Math" panose="02040503050406030204" pitchFamily="18" charset="0"/>
+                                </a:rPr>
+                                <m:t>𝐺</m:t>
+                              </m:r>
+                            </m:e>
+                            <m:sub>
+                              <m:r>
+                                <a:rPr lang="en-US" sz="2800" i="1">
+                                  <a:latin typeface="Cambria Math" panose="02040503050406030204" pitchFamily="18" charset="0"/>
+                                </a:rPr>
+                                <m:t>𝑖</m:t>
+                              </m:r>
+                            </m:sub>
+                          </m:sSub>
                         </m:e>
-                        <m:sub>
-                          <m:r>
-                            <a:rPr lang="en-US" sz="2800" b="0" i="1" smtClean="0">
-                              <a:latin typeface="Cambria Math" panose="02040503050406030204" pitchFamily="18" charset="0"/>
-                            </a:rPr>
-                            <m:t>𝑖</m:t>
-                          </m:r>
-                        </m:sub>
-                      </m:sSub>
+                      </m:d>
                       <m:r>
                         <a:rPr lang="en-US" sz="2800" b="0" i="1" smtClean="0">
                           <a:latin typeface="Cambria Math" panose="02040503050406030204" pitchFamily="18" charset="0"/>
@@ -7473,8 +7004,8 @@
             </p:nvSpPr>
             <p:spPr>
               <a:xfrm>
-                <a:off x="3295650" y="3905071"/>
-                <a:ext cx="1694182" cy="430887"/>
+                <a:off x="3429000" y="3886200"/>
+                <a:ext cx="2676245" cy="430887"/>
               </a:xfrm>
               <a:prstGeom prst="rect">
                 <a:avLst/>
@@ -7510,7 +7041,7 @@
         <p:spPr>
           <a:xfrm>
             <a:off x="2819400" y="4895671"/>
-            <a:ext cx="4953000" cy="1200329"/>
+            <a:ext cx="5791200" cy="1477328"/>
           </a:xfrm>
           <a:prstGeom prst="rect">
             <a:avLst/>
@@ -7529,18 +7060,13 @@
             </a:r>
             <a:r>
               <a:rPr lang="en-US" dirty="0" smtClean="0"/>
-              <a:t>    = science </a:t>
-            </a:r>
+              <a:t>    = science utility (interest-crew-hours)</a:t>
+            </a:r>
+          </a:p>
+          <a:p>
             <a:r>
               <a:rPr lang="en-US" dirty="0" smtClean="0"/>
-              <a:t>utility (interest-crew-hours)</a:t>
-            </a:r>
-            <a:endParaRPr lang="en-US" dirty="0" smtClean="0"/>
-          </a:p>
-          <a:p>
-            <a:r>
-              <a:rPr lang="en-US" dirty="0" smtClean="0"/>
-              <a:t>W</a:t>
+              <a:t>B</a:t>
             </a:r>
             <a:r>
               <a:rPr lang="en-US" baseline="-25000" dirty="0" smtClean="0"/>
@@ -7548,35 +7074,50 @@
             </a:r>
             <a:r>
               <a:rPr lang="en-US" dirty="0" smtClean="0"/>
-              <a:t>  = site science </a:t>
+              <a:t>  </a:t>
+            </a:r>
+            <a:r>
+              <a:rPr lang="en-US" dirty="0"/>
+              <a:t>= site </a:t>
             </a:r>
             <a:r>
               <a:rPr lang="en-US" dirty="0" smtClean="0"/>
-              <a:t>interest (interest)</a:t>
-            </a:r>
-            <a:endParaRPr lang="en-US" dirty="0" smtClean="0"/>
-          </a:p>
-          <a:p>
+              <a:t>biological </a:t>
+            </a:r>
+            <a:r>
+              <a:rPr lang="en-US" dirty="0"/>
+              <a:t>science interest (interest</a:t>
+            </a:r>
             <a:r>
               <a:rPr lang="en-US" dirty="0" smtClean="0"/>
-              <a:t>P    = surface </a:t>
+              <a:t>)</a:t>
+            </a:r>
+          </a:p>
+          <a:p>
+            <a:r>
+              <a:rPr lang="en-US" dirty="0" err="1"/>
+              <a:t>G</a:t>
+            </a:r>
+            <a:r>
+              <a:rPr lang="en-US" baseline="-25000" dirty="0" err="1" smtClean="0"/>
+              <a:t>i</a:t>
             </a:r>
             <a:r>
               <a:rPr lang="en-US" dirty="0" smtClean="0"/>
-              <a:t>population (# crew)</a:t>
-            </a:r>
-            <a:endParaRPr lang="en-US" dirty="0" smtClean="0"/>
+              <a:t>  = site geological science interest (interest)</a:t>
+            </a:r>
           </a:p>
           <a:p>
             <a:r>
               <a:rPr lang="en-US" dirty="0" smtClean="0"/>
-              <a:t>t     = time available for science </a:t>
-            </a:r>
+              <a:t>P   = surface population (# people)</a:t>
+            </a:r>
+          </a:p>
+          <a:p>
             <a:r>
               <a:rPr lang="en-US" dirty="0" smtClean="0"/>
-              <a:t>activities (hours)</a:t>
-            </a:r>
-            <a:endParaRPr lang="en-US" dirty="0" smtClean="0"/>
+              <a:t>t     = time available for science activities (hours per person)</a:t>
+            </a:r>
           </a:p>
         </p:txBody>
       </p:sp>
@@ -7589,7 +7130,7 @@
         <p:spPr>
           <a:xfrm>
             <a:off x="676275" y="1066442"/>
-            <a:ext cx="8458200" cy="1200329"/>
+            <a:ext cx="8458200" cy="2308324"/>
           </a:xfrm>
           <a:prstGeom prst="rect">
             <a:avLst/>
@@ -7606,8 +7147,8 @@
               <a:buChar char="•"/>
             </a:pPr>
             <a:r>
-              <a:rPr lang="en-US" sz="2400" dirty="0"/>
-              <a:t>Investment in advanced technologies may be traded with:</a:t>
+              <a:rPr lang="en-US" sz="2400" dirty="0" smtClean="0"/>
+              <a:t>Inputs</a:t>
             </a:r>
           </a:p>
           <a:p>
@@ -7616,8 +7157,18 @@
               <a:buChar char="•"/>
             </a:pPr>
             <a:r>
-              <a:rPr lang="en-US" sz="2400" dirty="0"/>
-              <a:t>Reductions with campaign operational costs </a:t>
+              <a:rPr lang="en-US" sz="2400" dirty="0" smtClean="0"/>
+              <a:t>Output location’s scientific interest</a:t>
+            </a:r>
+          </a:p>
+          <a:p>
+            <a:pPr marL="1257300" lvl="2" indent="-342900">
+              <a:buFont typeface="Arial" panose="020B0604020202020204" pitchFamily="34" charset="0"/>
+              <a:buChar char="•"/>
+            </a:pPr>
+            <a:r>
+              <a:rPr lang="en-US" sz="2400" dirty="0" smtClean="0"/>
+              <a:t>Geological, Biological</a:t>
             </a:r>
           </a:p>
           <a:p>
@@ -7626,8 +7177,36 @@
               <a:buChar char="•"/>
             </a:pPr>
             <a:r>
-              <a:rPr lang="en-US" sz="2400" dirty="0"/>
-              <a:t>Enhancement in mission value (or perhaps safety)</a:t>
+              <a:rPr lang="en-US" sz="2400" dirty="0" smtClean="0"/>
+              <a:t>Amount of time on surface available for science tasks</a:t>
+            </a:r>
+          </a:p>
+          <a:p>
+            <a:pPr marL="1257300" lvl="2" indent="-342900">
+              <a:buFont typeface="Arial" panose="020B0604020202020204" pitchFamily="34" charset="0"/>
+              <a:buChar char="•"/>
+            </a:pPr>
+            <a:r>
+              <a:rPr lang="en-US" sz="2400" dirty="0" smtClean="0"/>
+              <a:t>Entry time (</a:t>
+            </a:r>
+            <a:r>
+              <a:rPr lang="en-US" sz="2400" dirty="0" err="1" smtClean="0"/>
+              <a:t>aerocapture</a:t>
+            </a:r>
+            <a:r>
+              <a:rPr lang="en-US" sz="2400" dirty="0" smtClean="0"/>
+              <a:t> vs. propulsive landing)</a:t>
+            </a:r>
+          </a:p>
+          <a:p>
+            <a:pPr marL="1257300" lvl="2" indent="-342900">
+              <a:buFont typeface="Arial" panose="020B0604020202020204" pitchFamily="34" charset="0"/>
+              <a:buChar char="•"/>
+            </a:pPr>
+            <a:r>
+              <a:rPr lang="en-US" sz="2400" dirty="0" smtClean="0"/>
+              <a:t>Crop tending time (biomass production vs. Earth-based)</a:t>
             </a:r>
           </a:p>
         </p:txBody>
@@ -7652,7 +7231,7 @@
 </p:sld>
 </file>
 
-<file path=ppt/slides/slide12.xml><?xml version="1.0" encoding="utf-8"?>
+<file path=ppt/slides/slide11.xml><?xml version="1.0" encoding="utf-8"?>
 <p:sld xmlns:a="http://schemas.openxmlformats.org/drawingml/2006/main" xmlns:r="http://schemas.openxmlformats.org/officeDocument/2006/relationships" xmlns:p="http://schemas.openxmlformats.org/presentationml/2006/main">
   <p:cSld>
     <p:spTree>
@@ -7728,7 +7307,7 @@
               <a:pPr>
                 <a:defRPr/>
               </a:pPr>
-              <a:t>12</a:t>
+              <a:t>11</a:t>
             </a:fld>
             <a:endParaRPr lang="en-US">
               <a:solidFill>
@@ -7812,7 +7391,7 @@
         <p:spPr>
           <a:xfrm>
             <a:off x="457200" y="1066800"/>
-            <a:ext cx="8382000" cy="5262979"/>
+            <a:ext cx="8382000" cy="4154984"/>
           </a:xfrm>
           <a:prstGeom prst="rect">
             <a:avLst/>
@@ -7918,46 +7497,8 @@
             </a:r>
           </a:p>
           <a:p>
-            <a:pPr marL="800100" lvl="1" indent="-342900">
-              <a:buFont typeface="Arial" panose="020B0604020202020204" pitchFamily="34" charset="0"/>
-              <a:buChar char="•"/>
-            </a:pPr>
+            <a:pPr lvl="1"/>
             <a:endParaRPr lang="en-US" sz="2400" dirty="0" smtClean="0"/>
-          </a:p>
-          <a:p>
-            <a:pPr marL="342900" indent="-342900">
-              <a:buFont typeface="Arial" panose="020B0604020202020204" pitchFamily="34" charset="0"/>
-              <a:buChar char="•"/>
-            </a:pPr>
-            <a:r>
-              <a:rPr lang="en-US" sz="2400" u="sng" strike="sngStrike" dirty="0" smtClean="0"/>
-              <a:t>Advanced ISRU</a:t>
-            </a:r>
-            <a:r>
-              <a:rPr lang="en-US" sz="2400" strike="sngStrike" dirty="0" smtClean="0"/>
-              <a:t> will:</a:t>
-            </a:r>
-          </a:p>
-          <a:p>
-            <a:pPr marL="800100" lvl="1" indent="-342900">
-              <a:buFont typeface="Arial" panose="020B0604020202020204" pitchFamily="34" charset="0"/>
-              <a:buChar char="•"/>
-            </a:pPr>
-            <a:r>
-              <a:rPr lang="en-US" sz="2400" strike="sngStrike" dirty="0" smtClean="0"/>
-              <a:t>Reduce emplaced mission mass</a:t>
-            </a:r>
-          </a:p>
-          <a:p>
-            <a:pPr marL="800100" lvl="1" indent="-342900">
-              <a:buFont typeface="Arial" panose="020B0604020202020204" pitchFamily="34" charset="0"/>
-              <a:buChar char="•"/>
-            </a:pPr>
-            <a:r>
-              <a:rPr lang="en-US" sz="2400" strike="sngStrike" dirty="0" smtClean="0"/>
-              <a:t>Reduce resupply mission sparing mass</a:t>
-            </a:r>
-            <a:endParaRPr lang="en-US" sz="2400" strike="sngStrike" dirty="0"/>
           </a:p>
         </p:txBody>
       </p:sp>
@@ -7981,7 +7522,7 @@
 </p:sld>
 </file>
 
-<file path=ppt/slides/slide13.xml><?xml version="1.0" encoding="utf-8"?>
+<file path=ppt/slides/slide12.xml><?xml version="1.0" encoding="utf-8"?>
 <p:sld xmlns:a="http://schemas.openxmlformats.org/drawingml/2006/main" xmlns:r="http://schemas.openxmlformats.org/officeDocument/2006/relationships" xmlns:p="http://schemas.openxmlformats.org/presentationml/2006/main">
   <p:cSld>
     <p:spTree>
@@ -8116,7 +7657,7 @@
               <a:pPr>
                 <a:defRPr/>
               </a:pPr>
-              <a:t>13</a:t>
+              <a:t>12</a:t>
             </a:fld>
             <a:endParaRPr lang="en-US">
               <a:solidFill>
@@ -8213,12 +7754,12 @@
           <a:graphicData uri="http://schemas.openxmlformats.org/presentationml/2006/ole">
             <mc:AlternateContent xmlns:mc="http://schemas.openxmlformats.org/markup-compatibility/2006">
               <mc:Choice xmlns:v="urn:schemas-microsoft-com:vml" Requires="v">
-                <p:oleObj spid="_x0000_s8233" name="Equation" r:id="rId3" imgW="2145960" imgH="228600" progId="Equation.3">
+                <p:oleObj spid="_x0000_s8252" name="Equation" r:id="rId4" imgW="2145960" imgH="228600" progId="Equation.3">
                   <p:embed/>
                 </p:oleObj>
               </mc:Choice>
               <mc:Fallback>
-                <p:oleObj name="Equation" r:id="rId3" imgW="2145960" imgH="228600" progId="Equation.3">
+                <p:oleObj name="Equation" r:id="rId4" imgW="2145960" imgH="228600" progId="Equation.3">
                   <p:embed/>
                   <p:pic>
                     <p:nvPicPr>
@@ -8229,7 +7770,7 @@
                       <p:nvPr/>
                     </p:nvPicPr>
                     <p:blipFill>
-                      <a:blip r:embed="rId4"/>
+                      <a:blip r:embed="rId5"/>
                       <a:srcRect/>
                       <a:stretch>
                         <a:fillRect/>
@@ -8317,54 +7858,6 @@
           </a:p>
         </p:txBody>
       </p:sp>
-      <p:sp>
-        <p:nvSpPr>
-          <p:cNvPr id="5" name="TextBox 4"/>
-          <p:cNvSpPr txBox="1"/>
-          <p:nvPr/>
-        </p:nvSpPr>
-        <p:spPr>
-          <a:xfrm>
-            <a:off x="457200" y="4108401"/>
-            <a:ext cx="2727221" cy="646331"/>
-          </a:xfrm>
-          <a:prstGeom prst="rect">
-            <a:avLst/>
-          </a:prstGeom>
-          <a:noFill/>
-        </p:spPr>
-        <p:txBody>
-          <a:bodyPr wrap="none" rtlCol="0">
-            <a:spAutoFit/>
-          </a:bodyPr>
-          <a:lstStyle/>
-          <a:p>
-            <a:r>
-              <a:rPr lang="en-US" b="1" dirty="0" smtClean="0">
-                <a:solidFill>
-                  <a:srgbClr val="FF0000"/>
-                </a:solidFill>
-              </a:rPr>
-              <a:t>Discounting?</a:t>
-            </a:r>
-          </a:p>
-          <a:p>
-            <a:r>
-              <a:rPr lang="en-US" b="1" dirty="0" smtClean="0">
-                <a:solidFill>
-                  <a:srgbClr val="FF0000"/>
-                </a:solidFill>
-              </a:rPr>
-              <a:t>How many missions? (10?)</a:t>
-            </a:r>
-            <a:endParaRPr lang="en-US" b="1" dirty="0">
-              <a:solidFill>
-                <a:srgbClr val="FF0000"/>
-              </a:solidFill>
-            </a:endParaRPr>
-          </a:p>
-        </p:txBody>
-      </p:sp>
     </p:spTree>
     <p:extLst>
       <p:ext uri="{BB962C8B-B14F-4D97-AF65-F5344CB8AC3E}">
@@ -8385,7 +7878,7 @@
 </p:sld>
 </file>
 
-<file path=ppt/slides/slide14.xml><?xml version="1.0" encoding="utf-8"?>
+<file path=ppt/slides/slide13.xml><?xml version="1.0" encoding="utf-8"?>
 <p:sld xmlns:a="http://schemas.openxmlformats.org/drawingml/2006/main" xmlns:r="http://schemas.openxmlformats.org/officeDocument/2006/relationships" xmlns:p="http://schemas.openxmlformats.org/presentationml/2006/main">
   <p:cSld>
     <p:spTree>
@@ -8461,7 +7954,7 @@
               <a:pPr>
                 <a:defRPr/>
               </a:pPr>
-              <a:t>14</a:t>
+              <a:t>13</a:t>
             </a:fld>
             <a:endParaRPr lang="en-US">
               <a:solidFill>
@@ -8809,7 +8302,7 @@
 </p:sld>
 </file>
 
-<file path=ppt/slides/slide15.xml><?xml version="1.0" encoding="utf-8"?>
+<file path=ppt/slides/slide14.xml><?xml version="1.0" encoding="utf-8"?>
 <p:sld xmlns:a="http://schemas.openxmlformats.org/drawingml/2006/main" xmlns:r="http://schemas.openxmlformats.org/officeDocument/2006/relationships" xmlns:p="http://schemas.openxmlformats.org/presentationml/2006/main">
   <p:cSld>
     <p:spTree>
@@ -8919,7 +8412,7 @@
               <a:pPr>
                 <a:defRPr/>
               </a:pPr>
-              <a:t>15</a:t>
+              <a:t>14</a:t>
             </a:fld>
             <a:endParaRPr lang="en-US" dirty="0">
               <a:solidFill>
@@ -9356,7 +8849,7 @@
 </p:sld>
 </file>
 
-<file path=ppt/slides/slide16.xml><?xml version="1.0" encoding="utf-8"?>
+<file path=ppt/slides/slide15.xml><?xml version="1.0" encoding="utf-8"?>
 <p:sld xmlns:a="http://schemas.openxmlformats.org/drawingml/2006/main" xmlns:r="http://schemas.openxmlformats.org/officeDocument/2006/relationships" xmlns:p="http://schemas.openxmlformats.org/presentationml/2006/main">
   <p:cSld>
     <p:spTree>
@@ -9437,7 +8930,7 @@
               <a:pPr>
                 <a:defRPr/>
               </a:pPr>
-              <a:t>16</a:t>
+              <a:t>15</a:t>
             </a:fld>
             <a:endParaRPr lang="en-US" dirty="0">
               <a:solidFill>
@@ -10848,7 +10341,7 @@
 </p:sld>
 </file>
 
-<file path=ppt/slides/slide17.xml><?xml version="1.0" encoding="utf-8"?>
+<file path=ppt/slides/slide16.xml><?xml version="1.0" encoding="utf-8"?>
 <p:sld xmlns:a="http://schemas.openxmlformats.org/drawingml/2006/main" xmlns:r="http://schemas.openxmlformats.org/officeDocument/2006/relationships" xmlns:p="http://schemas.openxmlformats.org/presentationml/2006/main">
   <p:cSld>
     <p:spTree>
@@ -10929,7 +10422,7 @@
               <a:pPr>
                 <a:defRPr/>
               </a:pPr>
-              <a:t>17</a:t>
+              <a:t>16</a:t>
             </a:fld>
             <a:endParaRPr lang="en-US" dirty="0">
               <a:solidFill>
@@ -11050,6 +10543,255 @@
     <p:extLst>
       <p:ext uri="{BB962C8B-B14F-4D97-AF65-F5344CB8AC3E}">
         <p14:creationId xmlns:p14="http://schemas.microsoft.com/office/powerpoint/2010/main" val="3529249482"/>
+      </p:ext>
+    </p:extLst>
+  </p:cSld>
+  <p:clrMapOvr>
+    <a:masterClrMapping/>
+  </p:clrMapOvr>
+  <p:timing>
+    <p:tnLst>
+      <p:par>
+        <p:cTn id="1" dur="indefinite" restart="never" nodeType="tmRoot"/>
+      </p:par>
+    </p:tnLst>
+  </p:timing>
+</p:sld>
+</file>
+
+<file path=ppt/slides/slide17.xml><?xml version="1.0" encoding="utf-8"?>
+<p:sld xmlns:a="http://schemas.openxmlformats.org/drawingml/2006/main" xmlns:r="http://schemas.openxmlformats.org/officeDocument/2006/relationships" xmlns:p="http://schemas.openxmlformats.org/presentationml/2006/main">
+  <p:cSld>
+    <p:spTree>
+      <p:nvGrpSpPr>
+        <p:cNvPr id="1" name=""/>
+        <p:cNvGrpSpPr/>
+        <p:nvPr/>
+      </p:nvGrpSpPr>
+      <p:grpSpPr>
+        <a:xfrm>
+          <a:off x="0" y="0"/>
+          <a:ext cx="0" cy="0"/>
+          <a:chOff x="0" y="0"/>
+          <a:chExt cx="0" cy="0"/>
+        </a:xfrm>
+      </p:grpSpPr>
+      <p:sp>
+        <p:nvSpPr>
+          <p:cNvPr id="2" name="Title 1"/>
+          <p:cNvSpPr>
+            <a:spLocks noGrp="1"/>
+          </p:cNvSpPr>
+          <p:nvPr>
+            <p:ph type="title"/>
+          </p:nvPr>
+        </p:nvSpPr>
+        <p:spPr>
+          <a:xfrm>
+            <a:off x="3124200" y="0"/>
+            <a:ext cx="6019800" cy="838200"/>
+          </a:xfrm>
+        </p:spPr>
+        <p:txBody>
+          <a:bodyPr/>
+          <a:lstStyle/>
+          <a:p>
+            <a:r>
+              <a:rPr lang="en-US" dirty="0" smtClean="0"/>
+              <a:t>Single Objective Optimization</a:t>
+            </a:r>
+            <a:br>
+              <a:rPr lang="en-US" dirty="0" smtClean="0"/>
+            </a:br>
+            <a:r>
+              <a:rPr lang="en-US" dirty="0" smtClean="0"/>
+              <a:t>Genetic Algorithm</a:t>
+            </a:r>
+            <a:endParaRPr lang="en-US" dirty="0"/>
+          </a:p>
+        </p:txBody>
+      </p:sp>
+      <p:sp>
+        <p:nvSpPr>
+          <p:cNvPr id="4" name="Slide Number Placeholder 3"/>
+          <p:cNvSpPr>
+            <a:spLocks noGrp="1"/>
+          </p:cNvSpPr>
+          <p:nvPr>
+            <p:ph type="sldNum" sz="quarter" idx="12"/>
+          </p:nvPr>
+        </p:nvSpPr>
+        <p:spPr/>
+        <p:txBody>
+          <a:bodyPr/>
+          <a:lstStyle/>
+          <a:p>
+            <a:pPr>
+              <a:defRPr/>
+            </a:pPr>
+            <a:fld id="{6E3317FF-6423-48BB-8CF6-A5183FB2D75B}" type="slidenum">
+              <a:rPr lang="en-US" smtClean="0">
+                <a:solidFill>
+                  <a:prstClr val="black">
+                    <a:tint val="75000"/>
+                  </a:prstClr>
+                </a:solidFill>
+              </a:rPr>
+              <a:pPr>
+                <a:defRPr/>
+              </a:pPr>
+              <a:t>17</a:t>
+            </a:fld>
+            <a:endParaRPr lang="en-US" dirty="0">
+              <a:solidFill>
+                <a:prstClr val="black">
+                  <a:tint val="75000"/>
+                </a:prstClr>
+              </a:solidFill>
+            </a:endParaRPr>
+          </a:p>
+        </p:txBody>
+      </p:sp>
+      <p:pic>
+        <p:nvPicPr>
+          <p:cNvPr id="9218" name="Picture 2"/>
+          <p:cNvPicPr>
+            <a:picLocks noChangeAspect="1" noChangeArrowheads="1"/>
+          </p:cNvPicPr>
+          <p:nvPr/>
+        </p:nvPicPr>
+        <p:blipFill>
+          <a:blip r:embed="rId3">
+            <a:extLst>
+              <a:ext uri="{28A0092B-C50C-407E-A947-70E740481C1C}">
+                <a14:useLocalDpi xmlns:a14="http://schemas.microsoft.com/office/drawing/2010/main" val="0"/>
+              </a:ext>
+            </a:extLst>
+          </a:blip>
+          <a:srcRect/>
+          <a:stretch>
+            <a:fillRect/>
+          </a:stretch>
+        </p:blipFill>
+        <p:spPr bwMode="auto">
+          <a:xfrm>
+            <a:off x="2686050" y="4281620"/>
+            <a:ext cx="3714750" cy="1814380"/>
+          </a:xfrm>
+          <a:prstGeom prst="rect">
+            <a:avLst/>
+          </a:prstGeom>
+          <a:noFill/>
+          <a:ln>
+            <a:noFill/>
+          </a:ln>
+          <a:extLst>
+            <a:ext uri="{909E8E84-426E-40DD-AFC4-6F175D3DCCD1}">
+              <a14:hiddenFill xmlns:a14="http://schemas.microsoft.com/office/drawing/2010/main">
+                <a:solidFill>
+                  <a:schemeClr val="accent1"/>
+                </a:solidFill>
+              </a14:hiddenFill>
+            </a:ext>
+            <a:ext uri="{91240B29-F687-4F45-9708-019B960494DF}">
+              <a14:hiddenLine xmlns:a14="http://schemas.microsoft.com/office/drawing/2010/main" w="9525">
+                <a:solidFill>
+                  <a:schemeClr val="tx1"/>
+                </a:solidFill>
+                <a:miter lim="800000"/>
+                <a:headEnd/>
+                <a:tailEnd/>
+              </a14:hiddenLine>
+            </a:ext>
+          </a:extLst>
+        </p:spPr>
+      </p:pic>
+      <p:sp>
+        <p:nvSpPr>
+          <p:cNvPr id="5" name="TextBox 4"/>
+          <p:cNvSpPr txBox="1"/>
+          <p:nvPr/>
+        </p:nvSpPr>
+        <p:spPr>
+          <a:xfrm>
+            <a:off x="457200" y="1066800"/>
+            <a:ext cx="8382000" cy="3139321"/>
+          </a:xfrm>
+          <a:prstGeom prst="rect">
+            <a:avLst/>
+          </a:prstGeom>
+          <a:noFill/>
+        </p:spPr>
+        <p:txBody>
+          <a:bodyPr wrap="square" rtlCol="0">
+            <a:spAutoFit/>
+          </a:bodyPr>
+          <a:lstStyle/>
+          <a:p>
+            <a:r>
+              <a:rPr lang="en-US" sz="2400" dirty="0" smtClean="0"/>
+              <a:t>The MATLAB genetic algorithm toolbox was utilized </a:t>
+            </a:r>
+            <a:endParaRPr lang="en-US" sz="2400" dirty="0" smtClean="0"/>
+          </a:p>
+          <a:p>
+            <a:endParaRPr lang="en-US" sz="1000" dirty="0" smtClean="0"/>
+          </a:p>
+          <a:p>
+            <a:pPr marL="565150" indent="-342900">
+              <a:buFont typeface="Arial" panose="020B0604020202020204" pitchFamily="34" charset="0"/>
+              <a:buChar char="•"/>
+            </a:pPr>
+            <a:r>
+              <a:rPr lang="en-US" sz="2400" dirty="0" smtClean="0"/>
+              <a:t>Smoothing of the design space was not necessary</a:t>
+            </a:r>
+          </a:p>
+          <a:p>
+            <a:pPr marL="565150" indent="-342900">
+              <a:buFont typeface="Arial" panose="020B0604020202020204" pitchFamily="34" charset="0"/>
+              <a:buChar char="•"/>
+            </a:pPr>
+            <a:r>
+              <a:rPr lang="en-US" sz="2400" dirty="0" smtClean="0"/>
+              <a:t>The parameters of the genetic algorithm were tuned to provide consistent convergence  </a:t>
+            </a:r>
+          </a:p>
+          <a:p>
+            <a:pPr marL="565150" indent="-342900">
+              <a:buFont typeface="Arial" panose="020B0604020202020204" pitchFamily="34" charset="0"/>
+              <a:buChar char="•"/>
+            </a:pPr>
+            <a:r>
+              <a:rPr lang="en-US" sz="2400" dirty="0" smtClean="0"/>
+              <a:t>The final optimizer converged in an average of 53 </a:t>
+            </a:r>
+            <a:r>
+              <a:rPr lang="en-US" sz="2400" dirty="0" smtClean="0"/>
+              <a:t>generations and 2081 function calls</a:t>
+            </a:r>
+            <a:endParaRPr lang="en-US" sz="2400" dirty="0" smtClean="0"/>
+          </a:p>
+          <a:p>
+            <a:pPr marL="565150" indent="-342900">
+              <a:buFont typeface="Arial" panose="020B0604020202020204" pitchFamily="34" charset="0"/>
+              <a:buChar char="•"/>
+            </a:pPr>
+            <a:r>
+              <a:rPr lang="en-US" sz="2400" dirty="0" smtClean="0"/>
+              <a:t>Multiple trials were executed to ensure solution agreement</a:t>
+            </a:r>
+          </a:p>
+          <a:p>
+            <a:pPr lvl="1"/>
+            <a:endParaRPr lang="en-US" sz="2000" dirty="0" smtClean="0"/>
+          </a:p>
+        </p:txBody>
+      </p:sp>
+    </p:spTree>
+    <p:extLst>
+      <p:ext uri="{BB962C8B-B14F-4D97-AF65-F5344CB8AC3E}">
+        <p14:creationId xmlns:p14="http://schemas.microsoft.com/office/powerpoint/2010/main" val="1430225323"/>
       </p:ext>
     </p:extLst>
   </p:cSld>
@@ -11107,13 +10849,6 @@
               <a:rPr lang="en-US" dirty="0" smtClean="0"/>
               <a:t>Single Objective Optimization</a:t>
             </a:r>
-            <a:br>
-              <a:rPr lang="en-US" dirty="0" smtClean="0"/>
-            </a:br>
-            <a:r>
-              <a:rPr lang="en-US" dirty="0" smtClean="0"/>
-              <a:t>Genetic Algorithm</a:t>
-            </a:r>
             <a:endParaRPr lang="en-US" dirty="0"/>
           </a:p>
         </p:txBody>
@@ -11168,7 +10903,7 @@
         <p:spPr>
           <a:xfrm>
             <a:off x="457200" y="1066800"/>
-            <a:ext cx="8382000" cy="2616101"/>
+            <a:ext cx="8382000" cy="830997"/>
           </a:xfrm>
           <a:prstGeom prst="rect">
             <a:avLst/>
@@ -11183,58 +10918,19 @@
           <a:p>
             <a:r>
               <a:rPr lang="en-US" sz="2400" dirty="0" smtClean="0"/>
-              <a:t>The MATLAB genetic algorithm toolbox was utilized </a:t>
-            </a:r>
-          </a:p>
-          <a:p>
-            <a:pPr marL="565150" indent="-342900">
-              <a:buFont typeface="Arial" panose="020B0604020202020204" pitchFamily="34" charset="0"/>
-              <a:buChar char="•"/>
-            </a:pPr>
+              <a:t>The single objective results of the coordinate search and genetic </a:t>
+            </a:r>
             <a:r>
               <a:rPr lang="en-US" sz="2400" dirty="0" smtClean="0"/>
-              <a:t>Smoothing of the design space was not necessary</a:t>
-            </a:r>
-          </a:p>
-          <a:p>
-            <a:pPr marL="565150" indent="-342900">
-              <a:buFont typeface="Arial" panose="020B0604020202020204" pitchFamily="34" charset="0"/>
-              <a:buChar char="•"/>
-            </a:pPr>
-            <a:r>
-              <a:rPr lang="en-US" sz="2400" dirty="0" smtClean="0"/>
-              <a:t>The parameters of the genetic algorithm were tuned to provide consistent convergence  </a:t>
-            </a:r>
-          </a:p>
-          <a:p>
-            <a:pPr marL="565150" indent="-342900">
-              <a:buFont typeface="Arial" panose="020B0604020202020204" pitchFamily="34" charset="0"/>
-              <a:buChar char="•"/>
-            </a:pPr>
-            <a:r>
-              <a:rPr lang="en-US" sz="2400" dirty="0" smtClean="0"/>
-              <a:t>The final optimizer converged in an average of 53 generations</a:t>
-            </a:r>
-          </a:p>
-          <a:p>
-            <a:pPr marL="565150" indent="-342900">
-              <a:buFont typeface="Arial" panose="020B0604020202020204" pitchFamily="34" charset="0"/>
-              <a:buChar char="•"/>
-            </a:pPr>
-            <a:r>
-              <a:rPr lang="en-US" sz="2400" dirty="0" smtClean="0"/>
-              <a:t>Multiple trials were executed to ensure solution agreement</a:t>
-            </a:r>
-          </a:p>
-          <a:p>
-            <a:pPr lvl="1"/>
-            <a:endParaRPr lang="en-US" sz="2000" dirty="0" smtClean="0"/>
+              <a:t>algorithm yield very similar solutions</a:t>
+            </a:r>
+            <a:endParaRPr lang="en-US" sz="2000" b="1" u="sng" dirty="0" smtClean="0"/>
           </a:p>
         </p:txBody>
       </p:sp>
       <p:pic>
         <p:nvPicPr>
-          <p:cNvPr id="7170" name="Picture 2"/>
+          <p:cNvPr id="6146" name="Picture 2"/>
           <p:cNvPicPr>
             <a:picLocks noChangeAspect="1" noChangeArrowheads="1"/>
           </p:cNvPicPr>
@@ -11255,8 +10951,8 @@
         </p:blipFill>
         <p:spPr bwMode="auto">
           <a:xfrm>
-            <a:off x="3005626" y="4114800"/>
-            <a:ext cx="3285148" cy="1498699"/>
+            <a:off x="504825" y="3581400"/>
+            <a:ext cx="3914775" cy="2438400"/>
           </a:xfrm>
           <a:prstGeom prst="rect">
             <a:avLst/>
@@ -11286,10 +10982,428 @@
           </a:extLst>
         </p:spPr>
       </p:pic>
+      <p:sp>
+        <p:nvSpPr>
+          <p:cNvPr id="8" name="TextBox 7"/>
+          <p:cNvSpPr txBox="1"/>
+          <p:nvPr/>
+        </p:nvSpPr>
+        <p:spPr>
+          <a:xfrm>
+            <a:off x="533400" y="2205573"/>
+            <a:ext cx="3924299" cy="2246769"/>
+          </a:xfrm>
+          <a:prstGeom prst="rect">
+            <a:avLst/>
+          </a:prstGeom>
+          <a:noFill/>
+        </p:spPr>
+        <p:txBody>
+          <a:bodyPr wrap="square" rtlCol="0">
+            <a:spAutoFit/>
+          </a:bodyPr>
+          <a:lstStyle/>
+          <a:p>
+            <a:pPr algn="ctr"/>
+            <a:r>
+              <a:rPr lang="en-US" sz="2400" b="1" dirty="0" smtClean="0"/>
+              <a:t>Coordinate Search</a:t>
+            </a:r>
+          </a:p>
+          <a:p>
+            <a:pPr marL="342900" indent="-342900">
+              <a:buFont typeface="Arial" panose="020B0604020202020204" pitchFamily="34" charset="0"/>
+              <a:buChar char="•"/>
+            </a:pPr>
+            <a:r>
+              <a:rPr lang="en-US" sz="2400" dirty="0" smtClean="0"/>
+              <a:t>1604 function </a:t>
+            </a:r>
+            <a:r>
+              <a:rPr lang="en-US" sz="2400" dirty="0" smtClean="0"/>
+              <a:t>evaluations</a:t>
+            </a:r>
+            <a:r>
+              <a:rPr lang="en-US" sz="2400" baseline="30000" dirty="0" smtClean="0"/>
+              <a:t>*</a:t>
+            </a:r>
+            <a:endParaRPr lang="en-US" sz="2400" baseline="30000" dirty="0" smtClean="0"/>
+          </a:p>
+          <a:p>
+            <a:pPr marL="342900" indent="-342900">
+              <a:buFont typeface="Arial" panose="020B0604020202020204" pitchFamily="34" charset="0"/>
+              <a:buChar char="•"/>
+            </a:pPr>
+            <a:r>
+              <a:rPr lang="en-US" sz="2400" dirty="0" smtClean="0"/>
+              <a:t>Optima value: 1.72e-4</a:t>
+            </a:r>
+          </a:p>
+          <a:p>
+            <a:endParaRPr lang="en-US" sz="2400" dirty="0" smtClean="0"/>
+          </a:p>
+          <a:p>
+            <a:pPr marL="342900" indent="-342900">
+              <a:buFont typeface="Arial" panose="020B0604020202020204" pitchFamily="34" charset="0"/>
+              <a:buChar char="•"/>
+            </a:pPr>
+            <a:endParaRPr lang="en-US" sz="2400" dirty="0" smtClean="0"/>
+          </a:p>
+          <a:p>
+            <a:pPr lvl="1"/>
+            <a:endParaRPr lang="en-US" sz="2000" dirty="0" smtClean="0"/>
+          </a:p>
+        </p:txBody>
+      </p:sp>
+      <p:sp>
+        <p:nvSpPr>
+          <p:cNvPr id="9" name="Rectangle 8"/>
+          <p:cNvSpPr/>
+          <p:nvPr/>
+        </p:nvSpPr>
+        <p:spPr>
+          <a:xfrm>
+            <a:off x="483269" y="2133600"/>
+            <a:ext cx="3974430" cy="4191000"/>
+          </a:xfrm>
+          <a:prstGeom prst="rect">
+            <a:avLst/>
+          </a:prstGeom>
+          <a:noFill/>
+          <a:ln>
+            <a:solidFill>
+              <a:srgbClr val="C00000"/>
+            </a:solidFill>
+          </a:ln>
+        </p:spPr>
+        <p:style>
+          <a:lnRef idx="2">
+            <a:schemeClr val="accent1">
+              <a:shade val="50000"/>
+            </a:schemeClr>
+          </a:lnRef>
+          <a:fillRef idx="1">
+            <a:schemeClr val="accent1"/>
+          </a:fillRef>
+          <a:effectRef idx="0">
+            <a:schemeClr val="accent1"/>
+          </a:effectRef>
+          <a:fontRef idx="minor">
+            <a:schemeClr val="lt1"/>
+          </a:fontRef>
+        </p:style>
+        <p:txBody>
+          <a:bodyPr rtlCol="0" anchor="ctr"/>
+          <a:lstStyle/>
+          <a:p>
+            <a:pPr algn="ctr"/>
+            <a:endParaRPr lang="en-US"/>
+          </a:p>
+        </p:txBody>
+      </p:sp>
+      <p:sp>
+        <p:nvSpPr>
+          <p:cNvPr id="10" name="Rectangle 9"/>
+          <p:cNvSpPr/>
+          <p:nvPr/>
+        </p:nvSpPr>
+        <p:spPr>
+          <a:xfrm>
+            <a:off x="4712370" y="2133600"/>
+            <a:ext cx="3974430" cy="4191000"/>
+          </a:xfrm>
+          <a:prstGeom prst="rect">
+            <a:avLst/>
+          </a:prstGeom>
+          <a:noFill/>
+          <a:ln>
+            <a:solidFill>
+              <a:srgbClr val="C00000"/>
+            </a:solidFill>
+          </a:ln>
+        </p:spPr>
+        <p:style>
+          <a:lnRef idx="2">
+            <a:schemeClr val="accent1">
+              <a:shade val="50000"/>
+            </a:schemeClr>
+          </a:lnRef>
+          <a:fillRef idx="1">
+            <a:schemeClr val="accent1"/>
+          </a:fillRef>
+          <a:effectRef idx="0">
+            <a:schemeClr val="accent1"/>
+          </a:effectRef>
+          <a:fontRef idx="minor">
+            <a:schemeClr val="lt1"/>
+          </a:fontRef>
+        </p:style>
+        <p:txBody>
+          <a:bodyPr rtlCol="0" anchor="ctr"/>
+          <a:lstStyle/>
+          <a:p>
+            <a:pPr algn="ctr"/>
+            <a:endParaRPr lang="en-US"/>
+          </a:p>
+        </p:txBody>
+      </p:sp>
+      <p:sp>
+        <p:nvSpPr>
+          <p:cNvPr id="11" name="TextBox 10"/>
+          <p:cNvSpPr txBox="1"/>
+          <p:nvPr/>
+        </p:nvSpPr>
+        <p:spPr>
+          <a:xfrm>
+            <a:off x="4775535" y="2189095"/>
+            <a:ext cx="3911265" cy="2246769"/>
+          </a:xfrm>
+          <a:prstGeom prst="rect">
+            <a:avLst/>
+          </a:prstGeom>
+          <a:noFill/>
+        </p:spPr>
+        <p:txBody>
+          <a:bodyPr wrap="square" rtlCol="0">
+            <a:spAutoFit/>
+          </a:bodyPr>
+          <a:lstStyle/>
+          <a:p>
+            <a:pPr algn="ctr"/>
+            <a:r>
+              <a:rPr lang="en-US" sz="2400" b="1" dirty="0" smtClean="0"/>
+              <a:t>Genetic Algorithm</a:t>
+            </a:r>
+          </a:p>
+          <a:p>
+            <a:pPr marL="342900" indent="-342900">
+              <a:buFont typeface="Arial" panose="020B0604020202020204" pitchFamily="34" charset="0"/>
+              <a:buChar char="•"/>
+            </a:pPr>
+            <a:r>
+              <a:rPr lang="en-US" sz="2400" dirty="0" smtClean="0"/>
+              <a:t>2081 </a:t>
+            </a:r>
+            <a:r>
+              <a:rPr lang="en-US" sz="2400" dirty="0" smtClean="0"/>
+              <a:t>function </a:t>
+            </a:r>
+            <a:r>
+              <a:rPr lang="en-US" sz="2400" dirty="0" smtClean="0"/>
+              <a:t>evaluations</a:t>
+            </a:r>
+            <a:r>
+              <a:rPr lang="en-US" sz="2400" baseline="30000" dirty="0" smtClean="0"/>
+              <a:t>†</a:t>
+            </a:r>
+          </a:p>
+          <a:p>
+            <a:pPr marL="342900" indent="-342900">
+              <a:buFont typeface="Arial" panose="020B0604020202020204" pitchFamily="34" charset="0"/>
+              <a:buChar char="•"/>
+            </a:pPr>
+            <a:r>
+              <a:rPr lang="en-US" sz="2400" dirty="0" smtClean="0"/>
+              <a:t>Optima value: 1.72e-4</a:t>
+            </a:r>
+          </a:p>
+          <a:p>
+            <a:endParaRPr lang="en-US" sz="2400" dirty="0" smtClean="0"/>
+          </a:p>
+          <a:p>
+            <a:pPr marL="342900" indent="-342900">
+              <a:buFont typeface="Arial" panose="020B0604020202020204" pitchFamily="34" charset="0"/>
+              <a:buChar char="•"/>
+            </a:pPr>
+            <a:endParaRPr lang="en-US" sz="2400" dirty="0" smtClean="0"/>
+          </a:p>
+          <a:p>
+            <a:pPr lvl="1"/>
+            <a:endParaRPr lang="en-US" sz="2000" dirty="0" smtClean="0"/>
+          </a:p>
+        </p:txBody>
+      </p:sp>
+      <p:sp>
+        <p:nvSpPr>
+          <p:cNvPr id="3" name="TextBox 2"/>
+          <p:cNvSpPr txBox="1"/>
+          <p:nvPr/>
+        </p:nvSpPr>
+        <p:spPr>
+          <a:xfrm>
+            <a:off x="4712370" y="6397823"/>
+            <a:ext cx="2907630" cy="307777"/>
+          </a:xfrm>
+          <a:prstGeom prst="rect">
+            <a:avLst/>
+          </a:prstGeom>
+          <a:noFill/>
+        </p:spPr>
+        <p:txBody>
+          <a:bodyPr wrap="square" rtlCol="0">
+            <a:spAutoFit/>
+          </a:bodyPr>
+          <a:lstStyle/>
+          <a:p>
+            <a:r>
+              <a:rPr lang="en-US" baseline="30000" dirty="0" smtClean="0"/>
+              <a:t>†</a:t>
+            </a:r>
+            <a:r>
+              <a:rPr lang="en-US" sz="1400" dirty="0" smtClean="0"/>
+              <a:t>for a single GA run</a:t>
+            </a:r>
+            <a:endParaRPr lang="en-US" sz="1400" dirty="0"/>
+          </a:p>
+        </p:txBody>
+      </p:sp>
+      <p:sp>
+        <p:nvSpPr>
+          <p:cNvPr id="12" name="TextBox 11"/>
+          <p:cNvSpPr txBox="1"/>
+          <p:nvPr/>
+        </p:nvSpPr>
+        <p:spPr>
+          <a:xfrm>
+            <a:off x="504825" y="6396334"/>
+            <a:ext cx="2907630" cy="307777"/>
+          </a:xfrm>
+          <a:prstGeom prst="rect">
+            <a:avLst/>
+          </a:prstGeom>
+          <a:noFill/>
+        </p:spPr>
+        <p:txBody>
+          <a:bodyPr wrap="square" rtlCol="0">
+            <a:spAutoFit/>
+          </a:bodyPr>
+          <a:lstStyle/>
+          <a:p>
+            <a:r>
+              <a:rPr lang="en-US" sz="1400" dirty="0" smtClean="0"/>
+              <a:t>*for 10 coordinate search runs</a:t>
+            </a:r>
+            <a:endParaRPr lang="en-US" sz="1400" dirty="0"/>
+          </a:p>
+        </p:txBody>
+      </p:sp>
+      <p:grpSp>
+        <p:nvGrpSpPr>
+          <p:cNvPr id="7" name="Group 6"/>
+          <p:cNvGrpSpPr/>
+          <p:nvPr/>
+        </p:nvGrpSpPr>
+        <p:grpSpPr>
+          <a:xfrm>
+            <a:off x="4813635" y="3581400"/>
+            <a:ext cx="3777915" cy="2438400"/>
+            <a:chOff x="4813635" y="3581400"/>
+            <a:chExt cx="3777915" cy="2438400"/>
+          </a:xfrm>
+        </p:grpSpPr>
+        <p:pic>
+          <p:nvPicPr>
+            <p:cNvPr id="10242" name="Picture 2"/>
+            <p:cNvPicPr>
+              <a:picLocks noChangeAspect="1" noChangeArrowheads="1"/>
+            </p:cNvPicPr>
+            <p:nvPr/>
+          </p:nvPicPr>
+          <p:blipFill rotWithShape="1">
+            <a:blip r:embed="rId4">
+              <a:extLst>
+                <a:ext uri="{28A0092B-C50C-407E-A947-70E740481C1C}">
+                  <a14:useLocalDpi xmlns:a14="http://schemas.microsoft.com/office/drawing/2010/main" val="0"/>
+                </a:ext>
+              </a:extLst>
+            </a:blip>
+            <a:srcRect r="18710"/>
+            <a:stretch/>
+          </p:blipFill>
+          <p:spPr bwMode="auto">
+            <a:xfrm>
+              <a:off x="4813635" y="3581400"/>
+              <a:ext cx="3720765" cy="2438400"/>
+            </a:xfrm>
+            <a:prstGeom prst="rect">
+              <a:avLst/>
+            </a:prstGeom>
+            <a:noFill/>
+            <a:ln>
+              <a:noFill/>
+            </a:ln>
+            <a:extLst>
+              <a:ext uri="{909E8E84-426E-40DD-AFC4-6F175D3DCCD1}">
+                <a14:hiddenFill xmlns:a14="http://schemas.microsoft.com/office/drawing/2010/main">
+                  <a:solidFill>
+                    <a:schemeClr val="accent1"/>
+                  </a:solidFill>
+                </a14:hiddenFill>
+              </a:ext>
+              <a:ext uri="{91240B29-F687-4F45-9708-019B960494DF}">
+                <a14:hiddenLine xmlns:a14="http://schemas.microsoft.com/office/drawing/2010/main" w="9525">
+                  <a:solidFill>
+                    <a:schemeClr val="tx1"/>
+                  </a:solidFill>
+                  <a:miter lim="800000"/>
+                  <a:headEnd/>
+                  <a:tailEnd/>
+                </a14:hiddenLine>
+              </a:ext>
+            </a:extLst>
+          </p:spPr>
+        </p:pic>
+        <p:sp>
+          <p:nvSpPr>
+            <p:cNvPr id="6" name="Rectangle 5"/>
+            <p:cNvSpPr/>
+            <p:nvPr/>
+          </p:nvSpPr>
+          <p:spPr>
+            <a:xfrm>
+              <a:off x="7753350" y="5715000"/>
+              <a:ext cx="838200" cy="304800"/>
+            </a:xfrm>
+            <a:prstGeom prst="rect">
+              <a:avLst/>
+            </a:prstGeom>
+            <a:solidFill>
+              <a:schemeClr val="bg1"/>
+            </a:solidFill>
+            <a:ln>
+              <a:noFill/>
+            </a:ln>
+          </p:spPr>
+          <p:style>
+            <a:lnRef idx="2">
+              <a:schemeClr val="accent1">
+                <a:shade val="50000"/>
+              </a:schemeClr>
+            </a:lnRef>
+            <a:fillRef idx="1">
+              <a:schemeClr val="accent1"/>
+            </a:fillRef>
+            <a:effectRef idx="0">
+              <a:schemeClr val="accent1"/>
+            </a:effectRef>
+            <a:fontRef idx="minor">
+              <a:schemeClr val="lt1"/>
+            </a:fontRef>
+          </p:style>
+          <p:txBody>
+            <a:bodyPr rtlCol="0" anchor="ctr"/>
+            <a:lstStyle/>
+            <a:p>
+              <a:pPr algn="ctr"/>
+              <a:endParaRPr lang="en-US"/>
+            </a:p>
+          </p:txBody>
+        </p:sp>
+      </p:grpSp>
     </p:spTree>
     <p:extLst>
       <p:ext uri="{BB962C8B-B14F-4D97-AF65-F5344CB8AC3E}">
-        <p14:creationId xmlns:p14="http://schemas.microsoft.com/office/powerpoint/2010/main" val="3338300868"/>
+        <p14:creationId xmlns:p14="http://schemas.microsoft.com/office/powerpoint/2010/main" val="3552625697"/>
       </p:ext>
     </p:extLst>
   </p:cSld>
@@ -11333,19 +11447,14 @@
             <p:ph type="title"/>
           </p:nvPr>
         </p:nvSpPr>
-        <p:spPr>
-          <a:xfrm>
-            <a:off x="3124200" y="0"/>
-            <a:ext cx="6019800" cy="838200"/>
-          </a:xfrm>
-        </p:spPr>
+        <p:spPr/>
         <p:txBody>
           <a:bodyPr/>
           <a:lstStyle/>
           <a:p>
             <a:r>
               <a:rPr lang="en-US" dirty="0" smtClean="0"/>
-              <a:t>Single Objective Optimization</a:t>
+              <a:t>Multi-Objective Optimization</a:t>
             </a:r>
             <a:endParaRPr lang="en-US" dirty="0"/>
           </a:p>
@@ -11353,7 +11462,7 @@
       </p:sp>
       <p:sp>
         <p:nvSpPr>
-          <p:cNvPr id="4" name="Slide Number Placeholder 3"/>
+          <p:cNvPr id="5" name="Slide Number Placeholder 4"/>
           <p:cNvSpPr>
             <a:spLocks noGrp="1"/>
           </p:cNvSpPr>
@@ -11382,7 +11491,7 @@
               </a:pPr>
               <a:t>19</a:t>
             </a:fld>
-            <a:endParaRPr lang="en-US" dirty="0">
+            <a:endParaRPr lang="en-US">
               <a:solidFill>
                 <a:prstClr val="black">
                   <a:tint val="75000"/>
@@ -11394,14 +11503,14 @@
       </p:sp>
       <p:sp>
         <p:nvSpPr>
-          <p:cNvPr id="5" name="TextBox 4"/>
+          <p:cNvPr id="4" name="TextBox 3"/>
           <p:cNvSpPr txBox="1"/>
           <p:nvPr/>
         </p:nvSpPr>
         <p:spPr>
           <a:xfrm>
-            <a:off x="457200" y="1066800"/>
-            <a:ext cx="8382000" cy="830997"/>
+            <a:off x="533401" y="2114202"/>
+            <a:ext cx="7772400" cy="3785652"/>
           </a:xfrm>
           <a:prstGeom prst="rect">
             <a:avLst/>
@@ -11416,353 +11525,116 @@
           <a:p>
             <a:r>
               <a:rPr lang="en-US" sz="2400" dirty="0" smtClean="0"/>
-              <a:t>The single objective results of the coordinate search and genetic algorithm </a:t>
-            </a:r>
-            <a:r>
-              <a:rPr lang="en-US" sz="2400" b="1" u="sng" dirty="0" smtClean="0"/>
-              <a:t>DON’T MATCH MUCH??? </a:t>
-            </a:r>
-            <a:endParaRPr lang="en-US" sz="2000" b="1" u="sng" dirty="0" smtClean="0"/>
+              <a:t>Multi-Objective Genetic Algorithm:</a:t>
+            </a:r>
+          </a:p>
+          <a:p>
+            <a:pPr marL="342900" indent="-342900">
+              <a:buFont typeface="Arial" panose="020B0604020202020204" pitchFamily="34" charset="0"/>
+              <a:buChar char="•"/>
+            </a:pPr>
+            <a:r>
+              <a:rPr lang="en-US" sz="2400" dirty="0" err="1" smtClean="0"/>
+              <a:t>Matlab</a:t>
+            </a:r>
+            <a:r>
+              <a:rPr lang="en-US" sz="2400" dirty="0" smtClean="0"/>
+              <a:t> </a:t>
+            </a:r>
+            <a:r>
+              <a:rPr lang="en-US" sz="2400" dirty="0" err="1" smtClean="0"/>
+              <a:t>gamultiobj</a:t>
+            </a:r>
+            <a:endParaRPr lang="en-US" sz="2400" dirty="0" smtClean="0"/>
+          </a:p>
+          <a:p>
+            <a:pPr marL="342900" indent="-342900">
+              <a:buFont typeface="Arial" panose="020B0604020202020204" pitchFamily="34" charset="0"/>
+              <a:buChar char="•"/>
+            </a:pPr>
+            <a:r>
+              <a:rPr lang="en-US" sz="2400" dirty="0" smtClean="0"/>
+              <a:t>Custom integer mutation and crossover functions</a:t>
+            </a:r>
+          </a:p>
+          <a:p>
+            <a:pPr marL="342900" indent="-342900">
+              <a:buFont typeface="Arial" panose="020B0604020202020204" pitchFamily="34" charset="0"/>
+              <a:buChar char="•"/>
+            </a:pPr>
+            <a:r>
+              <a:rPr lang="en-US" sz="2400" dirty="0" smtClean="0"/>
+              <a:t>Convergence</a:t>
+            </a:r>
+          </a:p>
+          <a:p>
+            <a:pPr marL="800100" lvl="1" indent="-342900">
+              <a:buFont typeface="Arial" panose="020B0604020202020204" pitchFamily="34" charset="0"/>
+              <a:buChar char="•"/>
+            </a:pPr>
+            <a:r>
+              <a:rPr lang="en-US" sz="2400" dirty="0" smtClean="0"/>
+              <a:t>Large jumps between successive iterations due to integer variables.</a:t>
+            </a:r>
+          </a:p>
+          <a:p>
+            <a:pPr marL="800100" lvl="1" indent="-342900">
+              <a:buFont typeface="Arial" panose="020B0604020202020204" pitchFamily="34" charset="0"/>
+              <a:buChar char="•"/>
+            </a:pPr>
+            <a:r>
+              <a:rPr lang="en-US" sz="2400" dirty="0" smtClean="0"/>
+              <a:t>Criteria: average change in average fitness &lt; </a:t>
+            </a:r>
+            <a:r>
+              <a:rPr lang="en-US" sz="2400" dirty="0" err="1" smtClean="0"/>
+              <a:t>tol</a:t>
+            </a:r>
+            <a:endParaRPr lang="en-US" sz="2400" dirty="0" smtClean="0"/>
+          </a:p>
+          <a:p>
+            <a:endParaRPr lang="en-US" sz="2400" dirty="0" smtClean="0"/>
+          </a:p>
+          <a:p>
+            <a:endParaRPr lang="en-US" sz="2400" dirty="0" smtClean="0"/>
+          </a:p>
+          <a:p>
+            <a:pPr marL="342900" indent="-342900">
+              <a:buFont typeface="Arial" panose="020B0604020202020204" pitchFamily="34" charset="0"/>
+              <a:buChar char="•"/>
+            </a:pPr>
+            <a:endParaRPr lang="en-US" sz="2400" dirty="0"/>
           </a:p>
         </p:txBody>
       </p:sp>
       <p:pic>
         <p:nvPicPr>
-          <p:cNvPr id="6146" name="Picture 2"/>
+          <p:cNvPr id="6" name="Picture 5"/>
           <p:cNvPicPr>
-            <a:picLocks noChangeAspect="1" noChangeArrowheads="1"/>
+            <a:picLocks noChangeAspect="1"/>
           </p:cNvPicPr>
           <p:nvPr/>
         </p:nvPicPr>
         <p:blipFill>
-          <a:blip r:embed="rId3">
-            <a:extLst>
-              <a:ext uri="{28A0092B-C50C-407E-A947-70E740481C1C}">
-                <a14:useLocalDpi xmlns:a14="http://schemas.microsoft.com/office/drawing/2010/main" val="0"/>
-              </a:ext>
-            </a:extLst>
-          </a:blip>
-          <a:srcRect/>
+          <a:blip r:embed="rId2"/>
           <a:stretch>
             <a:fillRect/>
           </a:stretch>
         </p:blipFill>
-        <p:spPr bwMode="auto">
+        <p:spPr>
           <a:xfrm>
-            <a:off x="504825" y="3581400"/>
-            <a:ext cx="3914775" cy="2438400"/>
+            <a:off x="1600200" y="1219200"/>
+            <a:ext cx="5791200" cy="707448"/>
           </a:xfrm>
           <a:prstGeom prst="rect">
             <a:avLst/>
           </a:prstGeom>
-          <a:noFill/>
-          <a:ln>
-            <a:noFill/>
-          </a:ln>
-          <a:extLst>
-            <a:ext uri="{909E8E84-426E-40DD-AFC4-6F175D3DCCD1}">
-              <a14:hiddenFill xmlns:a14="http://schemas.microsoft.com/office/drawing/2010/main">
-                <a:solidFill>
-                  <a:schemeClr val="accent1"/>
-                </a:solidFill>
-              </a14:hiddenFill>
-            </a:ext>
-            <a:ext uri="{91240B29-F687-4F45-9708-019B960494DF}">
-              <a14:hiddenLine xmlns:a14="http://schemas.microsoft.com/office/drawing/2010/main" w="9525">
-                <a:solidFill>
-                  <a:schemeClr val="tx1"/>
-                </a:solidFill>
-                <a:miter lim="800000"/>
-                <a:headEnd/>
-                <a:tailEnd/>
-              </a14:hiddenLine>
-            </a:ext>
-          </a:extLst>
         </p:spPr>
       </p:pic>
-      <p:pic>
-        <p:nvPicPr>
-          <p:cNvPr id="6147" name="Picture 3"/>
-          <p:cNvPicPr>
-            <a:picLocks noChangeAspect="1" noChangeArrowheads="1"/>
-          </p:cNvPicPr>
-          <p:nvPr/>
-        </p:nvPicPr>
-        <p:blipFill>
-          <a:blip r:embed="rId4">
-            <a:extLst>
-              <a:ext uri="{28A0092B-C50C-407E-A947-70E740481C1C}">
-                <a14:useLocalDpi xmlns:a14="http://schemas.microsoft.com/office/drawing/2010/main" val="0"/>
-              </a:ext>
-            </a:extLst>
-          </a:blip>
-          <a:srcRect/>
-          <a:stretch>
-            <a:fillRect/>
-          </a:stretch>
-        </p:blipFill>
-        <p:spPr bwMode="auto">
-          <a:xfrm>
-            <a:off x="4762500" y="3581400"/>
-            <a:ext cx="3924300" cy="2457450"/>
-          </a:xfrm>
-          <a:prstGeom prst="rect">
-            <a:avLst/>
-          </a:prstGeom>
-          <a:noFill/>
-          <a:ln>
-            <a:noFill/>
-          </a:ln>
-          <a:extLst>
-            <a:ext uri="{909E8E84-426E-40DD-AFC4-6F175D3DCCD1}">
-              <a14:hiddenFill xmlns:a14="http://schemas.microsoft.com/office/drawing/2010/main">
-                <a:solidFill>
-                  <a:schemeClr val="accent1"/>
-                </a:solidFill>
-              </a14:hiddenFill>
-            </a:ext>
-            <a:ext uri="{91240B29-F687-4F45-9708-019B960494DF}">
-              <a14:hiddenLine xmlns:a14="http://schemas.microsoft.com/office/drawing/2010/main" w="9525">
-                <a:solidFill>
-                  <a:schemeClr val="tx1"/>
-                </a:solidFill>
-                <a:miter lim="800000"/>
-                <a:headEnd/>
-                <a:tailEnd/>
-              </a14:hiddenLine>
-            </a:ext>
-          </a:extLst>
-        </p:spPr>
-      </p:pic>
-      <p:sp>
-        <p:nvSpPr>
-          <p:cNvPr id="8" name="TextBox 7"/>
-          <p:cNvSpPr txBox="1"/>
-          <p:nvPr/>
-        </p:nvSpPr>
-        <p:spPr>
-          <a:xfrm>
-            <a:off x="533400" y="2205573"/>
-            <a:ext cx="3848099" cy="2246769"/>
-          </a:xfrm>
-          <a:prstGeom prst="rect">
-            <a:avLst/>
-          </a:prstGeom>
-          <a:noFill/>
-        </p:spPr>
-        <p:txBody>
-          <a:bodyPr wrap="square" rtlCol="0">
-            <a:spAutoFit/>
-          </a:bodyPr>
-          <a:lstStyle/>
-          <a:p>
-            <a:pPr algn="ctr"/>
-            <a:r>
-              <a:rPr lang="en-US" sz="2400" b="1" dirty="0" smtClean="0"/>
-              <a:t>Coordinate Search</a:t>
-            </a:r>
-          </a:p>
-          <a:p>
-            <a:pPr marL="342900" indent="-342900">
-              <a:buFont typeface="Arial" panose="020B0604020202020204" pitchFamily="34" charset="0"/>
-              <a:buChar char="•"/>
-            </a:pPr>
-            <a:r>
-              <a:rPr lang="en-US" sz="2400" dirty="0" smtClean="0"/>
-              <a:t>1604 function evaluations</a:t>
-            </a:r>
-          </a:p>
-          <a:p>
-            <a:pPr marL="342900" indent="-342900">
-              <a:buFont typeface="Arial" panose="020B0604020202020204" pitchFamily="34" charset="0"/>
-              <a:buChar char="•"/>
-            </a:pPr>
-            <a:r>
-              <a:rPr lang="en-US" sz="2400" dirty="0" smtClean="0"/>
-              <a:t>Optima value: 1.72e-4</a:t>
-            </a:r>
-          </a:p>
-          <a:p>
-            <a:endParaRPr lang="en-US" sz="2400" dirty="0" smtClean="0"/>
-          </a:p>
-          <a:p>
-            <a:pPr marL="342900" indent="-342900">
-              <a:buFont typeface="Arial" panose="020B0604020202020204" pitchFamily="34" charset="0"/>
-              <a:buChar char="•"/>
-            </a:pPr>
-            <a:endParaRPr lang="en-US" sz="2400" dirty="0" smtClean="0"/>
-          </a:p>
-          <a:p>
-            <a:pPr lvl="1"/>
-            <a:endParaRPr lang="en-US" sz="2000" dirty="0" smtClean="0"/>
-          </a:p>
-        </p:txBody>
-      </p:sp>
-      <p:sp>
-        <p:nvSpPr>
-          <p:cNvPr id="9" name="Rectangle 8"/>
-          <p:cNvSpPr/>
-          <p:nvPr/>
-        </p:nvSpPr>
-        <p:spPr>
-          <a:xfrm>
-            <a:off x="483269" y="2133600"/>
-            <a:ext cx="3974430" cy="4191000"/>
-          </a:xfrm>
-          <a:prstGeom prst="rect">
-            <a:avLst/>
-          </a:prstGeom>
-          <a:noFill/>
-          <a:ln>
-            <a:solidFill>
-              <a:srgbClr val="C00000"/>
-            </a:solidFill>
-          </a:ln>
-        </p:spPr>
-        <p:style>
-          <a:lnRef idx="2">
-            <a:schemeClr val="accent1">
-              <a:shade val="50000"/>
-            </a:schemeClr>
-          </a:lnRef>
-          <a:fillRef idx="1">
-            <a:schemeClr val="accent1"/>
-          </a:fillRef>
-          <a:effectRef idx="0">
-            <a:schemeClr val="accent1"/>
-          </a:effectRef>
-          <a:fontRef idx="minor">
-            <a:schemeClr val="lt1"/>
-          </a:fontRef>
-        </p:style>
-        <p:txBody>
-          <a:bodyPr rtlCol="0" anchor="ctr"/>
-          <a:lstStyle/>
-          <a:p>
-            <a:pPr algn="ctr"/>
-            <a:endParaRPr lang="en-US"/>
-          </a:p>
-        </p:txBody>
-      </p:sp>
-      <p:sp>
-        <p:nvSpPr>
-          <p:cNvPr id="10" name="Rectangle 9"/>
-          <p:cNvSpPr/>
-          <p:nvPr/>
-        </p:nvSpPr>
-        <p:spPr>
-          <a:xfrm>
-            <a:off x="4712370" y="2133600"/>
-            <a:ext cx="3974430" cy="4191000"/>
-          </a:xfrm>
-          <a:prstGeom prst="rect">
-            <a:avLst/>
-          </a:prstGeom>
-          <a:noFill/>
-          <a:ln>
-            <a:solidFill>
-              <a:srgbClr val="C00000"/>
-            </a:solidFill>
-          </a:ln>
-        </p:spPr>
-        <p:style>
-          <a:lnRef idx="2">
-            <a:schemeClr val="accent1">
-              <a:shade val="50000"/>
-            </a:schemeClr>
-          </a:lnRef>
-          <a:fillRef idx="1">
-            <a:schemeClr val="accent1"/>
-          </a:fillRef>
-          <a:effectRef idx="0">
-            <a:schemeClr val="accent1"/>
-          </a:effectRef>
-          <a:fontRef idx="minor">
-            <a:schemeClr val="lt1"/>
-          </a:fontRef>
-        </p:style>
-        <p:txBody>
-          <a:bodyPr rtlCol="0" anchor="ctr"/>
-          <a:lstStyle/>
-          <a:p>
-            <a:pPr algn="ctr"/>
-            <a:endParaRPr lang="en-US"/>
-          </a:p>
-        </p:txBody>
-      </p:sp>
-      <p:sp>
-        <p:nvSpPr>
-          <p:cNvPr id="11" name="TextBox 10"/>
-          <p:cNvSpPr txBox="1"/>
-          <p:nvPr/>
-        </p:nvSpPr>
-        <p:spPr>
-          <a:xfrm>
-            <a:off x="4775535" y="2189095"/>
-            <a:ext cx="3848099" cy="2246769"/>
-          </a:xfrm>
-          <a:prstGeom prst="rect">
-            <a:avLst/>
-          </a:prstGeom>
-          <a:noFill/>
-        </p:spPr>
-        <p:txBody>
-          <a:bodyPr wrap="square" rtlCol="0">
-            <a:spAutoFit/>
-          </a:bodyPr>
-          <a:lstStyle/>
-          <a:p>
-            <a:pPr algn="ctr"/>
-            <a:r>
-              <a:rPr lang="en-US" sz="2400" b="1" dirty="0" smtClean="0"/>
-              <a:t>Genetic Algorithm</a:t>
-            </a:r>
-          </a:p>
-          <a:p>
-            <a:pPr marL="342900" indent="-342900">
-              <a:buFont typeface="Arial" panose="020B0604020202020204" pitchFamily="34" charset="0"/>
-              <a:buChar char="•"/>
-            </a:pPr>
-            <a:r>
-              <a:rPr lang="en-US" sz="2400" dirty="0" smtClean="0"/>
-              <a:t>1060 function evaluations</a:t>
-            </a:r>
-          </a:p>
-          <a:p>
-            <a:pPr marL="342900" indent="-342900">
-              <a:buFont typeface="Arial" panose="020B0604020202020204" pitchFamily="34" charset="0"/>
-              <a:buChar char="•"/>
-            </a:pPr>
-            <a:r>
-              <a:rPr lang="en-US" sz="2400" dirty="0" smtClean="0"/>
-              <a:t>Optima value: </a:t>
-            </a:r>
-            <a:r>
-              <a:rPr lang="en-US" sz="2400" dirty="0" err="1" smtClean="0"/>
-              <a:t>xxxx</a:t>
-            </a:r>
-            <a:endParaRPr lang="en-US" sz="2400" dirty="0" smtClean="0"/>
-          </a:p>
-          <a:p>
-            <a:endParaRPr lang="en-US" sz="2400" dirty="0" smtClean="0"/>
-          </a:p>
-          <a:p>
-            <a:pPr marL="342900" indent="-342900">
-              <a:buFont typeface="Arial" panose="020B0604020202020204" pitchFamily="34" charset="0"/>
-              <a:buChar char="•"/>
-            </a:pPr>
-            <a:endParaRPr lang="en-US" sz="2400" dirty="0" smtClean="0"/>
-          </a:p>
-          <a:p>
-            <a:pPr lvl="1"/>
-            <a:endParaRPr lang="en-US" sz="2000" dirty="0" smtClean="0"/>
-          </a:p>
-        </p:txBody>
-      </p:sp>
     </p:spTree>
     <p:extLst>
       <p:ext uri="{BB962C8B-B14F-4D97-AF65-F5344CB8AC3E}">
-        <p14:creationId xmlns:p14="http://schemas.microsoft.com/office/powerpoint/2010/main" val="1873813450"/>
+        <p14:creationId xmlns:p14="http://schemas.microsoft.com/office/powerpoint/2010/main" val="4266063036"/>
       </p:ext>
     </p:extLst>
   </p:cSld>
@@ -12651,7 +12523,7 @@
         </p:blipFill>
         <p:spPr>
           <a:xfrm>
-            <a:off x="990600" y="1066800"/>
+            <a:off x="895157" y="1051133"/>
             <a:ext cx="7048885" cy="5714792"/>
           </a:xfrm>
           <a:prstGeom prst="rect">
@@ -12659,10 +12531,390 @@
           </a:prstGeom>
         </p:spPr>
       </p:pic>
+      <p:sp>
+        <p:nvSpPr>
+          <p:cNvPr id="4" name="Oval 3"/>
+          <p:cNvSpPr/>
+          <p:nvPr/>
+        </p:nvSpPr>
+        <p:spPr>
+          <a:xfrm>
+            <a:off x="2590800" y="3962400"/>
+            <a:ext cx="1524000" cy="1143000"/>
+          </a:xfrm>
+          <a:prstGeom prst="ellipse">
+            <a:avLst/>
+          </a:prstGeom>
+          <a:noFill/>
+          <a:ln>
+            <a:solidFill>
+              <a:srgbClr val="FFC000"/>
+            </a:solidFill>
+          </a:ln>
+        </p:spPr>
+        <p:style>
+          <a:lnRef idx="2">
+            <a:schemeClr val="accent1">
+              <a:shade val="50000"/>
+            </a:schemeClr>
+          </a:lnRef>
+          <a:fillRef idx="1">
+            <a:schemeClr val="accent1"/>
+          </a:fillRef>
+          <a:effectRef idx="0">
+            <a:schemeClr val="accent1"/>
+          </a:effectRef>
+          <a:fontRef idx="minor">
+            <a:schemeClr val="lt1"/>
+          </a:fontRef>
+        </p:style>
+        <p:txBody>
+          <a:bodyPr rtlCol="0" anchor="ctr"/>
+          <a:lstStyle/>
+          <a:p>
+            <a:pPr algn="ctr"/>
+            <a:endParaRPr lang="en-US"/>
+          </a:p>
+        </p:txBody>
+      </p:sp>
+      <p:sp>
+        <p:nvSpPr>
+          <p:cNvPr id="6" name="Oval 5"/>
+          <p:cNvSpPr/>
+          <p:nvPr/>
+        </p:nvSpPr>
+        <p:spPr>
+          <a:xfrm>
+            <a:off x="3657600" y="2971800"/>
+            <a:ext cx="1524000" cy="1143000"/>
+          </a:xfrm>
+          <a:prstGeom prst="ellipse">
+            <a:avLst/>
+          </a:prstGeom>
+          <a:noFill/>
+          <a:ln>
+            <a:solidFill>
+              <a:srgbClr val="FFC000"/>
+            </a:solidFill>
+          </a:ln>
+        </p:spPr>
+        <p:style>
+          <a:lnRef idx="2">
+            <a:schemeClr val="accent1">
+              <a:shade val="50000"/>
+            </a:schemeClr>
+          </a:lnRef>
+          <a:fillRef idx="1">
+            <a:schemeClr val="accent1"/>
+          </a:fillRef>
+          <a:effectRef idx="0">
+            <a:schemeClr val="accent1"/>
+          </a:effectRef>
+          <a:fontRef idx="minor">
+            <a:schemeClr val="lt1"/>
+          </a:fontRef>
+        </p:style>
+        <p:txBody>
+          <a:bodyPr rtlCol="0" anchor="ctr"/>
+          <a:lstStyle/>
+          <a:p>
+            <a:pPr algn="ctr"/>
+            <a:endParaRPr lang="en-US"/>
+          </a:p>
+        </p:txBody>
+      </p:sp>
+      <p:sp>
+        <p:nvSpPr>
+          <p:cNvPr id="7" name="Oval 6"/>
+          <p:cNvSpPr/>
+          <p:nvPr/>
+        </p:nvSpPr>
+        <p:spPr>
+          <a:xfrm>
+            <a:off x="4753276" y="2057400"/>
+            <a:ext cx="1524000" cy="1143000"/>
+          </a:xfrm>
+          <a:prstGeom prst="ellipse">
+            <a:avLst/>
+          </a:prstGeom>
+          <a:noFill/>
+          <a:ln>
+            <a:solidFill>
+              <a:srgbClr val="FFC000"/>
+            </a:solidFill>
+          </a:ln>
+        </p:spPr>
+        <p:style>
+          <a:lnRef idx="2">
+            <a:schemeClr val="accent1">
+              <a:shade val="50000"/>
+            </a:schemeClr>
+          </a:lnRef>
+          <a:fillRef idx="1">
+            <a:schemeClr val="accent1"/>
+          </a:fillRef>
+          <a:effectRef idx="0">
+            <a:schemeClr val="accent1"/>
+          </a:effectRef>
+          <a:fontRef idx="minor">
+            <a:schemeClr val="lt1"/>
+          </a:fontRef>
+        </p:style>
+        <p:txBody>
+          <a:bodyPr rtlCol="0" anchor="ctr"/>
+          <a:lstStyle/>
+          <a:p>
+            <a:pPr algn="ctr"/>
+            <a:endParaRPr lang="en-US"/>
+          </a:p>
+        </p:txBody>
+      </p:sp>
+      <p:sp>
+        <p:nvSpPr>
+          <p:cNvPr id="8" name="Oval 7"/>
+          <p:cNvSpPr/>
+          <p:nvPr/>
+        </p:nvSpPr>
+        <p:spPr>
+          <a:xfrm>
+            <a:off x="5853765" y="1143000"/>
+            <a:ext cx="1524000" cy="1143000"/>
+          </a:xfrm>
+          <a:prstGeom prst="ellipse">
+            <a:avLst/>
+          </a:prstGeom>
+          <a:noFill/>
+          <a:ln>
+            <a:solidFill>
+              <a:srgbClr val="FFC000"/>
+            </a:solidFill>
+          </a:ln>
+        </p:spPr>
+        <p:style>
+          <a:lnRef idx="2">
+            <a:schemeClr val="accent1">
+              <a:shade val="50000"/>
+            </a:schemeClr>
+          </a:lnRef>
+          <a:fillRef idx="1">
+            <a:schemeClr val="accent1"/>
+          </a:fillRef>
+          <a:effectRef idx="0">
+            <a:schemeClr val="accent1"/>
+          </a:effectRef>
+          <a:fontRef idx="minor">
+            <a:schemeClr val="lt1"/>
+          </a:fontRef>
+        </p:style>
+        <p:txBody>
+          <a:bodyPr rtlCol="0" anchor="ctr"/>
+          <a:lstStyle/>
+          <a:p>
+            <a:pPr algn="ctr"/>
+            <a:endParaRPr lang="en-US"/>
+          </a:p>
+        </p:txBody>
+      </p:sp>
+      <p:sp>
+        <p:nvSpPr>
+          <p:cNvPr id="9" name="Oval 8"/>
+          <p:cNvSpPr/>
+          <p:nvPr/>
+        </p:nvSpPr>
+        <p:spPr>
+          <a:xfrm>
+            <a:off x="1676400" y="4953000"/>
+            <a:ext cx="1524000" cy="1143000"/>
+          </a:xfrm>
+          <a:prstGeom prst="ellipse">
+            <a:avLst/>
+          </a:prstGeom>
+          <a:noFill/>
+          <a:ln>
+            <a:solidFill>
+              <a:srgbClr val="FFC000"/>
+            </a:solidFill>
+          </a:ln>
+        </p:spPr>
+        <p:style>
+          <a:lnRef idx="2">
+            <a:schemeClr val="accent1">
+              <a:shade val="50000"/>
+            </a:schemeClr>
+          </a:lnRef>
+          <a:fillRef idx="1">
+            <a:schemeClr val="accent1"/>
+          </a:fillRef>
+          <a:effectRef idx="0">
+            <a:schemeClr val="accent1"/>
+          </a:effectRef>
+          <a:fontRef idx="minor">
+            <a:schemeClr val="lt1"/>
+          </a:fontRef>
+        </p:style>
+        <p:txBody>
+          <a:bodyPr rtlCol="0" anchor="ctr"/>
+          <a:lstStyle/>
+          <a:p>
+            <a:pPr algn="ctr"/>
+            <a:endParaRPr lang="en-US"/>
+          </a:p>
+        </p:txBody>
+      </p:sp>
+      <p:sp>
+        <p:nvSpPr>
+          <p:cNvPr id="11" name="TextBox 10"/>
+          <p:cNvSpPr txBox="1"/>
+          <p:nvPr/>
+        </p:nvSpPr>
+        <p:spPr>
+          <a:xfrm>
+            <a:off x="3124200" y="5629870"/>
+            <a:ext cx="1230465" cy="369332"/>
+          </a:xfrm>
+          <a:prstGeom prst="rect">
+            <a:avLst/>
+          </a:prstGeom>
+          <a:noFill/>
+        </p:spPr>
+        <p:txBody>
+          <a:bodyPr wrap="none" rtlCol="0">
+            <a:spAutoFit/>
+          </a:bodyPr>
+          <a:lstStyle/>
+          <a:p>
+            <a:r>
+              <a:rPr lang="en-US" dirty="0" smtClean="0"/>
+              <a:t>14-15 crew</a:t>
+            </a:r>
+            <a:endParaRPr lang="en-US" dirty="0"/>
+          </a:p>
+        </p:txBody>
+      </p:sp>
+      <p:sp>
+        <p:nvSpPr>
+          <p:cNvPr id="12" name="TextBox 11"/>
+          <p:cNvSpPr txBox="1"/>
+          <p:nvPr/>
+        </p:nvSpPr>
+        <p:spPr>
+          <a:xfrm>
+            <a:off x="3939906" y="4778873"/>
+            <a:ext cx="1230465" cy="369332"/>
+          </a:xfrm>
+          <a:prstGeom prst="rect">
+            <a:avLst/>
+          </a:prstGeom>
+          <a:noFill/>
+        </p:spPr>
+        <p:txBody>
+          <a:bodyPr wrap="none" rtlCol="0">
+            <a:spAutoFit/>
+          </a:bodyPr>
+          <a:lstStyle/>
+          <a:p>
+            <a:r>
+              <a:rPr lang="en-US" dirty="0" smtClean="0"/>
+              <a:t>16-18 crew</a:t>
+            </a:r>
+            <a:endParaRPr lang="en-US" dirty="0"/>
+          </a:p>
+        </p:txBody>
+      </p:sp>
+      <p:sp>
+        <p:nvSpPr>
+          <p:cNvPr id="13" name="TextBox 12"/>
+          <p:cNvSpPr txBox="1"/>
+          <p:nvPr/>
+        </p:nvSpPr>
+        <p:spPr>
+          <a:xfrm>
+            <a:off x="4910007" y="3905026"/>
+            <a:ext cx="1230465" cy="369332"/>
+          </a:xfrm>
+          <a:prstGeom prst="rect">
+            <a:avLst/>
+          </a:prstGeom>
+          <a:noFill/>
+        </p:spPr>
+        <p:txBody>
+          <a:bodyPr wrap="none" rtlCol="0">
+            <a:spAutoFit/>
+          </a:bodyPr>
+          <a:lstStyle/>
+          <a:p>
+            <a:r>
+              <a:rPr lang="en-US" dirty="0" smtClean="0"/>
+              <a:t>19-21 crew</a:t>
+            </a:r>
+            <a:endParaRPr lang="en-US" dirty="0"/>
+          </a:p>
+        </p:txBody>
+      </p:sp>
+      <p:sp>
+        <p:nvSpPr>
+          <p:cNvPr id="14" name="TextBox 13"/>
+          <p:cNvSpPr txBox="1"/>
+          <p:nvPr/>
+        </p:nvSpPr>
+        <p:spPr>
+          <a:xfrm>
+            <a:off x="5874218" y="3065502"/>
+            <a:ext cx="1177566" cy="369332"/>
+          </a:xfrm>
+          <a:prstGeom prst="rect">
+            <a:avLst/>
+          </a:prstGeom>
+          <a:noFill/>
+        </p:spPr>
+        <p:txBody>
+          <a:bodyPr wrap="none" rtlCol="0">
+            <a:spAutoFit/>
+          </a:bodyPr>
+          <a:lstStyle/>
+          <a:p>
+            <a:r>
+              <a:rPr lang="en-US" dirty="0" smtClean="0"/>
+              <a:t>20-22crew</a:t>
+            </a:r>
+            <a:endParaRPr lang="en-US" dirty="0"/>
+          </a:p>
+        </p:txBody>
+      </p:sp>
+      <p:sp>
+        <p:nvSpPr>
+          <p:cNvPr id="15" name="TextBox 14"/>
+          <p:cNvSpPr txBox="1"/>
+          <p:nvPr/>
+        </p:nvSpPr>
+        <p:spPr>
+          <a:xfrm>
+            <a:off x="7045671" y="2081463"/>
+            <a:ext cx="1230465" cy="369332"/>
+          </a:xfrm>
+          <a:prstGeom prst="rect">
+            <a:avLst/>
+          </a:prstGeom>
+          <a:noFill/>
+        </p:spPr>
+        <p:txBody>
+          <a:bodyPr wrap="none" rtlCol="0">
+            <a:spAutoFit/>
+          </a:bodyPr>
+          <a:lstStyle/>
+          <a:p>
+            <a:r>
+              <a:rPr lang="en-US" dirty="0" smtClean="0"/>
+              <a:t>23-25 crew</a:t>
+            </a:r>
+            <a:endParaRPr lang="en-US" dirty="0"/>
+          </a:p>
+        </p:txBody>
+      </p:sp>
     </p:spTree>
     <p:extLst>
       <p:ext uri="{BB962C8B-B14F-4D97-AF65-F5344CB8AC3E}">
-        <p14:creationId xmlns:p14="http://schemas.microsoft.com/office/powerpoint/2010/main" val="4266063036"/>
+        <p14:creationId xmlns:p14="http://schemas.microsoft.com/office/powerpoint/2010/main" val="2597254791"/>
       </p:ext>
     </p:extLst>
   </p:cSld>
@@ -12672,9 +12924,332 @@
   <p:timing>
     <p:tnLst>
       <p:par>
-        <p:cTn id="1" dur="indefinite" restart="never" nodeType="tmRoot"/>
+        <p:cTn id="1" dur="indefinite" restart="never" nodeType="tmRoot">
+          <p:childTnLst>
+            <p:seq concurrent="1" nextAc="seek">
+              <p:cTn id="2" dur="indefinite" nodeType="mainSeq">
+                <p:childTnLst>
+                  <p:par>
+                    <p:cTn id="3" fill="hold">
+                      <p:stCondLst>
+                        <p:cond delay="indefinite"/>
+                      </p:stCondLst>
+                      <p:childTnLst>
+                        <p:par>
+                          <p:cTn id="4" fill="hold">
+                            <p:stCondLst>
+                              <p:cond delay="0"/>
+                            </p:stCondLst>
+                            <p:childTnLst>
+                              <p:par>
+                                <p:cTn id="5" presetID="1" presetClass="entr" presetSubtype="0" fill="hold" grpId="0" nodeType="clickEffect">
+                                  <p:stCondLst>
+                                    <p:cond delay="0"/>
+                                  </p:stCondLst>
+                                  <p:childTnLst>
+                                    <p:set>
+                                      <p:cBhvr>
+                                        <p:cTn id="6" dur="1" fill="hold">
+                                          <p:stCondLst>
+                                            <p:cond delay="0"/>
+                                          </p:stCondLst>
+                                        </p:cTn>
+                                        <p:tgtEl>
+                                          <p:spTgt spid="11"/>
+                                        </p:tgtEl>
+                                        <p:attrNameLst>
+                                          <p:attrName>style.visibility</p:attrName>
+                                        </p:attrNameLst>
+                                      </p:cBhvr>
+                                      <p:to>
+                                        <p:strVal val="visible"/>
+                                      </p:to>
+                                    </p:set>
+                                  </p:childTnLst>
+                                </p:cTn>
+                              </p:par>
+                              <p:par>
+                                <p:cTn id="7" presetID="1" presetClass="entr" presetSubtype="0" fill="hold" grpId="0" nodeType="withEffect">
+                                  <p:stCondLst>
+                                    <p:cond delay="0"/>
+                                  </p:stCondLst>
+                                  <p:childTnLst>
+                                    <p:set>
+                                      <p:cBhvr>
+                                        <p:cTn id="8" dur="1" fill="hold">
+                                          <p:stCondLst>
+                                            <p:cond delay="0"/>
+                                          </p:stCondLst>
+                                        </p:cTn>
+                                        <p:tgtEl>
+                                          <p:spTgt spid="9"/>
+                                        </p:tgtEl>
+                                        <p:attrNameLst>
+                                          <p:attrName>style.visibility</p:attrName>
+                                        </p:attrNameLst>
+                                      </p:cBhvr>
+                                      <p:to>
+                                        <p:strVal val="visible"/>
+                                      </p:to>
+                                    </p:set>
+                                  </p:childTnLst>
+                                </p:cTn>
+                              </p:par>
+                              <p:par>
+                                <p:cTn id="9" presetID="1" presetClass="entr" presetSubtype="0" fill="hold" grpId="0" nodeType="withEffect">
+                                  <p:stCondLst>
+                                    <p:cond delay="0"/>
+                                  </p:stCondLst>
+                                  <p:childTnLst>
+                                    <p:set>
+                                      <p:cBhvr>
+                                        <p:cTn id="10" dur="1" fill="hold">
+                                          <p:stCondLst>
+                                            <p:cond delay="0"/>
+                                          </p:stCondLst>
+                                        </p:cTn>
+                                        <p:tgtEl>
+                                          <p:spTgt spid="4"/>
+                                        </p:tgtEl>
+                                        <p:attrNameLst>
+                                          <p:attrName>style.visibility</p:attrName>
+                                        </p:attrNameLst>
+                                      </p:cBhvr>
+                                      <p:to>
+                                        <p:strVal val="visible"/>
+                                      </p:to>
+                                    </p:set>
+                                  </p:childTnLst>
+                                </p:cTn>
+                              </p:par>
+                              <p:par>
+                                <p:cTn id="11" presetID="1" presetClass="entr" presetSubtype="0" fill="hold" grpId="0" nodeType="withEffect">
+                                  <p:stCondLst>
+                                    <p:cond delay="0"/>
+                                  </p:stCondLst>
+                                  <p:childTnLst>
+                                    <p:set>
+                                      <p:cBhvr>
+                                        <p:cTn id="12" dur="1" fill="hold">
+                                          <p:stCondLst>
+                                            <p:cond delay="0"/>
+                                          </p:stCondLst>
+                                        </p:cTn>
+                                        <p:tgtEl>
+                                          <p:spTgt spid="12"/>
+                                        </p:tgtEl>
+                                        <p:attrNameLst>
+                                          <p:attrName>style.visibility</p:attrName>
+                                        </p:attrNameLst>
+                                      </p:cBhvr>
+                                      <p:to>
+                                        <p:strVal val="visible"/>
+                                      </p:to>
+                                    </p:set>
+                                  </p:childTnLst>
+                                </p:cTn>
+                              </p:par>
+                              <p:par>
+                                <p:cTn id="13" presetID="1" presetClass="entr" presetSubtype="0" fill="hold" grpId="0" nodeType="withEffect">
+                                  <p:stCondLst>
+                                    <p:cond delay="0"/>
+                                  </p:stCondLst>
+                                  <p:childTnLst>
+                                    <p:set>
+                                      <p:cBhvr>
+                                        <p:cTn id="14" dur="1" fill="hold">
+                                          <p:stCondLst>
+                                            <p:cond delay="0"/>
+                                          </p:stCondLst>
+                                        </p:cTn>
+                                        <p:tgtEl>
+                                          <p:spTgt spid="6"/>
+                                        </p:tgtEl>
+                                        <p:attrNameLst>
+                                          <p:attrName>style.visibility</p:attrName>
+                                        </p:attrNameLst>
+                                      </p:cBhvr>
+                                      <p:to>
+                                        <p:strVal val="visible"/>
+                                      </p:to>
+                                    </p:set>
+                                  </p:childTnLst>
+                                </p:cTn>
+                              </p:par>
+                              <p:par>
+                                <p:cTn id="15" presetID="1" presetClass="entr" presetSubtype="0" fill="hold" grpId="0" nodeType="withEffect">
+                                  <p:stCondLst>
+                                    <p:cond delay="0"/>
+                                  </p:stCondLst>
+                                  <p:childTnLst>
+                                    <p:set>
+                                      <p:cBhvr>
+                                        <p:cTn id="16" dur="1" fill="hold">
+                                          <p:stCondLst>
+                                            <p:cond delay="0"/>
+                                          </p:stCondLst>
+                                        </p:cTn>
+                                        <p:tgtEl>
+                                          <p:spTgt spid="13"/>
+                                        </p:tgtEl>
+                                        <p:attrNameLst>
+                                          <p:attrName>style.visibility</p:attrName>
+                                        </p:attrNameLst>
+                                      </p:cBhvr>
+                                      <p:to>
+                                        <p:strVal val="visible"/>
+                                      </p:to>
+                                    </p:set>
+                                  </p:childTnLst>
+                                </p:cTn>
+                              </p:par>
+                              <p:par>
+                                <p:cTn id="17" presetID="1" presetClass="entr" presetSubtype="0" fill="hold" grpId="0" nodeType="withEffect">
+                                  <p:stCondLst>
+                                    <p:cond delay="0"/>
+                                  </p:stCondLst>
+                                  <p:childTnLst>
+                                    <p:set>
+                                      <p:cBhvr>
+                                        <p:cTn id="18" dur="1" fill="hold">
+                                          <p:stCondLst>
+                                            <p:cond delay="0"/>
+                                          </p:stCondLst>
+                                        </p:cTn>
+                                        <p:tgtEl>
+                                          <p:spTgt spid="7"/>
+                                        </p:tgtEl>
+                                        <p:attrNameLst>
+                                          <p:attrName>style.visibility</p:attrName>
+                                        </p:attrNameLst>
+                                      </p:cBhvr>
+                                      <p:to>
+                                        <p:strVal val="visible"/>
+                                      </p:to>
+                                    </p:set>
+                                  </p:childTnLst>
+                                </p:cTn>
+                              </p:par>
+                              <p:par>
+                                <p:cTn id="19" presetID="1" presetClass="entr" presetSubtype="0" fill="hold" grpId="0" nodeType="withEffect">
+                                  <p:stCondLst>
+                                    <p:cond delay="0"/>
+                                  </p:stCondLst>
+                                  <p:childTnLst>
+                                    <p:set>
+                                      <p:cBhvr>
+                                        <p:cTn id="20" dur="1" fill="hold">
+                                          <p:stCondLst>
+                                            <p:cond delay="0"/>
+                                          </p:stCondLst>
+                                        </p:cTn>
+                                        <p:tgtEl>
+                                          <p:spTgt spid="14"/>
+                                        </p:tgtEl>
+                                        <p:attrNameLst>
+                                          <p:attrName>style.visibility</p:attrName>
+                                        </p:attrNameLst>
+                                      </p:cBhvr>
+                                      <p:to>
+                                        <p:strVal val="visible"/>
+                                      </p:to>
+                                    </p:set>
+                                  </p:childTnLst>
+                                </p:cTn>
+                              </p:par>
+                              <p:par>
+                                <p:cTn id="21" presetID="1" presetClass="entr" presetSubtype="0" fill="hold" grpId="0" nodeType="withEffect">
+                                  <p:stCondLst>
+                                    <p:cond delay="0"/>
+                                  </p:stCondLst>
+                                  <p:childTnLst>
+                                    <p:set>
+                                      <p:cBhvr>
+                                        <p:cTn id="22" dur="1" fill="hold">
+                                          <p:stCondLst>
+                                            <p:cond delay="0"/>
+                                          </p:stCondLst>
+                                        </p:cTn>
+                                        <p:tgtEl>
+                                          <p:spTgt spid="8"/>
+                                        </p:tgtEl>
+                                        <p:attrNameLst>
+                                          <p:attrName>style.visibility</p:attrName>
+                                        </p:attrNameLst>
+                                      </p:cBhvr>
+                                      <p:to>
+                                        <p:strVal val="visible"/>
+                                      </p:to>
+                                    </p:set>
+                                  </p:childTnLst>
+                                </p:cTn>
+                              </p:par>
+                              <p:par>
+                                <p:cTn id="23" presetID="1" presetClass="entr" presetSubtype="0" fill="hold" grpId="0" nodeType="withEffect">
+                                  <p:stCondLst>
+                                    <p:cond delay="0"/>
+                                  </p:stCondLst>
+                                  <p:childTnLst>
+                                    <p:set>
+                                      <p:cBhvr>
+                                        <p:cTn id="24" dur="1" fill="hold">
+                                          <p:stCondLst>
+                                            <p:cond delay="0"/>
+                                          </p:stCondLst>
+                                        </p:cTn>
+                                        <p:tgtEl>
+                                          <p:spTgt spid="15"/>
+                                        </p:tgtEl>
+                                        <p:attrNameLst>
+                                          <p:attrName>style.visibility</p:attrName>
+                                        </p:attrNameLst>
+                                      </p:cBhvr>
+                                      <p:to>
+                                        <p:strVal val="visible"/>
+                                      </p:to>
+                                    </p:set>
+                                  </p:childTnLst>
+                                </p:cTn>
+                              </p:par>
+                            </p:childTnLst>
+                          </p:cTn>
+                        </p:par>
+                      </p:childTnLst>
+                    </p:cTn>
+                  </p:par>
+                </p:childTnLst>
+              </p:cTn>
+              <p:prevCondLst>
+                <p:cond evt="onPrev" delay="0">
+                  <p:tgtEl>
+                    <p:sldTgt/>
+                  </p:tgtEl>
+                </p:cond>
+              </p:prevCondLst>
+              <p:nextCondLst>
+                <p:cond evt="onNext" delay="0">
+                  <p:tgtEl>
+                    <p:sldTgt/>
+                  </p:tgtEl>
+                </p:cond>
+              </p:nextCondLst>
+            </p:seq>
+          </p:childTnLst>
+        </p:cTn>
       </p:par>
     </p:tnLst>
+    <p:bldLst>
+      <p:bldP spid="4" grpId="0" animBg="1"/>
+      <p:bldP spid="6" grpId="0" animBg="1"/>
+      <p:bldP spid="7" grpId="0" animBg="1"/>
+      <p:bldP spid="8" grpId="0" animBg="1"/>
+      <p:bldP spid="9" grpId="0" animBg="1"/>
+      <p:bldP spid="11" grpId="0"/>
+      <p:bldP spid="12" grpId="0"/>
+      <p:bldP spid="13" grpId="0"/>
+      <p:bldP spid="14" grpId="0"/>
+      <p:bldP spid="15" grpId="0"/>
+    </p:bldLst>
   </p:timing>
 </p:sld>
 </file>
@@ -12760,36 +13335,214 @@
           </a:p>
         </p:txBody>
       </p:sp>
-      <p:pic>
-        <p:nvPicPr>
-          <p:cNvPr id="6" name="Picture 5"/>
-          <p:cNvPicPr>
-            <a:picLocks noChangeAspect="1"/>
-          </p:cNvPicPr>
+      <p:grpSp>
+        <p:nvGrpSpPr>
+          <p:cNvPr id="7" name="Group 6"/>
+          <p:cNvGrpSpPr/>
           <p:nvPr/>
-        </p:nvPicPr>
-        <p:blipFill>
-          <a:blip r:embed="rId2">
-            <a:extLst>
-              <a:ext uri="{28A0092B-C50C-407E-A947-70E740481C1C}">
-                <a14:useLocalDpi xmlns:a14="http://schemas.microsoft.com/office/drawing/2010/main"/>
-              </a:ext>
-            </a:extLst>
-          </a:blip>
-          <a:stretch>
-            <a:fillRect/>
-          </a:stretch>
-        </p:blipFill>
+        </p:nvGrpSpPr>
+        <p:grpSpPr>
+          <a:xfrm>
+            <a:off x="1447800" y="1116000"/>
+            <a:ext cx="6666667" cy="5249005"/>
+            <a:chOff x="1447800" y="1116000"/>
+            <a:chExt cx="6666667" cy="5249005"/>
+          </a:xfrm>
+        </p:grpSpPr>
+        <p:pic>
+          <p:nvPicPr>
+            <p:cNvPr id="3" name="Picture 2"/>
+            <p:cNvPicPr>
+              <a:picLocks noChangeAspect="1"/>
+            </p:cNvPicPr>
+            <p:nvPr/>
+          </p:nvPicPr>
+          <p:blipFill rotWithShape="1">
+            <a:blip r:embed="rId3">
+              <a:extLst>
+                <a:ext uri="{28A0092B-C50C-407E-A947-70E740481C1C}">
+                  <a14:useLocalDpi xmlns:a14="http://schemas.microsoft.com/office/drawing/2010/main" val="0"/>
+                </a:ext>
+              </a:extLst>
+            </a:blip>
+            <a:srcRect b="6348"/>
+            <a:stretch/>
+          </p:blipFill>
+          <p:spPr>
+            <a:xfrm>
+              <a:off x="1447800" y="1116000"/>
+              <a:ext cx="6666667" cy="4941228"/>
+            </a:xfrm>
+            <a:prstGeom prst="rect">
+              <a:avLst/>
+            </a:prstGeom>
+          </p:spPr>
+        </p:pic>
+        <p:sp>
+          <p:nvSpPr>
+            <p:cNvPr id="4" name="TextBox 3"/>
+            <p:cNvSpPr txBox="1"/>
+            <p:nvPr/>
+          </p:nvSpPr>
+          <p:spPr>
+            <a:xfrm>
+              <a:off x="4267200" y="6057228"/>
+              <a:ext cx="1217000" cy="307777"/>
+            </a:xfrm>
+            <a:prstGeom prst="rect">
+              <a:avLst/>
+            </a:prstGeom>
+            <a:noFill/>
+          </p:spPr>
+          <p:txBody>
+            <a:bodyPr wrap="none" rtlCol="0">
+              <a:spAutoFit/>
+            </a:bodyPr>
+            <a:lstStyle/>
+            <a:p>
+              <a:r>
+                <a:rPr lang="en-US" sz="1400" dirty="0" smtClean="0"/>
+                <a:t>Science Utility</a:t>
+              </a:r>
+              <a:endParaRPr lang="en-US" sz="1400" dirty="0"/>
+            </a:p>
+          </p:txBody>
+        </p:sp>
+      </p:grpSp>
+      <p:sp>
+        <p:nvSpPr>
+          <p:cNvPr id="8" name="Diamond 7"/>
+          <p:cNvSpPr/>
+          <p:nvPr/>
+        </p:nvSpPr>
         <p:spPr>
           <a:xfrm>
-            <a:off x="1143000" y="1172127"/>
-            <a:ext cx="6761905" cy="5171429"/>
-          </a:xfrm>
-          <a:prstGeom prst="rect">
+            <a:off x="6934200" y="5410200"/>
+            <a:ext cx="152400" cy="152400"/>
+          </a:xfrm>
+          <a:prstGeom prst="diamond">
             <a:avLst/>
           </a:prstGeom>
         </p:spPr>
-      </p:pic>
+        <p:style>
+          <a:lnRef idx="2">
+            <a:schemeClr val="accent6">
+              <a:shade val="50000"/>
+            </a:schemeClr>
+          </a:lnRef>
+          <a:fillRef idx="1">
+            <a:schemeClr val="accent6"/>
+          </a:fillRef>
+          <a:effectRef idx="0">
+            <a:schemeClr val="accent6"/>
+          </a:effectRef>
+          <a:fontRef idx="minor">
+            <a:schemeClr val="lt1"/>
+          </a:fontRef>
+        </p:style>
+        <p:txBody>
+          <a:bodyPr rtlCol="0" anchor="ctr"/>
+          <a:lstStyle/>
+          <a:p>
+            <a:pPr algn="ctr"/>
+            <a:endParaRPr lang="en-US"/>
+          </a:p>
+        </p:txBody>
+      </p:sp>
+      <p:sp>
+        <p:nvSpPr>
+          <p:cNvPr id="9" name="Arc 8"/>
+          <p:cNvSpPr/>
+          <p:nvPr/>
+        </p:nvSpPr>
+        <p:spPr>
+          <a:xfrm rot="4204004">
+            <a:off x="1527019" y="1191739"/>
+            <a:ext cx="4133810" cy="3904979"/>
+          </a:xfrm>
+          <a:prstGeom prst="arc">
+            <a:avLst>
+              <a:gd name="adj1" fmla="val 17649435"/>
+              <a:gd name="adj2" fmla="val 0"/>
+            </a:avLst>
+          </a:prstGeom>
+          <a:ln w="28575">
+            <a:solidFill>
+              <a:srgbClr val="FF66FF"/>
+            </a:solidFill>
+            <a:prstDash val="dash"/>
+          </a:ln>
+        </p:spPr>
+        <p:style>
+          <a:lnRef idx="1">
+            <a:schemeClr val="accent1"/>
+          </a:lnRef>
+          <a:fillRef idx="0">
+            <a:schemeClr val="accent1"/>
+          </a:fillRef>
+          <a:effectRef idx="0">
+            <a:schemeClr val="accent1"/>
+          </a:effectRef>
+          <a:fontRef idx="minor">
+            <a:schemeClr val="tx1"/>
+          </a:fontRef>
+        </p:style>
+        <p:txBody>
+          <a:bodyPr rtlCol="0" anchor="ctr"/>
+          <a:lstStyle/>
+          <a:p>
+            <a:pPr algn="ctr"/>
+            <a:endParaRPr lang="en-US"/>
+          </a:p>
+        </p:txBody>
+      </p:sp>
+      <p:sp>
+        <p:nvSpPr>
+          <p:cNvPr id="10" name="Arc 9"/>
+          <p:cNvSpPr/>
+          <p:nvPr/>
+        </p:nvSpPr>
+        <p:spPr>
+          <a:xfrm rot="4204004">
+            <a:off x="320872" y="1428669"/>
+            <a:ext cx="4133810" cy="3904979"/>
+          </a:xfrm>
+          <a:prstGeom prst="arc">
+            <a:avLst>
+              <a:gd name="adj1" fmla="val 17649435"/>
+              <a:gd name="adj2" fmla="val 0"/>
+            </a:avLst>
+          </a:prstGeom>
+          <a:ln w="28575">
+            <a:solidFill>
+              <a:srgbClr val="FF66FF"/>
+            </a:solidFill>
+            <a:prstDash val="dash"/>
+          </a:ln>
+        </p:spPr>
+        <p:style>
+          <a:lnRef idx="1">
+            <a:schemeClr val="accent1"/>
+          </a:lnRef>
+          <a:fillRef idx="0">
+            <a:schemeClr val="accent1"/>
+          </a:fillRef>
+          <a:effectRef idx="0">
+            <a:schemeClr val="accent1"/>
+          </a:effectRef>
+          <a:fontRef idx="minor">
+            <a:schemeClr val="tx1"/>
+          </a:fontRef>
+        </p:style>
+        <p:txBody>
+          <a:bodyPr rtlCol="0" anchor="ctr"/>
+          <a:lstStyle/>
+          <a:p>
+            <a:pPr algn="ctr"/>
+            <a:endParaRPr lang="en-US"/>
+          </a:p>
+        </p:txBody>
+      </p:sp>
     </p:spTree>
     <p:extLst>
       <p:ext uri="{BB962C8B-B14F-4D97-AF65-F5344CB8AC3E}">
@@ -12803,9 +13556,108 @@
   <p:timing>
     <p:tnLst>
       <p:par>
-        <p:cTn id="1" dur="indefinite" restart="never" nodeType="tmRoot"/>
+        <p:cTn id="1" dur="indefinite" restart="never" nodeType="tmRoot">
+          <p:childTnLst>
+            <p:seq concurrent="1" nextAc="seek">
+              <p:cTn id="2" dur="indefinite" nodeType="mainSeq">
+                <p:childTnLst>
+                  <p:par>
+                    <p:cTn id="3" fill="hold">
+                      <p:stCondLst>
+                        <p:cond delay="indefinite"/>
+                      </p:stCondLst>
+                      <p:childTnLst>
+                        <p:par>
+                          <p:cTn id="4" fill="hold">
+                            <p:stCondLst>
+                              <p:cond delay="0"/>
+                            </p:stCondLst>
+                            <p:childTnLst>
+                              <p:par>
+                                <p:cTn id="5" presetID="1" presetClass="entr" presetSubtype="0" fill="hold" grpId="0" nodeType="clickEffect">
+                                  <p:stCondLst>
+                                    <p:cond delay="0"/>
+                                  </p:stCondLst>
+                                  <p:childTnLst>
+                                    <p:set>
+                                      <p:cBhvr>
+                                        <p:cTn id="6" dur="1" fill="hold">
+                                          <p:stCondLst>
+                                            <p:cond delay="0"/>
+                                          </p:stCondLst>
+                                        </p:cTn>
+                                        <p:tgtEl>
+                                          <p:spTgt spid="10"/>
+                                        </p:tgtEl>
+                                        <p:attrNameLst>
+                                          <p:attrName>style.visibility</p:attrName>
+                                        </p:attrNameLst>
+                                      </p:cBhvr>
+                                      <p:to>
+                                        <p:strVal val="visible"/>
+                                      </p:to>
+                                    </p:set>
+                                  </p:childTnLst>
+                                </p:cTn>
+                              </p:par>
+                              <p:par>
+                                <p:cTn id="7" presetID="1" presetClass="entr" presetSubtype="0" fill="hold" grpId="0" nodeType="withEffect">
+                                  <p:stCondLst>
+                                    <p:cond delay="0"/>
+                                  </p:stCondLst>
+                                  <p:childTnLst>
+                                    <p:set>
+                                      <p:cBhvr>
+                                        <p:cTn id="8" dur="1" fill="hold">
+                                          <p:stCondLst>
+                                            <p:cond delay="0"/>
+                                          </p:stCondLst>
+                                        </p:cTn>
+                                        <p:tgtEl>
+                                          <p:spTgt spid="9"/>
+                                        </p:tgtEl>
+                                        <p:attrNameLst>
+                                          <p:attrName>style.visibility</p:attrName>
+                                        </p:attrNameLst>
+                                      </p:cBhvr>
+                                      <p:to>
+                                        <p:strVal val="visible"/>
+                                      </p:to>
+                                    </p:set>
+                                  </p:childTnLst>
+                                </p:cTn>
+                              </p:par>
+                            </p:childTnLst>
+                          </p:cTn>
+                        </p:par>
+                      </p:childTnLst>
+                    </p:cTn>
+                  </p:par>
+                </p:childTnLst>
+              </p:cTn>
+              <p:prevCondLst>
+                <p:cond evt="onPrev" delay="0">
+                  <p:tgtEl>
+                    <p:sldTgt/>
+                  </p:tgtEl>
+                </p:cond>
+              </p:prevCondLst>
+              <p:nextCondLst>
+                <p:cond evt="onNext" delay="0">
+                  <p:tgtEl>
+                    <p:sldTgt/>
+                  </p:tgtEl>
+                </p:cond>
+              </p:nextCondLst>
+            </p:seq>
+          </p:childTnLst>
+        </p:cTn>
       </p:par>
     </p:tnLst>
+    <p:bldLst>
+      <p:bldP spid="9" grpId="0" animBg="1"/>
+      <p:bldP spid="10" grpId="0" animBg="1"/>
+    </p:bldLst>
   </p:timing>
 </p:sld>
 </file>
@@ -12891,6 +13743,215 @@
           </a:p>
         </p:txBody>
       </p:sp>
+      <p:grpSp>
+        <p:nvGrpSpPr>
+          <p:cNvPr id="5" name="Group 4"/>
+          <p:cNvGrpSpPr/>
+          <p:nvPr/>
+        </p:nvGrpSpPr>
+        <p:grpSpPr>
+          <a:xfrm>
+            <a:off x="1447800" y="1132544"/>
+            <a:ext cx="6666667" cy="5249005"/>
+            <a:chOff x="1447800" y="1116000"/>
+            <a:chExt cx="6666667" cy="5249005"/>
+          </a:xfrm>
+        </p:grpSpPr>
+        <p:pic>
+          <p:nvPicPr>
+            <p:cNvPr id="6" name="Picture 5"/>
+            <p:cNvPicPr>
+              <a:picLocks noChangeAspect="1"/>
+            </p:cNvPicPr>
+            <p:nvPr/>
+          </p:nvPicPr>
+          <p:blipFill rotWithShape="1">
+            <a:blip r:embed="rId3">
+              <a:extLst>
+                <a:ext uri="{28A0092B-C50C-407E-A947-70E740481C1C}">
+                  <a14:useLocalDpi xmlns:a14="http://schemas.microsoft.com/office/drawing/2010/main" val="0"/>
+                </a:ext>
+              </a:extLst>
+            </a:blip>
+            <a:srcRect b="6348"/>
+            <a:stretch/>
+          </p:blipFill>
+          <p:spPr>
+            <a:xfrm>
+              <a:off x="1447800" y="1116000"/>
+              <a:ext cx="6666667" cy="4941228"/>
+            </a:xfrm>
+            <a:prstGeom prst="rect">
+              <a:avLst/>
+            </a:prstGeom>
+          </p:spPr>
+        </p:pic>
+        <p:sp>
+          <p:nvSpPr>
+            <p:cNvPr id="7" name="TextBox 6"/>
+            <p:cNvSpPr txBox="1"/>
+            <p:nvPr/>
+          </p:nvSpPr>
+          <p:spPr>
+            <a:xfrm>
+              <a:off x="4267200" y="6057228"/>
+              <a:ext cx="1217000" cy="307777"/>
+            </a:xfrm>
+            <a:prstGeom prst="rect">
+              <a:avLst/>
+            </a:prstGeom>
+            <a:noFill/>
+          </p:spPr>
+          <p:txBody>
+            <a:bodyPr wrap="none" rtlCol="0">
+              <a:spAutoFit/>
+            </a:bodyPr>
+            <a:lstStyle/>
+            <a:p>
+              <a:r>
+                <a:rPr lang="en-US" sz="1400" dirty="0" smtClean="0"/>
+                <a:t>Science Utility</a:t>
+              </a:r>
+              <a:endParaRPr lang="en-US" sz="1400" dirty="0"/>
+            </a:p>
+          </p:txBody>
+        </p:sp>
+      </p:grpSp>
+      <p:sp>
+        <p:nvSpPr>
+          <p:cNvPr id="8" name="Diamond 7"/>
+          <p:cNvSpPr/>
+          <p:nvPr/>
+        </p:nvSpPr>
+        <p:spPr>
+          <a:xfrm>
+            <a:off x="6934200" y="5410200"/>
+            <a:ext cx="152400" cy="152400"/>
+          </a:xfrm>
+          <a:prstGeom prst="diamond">
+            <a:avLst/>
+          </a:prstGeom>
+        </p:spPr>
+        <p:style>
+          <a:lnRef idx="2">
+            <a:schemeClr val="accent6">
+              <a:shade val="50000"/>
+            </a:schemeClr>
+          </a:lnRef>
+          <a:fillRef idx="1">
+            <a:schemeClr val="accent6"/>
+          </a:fillRef>
+          <a:effectRef idx="0">
+            <a:schemeClr val="accent6"/>
+          </a:effectRef>
+          <a:fontRef idx="minor">
+            <a:schemeClr val="lt1"/>
+          </a:fontRef>
+        </p:style>
+        <p:txBody>
+          <a:bodyPr rtlCol="0" anchor="ctr"/>
+          <a:lstStyle/>
+          <a:p>
+            <a:pPr algn="ctr"/>
+            <a:endParaRPr lang="en-US"/>
+          </a:p>
+        </p:txBody>
+      </p:sp>
+      <p:sp>
+        <p:nvSpPr>
+          <p:cNvPr id="3" name="Oval 2"/>
+          <p:cNvSpPr/>
+          <p:nvPr/>
+        </p:nvSpPr>
+        <p:spPr>
+          <a:xfrm>
+            <a:off x="6124875" y="4353426"/>
+            <a:ext cx="218574" cy="218574"/>
+          </a:xfrm>
+          <a:prstGeom prst="ellipse">
+            <a:avLst/>
+          </a:prstGeom>
+          <a:noFill/>
+          <a:ln>
+            <a:solidFill>
+              <a:srgbClr val="FFC000"/>
+            </a:solidFill>
+          </a:ln>
+        </p:spPr>
+        <p:style>
+          <a:lnRef idx="2">
+            <a:schemeClr val="accent6">
+              <a:shade val="50000"/>
+            </a:schemeClr>
+          </a:lnRef>
+          <a:fillRef idx="1">
+            <a:schemeClr val="accent6"/>
+          </a:fillRef>
+          <a:effectRef idx="0">
+            <a:schemeClr val="accent6"/>
+          </a:effectRef>
+          <a:fontRef idx="minor">
+            <a:schemeClr val="lt1"/>
+          </a:fontRef>
+        </p:style>
+        <p:txBody>
+          <a:bodyPr rtlCol="0" anchor="ctr"/>
+          <a:lstStyle/>
+          <a:p>
+            <a:pPr algn="ctr"/>
+            <a:endParaRPr lang="en-US"/>
+          </a:p>
+        </p:txBody>
+      </p:sp>
+      <p:pic>
+        <p:nvPicPr>
+          <p:cNvPr id="9219" name="Picture 3"/>
+          <p:cNvPicPr>
+            <a:picLocks noChangeAspect="1" noChangeArrowheads="1"/>
+          </p:cNvPicPr>
+          <p:nvPr/>
+        </p:nvPicPr>
+        <p:blipFill>
+          <a:blip r:embed="rId4">
+            <a:extLst>
+              <a:ext uri="{28A0092B-C50C-407E-A947-70E740481C1C}">
+                <a14:useLocalDpi xmlns:a14="http://schemas.microsoft.com/office/drawing/2010/main" val="0"/>
+              </a:ext>
+            </a:extLst>
+          </a:blip>
+          <a:srcRect/>
+          <a:stretch>
+            <a:fillRect/>
+          </a:stretch>
+        </p:blipFill>
+        <p:spPr bwMode="auto">
+          <a:xfrm>
+            <a:off x="1371600" y="1215883"/>
+            <a:ext cx="4721596" cy="3137543"/>
+          </a:xfrm>
+          <a:prstGeom prst="rect">
+            <a:avLst/>
+          </a:prstGeom>
+          <a:noFill/>
+          <a:ln w="22225">
+            <a:solidFill>
+              <a:schemeClr val="tx1"/>
+            </a:solidFill>
+            <a:miter lim="800000"/>
+            <a:headEnd/>
+            <a:tailEnd/>
+          </a:ln>
+          <a:extLst>
+            <a:ext uri="{909E8E84-426E-40DD-AFC4-6F175D3DCCD1}">
+              <a14:hiddenFill xmlns:a14="http://schemas.microsoft.com/office/drawing/2010/main">
+                <a:solidFill>
+                  <a:schemeClr val="accent1"/>
+                </a:solidFill>
+              </a14:hiddenFill>
+            </a:ext>
+          </a:extLst>
+        </p:spPr>
+      </p:pic>
     </p:spTree>
     <p:extLst>
       <p:ext uri="{BB962C8B-B14F-4D97-AF65-F5344CB8AC3E}">
@@ -12904,7 +13965,75 @@
   <p:timing>
     <p:tnLst>
       <p:par>
-        <p:cTn id="1" dur="indefinite" restart="never" nodeType="tmRoot"/>
+        <p:cTn id="1" dur="indefinite" restart="never" nodeType="tmRoot">
+          <p:childTnLst>
+            <p:seq concurrent="1" nextAc="seek">
+              <p:cTn id="2" dur="indefinite" nodeType="mainSeq">
+                <p:childTnLst>
+                  <p:par>
+                    <p:cTn id="3" fill="hold">
+                      <p:stCondLst>
+                        <p:cond delay="indefinite"/>
+                      </p:stCondLst>
+                      <p:childTnLst>
+                        <p:par>
+                          <p:cTn id="4" fill="hold">
+                            <p:stCondLst>
+                              <p:cond delay="0"/>
+                            </p:stCondLst>
+                            <p:childTnLst>
+                              <p:par>
+                                <p:cTn id="5" presetID="1" presetClass="entr" presetSubtype="0" fill="hold" nodeType="clickEffect">
+                                  <p:stCondLst>
+                                    <p:cond delay="0"/>
+                                  </p:stCondLst>
+                                  <p:childTnLst>
+                                    <p:set>
+                                      <p:cBhvr>
+                                        <p:cTn id="6" dur="1" fill="hold">
+                                          <p:stCondLst>
+                                            <p:cond delay="0"/>
+                                          </p:stCondLst>
+                                        </p:cTn>
+                                        <p:tgtEl>
+                                          <p:spTgt spid="9219"/>
+                                        </p:tgtEl>
+                                        <p:attrNameLst>
+                                          <p:attrName>style.visibility</p:attrName>
+                                        </p:attrNameLst>
+                                      </p:cBhvr>
+                                      <p:to>
+                                        <p:strVal val="visible"/>
+                                      </p:to>
+                                    </p:set>
+                                  </p:childTnLst>
+                                </p:cTn>
+                              </p:par>
+                            </p:childTnLst>
+                          </p:cTn>
+                        </p:par>
+                      </p:childTnLst>
+                    </p:cTn>
+                  </p:par>
+                </p:childTnLst>
+              </p:cTn>
+              <p:prevCondLst>
+                <p:cond evt="onPrev" delay="0">
+                  <p:tgtEl>
+                    <p:sldTgt/>
+                  </p:tgtEl>
+                </p:cond>
+              </p:prevCondLst>
+              <p:nextCondLst>
+                <p:cond evt="onNext" delay="0">
+                  <p:tgtEl>
+                    <p:sldTgt/>
+                  </p:tgtEl>
+                </p:cond>
+              </p:nextCondLst>
+            </p:seq>
+          </p:childTnLst>
+        </p:cTn>
       </p:par>
     </p:tnLst>
   </p:timing>
@@ -13151,6 +14280,573 @@
     <p:extLst>
       <p:ext uri="{BB962C8B-B14F-4D97-AF65-F5344CB8AC3E}">
         <p14:creationId xmlns:p14="http://schemas.microsoft.com/office/powerpoint/2010/main" val="300718594"/>
+      </p:ext>
+    </p:extLst>
+  </p:cSld>
+  <p:clrMapOvr>
+    <a:masterClrMapping/>
+  </p:clrMapOvr>
+  <p:timing>
+    <p:tnLst>
+      <p:par>
+        <p:cTn id="1" dur="indefinite" restart="never" nodeType="tmRoot"/>
+      </p:par>
+    </p:tnLst>
+  </p:timing>
+</p:sld>
+</file>
+
+<file path=ppt/slides/slide24.xml><?xml version="1.0" encoding="utf-8"?>
+<p:sld xmlns:a="http://schemas.openxmlformats.org/drawingml/2006/main" xmlns:r="http://schemas.openxmlformats.org/officeDocument/2006/relationships" xmlns:p="http://schemas.openxmlformats.org/presentationml/2006/main">
+  <p:cSld>
+    <p:spTree>
+      <p:nvGrpSpPr>
+        <p:cNvPr id="1" name=""/>
+        <p:cNvGrpSpPr/>
+        <p:nvPr/>
+      </p:nvGrpSpPr>
+      <p:grpSpPr>
+        <a:xfrm>
+          <a:off x="0" y="0"/>
+          <a:ext cx="0" cy="0"/>
+          <a:chOff x="0" y="0"/>
+          <a:chExt cx="0" cy="0"/>
+        </a:xfrm>
+      </p:grpSpPr>
+      <p:sp>
+        <p:nvSpPr>
+          <p:cNvPr id="2" name="Title 1"/>
+          <p:cNvSpPr>
+            <a:spLocks noGrp="1"/>
+          </p:cNvSpPr>
+          <p:nvPr>
+            <p:ph type="title"/>
+          </p:nvPr>
+        </p:nvSpPr>
+        <p:spPr/>
+        <p:txBody>
+          <a:bodyPr/>
+          <a:lstStyle/>
+          <a:p>
+            <a:r>
+              <a:rPr lang="en-US" dirty="0" smtClean="0"/>
+              <a:t>Acknowledgements</a:t>
+            </a:r>
+            <a:endParaRPr lang="en-US" dirty="0"/>
+          </a:p>
+        </p:txBody>
+      </p:sp>
+      <p:sp>
+        <p:nvSpPr>
+          <p:cNvPr id="12" name="Slide Number Placeholder 3"/>
+          <p:cNvSpPr>
+            <a:spLocks noGrp="1"/>
+          </p:cNvSpPr>
+          <p:nvPr>
+            <p:ph type="sldNum" sz="quarter" idx="12"/>
+          </p:nvPr>
+        </p:nvSpPr>
+        <p:spPr>
+          <a:xfrm>
+            <a:off x="6553200" y="6172200"/>
+            <a:ext cx="2133600" cy="365125"/>
+          </a:xfrm>
+        </p:spPr>
+        <p:txBody>
+          <a:bodyPr/>
+          <a:lstStyle/>
+          <a:p>
+            <a:pPr>
+              <a:defRPr/>
+            </a:pPr>
+            <a:r>
+              <a:rPr lang="en-US" dirty="0">
+                <a:solidFill>
+                  <a:prstClr val="black">
+                    <a:tint val="75000"/>
+                  </a:prstClr>
+                </a:solidFill>
+              </a:rPr>
+              <a:t>8</a:t>
+            </a:r>
+          </a:p>
+        </p:txBody>
+      </p:sp>
+      <p:sp>
+        <p:nvSpPr>
+          <p:cNvPr id="3" name="Rectangle 2"/>
+          <p:cNvSpPr/>
+          <p:nvPr/>
+        </p:nvSpPr>
+        <p:spPr>
+          <a:xfrm>
+            <a:off x="609600" y="1295400"/>
+            <a:ext cx="8229600" cy="3046988"/>
+          </a:xfrm>
+          <a:prstGeom prst="rect">
+            <a:avLst/>
+          </a:prstGeom>
+        </p:spPr>
+        <p:txBody>
+          <a:bodyPr wrap="square">
+            <a:spAutoFit/>
+          </a:bodyPr>
+          <a:lstStyle/>
+          <a:p>
+            <a:pPr marL="800100" lvl="1" indent="-342900">
+              <a:buFont typeface="Arial" panose="020B0604020202020204" pitchFamily="34" charset="0"/>
+              <a:buChar char="•"/>
+            </a:pPr>
+            <a:r>
+              <a:rPr lang="en-US" sz="2400" dirty="0" smtClean="0"/>
+              <a:t>Dr. de </a:t>
+            </a:r>
+            <a:r>
+              <a:rPr lang="en-US" sz="2400" dirty="0" err="1" smtClean="0"/>
+              <a:t>Weck</a:t>
+            </a:r>
+            <a:endParaRPr lang="en-US" sz="2400" dirty="0" smtClean="0"/>
+          </a:p>
+          <a:p>
+            <a:pPr marL="800100" lvl="1" indent="-342900">
+              <a:buFont typeface="Arial" panose="020B0604020202020204" pitchFamily="34" charset="0"/>
+              <a:buChar char="•"/>
+            </a:pPr>
+            <a:r>
+              <a:rPr lang="en-US" sz="2400" dirty="0" smtClean="0"/>
+              <a:t>Dr. Do</a:t>
+            </a:r>
+          </a:p>
+          <a:p>
+            <a:pPr marL="800100" lvl="1" indent="-342900">
+              <a:buFont typeface="Arial" panose="020B0604020202020204" pitchFamily="34" charset="0"/>
+              <a:buChar char="•"/>
+            </a:pPr>
+            <a:r>
+              <a:rPr lang="en-US" sz="2400" dirty="0" smtClean="0"/>
+              <a:t>Dr. </a:t>
+            </a:r>
+            <a:r>
+              <a:rPr lang="en-US" sz="2400" dirty="0" err="1" smtClean="0"/>
+              <a:t>Basdogan</a:t>
+            </a:r>
+            <a:endParaRPr lang="en-US" sz="2400" dirty="0" smtClean="0"/>
+          </a:p>
+          <a:p>
+            <a:pPr marL="800100" lvl="1" indent="-342900">
+              <a:buFont typeface="Arial" panose="020B0604020202020204" pitchFamily="34" charset="0"/>
+              <a:buChar char="•"/>
+            </a:pPr>
+            <a:r>
+              <a:rPr lang="en-US" sz="2400" dirty="0" smtClean="0"/>
+              <a:t>Dr. Mueller</a:t>
+            </a:r>
+          </a:p>
+          <a:p>
+            <a:pPr marL="800100" lvl="1" indent="-342900">
+              <a:buFont typeface="Arial" panose="020B0604020202020204" pitchFamily="34" charset="0"/>
+              <a:buChar char="•"/>
+            </a:pPr>
+            <a:r>
+              <a:rPr lang="en-US" sz="2400" dirty="0" smtClean="0"/>
+              <a:t>Mr. Chang</a:t>
+            </a:r>
+          </a:p>
+          <a:p>
+            <a:pPr marL="800100" lvl="1" indent="-342900">
+              <a:buFont typeface="Arial" panose="020B0604020202020204" pitchFamily="34" charset="0"/>
+              <a:buChar char="•"/>
+            </a:pPr>
+            <a:r>
+              <a:rPr lang="en-US" sz="2400" dirty="0" smtClean="0"/>
+              <a:t>16.888 Classmates</a:t>
+            </a:r>
+            <a:endParaRPr lang="en-US" sz="2400" dirty="0"/>
+          </a:p>
+          <a:p>
+            <a:pPr lvl="1"/>
+            <a:endParaRPr lang="en-US" sz="2400" dirty="0" smtClean="0"/>
+          </a:p>
+          <a:p>
+            <a:pPr marL="800100" lvl="1" indent="-342900">
+              <a:buFont typeface="Arial" panose="020B0604020202020204" pitchFamily="34" charset="0"/>
+              <a:buChar char="•"/>
+            </a:pPr>
+            <a:endParaRPr lang="en-US" sz="2400" dirty="0"/>
+          </a:p>
+        </p:txBody>
+      </p:sp>
+    </p:spTree>
+    <p:extLst>
+      <p:ext uri="{BB962C8B-B14F-4D97-AF65-F5344CB8AC3E}">
+        <p14:creationId xmlns:p14="http://schemas.microsoft.com/office/powerpoint/2010/main" val="2692425604"/>
+      </p:ext>
+    </p:extLst>
+  </p:cSld>
+  <p:clrMapOvr>
+    <a:masterClrMapping/>
+  </p:clrMapOvr>
+  <p:timing>
+    <p:tnLst>
+      <p:par>
+        <p:cTn id="1" dur="indefinite" restart="never" nodeType="tmRoot"/>
+      </p:par>
+    </p:tnLst>
+  </p:timing>
+</p:sld>
+</file>
+
+<file path=ppt/slides/slide25.xml><?xml version="1.0" encoding="utf-8"?>
+<p:sld xmlns:a="http://schemas.openxmlformats.org/drawingml/2006/main" xmlns:r="http://schemas.openxmlformats.org/officeDocument/2006/relationships" xmlns:p="http://schemas.openxmlformats.org/presentationml/2006/main">
+  <p:cSld>
+    <p:spTree>
+      <p:nvGrpSpPr>
+        <p:cNvPr id="1" name=""/>
+        <p:cNvGrpSpPr/>
+        <p:nvPr/>
+      </p:nvGrpSpPr>
+      <p:grpSpPr>
+        <a:xfrm>
+          <a:off x="0" y="0"/>
+          <a:ext cx="0" cy="0"/>
+          <a:chOff x="0" y="0"/>
+          <a:chExt cx="0" cy="0"/>
+        </a:xfrm>
+      </p:grpSpPr>
+      <p:sp>
+        <p:nvSpPr>
+          <p:cNvPr id="4" name="Slide Number Placeholder 3"/>
+          <p:cNvSpPr>
+            <a:spLocks noGrp="1"/>
+          </p:cNvSpPr>
+          <p:nvPr>
+            <p:ph type="sldNum" sz="quarter" idx="12"/>
+          </p:nvPr>
+        </p:nvSpPr>
+        <p:spPr/>
+        <p:txBody>
+          <a:bodyPr/>
+          <a:lstStyle/>
+          <a:p>
+            <a:pPr>
+              <a:defRPr/>
+            </a:pPr>
+            <a:fld id="{6E3317FF-6423-48BB-8CF6-A5183FB2D75B}" type="slidenum">
+              <a:rPr lang="en-US" smtClean="0">
+                <a:solidFill>
+                  <a:prstClr val="black">
+                    <a:tint val="75000"/>
+                  </a:prstClr>
+                </a:solidFill>
+              </a:rPr>
+              <a:pPr>
+                <a:defRPr/>
+              </a:pPr>
+              <a:t>25</a:t>
+            </a:fld>
+            <a:endParaRPr lang="en-US">
+              <a:solidFill>
+                <a:prstClr val="black">
+                  <a:tint val="75000"/>
+                </a:prstClr>
+              </a:solidFill>
+            </a:endParaRPr>
+          </a:p>
+        </p:txBody>
+      </p:sp>
+      <p:sp>
+        <p:nvSpPr>
+          <p:cNvPr id="2" name="Title 1"/>
+          <p:cNvSpPr>
+            <a:spLocks noGrp="1"/>
+          </p:cNvSpPr>
+          <p:nvPr>
+            <p:ph type="title" idx="4294967295"/>
+          </p:nvPr>
+        </p:nvSpPr>
+        <p:spPr>
+          <a:xfrm>
+            <a:off x="3124200" y="0"/>
+            <a:ext cx="6019800" cy="838200"/>
+          </a:xfrm>
+        </p:spPr>
+        <p:txBody>
+          <a:bodyPr/>
+          <a:lstStyle/>
+          <a:p>
+            <a:r>
+              <a:rPr lang="en-US" dirty="0" smtClean="0"/>
+              <a:t>Problem Formulation: </a:t>
+            </a:r>
+            <a:br>
+              <a:rPr lang="en-US" dirty="0" smtClean="0"/>
+            </a:br>
+            <a:r>
+              <a:rPr lang="en-US" dirty="0" smtClean="0"/>
+              <a:t>Bounds and Constraints</a:t>
+            </a:r>
+            <a:endParaRPr lang="en-US" dirty="0"/>
+          </a:p>
+        </p:txBody>
+      </p:sp>
+      <p:sp>
+        <p:nvSpPr>
+          <p:cNvPr id="7" name="TextBox 6"/>
+          <p:cNvSpPr txBox="1"/>
+          <p:nvPr/>
+        </p:nvSpPr>
+        <p:spPr>
+          <a:xfrm>
+            <a:off x="228600" y="936292"/>
+            <a:ext cx="8839200" cy="3047667"/>
+          </a:xfrm>
+          <a:prstGeom prst="rect">
+            <a:avLst/>
+          </a:prstGeom>
+          <a:noFill/>
+        </p:spPr>
+        <p:txBody>
+          <a:bodyPr wrap="square" numCol="2" rtlCol="0">
+            <a:noAutofit/>
+          </a:bodyPr>
+          <a:lstStyle/>
+          <a:p>
+            <a:pPr marL="342900" indent="-342900">
+              <a:buFont typeface="Arial" panose="020B0604020202020204" pitchFamily="34" charset="0"/>
+              <a:buChar char="•"/>
+            </a:pPr>
+            <a:r>
+              <a:rPr lang="en-US" sz="2400" dirty="0" smtClean="0"/>
+              <a:t>Variable Bounds</a:t>
+            </a:r>
+          </a:p>
+          <a:p>
+            <a:pPr marL="800100" lvl="1" indent="-342900">
+              <a:buFont typeface="Arial" panose="020B0604020202020204" pitchFamily="34" charset="0"/>
+              <a:buChar char="•"/>
+            </a:pPr>
+            <a:r>
+              <a:rPr lang="en-US" sz="2000" dirty="0" smtClean="0"/>
+              <a:t>Current Mars information</a:t>
+            </a:r>
+          </a:p>
+          <a:p>
+            <a:pPr marL="800100" lvl="1" indent="-342900">
+              <a:buFont typeface="Arial" panose="020B0604020202020204" pitchFamily="34" charset="0"/>
+              <a:buChar char="•"/>
+            </a:pPr>
+            <a:r>
+              <a:rPr lang="en-US" sz="2000" dirty="0" smtClean="0"/>
+              <a:t>Theoretical limits</a:t>
+            </a:r>
+          </a:p>
+          <a:p>
+            <a:pPr marL="800100" lvl="1" indent="-342900">
+              <a:buFont typeface="Arial" panose="020B0604020202020204" pitchFamily="34" charset="0"/>
+              <a:buChar char="•"/>
+            </a:pPr>
+            <a:r>
+              <a:rPr lang="en-US" sz="2000" dirty="0"/>
+              <a:t>Current </a:t>
+            </a:r>
+            <a:r>
+              <a:rPr lang="en-US" sz="2000" dirty="0" smtClean="0"/>
+              <a:t>capabilities</a:t>
+            </a:r>
+          </a:p>
+          <a:p>
+            <a:pPr marL="800100" lvl="1" indent="-342900">
+              <a:buFont typeface="Arial" panose="020B0604020202020204" pitchFamily="34" charset="0"/>
+              <a:buChar char="•"/>
+            </a:pPr>
+            <a:r>
+              <a:rPr lang="en-US" sz="2000" dirty="0" smtClean="0"/>
+              <a:t>Expected developments</a:t>
+            </a:r>
+          </a:p>
+          <a:p>
+            <a:pPr marL="800100" lvl="1" indent="-342900">
+              <a:buFont typeface="Arial" panose="020B0604020202020204" pitchFamily="34" charset="0"/>
+              <a:buChar char="•"/>
+            </a:pPr>
+            <a:endParaRPr lang="en-US" sz="2000" dirty="0"/>
+          </a:p>
+          <a:p>
+            <a:pPr marL="800100" lvl="1" indent="-342900">
+              <a:buFont typeface="Arial" panose="020B0604020202020204" pitchFamily="34" charset="0"/>
+              <a:buChar char="•"/>
+            </a:pPr>
+            <a:endParaRPr lang="en-US" sz="2000" dirty="0" smtClean="0"/>
+          </a:p>
+          <a:p>
+            <a:pPr marL="800100" lvl="1" indent="-342900">
+              <a:buFont typeface="Arial" panose="020B0604020202020204" pitchFamily="34" charset="0"/>
+              <a:buChar char="•"/>
+            </a:pPr>
+            <a:endParaRPr lang="en-US" sz="2000" dirty="0"/>
+          </a:p>
+          <a:p>
+            <a:pPr marL="800100" lvl="1" indent="-342900">
+              <a:buFont typeface="Arial" panose="020B0604020202020204" pitchFamily="34" charset="0"/>
+              <a:buChar char="•"/>
+            </a:pPr>
+            <a:endParaRPr lang="en-US" sz="2000" dirty="0" smtClean="0"/>
+          </a:p>
+          <a:p>
+            <a:pPr marL="800100" lvl="1" indent="-342900">
+              <a:buFont typeface="Arial" panose="020B0604020202020204" pitchFamily="34" charset="0"/>
+              <a:buChar char="•"/>
+            </a:pPr>
+            <a:endParaRPr lang="en-US" sz="2000" dirty="0" smtClean="0"/>
+          </a:p>
+          <a:p>
+            <a:pPr lvl="1"/>
+            <a:endParaRPr lang="en-US" sz="2000" dirty="0" smtClean="0"/>
+          </a:p>
+          <a:p>
+            <a:pPr marL="342900" indent="-342900">
+              <a:buFont typeface="Arial" panose="020B0604020202020204" pitchFamily="34" charset="0"/>
+              <a:buChar char="•"/>
+            </a:pPr>
+            <a:r>
+              <a:rPr lang="en-US" sz="2400" dirty="0" smtClean="0"/>
+              <a:t>Constraints</a:t>
+            </a:r>
+          </a:p>
+          <a:p>
+            <a:pPr marL="800100" lvl="1" indent="-342900">
+              <a:buFont typeface="Arial" panose="020B0604020202020204" pitchFamily="34" charset="0"/>
+              <a:buChar char="•"/>
+            </a:pPr>
+            <a:r>
+              <a:rPr lang="en-US" sz="2000" dirty="0" smtClean="0"/>
+              <a:t>Physics-based dependencies</a:t>
+            </a:r>
+          </a:p>
+          <a:p>
+            <a:pPr marL="800100" lvl="1" indent="-342900">
+              <a:buFont typeface="Arial" panose="020B0604020202020204" pitchFamily="34" charset="0"/>
+              <a:buChar char="•"/>
+            </a:pPr>
+            <a:r>
+              <a:rPr lang="en-US" sz="2000" dirty="0" smtClean="0"/>
+              <a:t>Mass and energy balance</a:t>
+            </a:r>
+          </a:p>
+          <a:p>
+            <a:pPr marL="800100" lvl="1" indent="-342900">
+              <a:buFont typeface="Arial" panose="020B0604020202020204" pitchFamily="34" charset="0"/>
+              <a:buChar char="•"/>
+            </a:pPr>
+            <a:r>
+              <a:rPr lang="en-US" sz="2000" dirty="0" smtClean="0"/>
+              <a:t>Drives system sizing</a:t>
+            </a:r>
+          </a:p>
+          <a:p>
+            <a:pPr marL="1257300" lvl="2" indent="-342900">
+              <a:buFont typeface="Arial" panose="020B0604020202020204" pitchFamily="34" charset="0"/>
+              <a:buChar char="•"/>
+            </a:pPr>
+            <a:r>
+              <a:rPr lang="en-US" dirty="0" smtClean="0"/>
+              <a:t>Habitation</a:t>
+            </a:r>
+          </a:p>
+          <a:p>
+            <a:pPr marL="1257300" lvl="2" indent="-342900">
+              <a:buFont typeface="Arial" panose="020B0604020202020204" pitchFamily="34" charset="0"/>
+              <a:buChar char="•"/>
+            </a:pPr>
+            <a:r>
+              <a:rPr lang="en-US" dirty="0" smtClean="0"/>
+              <a:t>Transportation</a:t>
+            </a:r>
+          </a:p>
+          <a:p>
+            <a:pPr marL="1257300" lvl="2" indent="-342900">
+              <a:buFont typeface="Arial" panose="020B0604020202020204" pitchFamily="34" charset="0"/>
+              <a:buChar char="•"/>
+            </a:pPr>
+            <a:r>
+              <a:rPr lang="en-US" dirty="0" smtClean="0"/>
+              <a:t>Power</a:t>
+            </a:r>
+          </a:p>
+          <a:p>
+            <a:pPr marL="1257300" lvl="2" indent="-342900">
+              <a:buFont typeface="Arial" panose="020B0604020202020204" pitchFamily="34" charset="0"/>
+              <a:buChar char="•"/>
+            </a:pPr>
+            <a:r>
+              <a:rPr lang="en-US" dirty="0" smtClean="0"/>
+              <a:t>ISRU</a:t>
+            </a:r>
+          </a:p>
+          <a:p>
+            <a:pPr marL="1257300" lvl="2" indent="-342900">
+              <a:buFont typeface="Arial" panose="020B0604020202020204" pitchFamily="34" charset="0"/>
+              <a:buChar char="•"/>
+            </a:pPr>
+            <a:r>
+              <a:rPr lang="en-US" dirty="0" smtClean="0"/>
+              <a:t>ISFR</a:t>
+            </a:r>
+          </a:p>
+          <a:p>
+            <a:pPr marL="1257300" lvl="2" indent="-342900">
+              <a:buFont typeface="Arial" panose="020B0604020202020204" pitchFamily="34" charset="0"/>
+              <a:buChar char="•"/>
+            </a:pPr>
+            <a:r>
+              <a:rPr lang="en-US" dirty="0" smtClean="0"/>
+              <a:t>Staging</a:t>
+            </a:r>
+          </a:p>
+          <a:p>
+            <a:pPr marL="1257300" lvl="2" indent="-342900">
+              <a:buFont typeface="Arial" panose="020B0604020202020204" pitchFamily="34" charset="0"/>
+              <a:buChar char="•"/>
+            </a:pPr>
+            <a:endParaRPr lang="en-US" sz="1600" dirty="0" smtClean="0"/>
+          </a:p>
+          <a:p>
+            <a:pPr marL="800100" lvl="1" indent="-342900">
+              <a:buFont typeface="Arial" panose="020B0604020202020204" pitchFamily="34" charset="0"/>
+              <a:buChar char="•"/>
+            </a:pPr>
+            <a:endParaRPr lang="en-US" sz="2400" dirty="0" smtClean="0"/>
+          </a:p>
+        </p:txBody>
+      </p:sp>
+      <p:pic>
+        <p:nvPicPr>
+          <p:cNvPr id="8" name="Picture 7"/>
+          <p:cNvPicPr>
+            <a:picLocks noChangeAspect="1"/>
+          </p:cNvPicPr>
+          <p:nvPr/>
+        </p:nvPicPr>
+        <p:blipFill>
+          <a:blip r:embed="rId3"/>
+          <a:stretch>
+            <a:fillRect/>
+          </a:stretch>
+        </p:blipFill>
+        <p:spPr>
+          <a:xfrm>
+            <a:off x="76200" y="3886200"/>
+            <a:ext cx="8931708" cy="2362533"/>
+          </a:xfrm>
+          <a:prstGeom prst="rect">
+            <a:avLst/>
+          </a:prstGeom>
+        </p:spPr>
+      </p:pic>
+    </p:spTree>
+    <p:extLst>
+      <p:ext uri="{BB962C8B-B14F-4D97-AF65-F5344CB8AC3E}">
+        <p14:creationId xmlns:p14="http://schemas.microsoft.com/office/powerpoint/2010/main" val="130578497"/>
       </p:ext>
     </p:extLst>
   </p:cSld>
@@ -13999,7 +15695,7 @@
             </a:r>
             <a:r>
               <a:rPr lang="en-US" sz="2000" dirty="0" smtClean="0"/>
-              <a:t> directly effect development cost</a:t>
+              <a:t> directly effect Development Cost</a:t>
             </a:r>
           </a:p>
           <a:p>
@@ -14446,6 +16142,29 @@
       </p:grpSpPr>
       <p:sp>
         <p:nvSpPr>
+          <p:cNvPr id="2" name="Title 1"/>
+          <p:cNvSpPr>
+            <a:spLocks noGrp="1"/>
+          </p:cNvSpPr>
+          <p:nvPr>
+            <p:ph type="title"/>
+          </p:nvPr>
+        </p:nvSpPr>
+        <p:spPr/>
+        <p:txBody>
+          <a:bodyPr/>
+          <a:lstStyle/>
+          <a:p>
+            <a:r>
+              <a:rPr lang="en-US" dirty="0" smtClean="0"/>
+              <a:t>Problem Statement</a:t>
+            </a:r>
+            <a:endParaRPr lang="en-US" dirty="0"/>
+          </a:p>
+        </p:txBody>
+      </p:sp>
+      <p:sp>
+        <p:nvSpPr>
           <p:cNvPr id="4" name="Slide Number Placeholder 3"/>
           <p:cNvSpPr>
             <a:spLocks noGrp="1"/>
@@ -14485,274 +16204,9 @@
           </a:p>
         </p:txBody>
       </p:sp>
-      <p:sp>
-        <p:nvSpPr>
-          <p:cNvPr id="2" name="Title 1"/>
-          <p:cNvSpPr>
-            <a:spLocks noGrp="1"/>
-          </p:cNvSpPr>
-          <p:nvPr>
-            <p:ph type="title" idx="4294967295"/>
-          </p:nvPr>
-        </p:nvSpPr>
-        <p:spPr>
-          <a:xfrm>
-            <a:off x="3124200" y="0"/>
-            <a:ext cx="6019800" cy="838200"/>
-          </a:xfrm>
-        </p:spPr>
-        <p:txBody>
-          <a:bodyPr/>
-          <a:lstStyle/>
-          <a:p>
-            <a:r>
-              <a:rPr lang="en-US" dirty="0" smtClean="0"/>
-              <a:t>Problem Formulation: </a:t>
-            </a:r>
-            <a:br>
-              <a:rPr lang="en-US" dirty="0" smtClean="0"/>
-            </a:br>
-            <a:r>
-              <a:rPr lang="en-US" dirty="0" smtClean="0"/>
-              <a:t>Bounds and Constraints</a:t>
-            </a:r>
-            <a:endParaRPr lang="en-US" dirty="0"/>
-          </a:p>
-        </p:txBody>
-      </p:sp>
-      <p:sp>
-        <p:nvSpPr>
-          <p:cNvPr id="7" name="TextBox 6"/>
-          <p:cNvSpPr txBox="1"/>
-          <p:nvPr/>
-        </p:nvSpPr>
-        <p:spPr>
-          <a:xfrm>
-            <a:off x="228600" y="936292"/>
-            <a:ext cx="8839200" cy="3047667"/>
-          </a:xfrm>
-          <a:prstGeom prst="rect">
-            <a:avLst/>
-          </a:prstGeom>
-          <a:noFill/>
-        </p:spPr>
-        <p:txBody>
-          <a:bodyPr wrap="square" numCol="2" rtlCol="0">
-            <a:noAutofit/>
-          </a:bodyPr>
-          <a:lstStyle/>
-          <a:p>
-            <a:pPr marL="342900" indent="-342900">
-              <a:buFont typeface="Arial" panose="020B0604020202020204" pitchFamily="34" charset="0"/>
-              <a:buChar char="•"/>
-            </a:pPr>
-            <a:r>
-              <a:rPr lang="en-US" sz="2400" dirty="0" smtClean="0"/>
-              <a:t>Variable Bounds</a:t>
-            </a:r>
-          </a:p>
-          <a:p>
-            <a:pPr marL="800100" lvl="1" indent="-342900">
-              <a:buFont typeface="Arial" panose="020B0604020202020204" pitchFamily="34" charset="0"/>
-              <a:buChar char="•"/>
-            </a:pPr>
-            <a:r>
-              <a:rPr lang="en-US" sz="2000" dirty="0" smtClean="0"/>
-              <a:t>Current Mars information</a:t>
-            </a:r>
-          </a:p>
-          <a:p>
-            <a:pPr marL="800100" lvl="1" indent="-342900">
-              <a:buFont typeface="Arial" panose="020B0604020202020204" pitchFamily="34" charset="0"/>
-              <a:buChar char="•"/>
-            </a:pPr>
-            <a:r>
-              <a:rPr lang="en-US" sz="2000" dirty="0" smtClean="0"/>
-              <a:t>Theoretical limits</a:t>
-            </a:r>
-          </a:p>
-          <a:p>
-            <a:pPr marL="800100" lvl="1" indent="-342900">
-              <a:buFont typeface="Arial" panose="020B0604020202020204" pitchFamily="34" charset="0"/>
-              <a:buChar char="•"/>
-            </a:pPr>
-            <a:r>
-              <a:rPr lang="en-US" sz="2000" dirty="0"/>
-              <a:t>Current </a:t>
-            </a:r>
-            <a:r>
-              <a:rPr lang="en-US" sz="2000" dirty="0" smtClean="0"/>
-              <a:t>capabilities</a:t>
-            </a:r>
-          </a:p>
-          <a:p>
-            <a:pPr marL="800100" lvl="1" indent="-342900">
-              <a:buFont typeface="Arial" panose="020B0604020202020204" pitchFamily="34" charset="0"/>
-              <a:buChar char="•"/>
-            </a:pPr>
-            <a:r>
-              <a:rPr lang="en-US" sz="2000" dirty="0" smtClean="0"/>
-              <a:t>Expected developments</a:t>
-            </a:r>
-          </a:p>
-          <a:p>
-            <a:pPr marL="800100" lvl="1" indent="-342900">
-              <a:buFont typeface="Arial" panose="020B0604020202020204" pitchFamily="34" charset="0"/>
-              <a:buChar char="•"/>
-            </a:pPr>
-            <a:endParaRPr lang="en-US" sz="2000" dirty="0"/>
-          </a:p>
-          <a:p>
-            <a:pPr marL="800100" lvl="1" indent="-342900">
-              <a:buFont typeface="Arial" panose="020B0604020202020204" pitchFamily="34" charset="0"/>
-              <a:buChar char="•"/>
-            </a:pPr>
-            <a:endParaRPr lang="en-US" sz="2000" dirty="0" smtClean="0"/>
-          </a:p>
-          <a:p>
-            <a:pPr marL="800100" lvl="1" indent="-342900">
-              <a:buFont typeface="Arial" panose="020B0604020202020204" pitchFamily="34" charset="0"/>
-              <a:buChar char="•"/>
-            </a:pPr>
-            <a:endParaRPr lang="en-US" sz="2000" dirty="0"/>
-          </a:p>
-          <a:p>
-            <a:pPr marL="800100" lvl="1" indent="-342900">
-              <a:buFont typeface="Arial" panose="020B0604020202020204" pitchFamily="34" charset="0"/>
-              <a:buChar char="•"/>
-            </a:pPr>
-            <a:endParaRPr lang="en-US" sz="2000" dirty="0" smtClean="0"/>
-          </a:p>
-          <a:p>
-            <a:pPr marL="800100" lvl="1" indent="-342900">
-              <a:buFont typeface="Arial" panose="020B0604020202020204" pitchFamily="34" charset="0"/>
-              <a:buChar char="•"/>
-            </a:pPr>
-            <a:endParaRPr lang="en-US" sz="2000" dirty="0" smtClean="0"/>
-          </a:p>
-          <a:p>
-            <a:pPr lvl="1"/>
-            <a:endParaRPr lang="en-US" sz="2000" dirty="0" smtClean="0"/>
-          </a:p>
-          <a:p>
-            <a:pPr marL="342900" indent="-342900">
-              <a:buFont typeface="Arial" panose="020B0604020202020204" pitchFamily="34" charset="0"/>
-              <a:buChar char="•"/>
-            </a:pPr>
-            <a:r>
-              <a:rPr lang="en-US" sz="2400" dirty="0" smtClean="0"/>
-              <a:t>Constraints</a:t>
-            </a:r>
-          </a:p>
-          <a:p>
-            <a:pPr marL="800100" lvl="1" indent="-342900">
-              <a:buFont typeface="Arial" panose="020B0604020202020204" pitchFamily="34" charset="0"/>
-              <a:buChar char="•"/>
-            </a:pPr>
-            <a:r>
-              <a:rPr lang="en-US" sz="2000" dirty="0" smtClean="0"/>
-              <a:t>Physics-based dependencies</a:t>
-            </a:r>
-          </a:p>
-          <a:p>
-            <a:pPr marL="800100" lvl="1" indent="-342900">
-              <a:buFont typeface="Arial" panose="020B0604020202020204" pitchFamily="34" charset="0"/>
-              <a:buChar char="•"/>
-            </a:pPr>
-            <a:r>
-              <a:rPr lang="en-US" sz="2000" dirty="0" smtClean="0"/>
-              <a:t>Mass and energy balance</a:t>
-            </a:r>
-          </a:p>
-          <a:p>
-            <a:pPr marL="800100" lvl="1" indent="-342900">
-              <a:buFont typeface="Arial" panose="020B0604020202020204" pitchFamily="34" charset="0"/>
-              <a:buChar char="•"/>
-            </a:pPr>
-            <a:r>
-              <a:rPr lang="en-US" sz="2000" dirty="0" smtClean="0"/>
-              <a:t>Drives system sizing</a:t>
-            </a:r>
-          </a:p>
-          <a:p>
-            <a:pPr marL="1257300" lvl="2" indent="-342900">
-              <a:buFont typeface="Arial" panose="020B0604020202020204" pitchFamily="34" charset="0"/>
-              <a:buChar char="•"/>
-            </a:pPr>
-            <a:r>
-              <a:rPr lang="en-US" dirty="0" smtClean="0"/>
-              <a:t>Habitation</a:t>
-            </a:r>
-          </a:p>
-          <a:p>
-            <a:pPr marL="1257300" lvl="2" indent="-342900">
-              <a:buFont typeface="Arial" panose="020B0604020202020204" pitchFamily="34" charset="0"/>
-              <a:buChar char="•"/>
-            </a:pPr>
-            <a:r>
-              <a:rPr lang="en-US" dirty="0" smtClean="0"/>
-              <a:t>Transportation</a:t>
-            </a:r>
-          </a:p>
-          <a:p>
-            <a:pPr marL="1257300" lvl="2" indent="-342900">
-              <a:buFont typeface="Arial" panose="020B0604020202020204" pitchFamily="34" charset="0"/>
-              <a:buChar char="•"/>
-            </a:pPr>
-            <a:r>
-              <a:rPr lang="en-US" dirty="0" smtClean="0"/>
-              <a:t>Power</a:t>
-            </a:r>
-          </a:p>
-          <a:p>
-            <a:pPr marL="1257300" lvl="2" indent="-342900">
-              <a:buFont typeface="Arial" panose="020B0604020202020204" pitchFamily="34" charset="0"/>
-              <a:buChar char="•"/>
-            </a:pPr>
-            <a:r>
-              <a:rPr lang="en-US" dirty="0" smtClean="0"/>
-              <a:t>ISRU</a:t>
-            </a:r>
-          </a:p>
-          <a:p>
-            <a:pPr marL="1257300" lvl="2" indent="-342900">
-              <a:buFont typeface="Arial" panose="020B0604020202020204" pitchFamily="34" charset="0"/>
-              <a:buChar char="•"/>
-            </a:pPr>
-            <a:r>
-              <a:rPr lang="en-US" dirty="0" smtClean="0"/>
-              <a:t>ISFR</a:t>
-            </a:r>
-          </a:p>
-          <a:p>
-            <a:pPr marL="1257300" lvl="2" indent="-342900">
-              <a:buFont typeface="Arial" panose="020B0604020202020204" pitchFamily="34" charset="0"/>
-              <a:buChar char="•"/>
-            </a:pPr>
-            <a:r>
-              <a:rPr lang="en-US" dirty="0" smtClean="0"/>
-              <a:t>Staging</a:t>
-            </a:r>
-          </a:p>
-          <a:p>
-            <a:pPr marL="1257300" lvl="2" indent="-342900">
-              <a:buFont typeface="Arial" panose="020B0604020202020204" pitchFamily="34" charset="0"/>
-              <a:buChar char="•"/>
-            </a:pPr>
-            <a:endParaRPr lang="en-US" sz="1600" dirty="0" smtClean="0"/>
-          </a:p>
-          <a:p>
-            <a:pPr marL="800100" lvl="1" indent="-342900">
-              <a:buFont typeface="Arial" panose="020B0604020202020204" pitchFamily="34" charset="0"/>
-              <a:buChar char="•"/>
-            </a:pPr>
-            <a:endParaRPr lang="en-US" sz="2400" dirty="0" smtClean="0"/>
-          </a:p>
-        </p:txBody>
-      </p:sp>
       <p:pic>
         <p:nvPicPr>
-          <p:cNvPr id="8" name="Picture 7"/>
+          <p:cNvPr id="3" name="Picture 2"/>
           <p:cNvPicPr>
             <a:picLocks noChangeAspect="1"/>
           </p:cNvPicPr>
@@ -14766,18 +16220,96 @@
         </p:blipFill>
         <p:spPr>
           <a:xfrm>
-            <a:off x="76200" y="3886200"/>
-            <a:ext cx="8931708" cy="2362533"/>
+            <a:off x="990600" y="1066800"/>
+            <a:ext cx="5791200" cy="707448"/>
           </a:xfrm>
           <a:prstGeom prst="rect">
             <a:avLst/>
           </a:prstGeom>
+        </p:spPr>
+      </p:pic>
+      <p:pic>
+        <p:nvPicPr>
+          <p:cNvPr id="5" name="Picture 4"/>
+          <p:cNvPicPr>
+            <a:picLocks noChangeAspect="1"/>
+          </p:cNvPicPr>
+          <p:nvPr/>
+        </p:nvPicPr>
+        <p:blipFill>
+          <a:blip r:embed="rId4"/>
+          <a:stretch>
+            <a:fillRect/>
+          </a:stretch>
+        </p:blipFill>
+        <p:spPr>
+          <a:xfrm>
+            <a:off x="2286000" y="1905000"/>
+            <a:ext cx="4068906" cy="2395711"/>
+          </a:xfrm>
+          <a:prstGeom prst="rect">
+            <a:avLst/>
+          </a:prstGeom>
+        </p:spPr>
+      </p:pic>
+      <p:pic>
+        <p:nvPicPr>
+          <p:cNvPr id="9219" name="Picture 3"/>
+          <p:cNvPicPr>
+            <a:picLocks noChangeAspect="1" noChangeArrowheads="1"/>
+          </p:cNvPicPr>
+          <p:nvPr/>
+        </p:nvPicPr>
+        <p:blipFill>
+          <a:blip r:embed="rId5">
+            <a:extLst>
+              <a:ext uri="{28A0092B-C50C-407E-A947-70E740481C1C}">
+                <a14:useLocalDpi xmlns:a14="http://schemas.microsoft.com/office/drawing/2010/main" val="0"/>
+              </a:ext>
+            </a:extLst>
+          </a:blip>
+          <a:srcRect/>
+          <a:stretch>
+            <a:fillRect/>
+          </a:stretch>
+        </p:blipFill>
+        <p:spPr bwMode="auto">
+          <a:xfrm>
+            <a:off x="347660" y="4432995"/>
+            <a:ext cx="8712993" cy="2272605"/>
+          </a:xfrm>
+          <a:prstGeom prst="rect">
+            <a:avLst/>
+          </a:prstGeom>
+          <a:noFill/>
+          <a:ln>
+            <a:noFill/>
+          </a:ln>
+          <a:extLst>
+            <a:ext uri="{909E8E84-426E-40DD-AFC4-6F175D3DCCD1}">
+              <a14:hiddenFill xmlns:a14="http://schemas.microsoft.com/office/drawing/2010/main">
+                <a:solidFill>
+                  <a:schemeClr val="accent1"/>
+                </a:solidFill>
+              </a14:hiddenFill>
+            </a:ext>
+            <a:ext uri="{91240B29-F687-4F45-9708-019B960494DF}">
+              <a14:hiddenLine xmlns:a14="http://schemas.microsoft.com/office/drawing/2010/main" w="9525">
+                <a:solidFill>
+                  <a:schemeClr val="tx1"/>
+                </a:solidFill>
+                <a:miter lim="800000"/>
+                <a:headEnd/>
+                <a:tailEnd/>
+              </a14:hiddenLine>
+            </a:ext>
+          </a:extLst>
         </p:spPr>
       </p:pic>
     </p:spTree>
     <p:extLst>
       <p:ext uri="{BB962C8B-B14F-4D97-AF65-F5344CB8AC3E}">
-        <p14:creationId xmlns:p14="http://schemas.microsoft.com/office/powerpoint/2010/main" val="1313908389"/>
+        <p14:creationId xmlns:p14="http://schemas.microsoft.com/office/powerpoint/2010/main" val="3617579299"/>
       </p:ext>
     </p:extLst>
   </p:cSld>
@@ -14828,7 +16360,14 @@
           <a:p>
             <a:r>
               <a:rPr lang="en-US" dirty="0" smtClean="0"/>
-              <a:t>Problem Statement</a:t>
+              <a:t>Modeling and Simulation:</a:t>
+            </a:r>
+            <a:br>
+              <a:rPr lang="en-US" dirty="0" smtClean="0"/>
+            </a:br>
+            <a:r>
+              <a:rPr lang="en-US" dirty="0" smtClean="0"/>
+              <a:t>Modules</a:t>
             </a:r>
             <a:endParaRPr lang="en-US" dirty="0"/>
           </a:p>
@@ -14836,7 +16375,7 @@
       </p:sp>
       <p:sp>
         <p:nvSpPr>
-          <p:cNvPr id="4" name="Slide Number Placeholder 3"/>
+          <p:cNvPr id="3" name="Slide Number Placeholder 2"/>
           <p:cNvSpPr>
             <a:spLocks noGrp="1"/>
           </p:cNvSpPr>
@@ -14864,186 +16403,6 @@
                 <a:defRPr/>
               </a:pPr>
               <a:t>6</a:t>
-            </a:fld>
-            <a:endParaRPr lang="en-US">
-              <a:solidFill>
-                <a:prstClr val="black">
-                  <a:tint val="75000"/>
-                </a:prstClr>
-              </a:solidFill>
-            </a:endParaRPr>
-          </a:p>
-        </p:txBody>
-      </p:sp>
-      <p:pic>
-        <p:nvPicPr>
-          <p:cNvPr id="3" name="Picture 2"/>
-          <p:cNvPicPr>
-            <a:picLocks noChangeAspect="1"/>
-          </p:cNvPicPr>
-          <p:nvPr/>
-        </p:nvPicPr>
-        <p:blipFill>
-          <a:blip r:embed="rId3"/>
-          <a:stretch>
-            <a:fillRect/>
-          </a:stretch>
-        </p:blipFill>
-        <p:spPr>
-          <a:xfrm>
-            <a:off x="990600" y="1066800"/>
-            <a:ext cx="5791200" cy="707448"/>
-          </a:xfrm>
-          <a:prstGeom prst="rect">
-            <a:avLst/>
-          </a:prstGeom>
-        </p:spPr>
-      </p:pic>
-      <p:pic>
-        <p:nvPicPr>
-          <p:cNvPr id="5" name="Picture 4"/>
-          <p:cNvPicPr>
-            <a:picLocks noChangeAspect="1"/>
-          </p:cNvPicPr>
-          <p:nvPr/>
-        </p:nvPicPr>
-        <p:blipFill>
-          <a:blip r:embed="rId4"/>
-          <a:stretch>
-            <a:fillRect/>
-          </a:stretch>
-        </p:blipFill>
-        <p:spPr>
-          <a:xfrm>
-            <a:off x="2286000" y="1905000"/>
-            <a:ext cx="4068906" cy="2395711"/>
-          </a:xfrm>
-          <a:prstGeom prst="rect">
-            <a:avLst/>
-          </a:prstGeom>
-        </p:spPr>
-      </p:pic>
-      <p:pic>
-        <p:nvPicPr>
-          <p:cNvPr id="6" name="Picture 5"/>
-          <p:cNvPicPr>
-            <a:picLocks noChangeAspect="1"/>
-          </p:cNvPicPr>
-          <p:nvPr/>
-        </p:nvPicPr>
-        <p:blipFill>
-          <a:blip r:embed="rId5"/>
-          <a:stretch>
-            <a:fillRect/>
-          </a:stretch>
-        </p:blipFill>
-        <p:spPr>
-          <a:xfrm>
-            <a:off x="347660" y="4430856"/>
-            <a:ext cx="8601075" cy="2275077"/>
-          </a:xfrm>
-          <a:prstGeom prst="rect">
-            <a:avLst/>
-          </a:prstGeom>
-        </p:spPr>
-      </p:pic>
-    </p:spTree>
-    <p:extLst>
-      <p:ext uri="{BB962C8B-B14F-4D97-AF65-F5344CB8AC3E}">
-        <p14:creationId xmlns:p14="http://schemas.microsoft.com/office/powerpoint/2010/main" val="3617579299"/>
-      </p:ext>
-    </p:extLst>
-  </p:cSld>
-  <p:clrMapOvr>
-    <a:masterClrMapping/>
-  </p:clrMapOvr>
-  <p:timing>
-    <p:tnLst>
-      <p:par>
-        <p:cTn id="1" dur="indefinite" restart="never" nodeType="tmRoot"/>
-      </p:par>
-    </p:tnLst>
-  </p:timing>
-</p:sld>
-</file>
-
-<file path=ppt/slides/slide7.xml><?xml version="1.0" encoding="utf-8"?>
-<p:sld xmlns:a="http://schemas.openxmlformats.org/drawingml/2006/main" xmlns:r="http://schemas.openxmlformats.org/officeDocument/2006/relationships" xmlns:p="http://schemas.openxmlformats.org/presentationml/2006/main">
-  <p:cSld>
-    <p:spTree>
-      <p:nvGrpSpPr>
-        <p:cNvPr id="1" name=""/>
-        <p:cNvGrpSpPr/>
-        <p:nvPr/>
-      </p:nvGrpSpPr>
-      <p:grpSpPr>
-        <a:xfrm>
-          <a:off x="0" y="0"/>
-          <a:ext cx="0" cy="0"/>
-          <a:chOff x="0" y="0"/>
-          <a:chExt cx="0" cy="0"/>
-        </a:xfrm>
-      </p:grpSpPr>
-      <p:sp>
-        <p:nvSpPr>
-          <p:cNvPr id="2" name="Title 1"/>
-          <p:cNvSpPr>
-            <a:spLocks noGrp="1"/>
-          </p:cNvSpPr>
-          <p:nvPr>
-            <p:ph type="title"/>
-          </p:nvPr>
-        </p:nvSpPr>
-        <p:spPr/>
-        <p:txBody>
-          <a:bodyPr/>
-          <a:lstStyle/>
-          <a:p>
-            <a:r>
-              <a:rPr lang="en-US" dirty="0" smtClean="0"/>
-              <a:t>Modeling and Simulation:</a:t>
-            </a:r>
-            <a:br>
-              <a:rPr lang="en-US" dirty="0" smtClean="0"/>
-            </a:br>
-            <a:r>
-              <a:rPr lang="en-US" dirty="0" smtClean="0"/>
-              <a:t>Modules</a:t>
-            </a:r>
-            <a:endParaRPr lang="en-US" dirty="0"/>
-          </a:p>
-        </p:txBody>
-      </p:sp>
-      <p:sp>
-        <p:nvSpPr>
-          <p:cNvPr id="3" name="Slide Number Placeholder 2"/>
-          <p:cNvSpPr>
-            <a:spLocks noGrp="1"/>
-          </p:cNvSpPr>
-          <p:nvPr>
-            <p:ph type="sldNum" sz="quarter" idx="12"/>
-          </p:nvPr>
-        </p:nvSpPr>
-        <p:spPr/>
-        <p:txBody>
-          <a:bodyPr/>
-          <a:lstStyle/>
-          <a:p>
-            <a:pPr>
-              <a:defRPr/>
-            </a:pPr>
-            <a:fld id="{6E3317FF-6423-48BB-8CF6-A5183FB2D75B}" type="slidenum">
-              <a:rPr lang="en-US" smtClean="0">
-                <a:solidFill>
-                  <a:prstClr val="black">
-                    <a:tint val="75000"/>
-                  </a:prstClr>
-                </a:solidFill>
-              </a:rPr>
-              <a:pPr>
-                <a:defRPr/>
-              </a:pPr>
-              <a:t>7</a:t>
             </a:fld>
             <a:endParaRPr lang="en-US">
               <a:solidFill>
@@ -15195,7 +16554,7 @@
 </p:sld>
 </file>
 
-<file path=ppt/slides/slide8.xml><?xml version="1.0" encoding="utf-8"?>
+<file path=ppt/slides/slide7.xml><?xml version="1.0" encoding="utf-8"?>
 <p:sld xmlns:a="http://schemas.openxmlformats.org/drawingml/2006/main" xmlns:r="http://schemas.openxmlformats.org/officeDocument/2006/relationships" xmlns:p="http://schemas.openxmlformats.org/presentationml/2006/main">
   <p:cSld>
     <p:spTree>
@@ -15271,7 +16630,7 @@
               <a:pPr>
                 <a:defRPr/>
               </a:pPr>
-              <a:t>8</a:t>
+              <a:t>7</a:t>
             </a:fld>
             <a:endParaRPr lang="en-US">
               <a:solidFill>
@@ -15350,6 +16709,530 @@
     <p:extLst>
       <p:ext uri="{BB962C8B-B14F-4D97-AF65-F5344CB8AC3E}">
         <p14:creationId xmlns:p14="http://schemas.microsoft.com/office/powerpoint/2010/main" val="1103405663"/>
+      </p:ext>
+    </p:extLst>
+  </p:cSld>
+  <p:clrMapOvr>
+    <a:masterClrMapping/>
+  </p:clrMapOvr>
+  <p:timing>
+    <p:tnLst>
+      <p:par>
+        <p:cTn id="1" dur="indefinite" restart="never" nodeType="tmRoot"/>
+      </p:par>
+    </p:tnLst>
+  </p:timing>
+</p:sld>
+</file>
+
+<file path=ppt/slides/slide8.xml><?xml version="1.0" encoding="utf-8"?>
+<p:sld xmlns:a="http://schemas.openxmlformats.org/drawingml/2006/main" xmlns:r="http://schemas.openxmlformats.org/officeDocument/2006/relationships" xmlns:p="http://schemas.openxmlformats.org/presentationml/2006/main">
+  <p:cSld>
+    <p:spTree>
+      <p:nvGrpSpPr>
+        <p:cNvPr id="1" name=""/>
+        <p:cNvGrpSpPr/>
+        <p:nvPr/>
+      </p:nvGrpSpPr>
+      <p:grpSpPr>
+        <a:xfrm>
+          <a:off x="0" y="0"/>
+          <a:ext cx="0" cy="0"/>
+          <a:chOff x="0" y="0"/>
+          <a:chExt cx="0" cy="0"/>
+        </a:xfrm>
+      </p:grpSpPr>
+      <p:sp>
+        <p:nvSpPr>
+          <p:cNvPr id="2" name="Title 1"/>
+          <p:cNvSpPr>
+            <a:spLocks noGrp="1"/>
+          </p:cNvSpPr>
+          <p:nvPr>
+            <p:ph type="title"/>
+          </p:nvPr>
+        </p:nvSpPr>
+        <p:spPr/>
+        <p:txBody>
+          <a:bodyPr/>
+          <a:lstStyle/>
+          <a:p>
+            <a:r>
+              <a:rPr lang="en-US" dirty="0" smtClean="0"/>
+              <a:t>Modeling and Simulation:</a:t>
+            </a:r>
+            <a:br>
+              <a:rPr lang="en-US" dirty="0" smtClean="0"/>
+            </a:br>
+            <a:r>
+              <a:rPr lang="en-US" dirty="0" smtClean="0"/>
+              <a:t>Multidisciplinary Expansions</a:t>
+            </a:r>
+            <a:endParaRPr lang="en-US" dirty="0"/>
+          </a:p>
+        </p:txBody>
+      </p:sp>
+      <p:sp>
+        <p:nvSpPr>
+          <p:cNvPr id="3" name="Slide Number Placeholder 2"/>
+          <p:cNvSpPr>
+            <a:spLocks noGrp="1"/>
+          </p:cNvSpPr>
+          <p:nvPr>
+            <p:ph type="sldNum" sz="quarter" idx="12"/>
+          </p:nvPr>
+        </p:nvSpPr>
+        <p:spPr/>
+        <p:txBody>
+          <a:bodyPr/>
+          <a:lstStyle/>
+          <a:p>
+            <a:pPr>
+              <a:defRPr/>
+            </a:pPr>
+            <a:fld id="{6E3317FF-6423-48BB-8CF6-A5183FB2D75B}" type="slidenum">
+              <a:rPr lang="en-US" smtClean="0">
+                <a:solidFill>
+                  <a:prstClr val="black">
+                    <a:tint val="75000"/>
+                  </a:prstClr>
+                </a:solidFill>
+              </a:rPr>
+              <a:pPr>
+                <a:defRPr/>
+              </a:pPr>
+              <a:t>8</a:t>
+            </a:fld>
+            <a:endParaRPr lang="en-US" dirty="0">
+              <a:solidFill>
+                <a:prstClr val="black">
+                  <a:tint val="75000"/>
+                </a:prstClr>
+              </a:solidFill>
+            </a:endParaRPr>
+          </a:p>
+        </p:txBody>
+      </p:sp>
+      <p:sp>
+        <p:nvSpPr>
+          <p:cNvPr id="4" name="TextBox 3"/>
+          <p:cNvSpPr txBox="1"/>
+          <p:nvPr/>
+        </p:nvSpPr>
+        <p:spPr>
+          <a:xfrm>
+            <a:off x="457200" y="1066800"/>
+            <a:ext cx="8382000" cy="830997"/>
+          </a:xfrm>
+          <a:prstGeom prst="rect">
+            <a:avLst/>
+          </a:prstGeom>
+          <a:noFill/>
+        </p:spPr>
+        <p:txBody>
+          <a:bodyPr wrap="square" rtlCol="0">
+            <a:spAutoFit/>
+          </a:bodyPr>
+          <a:lstStyle/>
+          <a:p>
+            <a:r>
+              <a:rPr lang="en-US" sz="2400" dirty="0" smtClean="0"/>
+              <a:t>Two additional modules were developed to capture relevant objectives for the Mars 2040 campaign model</a:t>
+            </a:r>
+          </a:p>
+        </p:txBody>
+      </p:sp>
+      <p:pic>
+        <p:nvPicPr>
+          <p:cNvPr id="1026" name="Picture 2"/>
+          <p:cNvPicPr>
+            <a:picLocks noChangeAspect="1" noChangeArrowheads="1"/>
+          </p:cNvPicPr>
+          <p:nvPr/>
+        </p:nvPicPr>
+        <p:blipFill rotWithShape="1">
+          <a:blip r:embed="rId3" cstate="print">
+            <a:extLst>
+              <a:ext uri="{28A0092B-C50C-407E-A947-70E740481C1C}">
+                <a14:useLocalDpi xmlns:a14="http://schemas.microsoft.com/office/drawing/2010/main"/>
+              </a:ext>
+            </a:extLst>
+          </a:blip>
+          <a:srcRect/>
+          <a:stretch/>
+        </p:blipFill>
+        <p:spPr bwMode="auto">
+          <a:xfrm>
+            <a:off x="581123" y="2667000"/>
+            <a:ext cx="1819176" cy="3190791"/>
+          </a:xfrm>
+          <a:prstGeom prst="rect">
+            <a:avLst/>
+          </a:prstGeom>
+          <a:noFill/>
+          <a:ln>
+            <a:noFill/>
+          </a:ln>
+          <a:extLst>
+            <a:ext uri="{909E8E84-426E-40DD-AFC4-6F175D3DCCD1}">
+              <a14:hiddenFill xmlns:a14="http://schemas.microsoft.com/office/drawing/2010/main">
+                <a:solidFill>
+                  <a:schemeClr val="accent1"/>
+                </a:solidFill>
+              </a14:hiddenFill>
+            </a:ext>
+            <a:ext uri="{91240B29-F687-4F45-9708-019B960494DF}">
+              <a14:hiddenLine xmlns:a14="http://schemas.microsoft.com/office/drawing/2010/main" w="9525">
+                <a:solidFill>
+                  <a:schemeClr val="tx1"/>
+                </a:solidFill>
+                <a:miter lim="800000"/>
+                <a:headEnd/>
+                <a:tailEnd/>
+              </a14:hiddenLine>
+            </a:ext>
+          </a:extLst>
+        </p:spPr>
+      </p:pic>
+      <p:sp>
+        <p:nvSpPr>
+          <p:cNvPr id="6" name="TextBox 5"/>
+          <p:cNvSpPr txBox="1"/>
+          <p:nvPr/>
+        </p:nvSpPr>
+        <p:spPr>
+          <a:xfrm>
+            <a:off x="152400" y="2162145"/>
+            <a:ext cx="5486400" cy="400110"/>
+          </a:xfrm>
+          <a:prstGeom prst="rect">
+            <a:avLst/>
+          </a:prstGeom>
+          <a:noFill/>
+        </p:spPr>
+        <p:txBody>
+          <a:bodyPr wrap="square" rtlCol="0">
+            <a:spAutoFit/>
+          </a:bodyPr>
+          <a:lstStyle/>
+          <a:p>
+            <a:pPr algn="ctr"/>
+            <a:r>
+              <a:rPr lang="en-US" sz="2000" b="1" dirty="0" smtClean="0"/>
+              <a:t>Advanced Technologies Development Cost</a:t>
+            </a:r>
+          </a:p>
+        </p:txBody>
+      </p:sp>
+      <p:pic>
+        <p:nvPicPr>
+          <p:cNvPr id="1027" name="Picture 3"/>
+          <p:cNvPicPr>
+            <a:picLocks noChangeAspect="1" noChangeArrowheads="1"/>
+          </p:cNvPicPr>
+          <p:nvPr/>
+        </p:nvPicPr>
+        <p:blipFill rotWithShape="1">
+          <a:blip r:embed="rId4" cstate="print">
+            <a:extLst>
+              <a:ext uri="{28A0092B-C50C-407E-A947-70E740481C1C}">
+                <a14:useLocalDpi xmlns:a14="http://schemas.microsoft.com/office/drawing/2010/main"/>
+              </a:ext>
+            </a:extLst>
+          </a:blip>
+          <a:srcRect/>
+          <a:stretch/>
+        </p:blipFill>
+        <p:spPr bwMode="auto">
+          <a:xfrm>
+            <a:off x="2628898" y="3200400"/>
+            <a:ext cx="2611655" cy="2308459"/>
+          </a:xfrm>
+          <a:prstGeom prst="rect">
+            <a:avLst/>
+          </a:prstGeom>
+          <a:noFill/>
+          <a:ln>
+            <a:noFill/>
+          </a:ln>
+          <a:extLst>
+            <a:ext uri="{909E8E84-426E-40DD-AFC4-6F175D3DCCD1}">
+              <a14:hiddenFill xmlns:a14="http://schemas.microsoft.com/office/drawing/2010/main">
+                <a:solidFill>
+                  <a:schemeClr val="accent1"/>
+                </a:solidFill>
+              </a14:hiddenFill>
+            </a:ext>
+            <a:ext uri="{91240B29-F687-4F45-9708-019B960494DF}">
+              <a14:hiddenLine xmlns:a14="http://schemas.microsoft.com/office/drawing/2010/main" w="9525">
+                <a:solidFill>
+                  <a:schemeClr val="tx1"/>
+                </a:solidFill>
+                <a:miter lim="800000"/>
+                <a:headEnd/>
+                <a:tailEnd/>
+              </a14:hiddenLine>
+            </a:ext>
+          </a:extLst>
+        </p:spPr>
+      </p:pic>
+      <p:sp>
+        <p:nvSpPr>
+          <p:cNvPr id="8" name="TextBox 7"/>
+          <p:cNvSpPr txBox="1"/>
+          <p:nvPr/>
+        </p:nvSpPr>
+        <p:spPr>
+          <a:xfrm>
+            <a:off x="3119384" y="5486400"/>
+            <a:ext cx="1630681" cy="230832"/>
+          </a:xfrm>
+          <a:prstGeom prst="rect">
+            <a:avLst/>
+          </a:prstGeom>
+          <a:noFill/>
+        </p:spPr>
+        <p:txBody>
+          <a:bodyPr wrap="square" rtlCol="0">
+            <a:spAutoFit/>
+          </a:bodyPr>
+          <a:lstStyle/>
+          <a:p>
+            <a:pPr algn="ctr"/>
+            <a:r>
+              <a:rPr lang="en-US" sz="900" dirty="0">
+                <a:solidFill>
+                  <a:schemeClr val="bg1">
+                    <a:lumMod val="50000"/>
+                  </a:schemeClr>
+                </a:solidFill>
+              </a:rPr>
+              <a:t>http://www.exploremars.org/</a:t>
+            </a:r>
+            <a:endParaRPr lang="en-US" sz="900" dirty="0" smtClean="0">
+              <a:solidFill>
+                <a:schemeClr val="bg1">
+                  <a:lumMod val="50000"/>
+                </a:schemeClr>
+              </a:solidFill>
+            </a:endParaRPr>
+          </a:p>
+        </p:txBody>
+      </p:sp>
+      <p:sp>
+        <p:nvSpPr>
+          <p:cNvPr id="5" name="Rectangle 4"/>
+          <p:cNvSpPr/>
+          <p:nvPr/>
+        </p:nvSpPr>
+        <p:spPr>
+          <a:xfrm>
+            <a:off x="419098" y="2133600"/>
+            <a:ext cx="5029201" cy="4046637"/>
+          </a:xfrm>
+          <a:prstGeom prst="rect">
+            <a:avLst/>
+          </a:prstGeom>
+          <a:noFill/>
+          <a:ln>
+            <a:solidFill>
+              <a:srgbClr val="C00000"/>
+            </a:solidFill>
+          </a:ln>
+        </p:spPr>
+        <p:style>
+          <a:lnRef idx="2">
+            <a:schemeClr val="accent1">
+              <a:shade val="50000"/>
+            </a:schemeClr>
+          </a:lnRef>
+          <a:fillRef idx="1">
+            <a:schemeClr val="accent1"/>
+          </a:fillRef>
+          <a:effectRef idx="0">
+            <a:schemeClr val="accent1"/>
+          </a:effectRef>
+          <a:fontRef idx="minor">
+            <a:schemeClr val="lt1"/>
+          </a:fontRef>
+        </p:style>
+        <p:txBody>
+          <a:bodyPr rtlCol="0" anchor="ctr"/>
+          <a:lstStyle/>
+          <a:p>
+            <a:pPr algn="ctr"/>
+            <a:endParaRPr lang="en-US"/>
+          </a:p>
+        </p:txBody>
+      </p:sp>
+      <p:sp>
+        <p:nvSpPr>
+          <p:cNvPr id="10" name="TextBox 9"/>
+          <p:cNvSpPr txBox="1"/>
+          <p:nvPr/>
+        </p:nvSpPr>
+        <p:spPr>
+          <a:xfrm>
+            <a:off x="4419600" y="2135204"/>
+            <a:ext cx="5486400" cy="400110"/>
+          </a:xfrm>
+          <a:prstGeom prst="rect">
+            <a:avLst/>
+          </a:prstGeom>
+          <a:noFill/>
+        </p:spPr>
+        <p:txBody>
+          <a:bodyPr wrap="square" rtlCol="0">
+            <a:spAutoFit/>
+          </a:bodyPr>
+          <a:lstStyle/>
+          <a:p>
+            <a:pPr algn="ctr"/>
+            <a:r>
+              <a:rPr lang="en-US" sz="2000" b="1" dirty="0" smtClean="0"/>
+              <a:t>IMLEO Operational Cost</a:t>
+            </a:r>
+          </a:p>
+        </p:txBody>
+      </p:sp>
+      <p:pic>
+        <p:nvPicPr>
+          <p:cNvPr id="1028" name="Picture 4"/>
+          <p:cNvPicPr>
+            <a:picLocks noChangeAspect="1" noChangeArrowheads="1"/>
+          </p:cNvPicPr>
+          <p:nvPr/>
+        </p:nvPicPr>
+        <p:blipFill rotWithShape="1">
+          <a:blip r:embed="rId5" cstate="print">
+            <a:extLst>
+              <a:ext uri="{28A0092B-C50C-407E-A947-70E740481C1C}">
+                <a14:useLocalDpi xmlns:a14="http://schemas.microsoft.com/office/drawing/2010/main"/>
+              </a:ext>
+            </a:extLst>
+          </a:blip>
+          <a:srcRect/>
+          <a:stretch/>
+        </p:blipFill>
+        <p:spPr bwMode="auto">
+          <a:xfrm>
+            <a:off x="5942797" y="2577495"/>
+            <a:ext cx="2406317" cy="3401328"/>
+          </a:xfrm>
+          <a:prstGeom prst="rect">
+            <a:avLst/>
+          </a:prstGeom>
+          <a:noFill/>
+          <a:ln>
+            <a:noFill/>
+          </a:ln>
+          <a:extLst>
+            <a:ext uri="{909E8E84-426E-40DD-AFC4-6F175D3DCCD1}">
+              <a14:hiddenFill xmlns:a14="http://schemas.microsoft.com/office/drawing/2010/main">
+                <a:solidFill>
+                  <a:schemeClr val="accent1"/>
+                </a:solidFill>
+              </a14:hiddenFill>
+            </a:ext>
+            <a:ext uri="{91240B29-F687-4F45-9708-019B960494DF}">
+              <a14:hiddenLine xmlns:a14="http://schemas.microsoft.com/office/drawing/2010/main" w="9525">
+                <a:solidFill>
+                  <a:schemeClr val="tx1"/>
+                </a:solidFill>
+                <a:miter lim="800000"/>
+                <a:headEnd/>
+                <a:tailEnd/>
+              </a14:hiddenLine>
+            </a:ext>
+          </a:extLst>
+        </p:spPr>
+      </p:pic>
+      <p:sp>
+        <p:nvSpPr>
+          <p:cNvPr id="12" name="Rectangle 11"/>
+          <p:cNvSpPr/>
+          <p:nvPr/>
+        </p:nvSpPr>
+        <p:spPr>
+          <a:xfrm>
+            <a:off x="5715000" y="2133600"/>
+            <a:ext cx="2819400" cy="4046637"/>
+          </a:xfrm>
+          <a:prstGeom prst="rect">
+            <a:avLst/>
+          </a:prstGeom>
+          <a:noFill/>
+          <a:ln>
+            <a:solidFill>
+              <a:srgbClr val="C00000"/>
+            </a:solidFill>
+          </a:ln>
+        </p:spPr>
+        <p:style>
+          <a:lnRef idx="2">
+            <a:schemeClr val="accent1">
+              <a:shade val="50000"/>
+            </a:schemeClr>
+          </a:lnRef>
+          <a:fillRef idx="1">
+            <a:schemeClr val="accent1"/>
+          </a:fillRef>
+          <a:effectRef idx="0">
+            <a:schemeClr val="accent1"/>
+          </a:effectRef>
+          <a:fontRef idx="minor">
+            <a:schemeClr val="lt1"/>
+          </a:fontRef>
+        </p:style>
+        <p:txBody>
+          <a:bodyPr rtlCol="0" anchor="ctr"/>
+          <a:lstStyle/>
+          <a:p>
+            <a:pPr algn="ctr"/>
+            <a:endParaRPr lang="en-US"/>
+          </a:p>
+        </p:txBody>
+      </p:sp>
+      <p:sp>
+        <p:nvSpPr>
+          <p:cNvPr id="13" name="TextBox 12"/>
+          <p:cNvSpPr txBox="1"/>
+          <p:nvPr/>
+        </p:nvSpPr>
+        <p:spPr>
+          <a:xfrm>
+            <a:off x="6347459" y="5938001"/>
+            <a:ext cx="1630681" cy="230832"/>
+          </a:xfrm>
+          <a:prstGeom prst="rect">
+            <a:avLst/>
+          </a:prstGeom>
+          <a:noFill/>
+        </p:spPr>
+        <p:txBody>
+          <a:bodyPr wrap="square" rtlCol="0">
+            <a:spAutoFit/>
+          </a:bodyPr>
+          <a:lstStyle/>
+          <a:p>
+            <a:pPr algn="ctr"/>
+            <a:r>
+              <a:rPr lang="en-US" sz="900" dirty="0" smtClean="0">
+                <a:solidFill>
+                  <a:schemeClr val="bg1">
+                    <a:lumMod val="50000"/>
+                  </a:schemeClr>
+                </a:solidFill>
+              </a:rPr>
+              <a:t>www.spacex.com</a:t>
+            </a:r>
+          </a:p>
+        </p:txBody>
+      </p:sp>
+    </p:spTree>
+    <p:extLst>
+      <p:ext uri="{BB962C8B-B14F-4D97-AF65-F5344CB8AC3E}">
+        <p14:creationId xmlns:p14="http://schemas.microsoft.com/office/powerpoint/2010/main" val="991219898"/>
       </p:ext>
     </p:extLst>
   </p:cSld>
@@ -15399,17 +17282,16 @@
           <a:lstStyle/>
           <a:p>
             <a:r>
-              <a:rPr lang="en-US" dirty="0" smtClean="0"/>
+              <a:rPr lang="en-US" dirty="0"/>
               <a:t>Modeling and Simulation:</a:t>
             </a:r>
             <a:br>
-              <a:rPr lang="en-US" dirty="0" smtClean="0"/>
+              <a:rPr lang="en-US" dirty="0"/>
             </a:br>
             <a:r>
-              <a:rPr lang="en-US" dirty="0" smtClean="0"/>
+              <a:rPr lang="en-US" dirty="0"/>
               <a:t>Multidisciplinary Expansions</a:t>
             </a:r>
-            <a:endParaRPr lang="en-US" dirty="0"/>
           </a:p>
         </p:txBody>
       </p:sp>
@@ -15444,7 +17326,7 @@
               </a:pPr>
               <a:t>9</a:t>
             </a:fld>
-            <a:endParaRPr lang="en-US" dirty="0">
+            <a:endParaRPr lang="en-US">
               <a:solidFill>
                 <a:prstClr val="black">
                   <a:tint val="75000"/>
@@ -15454,45 +17336,16 @@
           </a:p>
         </p:txBody>
       </p:sp>
-      <p:sp>
-        <p:nvSpPr>
-          <p:cNvPr id="4" name="TextBox 3"/>
-          <p:cNvSpPr txBox="1"/>
-          <p:nvPr/>
-        </p:nvSpPr>
-        <p:spPr>
-          <a:xfrm>
-            <a:off x="457200" y="1066800"/>
-            <a:ext cx="8382000" cy="830997"/>
-          </a:xfrm>
-          <a:prstGeom prst="rect">
-            <a:avLst/>
-          </a:prstGeom>
-          <a:noFill/>
-        </p:spPr>
-        <p:txBody>
-          <a:bodyPr wrap="square" rtlCol="0">
-            <a:spAutoFit/>
-          </a:bodyPr>
-          <a:lstStyle/>
-          <a:p>
-            <a:r>
-              <a:rPr lang="en-US" sz="2400" dirty="0" smtClean="0"/>
-              <a:t>Two additional modules were developed to capture relevant objectives for the Mars 2040 campaign model</a:t>
-            </a:r>
-          </a:p>
-        </p:txBody>
-      </p:sp>
       <p:pic>
         <p:nvPicPr>
-          <p:cNvPr id="1026" name="Picture 2"/>
+          <p:cNvPr id="4" name="Picture 2" descr="https://lh5.googleusercontent.com/vmoWZSPo023tdwkjIegTWlae3rZUg6xADkfSoLjAPFhqGu3n3tZ-vuoCniTJ6y14tUWa43U55P8Br9htsihiVfOrPYK2BHnrxLsUknOi0WHBdceciNuO-AA3YGTMTPAK0Lgco_11kw"/>
           <p:cNvPicPr>
             <a:picLocks noChangeAspect="1" noChangeArrowheads="1"/>
           </p:cNvPicPr>
           <p:nvPr/>
         </p:nvPicPr>
-        <p:blipFill rotWithShape="1">
-          <a:blip r:embed="rId3" cstate="print">
+        <p:blipFill>
+          <a:blip r:embed="rId2">
             <a:extLst>
               <a:ext uri="{28A0092B-C50C-407E-A947-70E740481C1C}">
                 <a14:useLocalDpi xmlns:a14="http://schemas.microsoft.com/office/drawing/2010/main"/>
@@ -15500,184 +17353,48 @@
             </a:extLst>
           </a:blip>
           <a:srcRect/>
-          <a:stretch/>
+          <a:stretch>
+            <a:fillRect/>
+          </a:stretch>
         </p:blipFill>
         <p:spPr bwMode="auto">
           <a:xfrm>
-            <a:off x="581123" y="2667000"/>
-            <a:ext cx="1819176" cy="3190791"/>
+            <a:off x="558946" y="1371600"/>
+            <a:ext cx="8127854" cy="4800600"/>
           </a:xfrm>
           <a:prstGeom prst="rect">
             <a:avLst/>
           </a:prstGeom>
           <a:noFill/>
-          <a:ln>
-            <a:noFill/>
-          </a:ln>
           <a:extLst>
             <a:ext uri="{909E8E84-426E-40DD-AFC4-6F175D3DCCD1}">
               <a14:hiddenFill xmlns:a14="http://schemas.microsoft.com/office/drawing/2010/main">
                 <a:solidFill>
-                  <a:schemeClr val="accent1"/>
+                  <a:srgbClr val="FFFFFF"/>
                 </a:solidFill>
               </a14:hiddenFill>
             </a:ext>
-            <a:ext uri="{91240B29-F687-4F45-9708-019B960494DF}">
-              <a14:hiddenLine xmlns:a14="http://schemas.microsoft.com/office/drawing/2010/main" w="9525">
-                <a:solidFill>
-                  <a:schemeClr val="tx1"/>
-                </a:solidFill>
-                <a:miter lim="800000"/>
-                <a:headEnd/>
-                <a:tailEnd/>
-              </a14:hiddenLine>
-            </a:ext>
           </a:extLst>
         </p:spPr>
       </p:pic>
       <p:sp>
         <p:nvSpPr>
-          <p:cNvPr id="6" name="TextBox 5"/>
-          <p:cNvSpPr txBox="1"/>
+          <p:cNvPr id="5" name="Rounded Rectangle 4"/>
+          <p:cNvSpPr/>
           <p:nvPr/>
         </p:nvSpPr>
         <p:spPr>
           <a:xfrm>
-            <a:off x="152400" y="2162145"/>
-            <a:ext cx="5486400" cy="400110"/>
-          </a:xfrm>
-          <a:prstGeom prst="rect">
-            <a:avLst/>
-          </a:prstGeom>
-          <a:noFill/>
-        </p:spPr>
-        <p:txBody>
-          <a:bodyPr wrap="square" rtlCol="0">
-            <a:spAutoFit/>
-          </a:bodyPr>
-          <a:lstStyle/>
-          <a:p>
-            <a:pPr algn="ctr"/>
-            <a:r>
-              <a:rPr lang="en-US" sz="2000" b="1" dirty="0" smtClean="0"/>
-              <a:t>Advanced Technologies Development Cost</a:t>
-            </a:r>
-          </a:p>
-        </p:txBody>
-      </p:sp>
-      <p:pic>
-        <p:nvPicPr>
-          <p:cNvPr id="1027" name="Picture 3"/>
-          <p:cNvPicPr>
-            <a:picLocks noChangeAspect="1" noChangeArrowheads="1"/>
-          </p:cNvPicPr>
-          <p:nvPr/>
-        </p:nvPicPr>
-        <p:blipFill rotWithShape="1">
-          <a:blip r:embed="rId4" cstate="print">
-            <a:extLst>
-              <a:ext uri="{28A0092B-C50C-407E-A947-70E740481C1C}">
-                <a14:useLocalDpi xmlns:a14="http://schemas.microsoft.com/office/drawing/2010/main"/>
-              </a:ext>
-            </a:extLst>
-          </a:blip>
-          <a:srcRect/>
-          <a:stretch/>
-        </p:blipFill>
-        <p:spPr bwMode="auto">
-          <a:xfrm>
-            <a:off x="2628898" y="3200400"/>
-            <a:ext cx="2611655" cy="2308459"/>
-          </a:xfrm>
-          <a:prstGeom prst="rect">
-            <a:avLst/>
-          </a:prstGeom>
-          <a:noFill/>
-          <a:ln>
-            <a:noFill/>
-          </a:ln>
-          <a:extLst>
-            <a:ext uri="{909E8E84-426E-40DD-AFC4-6F175D3DCCD1}">
-              <a14:hiddenFill xmlns:a14="http://schemas.microsoft.com/office/drawing/2010/main">
-                <a:solidFill>
-                  <a:schemeClr val="accent1"/>
-                </a:solidFill>
-              </a14:hiddenFill>
-            </a:ext>
-            <a:ext uri="{91240B29-F687-4F45-9708-019B960494DF}">
-              <a14:hiddenLine xmlns:a14="http://schemas.microsoft.com/office/drawing/2010/main" w="9525">
-                <a:solidFill>
-                  <a:schemeClr val="tx1"/>
-                </a:solidFill>
-                <a:miter lim="800000"/>
-                <a:headEnd/>
-                <a:tailEnd/>
-              </a14:hiddenLine>
-            </a:ext>
-          </a:extLst>
-        </p:spPr>
-      </p:pic>
-      <p:sp>
-        <p:nvSpPr>
-          <p:cNvPr id="8" name="TextBox 7"/>
-          <p:cNvSpPr txBox="1"/>
-          <p:nvPr/>
-        </p:nvSpPr>
-        <p:spPr>
-          <a:xfrm>
-            <a:off x="3119384" y="5486400"/>
-            <a:ext cx="1630681" cy="230832"/>
-          </a:xfrm>
-          <a:prstGeom prst="rect">
-            <a:avLst/>
-          </a:prstGeom>
-          <a:noFill/>
-        </p:spPr>
-        <p:txBody>
-          <a:bodyPr wrap="square" rtlCol="0">
-            <a:spAutoFit/>
-          </a:bodyPr>
-          <a:lstStyle/>
-          <a:p>
-            <a:pPr algn="ctr"/>
-            <a:r>
-              <a:rPr lang="en-US" sz="900" dirty="0">
-                <a:solidFill>
-                  <a:schemeClr val="bg1">
-                    <a:lumMod val="50000"/>
-                  </a:schemeClr>
-                </a:solidFill>
-              </a:rPr>
-              <a:t>http://www.exploremars.org/</a:t>
-            </a:r>
-            <a:endParaRPr lang="en-US" sz="900" dirty="0" smtClean="0">
-              <a:solidFill>
-                <a:schemeClr val="bg1">
-                  <a:lumMod val="50000"/>
-                </a:schemeClr>
-              </a:solidFill>
-            </a:endParaRPr>
-          </a:p>
-        </p:txBody>
-      </p:sp>
-      <p:sp>
-        <p:nvSpPr>
-          <p:cNvPr id="5" name="Rectangle 4"/>
-          <p:cNvSpPr/>
-          <p:nvPr/>
-        </p:nvSpPr>
-        <p:spPr>
-          <a:xfrm>
-            <a:off x="419098" y="2133600"/>
-            <a:ext cx="5029201" cy="4046637"/>
-          </a:xfrm>
-          <a:prstGeom prst="rect">
+            <a:off x="3064383" y="5920740"/>
+            <a:ext cx="978408" cy="502920"/>
+          </a:xfrm>
+          <a:prstGeom prst="roundRect">
             <a:avLst/>
           </a:prstGeom>
           <a:noFill/>
           <a:ln>
             <a:solidFill>
-              <a:srgbClr val="C00000"/>
+              <a:srgbClr val="00B0F0"/>
             </a:solidFill>
           </a:ln>
         </p:spPr>
@@ -15702,110 +17419,40 @@
           <a:lstStyle/>
           <a:p>
             <a:pPr algn="ctr"/>
-            <a:endParaRPr lang="en-US"/>
-          </a:p>
-        </p:txBody>
-      </p:sp>
-      <p:sp>
-        <p:nvSpPr>
-          <p:cNvPr id="10" name="TextBox 9"/>
-          <p:cNvSpPr txBox="1"/>
-          <p:nvPr/>
-        </p:nvSpPr>
-        <p:spPr>
-          <a:xfrm>
-            <a:off x="4419600" y="2135204"/>
-            <a:ext cx="5486400" cy="400110"/>
-          </a:xfrm>
-          <a:prstGeom prst="rect">
-            <a:avLst/>
-          </a:prstGeom>
-          <a:noFill/>
-        </p:spPr>
-        <p:txBody>
-          <a:bodyPr wrap="square" rtlCol="0">
-            <a:spAutoFit/>
-          </a:bodyPr>
-          <a:lstStyle/>
-          <a:p>
-            <a:pPr algn="ctr"/>
-            <a:r>
-              <a:rPr lang="en-US" sz="2000" b="1" dirty="0" smtClean="0"/>
-              <a:t>IMLEO Operational Cost</a:t>
-            </a:r>
-          </a:p>
-        </p:txBody>
-      </p:sp>
-      <p:pic>
-        <p:nvPicPr>
-          <p:cNvPr id="1028" name="Picture 4"/>
-          <p:cNvPicPr>
-            <a:picLocks noChangeAspect="1" noChangeArrowheads="1"/>
-          </p:cNvPicPr>
-          <p:nvPr/>
-        </p:nvPicPr>
-        <p:blipFill rotWithShape="1">
-          <a:blip r:embed="rId5" cstate="print">
-            <a:extLst>
-              <a:ext uri="{28A0092B-C50C-407E-A947-70E740481C1C}">
-                <a14:useLocalDpi xmlns:a14="http://schemas.microsoft.com/office/drawing/2010/main"/>
-              </a:ext>
-            </a:extLst>
-          </a:blip>
-          <a:srcRect/>
-          <a:stretch/>
-        </p:blipFill>
-        <p:spPr bwMode="auto">
-          <a:xfrm>
-            <a:off x="5942797" y="2577495"/>
-            <a:ext cx="2406317" cy="3401328"/>
-          </a:xfrm>
-          <a:prstGeom prst="rect">
-            <a:avLst/>
-          </a:prstGeom>
-          <a:noFill/>
-          <a:ln>
-            <a:noFill/>
-          </a:ln>
-          <a:extLst>
-            <a:ext uri="{909E8E84-426E-40DD-AFC4-6F175D3DCCD1}">
-              <a14:hiddenFill xmlns:a14="http://schemas.microsoft.com/office/drawing/2010/main">
-                <a:solidFill>
-                  <a:schemeClr val="accent1"/>
-                </a:solidFill>
-              </a14:hiddenFill>
-            </a:ext>
-            <a:ext uri="{91240B29-F687-4F45-9708-019B960494DF}">
-              <a14:hiddenLine xmlns:a14="http://schemas.microsoft.com/office/drawing/2010/main" w="9525">
+            <a:r>
+              <a:rPr lang="en-US" sz="1200" dirty="0" smtClean="0">
                 <a:solidFill>
                   <a:schemeClr val="tx1"/>
                 </a:solidFill>
-                <a:miter lim="800000"/>
-                <a:headEnd/>
-                <a:tailEnd/>
-              </a14:hiddenLine>
-            </a:ext>
-          </a:extLst>
-        </p:spPr>
-      </p:pic>
-      <p:sp>
-        <p:nvSpPr>
-          <p:cNvPr id="12" name="Rectangle 11"/>
+              </a:rPr>
+              <a:t>IMLEO Costs</a:t>
+            </a:r>
+            <a:endParaRPr lang="en-US" sz="1200" dirty="0">
+              <a:solidFill>
+                <a:schemeClr val="tx1"/>
+              </a:solidFill>
+            </a:endParaRPr>
+          </a:p>
+        </p:txBody>
+      </p:sp>
+      <p:sp>
+        <p:nvSpPr>
+          <p:cNvPr id="6" name="Rounded Rectangle 5"/>
           <p:cNvSpPr/>
           <p:nvPr/>
         </p:nvSpPr>
         <p:spPr>
           <a:xfrm>
-            <a:off x="5715000" y="2133600"/>
-            <a:ext cx="2819400" cy="4046637"/>
-          </a:xfrm>
-          <a:prstGeom prst="rect">
+            <a:off x="4343400" y="5920740"/>
+            <a:ext cx="1143000" cy="502920"/>
+          </a:xfrm>
+          <a:prstGeom prst="roundRect">
             <a:avLst/>
           </a:prstGeom>
           <a:noFill/>
           <a:ln>
             <a:solidFill>
-              <a:srgbClr val="C00000"/>
+              <a:srgbClr val="00B0F0"/>
             </a:solidFill>
           </a:ln>
         </p:spPr>
@@ -15830,25 +17477,288 @@
           <a:lstStyle/>
           <a:p>
             <a:pPr algn="ctr"/>
-            <a:endParaRPr lang="en-US"/>
-          </a:p>
-        </p:txBody>
-      </p:sp>
-      <p:sp>
-        <p:nvSpPr>
-          <p:cNvPr id="13" name="TextBox 12"/>
-          <p:cNvSpPr txBox="1"/>
+            <a:r>
+              <a:rPr lang="en-US" sz="1200" dirty="0" smtClean="0">
+                <a:solidFill>
+                  <a:schemeClr val="tx1"/>
+                </a:solidFill>
+              </a:rPr>
+              <a:t>Technology Development</a:t>
+            </a:r>
+            <a:endParaRPr lang="en-US" sz="1200" dirty="0">
+              <a:solidFill>
+                <a:schemeClr val="tx1"/>
+              </a:solidFill>
+            </a:endParaRPr>
+          </a:p>
+        </p:txBody>
+      </p:sp>
+      <p:cxnSp>
+        <p:nvCxnSpPr>
+          <p:cNvPr id="8" name="Straight Arrow Connector 7"/>
+          <p:cNvCxnSpPr>
+            <a:stCxn id="6" idx="0"/>
+          </p:cNvCxnSpPr>
+          <p:nvPr/>
+        </p:nvCxnSpPr>
+        <p:spPr>
+          <a:xfrm flipV="1">
+            <a:off x="4914900" y="5486400"/>
+            <a:ext cx="1333500" cy="434340"/>
+          </a:xfrm>
+          <a:prstGeom prst="straightConnector1">
+            <a:avLst/>
+          </a:prstGeom>
+          <a:ln>
+            <a:tailEnd type="arrow"/>
+          </a:ln>
+        </p:spPr>
+        <p:style>
+          <a:lnRef idx="1">
+            <a:schemeClr val="accent1"/>
+          </a:lnRef>
+          <a:fillRef idx="0">
+            <a:schemeClr val="accent1"/>
+          </a:fillRef>
+          <a:effectRef idx="0">
+            <a:schemeClr val="accent1"/>
+          </a:effectRef>
+          <a:fontRef idx="minor">
+            <a:schemeClr val="tx1"/>
+          </a:fontRef>
+        </p:style>
+      </p:cxnSp>
+      <p:cxnSp>
+        <p:nvCxnSpPr>
+          <p:cNvPr id="9" name="Straight Arrow Connector 8"/>
+          <p:cNvCxnSpPr/>
+          <p:nvPr/>
+        </p:nvCxnSpPr>
+        <p:spPr>
+          <a:xfrm flipH="1" flipV="1">
+            <a:off x="3657600" y="3657600"/>
+            <a:ext cx="1266826" cy="2263140"/>
+          </a:xfrm>
+          <a:prstGeom prst="straightConnector1">
+            <a:avLst/>
+          </a:prstGeom>
+          <a:ln>
+            <a:tailEnd type="arrow"/>
+          </a:ln>
+        </p:spPr>
+        <p:style>
+          <a:lnRef idx="1">
+            <a:schemeClr val="accent1"/>
+          </a:lnRef>
+          <a:fillRef idx="0">
+            <a:schemeClr val="accent1"/>
+          </a:fillRef>
+          <a:effectRef idx="0">
+            <a:schemeClr val="accent1"/>
+          </a:effectRef>
+          <a:fontRef idx="minor">
+            <a:schemeClr val="tx1"/>
+          </a:fontRef>
+        </p:style>
+      </p:cxnSp>
+      <p:cxnSp>
+        <p:nvCxnSpPr>
+          <p:cNvPr id="19" name="Straight Arrow Connector 18"/>
+          <p:cNvCxnSpPr/>
+          <p:nvPr/>
+        </p:nvCxnSpPr>
+        <p:spPr>
+          <a:xfrm flipV="1">
+            <a:off x="5486400" y="5334000"/>
+            <a:ext cx="2362200" cy="838200"/>
+          </a:xfrm>
+          <a:prstGeom prst="straightConnector1">
+            <a:avLst/>
+          </a:prstGeom>
+          <a:ln>
+            <a:tailEnd type="arrow"/>
+          </a:ln>
+        </p:spPr>
+        <p:style>
+          <a:lnRef idx="1">
+            <a:schemeClr val="accent1"/>
+          </a:lnRef>
+          <a:fillRef idx="0">
+            <a:schemeClr val="accent1"/>
+          </a:fillRef>
+          <a:effectRef idx="0">
+            <a:schemeClr val="accent1"/>
+          </a:effectRef>
+          <a:fontRef idx="minor">
+            <a:schemeClr val="tx1"/>
+          </a:fontRef>
+        </p:style>
+      </p:cxnSp>
+      <p:cxnSp>
+        <p:nvCxnSpPr>
+          <p:cNvPr id="22" name="Straight Arrow Connector 21"/>
+          <p:cNvCxnSpPr>
+            <a:stCxn id="6" idx="3"/>
+          </p:cNvCxnSpPr>
+          <p:nvPr/>
+        </p:nvCxnSpPr>
+        <p:spPr>
+          <a:xfrm flipV="1">
+            <a:off x="5486400" y="3962400"/>
+            <a:ext cx="685800" cy="2209800"/>
+          </a:xfrm>
+          <a:prstGeom prst="straightConnector1">
+            <a:avLst/>
+          </a:prstGeom>
+          <a:ln>
+            <a:tailEnd type="arrow"/>
+          </a:ln>
+        </p:spPr>
+        <p:style>
+          <a:lnRef idx="1">
+            <a:schemeClr val="accent1"/>
+          </a:lnRef>
+          <a:fillRef idx="0">
+            <a:schemeClr val="accent1"/>
+          </a:fillRef>
+          <a:effectRef idx="0">
+            <a:schemeClr val="accent1"/>
+          </a:effectRef>
+          <a:fontRef idx="minor">
+            <a:schemeClr val="tx1"/>
+          </a:fontRef>
+        </p:style>
+      </p:cxnSp>
+      <p:cxnSp>
+        <p:nvCxnSpPr>
+          <p:cNvPr id="25" name="Straight Arrow Connector 24"/>
+          <p:cNvCxnSpPr>
+            <a:stCxn id="6" idx="1"/>
+          </p:cNvCxnSpPr>
+          <p:nvPr/>
+        </p:nvCxnSpPr>
+        <p:spPr>
+          <a:xfrm flipH="1">
+            <a:off x="4042791" y="6172200"/>
+            <a:ext cx="300609" cy="0"/>
+          </a:xfrm>
+          <a:prstGeom prst="straightConnector1">
+            <a:avLst/>
+          </a:prstGeom>
+          <a:ln>
+            <a:tailEnd type="arrow"/>
+          </a:ln>
+        </p:spPr>
+        <p:style>
+          <a:lnRef idx="1">
+            <a:schemeClr val="accent1"/>
+          </a:lnRef>
+          <a:fillRef idx="0">
+            <a:schemeClr val="accent1"/>
+          </a:fillRef>
+          <a:effectRef idx="0">
+            <a:schemeClr val="accent1"/>
+          </a:effectRef>
+          <a:fontRef idx="minor">
+            <a:schemeClr val="tx1"/>
+          </a:fontRef>
+        </p:style>
+      </p:cxnSp>
+      <p:cxnSp>
+        <p:nvCxnSpPr>
+          <p:cNvPr id="32" name="Straight Arrow Connector 31"/>
+          <p:cNvCxnSpPr/>
+          <p:nvPr/>
+        </p:nvCxnSpPr>
+        <p:spPr>
+          <a:xfrm flipH="1">
+            <a:off x="3657600" y="5486400"/>
+            <a:ext cx="2590800" cy="434340"/>
+          </a:xfrm>
+          <a:prstGeom prst="straightConnector1">
+            <a:avLst/>
+          </a:prstGeom>
+          <a:ln>
+            <a:tailEnd type="arrow"/>
+          </a:ln>
+        </p:spPr>
+        <p:style>
+          <a:lnRef idx="1">
+            <a:schemeClr val="accent1"/>
+          </a:lnRef>
+          <a:fillRef idx="0">
+            <a:schemeClr val="accent1"/>
+          </a:fillRef>
+          <a:effectRef idx="0">
+            <a:schemeClr val="accent1"/>
+          </a:effectRef>
+          <a:fontRef idx="minor">
+            <a:schemeClr val="tx1"/>
+          </a:fontRef>
+        </p:style>
+      </p:cxnSp>
+      <p:sp>
+        <p:nvSpPr>
+          <p:cNvPr id="36" name="Rectangle 35"/>
+          <p:cNvSpPr/>
           <p:nvPr/>
         </p:nvSpPr>
         <p:spPr>
           <a:xfrm>
-            <a:off x="6347459" y="5938001"/>
-            <a:ext cx="1630681" cy="230832"/>
+            <a:off x="2819400" y="5638800"/>
+            <a:ext cx="2895600" cy="1143000"/>
           </a:xfrm>
           <a:prstGeom prst="rect">
             <a:avLst/>
           </a:prstGeom>
           <a:noFill/>
+          <a:ln>
+            <a:solidFill>
+              <a:srgbClr val="C00000"/>
+            </a:solidFill>
+            <a:prstDash val="dash"/>
+          </a:ln>
+        </p:spPr>
+        <p:style>
+          <a:lnRef idx="2">
+            <a:schemeClr val="accent1">
+              <a:shade val="50000"/>
+            </a:schemeClr>
+          </a:lnRef>
+          <a:fillRef idx="1">
+            <a:schemeClr val="accent1"/>
+          </a:fillRef>
+          <a:effectRef idx="0">
+            <a:schemeClr val="accent1"/>
+          </a:effectRef>
+          <a:fontRef idx="minor">
+            <a:schemeClr val="lt1"/>
+          </a:fontRef>
+        </p:style>
+        <p:txBody>
+          <a:bodyPr rtlCol="0" anchor="ctr"/>
+          <a:lstStyle/>
+          <a:p>
+            <a:pPr algn="ctr"/>
+            <a:endParaRPr lang="en-US"/>
+          </a:p>
+        </p:txBody>
+      </p:sp>
+      <p:sp>
+        <p:nvSpPr>
+          <p:cNvPr id="37" name="TextBox 36"/>
+          <p:cNvSpPr txBox="1"/>
+          <p:nvPr/>
+        </p:nvSpPr>
+        <p:spPr>
+          <a:xfrm>
+            <a:off x="3080004" y="6443246"/>
+            <a:ext cx="2422017" cy="338554"/>
+          </a:xfrm>
+          <a:prstGeom prst="rect">
+            <a:avLst/>
+          </a:prstGeom>
+          <a:noFill/>
         </p:spPr>
         <p:txBody>
           <a:bodyPr wrap="square" rtlCol="0">
@@ -15858,22 +17768,72 @@
           <a:p>
             <a:pPr algn="ctr"/>
             <a:r>
-              <a:rPr lang="en-US" sz="900" dirty="0" smtClean="0">
+              <a:rPr lang="en-US" sz="1600" dirty="0" smtClean="0">
                 <a:solidFill>
-                  <a:schemeClr val="bg1">
-                    <a:lumMod val="50000"/>
-                  </a:schemeClr>
+                  <a:srgbClr val="C00000"/>
                 </a:solidFill>
               </a:rPr>
-              <a:t>www.spacex.com</a:t>
-            </a:r>
+              <a:t>New Modules</a:t>
+            </a:r>
+            <a:endParaRPr lang="en-US" sz="1600" dirty="0">
+              <a:solidFill>
+                <a:srgbClr val="C00000"/>
+              </a:solidFill>
+            </a:endParaRPr>
+          </a:p>
+        </p:txBody>
+      </p:sp>
+      <p:sp>
+        <p:nvSpPr>
+          <p:cNvPr id="15" name="Rectangle 14"/>
+          <p:cNvSpPr/>
+          <p:nvPr/>
+        </p:nvSpPr>
+        <p:spPr>
+          <a:xfrm>
+            <a:off x="7334250" y="4038600"/>
+            <a:ext cx="1447800" cy="876300"/>
+          </a:xfrm>
+          <a:prstGeom prst="rect">
+            <a:avLst/>
+          </a:prstGeom>
+          <a:noFill/>
+          <a:ln>
+            <a:solidFill>
+              <a:srgbClr val="C00000"/>
+            </a:solidFill>
+            <a:prstDash val="dash"/>
+          </a:ln>
+        </p:spPr>
+        <p:style>
+          <a:lnRef idx="2">
+            <a:schemeClr val="accent1">
+              <a:shade val="50000"/>
+            </a:schemeClr>
+          </a:lnRef>
+          <a:fillRef idx="1">
+            <a:schemeClr val="accent1"/>
+          </a:fillRef>
+          <a:effectRef idx="0">
+            <a:schemeClr val="accent1"/>
+          </a:effectRef>
+          <a:fontRef idx="minor">
+            <a:schemeClr val="lt1"/>
+          </a:fontRef>
+        </p:style>
+        <p:txBody>
+          <a:bodyPr rtlCol="0" anchor="ctr"/>
+          <a:lstStyle/>
+          <a:p>
+            <a:pPr algn="ctr"/>
+            <a:endParaRPr lang="en-US"/>
           </a:p>
         </p:txBody>
       </p:sp>
     </p:spTree>
     <p:extLst>
       <p:ext uri="{BB962C8B-B14F-4D97-AF65-F5344CB8AC3E}">
-        <p14:creationId xmlns:p14="http://schemas.microsoft.com/office/powerpoint/2010/main" val="991219898"/>
+        <p14:creationId xmlns:p14="http://schemas.microsoft.com/office/powerpoint/2010/main" val="2979194395"/>
       </p:ext>
     </p:extLst>
   </p:cSld>
@@ -15883,7 +17843,86 @@
   <p:timing>
     <p:tnLst>
       <p:par>
-        <p:cTn id="1" dur="indefinite" restart="never" nodeType="tmRoot"/>
+        <p:cTn id="1" dur="indefinite" restart="never" nodeType="tmRoot">
+          <p:childTnLst>
+            <p:seq concurrent="1" nextAc="seek">
+              <p:cTn id="2" dur="indefinite" nodeType="mainSeq">
+                <p:childTnLst>
+                  <p:par>
+                    <p:cTn id="3" fill="hold">
+                      <p:stCondLst>
+                        <p:cond delay="indefinite"/>
+                        <p:cond evt="onBegin" delay="0">
+                          <p:tn val="2"/>
+                        </p:cond>
+                      </p:stCondLst>
+                      <p:childTnLst>
+                        <p:par>
+                          <p:cTn id="4" fill="hold">
+                            <p:stCondLst>
+                              <p:cond delay="0"/>
+                            </p:stCondLst>
+                            <p:childTnLst>
+                              <p:par>
+                                <p:cTn id="5" presetID="10" presetClass="entr" presetSubtype="0" fill="hold" nodeType="withEffect">
+                                  <p:stCondLst>
+                                    <p:cond delay="0"/>
+                                  </p:stCondLst>
+                                  <p:childTnLst>
+                                    <p:set>
+                                      <p:cBhvr>
+                                        <p:cTn id="6" dur="1" fill="hold">
+                                          <p:stCondLst>
+                                            <p:cond delay="0"/>
+                                          </p:stCondLst>
+                                        </p:cTn>
+                                        <p:tgtEl>
+                                          <p:spTgt spid="4"/>
+                                        </p:tgtEl>
+                                        <p:attrNameLst>
+                                          <p:attrName>style.visibility</p:attrName>
+                                        </p:attrNameLst>
+                                      </p:cBhvr>
+                                      <p:to>
+                                        <p:strVal val="visible"/>
+                                      </p:to>
+                                    </p:set>
+                                    <p:animEffect transition="in" filter="fade">
+                                      <p:cBhvr>
+                                        <p:cTn id="7" dur="500"/>
+                                        <p:tgtEl>
+                                          <p:spTgt spid="4"/>
+                                        </p:tgtEl>
+                                      </p:cBhvr>
+                                    </p:animEffect>
+                                  </p:childTnLst>
+                                </p:cTn>
+                              </p:par>
+                            </p:childTnLst>
+                          </p:cTn>
+                        </p:par>
+                      </p:childTnLst>
+                    </p:cTn>
+                  </p:par>
+                </p:childTnLst>
+              </p:cTn>
+              <p:prevCondLst>
+                <p:cond evt="onPrev" delay="0">
+                  <p:tgtEl>
+                    <p:sldTgt/>
+                  </p:tgtEl>
+                </p:cond>
+              </p:prevCondLst>
+              <p:nextCondLst>
+                <p:cond evt="onNext" delay="0">
+                  <p:tgtEl>
+                    <p:sldTgt/>
+                  </p:tgtEl>
+                </p:cond>
+              </p:nextCondLst>
+            </p:seq>
+          </p:childTnLst>
+        </p:cTn>
       </p:par>
     </p:tnLst>
   </p:timing>

--- a/MSDO/Assignment5/Mars 2040 Optimization Presentation.pptx
+++ b/MSDO/Assignment5/Mars 2040 Optimization Presentation.pptx
@@ -133,7 +133,7 @@
   </p:defaultTextStyle>
   <p:extLst>
     <p:ext uri="{EFAFB233-063F-42B5-8137-9DF3F51BA10A}">
-      <p15:sldGuideLst xmlns:p15="http://schemas.microsoft.com/office/powerpoint/2012/main" xmlns="">
+      <p15:sldGuideLst xmlns:p15="http://schemas.microsoft.com/office/powerpoint/2012/main">
         <p15:guide id="1" orient="horz" pos="2160">
           <p15:clr>
             <a:srgbClr val="A4A3A4"/>
@@ -6898,7 +6898,7 @@
                         <m:dPr>
                           <m:ctrlPr>
                             <a:rPr lang="en-US" sz="2800" b="0" i="1" smtClean="0">
-                              <a:latin typeface="Cambria Math"/>
+                              <a:latin typeface="Cambria Math" panose="02040503050406030204" pitchFamily="18" charset="0"/>
                             </a:rPr>
                           </m:ctrlPr>
                         </m:dPr>
@@ -6907,7 +6907,7 @@
                             <m:sSubPr>
                               <m:ctrlPr>
                                 <a:rPr lang="en-US" sz="2800" b="0" i="1" smtClean="0">
-                                  <a:latin typeface="Cambria Math"/>
+                                  <a:latin typeface="Cambria Math" panose="02040503050406030204" pitchFamily="18" charset="0"/>
                                 </a:rPr>
                               </m:ctrlPr>
                             </m:sSubPr>
@@ -6938,7 +6938,7 @@
                             <m:sSubPr>
                               <m:ctrlPr>
                                 <a:rPr lang="en-US" sz="2800" i="1">
-                                  <a:latin typeface="Cambria Math"/>
+                                  <a:latin typeface="Cambria Math" panose="02040503050406030204" pitchFamily="18" charset="0"/>
                                 </a:rPr>
                               </m:ctrlPr>
                             </m:sSubPr>
@@ -7754,7 +7754,7 @@
           <a:graphicData uri="http://schemas.openxmlformats.org/presentationml/2006/ole">
             <mc:AlternateContent xmlns:mc="http://schemas.openxmlformats.org/markup-compatibility/2006">
               <mc:Choice xmlns:v="urn:schemas-microsoft-com:vml" Requires="v">
-                <p:oleObj spid="_x0000_s8252" name="Equation" r:id="rId4" imgW="2145960" imgH="228600" progId="Equation.3">
+                <p:oleObj spid="_x0000_s8256" name="Equation" r:id="rId4" imgW="2145960" imgH="228600" progId="Equation.3">
                   <p:embed/>
                 </p:oleObj>
               </mc:Choice>
@@ -8103,8 +8103,20 @@
                 <a:tableStyleId>{21E4AEA4-8DFA-4A89-87EB-49C32662AFE0}</a:tableStyleId>
               </a:tblPr>
               <a:tblGrid>
-                <a:gridCol w="2727374"/>
-                <a:gridCol w="2644726"/>
+                <a:gridCol w="2727374">
+                  <a:extLst>
+                    <a:ext uri="{9D8B030D-6E8A-4147-A177-3AD203B41FA5}">
+                      <a16:colId xmlns:a16="http://schemas.microsoft.com/office/drawing/2014/main" val="20000"/>
+                    </a:ext>
+                  </a:extLst>
+                </a:gridCol>
+                <a:gridCol w="2644726">
+                  <a:extLst>
+                    <a:ext uri="{9D8B030D-6E8A-4147-A177-3AD203B41FA5}">
+                      <a16:colId xmlns:a16="http://schemas.microsoft.com/office/drawing/2014/main" val="20001"/>
+                    </a:ext>
+                  </a:extLst>
+                </a:gridCol>
               </a:tblGrid>
               <a:tr h="370840">
                 <a:tc>
@@ -8139,6 +8151,11 @@
                   </a:txBody>
                   <a:tcPr/>
                 </a:tc>
+                <a:extLst>
+                  <a:ext uri="{0D108BD9-81ED-4DB2-BD59-A6C34878D82A}">
+                    <a16:rowId xmlns:a16="http://schemas.microsoft.com/office/drawing/2014/main" val="10000"/>
+                  </a:ext>
+                </a:extLst>
               </a:tr>
               <a:tr h="370840">
                 <a:tc>
@@ -8185,6 +8202,11 @@
                   </a:txBody>
                   <a:tcPr/>
                 </a:tc>
+                <a:extLst>
+                  <a:ext uri="{0D108BD9-81ED-4DB2-BD59-A6C34878D82A}">
+                    <a16:rowId xmlns:a16="http://schemas.microsoft.com/office/drawing/2014/main" val="10001"/>
+                  </a:ext>
+                </a:extLst>
               </a:tr>
               <a:tr h="370840">
                 <a:tc>
@@ -8231,6 +8253,11 @@
                   </a:txBody>
                   <a:tcPr/>
                 </a:tc>
+                <a:extLst>
+                  <a:ext uri="{0D108BD9-81ED-4DB2-BD59-A6C34878D82A}">
+                    <a16:rowId xmlns:a16="http://schemas.microsoft.com/office/drawing/2014/main" val="10002"/>
+                  </a:ext>
+                </a:extLst>
               </a:tr>
               <a:tr h="370840">
                 <a:tc>
@@ -8277,6 +8304,11 @@
                   </a:txBody>
                   <a:tcPr/>
                 </a:tc>
+                <a:extLst>
+                  <a:ext uri="{0D108BD9-81ED-4DB2-BD59-A6C34878D82A}">
+                    <a16:rowId xmlns:a16="http://schemas.microsoft.com/office/drawing/2014/main" val="10003"/>
+                  </a:ext>
+                </a:extLst>
               </a:tr>
             </a:tbl>
           </a:graphicData>
@@ -10732,7 +10764,6 @@
               <a:rPr lang="en-US" sz="2400" dirty="0" smtClean="0"/>
               <a:t>The MATLAB genetic algorithm toolbox was utilized </a:t>
             </a:r>
-            <a:endParaRPr lang="en-US" sz="2400" dirty="0" smtClean="0"/>
           </a:p>
           <a:p>
             <a:endParaRPr lang="en-US" sz="1000" dirty="0" smtClean="0"/>
@@ -10764,13 +10795,8 @@
             </a:pPr>
             <a:r>
               <a:rPr lang="en-US" sz="2400" dirty="0" smtClean="0"/>
-              <a:t>The final optimizer converged in an average of 53 </a:t>
-            </a:r>
-            <a:r>
-              <a:rPr lang="en-US" sz="2400" dirty="0" smtClean="0"/>
-              <a:t>generations and 2081 function calls</a:t>
-            </a:r>
-            <a:endParaRPr lang="en-US" sz="2400" dirty="0" smtClean="0"/>
+              <a:t>The final optimizer converged in an average of 53 generations and 2081 function calls</a:t>
+            </a:r>
           </a:p>
           <a:p>
             <a:pPr marL="565150" indent="-342900">
@@ -10918,11 +10944,7 @@
           <a:p>
             <a:r>
               <a:rPr lang="en-US" sz="2400" dirty="0" smtClean="0"/>
-              <a:t>The single objective results of the coordinate search and genetic </a:t>
-            </a:r>
-            <a:r>
-              <a:rPr lang="en-US" sz="2400" dirty="0" smtClean="0"/>
-              <a:t>algorithm yield very similar solutions</a:t>
+              <a:t>The single objective results of the coordinate search and genetic algorithm yield very similar solutions</a:t>
             </a:r>
             <a:endParaRPr lang="en-US" sz="2000" b="1" u="sng" dirty="0" smtClean="0"/>
           </a:p>
@@ -11017,17 +11039,12 @@
             </a:pPr>
             <a:r>
               <a:rPr lang="en-US" sz="2400" dirty="0" smtClean="0"/>
-              <a:t>1604 function </a:t>
-            </a:r>
-            <a:r>
-              <a:rPr lang="en-US" sz="2400" dirty="0" smtClean="0"/>
-              <a:t>evaluations</a:t>
+              <a:t>1604 function evaluations</a:t>
             </a:r>
             <a:r>
               <a:rPr lang="en-US" sz="2400" baseline="30000" dirty="0" smtClean="0"/>
               <a:t>*</a:t>
             </a:r>
-            <a:endParaRPr lang="en-US" sz="2400" baseline="30000" dirty="0" smtClean="0"/>
           </a:p>
           <a:p>
             <a:pPr marL="342900" indent="-342900">
@@ -11182,15 +11199,7 @@
             </a:pPr>
             <a:r>
               <a:rPr lang="en-US" sz="2400" dirty="0" smtClean="0"/>
-              <a:t>2081 </a:t>
-            </a:r>
-            <a:r>
-              <a:rPr lang="en-US" sz="2400" dirty="0" smtClean="0"/>
-              <a:t>function </a:t>
-            </a:r>
-            <a:r>
-              <a:rPr lang="en-US" sz="2400" dirty="0" smtClean="0"/>
-              <a:t>evaluations</a:t>
+              <a:t>2081 function evaluations</a:t>
             </a:r>
             <a:r>
               <a:rPr lang="en-US" sz="2400" baseline="30000" dirty="0" smtClean="0"/>
@@ -12717,6 +12726,180 @@
       </p:sp>
       <p:sp>
         <p:nvSpPr>
+          <p:cNvPr id="11" name="TextBox 10"/>
+          <p:cNvSpPr txBox="1"/>
+          <p:nvPr/>
+        </p:nvSpPr>
+        <p:spPr>
+          <a:xfrm>
+            <a:off x="3124200" y="5629870"/>
+            <a:ext cx="1230465" cy="369332"/>
+          </a:xfrm>
+          <a:prstGeom prst="rect">
+            <a:avLst/>
+          </a:prstGeom>
+          <a:noFill/>
+        </p:spPr>
+        <p:txBody>
+          <a:bodyPr wrap="none" rtlCol="0">
+            <a:spAutoFit/>
+          </a:bodyPr>
+          <a:lstStyle/>
+          <a:p>
+            <a:r>
+              <a:rPr lang="en-US" dirty="0" smtClean="0"/>
+              <a:t>14-15 crew</a:t>
+            </a:r>
+            <a:endParaRPr lang="en-US" dirty="0"/>
+          </a:p>
+        </p:txBody>
+      </p:sp>
+      <p:sp>
+        <p:nvSpPr>
+          <p:cNvPr id="12" name="TextBox 11"/>
+          <p:cNvSpPr txBox="1"/>
+          <p:nvPr/>
+        </p:nvSpPr>
+        <p:spPr>
+          <a:xfrm>
+            <a:off x="3939906" y="4778873"/>
+            <a:ext cx="1230465" cy="369332"/>
+          </a:xfrm>
+          <a:prstGeom prst="rect">
+            <a:avLst/>
+          </a:prstGeom>
+          <a:noFill/>
+        </p:spPr>
+        <p:txBody>
+          <a:bodyPr wrap="none" rtlCol="0">
+            <a:spAutoFit/>
+          </a:bodyPr>
+          <a:lstStyle/>
+          <a:p>
+            <a:r>
+              <a:rPr lang="en-US" dirty="0" smtClean="0"/>
+              <a:t>16-18 crew</a:t>
+            </a:r>
+            <a:endParaRPr lang="en-US" dirty="0"/>
+          </a:p>
+        </p:txBody>
+      </p:sp>
+      <p:sp>
+        <p:nvSpPr>
+          <p:cNvPr id="13" name="TextBox 12"/>
+          <p:cNvSpPr txBox="1"/>
+          <p:nvPr/>
+        </p:nvSpPr>
+        <p:spPr>
+          <a:xfrm>
+            <a:off x="4910007" y="3905026"/>
+            <a:ext cx="1230465" cy="369332"/>
+          </a:xfrm>
+          <a:prstGeom prst="rect">
+            <a:avLst/>
+          </a:prstGeom>
+          <a:noFill/>
+        </p:spPr>
+        <p:txBody>
+          <a:bodyPr wrap="none" rtlCol="0">
+            <a:spAutoFit/>
+          </a:bodyPr>
+          <a:lstStyle/>
+          <a:p>
+            <a:r>
+              <a:rPr lang="en-US" dirty="0" smtClean="0"/>
+              <a:t>19-21 crew</a:t>
+            </a:r>
+            <a:endParaRPr lang="en-US" dirty="0"/>
+          </a:p>
+        </p:txBody>
+      </p:sp>
+      <p:sp>
+        <p:nvSpPr>
+          <p:cNvPr id="14" name="TextBox 13"/>
+          <p:cNvSpPr txBox="1"/>
+          <p:nvPr/>
+        </p:nvSpPr>
+        <p:spPr>
+          <a:xfrm>
+            <a:off x="5874218" y="3065502"/>
+            <a:ext cx="1177566" cy="369332"/>
+          </a:xfrm>
+          <a:prstGeom prst="rect">
+            <a:avLst/>
+          </a:prstGeom>
+          <a:noFill/>
+        </p:spPr>
+        <p:txBody>
+          <a:bodyPr wrap="none" rtlCol="0">
+            <a:spAutoFit/>
+          </a:bodyPr>
+          <a:lstStyle/>
+          <a:p>
+            <a:r>
+              <a:rPr lang="en-US" dirty="0" smtClean="0"/>
+              <a:t>20-22crew</a:t>
+            </a:r>
+            <a:endParaRPr lang="en-US" dirty="0"/>
+          </a:p>
+        </p:txBody>
+      </p:sp>
+      <p:sp>
+        <p:nvSpPr>
+          <p:cNvPr id="15" name="TextBox 14"/>
+          <p:cNvSpPr txBox="1"/>
+          <p:nvPr/>
+        </p:nvSpPr>
+        <p:spPr>
+          <a:xfrm>
+            <a:off x="7045671" y="2081463"/>
+            <a:ext cx="1230465" cy="369332"/>
+          </a:xfrm>
+          <a:prstGeom prst="rect">
+            <a:avLst/>
+          </a:prstGeom>
+          <a:noFill/>
+        </p:spPr>
+        <p:txBody>
+          <a:bodyPr wrap="none" rtlCol="0">
+            <a:spAutoFit/>
+          </a:bodyPr>
+          <a:lstStyle/>
+          <a:p>
+            <a:r>
+              <a:rPr lang="en-US" dirty="0" smtClean="0"/>
+              <a:t>23-25 crew</a:t>
+            </a:r>
+            <a:endParaRPr lang="en-US" dirty="0"/>
+          </a:p>
+        </p:txBody>
+      </p:sp>
+      <p:pic>
+        <p:nvPicPr>
+          <p:cNvPr id="10" name="Picture 9"/>
+          <p:cNvPicPr>
+            <a:picLocks noChangeAspect="1"/>
+          </p:cNvPicPr>
+          <p:nvPr/>
+        </p:nvPicPr>
+        <p:blipFill>
+          <a:blip r:embed="rId3"/>
+          <a:stretch>
+            <a:fillRect/>
+          </a:stretch>
+        </p:blipFill>
+        <p:spPr>
+          <a:xfrm>
+            <a:off x="1244688" y="3133725"/>
+            <a:ext cx="333375" cy="1400175"/>
+          </a:xfrm>
+          <a:prstGeom prst="rect">
+            <a:avLst/>
+          </a:prstGeom>
+        </p:spPr>
+      </p:pic>
+      <p:sp>
+        <p:nvSpPr>
           <p:cNvPr id="9" name="Oval 8"/>
           <p:cNvSpPr/>
           <p:nvPr/>
@@ -12761,156 +12944,30 @@
           </a:p>
         </p:txBody>
       </p:sp>
-      <p:sp>
-        <p:nvSpPr>
-          <p:cNvPr id="11" name="TextBox 10"/>
-          <p:cNvSpPr txBox="1"/>
+      <p:pic>
+        <p:nvPicPr>
+          <p:cNvPr id="18" name="Picture 17"/>
+          <p:cNvPicPr>
+            <a:picLocks noChangeAspect="1"/>
+          </p:cNvPicPr>
           <p:nvPr/>
-        </p:nvSpPr>
+        </p:nvPicPr>
+        <p:blipFill>
+          <a:blip r:embed="rId4"/>
+          <a:stretch>
+            <a:fillRect/>
+          </a:stretch>
+        </p:blipFill>
         <p:spPr>
           <a:xfrm>
-            <a:off x="3124200" y="5629870"/>
-            <a:ext cx="1230465" cy="369332"/>
+            <a:off x="3760697" y="6364687"/>
+            <a:ext cx="1704975" cy="466725"/>
           </a:xfrm>
           <a:prstGeom prst="rect">
             <a:avLst/>
           </a:prstGeom>
-          <a:noFill/>
-        </p:spPr>
-        <p:txBody>
-          <a:bodyPr wrap="none" rtlCol="0">
-            <a:spAutoFit/>
-          </a:bodyPr>
-          <a:lstStyle/>
-          <a:p>
-            <a:r>
-              <a:rPr lang="en-US" dirty="0" smtClean="0"/>
-              <a:t>14-15 crew</a:t>
-            </a:r>
-            <a:endParaRPr lang="en-US" dirty="0"/>
-          </a:p>
-        </p:txBody>
-      </p:sp>
-      <p:sp>
-        <p:nvSpPr>
-          <p:cNvPr id="12" name="TextBox 11"/>
-          <p:cNvSpPr txBox="1"/>
-          <p:nvPr/>
-        </p:nvSpPr>
-        <p:spPr>
-          <a:xfrm>
-            <a:off x="3939906" y="4778873"/>
-            <a:ext cx="1230465" cy="369332"/>
-          </a:xfrm>
-          <a:prstGeom prst="rect">
-            <a:avLst/>
-          </a:prstGeom>
-          <a:noFill/>
-        </p:spPr>
-        <p:txBody>
-          <a:bodyPr wrap="none" rtlCol="0">
-            <a:spAutoFit/>
-          </a:bodyPr>
-          <a:lstStyle/>
-          <a:p>
-            <a:r>
-              <a:rPr lang="en-US" dirty="0" smtClean="0"/>
-              <a:t>16-18 crew</a:t>
-            </a:r>
-            <a:endParaRPr lang="en-US" dirty="0"/>
-          </a:p>
-        </p:txBody>
-      </p:sp>
-      <p:sp>
-        <p:nvSpPr>
-          <p:cNvPr id="13" name="TextBox 12"/>
-          <p:cNvSpPr txBox="1"/>
-          <p:nvPr/>
-        </p:nvSpPr>
-        <p:spPr>
-          <a:xfrm>
-            <a:off x="4910007" y="3905026"/>
-            <a:ext cx="1230465" cy="369332"/>
-          </a:xfrm>
-          <a:prstGeom prst="rect">
-            <a:avLst/>
-          </a:prstGeom>
-          <a:noFill/>
-        </p:spPr>
-        <p:txBody>
-          <a:bodyPr wrap="none" rtlCol="0">
-            <a:spAutoFit/>
-          </a:bodyPr>
-          <a:lstStyle/>
-          <a:p>
-            <a:r>
-              <a:rPr lang="en-US" dirty="0" smtClean="0"/>
-              <a:t>19-21 crew</a:t>
-            </a:r>
-            <a:endParaRPr lang="en-US" dirty="0"/>
-          </a:p>
-        </p:txBody>
-      </p:sp>
-      <p:sp>
-        <p:nvSpPr>
-          <p:cNvPr id="14" name="TextBox 13"/>
-          <p:cNvSpPr txBox="1"/>
-          <p:nvPr/>
-        </p:nvSpPr>
-        <p:spPr>
-          <a:xfrm>
-            <a:off x="5874218" y="3065502"/>
-            <a:ext cx="1177566" cy="369332"/>
-          </a:xfrm>
-          <a:prstGeom prst="rect">
-            <a:avLst/>
-          </a:prstGeom>
-          <a:noFill/>
-        </p:spPr>
-        <p:txBody>
-          <a:bodyPr wrap="none" rtlCol="0">
-            <a:spAutoFit/>
-          </a:bodyPr>
-          <a:lstStyle/>
-          <a:p>
-            <a:r>
-              <a:rPr lang="en-US" dirty="0" smtClean="0"/>
-              <a:t>20-22crew</a:t>
-            </a:r>
-            <a:endParaRPr lang="en-US" dirty="0"/>
-          </a:p>
-        </p:txBody>
-      </p:sp>
-      <p:sp>
-        <p:nvSpPr>
-          <p:cNvPr id="15" name="TextBox 14"/>
-          <p:cNvSpPr txBox="1"/>
-          <p:nvPr/>
-        </p:nvSpPr>
-        <p:spPr>
-          <a:xfrm>
-            <a:off x="7045671" y="2081463"/>
-            <a:ext cx="1230465" cy="369332"/>
-          </a:xfrm>
-          <a:prstGeom prst="rect">
-            <a:avLst/>
-          </a:prstGeom>
-          <a:noFill/>
-        </p:spPr>
-        <p:txBody>
-          <a:bodyPr wrap="none" rtlCol="0">
-            <a:spAutoFit/>
-          </a:bodyPr>
-          <a:lstStyle/>
-          <a:p>
-            <a:r>
-              <a:rPr lang="en-US" dirty="0" smtClean="0"/>
-              <a:t>23-25 crew</a:t>
-            </a:r>
-            <a:endParaRPr lang="en-US" dirty="0"/>
-          </a:p>
-        </p:txBody>
-      </p:sp>
+        </p:spPr>
+      </p:pic>
     </p:spTree>
     <p:extLst>
       <p:ext uri="{BB962C8B-B14F-4D97-AF65-F5344CB8AC3E}">
@@ -13243,12 +13300,12 @@
       <p:bldP spid="6" grpId="0" animBg="1"/>
       <p:bldP spid="7" grpId="0" animBg="1"/>
       <p:bldP spid="8" grpId="0" animBg="1"/>
-      <p:bldP spid="9" grpId="0" animBg="1"/>
       <p:bldP spid="11" grpId="0"/>
       <p:bldP spid="12" grpId="0"/>
       <p:bldP spid="13" grpId="0"/>
       <p:bldP spid="14" grpId="0"/>
       <p:bldP spid="15" grpId="0"/>
+      <p:bldP spid="9" grpId="0" animBg="1"/>
     </p:bldLst>
   </p:timing>
 </p:sld>
@@ -13271,6 +13328,36 @@
           <a:chExt cx="0" cy="0"/>
         </a:xfrm>
       </p:grpSpPr>
+      <p:pic>
+        <p:nvPicPr>
+          <p:cNvPr id="6" name="Picture 5"/>
+          <p:cNvPicPr>
+            <a:picLocks noChangeAspect="1"/>
+          </p:cNvPicPr>
+          <p:nvPr/>
+        </p:nvPicPr>
+        <p:blipFill>
+          <a:blip r:embed="rId3">
+            <a:extLst>
+              <a:ext uri="{28A0092B-C50C-407E-A947-70E740481C1C}">
+                <a14:useLocalDpi xmlns:a14="http://schemas.microsoft.com/office/drawing/2010/main" val="0"/>
+              </a:ext>
+            </a:extLst>
+          </a:blip>
+          <a:stretch>
+            <a:fillRect/>
+          </a:stretch>
+        </p:blipFill>
+        <p:spPr>
+          <a:xfrm>
+            <a:off x="1447800" y="981405"/>
+            <a:ext cx="6666667" cy="5276190"/>
+          </a:xfrm>
+          <a:prstGeom prst="rect">
+            <a:avLst/>
+          </a:prstGeom>
+        </p:spPr>
+      </p:pic>
       <p:sp>
         <p:nvSpPr>
           <p:cNvPr id="2" name="Title 1"/>
@@ -13335,80 +13422,6 @@
           </a:p>
         </p:txBody>
       </p:sp>
-      <p:grpSp>
-        <p:nvGrpSpPr>
-          <p:cNvPr id="7" name="Group 6"/>
-          <p:cNvGrpSpPr/>
-          <p:nvPr/>
-        </p:nvGrpSpPr>
-        <p:grpSpPr>
-          <a:xfrm>
-            <a:off x="1447800" y="1116000"/>
-            <a:ext cx="6666667" cy="5249005"/>
-            <a:chOff x="1447800" y="1116000"/>
-            <a:chExt cx="6666667" cy="5249005"/>
-          </a:xfrm>
-        </p:grpSpPr>
-        <p:pic>
-          <p:nvPicPr>
-            <p:cNvPr id="3" name="Picture 2"/>
-            <p:cNvPicPr>
-              <a:picLocks noChangeAspect="1"/>
-            </p:cNvPicPr>
-            <p:nvPr/>
-          </p:nvPicPr>
-          <p:blipFill rotWithShape="1">
-            <a:blip r:embed="rId3">
-              <a:extLst>
-                <a:ext uri="{28A0092B-C50C-407E-A947-70E740481C1C}">
-                  <a14:useLocalDpi xmlns:a14="http://schemas.microsoft.com/office/drawing/2010/main" val="0"/>
-                </a:ext>
-              </a:extLst>
-            </a:blip>
-            <a:srcRect b="6348"/>
-            <a:stretch/>
-          </p:blipFill>
-          <p:spPr>
-            <a:xfrm>
-              <a:off x="1447800" y="1116000"/>
-              <a:ext cx="6666667" cy="4941228"/>
-            </a:xfrm>
-            <a:prstGeom prst="rect">
-              <a:avLst/>
-            </a:prstGeom>
-          </p:spPr>
-        </p:pic>
-        <p:sp>
-          <p:nvSpPr>
-            <p:cNvPr id="4" name="TextBox 3"/>
-            <p:cNvSpPr txBox="1"/>
-            <p:nvPr/>
-          </p:nvSpPr>
-          <p:spPr>
-            <a:xfrm>
-              <a:off x="4267200" y="6057228"/>
-              <a:ext cx="1217000" cy="307777"/>
-            </a:xfrm>
-            <a:prstGeom prst="rect">
-              <a:avLst/>
-            </a:prstGeom>
-            <a:noFill/>
-          </p:spPr>
-          <p:txBody>
-            <a:bodyPr wrap="none" rtlCol="0">
-              <a:spAutoFit/>
-            </a:bodyPr>
-            <a:lstStyle/>
-            <a:p>
-              <a:r>
-                <a:rPr lang="en-US" sz="1400" dirty="0" smtClean="0"/>
-                <a:t>Science Utility</a:t>
-              </a:r>
-              <a:endParaRPr lang="en-US" sz="1400" dirty="0"/>
-            </a:p>
-          </p:txBody>
-        </p:sp>
-      </p:grpSp>
       <p:sp>
         <p:nvSpPr>
           <p:cNvPr id="8" name="Diamond 7"/>
@@ -13679,6 +13692,36 @@
           <a:chExt cx="0" cy="0"/>
         </a:xfrm>
       </p:grpSpPr>
+      <p:pic>
+        <p:nvPicPr>
+          <p:cNvPr id="10" name="Picture 9"/>
+          <p:cNvPicPr>
+            <a:picLocks noChangeAspect="1"/>
+          </p:cNvPicPr>
+          <p:nvPr/>
+        </p:nvPicPr>
+        <p:blipFill>
+          <a:blip r:embed="rId3">
+            <a:extLst>
+              <a:ext uri="{28A0092B-C50C-407E-A947-70E740481C1C}">
+                <a14:useLocalDpi xmlns:a14="http://schemas.microsoft.com/office/drawing/2010/main" val="0"/>
+              </a:ext>
+            </a:extLst>
+          </a:blip>
+          <a:stretch>
+            <a:fillRect/>
+          </a:stretch>
+        </p:blipFill>
+        <p:spPr>
+          <a:xfrm>
+            <a:off x="1447800" y="981405"/>
+            <a:ext cx="6666667" cy="5276190"/>
+          </a:xfrm>
+          <a:prstGeom prst="rect">
+            <a:avLst/>
+          </a:prstGeom>
+        </p:spPr>
+      </p:pic>
       <p:sp>
         <p:nvSpPr>
           <p:cNvPr id="2" name="Title 1"/>
@@ -13743,80 +13786,6 @@
           </a:p>
         </p:txBody>
       </p:sp>
-      <p:grpSp>
-        <p:nvGrpSpPr>
-          <p:cNvPr id="5" name="Group 4"/>
-          <p:cNvGrpSpPr/>
-          <p:nvPr/>
-        </p:nvGrpSpPr>
-        <p:grpSpPr>
-          <a:xfrm>
-            <a:off x="1447800" y="1132544"/>
-            <a:ext cx="6666667" cy="5249005"/>
-            <a:chOff x="1447800" y="1116000"/>
-            <a:chExt cx="6666667" cy="5249005"/>
-          </a:xfrm>
-        </p:grpSpPr>
-        <p:pic>
-          <p:nvPicPr>
-            <p:cNvPr id="6" name="Picture 5"/>
-            <p:cNvPicPr>
-              <a:picLocks noChangeAspect="1"/>
-            </p:cNvPicPr>
-            <p:nvPr/>
-          </p:nvPicPr>
-          <p:blipFill rotWithShape="1">
-            <a:blip r:embed="rId3">
-              <a:extLst>
-                <a:ext uri="{28A0092B-C50C-407E-A947-70E740481C1C}">
-                  <a14:useLocalDpi xmlns:a14="http://schemas.microsoft.com/office/drawing/2010/main" val="0"/>
-                </a:ext>
-              </a:extLst>
-            </a:blip>
-            <a:srcRect b="6348"/>
-            <a:stretch/>
-          </p:blipFill>
-          <p:spPr>
-            <a:xfrm>
-              <a:off x="1447800" y="1116000"/>
-              <a:ext cx="6666667" cy="4941228"/>
-            </a:xfrm>
-            <a:prstGeom prst="rect">
-              <a:avLst/>
-            </a:prstGeom>
-          </p:spPr>
-        </p:pic>
-        <p:sp>
-          <p:nvSpPr>
-            <p:cNvPr id="7" name="TextBox 6"/>
-            <p:cNvSpPr txBox="1"/>
-            <p:nvPr/>
-          </p:nvSpPr>
-          <p:spPr>
-            <a:xfrm>
-              <a:off x="4267200" y="6057228"/>
-              <a:ext cx="1217000" cy="307777"/>
-            </a:xfrm>
-            <a:prstGeom prst="rect">
-              <a:avLst/>
-            </a:prstGeom>
-            <a:noFill/>
-          </p:spPr>
-          <p:txBody>
-            <a:bodyPr wrap="none" rtlCol="0">
-              <a:spAutoFit/>
-            </a:bodyPr>
-            <a:lstStyle/>
-            <a:p>
-              <a:r>
-                <a:rPr lang="en-US" sz="1400" dirty="0" smtClean="0"/>
-                <a:t>Science Utility</a:t>
-              </a:r>
-              <a:endParaRPr lang="en-US" sz="1400" dirty="0"/>
-            </a:p>
-          </p:txBody>
-        </p:sp>
-      </p:grpSp>
       <p:sp>
         <p:nvSpPr>
           <p:cNvPr id="8" name="Diamond 7"/>
@@ -13865,7 +13834,7 @@
         </p:nvSpPr>
         <p:spPr>
           <a:xfrm>
-            <a:off x="6124875" y="4353426"/>
+            <a:off x="6131964" y="4325072"/>
             <a:ext cx="218574" cy="218574"/>
           </a:xfrm>
           <a:prstGeom prst="ellipse">

--- a/MSDO/Assignment5/Mars 2040 Optimization Presentation.pptx
+++ b/MSDO/Assignment5/Mars 2040 Optimization Presentation.pptx
@@ -6680,7 +6680,7 @@
                 <a:latin typeface="Arial" pitchFamily="34" charset="0"/>
                 <a:cs typeface="Arial" pitchFamily="34" charset="0"/>
               </a:rPr>
-              <a:t>Eric Ward</a:t>
+              <a:t>Sam Wald</a:t>
             </a:r>
           </a:p>
           <a:p>
@@ -6688,7 +6688,7 @@
               <a:defRPr/>
             </a:pPr>
             <a:r>
-              <a:rPr lang="en-US" sz="2000" b="1" dirty="0" smtClean="0">
+              <a:rPr lang="en-US" sz="2000" b="1" smtClean="0">
                 <a:solidFill>
                   <a:prstClr val="white">
                     <a:lumMod val="50000"/>
@@ -6697,8 +6697,17 @@
                 <a:latin typeface="Arial" pitchFamily="34" charset="0"/>
                 <a:cs typeface="Arial" pitchFamily="34" charset="0"/>
               </a:rPr>
-              <a:t>Sam Wald</a:t>
-            </a:r>
+              <a:t>Eric Ward</a:t>
+            </a:r>
+            <a:endParaRPr lang="en-US" sz="2000" b="1" dirty="0">
+              <a:solidFill>
+                <a:prstClr val="white">
+                  <a:lumMod val="50000"/>
+                </a:prstClr>
+              </a:solidFill>
+              <a:latin typeface="Arial" pitchFamily="34" charset="0"/>
+              <a:cs typeface="Arial" pitchFamily="34" charset="0"/>
+            </a:endParaRPr>
           </a:p>
         </p:txBody>
       </p:sp>
@@ -7754,7 +7763,7 @@
           <a:graphicData uri="http://schemas.openxmlformats.org/presentationml/2006/ole">
             <mc:AlternateContent xmlns:mc="http://schemas.openxmlformats.org/markup-compatibility/2006">
               <mc:Choice xmlns:v="urn:schemas-microsoft-com:vml" Requires="v">
-                <p:oleObj spid="_x0000_s8256" name="Equation" r:id="rId4" imgW="2145960" imgH="228600" progId="Equation.3">
+                <p:oleObj spid="_x0000_s8263" name="Equation" r:id="rId4" imgW="2145960" imgH="228600" progId="Equation.3">
                   <p:embed/>
                 </p:oleObj>
               </mc:Choice>
@@ -12446,6 +12455,36 @@
           <a:chExt cx="0" cy="0"/>
         </a:xfrm>
       </p:grpSpPr>
+      <p:pic>
+        <p:nvPicPr>
+          <p:cNvPr id="16" name="Picture 15"/>
+          <p:cNvPicPr>
+            <a:picLocks noChangeAspect="1"/>
+          </p:cNvPicPr>
+          <p:nvPr/>
+        </p:nvPicPr>
+        <p:blipFill>
+          <a:blip r:embed="rId2">
+            <a:extLst>
+              <a:ext uri="{28A0092B-C50C-407E-A947-70E740481C1C}">
+                <a14:useLocalDpi xmlns:a14="http://schemas.microsoft.com/office/drawing/2010/main" val="0"/>
+              </a:ext>
+            </a:extLst>
+          </a:blip>
+          <a:stretch>
+            <a:fillRect/>
+          </a:stretch>
+        </p:blipFill>
+        <p:spPr>
+          <a:xfrm>
+            <a:off x="755138" y="1161607"/>
+            <a:ext cx="7600000" cy="5590476"/>
+          </a:xfrm>
+          <a:prstGeom prst="rect">
+            <a:avLst/>
+          </a:prstGeom>
+        </p:spPr>
+      </p:pic>
       <p:sp>
         <p:nvSpPr>
           <p:cNvPr id="2" name="Title 1"/>
@@ -12510,36 +12549,6 @@
           </a:p>
         </p:txBody>
       </p:sp>
-      <p:pic>
-        <p:nvPicPr>
-          <p:cNvPr id="3" name="Picture 2"/>
-          <p:cNvPicPr>
-            <a:picLocks noChangeAspect="1"/>
-          </p:cNvPicPr>
-          <p:nvPr/>
-        </p:nvPicPr>
-        <p:blipFill>
-          <a:blip r:embed="rId2">
-            <a:extLst>
-              <a:ext uri="{28A0092B-C50C-407E-A947-70E740481C1C}">
-                <a14:useLocalDpi xmlns:a14="http://schemas.microsoft.com/office/drawing/2010/main"/>
-              </a:ext>
-            </a:extLst>
-          </a:blip>
-          <a:stretch>
-            <a:fillRect/>
-          </a:stretch>
-        </p:blipFill>
-        <p:spPr>
-          <a:xfrm>
-            <a:off x="895157" y="1051133"/>
-            <a:ext cx="7048885" cy="5714792"/>
-          </a:xfrm>
-          <a:prstGeom prst="rect">
-            <a:avLst/>
-          </a:prstGeom>
-        </p:spPr>
-      </p:pic>
       <p:sp>
         <p:nvSpPr>
           <p:cNvPr id="4" name="Oval 3"/>
@@ -12640,7 +12649,7 @@
         </p:nvSpPr>
         <p:spPr>
           <a:xfrm>
-            <a:off x="4753276" y="2057400"/>
+            <a:off x="4877220" y="2058657"/>
             <a:ext cx="1524000" cy="1143000"/>
           </a:xfrm>
           <a:prstGeom prst="ellipse">
@@ -12686,7 +12695,7 @@
         </p:nvSpPr>
         <p:spPr>
           <a:xfrm>
-            <a:off x="5853765" y="1143000"/>
+            <a:off x="6029637" y="1098702"/>
             <a:ext cx="1524000" cy="1143000"/>
           </a:xfrm>
           <a:prstGeom prst="ellipse">
@@ -12874,30 +12883,6 @@
           </a:p>
         </p:txBody>
       </p:sp>
-      <p:pic>
-        <p:nvPicPr>
-          <p:cNvPr id="10" name="Picture 9"/>
-          <p:cNvPicPr>
-            <a:picLocks noChangeAspect="1"/>
-          </p:cNvPicPr>
-          <p:nvPr/>
-        </p:nvPicPr>
-        <p:blipFill>
-          <a:blip r:embed="rId3"/>
-          <a:stretch>
-            <a:fillRect/>
-          </a:stretch>
-        </p:blipFill>
-        <p:spPr>
-          <a:xfrm>
-            <a:off x="1244688" y="3133725"/>
-            <a:ext cx="333375" cy="1400175"/>
-          </a:xfrm>
-          <a:prstGeom prst="rect">
-            <a:avLst/>
-          </a:prstGeom>
-        </p:spPr>
-      </p:pic>
       <p:sp>
         <p:nvSpPr>
           <p:cNvPr id="9" name="Oval 8"/>
@@ -12944,30 +12929,6 @@
           </a:p>
         </p:txBody>
       </p:sp>
-      <p:pic>
-        <p:nvPicPr>
-          <p:cNvPr id="18" name="Picture 17"/>
-          <p:cNvPicPr>
-            <a:picLocks noChangeAspect="1"/>
-          </p:cNvPicPr>
-          <p:nvPr/>
-        </p:nvPicPr>
-        <p:blipFill>
-          <a:blip r:embed="rId4"/>
-          <a:stretch>
-            <a:fillRect/>
-          </a:stretch>
-        </p:blipFill>
-        <p:spPr>
-          <a:xfrm>
-            <a:off x="3760697" y="6364687"/>
-            <a:ext cx="1704975" cy="466725"/>
-          </a:xfrm>
-          <a:prstGeom prst="rect">
-            <a:avLst/>
-          </a:prstGeom>
-        </p:spPr>
-      </p:pic>
     </p:spTree>
     <p:extLst>
       <p:ext uri="{BB962C8B-B14F-4D97-AF65-F5344CB8AC3E}">
@@ -13330,7 +13291,7 @@
       </p:grpSpPr>
       <p:pic>
         <p:nvPicPr>
-          <p:cNvPr id="6" name="Picture 5"/>
+          <p:cNvPr id="4" name="Picture 3"/>
           <p:cNvPicPr>
             <a:picLocks noChangeAspect="1"/>
           </p:cNvPicPr>
@@ -13350,8 +13311,8 @@
         </p:blipFill>
         <p:spPr>
           <a:xfrm>
-            <a:off x="1447800" y="981405"/>
-            <a:ext cx="6666667" cy="5276190"/>
+            <a:off x="1127955" y="1006000"/>
+            <a:ext cx="7600000" cy="5590476"/>
           </a:xfrm>
           <a:prstGeom prst="rect">
             <a:avLst/>
@@ -13430,7 +13391,7 @@
         </p:nvSpPr>
         <p:spPr>
           <a:xfrm>
-            <a:off x="6934200" y="5410200"/>
+            <a:off x="7309883" y="5743353"/>
             <a:ext cx="152400" cy="152400"/>
           </a:xfrm>
           <a:prstGeom prst="diamond">
@@ -13470,7 +13431,7 @@
         </p:nvSpPr>
         <p:spPr>
           <a:xfrm rot="4204004">
-            <a:off x="1527019" y="1191739"/>
+            <a:off x="1562461" y="1468186"/>
             <a:ext cx="4133810" cy="3904979"/>
           </a:xfrm>
           <a:prstGeom prst="arc">
@@ -13517,7 +13478,7 @@
         </p:nvSpPr>
         <p:spPr>
           <a:xfrm rot="4204004">
-            <a:off x="320872" y="1428669"/>
+            <a:off x="214545" y="1740557"/>
             <a:ext cx="4133810" cy="3904979"/>
           </a:xfrm>
           <a:prstGeom prst="arc">
@@ -13556,6 +13517,30 @@
           </a:p>
         </p:txBody>
       </p:sp>
+      <p:pic>
+        <p:nvPicPr>
+          <p:cNvPr id="7" name="Picture 6"/>
+          <p:cNvPicPr>
+            <a:picLocks noChangeAspect="1"/>
+          </p:cNvPicPr>
+          <p:nvPr/>
+        </p:nvPicPr>
+        <p:blipFill>
+          <a:blip r:embed="rId4"/>
+          <a:stretch>
+            <a:fillRect/>
+          </a:stretch>
+        </p:blipFill>
+        <p:spPr>
+          <a:xfrm>
+            <a:off x="4343400" y="6249887"/>
+            <a:ext cx="1295400" cy="282508"/>
+          </a:xfrm>
+          <a:prstGeom prst="rect">
+            <a:avLst/>
+          </a:prstGeom>
+        </p:spPr>
+      </p:pic>
     </p:spTree>
     <p:extLst>
       <p:ext uri="{BB962C8B-B14F-4D97-AF65-F5344CB8AC3E}">
@@ -13694,7 +13679,7 @@
       </p:grpSpPr>
       <p:pic>
         <p:nvPicPr>
-          <p:cNvPr id="10" name="Picture 9"/>
+          <p:cNvPr id="9" name="Picture 8"/>
           <p:cNvPicPr>
             <a:picLocks noChangeAspect="1"/>
           </p:cNvPicPr>
@@ -13714,14 +13699,54 @@
         </p:blipFill>
         <p:spPr>
           <a:xfrm>
-            <a:off x="1447800" y="981405"/>
-            <a:ext cx="6666667" cy="5276190"/>
+            <a:off x="1127955" y="1006000"/>
+            <a:ext cx="7600000" cy="5590476"/>
           </a:xfrm>
           <a:prstGeom prst="rect">
             <a:avLst/>
           </a:prstGeom>
         </p:spPr>
       </p:pic>
+      <p:sp>
+        <p:nvSpPr>
+          <p:cNvPr id="11" name="Diamond 10"/>
+          <p:cNvSpPr/>
+          <p:nvPr/>
+        </p:nvSpPr>
+        <p:spPr>
+          <a:xfrm>
+            <a:off x="7309883" y="5743353"/>
+            <a:ext cx="152400" cy="152400"/>
+          </a:xfrm>
+          <a:prstGeom prst="diamond">
+            <a:avLst/>
+          </a:prstGeom>
+        </p:spPr>
+        <p:style>
+          <a:lnRef idx="2">
+            <a:schemeClr val="accent6">
+              <a:shade val="50000"/>
+            </a:schemeClr>
+          </a:lnRef>
+          <a:fillRef idx="1">
+            <a:schemeClr val="accent6"/>
+          </a:fillRef>
+          <a:effectRef idx="0">
+            <a:schemeClr val="accent6"/>
+          </a:effectRef>
+          <a:fontRef idx="minor">
+            <a:schemeClr val="lt1"/>
+          </a:fontRef>
+        </p:style>
+        <p:txBody>
+          <a:bodyPr rtlCol="0" anchor="ctr"/>
+          <a:lstStyle/>
+          <a:p>
+            <a:pPr algn="ctr"/>
+            <a:endParaRPr lang="en-US"/>
+          </a:p>
+        </p:txBody>
+      </p:sp>
       <p:sp>
         <p:nvSpPr>
           <p:cNvPr id="2" name="Title 1"/>
@@ -13788,53 +13813,13 @@
       </p:sp>
       <p:sp>
         <p:nvSpPr>
-          <p:cNvPr id="8" name="Diamond 7"/>
-          <p:cNvSpPr/>
-          <p:nvPr/>
-        </p:nvSpPr>
-        <p:spPr>
-          <a:xfrm>
-            <a:off x="6934200" y="5410200"/>
-            <a:ext cx="152400" cy="152400"/>
-          </a:xfrm>
-          <a:prstGeom prst="diamond">
-            <a:avLst/>
-          </a:prstGeom>
-        </p:spPr>
-        <p:style>
-          <a:lnRef idx="2">
-            <a:schemeClr val="accent6">
-              <a:shade val="50000"/>
-            </a:schemeClr>
-          </a:lnRef>
-          <a:fillRef idx="1">
-            <a:schemeClr val="accent6"/>
-          </a:fillRef>
-          <a:effectRef idx="0">
-            <a:schemeClr val="accent6"/>
-          </a:effectRef>
-          <a:fontRef idx="minor">
-            <a:schemeClr val="lt1"/>
-          </a:fontRef>
-        </p:style>
-        <p:txBody>
-          <a:bodyPr rtlCol="0" anchor="ctr"/>
-          <a:lstStyle/>
-          <a:p>
-            <a:pPr algn="ctr"/>
-            <a:endParaRPr lang="en-US"/>
-          </a:p>
-        </p:txBody>
-      </p:sp>
-      <p:sp>
-        <p:nvSpPr>
           <p:cNvPr id="3" name="Oval 2"/>
           <p:cNvSpPr/>
           <p:nvPr/>
         </p:nvSpPr>
         <p:spPr>
           <a:xfrm>
-            <a:off x="6131964" y="4325072"/>
+            <a:off x="6479295" y="4544812"/>
             <a:ext cx="218574" cy="218574"/>
           </a:xfrm>
           <a:prstGeom prst="ellipse">
@@ -13895,8 +13880,8 @@
         </p:blipFill>
         <p:spPr bwMode="auto">
           <a:xfrm>
-            <a:off x="1371600" y="1215883"/>
-            <a:ext cx="4721596" cy="3137543"/>
+            <a:off x="1278709" y="1143001"/>
+            <a:ext cx="5119287" cy="3401812"/>
           </a:xfrm>
           <a:prstGeom prst="rect">
             <a:avLst/>
@@ -13919,6 +13904,30 @@
               </a14:hiddenFill>
             </a:ext>
           </a:extLst>
+        </p:spPr>
+      </p:pic>
+      <p:pic>
+        <p:nvPicPr>
+          <p:cNvPr id="12" name="Picture 11"/>
+          <p:cNvPicPr>
+            <a:picLocks noChangeAspect="1"/>
+          </p:cNvPicPr>
+          <p:nvPr/>
+        </p:nvPicPr>
+        <p:blipFill>
+          <a:blip r:embed="rId5"/>
+          <a:stretch>
+            <a:fillRect/>
+          </a:stretch>
+        </p:blipFill>
+        <p:spPr>
+          <a:xfrm>
+            <a:off x="4343400" y="6249887"/>
+            <a:ext cx="1295400" cy="282508"/>
+          </a:xfrm>
+          <a:prstGeom prst="rect">
+            <a:avLst/>
+          </a:prstGeom>
         </p:spPr>
       </p:pic>
     </p:spTree>
@@ -14299,7 +14308,7 @@
           <a:p>
             <a:r>
               <a:rPr lang="en-US" dirty="0" smtClean="0"/>
-              <a:t>Acknowledgements</a:t>
+              <a:t>Thank you for your attention</a:t>
             </a:r>
             <a:endParaRPr lang="en-US" dirty="0"/>
           </a:p>
@@ -14350,7 +14359,7 @@
         <p:spPr>
           <a:xfrm>
             <a:off x="609600" y="1295400"/>
-            <a:ext cx="8229600" cy="3046988"/>
+            <a:ext cx="8229600" cy="3416320"/>
           </a:xfrm>
           <a:prstGeom prst="rect">
             <a:avLst/>
@@ -14362,13 +14371,24 @@
           </a:bodyPr>
           <a:lstStyle/>
           <a:p>
+            <a:pPr lvl="1"/>
+            <a:r>
+              <a:rPr lang="en-US" sz="2400" dirty="0" smtClean="0"/>
+              <a:t>Acknowledgments:</a:t>
+            </a:r>
+          </a:p>
+          <a:p>
             <a:pPr marL="800100" lvl="1" indent="-342900">
               <a:buFont typeface="Arial" panose="020B0604020202020204" pitchFamily="34" charset="0"/>
               <a:buChar char="•"/>
             </a:pPr>
             <a:r>
               <a:rPr lang="en-US" sz="2400" dirty="0" smtClean="0"/>
-              <a:t>Dr. de </a:t>
+              <a:t>Dr</a:t>
+            </a:r>
+            <a:r>
+              <a:rPr lang="en-US" sz="2400" dirty="0" smtClean="0"/>
+              <a:t>. de </a:t>
             </a:r>
             <a:r>
               <a:rPr lang="en-US" sz="2400" dirty="0" err="1" smtClean="0"/>
